--- a/defense/praktikum_defense.pptx
+++ b/defense/praktikum_defense.pptx
@@ -6,7 +6,7 @@
     <p:sldMasterId id="2147483653" r:id="rId2"/>
   </p:sldMasterIdLst>
   <p:notesMasterIdLst>
-    <p:notesMasterId r:id="rId24"/>
+    <p:notesMasterId r:id="rId23"/>
   </p:notesMasterIdLst>
   <p:sldIdLst>
     <p:sldId id="256" r:id="rId6"/>
@@ -26,7 +26,6 @@
     <p:sldId id="270" r:id="rId20"/>
     <p:sldId id="271" r:id="rId21"/>
     <p:sldId id="272" r:id="rId22"/>
-    <p:sldId id="273" r:id="rId23"/>
   </p:sldIdLst>
   <p:sldSz cx="12192000" cy="6858000"/>
   <p:notesSz cx="9928225" cy="6797675"/>
@@ -1338,88 +1337,6 @@
             <a:pPr>
               <a:defRPr/>
             </a:pPr>
-            <a:fld id="{F438A07B-D5FD-7AA5-2727-B65A30BEA105}" type="slidenum">
-              <a:rPr/>
-              <a:t/>
-            </a:fld>
-            <a:endParaRPr/>
-          </a:p>
-        </p:txBody>
-      </p:sp>
-    </p:spTree>
-  </p:cSld>
-</p:notes>
-</file>
-
-<file path=ppt/notesSlides/notesSlide18.xml><?xml version="1.0" encoding="utf-8"?>
-<p:notes xmlns:a="http://schemas.openxmlformats.org/drawingml/2006/main" xmlns:r="http://schemas.openxmlformats.org/officeDocument/2006/relationships" xmlns:p="http://schemas.openxmlformats.org/presentationml/2006/main" xmlns:m="http://schemas.openxmlformats.org/officeDocument/2006/math" xmlns:w="http://schemas.openxmlformats.org/wordprocessingml/2006/main">
-  <p:cSld name="">
-    <p:spTree>
-      <p:nvGrpSpPr>
-        <p:cNvPr id="1" name=""/>
-        <p:cNvGrpSpPr/>
-        <p:nvPr/>
-      </p:nvGrpSpPr>
-      <p:grpSpPr bwMode="auto">
-        <a:xfrm>
-          <a:off x="0" y="0"/>
-          <a:ext cx="0" cy="0"/>
-          <a:chOff x="0" y="0"/>
-          <a:chExt cx="0" cy="0"/>
-        </a:xfrm>
-      </p:grpSpPr>
-      <p:sp>
-        <p:nvSpPr>
-          <p:cNvPr id="2" name="Slide Image Placeholder 1"/>
-          <p:cNvSpPr>
-            <a:spLocks noChangeAspect="1" noGrp="1" noRot="1"/>
-          </p:cNvSpPr>
-          <p:nvPr>
-            <p:ph type="sldImg"/>
-          </p:nvPr>
-        </p:nvSpPr>
-        <p:spPr bwMode="auto"/>
-      </p:sp>
-      <p:sp>
-        <p:nvSpPr>
-          <p:cNvPr id="3" name="Notes Placeholder 2"/>
-          <p:cNvSpPr>
-            <a:spLocks noGrp="1"/>
-          </p:cNvSpPr>
-          <p:nvPr>
-            <p:ph type="body" idx="1"/>
-          </p:nvPr>
-        </p:nvSpPr>
-        <p:spPr bwMode="auto"/>
-        <p:txBody>
-          <a:bodyPr/>
-          <a:lstStyle/>
-          <a:p>
-            <a:pPr>
-              <a:defRPr/>
-            </a:pPr>
-            <a:endParaRPr/>
-          </a:p>
-        </p:txBody>
-      </p:sp>
-      <p:sp>
-        <p:nvSpPr>
-          <p:cNvPr id="4" name="Slide Number Placeholder 3"/>
-          <p:cNvSpPr>
-            <a:spLocks noGrp="1"/>
-          </p:cNvSpPr>
-          <p:nvPr>
-            <p:ph type="sldNum" sz="quarter" idx="10"/>
-          </p:nvPr>
-        </p:nvSpPr>
-        <p:spPr bwMode="auto"/>
-        <p:txBody>
-          <a:bodyPr/>
-          <a:lstStyle/>
-          <a:p>
-            <a:pPr>
-              <a:defRPr/>
-            </a:pPr>
             <a:fld id="{465C3093-1141-8DF5-EEA6-FB9AB4C05C46}" type="slidenum">
               <a:rPr/>
               <a:t/>
@@ -1502,7 +1419,7 @@
             <a:pPr>
               <a:defRPr/>
             </a:pPr>
-            <a:fld id="{F45737E7-B37B-F9A0-D878-612B2102E1A0}" type="slidenum">
+            <a:fld id="{E8CE07DE-C521-6835-95DD-9FC01C58ED5D}" type="slidenum">
               <a:rPr/>
               <a:t/>
             </a:fld>
@@ -7452,7 +7369,7 @@
               <a:defRPr/>
             </a:pPr>
             <a:r>
-              <a:rPr lang="de-DE" sz="2800" b="1" i="0" u="none" strike="noStrike" cap="none" spc="0">
+              <a:rPr lang="de-DE" sz="2400" b="1" i="0" u="none" strike="noStrike" cap="none" spc="0">
                 <a:solidFill>
                   <a:schemeClr val="tx1"/>
                 </a:solidFill>
@@ -7462,7 +7379,7 @@
               </a:rPr>
               <a:t>Entwicklung und Implementierung einer automatisierten szenariobasierten Unit-Test Strategie für einen modellprädiktiven Pfadfolgeregler in einer GitLab CI Pipeline</a:t>
             </a:r>
-            <a:endParaRPr sz="2800"/>
+            <a:endParaRPr sz="2400"/>
           </a:p>
         </p:txBody>
       </p:sp>
@@ -7510,10 +7427,6 @@
           </p:nvPr>
         </p:nvSpPr>
         <p:spPr bwMode="auto">
-          <a:xfrm>
-            <a:off x="1343025" y="152399"/>
-            <a:ext cx="10656887" cy="468313"/>
-          </a:xfrm>
           <a:prstGeom prst="rect">
             <a:avLst/>
           </a:prstGeom>
@@ -7533,7 +7446,7 @@
             </a:pPr>
             <a:r>
               <a:rPr/>
-              <a:t>Parametrierung</a:t>
+              <a:t>Implementierung</a:t>
             </a:r>
             <a:endParaRPr/>
           </a:p>
@@ -7870,6 +7783,78 @@
           </a:p>
         </p:txBody>
       </p:sp>
+      <p:sp>
+        <p:nvSpPr>
+          <p:cNvPr id="608791395" name="Textplatzhalter 7"/>
+          <p:cNvSpPr>
+            <a:spLocks noGrp="1"/>
+          </p:cNvSpPr>
+          <p:nvPr>
+            <p:ph type="body" sz="quarter" idx="13" hasCustomPrompt="1"/>
+          </p:nvPr>
+        </p:nvSpPr>
+        <p:spPr bwMode="auto">
+          <a:xfrm>
+            <a:off x="192087" y="908049"/>
+            <a:ext cx="11807824" cy="928369"/>
+          </a:xfrm>
+          <a:prstGeom prst="rect">
+            <a:avLst/>
+          </a:prstGeom>
+        </p:spPr>
+        <p:txBody>
+          <a:bodyPr lIns="0" tIns="0" rIns="0" bIns="0">
+            <a:normAutofit/>
+          </a:bodyPr>
+          <a:lstStyle>
+            <a:lvl1pPr marL="0" indent="0">
+              <a:buFont typeface="Arial"/>
+              <a:buNone/>
+              <a:defRPr sz="2400" b="1">
+                <a:solidFill>
+                  <a:schemeClr val="tx1"/>
+                </a:solidFill>
+                <a:latin typeface="Roboto"/>
+                <a:ea typeface="Roboto"/>
+              </a:defRPr>
+            </a:lvl1pPr>
+            <a:lvl2pPr>
+              <a:defRPr sz="2400">
+                <a:latin typeface="Roboto"/>
+                <a:ea typeface="Roboto"/>
+              </a:defRPr>
+            </a:lvl2pPr>
+            <a:lvl3pPr>
+              <a:defRPr sz="2000">
+                <a:latin typeface="Roboto"/>
+                <a:ea typeface="Roboto"/>
+              </a:defRPr>
+            </a:lvl3pPr>
+            <a:lvl4pPr>
+              <a:defRPr sz="2000">
+                <a:latin typeface="Roboto"/>
+                <a:ea typeface="Roboto"/>
+              </a:defRPr>
+            </a:lvl4pPr>
+            <a:lvl5pPr>
+              <a:defRPr sz="2000">
+                <a:latin typeface="Roboto"/>
+                <a:ea typeface="Roboto"/>
+              </a:defRPr>
+            </a:lvl5pPr>
+          </a:lstStyle>
+          <a:p>
+            <a:pPr>
+              <a:defRPr/>
+            </a:pPr>
+            <a:r>
+              <a:rPr/>
+              <a:t>Parametrierung</a:t>
+            </a:r>
+            <a:endParaRPr/>
+          </a:p>
+        </p:txBody>
+      </p:sp>
     </p:spTree>
   </p:cSld>
   <p:clrMapOvr>
@@ -8010,6 +7995,10 @@
                 <a:cs typeface="Roboto"/>
               </a:rPr>
               <a:t>Indicators</a:t>
+            </a:r>
+            <a:r>
+              <a:rPr sz="2400"/>
+              <a:t> - KPIs</a:t>
             </a:r>
             <a:endParaRPr sz="2400"/>
           </a:p>
@@ -9221,7 +9210,7 @@
             </a:pPr>
             <a:r>
               <a:rPr lang="de-DE"/>
-              <a:t>Szenario: ACC konstante Objektgeschwindigkeit</a:t>
+              <a:t>Implementierung</a:t>
             </a:r>
             <a:endParaRPr/>
           </a:p>
@@ -9365,10 +9354,6 @@
           </p:nvPr>
         </p:nvSpPr>
         <p:spPr bwMode="auto">
-          <a:xfrm>
-            <a:off x="1063867" y="706248"/>
-            <a:ext cx="11807824" cy="928369"/>
-          </a:xfrm>
           <a:prstGeom prst="rect">
             <a:avLst/>
           </a:prstGeom>
@@ -9419,8 +9404,26 @@
               <a:defRPr/>
             </a:pPr>
             <a:r>
-              <a:rPr/>
-              <a:t>KPIs bei versch. Parametrierung</a:t>
+              <a:rPr lang="de-DE" sz="2400" b="1" i="0" u="none" strike="noStrike" cap="none" spc="0">
+                <a:solidFill>
+                  <a:schemeClr val="tx1"/>
+                </a:solidFill>
+                <a:latin typeface="Roboto"/>
+                <a:ea typeface="Roboto"/>
+                <a:cs typeface="Roboto"/>
+              </a:rPr>
+              <a:t>Szenariendefinition</a:t>
+            </a:r>
+            <a:r>
+              <a:rPr lang="de-DE" sz="2400" b="1" i="0" u="none" strike="noStrike" cap="none" spc="0">
+                <a:solidFill>
+                  <a:schemeClr val="tx1"/>
+                </a:solidFill>
+                <a:latin typeface="Roboto"/>
+                <a:ea typeface="Roboto"/>
+                <a:cs typeface="Roboto"/>
+              </a:rPr>
+              <a:t>: ACC mit konstanter Objektgeschwindigkeit</a:t>
             </a:r>
             <a:endParaRPr/>
           </a:p>
@@ -9884,7 +9887,22 @@
                 <a:ea typeface="Roboto"/>
                 <a:cs typeface="Roboto"/>
               </a:rPr>
-              <a:t>Testreport</a:t>
+              <a:t>Gitlab</a:t>
+            </a:r>
+            <a:r>
+              <a:rPr lang="de-DE" sz="2400" b="1" i="0" u="none" strike="noStrike" cap="none" spc="0">
+                <a:solidFill>
+                  <a:schemeClr val="tx1"/>
+                </a:solidFill>
+                <a:latin typeface="Roboto"/>
+                <a:ea typeface="Roboto"/>
+                <a:cs typeface="Roboto"/>
+              </a:rPr>
+              <a:t> CI Pipeline</a:t>
+            </a:r>
+            <a:r>
+              <a:rPr/>
+              <a:t>: Testreport</a:t>
             </a:r>
             <a:endParaRPr/>
           </a:p>
@@ -9934,10 +9952,6 @@
           </p:nvPr>
         </p:nvSpPr>
         <p:spPr bwMode="auto">
-          <a:xfrm>
-            <a:off x="1343025" y="152399"/>
-            <a:ext cx="10656887" cy="468313"/>
-          </a:xfrm>
           <a:prstGeom prst="rect">
             <a:avLst/>
           </a:prstGeom>
@@ -9974,10 +9988,6 @@
           </p:nvPr>
         </p:nvSpPr>
         <p:spPr bwMode="auto">
-          <a:xfrm>
-            <a:off x="192087" y="908049"/>
-            <a:ext cx="11807824" cy="928369"/>
-          </a:xfrm>
           <a:prstGeom prst="rect">
             <a:avLst/>
           </a:prstGeom>
@@ -10046,10 +10056,6 @@
           </p:nvPr>
         </p:nvSpPr>
         <p:spPr bwMode="auto">
-          <a:xfrm>
-            <a:off x="192087" y="1996439"/>
-            <a:ext cx="11807824" cy="4348797"/>
-          </a:xfrm>
           <a:prstGeom prst="rect">
             <a:avLst/>
           </a:prstGeom>
@@ -10137,59 +10143,15 @@
       </p:grpSpPr>
       <p:sp>
         <p:nvSpPr>
-          <p:cNvPr id="423053921" name="Titel 3"/>
+          <p:cNvPr id="1304599649" name="Textplatzhalter 7"/>
           <p:cNvSpPr>
             <a:spLocks noGrp="1"/>
           </p:cNvSpPr>
           <p:nvPr>
-            <p:ph type="title" hasCustomPrompt="1"/>
+            <p:ph type="body" sz="quarter" idx="13"/>
           </p:nvPr>
         </p:nvSpPr>
         <p:spPr bwMode="auto">
-          <a:xfrm>
-            <a:off x="1343025" y="152399"/>
-            <a:ext cx="10656887" cy="468313"/>
-          </a:xfrm>
-          <a:prstGeom prst="rect">
-            <a:avLst/>
-          </a:prstGeom>
-        </p:spPr>
-        <p:txBody>
-          <a:bodyPr lIns="0" tIns="0" rIns="0" bIns="0">
-            <a:normAutofit/>
-          </a:bodyPr>
-          <a:lstStyle>
-            <a:lvl1pPr>
-              <a:defRPr sz="2800"/>
-            </a:lvl1pPr>
-          </a:lstStyle>
-          <a:p>
-            <a:pPr>
-              <a:defRPr/>
-            </a:pPr>
-            <a:r>
-              <a:rPr/>
-              <a:t>Referenzen</a:t>
-            </a:r>
-            <a:endParaRPr/>
-          </a:p>
-        </p:txBody>
-      </p:sp>
-      <p:sp>
-        <p:nvSpPr>
-          <p:cNvPr id="184406869" name="Textplatzhalter 7"/>
-          <p:cNvSpPr>
-            <a:spLocks noGrp="1"/>
-          </p:cNvSpPr>
-          <p:nvPr>
-            <p:ph type="body" sz="quarter" idx="13" hasCustomPrompt="1"/>
-          </p:nvPr>
-        </p:nvSpPr>
-        <p:spPr bwMode="auto">
-          <a:xfrm>
-            <a:off x="192087" y="908049"/>
-            <a:ext cx="11807824" cy="928369"/>
-          </a:xfrm>
           <a:prstGeom prst="rect">
             <a:avLst/>
           </a:prstGeom>
@@ -10241,7 +10203,7 @@
             </a:pPr>
             <a:r>
               <a:rPr/>
-              <a:t>tbd.</a:t>
+              <a:t>Vielen Dank!</a:t>
             </a:r>
             <a:endParaRPr/>
           </a:p>
@@ -10249,103 +10211,7 @@
       </p:sp>
       <p:sp>
         <p:nvSpPr>
-          <p:cNvPr id="1030991806" name="Textplatzhalter 7"/>
-          <p:cNvSpPr>
-            <a:spLocks noGrp="1"/>
-          </p:cNvSpPr>
-          <p:nvPr>
-            <p:ph type="body" sz="quarter" idx="11" hasCustomPrompt="1"/>
-          </p:nvPr>
-        </p:nvSpPr>
-        <p:spPr bwMode="auto">
-          <a:xfrm>
-            <a:off x="192087" y="1996439"/>
-            <a:ext cx="11807824" cy="4348797"/>
-          </a:xfrm>
-          <a:prstGeom prst="rect">
-            <a:avLst/>
-          </a:prstGeom>
-        </p:spPr>
-        <p:txBody>
-          <a:bodyPr>
-            <a:normAutofit/>
-          </a:bodyPr>
-          <a:lstStyle>
-            <a:lvl1pPr>
-              <a:defRPr sz="2000">
-                <a:latin typeface="Roboto"/>
-                <a:ea typeface="Roboto"/>
-              </a:defRPr>
-            </a:lvl1pPr>
-            <a:lvl2pPr>
-              <a:defRPr sz="2000">
-                <a:latin typeface="Roboto"/>
-                <a:ea typeface="Roboto"/>
-              </a:defRPr>
-            </a:lvl2pPr>
-            <a:lvl3pPr>
-              <a:defRPr sz="2000">
-                <a:latin typeface="Roboto"/>
-                <a:ea typeface="Roboto"/>
-              </a:defRPr>
-            </a:lvl3pPr>
-            <a:lvl4pPr>
-              <a:defRPr sz="2000">
-                <a:latin typeface="Roboto"/>
-                <a:ea typeface="Roboto"/>
-              </a:defRPr>
-            </a:lvl4pPr>
-            <a:lvl5pPr>
-              <a:defRPr sz="2000">
-                <a:latin typeface="Roboto"/>
-                <a:ea typeface="Roboto"/>
-              </a:defRPr>
-            </a:lvl5pPr>
-          </a:lstStyle>
-          <a:p>
-            <a:pPr>
-              <a:defRPr/>
-            </a:pPr>
-            <a:endParaRPr/>
-          </a:p>
-        </p:txBody>
-      </p:sp>
-    </p:spTree>
-  </p:cSld>
-  <p:clrMapOvr>
-    <a:masterClrMapping/>
-  </p:clrMapOvr>
-  <mc:AlternateContent xmlns:mc="http://schemas.openxmlformats.org/markup-compatibility/2006">
-    <mc:Choice xmlns:p159="http://schemas.microsoft.com/office/powerpoint/2015/09/main" xmlns:p14="http://schemas.microsoft.com/office/powerpoint/2010/main" Requires="p159">
-      <p:transition p14:dur="2000" advClick="1"/>
-    </mc:Choice>
-    <mc:Fallback>
-      <p:transition advClick="1"/>
-    </mc:Fallback>
-  </mc:AlternateContent>
-</p:sld>
-</file>
-
-<file path=ppt/slides/slide18.xml><?xml version="1.0" encoding="utf-8"?>
-<p:sld xmlns:a="http://schemas.openxmlformats.org/drawingml/2006/main" xmlns:r="http://schemas.openxmlformats.org/officeDocument/2006/relationships" xmlns:p="http://schemas.openxmlformats.org/presentationml/2006/main" xmlns:m="http://schemas.openxmlformats.org/officeDocument/2006/math" xmlns:w="http://schemas.openxmlformats.org/wordprocessingml/2006/main" xmlns:mc="http://schemas.openxmlformats.org/markup-compatibility/2006" showMasterPhAnim="0" showMasterSp="1" show="1">
-  <p:cSld name="">
-    <p:spTree>
-      <p:nvGrpSpPr>
-        <p:cNvPr id="1" name=""/>
-        <p:cNvGrpSpPr/>
-        <p:nvPr/>
-      </p:nvGrpSpPr>
-      <p:grpSpPr bwMode="auto">
-        <a:xfrm>
-          <a:off x="0" y="0"/>
-          <a:ext cx="0" cy="0"/>
-          <a:chOff x="0" y="0"/>
-          <a:chExt cx="0" cy="0"/>
-        </a:xfrm>
-      </p:grpSpPr>
-      <p:sp>
-        <p:nvSpPr>
-          <p:cNvPr id="452097327" name="Titelplatzhalter 25"/>
+          <p:cNvPr id="679738931" name="Titelplatzhalter 25"/>
           <p:cNvSpPr>
             <a:spLocks noGrp="1"/>
           </p:cNvSpPr>
@@ -10385,79 +10251,7 @@
       </p:sp>
       <p:sp>
         <p:nvSpPr>
-          <p:cNvPr id="1304599649" name="Textplatzhalter 7"/>
-          <p:cNvSpPr>
-            <a:spLocks noGrp="1"/>
-          </p:cNvSpPr>
-          <p:nvPr>
-            <p:ph type="body" sz="quarter" idx="13"/>
-          </p:nvPr>
-        </p:nvSpPr>
-        <p:spPr bwMode="auto">
-          <a:xfrm>
-            <a:off x="334962" y="1776094"/>
-            <a:ext cx="11556999" cy="448944"/>
-          </a:xfrm>
-          <a:prstGeom prst="rect">
-            <a:avLst/>
-          </a:prstGeom>
-        </p:spPr>
-        <p:txBody>
-          <a:bodyPr lIns="0" tIns="0" rIns="0" bIns="0">
-            <a:normAutofit/>
-          </a:bodyPr>
-          <a:lstStyle>
-            <a:lvl1pPr marL="0" indent="0">
-              <a:buFont typeface="Arial"/>
-              <a:buNone/>
-              <a:defRPr sz="2400" b="1">
-                <a:solidFill>
-                  <a:schemeClr val="tx1"/>
-                </a:solidFill>
-                <a:latin typeface="Roboto"/>
-                <a:ea typeface="Roboto"/>
-              </a:defRPr>
-            </a:lvl1pPr>
-            <a:lvl2pPr>
-              <a:defRPr sz="2400">
-                <a:latin typeface="Roboto"/>
-                <a:ea typeface="Roboto"/>
-              </a:defRPr>
-            </a:lvl2pPr>
-            <a:lvl3pPr>
-              <a:defRPr sz="2000">
-                <a:latin typeface="Roboto"/>
-                <a:ea typeface="Roboto"/>
-              </a:defRPr>
-            </a:lvl3pPr>
-            <a:lvl4pPr>
-              <a:defRPr sz="2000">
-                <a:latin typeface="Roboto"/>
-                <a:ea typeface="Roboto"/>
-              </a:defRPr>
-            </a:lvl4pPr>
-            <a:lvl5pPr>
-              <a:defRPr sz="2000">
-                <a:latin typeface="Roboto"/>
-                <a:ea typeface="Roboto"/>
-              </a:defRPr>
-            </a:lvl5pPr>
-          </a:lstStyle>
-          <a:p>
-            <a:pPr>
-              <a:defRPr/>
-            </a:pPr>
-            <a:r>
-              <a:rPr/>
-              <a:t>Vielen Dank!</a:t>
-            </a:r>
-            <a:endParaRPr/>
-          </a:p>
-        </p:txBody>
-      </p:sp>
-      <p:sp>
-        <p:nvSpPr>
-          <p:cNvPr id="1653744614" name="Bildplatzhalter 2"/>
+          <p:cNvPr id="1009691819" name="Bildplatzhalter 2"/>
           <p:cNvSpPr>
             <a:spLocks noGrp="1"/>
           </p:cNvSpPr>
@@ -10528,7 +10322,7 @@
       </p:grpSpPr>
       <p:sp>
         <p:nvSpPr>
-          <p:cNvPr id="1423366793" name="Titel 3"/>
+          <p:cNvPr id="418283589" name="Titel 3"/>
           <p:cNvSpPr>
             <a:spLocks noGrp="1"/>
           </p:cNvSpPr>
@@ -10568,7 +10362,7 @@
       </p:sp>
       <p:sp>
         <p:nvSpPr>
-          <p:cNvPr id="994653214" name="Textplatzhalter 7"/>
+          <p:cNvPr id="1697934798" name="Textplatzhalter 7"/>
           <p:cNvSpPr>
             <a:spLocks noGrp="1"/>
           </p:cNvSpPr>
@@ -10578,8 +10372,8 @@
         </p:nvSpPr>
         <p:spPr bwMode="auto">
           <a:xfrm flipH="0" flipV="0">
-            <a:off x="192087" y="944358"/>
-            <a:ext cx="11807824" cy="5400878"/>
+            <a:off x="192087" y="908049"/>
+            <a:ext cx="11807824" cy="5437187"/>
           </a:xfrm>
           <a:prstGeom prst="rect">
             <a:avLst/>
@@ -10587,7 +10381,7 @@
         </p:spPr>
         <p:txBody>
           <a:bodyPr vertOverflow="overflow" horzOverflow="overflow" vert="horz" wrap="square" lIns="91440" tIns="45720" rIns="91440" bIns="45720" numCol="1" spcCol="0" rtlCol="0" fromWordArt="0" anchor="t" anchorCtr="0" forceAA="0" upright="0" compatLnSpc="0">
-            <a:normAutofit/>
+            <a:normAutofit fontScale="95000" lnSpcReduction="1000"/>
           </a:bodyPr>
           <a:lstStyle>
             <a:lvl1pPr>
@@ -10624,18 +10418,11 @@
           <a:p>
             <a:pPr marL="305908" indent="-305908">
               <a:buFont typeface="Arial"/>
-              <a:buAutoNum type="arabicPeriod"/>
-              <a:defRPr/>
-            </a:pPr>
-            <a:r>
-              <a:rPr lang="de-DE" sz="2000" b="0" i="0" u="none" strike="noStrike" cap="none" spc="0">
-                <a:solidFill>
-                  <a:schemeClr val="tx1"/>
-                </a:solidFill>
-                <a:latin typeface="Roboto"/>
-                <a:ea typeface="Roboto"/>
-                <a:cs typeface="Roboto"/>
-              </a:rPr>
+              <a:buAutoNum type="arabicParenR"/>
+              <a:defRPr/>
+            </a:pPr>
+            <a:r>
+              <a:rPr/>
               <a:t>Systemüberblick</a:t>
             </a:r>
             <a:endParaRPr/>
@@ -10647,34 +10434,10 @@
               <a:defRPr/>
             </a:pPr>
             <a:r>
-              <a:rPr lang="de-DE" sz="2000" b="0" i="0" u="none" strike="noStrike" cap="none" spc="0">
-                <a:solidFill>
-                  <a:schemeClr val="tx1"/>
-                </a:solidFill>
-                <a:latin typeface="Roboto"/>
-                <a:ea typeface="Roboto"/>
-                <a:cs typeface="Roboto"/>
-              </a:rPr>
-              <a:t>modellprädiktiver Pfadfolgeregler - </a:t>
-            </a:r>
-            <a:r>
-              <a:rPr lang="de-DE" sz="2000" b="0" i="0" u="none" strike="noStrike" cap="none" spc="0">
-                <a:solidFill>
-                  <a:schemeClr val="tx1"/>
-                </a:solidFill>
-                <a:latin typeface="Roboto"/>
-                <a:ea typeface="Roboto"/>
-                <a:cs typeface="Roboto"/>
-              </a:rPr>
-              <a:t>MPFC</a:t>
-            </a:r>
-            <a:endParaRPr lang="de-DE" sz="2000" b="0" i="0" u="none" strike="noStrike" cap="none" spc="0">
-              <a:solidFill>
-                <a:schemeClr val="tx1"/>
-              </a:solidFill>
-              <a:latin typeface="Times New Roman"/>
-              <a:cs typeface="Times New Roman"/>
-            </a:endParaRPr>
+              <a:rPr/>
+              <a:t>Modellprädiktiver Pfadfolgeregler – MPFC</a:t>
+            </a:r>
+            <a:endParaRPr/>
           </a:p>
           <a:p>
             <a:pPr marL="705958" lvl="1" indent="-305908">
@@ -10683,14 +10446,7 @@
               <a:defRPr/>
             </a:pPr>
             <a:r>
-              <a:rPr lang="de-DE" sz="2000" b="0" i="0" u="none" strike="noStrike" cap="none" spc="0">
-                <a:solidFill>
-                  <a:schemeClr val="tx1"/>
-                </a:solidFill>
-                <a:latin typeface="Roboto"/>
-                <a:ea typeface="Roboto"/>
-                <a:cs typeface="Roboto"/>
-              </a:rPr>
+              <a:rPr/>
               <a:t>Konzeptvorstellung</a:t>
             </a:r>
             <a:endParaRPr/>
@@ -10702,24 +10458,10 @@
               <a:defRPr/>
             </a:pPr>
             <a:r>
-              <a:rPr lang="de-DE" sz="2000" b="0" i="0" u="none" strike="noStrike" cap="none" spc="0">
-                <a:solidFill>
-                  <a:schemeClr val="tx1"/>
-                </a:solidFill>
-                <a:latin typeface="Roboto"/>
-                <a:ea typeface="Roboto"/>
-                <a:cs typeface="Roboto"/>
-              </a:rPr>
-              <a:t>Szenarienbasiertes Testen</a:t>
-            </a:r>
-            <a:endParaRPr lang="de-DE" sz="2000" b="0" i="0" u="none" strike="noStrike" cap="none" spc="0">
-              <a:solidFill>
-                <a:schemeClr val="tx1"/>
-              </a:solidFill>
-              <a:latin typeface="Roboto"/>
-              <a:ea typeface="Roboto"/>
-              <a:cs typeface="Roboto"/>
-            </a:endParaRPr>
+              <a:rPr/>
+              <a:t>Szenariobasiertes Testen</a:t>
+            </a:r>
+            <a:endParaRPr/>
           </a:p>
           <a:p>
             <a:pPr marL="705958" lvl="1" indent="-305908">
@@ -10728,50 +10470,10 @@
               <a:defRPr/>
             </a:pPr>
             <a:r>
-              <a:rPr lang="de-DE" sz="2000" b="0" i="0" u="none" strike="noStrike" cap="none" spc="0">
-                <a:solidFill>
-                  <a:schemeClr val="tx1"/>
-                </a:solidFill>
-                <a:latin typeface="Roboto"/>
-                <a:ea typeface="Roboto"/>
-                <a:cs typeface="Roboto"/>
-              </a:rPr>
+              <a:rPr/>
               <a:t>Softwareentwicklungsprozess</a:t>
             </a:r>
-            <a:endParaRPr lang="de-DE" sz="2000" b="0" i="0" u="none" strike="noStrike" cap="none" spc="0">
-              <a:solidFill>
-                <a:schemeClr val="tx1"/>
-              </a:solidFill>
-              <a:latin typeface="Roboto"/>
-              <a:ea typeface="Roboto"/>
-              <a:cs typeface="Roboto"/>
-            </a:endParaRPr>
-          </a:p>
-          <a:p>
-            <a:pPr marL="305908" lvl="0" indent="-305908">
-              <a:buFont typeface="Arial"/>
-              <a:buAutoNum type="arabicPeriod"/>
-              <a:defRPr/>
-            </a:pPr>
-            <a:r>
-              <a:rPr lang="de-DE" sz="2000" b="0" i="0" u="none" strike="noStrike" cap="none" spc="0">
-                <a:solidFill>
-                  <a:schemeClr val="tx1"/>
-                </a:solidFill>
-                <a:latin typeface="Roboto"/>
-                <a:ea typeface="Roboto"/>
-                <a:cs typeface="Roboto"/>
-              </a:rPr>
-              <a:t>Implementierung</a:t>
-            </a:r>
-            <a:endParaRPr lang="de-DE" sz="2000" b="0" i="0" u="none" strike="noStrike" cap="none" spc="0">
-              <a:solidFill>
-                <a:schemeClr val="tx1"/>
-              </a:solidFill>
-              <a:latin typeface="Roboto"/>
-              <a:ea typeface="Roboto"/>
-              <a:cs typeface="Roboto"/>
-            </a:endParaRPr>
+            <a:endParaRPr/>
           </a:p>
           <a:p>
             <a:pPr marL="705958" lvl="1" indent="-305908">
@@ -10779,25 +10481,19 @@
               <a:buAutoNum type="arabicPeriod"/>
               <a:defRPr/>
             </a:pPr>
-            <a:r>
-              <a:rPr lang="de-DE" sz="2000" b="0" i="0" u="none" strike="noStrike" cap="none" spc="0">
-                <a:solidFill>
-                  <a:schemeClr val="tx1"/>
-                </a:solidFill>
-                <a:latin typeface="Roboto"/>
-                <a:ea typeface="Roboto"/>
-                <a:cs typeface="Roboto"/>
-              </a:rPr>
-              <a:t>Aufbau eines Testskriptes</a:t>
-            </a:r>
-            <a:endParaRPr lang="de-DE" sz="2000" b="0" i="0" u="none" strike="noStrike" cap="none" spc="0">
-              <a:solidFill>
-                <a:schemeClr val="tx1"/>
-              </a:solidFill>
-              <a:latin typeface="Roboto"/>
-              <a:ea typeface="Roboto"/>
-              <a:cs typeface="Roboto"/>
-            </a:endParaRPr>
+            <a:endParaRPr/>
+          </a:p>
+          <a:p>
+            <a:pPr marL="305908" indent="-305908">
+              <a:buFont typeface="Arial"/>
+              <a:buAutoNum type="arabicParenR"/>
+              <a:defRPr/>
+            </a:pPr>
+            <a:r>
+              <a:rPr/>
+              <a:t>Implementierung</a:t>
+            </a:r>
+            <a:endParaRPr/>
           </a:p>
           <a:p>
             <a:pPr marL="705958" lvl="1" indent="-305908">
@@ -10806,24 +10502,10 @@
               <a:defRPr/>
             </a:pPr>
             <a:r>
-              <a:rPr lang="de-DE" sz="2000" b="0" i="0" u="none" strike="noStrike" cap="none" spc="0">
-                <a:solidFill>
-                  <a:schemeClr val="tx1"/>
-                </a:solidFill>
-                <a:latin typeface="Roboto"/>
-                <a:ea typeface="Roboto"/>
-                <a:cs typeface="Roboto"/>
-              </a:rPr>
-              <a:t>Parametrierung</a:t>
-            </a:r>
-            <a:endParaRPr lang="de-DE" sz="2000" b="0" i="0" u="none" strike="noStrike" cap="none" spc="0">
-              <a:solidFill>
-                <a:schemeClr val="tx1"/>
-              </a:solidFill>
-              <a:latin typeface="Roboto"/>
-              <a:ea typeface="Roboto"/>
-              <a:cs typeface="Roboto"/>
-            </a:endParaRPr>
+              <a:rPr/>
+              <a:t>Ablauf eines Testskriptes</a:t>
+            </a:r>
+            <a:endParaRPr/>
           </a:p>
           <a:p>
             <a:pPr marL="705958" lvl="1" indent="-305908">
@@ -10832,35 +10514,10 @@
               <a:defRPr/>
             </a:pPr>
             <a:r>
-              <a:rPr lang="de-DE" sz="2000" b="0" i="0" u="none" strike="noStrike" cap="none" spc="0">
-                <a:solidFill>
-                  <a:schemeClr val="tx1"/>
-                </a:solidFill>
-                <a:latin typeface="Roboto"/>
-                <a:ea typeface="Roboto"/>
-                <a:cs typeface="Roboto"/>
-              </a:rPr>
-              <a:t>Key Performance Indicators</a:t>
-            </a:r>
-            <a:r>
-              <a:rPr lang="de-DE" sz="2000" b="0" i="0" u="none" strike="noStrike" cap="none" spc="0">
-                <a:solidFill>
-                  <a:schemeClr val="tx1"/>
-                </a:solidFill>
-                <a:latin typeface="Roboto"/>
-                <a:ea typeface="Roboto"/>
-                <a:cs typeface="Roboto"/>
-              </a:rPr>
-              <a:t> - KPIs</a:t>
-            </a:r>
-            <a:endParaRPr lang="de-DE" sz="2000" b="0" i="0" u="none" strike="noStrike" cap="none" spc="0">
-              <a:solidFill>
-                <a:schemeClr val="tx1"/>
-              </a:solidFill>
-              <a:latin typeface="Roboto"/>
-              <a:ea typeface="Roboto"/>
-              <a:cs typeface="Roboto"/>
-            </a:endParaRPr>
+              <a:rPr/>
+              <a:t>Parametrierung</a:t>
+            </a:r>
+            <a:endParaRPr/>
           </a:p>
           <a:p>
             <a:pPr marL="705958" lvl="1" indent="-305908">
@@ -10869,24 +10526,10 @@
               <a:defRPr/>
             </a:pPr>
             <a:r>
-              <a:rPr lang="de-DE" sz="2000" b="0" i="0" u="none" strike="noStrike" cap="none" spc="0">
-                <a:solidFill>
-                  <a:schemeClr val="tx1"/>
-                </a:solidFill>
-                <a:latin typeface="Roboto"/>
-                <a:ea typeface="Roboto"/>
-                <a:cs typeface="Roboto"/>
-              </a:rPr>
-              <a:t>Szenariendefinition</a:t>
-            </a:r>
-            <a:endParaRPr lang="de-DE" sz="2000" b="0" i="0" u="none" strike="noStrike" cap="none" spc="0">
-              <a:solidFill>
-                <a:schemeClr val="tx1"/>
-              </a:solidFill>
-              <a:latin typeface="Roboto"/>
-              <a:ea typeface="Roboto"/>
-              <a:cs typeface="Roboto"/>
-            </a:endParaRPr>
+              <a:rPr/>
+              <a:t>Key Performance Indicators – KPIs</a:t>
+            </a:r>
+            <a:endParaRPr/>
           </a:p>
           <a:p>
             <a:pPr marL="705958" lvl="1" indent="-305908">
@@ -10895,24 +10538,10 @@
               <a:defRPr/>
             </a:pPr>
             <a:r>
-              <a:rPr lang="de-DE" sz="2000" b="0" i="0" u="none" strike="noStrike" cap="none" spc="0">
-                <a:solidFill>
-                  <a:schemeClr val="tx1"/>
-                </a:solidFill>
-                <a:latin typeface="Roboto"/>
-                <a:ea typeface="Roboto"/>
-                <a:cs typeface="Roboto"/>
-              </a:rPr>
-              <a:t>GitLab CI-Pipeline</a:t>
-            </a:r>
-            <a:endParaRPr lang="de-DE" sz="2000" b="0" i="0" u="none" strike="noStrike" cap="none" spc="0">
-              <a:solidFill>
-                <a:schemeClr val="tx1"/>
-              </a:solidFill>
-              <a:latin typeface="Roboto"/>
-              <a:ea typeface="Roboto"/>
-              <a:cs typeface="Roboto"/>
-            </a:endParaRPr>
+              <a:rPr/>
+              <a:t>Szenariendefinition</a:t>
+            </a:r>
+            <a:endParaRPr/>
           </a:p>
           <a:p>
             <a:pPr marL="705958" lvl="1" indent="-305908">
@@ -10920,40 +10549,11 @@
               <a:buAutoNum type="arabicPeriod"/>
               <a:defRPr/>
             </a:pPr>
-            <a:endParaRPr lang="de-DE" sz="2000" b="0" i="0" u="none" strike="noStrike" cap="none" spc="0">
-              <a:solidFill>
-                <a:schemeClr val="tx1"/>
-              </a:solidFill>
-              <a:latin typeface="Roboto"/>
-              <a:ea typeface="Roboto"/>
-              <a:cs typeface="Roboto"/>
-            </a:endParaRPr>
-          </a:p>
-          <a:p>
-            <a:pPr marL="305908" lvl="0" indent="-305908">
-              <a:buFont typeface="Arial"/>
-              <a:buAutoNum type="arabicPeriod"/>
-              <a:defRPr/>
-            </a:pPr>
-            <a:r>
-              <a:rPr lang="de-DE" sz="2000" b="0" i="0" u="none" strike="noStrike" cap="none" spc="0">
-                <a:solidFill>
-                  <a:schemeClr val="tx1"/>
-                </a:solidFill>
-                <a:latin typeface="Roboto"/>
-                <a:ea typeface="Roboto"/>
-                <a:cs typeface="Roboto"/>
-              </a:rPr>
-              <a:t>Zusammenfassung &amp; Ausblick</a:t>
-            </a:r>
-            <a:endParaRPr lang="de-DE" sz="2000" b="0" i="0" u="none" strike="noStrike" cap="none" spc="0">
-              <a:solidFill>
-                <a:schemeClr val="tx1"/>
-              </a:solidFill>
-              <a:latin typeface="Roboto"/>
-              <a:ea typeface="Roboto"/>
-              <a:cs typeface="Roboto"/>
-            </a:endParaRPr>
+            <a:r>
+              <a:rPr/>
+              <a:t>GitLab CI-Pipeline</a:t>
+            </a:r>
+            <a:endParaRPr/>
           </a:p>
           <a:p>
             <a:pPr marL="705958" lvl="1" indent="-305908">
@@ -10961,29 +10561,39 @@
               <a:buAutoNum type="arabicPeriod"/>
               <a:defRPr/>
             </a:pPr>
-            <a:endParaRPr lang="de-DE" sz="2000" b="0" i="0" u="none" strike="noStrike" cap="none" spc="0">
-              <a:solidFill>
-                <a:schemeClr val="tx1"/>
-              </a:solidFill>
-              <a:latin typeface="Roboto"/>
-              <a:ea typeface="Roboto"/>
-              <a:cs typeface="Roboto"/>
-            </a:endParaRPr>
-          </a:p>
-          <a:p>
-            <a:pPr marL="705958" lvl="1" indent="-305908">
+            <a:endParaRPr/>
+          </a:p>
+          <a:p>
+            <a:pPr marL="305908" indent="-305908">
               <a:buFont typeface="Arial"/>
-              <a:buAutoNum type="arabicPeriod"/>
-              <a:defRPr/>
-            </a:pPr>
-            <a:endParaRPr lang="de-DE" sz="2000" b="0" i="0" u="none" strike="noStrike" cap="none" spc="0">
-              <a:solidFill>
-                <a:schemeClr val="tx1"/>
-              </a:solidFill>
-              <a:latin typeface="Roboto"/>
-              <a:ea typeface="Roboto"/>
-              <a:cs typeface="Roboto"/>
-            </a:endParaRPr>
+              <a:buAutoNum type="arabicParenR"/>
+              <a:defRPr/>
+            </a:pPr>
+            <a:r>
+              <a:rPr/>
+              <a:t>Zusammenfassung &amp; Ausblick</a:t>
+            </a:r>
+            <a:endParaRPr/>
+          </a:p>
+          <a:p>
+            <a:pPr marL="305908" indent="-305908">
+              <a:buFont typeface="Arial"/>
+              <a:buAutoNum type="arabicParenR"/>
+              <a:defRPr/>
+            </a:pPr>
+            <a:endParaRPr/>
+          </a:p>
+          <a:p>
+            <a:pPr marL="305908" indent="-305908">
+              <a:buFont typeface="Arial"/>
+              <a:buAutoNum type="arabicParenR"/>
+              <a:defRPr/>
+            </a:pPr>
+            <a:r>
+              <a:rPr/>
+              <a:t>Referenzen</a:t>
+            </a:r>
+            <a:endParaRPr/>
           </a:p>
         </p:txBody>
       </p:sp>
@@ -11031,17 +10641,13 @@
           </p:nvPr>
         </p:nvSpPr>
         <p:spPr bwMode="auto">
-          <a:xfrm>
-            <a:off x="1343025" y="152399"/>
-            <a:ext cx="10656887" cy="468313"/>
-          </a:xfrm>
           <a:prstGeom prst="rect">
             <a:avLst/>
           </a:prstGeom>
         </p:spPr>
         <p:txBody>
           <a:bodyPr vertOverflow="overflow" horzOverflow="overflow" vert="horz" wrap="square" lIns="0" tIns="0" rIns="0" bIns="0" numCol="1" spcCol="0" rtlCol="0" fromWordArt="0" anchor="t" anchorCtr="0" forceAA="0" upright="0" compatLnSpc="0">
-            <a:normAutofit fontScale="90000" lnSpcReduction="2000"/>
+            <a:normAutofit/>
           </a:bodyPr>
           <a:lstStyle>
             <a:lvl1pPr>
@@ -11064,12 +10670,6 @@
               <a:t>Systemüberblick</a:t>
             </a:r>
             <a:endParaRPr sz="2800"/>
-          </a:p>
-          <a:p>
-            <a:pPr>
-              <a:defRPr/>
-            </a:pPr>
-            <a:endParaRPr/>
           </a:p>
         </p:txBody>
       </p:sp>
@@ -11084,10 +10684,6 @@
           </p:nvPr>
         </p:nvSpPr>
         <p:spPr bwMode="auto">
-          <a:xfrm>
-            <a:off x="192087" y="908049"/>
-            <a:ext cx="11807824" cy="928369"/>
-          </a:xfrm>
           <a:prstGeom prst="rect">
             <a:avLst/>
           </a:prstGeom>
@@ -11138,8 +10734,30 @@
               <a:defRPr/>
             </a:pPr>
             <a:r>
+              <a:rPr lang="de-DE" sz="2400" b="1" i="0" u="none" strike="noStrike" cap="none" spc="0">
+                <a:solidFill>
+                  <a:schemeClr val="tx1"/>
+                </a:solidFill>
+                <a:latin typeface="Roboto"/>
+                <a:ea typeface="Roboto"/>
+                <a:cs typeface="Roboto"/>
+              </a:rPr>
+              <a:t>modellprädiktiver Pfadfolgeregeler</a:t>
+            </a:r>
+            <a:r>
               <a:rPr/>
-              <a:t>MPFC – Modelpredictive Path-Following Control</a:t>
+              <a:t> - </a:t>
+            </a:r>
+            <a:r>
+              <a:rPr lang="de-DE" sz="2400" b="1" i="0" u="none" strike="noStrike" cap="none" spc="0">
+                <a:solidFill>
+                  <a:schemeClr val="tx1"/>
+                </a:solidFill>
+                <a:latin typeface="Roboto"/>
+                <a:ea typeface="Roboto"/>
+                <a:cs typeface="Roboto"/>
+              </a:rPr>
+              <a:t>MPFC</a:t>
             </a:r>
             <a:endParaRPr/>
           </a:p>
@@ -11157,8 +10775,8 @@
         </p:nvSpPr>
         <p:spPr bwMode="auto">
           <a:xfrm flipH="0" flipV="0">
-            <a:off x="192087" y="2216247"/>
-            <a:ext cx="6479380" cy="4348797"/>
+            <a:off x="192087" y="1996439"/>
+            <a:ext cx="5613406" cy="4348797"/>
           </a:xfrm>
           <a:prstGeom prst="rect">
             <a:avLst/>
@@ -11339,8 +10957,8 @@
         </p:blipFill>
         <p:spPr bwMode="auto">
           <a:xfrm rot="0" flipH="0" flipV="0">
-            <a:off x="6095999" y="1996439"/>
-            <a:ext cx="5326692" cy="3094790"/>
+            <a:off x="5805495" y="1996438"/>
+            <a:ext cx="5811394" cy="3376400"/>
           </a:xfrm>
           <a:prstGeom prst="rect">
             <a:avLst/>
@@ -11394,7 +11012,7 @@
         </p:blipFill>
         <p:spPr bwMode="auto">
           <a:xfrm flipH="0" flipV="0">
-            <a:off x="704269" y="1784325"/>
+            <a:off x="879972" y="1784324"/>
             <a:ext cx="7931374" cy="1200765"/>
           </a:xfrm>
           <a:prstGeom prst="rect">
@@ -11416,7 +11034,7 @@
         </p:blipFill>
         <p:spPr bwMode="auto">
           <a:xfrm flipH="0" flipV="0">
-            <a:off x="1843814" y="3511664"/>
+            <a:off x="1575634" y="3511663"/>
             <a:ext cx="6633695" cy="2536584"/>
           </a:xfrm>
           <a:prstGeom prst="rect">
@@ -11457,7 +11075,7 @@
               <a:defRPr/>
             </a:pPr>
             <a:r>
-              <a:rPr lang="de-DE" sz="2500" b="1" i="0" u="none" strike="noStrike" cap="none" spc="0">
+              <a:rPr lang="de-DE" sz="2800" b="1" i="0" u="none" strike="noStrike" cap="none" spc="0">
                 <a:solidFill>
                   <a:schemeClr val="bg1"/>
                 </a:solidFill>
@@ -11544,9 +11162,31 @@
                 <a:ea typeface="Roboto"/>
                 <a:cs typeface="Roboto"/>
               </a:rPr>
-              <a:t>MPFC – Model predictive Path-Following Control</a:t>
-            </a:r>
-            <a:endParaRPr sz="2400"/>
+              <a:t>modellprädiktiver Pfadfolgeregeler</a:t>
+            </a:r>
+            <a:r>
+              <a:rPr lang="de-DE" sz="2400" b="1" i="0" u="none" strike="noStrike" cap="none" spc="0">
+                <a:solidFill>
+                  <a:schemeClr val="tx1"/>
+                </a:solidFill>
+                <a:latin typeface="Roboto"/>
+                <a:ea typeface="Roboto"/>
+                <a:cs typeface="Roboto"/>
+              </a:rPr>
+              <a:t> - </a:t>
+            </a:r>
+            <a:r>
+              <a:rPr lang="de-DE" sz="2400" b="1" i="0" u="none" strike="noStrike" cap="none" spc="0">
+                <a:solidFill>
+                  <a:schemeClr val="tx1"/>
+                </a:solidFill>
+                <a:latin typeface="Roboto"/>
+                <a:ea typeface="Roboto"/>
+                <a:cs typeface="Roboto"/>
+              </a:rPr>
+              <a:t>MPFC</a:t>
+            </a:r>
+            <a:endParaRPr/>
           </a:p>
         </p:txBody>
       </p:sp>
@@ -11604,7 +11244,7 @@
         </p:spPr>
         <p:txBody>
           <a:bodyPr vertOverflow="overflow" horzOverflow="overflow" vert="horz" wrap="square" lIns="0" tIns="0" rIns="0" bIns="0" numCol="1" spcCol="0" rtlCol="0" fromWordArt="0" anchor="t" anchorCtr="0" forceAA="0" upright="0" compatLnSpc="0">
-            <a:normAutofit fontScale="90000" lnSpcReduction="2000"/>
+            <a:normAutofit/>
           </a:bodyPr>
           <a:lstStyle>
             <a:lvl1pPr>
@@ -11627,12 +11267,6 @@
               <a:t>Systemüberblick</a:t>
             </a:r>
             <a:endParaRPr sz="2800"/>
-          </a:p>
-          <a:p>
-            <a:pPr>
-              <a:defRPr/>
-            </a:pPr>
-            <a:endParaRPr/>
           </a:p>
         </p:txBody>
       </p:sp>
@@ -11709,14 +11343,30 @@
                 <a:ea typeface="Roboto"/>
                 <a:cs typeface="Roboto"/>
               </a:rPr>
-              <a:t>MPFC – Model predictive Path-Following Control</a:t>
-            </a:r>
-            <a:endParaRPr sz="2400"/>
-          </a:p>
-          <a:p>
-            <a:pPr>
-              <a:defRPr/>
-            </a:pPr>
+              <a:t>modellprädiktiver Pfadfolgeregeler</a:t>
+            </a:r>
+            <a:r>
+              <a:rPr lang="de-DE" sz="2400" b="1" i="0" u="none" strike="noStrike" cap="none" spc="0">
+                <a:solidFill>
+                  <a:schemeClr val="tx1"/>
+                </a:solidFill>
+                <a:latin typeface="Roboto"/>
+                <a:ea typeface="Roboto"/>
+                <a:cs typeface="Roboto"/>
+              </a:rPr>
+              <a:t> - </a:t>
+            </a:r>
+            <a:r>
+              <a:rPr lang="de-DE" sz="2400" b="1" i="0" u="none" strike="noStrike" cap="none" spc="0">
+                <a:solidFill>
+                  <a:schemeClr val="tx1"/>
+                </a:solidFill>
+                <a:latin typeface="Roboto"/>
+                <a:ea typeface="Roboto"/>
+                <a:cs typeface="Roboto"/>
+              </a:rPr>
+              <a:t>MPFC</a:t>
+            </a:r>
             <a:endParaRPr/>
           </a:p>
         </p:txBody>
@@ -11828,7 +11478,7 @@
         </p:nvSpPr>
         <p:spPr bwMode="auto">
           <a:xfrm flipH="0" flipV="0">
-            <a:off x="2086210" y="3910752"/>
+            <a:off x="2132780" y="4344725"/>
             <a:ext cx="1284525" cy="424933"/>
           </a:xfrm>
           <a:prstGeom prst="rect">
@@ -11892,7 +11542,7 @@
         </p:nvSpPr>
         <p:spPr bwMode="auto">
           <a:xfrm flipH="0" flipV="0">
-            <a:off x="4714167" y="3895904"/>
+            <a:off x="4760737" y="4329877"/>
             <a:ext cx="1284525" cy="424933"/>
           </a:xfrm>
           <a:prstGeom prst="rect">
@@ -11956,7 +11606,7 @@
         </p:nvSpPr>
         <p:spPr bwMode="auto">
           <a:xfrm flipH="0" flipV="0">
-            <a:off x="1902869" y="3557704"/>
+            <a:off x="1949439" y="3991677"/>
             <a:ext cx="805636" cy="219816"/>
           </a:xfrm>
           <a:prstGeom prst="rect">
@@ -11995,7 +11645,7 @@
         </p:nvGrpSpPr>
         <p:grpSpPr bwMode="auto">
           <a:xfrm flipH="0" flipV="0">
-            <a:off x="328143" y="1773649"/>
+            <a:off x="374713" y="2207622"/>
             <a:ext cx="6329495" cy="1683218"/>
             <a:chOff x="0" y="0"/>
             <a:chExt cx="6329495" cy="1683218"/>
@@ -12344,7 +11994,7 @@
             <p:nvPr/>
           </p:nvCxnSpPr>
           <p:spPr bwMode="auto">
-            <a:xfrm rot="5399977">
+            <a:xfrm rot="5399976">
               <a:off x="2361798" y="183992"/>
               <a:ext cx="157432" cy="1881080"/>
             </a:xfrm>
@@ -12431,7 +12081,7 @@
         </p:nvCxnSpPr>
         <p:spPr bwMode="auto">
           <a:xfrm flipH="0" flipV="1">
-            <a:off x="2755076" y="3518153"/>
+            <a:off x="2801646" y="3952126"/>
             <a:ext cx="45720" cy="360294"/>
           </a:xfrm>
           <a:prstGeom prst="straightConnector1">
@@ -12470,7 +12120,7 @@
         </p:nvCxnSpPr>
         <p:spPr bwMode="auto">
           <a:xfrm flipH="0" flipV="0">
-            <a:off x="5383032" y="3514891"/>
+            <a:off x="5429602" y="3948864"/>
             <a:ext cx="45720" cy="348707"/>
           </a:xfrm>
           <a:prstGeom prst="straightConnector1">
@@ -12506,7 +12156,7 @@
         </p:nvSpPr>
         <p:spPr bwMode="auto">
           <a:xfrm flipH="0" flipV="0">
-            <a:off x="5531720" y="3557704"/>
+            <a:off x="5578290" y="3991677"/>
             <a:ext cx="1142470" cy="219816"/>
           </a:xfrm>
           <a:prstGeom prst="rect">
@@ -12545,7 +12195,7 @@
         </p:nvSpPr>
         <p:spPr bwMode="auto">
           <a:xfrm flipH="0" flipV="0">
-            <a:off x="167112" y="1424955"/>
+            <a:off x="213682" y="1858928"/>
             <a:ext cx="6658867" cy="3058859"/>
           </a:xfrm>
           <a:prstGeom prst="rect">
@@ -12605,7 +12255,7 @@
         </p:nvSpPr>
         <p:spPr bwMode="auto">
           <a:xfrm flipH="0" flipV="0">
-            <a:off x="167112" y="4939178"/>
+            <a:off x="213682" y="5373151"/>
             <a:ext cx="6658867" cy="1054235"/>
           </a:xfrm>
           <a:prstGeom prst="rect">
@@ -12668,7 +12318,7 @@
         </p:nvCxnSpPr>
         <p:spPr bwMode="auto">
           <a:xfrm flipH="1" flipV="1">
-            <a:off x="2755076" y="3616908"/>
+            <a:off x="2801646" y="4050881"/>
             <a:ext cx="45720" cy="1690623"/>
           </a:xfrm>
           <a:prstGeom prst="straightConnector1">
@@ -12704,7 +12354,7 @@
         </p:nvSpPr>
         <p:spPr bwMode="auto">
           <a:xfrm flipH="0" flipV="0">
-            <a:off x="306933" y="5339862"/>
+            <a:off x="353503" y="5773835"/>
             <a:ext cx="1284525" cy="424933"/>
           </a:xfrm>
           <a:prstGeom prst="rect">
@@ -12768,7 +12418,7 @@
         </p:nvSpPr>
         <p:spPr bwMode="auto">
           <a:xfrm flipH="0" flipV="0">
-            <a:off x="2017226" y="5339836"/>
+            <a:off x="2063796" y="5773809"/>
             <a:ext cx="1425637" cy="424933"/>
           </a:xfrm>
           <a:prstGeom prst="rect">
@@ -12843,7 +12493,7 @@
         </p:nvSpPr>
         <p:spPr bwMode="auto">
           <a:xfrm flipH="0" flipV="0">
-            <a:off x="4714166" y="5339836"/>
+            <a:off x="4760736" y="5773809"/>
             <a:ext cx="1284525" cy="424933"/>
           </a:xfrm>
           <a:prstGeom prst="rect">
@@ -12911,7 +12561,7 @@
         </p:nvCxnSpPr>
         <p:spPr bwMode="auto">
           <a:xfrm flipH="0" flipV="1">
-            <a:off x="1644663" y="5490457"/>
+            <a:off x="1691233" y="5924430"/>
             <a:ext cx="346240" cy="45720"/>
           </a:xfrm>
           <a:prstGeom prst="straightConnector1">
@@ -12950,7 +12600,7 @@
         </p:nvCxnSpPr>
         <p:spPr bwMode="auto">
           <a:xfrm flipH="0" flipV="0">
-            <a:off x="5383032" y="3644254"/>
+            <a:off x="5429602" y="4078227"/>
             <a:ext cx="45720" cy="1663276"/>
           </a:xfrm>
           <a:prstGeom prst="straightConnector1">
@@ -12995,7 +12645,7 @@
         </p:spPr>
         <p:txBody>
           <a:bodyPr vertOverflow="overflow" horzOverflow="overflow" vert="horz" wrap="square" lIns="0" tIns="0" rIns="0" bIns="0" numCol="1" spcCol="0" rtlCol="0" fromWordArt="0" anchor="t" anchorCtr="0" forceAA="0" upright="0" compatLnSpc="0">
-            <a:normAutofit fontScale="90000" lnSpcReduction="2000"/>
+            <a:normAutofit/>
           </a:bodyPr>
           <a:lstStyle>
             <a:lvl1pPr>
@@ -13018,12 +12668,6 @@
               <a:t>Systemüberblick</a:t>
             </a:r>
             <a:endParaRPr sz="2800"/>
-          </a:p>
-          <a:p>
-            <a:pPr>
-              <a:defRPr/>
-            </a:pPr>
-            <a:endParaRPr/>
           </a:p>
         </p:txBody>
       </p:sp>
@@ -13038,10 +12682,6 @@
           </p:nvPr>
         </p:nvSpPr>
         <p:spPr bwMode="auto">
-          <a:xfrm>
-            <a:off x="192087" y="908049"/>
-            <a:ext cx="11807824" cy="928369"/>
-          </a:xfrm>
           <a:prstGeom prst="rect">
             <a:avLst/>
           </a:prstGeom>
@@ -13092,8 +12732,15 @@
               <a:defRPr/>
             </a:pPr>
             <a:r>
-              <a:rPr/>
-              <a:t>Konzept</a:t>
+              <a:rPr lang="de-DE" sz="2400" b="1" i="0" u="none" strike="noStrike" cap="none" spc="0">
+                <a:solidFill>
+                  <a:schemeClr val="tx1"/>
+                </a:solidFill>
+                <a:latin typeface="Roboto"/>
+                <a:ea typeface="Roboto"/>
+                <a:cs typeface="Roboto"/>
+              </a:rPr>
+              <a:t>Konzeptvorstellung</a:t>
             </a:r>
             <a:endParaRPr/>
           </a:p>
@@ -13889,7 +13536,7 @@
         </p:spPr>
         <p:txBody>
           <a:bodyPr vertOverflow="overflow" horzOverflow="overflow" vert="horz" wrap="square" lIns="0" tIns="0" rIns="0" bIns="0" numCol="1" spcCol="0" rtlCol="0" fromWordArt="0" anchor="t" anchorCtr="0" forceAA="0" upright="0" compatLnSpc="0">
-            <a:normAutofit fontScale="90000" lnSpcReduction="2000"/>
+            <a:normAutofit/>
           </a:bodyPr>
           <a:lstStyle>
             <a:lvl1pPr>
@@ -13912,18 +13559,6 @@
               <a:t>Systemüberblick</a:t>
             </a:r>
             <a:endParaRPr sz="2800"/>
-          </a:p>
-          <a:p>
-            <a:pPr>
-              <a:defRPr/>
-            </a:pPr>
-            <a:endParaRPr sz="2800"/>
-          </a:p>
-          <a:p>
-            <a:pPr>
-              <a:defRPr/>
-            </a:pPr>
-            <a:endParaRPr/>
           </a:p>
         </p:txBody>
       </p:sp>
@@ -14000,7 +13635,7 @@
                 <a:ea typeface="Roboto"/>
                 <a:cs typeface="Roboto"/>
               </a:rPr>
-              <a:t>Szenarienbasiertes Testen</a:t>
+              <a:t>Szenariobasiertes Testen</a:t>
             </a:r>
             <a:endParaRPr/>
           </a:p>
@@ -14655,7 +14290,7 @@
         </p:spPr>
         <p:txBody>
           <a:bodyPr vertOverflow="overflow" horzOverflow="overflow" vert="horz" wrap="square" lIns="0" tIns="0" rIns="0" bIns="0" numCol="1" spcCol="0" rtlCol="0" fromWordArt="0" anchor="t" anchorCtr="0" forceAA="0" upright="0" compatLnSpc="0">
-            <a:normAutofit fontScale="90000" lnSpcReduction="2000"/>
+            <a:normAutofit/>
           </a:bodyPr>
           <a:lstStyle>
             <a:lvl1pPr>
@@ -14678,24 +14313,6 @@
               <a:t>Systemüberblick</a:t>
             </a:r>
             <a:endParaRPr sz="2800"/>
-          </a:p>
-          <a:p>
-            <a:pPr>
-              <a:defRPr/>
-            </a:pPr>
-            <a:endParaRPr sz="2800"/>
-          </a:p>
-          <a:p>
-            <a:pPr>
-              <a:defRPr/>
-            </a:pPr>
-            <a:endParaRPr sz="2800"/>
-          </a:p>
-          <a:p>
-            <a:pPr>
-              <a:defRPr/>
-            </a:pPr>
-            <a:endParaRPr/>
           </a:p>
         </p:txBody>
       </p:sp>
@@ -15149,7 +14766,7 @@
                 <a:ea typeface="Roboto"/>
                 <a:cs typeface="Roboto"/>
               </a:rPr>
-              <a:t>Aufbau eines Testskriptes</a:t>
+              <a:t>Ablauf eines Testskriptes</a:t>
             </a:r>
             <a:endParaRPr/>
           </a:p>

--- a/defense/praktikum_defense.pptx
+++ b/defense/praktikum_defense.pptx
@@ -2252,6 +2252,294 @@
 
 <file path=ppt/slideLayouts/slideLayout10.xml><?xml version="1.0" encoding="utf-8"?>
 <p:sldLayout xmlns:a="http://schemas.openxmlformats.org/drawingml/2006/main" xmlns:r="http://schemas.openxmlformats.org/officeDocument/2006/relationships" xmlns:p="http://schemas.openxmlformats.org/presentationml/2006/main" xmlns:m="http://schemas.openxmlformats.org/officeDocument/2006/math" xmlns:w="http://schemas.openxmlformats.org/wordprocessingml/2006/main" matchingName="" preserve="1" showMasterPhAnim="0" showMasterSp="1" userDrawn="1">
+  <p:cSld name="Erfenschlag">
+    <p:spTree>
+      <p:nvGrpSpPr>
+        <p:cNvPr id="1" name=""/>
+        <p:cNvGrpSpPr/>
+        <p:nvPr/>
+      </p:nvGrpSpPr>
+      <p:grpSpPr bwMode="auto">
+        <a:xfrm>
+          <a:off x="0" y="0"/>
+          <a:ext cx="0" cy="0"/>
+          <a:chOff x="0" y="0"/>
+          <a:chExt cx="0" cy="0"/>
+        </a:xfrm>
+      </p:grpSpPr>
+      <p:sp>
+        <p:nvSpPr>
+          <p:cNvPr id="4" name="Titel 3"/>
+          <p:cNvSpPr>
+            <a:spLocks noGrp="1"/>
+          </p:cNvSpPr>
+          <p:nvPr>
+            <p:ph type="title" hasCustomPrompt="1"/>
+          </p:nvPr>
+        </p:nvSpPr>
+        <p:spPr bwMode="auto">
+          <a:xfrm>
+            <a:off x="1343025" y="152400"/>
+            <a:ext cx="10656888" cy="468314"/>
+          </a:xfrm>
+          <a:prstGeom prst="rect">
+            <a:avLst/>
+          </a:prstGeom>
+        </p:spPr>
+        <p:txBody>
+          <a:bodyPr lIns="0" tIns="0" rIns="0" bIns="0">
+            <a:normAutofit/>
+          </a:bodyPr>
+          <a:lstStyle>
+            <a:lvl1pPr>
+              <a:defRPr sz="2800"/>
+            </a:lvl1pPr>
+          </a:lstStyle>
+          <a:p>
+            <a:pPr>
+              <a:defRPr/>
+            </a:pPr>
+            <a:r>
+              <a:rPr lang="de-DE"/>
+              <a:t>Titelmasterformat durch Klicken bearbeiten</a:t>
+            </a:r>
+            <a:endParaRPr/>
+          </a:p>
+        </p:txBody>
+      </p:sp>
+      <p:sp>
+        <p:nvSpPr>
+          <p:cNvPr id="6" name="Bildplatzhalter 4"/>
+          <p:cNvSpPr>
+            <a:spLocks noGrp="1"/>
+          </p:cNvSpPr>
+          <p:nvPr>
+            <p:ph type="pic" sz="quarter" idx="12" hasCustomPrompt="1"/>
+          </p:nvPr>
+        </p:nvSpPr>
+        <p:spPr bwMode="auto">
+          <a:xfrm>
+            <a:off x="192088" y="908050"/>
+            <a:ext cx="790576" cy="928370"/>
+          </a:xfrm>
+          <a:prstGeom prst="rect">
+            <a:avLst/>
+          </a:prstGeom>
+        </p:spPr>
+        <p:txBody>
+          <a:bodyPr anchor="b">
+            <a:noAutofit/>
+          </a:bodyPr>
+          <a:lstStyle>
+            <a:lvl1pPr marL="0" indent="0" algn="ctr">
+              <a:buNone/>
+              <a:defRPr sz="2000">
+                <a:latin typeface="Roboto"/>
+                <a:ea typeface="Roboto"/>
+              </a:defRPr>
+            </a:lvl1pPr>
+          </a:lstStyle>
+          <a:p>
+            <a:pPr>
+              <a:defRPr/>
+            </a:pPr>
+            <a:r>
+              <a:rPr lang="de-DE"/>
+              <a:t>Logo</a:t>
+            </a:r>
+            <a:endParaRPr/>
+          </a:p>
+        </p:txBody>
+      </p:sp>
+      <p:sp>
+        <p:nvSpPr>
+          <p:cNvPr id="12" name="Textplatzhalter 7"/>
+          <p:cNvSpPr>
+            <a:spLocks noGrp="1"/>
+          </p:cNvSpPr>
+          <p:nvPr>
+            <p:ph type="body" sz="quarter" idx="13" hasCustomPrompt="1"/>
+          </p:nvPr>
+        </p:nvSpPr>
+        <p:spPr bwMode="auto">
+          <a:xfrm>
+            <a:off x="1558925" y="908050"/>
+            <a:ext cx="10440988" cy="928370"/>
+          </a:xfrm>
+          <a:prstGeom prst="rect">
+            <a:avLst/>
+          </a:prstGeom>
+        </p:spPr>
+        <p:txBody>
+          <a:bodyPr lIns="0" tIns="0" rIns="0" bIns="0">
+            <a:normAutofit/>
+          </a:bodyPr>
+          <a:lstStyle>
+            <a:lvl1pPr marL="0" indent="0">
+              <a:buFont typeface="Arial"/>
+              <a:buNone/>
+              <a:defRPr sz="2400" b="1">
+                <a:solidFill>
+                  <a:schemeClr val="tx1"/>
+                </a:solidFill>
+                <a:latin typeface="Roboto"/>
+                <a:ea typeface="Roboto"/>
+              </a:defRPr>
+            </a:lvl1pPr>
+            <a:lvl2pPr>
+              <a:defRPr sz="2400">
+                <a:latin typeface="Roboto"/>
+                <a:ea typeface="Roboto"/>
+              </a:defRPr>
+            </a:lvl2pPr>
+            <a:lvl3pPr>
+              <a:defRPr sz="2000">
+                <a:latin typeface="Roboto"/>
+                <a:ea typeface="Roboto"/>
+              </a:defRPr>
+            </a:lvl3pPr>
+            <a:lvl4pPr>
+              <a:defRPr sz="2000">
+                <a:latin typeface="Roboto"/>
+                <a:ea typeface="Roboto"/>
+              </a:defRPr>
+            </a:lvl4pPr>
+            <a:lvl5pPr>
+              <a:defRPr sz="2000">
+                <a:latin typeface="Roboto"/>
+                <a:ea typeface="Roboto"/>
+              </a:defRPr>
+            </a:lvl5pPr>
+          </a:lstStyle>
+          <a:p>
+            <a:pPr lvl="0">
+              <a:defRPr/>
+            </a:pPr>
+            <a:r>
+              <a:rPr lang="de-DE"/>
+              <a:t>Textmasterformat bearbeiten</a:t>
+            </a:r>
+            <a:endParaRPr/>
+          </a:p>
+        </p:txBody>
+      </p:sp>
+      <p:sp>
+        <p:nvSpPr>
+          <p:cNvPr id="8" name="Textplatzhalter 7"/>
+          <p:cNvSpPr>
+            <a:spLocks noGrp="1"/>
+          </p:cNvSpPr>
+          <p:nvPr>
+            <p:ph type="body" sz="quarter" idx="11"/>
+          </p:nvPr>
+        </p:nvSpPr>
+        <p:spPr bwMode="auto">
+          <a:xfrm>
+            <a:off x="1558925" y="1996440"/>
+            <a:ext cx="10440988" cy="4348798"/>
+          </a:xfrm>
+          <a:prstGeom prst="rect">
+            <a:avLst/>
+          </a:prstGeom>
+        </p:spPr>
+        <p:txBody>
+          <a:bodyPr>
+            <a:normAutofit/>
+          </a:bodyPr>
+          <a:lstStyle>
+            <a:lvl1pPr>
+              <a:defRPr sz="2800">
+                <a:latin typeface="Roboto"/>
+                <a:ea typeface="Roboto"/>
+              </a:defRPr>
+            </a:lvl1pPr>
+            <a:lvl2pPr>
+              <a:defRPr sz="2400">
+                <a:latin typeface="Roboto"/>
+                <a:ea typeface="Roboto"/>
+              </a:defRPr>
+            </a:lvl2pPr>
+            <a:lvl3pPr>
+              <a:defRPr sz="2000">
+                <a:latin typeface="Roboto"/>
+                <a:ea typeface="Roboto"/>
+              </a:defRPr>
+            </a:lvl3pPr>
+            <a:lvl4pPr>
+              <a:defRPr sz="2000">
+                <a:latin typeface="Roboto"/>
+                <a:ea typeface="Roboto"/>
+              </a:defRPr>
+            </a:lvl4pPr>
+            <a:lvl5pPr>
+              <a:defRPr sz="2000">
+                <a:latin typeface="Roboto"/>
+                <a:ea typeface="Roboto"/>
+              </a:defRPr>
+            </a:lvl5pPr>
+          </a:lstStyle>
+          <a:p>
+            <a:pPr lvl="0">
+              <a:defRPr/>
+            </a:pPr>
+            <a:r>
+              <a:rPr lang="de-DE"/>
+              <a:t>Textmasterformat bearbeiten</a:t>
+            </a:r>
+            <a:endParaRPr/>
+          </a:p>
+          <a:p>
+            <a:pPr lvl="1">
+              <a:defRPr/>
+            </a:pPr>
+            <a:r>
+              <a:rPr lang="de-DE"/>
+              <a:t>Zweite Ebene</a:t>
+            </a:r>
+            <a:endParaRPr/>
+          </a:p>
+          <a:p>
+            <a:pPr lvl="2">
+              <a:defRPr/>
+            </a:pPr>
+            <a:r>
+              <a:rPr lang="de-DE"/>
+              <a:t>Dritte Ebene</a:t>
+            </a:r>
+            <a:endParaRPr/>
+          </a:p>
+          <a:p>
+            <a:pPr lvl="3">
+              <a:defRPr/>
+            </a:pPr>
+            <a:r>
+              <a:rPr lang="de-DE"/>
+              <a:t>Vierte Ebene</a:t>
+            </a:r>
+            <a:endParaRPr/>
+          </a:p>
+          <a:p>
+            <a:pPr lvl="4">
+              <a:defRPr/>
+            </a:pPr>
+            <a:r>
+              <a:rPr lang="de-DE"/>
+              <a:t>Fünfte Ebene</a:t>
+            </a:r>
+            <a:endParaRPr/>
+          </a:p>
+        </p:txBody>
+      </p:sp>
+    </p:spTree>
+  </p:cSld>
+  <p:clrMapOvr>
+    <a:masterClrMapping/>
+  </p:clrMapOvr>
+</p:sldLayout>
+</file>
+
+<file path=ppt/slideLayouts/slideLayout11.xml><?xml version="1.0" encoding="utf-8"?>
+<p:sldLayout xmlns:a="http://schemas.openxmlformats.org/drawingml/2006/main" xmlns:r="http://schemas.openxmlformats.org/officeDocument/2006/relationships" xmlns:p="http://schemas.openxmlformats.org/presentationml/2006/main" xmlns:m="http://schemas.openxmlformats.org/officeDocument/2006/math" xmlns:w="http://schemas.openxmlformats.org/wordprocessingml/2006/main" matchingName="" preserve="1" showMasterPhAnim="0" showMasterSp="1" userDrawn="1">
   <p:cSld name="Gablenz">
     <p:spTree>
       <p:nvGrpSpPr>
@@ -4238,6 +4526,292 @@
 </file>
 
 <file path=ppt/slideLayouts/slideLayout7.xml><?xml version="1.0" encoding="utf-8"?>
+<p:sldLayout xmlns:a="http://schemas.openxmlformats.org/drawingml/2006/main" xmlns:r="http://schemas.openxmlformats.org/officeDocument/2006/relationships" xmlns:p="http://schemas.openxmlformats.org/presentationml/2006/main" xmlns:m="http://schemas.openxmlformats.org/officeDocument/2006/math" xmlns:w="http://schemas.openxmlformats.org/wordprocessingml/2006/main" matchingName="" preserve="0" showMasterPhAnim="0" showMasterSp="1" userDrawn="1">
+  <p:cSld name="Euba">
+    <p:spTree>
+      <p:nvGrpSpPr>
+        <p:cNvPr id="1" name=""/>
+        <p:cNvGrpSpPr/>
+        <p:nvPr/>
+      </p:nvGrpSpPr>
+      <p:grpSpPr bwMode="auto">
+        <a:xfrm>
+          <a:off x="0" y="0"/>
+          <a:ext cx="0" cy="0"/>
+          <a:chOff x="0" y="0"/>
+          <a:chExt cx="0" cy="0"/>
+        </a:xfrm>
+      </p:grpSpPr>
+      <p:sp>
+        <p:nvSpPr>
+          <p:cNvPr id="1172015715" name="Titel 3"/>
+          <p:cNvSpPr>
+            <a:spLocks noGrp="1"/>
+          </p:cNvSpPr>
+          <p:nvPr>
+            <p:ph type="title" hasCustomPrompt="1"/>
+          </p:nvPr>
+        </p:nvSpPr>
+        <p:spPr bwMode="auto">
+          <a:xfrm>
+            <a:off x="1343025" y="152399"/>
+            <a:ext cx="10656887" cy="468313"/>
+          </a:xfrm>
+          <a:prstGeom prst="rect">
+            <a:avLst/>
+          </a:prstGeom>
+        </p:spPr>
+        <p:txBody>
+          <a:bodyPr lIns="0" tIns="0" rIns="0" bIns="0">
+            <a:normAutofit/>
+          </a:bodyPr>
+          <a:lstStyle>
+            <a:lvl1pPr>
+              <a:defRPr sz="2800"/>
+            </a:lvl1pPr>
+          </a:lstStyle>
+          <a:p>
+            <a:pPr>
+              <a:defRPr/>
+            </a:pPr>
+            <a:r>
+              <a:rPr lang="de-DE"/>
+              <a:t>Titelmasterformat durch Klicken bearbeiten</a:t>
+            </a:r>
+            <a:endParaRPr/>
+          </a:p>
+        </p:txBody>
+      </p:sp>
+      <p:sp>
+        <p:nvSpPr>
+          <p:cNvPr id="719331652" name="Textplatzhalter 7"/>
+          <p:cNvSpPr>
+            <a:spLocks noGrp="1"/>
+          </p:cNvSpPr>
+          <p:nvPr>
+            <p:ph type="body" sz="quarter" idx="13" hasCustomPrompt="1"/>
+          </p:nvPr>
+        </p:nvSpPr>
+        <p:spPr bwMode="auto">
+          <a:xfrm>
+            <a:off x="192087" y="908049"/>
+            <a:ext cx="11807824" cy="928369"/>
+          </a:xfrm>
+          <a:prstGeom prst="rect">
+            <a:avLst/>
+          </a:prstGeom>
+        </p:spPr>
+        <p:txBody>
+          <a:bodyPr lIns="0" tIns="0" rIns="0" bIns="0">
+            <a:normAutofit/>
+          </a:bodyPr>
+          <a:lstStyle>
+            <a:lvl1pPr marL="0" indent="0">
+              <a:buFont typeface="Arial"/>
+              <a:buNone/>
+              <a:defRPr sz="2400" b="1">
+                <a:solidFill>
+                  <a:schemeClr val="tx1"/>
+                </a:solidFill>
+                <a:latin typeface="Roboto"/>
+                <a:ea typeface="Roboto"/>
+              </a:defRPr>
+            </a:lvl1pPr>
+            <a:lvl2pPr>
+              <a:defRPr sz="2400">
+                <a:latin typeface="Roboto"/>
+                <a:ea typeface="Roboto"/>
+              </a:defRPr>
+            </a:lvl2pPr>
+            <a:lvl3pPr>
+              <a:defRPr sz="2000">
+                <a:latin typeface="Roboto"/>
+                <a:ea typeface="Roboto"/>
+              </a:defRPr>
+            </a:lvl3pPr>
+            <a:lvl4pPr>
+              <a:defRPr sz="2000">
+                <a:latin typeface="Roboto"/>
+                <a:ea typeface="Roboto"/>
+              </a:defRPr>
+            </a:lvl4pPr>
+            <a:lvl5pPr>
+              <a:defRPr sz="2000">
+                <a:latin typeface="Roboto"/>
+                <a:ea typeface="Roboto"/>
+              </a:defRPr>
+            </a:lvl5pPr>
+          </a:lstStyle>
+          <a:p>
+            <a:pPr lvl="0">
+              <a:defRPr/>
+            </a:pPr>
+            <a:r>
+              <a:rPr lang="de-DE"/>
+              <a:t>Textmasterformat bearbeiten</a:t>
+            </a:r>
+            <a:endParaRPr/>
+          </a:p>
+        </p:txBody>
+      </p:sp>
+      <p:sp>
+        <p:nvSpPr>
+          <p:cNvPr id="1331812975" name="Bildplatzhalter 2"/>
+          <p:cNvSpPr>
+            <a:spLocks noGrp="1"/>
+          </p:cNvSpPr>
+          <p:nvPr>
+            <p:ph type="pic" sz="quarter" idx="10"/>
+          </p:nvPr>
+        </p:nvSpPr>
+        <p:spPr bwMode="auto">
+          <a:xfrm>
+            <a:off x="6203949" y="2060574"/>
+            <a:ext cx="5795961" cy="4284662"/>
+          </a:xfrm>
+          <a:prstGeom prst="rect">
+            <a:avLst/>
+          </a:prstGeom>
+        </p:spPr>
+        <p:txBody>
+          <a:bodyPr anchor="b" anchorCtr="0"/>
+          <a:lstStyle>
+            <a:lvl1pPr marL="0" indent="0" algn="ctr">
+              <a:buNone/>
+              <a:defRPr sz="2000">
+                <a:latin typeface="Roboto"/>
+                <a:ea typeface="Roboto"/>
+              </a:defRPr>
+            </a:lvl1pPr>
+          </a:lstStyle>
+          <a:p>
+            <a:pPr>
+              <a:defRPr/>
+            </a:pPr>
+            <a:r>
+              <a:rPr lang="de-DE"/>
+              <a:t>Bild durch Klicken auf Symbol hinzufügen</a:t>
+            </a:r>
+            <a:endParaRPr/>
+          </a:p>
+        </p:txBody>
+      </p:sp>
+      <p:sp>
+        <p:nvSpPr>
+          <p:cNvPr id="493925108" name="Textplatzhalter 7"/>
+          <p:cNvSpPr>
+            <a:spLocks noGrp="1"/>
+          </p:cNvSpPr>
+          <p:nvPr>
+            <p:ph type="body" sz="quarter" idx="11"/>
+          </p:nvPr>
+        </p:nvSpPr>
+        <p:spPr bwMode="auto">
+          <a:xfrm>
+            <a:off x="192087" y="2060574"/>
+            <a:ext cx="5795962" cy="4284662"/>
+          </a:xfrm>
+          <a:prstGeom prst="rect">
+            <a:avLst/>
+          </a:prstGeom>
+        </p:spPr>
+        <p:txBody>
+          <a:bodyPr>
+            <a:normAutofit/>
+          </a:bodyPr>
+          <a:lstStyle>
+            <a:lvl1pPr>
+              <a:defRPr sz="2800">
+                <a:latin typeface="Roboto"/>
+                <a:ea typeface="Roboto"/>
+              </a:defRPr>
+            </a:lvl1pPr>
+            <a:lvl2pPr>
+              <a:defRPr sz="2400">
+                <a:latin typeface="Roboto"/>
+                <a:ea typeface="Roboto"/>
+              </a:defRPr>
+            </a:lvl2pPr>
+            <a:lvl3pPr>
+              <a:defRPr sz="2000">
+                <a:latin typeface="Roboto"/>
+                <a:ea typeface="Roboto"/>
+              </a:defRPr>
+            </a:lvl3pPr>
+            <a:lvl4pPr>
+              <a:defRPr sz="2000">
+                <a:latin typeface="Roboto"/>
+                <a:ea typeface="Roboto"/>
+              </a:defRPr>
+            </a:lvl4pPr>
+            <a:lvl5pPr>
+              <a:defRPr sz="2000">
+                <a:latin typeface="Roboto"/>
+                <a:ea typeface="Roboto"/>
+              </a:defRPr>
+            </a:lvl5pPr>
+          </a:lstStyle>
+          <a:p>
+            <a:pPr lvl="0">
+              <a:defRPr/>
+            </a:pPr>
+            <a:r>
+              <a:rPr lang="de-DE"/>
+              <a:t>Textmasterformat bearbeiten</a:t>
+            </a:r>
+            <a:endParaRPr/>
+          </a:p>
+          <a:p>
+            <a:pPr lvl="1">
+              <a:defRPr/>
+            </a:pPr>
+            <a:r>
+              <a:rPr lang="de-DE"/>
+              <a:t>Zweite Ebene</a:t>
+            </a:r>
+            <a:endParaRPr/>
+          </a:p>
+          <a:p>
+            <a:pPr lvl="2">
+              <a:defRPr/>
+            </a:pPr>
+            <a:r>
+              <a:rPr lang="de-DE"/>
+              <a:t>Dritte Ebene</a:t>
+            </a:r>
+            <a:endParaRPr/>
+          </a:p>
+          <a:p>
+            <a:pPr lvl="3">
+              <a:defRPr/>
+            </a:pPr>
+            <a:r>
+              <a:rPr lang="de-DE"/>
+              <a:t>Vierte Ebene</a:t>
+            </a:r>
+            <a:endParaRPr/>
+          </a:p>
+          <a:p>
+            <a:pPr lvl="4">
+              <a:defRPr/>
+            </a:pPr>
+            <a:r>
+              <a:rPr lang="de-DE"/>
+              <a:t>Fünfte Ebene</a:t>
+            </a:r>
+            <a:endParaRPr/>
+          </a:p>
+        </p:txBody>
+      </p:sp>
+    </p:spTree>
+  </p:cSld>
+  <p:clrMapOvr>
+    <a:masterClrMapping/>
+  </p:clrMapOvr>
+</p:sldLayout>
+</file>
+
+<file path=ppt/slideLayouts/slideLayout8.xml><?xml version="1.0" encoding="utf-8"?>
 <p:sldLayout xmlns:a="http://schemas.openxmlformats.org/drawingml/2006/main" xmlns:r="http://schemas.openxmlformats.org/officeDocument/2006/relationships" xmlns:p="http://schemas.openxmlformats.org/presentationml/2006/main" xmlns:m="http://schemas.openxmlformats.org/officeDocument/2006/math" xmlns:w="http://schemas.openxmlformats.org/wordprocessingml/2006/main" matchingName="" preserve="1" showMasterPhAnim="0" showMasterSp="1" userDrawn="1">
   <p:cSld name="Einsiedel">
     <p:spTree>
@@ -4612,7 +5186,7 @@
 </p:sldLayout>
 </file>
 
-<file path=ppt/slideLayouts/slideLayout8.xml><?xml version="1.0" encoding="utf-8"?>
+<file path=ppt/slideLayouts/slideLayout9.xml><?xml version="1.0" encoding="utf-8"?>
 <p:sldLayout xmlns:a="http://schemas.openxmlformats.org/drawingml/2006/main" xmlns:r="http://schemas.openxmlformats.org/officeDocument/2006/relationships" xmlns:p="http://schemas.openxmlformats.org/presentationml/2006/main" xmlns:m="http://schemas.openxmlformats.org/officeDocument/2006/math" xmlns:w="http://schemas.openxmlformats.org/wordprocessingml/2006/main" matchingName="" preserve="1" showMasterPhAnim="0" showMasterSp="1" userDrawn="1">
   <p:cSld name="Rabenstein">
     <p:spTree>
@@ -4815,294 +5389,6 @@
             </a:lvl1pPr>
             <a:lvl2pPr>
               <a:defRPr sz="2000">
-                <a:latin typeface="Roboto"/>
-                <a:ea typeface="Roboto"/>
-              </a:defRPr>
-            </a:lvl2pPr>
-            <a:lvl3pPr>
-              <a:defRPr sz="2000">
-                <a:latin typeface="Roboto"/>
-                <a:ea typeface="Roboto"/>
-              </a:defRPr>
-            </a:lvl3pPr>
-            <a:lvl4pPr>
-              <a:defRPr sz="2000">
-                <a:latin typeface="Roboto"/>
-                <a:ea typeface="Roboto"/>
-              </a:defRPr>
-            </a:lvl4pPr>
-            <a:lvl5pPr>
-              <a:defRPr sz="2000">
-                <a:latin typeface="Roboto"/>
-                <a:ea typeface="Roboto"/>
-              </a:defRPr>
-            </a:lvl5pPr>
-          </a:lstStyle>
-          <a:p>
-            <a:pPr lvl="0">
-              <a:defRPr/>
-            </a:pPr>
-            <a:r>
-              <a:rPr lang="de-DE"/>
-              <a:t>Textmasterformat bearbeiten</a:t>
-            </a:r>
-            <a:endParaRPr/>
-          </a:p>
-          <a:p>
-            <a:pPr lvl="1">
-              <a:defRPr/>
-            </a:pPr>
-            <a:r>
-              <a:rPr lang="de-DE"/>
-              <a:t>Zweite Ebene</a:t>
-            </a:r>
-            <a:endParaRPr/>
-          </a:p>
-          <a:p>
-            <a:pPr lvl="2">
-              <a:defRPr/>
-            </a:pPr>
-            <a:r>
-              <a:rPr lang="de-DE"/>
-              <a:t>Dritte Ebene</a:t>
-            </a:r>
-            <a:endParaRPr/>
-          </a:p>
-          <a:p>
-            <a:pPr lvl="3">
-              <a:defRPr/>
-            </a:pPr>
-            <a:r>
-              <a:rPr lang="de-DE"/>
-              <a:t>Vierte Ebene</a:t>
-            </a:r>
-            <a:endParaRPr/>
-          </a:p>
-          <a:p>
-            <a:pPr lvl="4">
-              <a:defRPr/>
-            </a:pPr>
-            <a:r>
-              <a:rPr lang="de-DE"/>
-              <a:t>Fünfte Ebene</a:t>
-            </a:r>
-            <a:endParaRPr/>
-          </a:p>
-        </p:txBody>
-      </p:sp>
-    </p:spTree>
-  </p:cSld>
-  <p:clrMapOvr>
-    <a:masterClrMapping/>
-  </p:clrMapOvr>
-</p:sldLayout>
-</file>
-
-<file path=ppt/slideLayouts/slideLayout9.xml><?xml version="1.0" encoding="utf-8"?>
-<p:sldLayout xmlns:a="http://schemas.openxmlformats.org/drawingml/2006/main" xmlns:r="http://schemas.openxmlformats.org/officeDocument/2006/relationships" xmlns:p="http://schemas.openxmlformats.org/presentationml/2006/main" xmlns:m="http://schemas.openxmlformats.org/officeDocument/2006/math" xmlns:w="http://schemas.openxmlformats.org/wordprocessingml/2006/main" matchingName="" preserve="1" showMasterPhAnim="0" showMasterSp="1" userDrawn="1">
-  <p:cSld name="Erfenschlag">
-    <p:spTree>
-      <p:nvGrpSpPr>
-        <p:cNvPr id="1" name=""/>
-        <p:cNvGrpSpPr/>
-        <p:nvPr/>
-      </p:nvGrpSpPr>
-      <p:grpSpPr bwMode="auto">
-        <a:xfrm>
-          <a:off x="0" y="0"/>
-          <a:ext cx="0" cy="0"/>
-          <a:chOff x="0" y="0"/>
-          <a:chExt cx="0" cy="0"/>
-        </a:xfrm>
-      </p:grpSpPr>
-      <p:sp>
-        <p:nvSpPr>
-          <p:cNvPr id="4" name="Titel 3"/>
-          <p:cNvSpPr>
-            <a:spLocks noGrp="1"/>
-          </p:cNvSpPr>
-          <p:nvPr>
-            <p:ph type="title" hasCustomPrompt="1"/>
-          </p:nvPr>
-        </p:nvSpPr>
-        <p:spPr bwMode="auto">
-          <a:xfrm>
-            <a:off x="1343025" y="152400"/>
-            <a:ext cx="10656888" cy="468314"/>
-          </a:xfrm>
-          <a:prstGeom prst="rect">
-            <a:avLst/>
-          </a:prstGeom>
-        </p:spPr>
-        <p:txBody>
-          <a:bodyPr lIns="0" tIns="0" rIns="0" bIns="0">
-            <a:normAutofit/>
-          </a:bodyPr>
-          <a:lstStyle>
-            <a:lvl1pPr>
-              <a:defRPr sz="2800"/>
-            </a:lvl1pPr>
-          </a:lstStyle>
-          <a:p>
-            <a:pPr>
-              <a:defRPr/>
-            </a:pPr>
-            <a:r>
-              <a:rPr lang="de-DE"/>
-              <a:t>Titelmasterformat durch Klicken bearbeiten</a:t>
-            </a:r>
-            <a:endParaRPr/>
-          </a:p>
-        </p:txBody>
-      </p:sp>
-      <p:sp>
-        <p:nvSpPr>
-          <p:cNvPr id="6" name="Bildplatzhalter 4"/>
-          <p:cNvSpPr>
-            <a:spLocks noGrp="1"/>
-          </p:cNvSpPr>
-          <p:nvPr>
-            <p:ph type="pic" sz="quarter" idx="12" hasCustomPrompt="1"/>
-          </p:nvPr>
-        </p:nvSpPr>
-        <p:spPr bwMode="auto">
-          <a:xfrm>
-            <a:off x="192088" y="908050"/>
-            <a:ext cx="790576" cy="928370"/>
-          </a:xfrm>
-          <a:prstGeom prst="rect">
-            <a:avLst/>
-          </a:prstGeom>
-        </p:spPr>
-        <p:txBody>
-          <a:bodyPr anchor="b">
-            <a:noAutofit/>
-          </a:bodyPr>
-          <a:lstStyle>
-            <a:lvl1pPr marL="0" indent="0" algn="ctr">
-              <a:buNone/>
-              <a:defRPr sz="2000">
-                <a:latin typeface="Roboto"/>
-                <a:ea typeface="Roboto"/>
-              </a:defRPr>
-            </a:lvl1pPr>
-          </a:lstStyle>
-          <a:p>
-            <a:pPr>
-              <a:defRPr/>
-            </a:pPr>
-            <a:r>
-              <a:rPr lang="de-DE"/>
-              <a:t>Logo</a:t>
-            </a:r>
-            <a:endParaRPr/>
-          </a:p>
-        </p:txBody>
-      </p:sp>
-      <p:sp>
-        <p:nvSpPr>
-          <p:cNvPr id="12" name="Textplatzhalter 7"/>
-          <p:cNvSpPr>
-            <a:spLocks noGrp="1"/>
-          </p:cNvSpPr>
-          <p:nvPr>
-            <p:ph type="body" sz="quarter" idx="13" hasCustomPrompt="1"/>
-          </p:nvPr>
-        </p:nvSpPr>
-        <p:spPr bwMode="auto">
-          <a:xfrm>
-            <a:off x="1558925" y="908050"/>
-            <a:ext cx="10440988" cy="928370"/>
-          </a:xfrm>
-          <a:prstGeom prst="rect">
-            <a:avLst/>
-          </a:prstGeom>
-        </p:spPr>
-        <p:txBody>
-          <a:bodyPr lIns="0" tIns="0" rIns="0" bIns="0">
-            <a:normAutofit/>
-          </a:bodyPr>
-          <a:lstStyle>
-            <a:lvl1pPr marL="0" indent="0">
-              <a:buFont typeface="Arial"/>
-              <a:buNone/>
-              <a:defRPr sz="2400" b="1">
-                <a:solidFill>
-                  <a:schemeClr val="tx1"/>
-                </a:solidFill>
-                <a:latin typeface="Roboto"/>
-                <a:ea typeface="Roboto"/>
-              </a:defRPr>
-            </a:lvl1pPr>
-            <a:lvl2pPr>
-              <a:defRPr sz="2400">
-                <a:latin typeface="Roboto"/>
-                <a:ea typeface="Roboto"/>
-              </a:defRPr>
-            </a:lvl2pPr>
-            <a:lvl3pPr>
-              <a:defRPr sz="2000">
-                <a:latin typeface="Roboto"/>
-                <a:ea typeface="Roboto"/>
-              </a:defRPr>
-            </a:lvl3pPr>
-            <a:lvl4pPr>
-              <a:defRPr sz="2000">
-                <a:latin typeface="Roboto"/>
-                <a:ea typeface="Roboto"/>
-              </a:defRPr>
-            </a:lvl4pPr>
-            <a:lvl5pPr>
-              <a:defRPr sz="2000">
-                <a:latin typeface="Roboto"/>
-                <a:ea typeface="Roboto"/>
-              </a:defRPr>
-            </a:lvl5pPr>
-          </a:lstStyle>
-          <a:p>
-            <a:pPr lvl="0">
-              <a:defRPr/>
-            </a:pPr>
-            <a:r>
-              <a:rPr lang="de-DE"/>
-              <a:t>Textmasterformat bearbeiten</a:t>
-            </a:r>
-            <a:endParaRPr/>
-          </a:p>
-        </p:txBody>
-      </p:sp>
-      <p:sp>
-        <p:nvSpPr>
-          <p:cNvPr id="8" name="Textplatzhalter 7"/>
-          <p:cNvSpPr>
-            <a:spLocks noGrp="1"/>
-          </p:cNvSpPr>
-          <p:nvPr>
-            <p:ph type="body" sz="quarter" idx="11"/>
-          </p:nvPr>
-        </p:nvSpPr>
-        <p:spPr bwMode="auto">
-          <a:xfrm>
-            <a:off x="1558925" y="1996440"/>
-            <a:ext cx="10440988" cy="4348798"/>
-          </a:xfrm>
-          <a:prstGeom prst="rect">
-            <a:avLst/>
-          </a:prstGeom>
-        </p:spPr>
-        <p:txBody>
-          <a:bodyPr>
-            <a:normAutofit/>
-          </a:bodyPr>
-          <a:lstStyle>
-            <a:lvl1pPr>
-              <a:defRPr sz="2800">
-                <a:latin typeface="Roboto"/>
-                <a:ea typeface="Roboto"/>
-              </a:defRPr>
-            </a:lvl1pPr>
-            <a:lvl2pPr>
-              <a:defRPr sz="2400">
                 <a:latin typeface="Roboto"/>
                 <a:ea typeface="Roboto"/>
               </a:defRPr>
@@ -6850,7 +7136,7 @@
           <p:nvPr userDrawn="1"/>
         </p:nvPicPr>
         <p:blipFill>
-          <a:blip r:embed="rId8"/>
+          <a:blip r:embed="rId9"/>
           <a:stretch/>
         </p:blipFill>
         <p:spPr bwMode="auto">
@@ -6873,6 +7159,7 @@
     <p:sldLayoutId id="2147483657" r:id="rId4"/>
     <p:sldLayoutId id="2147483658" r:id="rId5"/>
     <p:sldLayoutId id="2147483659" r:id="rId6"/>
+    <p:sldLayoutId id="2147483660" r:id="rId7"/>
   </p:sldLayoutIdLst>
   <p:txStyles>
     <p:titleStyle>
@@ -10774,16 +11061,12 @@
           </p:nvPr>
         </p:nvSpPr>
         <p:spPr bwMode="auto">
-          <a:xfrm flipH="0" flipV="0">
-            <a:off x="192087" y="1996439"/>
-            <a:ext cx="5613406" cy="4348797"/>
-          </a:xfrm>
           <a:prstGeom prst="rect">
             <a:avLst/>
           </a:prstGeom>
         </p:spPr>
         <p:txBody>
-          <a:bodyPr>
+          <a:bodyPr vertOverflow="overflow" horzOverflow="overflow" vert="horz" wrap="square" lIns="91440" tIns="45720" rIns="91440" bIns="45720" numCol="1" spcCol="0" rtlCol="0" fromWordArt="0" anchor="ctr" anchorCtr="0" forceAA="0" upright="0" compatLnSpc="0">
             <a:normAutofit/>
           </a:bodyPr>
           <a:lstStyle>
@@ -10945,20 +11228,22 @@
       </p:sp>
       <p:pic>
         <p:nvPicPr>
-          <p:cNvPr id="96713651" name=""/>
+          <p:cNvPr id="835187005" name=""/>
           <p:cNvPicPr>
             <a:picLocks noChangeAspect="1"/>
           </p:cNvPicPr>
-          <p:nvPr/>
+          <p:nvPr>
+            <p:ph type="pic" sz="quarter" idx="10"/>
+          </p:nvPr>
         </p:nvPicPr>
         <p:blipFill>
           <a:blip r:embed="rId3"/>
           <a:stretch/>
         </p:blipFill>
         <p:spPr bwMode="auto">
-          <a:xfrm rot="0" flipH="0" flipV="0">
-            <a:off x="5805495" y="1996438"/>
-            <a:ext cx="5811394" cy="3376400"/>
+          <a:xfrm rot="0">
+            <a:off x="6203949" y="2519188"/>
+            <a:ext cx="5795961" cy="3367435"/>
           </a:xfrm>
           <a:prstGeom prst="rect">
             <a:avLst/>

--- a/defense/praktikum_defense.pptx
+++ b/defense/praktikum_defense.pptx
@@ -6,7 +6,7 @@
     <p:sldMasterId id="2147483653" r:id="rId2"/>
   </p:sldMasterIdLst>
   <p:notesMasterIdLst>
-    <p:notesMasterId r:id="rId23"/>
+    <p:notesMasterId r:id="rId24"/>
   </p:notesMasterIdLst>
   <p:sldIdLst>
     <p:sldId id="256" r:id="rId6"/>
@@ -26,6 +26,7 @@
     <p:sldId id="270" r:id="rId20"/>
     <p:sldId id="271" r:id="rId21"/>
     <p:sldId id="272" r:id="rId22"/>
+    <p:sldId id="273" r:id="rId23"/>
   </p:sldIdLst>
   <p:sldSz cx="12192000" cy="6858000"/>
   <p:notesSz cx="9928225" cy="6797675"/>
@@ -698,7 +699,7 @@
       </p:grpSpPr>
       <p:sp>
         <p:nvSpPr>
-          <p:cNvPr id="2" name="Slide Image Placeholder 1"/>
+          <p:cNvPr id="1735887947" name="Slide Image Placeholder 1"/>
           <p:cNvSpPr>
             <a:spLocks noChangeAspect="1" noGrp="1" noRot="1"/>
           </p:cNvSpPr>
@@ -710,7 +711,7 @@
       </p:sp>
       <p:sp>
         <p:nvSpPr>
-          <p:cNvPr id="3" name="Notes Placeholder 2"/>
+          <p:cNvPr id="1315079039" name="Notes Placeholder 2"/>
           <p:cNvSpPr>
             <a:spLocks noGrp="1"/>
           </p:cNvSpPr>
@@ -732,7 +733,7 @@
       </p:sp>
       <p:sp>
         <p:nvSpPr>
-          <p:cNvPr id="4" name="Slide Number Placeholder 3"/>
+          <p:cNvPr id="807372285" name="Slide Number Placeholder 3"/>
           <p:cNvSpPr>
             <a:spLocks noGrp="1"/>
           </p:cNvSpPr>
@@ -748,7 +749,7 @@
             <a:pPr>
               <a:defRPr/>
             </a:pPr>
-            <a:fld id="{FA21AFF1-263F-099E-C0F4-19C33F214603}" type="slidenum">
+            <a:fld id="{81F33CA4-A218-D22C-8205-FEA76CC39815}" type="slidenum">
               <a:rPr/>
               <a:t/>
             </a:fld>
@@ -780,7 +781,7 @@
       </p:grpSpPr>
       <p:sp>
         <p:nvSpPr>
-          <p:cNvPr id="916165767" name="Slide Image Placeholder 1"/>
+          <p:cNvPr id="2" name="Slide Image Placeholder 1"/>
           <p:cNvSpPr>
             <a:spLocks noChangeAspect="1" noGrp="1" noRot="1"/>
           </p:cNvSpPr>
@@ -792,7 +793,7 @@
       </p:sp>
       <p:sp>
         <p:nvSpPr>
-          <p:cNvPr id="84185524" name="Notes Placeholder 2"/>
+          <p:cNvPr id="3" name="Notes Placeholder 2"/>
           <p:cNvSpPr>
             <a:spLocks noGrp="1"/>
           </p:cNvSpPr>
@@ -808,28 +809,13 @@
             <a:pPr>
               <a:defRPr/>
             </a:pPr>
-            <a:r>
-              <a:rPr lang="de-DE" sz="1200" b="0" i="0" u="none" strike="noStrike" cap="none" spc="0">
-                <a:solidFill>
-                  <a:schemeClr val="tx1"/>
-                </a:solidFill>
-                <a:latin typeface="Arial"/>
-                <a:ea typeface="Arial"/>
-                <a:cs typeface="Arial"/>
-              </a:rPr>
-              <a:t>ISO 15622:2018</a:t>
-            </a:r>
-            <a:r>
-              <a:rPr/>
-              <a:t>,</a:t>
-            </a:r>
             <a:endParaRPr/>
           </a:p>
         </p:txBody>
       </p:sp>
       <p:sp>
         <p:nvSpPr>
-          <p:cNvPr id="374229615" name="Slide Number Placeholder 3"/>
+          <p:cNvPr id="4" name="Slide Number Placeholder 3"/>
           <p:cNvSpPr>
             <a:spLocks noGrp="1"/>
           </p:cNvSpPr>
@@ -845,7 +831,7 @@
             <a:pPr>
               <a:defRPr/>
             </a:pPr>
-            <a:fld id="{FFAED2AC-8F4A-ADD7-AABB-F7BD0F6E72EC}" type="slidenum">
+            <a:fld id="{FA21AFF1-263F-099E-C0F4-19C33F214603}" type="slidenum">
               <a:rPr/>
               <a:t/>
             </a:fld>
@@ -877,7 +863,7 @@
       </p:grpSpPr>
       <p:sp>
         <p:nvSpPr>
-          <p:cNvPr id="1930053806" name="Slide Image Placeholder 1"/>
+          <p:cNvPr id="916165767" name="Slide Image Placeholder 1"/>
           <p:cNvSpPr>
             <a:spLocks noChangeAspect="1" noGrp="1" noRot="1"/>
           </p:cNvSpPr>
@@ -889,7 +875,7 @@
       </p:sp>
       <p:sp>
         <p:nvSpPr>
-          <p:cNvPr id="199281799" name="Notes Placeholder 2"/>
+          <p:cNvPr id="84185524" name="Notes Placeholder 2"/>
           <p:cNvSpPr>
             <a:spLocks noGrp="1"/>
           </p:cNvSpPr>
@@ -905,13 +891,28 @@
             <a:pPr>
               <a:defRPr/>
             </a:pPr>
+            <a:r>
+              <a:rPr lang="de-DE" sz="1200" b="0" i="0" u="none" strike="noStrike" cap="none" spc="0">
+                <a:solidFill>
+                  <a:schemeClr val="tx1"/>
+                </a:solidFill>
+                <a:latin typeface="Arial"/>
+                <a:ea typeface="Arial"/>
+                <a:cs typeface="Arial"/>
+              </a:rPr>
+              <a:t>ISO 15622:2018</a:t>
+            </a:r>
+            <a:r>
+              <a:rPr/>
+              <a:t>,</a:t>
+            </a:r>
             <a:endParaRPr/>
           </a:p>
         </p:txBody>
       </p:sp>
       <p:sp>
         <p:nvSpPr>
-          <p:cNvPr id="1884298512" name="Slide Number Placeholder 3"/>
+          <p:cNvPr id="374229615" name="Slide Number Placeholder 3"/>
           <p:cNvSpPr>
             <a:spLocks noGrp="1"/>
           </p:cNvSpPr>
@@ -927,7 +928,7 @@
             <a:pPr>
               <a:defRPr/>
             </a:pPr>
-            <a:fld id="{F7481226-C60A-95AE-E5A4-CE642BDF72EB}" type="slidenum">
+            <a:fld id="{FFAED2AC-8F4A-ADD7-AABB-F7BD0F6E72EC}" type="slidenum">
               <a:rPr/>
               <a:t/>
             </a:fld>
@@ -959,7 +960,7 @@
       </p:grpSpPr>
       <p:sp>
         <p:nvSpPr>
-          <p:cNvPr id="698509517" name="Slide Image Placeholder 1"/>
+          <p:cNvPr id="1930053806" name="Slide Image Placeholder 1"/>
           <p:cNvSpPr>
             <a:spLocks noChangeAspect="1" noGrp="1" noRot="1"/>
           </p:cNvSpPr>
@@ -971,7 +972,7 @@
       </p:sp>
       <p:sp>
         <p:nvSpPr>
-          <p:cNvPr id="1488535993" name="Notes Placeholder 2"/>
+          <p:cNvPr id="199281799" name="Notes Placeholder 2"/>
           <p:cNvSpPr>
             <a:spLocks noGrp="1"/>
           </p:cNvSpPr>
@@ -993,7 +994,7 @@
       </p:sp>
       <p:sp>
         <p:nvSpPr>
-          <p:cNvPr id="1526151863" name="Slide Number Placeholder 3"/>
+          <p:cNvPr id="1884298512" name="Slide Number Placeholder 3"/>
           <p:cNvSpPr>
             <a:spLocks noGrp="1"/>
           </p:cNvSpPr>
@@ -1009,7 +1010,7 @@
             <a:pPr>
               <a:defRPr/>
             </a:pPr>
-            <a:fld id="{EB025AE8-ED70-482F-01FA-8FC22C58DCDF}" type="slidenum">
+            <a:fld id="{F7481226-C60A-95AE-E5A4-CE642BDF72EB}" type="slidenum">
               <a:rPr/>
               <a:t/>
             </a:fld>
@@ -1041,7 +1042,7 @@
       </p:grpSpPr>
       <p:sp>
         <p:nvSpPr>
-          <p:cNvPr id="2068330830" name="Slide Image Placeholder 1"/>
+          <p:cNvPr id="698509517" name="Slide Image Placeholder 1"/>
           <p:cNvSpPr>
             <a:spLocks noChangeAspect="1" noGrp="1" noRot="1"/>
           </p:cNvSpPr>
@@ -1053,7 +1054,7 @@
       </p:sp>
       <p:sp>
         <p:nvSpPr>
-          <p:cNvPr id="828760103" name="Notes Placeholder 2"/>
+          <p:cNvPr id="1488535993" name="Notes Placeholder 2"/>
           <p:cNvSpPr>
             <a:spLocks noGrp="1"/>
           </p:cNvSpPr>
@@ -1075,7 +1076,7 @@
       </p:sp>
       <p:sp>
         <p:nvSpPr>
-          <p:cNvPr id="1262445792" name="Slide Number Placeholder 3"/>
+          <p:cNvPr id="1526151863" name="Slide Number Placeholder 3"/>
           <p:cNvSpPr>
             <a:spLocks noGrp="1"/>
           </p:cNvSpPr>
@@ -1091,7 +1092,7 @@
             <a:pPr>
               <a:defRPr/>
             </a:pPr>
-            <a:fld id="{46108405-1E7B-F374-B5C1-72651EA0730E}" type="slidenum">
+            <a:fld id="{EB025AE8-ED70-482F-01FA-8FC22C58DCDF}" type="slidenum">
               <a:rPr/>
               <a:t/>
             </a:fld>
@@ -1123,7 +1124,7 @@
       </p:grpSpPr>
       <p:sp>
         <p:nvSpPr>
-          <p:cNvPr id="2" name="Slide Image Placeholder 1"/>
+          <p:cNvPr id="2068330830" name="Slide Image Placeholder 1"/>
           <p:cNvSpPr>
             <a:spLocks noChangeAspect="1" noGrp="1" noRot="1"/>
           </p:cNvSpPr>
@@ -1135,7 +1136,7 @@
       </p:sp>
       <p:sp>
         <p:nvSpPr>
-          <p:cNvPr id="3" name="Notes Placeholder 2"/>
+          <p:cNvPr id="828760103" name="Notes Placeholder 2"/>
           <p:cNvSpPr>
             <a:spLocks noGrp="1"/>
           </p:cNvSpPr>
@@ -1157,7 +1158,7 @@
       </p:sp>
       <p:sp>
         <p:nvSpPr>
-          <p:cNvPr id="4" name="Slide Number Placeholder 3"/>
+          <p:cNvPr id="1262445792" name="Slide Number Placeholder 3"/>
           <p:cNvSpPr>
             <a:spLocks noGrp="1"/>
           </p:cNvSpPr>
@@ -1173,7 +1174,7 @@
             <a:pPr>
               <a:defRPr/>
             </a:pPr>
-            <a:fld id="{1D70CDFE-7C19-7B0E-E966-605D7169A76F}" type="slidenum">
+            <a:fld id="{46108405-1E7B-F374-B5C1-72651EA0730E}" type="slidenum">
               <a:rPr/>
               <a:t/>
             </a:fld>
@@ -1255,7 +1256,7 @@
             <a:pPr>
               <a:defRPr/>
             </a:pPr>
-            <a:fld id="{01035CFB-152E-245E-5C0C-51FE98A06BFA}" type="slidenum">
+            <a:fld id="{1D70CDFE-7C19-7B0E-E966-605D7169A76F}" type="slidenum">
               <a:rPr/>
               <a:t/>
             </a:fld>
@@ -1337,6 +1338,88 @@
             <a:pPr>
               <a:defRPr/>
             </a:pPr>
+            <a:fld id="{01035CFB-152E-245E-5C0C-51FE98A06BFA}" type="slidenum">
+              <a:rPr/>
+              <a:t/>
+            </a:fld>
+            <a:endParaRPr/>
+          </a:p>
+        </p:txBody>
+      </p:sp>
+    </p:spTree>
+  </p:cSld>
+</p:notes>
+</file>
+
+<file path=ppt/notesSlides/notesSlide18.xml><?xml version="1.0" encoding="utf-8"?>
+<p:notes xmlns:a="http://schemas.openxmlformats.org/drawingml/2006/main" xmlns:r="http://schemas.openxmlformats.org/officeDocument/2006/relationships" xmlns:p="http://schemas.openxmlformats.org/presentationml/2006/main" xmlns:m="http://schemas.openxmlformats.org/officeDocument/2006/math" xmlns:w="http://schemas.openxmlformats.org/wordprocessingml/2006/main">
+  <p:cSld name="">
+    <p:spTree>
+      <p:nvGrpSpPr>
+        <p:cNvPr id="1" name=""/>
+        <p:cNvGrpSpPr/>
+        <p:nvPr/>
+      </p:nvGrpSpPr>
+      <p:grpSpPr bwMode="auto">
+        <a:xfrm>
+          <a:off x="0" y="0"/>
+          <a:ext cx="0" cy="0"/>
+          <a:chOff x="0" y="0"/>
+          <a:chExt cx="0" cy="0"/>
+        </a:xfrm>
+      </p:grpSpPr>
+      <p:sp>
+        <p:nvSpPr>
+          <p:cNvPr id="2" name="Slide Image Placeholder 1"/>
+          <p:cNvSpPr>
+            <a:spLocks noChangeAspect="1" noGrp="1" noRot="1"/>
+          </p:cNvSpPr>
+          <p:nvPr>
+            <p:ph type="sldImg"/>
+          </p:nvPr>
+        </p:nvSpPr>
+        <p:spPr bwMode="auto"/>
+      </p:sp>
+      <p:sp>
+        <p:nvSpPr>
+          <p:cNvPr id="3" name="Notes Placeholder 2"/>
+          <p:cNvSpPr>
+            <a:spLocks noGrp="1"/>
+          </p:cNvSpPr>
+          <p:nvPr>
+            <p:ph type="body" idx="1"/>
+          </p:nvPr>
+        </p:nvSpPr>
+        <p:spPr bwMode="auto"/>
+        <p:txBody>
+          <a:bodyPr/>
+          <a:lstStyle/>
+          <a:p>
+            <a:pPr>
+              <a:defRPr/>
+            </a:pPr>
+            <a:endParaRPr/>
+          </a:p>
+        </p:txBody>
+      </p:sp>
+      <p:sp>
+        <p:nvSpPr>
+          <p:cNvPr id="4" name="Slide Number Placeholder 3"/>
+          <p:cNvSpPr>
+            <a:spLocks noGrp="1"/>
+          </p:cNvSpPr>
+          <p:nvPr>
+            <p:ph type="sldNum" sz="quarter" idx="10"/>
+          </p:nvPr>
+        </p:nvSpPr>
+        <p:spPr bwMode="auto"/>
+        <p:txBody>
+          <a:bodyPr/>
+          <a:lstStyle/>
+          <a:p>
+            <a:pPr>
+              <a:defRPr/>
+            </a:pPr>
             <a:fld id="{465C3093-1141-8DF5-EEA6-FB9AB4C05C46}" type="slidenum">
               <a:rPr/>
               <a:t/>
@@ -1890,7 +1973,7 @@
             <a:pPr>
               <a:defRPr/>
             </a:pPr>
-            <a:fld id="{1D7A7099-FD49-E3A8-5103-5F8A71D1D06F}" type="slidenum">
+            <a:fld id="{425AAF88-CF82-C395-F34A-9634E65F74EF}" type="slidenum">
               <a:rPr/>
               <a:t/>
             </a:fld>
@@ -1972,7 +2055,7 @@
             <a:pPr>
               <a:defRPr/>
             </a:pPr>
-            <a:fld id="{C4E925A2-9E52-AEBE-E921-52321902C863}" type="slidenum">
+            <a:fld id="{1D7A7099-FD49-E3A8-5103-5F8A71D1D06F}" type="slidenum">
               <a:rPr/>
               <a:t/>
             </a:fld>
@@ -2004,7 +2087,7 @@
       </p:grpSpPr>
       <p:sp>
         <p:nvSpPr>
-          <p:cNvPr id="1735887947" name="Slide Image Placeholder 1"/>
+          <p:cNvPr id="2" name="Slide Image Placeholder 1"/>
           <p:cNvSpPr>
             <a:spLocks noChangeAspect="1" noGrp="1" noRot="1"/>
           </p:cNvSpPr>
@@ -2016,7 +2099,7 @@
       </p:sp>
       <p:sp>
         <p:nvSpPr>
-          <p:cNvPr id="1315079039" name="Notes Placeholder 2"/>
+          <p:cNvPr id="3" name="Notes Placeholder 2"/>
           <p:cNvSpPr>
             <a:spLocks noGrp="1"/>
           </p:cNvSpPr>
@@ -2038,7 +2121,7 @@
       </p:sp>
       <p:sp>
         <p:nvSpPr>
-          <p:cNvPr id="807372285" name="Slide Number Placeholder 3"/>
+          <p:cNvPr id="4" name="Slide Number Placeholder 3"/>
           <p:cNvSpPr>
             <a:spLocks noGrp="1"/>
           </p:cNvSpPr>
@@ -2054,7 +2137,7 @@
             <a:pPr>
               <a:defRPr/>
             </a:pPr>
-            <a:fld id="{81F33CA4-A218-D22C-8205-FEA76CC39815}" type="slidenum">
+            <a:fld id="{C4E925A2-9E52-AEBE-E921-52321902C863}" type="slidenum">
               <a:rPr/>
               <a:t/>
             </a:fld>
@@ -7705,6 +7788,264 @@
       </p:grpSpPr>
       <p:sp>
         <p:nvSpPr>
+          <p:cNvPr id="2052760186" name="Titel 1"/>
+          <p:cNvSpPr>
+            <a:spLocks noGrp="1"/>
+          </p:cNvSpPr>
+          <p:nvPr>
+            <p:ph type="title"/>
+          </p:nvPr>
+        </p:nvSpPr>
+        <p:spPr bwMode="auto"/>
+        <p:txBody>
+          <a:bodyPr/>
+          <a:lstStyle/>
+          <a:p>
+            <a:pPr>
+              <a:defRPr/>
+            </a:pPr>
+            <a:r>
+              <a:rPr lang="de-DE" sz="2800" b="1" i="0" u="none" strike="noStrike" cap="none" spc="0">
+                <a:solidFill>
+                  <a:schemeClr val="bg1"/>
+                </a:solidFill>
+                <a:latin typeface="Roboto"/>
+                <a:ea typeface="Roboto"/>
+                <a:cs typeface="Roboto"/>
+              </a:rPr>
+              <a:t>Implementierung</a:t>
+            </a:r>
+            <a:endParaRPr/>
+          </a:p>
+        </p:txBody>
+      </p:sp>
+      <p:sp>
+        <p:nvSpPr>
+          <p:cNvPr id="1635374208" name="Textplatzhalter 4"/>
+          <p:cNvSpPr>
+            <a:spLocks noGrp="1"/>
+          </p:cNvSpPr>
+          <p:nvPr>
+            <p:ph type="body" sz="quarter" idx="12"/>
+          </p:nvPr>
+        </p:nvSpPr>
+        <p:spPr bwMode="auto">
+          <a:xfrm flipH="0" flipV="0">
+            <a:off x="571120" y="2181794"/>
+            <a:ext cx="4026344" cy="3636267"/>
+          </a:xfrm>
+        </p:spPr>
+        <p:txBody>
+          <a:bodyPr vertOverflow="overflow" horzOverflow="overflow" vert="horz" wrap="square" lIns="0" tIns="0" rIns="0" bIns="0" numCol="1" spcCol="0" rtlCol="0" fromWordArt="0" anchor="t" anchorCtr="0" forceAA="0" upright="0" compatLnSpc="0">
+            <a:normAutofit fontScale="60000" lnSpcReduction="8000"/>
+          </a:bodyPr>
+          <a:lstStyle/>
+          <a:p>
+            <a:pPr>
+              <a:defRPr/>
+            </a:pPr>
+            <a:r>
+              <a:rPr lang="de-DE" sz="2800"/>
+              <a:t>Laden von Parametersätzen, abhängig von Szenario und Fahrzeug</a:t>
+            </a:r>
+            <a:endParaRPr sz="2800"/>
+          </a:p>
+          <a:p>
+            <a:pPr>
+              <a:defRPr/>
+            </a:pPr>
+            <a:r>
+              <a:rPr lang="de-DE" sz="2800"/>
+              <a:t>Umgebungsklasse stellt definierte Anfangszustände durch Laden von Fahrzeugparametern und Initialisierung der Simulation her</a:t>
+            </a:r>
+            <a:endParaRPr sz="2800"/>
+          </a:p>
+          <a:p>
+            <a:pPr>
+              <a:defRPr/>
+            </a:pPr>
+            <a:r>
+              <a:rPr lang="de-DE" sz="2800"/>
+              <a:t>Jedes Szenario existiert als eigene Testklasse</a:t>
+            </a:r>
+            <a:endParaRPr sz="2800"/>
+          </a:p>
+          <a:p>
+            <a:pPr>
+              <a:defRPr/>
+            </a:pPr>
+            <a:r>
+              <a:rPr lang="de-DE" sz="2800"/>
+              <a:t>Testrunner</a:t>
+            </a:r>
+            <a:r>
+              <a:rPr lang="de-DE" sz="2800"/>
+              <a:t> führt Testsuite aus, sorgt für Korrekten Ablauf von Setup- und </a:t>
+            </a:r>
+            <a:r>
+              <a:rPr lang="de-DE" sz="2800"/>
+              <a:t>Teardown</a:t>
+            </a:r>
+            <a:r>
+              <a:rPr lang="de-DE" sz="2800"/>
+              <a:t>-Funktionen und erstellt Testbericht</a:t>
+            </a:r>
+            <a:endParaRPr sz="2800"/>
+          </a:p>
+          <a:p>
+            <a:pPr>
+              <a:defRPr/>
+            </a:pPr>
+            <a:r>
+              <a:rPr lang="de-DE" sz="2800"/>
+              <a:t>KPIs werden dynamisch vor Ausführung einer Simulation geladen</a:t>
+            </a:r>
+            <a:endParaRPr sz="2800"/>
+          </a:p>
+        </p:txBody>
+      </p:sp>
+      <p:pic>
+        <p:nvPicPr>
+          <p:cNvPr id="208325816" name="Grafik 9"/>
+          <p:cNvPicPr>
+            <a:picLocks noChangeAspect="1"/>
+          </p:cNvPicPr>
+          <p:nvPr/>
+        </p:nvPicPr>
+        <p:blipFill>
+          <a:blip r:embed="rId3">
+            <a:extLst>
+              <a:ext uri="{96DAC541-7B7A-43D3-8B79-37D633B846F1}">
+                <asvg:svgBlip xmlns:asvg="http://schemas.microsoft.com/office/drawing/2016/SVG/main" r:embed="rId4"/>
+              </a:ext>
+            </a:extLst>
+          </a:blip>
+          <a:stretch/>
+        </p:blipFill>
+        <p:spPr bwMode="auto">
+          <a:xfrm flipH="0" flipV="0">
+            <a:off x="5536730" y="1882335"/>
+            <a:ext cx="5587455" cy="3756648"/>
+          </a:xfrm>
+          <a:prstGeom prst="rect">
+            <a:avLst/>
+          </a:prstGeom>
+        </p:spPr>
+      </p:pic>
+      <p:sp>
+        <p:nvSpPr>
+          <p:cNvPr id="1250794176" name="Textplatzhalter 7"/>
+          <p:cNvSpPr>
+            <a:spLocks noGrp="1"/>
+          </p:cNvSpPr>
+          <p:nvPr>
+            <p:ph type="body" sz="quarter" idx="13" hasCustomPrompt="1"/>
+          </p:nvPr>
+        </p:nvSpPr>
+        <p:spPr bwMode="auto">
+          <a:xfrm>
+            <a:off x="192087" y="908049"/>
+            <a:ext cx="11807824" cy="928369"/>
+          </a:xfrm>
+          <a:prstGeom prst="rect">
+            <a:avLst/>
+          </a:prstGeom>
+        </p:spPr>
+        <p:txBody>
+          <a:bodyPr lIns="0" tIns="0" rIns="0" bIns="0">
+            <a:normAutofit/>
+          </a:bodyPr>
+          <a:lstStyle>
+            <a:lvl1pPr marL="0" indent="0">
+              <a:buFont typeface="Arial"/>
+              <a:buNone/>
+              <a:defRPr sz="2400" b="1">
+                <a:solidFill>
+                  <a:schemeClr val="tx1"/>
+                </a:solidFill>
+                <a:latin typeface="Roboto"/>
+                <a:ea typeface="Roboto"/>
+              </a:defRPr>
+            </a:lvl1pPr>
+            <a:lvl2pPr>
+              <a:defRPr sz="2400">
+                <a:latin typeface="Roboto"/>
+                <a:ea typeface="Roboto"/>
+              </a:defRPr>
+            </a:lvl2pPr>
+            <a:lvl3pPr>
+              <a:defRPr sz="2000">
+                <a:latin typeface="Roboto"/>
+                <a:ea typeface="Roboto"/>
+              </a:defRPr>
+            </a:lvl3pPr>
+            <a:lvl4pPr>
+              <a:defRPr sz="2000">
+                <a:latin typeface="Roboto"/>
+                <a:ea typeface="Roboto"/>
+              </a:defRPr>
+            </a:lvl4pPr>
+            <a:lvl5pPr>
+              <a:defRPr sz="2000">
+                <a:latin typeface="Roboto"/>
+                <a:ea typeface="Roboto"/>
+              </a:defRPr>
+            </a:lvl5pPr>
+          </a:lstStyle>
+          <a:p>
+            <a:pPr>
+              <a:defRPr/>
+            </a:pPr>
+            <a:r>
+              <a:rPr lang="de-DE" sz="2400" b="1" i="0" u="none" strike="noStrike" cap="none" spc="0">
+                <a:solidFill>
+                  <a:schemeClr val="tx1"/>
+                </a:solidFill>
+                <a:latin typeface="Roboto"/>
+                <a:ea typeface="Roboto"/>
+                <a:cs typeface="Roboto"/>
+              </a:rPr>
+              <a:t>Ablauf eines Testskriptes</a:t>
+            </a:r>
+            <a:endParaRPr/>
+          </a:p>
+        </p:txBody>
+      </p:sp>
+    </p:spTree>
+  </p:cSld>
+  <p:clrMapOvr>
+    <a:masterClrMapping/>
+  </p:clrMapOvr>
+  <mc:AlternateContent xmlns:mc="http://schemas.openxmlformats.org/markup-compatibility/2006">
+    <mc:Choice xmlns:p159="http://schemas.microsoft.com/office/powerpoint/2015/09/main" xmlns:p14="http://schemas.microsoft.com/office/powerpoint/2010/main" Requires="p159">
+      <p:transition p14:dur="2000" advClick="1"/>
+    </mc:Choice>
+    <mc:Fallback>
+      <p:transition advClick="1"/>
+    </mc:Fallback>
+  </mc:AlternateContent>
+</p:sld>
+</file>
+
+<file path=ppt/slides/slide11.xml><?xml version="1.0" encoding="utf-8"?>
+<p:sld xmlns:a="http://schemas.openxmlformats.org/drawingml/2006/main" xmlns:r="http://schemas.openxmlformats.org/officeDocument/2006/relationships" xmlns:p="http://schemas.openxmlformats.org/presentationml/2006/main" xmlns:m="http://schemas.openxmlformats.org/officeDocument/2006/math" xmlns:w="http://schemas.openxmlformats.org/wordprocessingml/2006/main" xmlns:mc="http://schemas.openxmlformats.org/markup-compatibility/2006" showMasterPhAnim="0" showMasterSp="1" show="1">
+  <p:cSld name="">
+    <p:spTree>
+      <p:nvGrpSpPr>
+        <p:cNvPr id="1" name=""/>
+        <p:cNvGrpSpPr/>
+        <p:nvPr/>
+      </p:nvGrpSpPr>
+      <p:grpSpPr bwMode="auto">
+        <a:xfrm>
+          <a:off x="0" y="0"/>
+          <a:ext cx="0" cy="0"/>
+          <a:chOff x="0" y="0"/>
+          <a:chExt cx="0" cy="0"/>
+        </a:xfrm>
+      </p:grpSpPr>
+      <p:sp>
+        <p:nvSpPr>
           <p:cNvPr id="1331761792" name="Titel 3"/>
           <p:cNvSpPr>
             <a:spLocks noGrp="1"/>
@@ -8158,7 +8499,7 @@
 </p:sld>
 </file>
 
-<file path=ppt/slides/slide11.xml><?xml version="1.0" encoding="utf-8"?>
+<file path=ppt/slides/slide12.xml><?xml version="1.0" encoding="utf-8"?>
 <p:sld xmlns:a="http://schemas.openxmlformats.org/drawingml/2006/main" xmlns:r="http://schemas.openxmlformats.org/officeDocument/2006/relationships" xmlns:p="http://schemas.openxmlformats.org/presentationml/2006/main" xmlns:m="http://schemas.openxmlformats.org/officeDocument/2006/math" xmlns:w="http://schemas.openxmlformats.org/wordprocessingml/2006/main" xmlns:mc="http://schemas.openxmlformats.org/markup-compatibility/2006" showMasterPhAnim="0" showMasterSp="1" show="1">
   <p:cSld name="">
     <p:spTree>
@@ -8432,7 +8773,7 @@
 </p:sld>
 </file>
 
-<file path=ppt/slides/slide12.xml><?xml version="1.0" encoding="utf-8"?>
+<file path=ppt/slides/slide13.xml><?xml version="1.0" encoding="utf-8"?>
 <p:sld xmlns:a="http://schemas.openxmlformats.org/drawingml/2006/main" xmlns:r="http://schemas.openxmlformats.org/officeDocument/2006/relationships" xmlns:p="http://schemas.openxmlformats.org/presentationml/2006/main" xmlns:m="http://schemas.openxmlformats.org/officeDocument/2006/math" xmlns:w="http://schemas.openxmlformats.org/wordprocessingml/2006/main" xmlns:mc="http://schemas.openxmlformats.org/markup-compatibility/2006" showMasterPhAnim="0" showMasterSp="1" show="1">
   <p:cSld name="">
     <p:spTree>
@@ -9460,7 +9801,7 @@
 </p:sld>
 </file>
 
-<file path=ppt/slides/slide13.xml><?xml version="1.0" encoding="utf-8"?>
+<file path=ppt/slides/slide14.xml><?xml version="1.0" encoding="utf-8"?>
 <p:sld xmlns:a="http://schemas.openxmlformats.org/drawingml/2006/main" xmlns:r="http://schemas.openxmlformats.org/officeDocument/2006/relationships" xmlns:p="http://schemas.openxmlformats.org/presentationml/2006/main" xmlns:m="http://schemas.openxmlformats.org/officeDocument/2006/math" xmlns:w="http://schemas.openxmlformats.org/wordprocessingml/2006/main" xmlns:mc="http://schemas.openxmlformats.org/markup-compatibility/2006" showMasterPhAnim="0" showMasterSp="1" show="1">
   <p:cSld name="">
     <p:spTree>
@@ -9733,7 +10074,7 @@
 </p:sld>
 </file>
 
-<file path=ppt/slides/slide14.xml><?xml version="1.0" encoding="utf-8"?>
+<file path=ppt/slides/slide15.xml><?xml version="1.0" encoding="utf-8"?>
 <p:sld xmlns:a="http://schemas.openxmlformats.org/drawingml/2006/main" xmlns:r="http://schemas.openxmlformats.org/officeDocument/2006/relationships" xmlns:p="http://schemas.openxmlformats.org/presentationml/2006/main" xmlns:m="http://schemas.openxmlformats.org/officeDocument/2006/math" xmlns:w="http://schemas.openxmlformats.org/wordprocessingml/2006/main" xmlns:mc="http://schemas.openxmlformats.org/markup-compatibility/2006" showMasterPhAnim="0" showMasterSp="1" show="1">
   <p:cSld name="">
     <p:spTree>
@@ -9993,7 +10334,7 @@
 </p:sld>
 </file>
 
-<file path=ppt/slides/slide15.xml><?xml version="1.0" encoding="utf-8"?>
+<file path=ppt/slides/slide16.xml><?xml version="1.0" encoding="utf-8"?>
 <p:sld xmlns:a="http://schemas.openxmlformats.org/drawingml/2006/main" xmlns:r="http://schemas.openxmlformats.org/officeDocument/2006/relationships" xmlns:p="http://schemas.openxmlformats.org/presentationml/2006/main" xmlns:m="http://schemas.openxmlformats.org/officeDocument/2006/math" xmlns:w="http://schemas.openxmlformats.org/wordprocessingml/2006/main" xmlns:mc="http://schemas.openxmlformats.org/markup-compatibility/2006" showMasterPhAnim="0" showMasterSp="1" show="1">
   <p:cSld name="">
     <p:spTree>
@@ -10211,7 +10552,7 @@
 </p:sld>
 </file>
 
-<file path=ppt/slides/slide16.xml><?xml version="1.0" encoding="utf-8"?>
+<file path=ppt/slides/slide17.xml><?xml version="1.0" encoding="utf-8"?>
 <p:sld xmlns:a="http://schemas.openxmlformats.org/drawingml/2006/main" xmlns:r="http://schemas.openxmlformats.org/officeDocument/2006/relationships" xmlns:p="http://schemas.openxmlformats.org/presentationml/2006/main" xmlns:m="http://schemas.openxmlformats.org/officeDocument/2006/math" xmlns:w="http://schemas.openxmlformats.org/wordprocessingml/2006/main" xmlns:mc="http://schemas.openxmlformats.org/markup-compatibility/2006" showMasterPhAnim="0" showMasterSp="1" show="1">
   <p:cSld name="">
     <p:spTree>
@@ -10411,7 +10752,7 @@
 </p:sld>
 </file>
 
-<file path=ppt/slides/slide17.xml><?xml version="1.0" encoding="utf-8"?>
+<file path=ppt/slides/slide18.xml><?xml version="1.0" encoding="utf-8"?>
 <p:sld xmlns:a="http://schemas.openxmlformats.org/drawingml/2006/main" xmlns:r="http://schemas.openxmlformats.org/officeDocument/2006/relationships" xmlns:p="http://schemas.openxmlformats.org/presentationml/2006/main" xmlns:m="http://schemas.openxmlformats.org/officeDocument/2006/math" xmlns:w="http://schemas.openxmlformats.org/wordprocessingml/2006/main" xmlns:mc="http://schemas.openxmlformats.org/markup-compatibility/2006" showMasterPhAnim="0" showMasterSp="1" show="1">
   <p:cSld name="">
     <p:spTree>
@@ -11757,23 +12098,200 @@
       </p:grpSpPr>
       <p:sp>
         <p:nvSpPr>
-          <p:cNvPr id="900517534" name="Rechteck 10"/>
+          <p:cNvPr id="857967857" name="Titel 3"/>
+          <p:cNvSpPr>
+            <a:spLocks noGrp="1"/>
+          </p:cNvSpPr>
+          <p:nvPr>
+            <p:ph type="title" hasCustomPrompt="1"/>
+          </p:nvPr>
+        </p:nvSpPr>
+        <p:spPr bwMode="auto">
+          <a:prstGeom prst="rect">
+            <a:avLst/>
+          </a:prstGeom>
+        </p:spPr>
+        <p:txBody>
+          <a:bodyPr vertOverflow="overflow" horzOverflow="overflow" vert="horz" wrap="square" lIns="0" tIns="0" rIns="0" bIns="0" numCol="1" spcCol="0" rtlCol="0" fromWordArt="0" anchor="t" anchorCtr="0" forceAA="0" upright="0" compatLnSpc="0">
+            <a:normAutofit/>
+          </a:bodyPr>
+          <a:lstStyle>
+            <a:lvl1pPr>
+              <a:defRPr sz="2800"/>
+            </a:lvl1pPr>
+          </a:lstStyle>
+          <a:p>
+            <a:pPr>
+              <a:defRPr/>
+            </a:pPr>
+            <a:r>
+              <a:rPr lang="de-DE" sz="2800" b="1" i="0" u="none" strike="noStrike" cap="none" spc="0">
+                <a:solidFill>
+                  <a:schemeClr val="bg1"/>
+                </a:solidFill>
+                <a:latin typeface="Roboto"/>
+                <a:ea typeface="Roboto"/>
+                <a:cs typeface="+mj-cs"/>
+              </a:rPr>
+              <a:t>Systemüberblick</a:t>
+            </a:r>
+            <a:endParaRPr sz="2800"/>
+          </a:p>
+        </p:txBody>
+      </p:sp>
+      <p:sp>
+        <p:nvSpPr>
+          <p:cNvPr id="499549969" name="Textplatzhalter 7"/>
+          <p:cNvSpPr>
+            <a:spLocks noGrp="1"/>
+          </p:cNvSpPr>
+          <p:nvPr>
+            <p:ph type="body" sz="quarter" idx="13" hasCustomPrompt="1"/>
+          </p:nvPr>
+        </p:nvSpPr>
+        <p:spPr bwMode="auto">
+          <a:prstGeom prst="rect">
+            <a:avLst/>
+          </a:prstGeom>
+        </p:spPr>
+        <p:txBody>
+          <a:bodyPr lIns="0" tIns="0" rIns="0" bIns="0">
+            <a:normAutofit/>
+          </a:bodyPr>
+          <a:lstStyle>
+            <a:lvl1pPr marL="0" indent="0">
+              <a:buFont typeface="Arial"/>
+              <a:buNone/>
+              <a:defRPr sz="2400" b="1">
+                <a:solidFill>
+                  <a:schemeClr val="tx1"/>
+                </a:solidFill>
+                <a:latin typeface="Roboto"/>
+                <a:ea typeface="Roboto"/>
+              </a:defRPr>
+            </a:lvl1pPr>
+            <a:lvl2pPr>
+              <a:defRPr sz="2400">
+                <a:latin typeface="Roboto"/>
+                <a:ea typeface="Roboto"/>
+              </a:defRPr>
+            </a:lvl2pPr>
+            <a:lvl3pPr>
+              <a:defRPr sz="2000">
+                <a:latin typeface="Roboto"/>
+                <a:ea typeface="Roboto"/>
+              </a:defRPr>
+            </a:lvl3pPr>
+            <a:lvl4pPr>
+              <a:defRPr sz="2000">
+                <a:latin typeface="Roboto"/>
+                <a:ea typeface="Roboto"/>
+              </a:defRPr>
+            </a:lvl4pPr>
+            <a:lvl5pPr>
+              <a:defRPr sz="2000">
+                <a:latin typeface="Roboto"/>
+                <a:ea typeface="Roboto"/>
+              </a:defRPr>
+            </a:lvl5pPr>
+          </a:lstStyle>
+          <a:p>
+            <a:pPr>
+              <a:defRPr/>
+            </a:pPr>
+            <a:r>
+              <a:rPr lang="de-DE" sz="2400" b="1" i="0" u="none" strike="noStrike" cap="none" spc="0">
+                <a:solidFill>
+                  <a:schemeClr val="tx1"/>
+                </a:solidFill>
+                <a:latin typeface="Roboto"/>
+                <a:ea typeface="Roboto"/>
+                <a:cs typeface="Roboto"/>
+              </a:rPr>
+              <a:t>Konzeptvorstellung</a:t>
+            </a:r>
+            <a:endParaRPr/>
+          </a:p>
+        </p:txBody>
+      </p:sp>
+      <p:sp>
+        <p:nvSpPr>
+          <p:cNvPr id="66021719" name="Textfeld 12"/>
+          <p:cNvSpPr txBox="1"/>
+          <p:nvPr/>
+        </p:nvSpPr>
+        <p:spPr bwMode="auto">
+          <a:xfrm flipH="0" flipV="0">
+            <a:off x="2452105" y="3801010"/>
+            <a:ext cx="970627" cy="292967"/>
+          </a:xfrm>
+          <a:prstGeom prst="rect">
+            <a:avLst/>
+          </a:prstGeom>
+          <a:noFill/>
+        </p:spPr>
+        <p:txBody>
+          <a:bodyPr wrap="square" lIns="0" tIns="0" rIns="0" bIns="0" rtlCol="0">
+            <a:spAutoFit/>
+          </a:bodyPr>
+          <a:lstStyle/>
+          <a:p>
+            <a:pPr marL="0" marR="0" lvl="0" indent="0" algn="l" defTabSz="863994">
+              <a:lnSpc>
+                <a:spcPct val="120000"/>
+              </a:lnSpc>
+              <a:spcBef>
+                <a:spcPts val="799"/>
+              </a:spcBef>
+              <a:spcAft>
+                <a:spcPts val="0"/>
+              </a:spcAft>
+              <a:defRPr lang="de-DE" sz="1700" b="0" i="0" u="none" strike="noStrike" cap="none" spc="0">
+                <a:solidFill>
+                  <a:srgbClr val="001A54"/>
+                </a:solidFill>
+                <a:latin typeface="Arial"/>
+                <a:ea typeface="Arial"/>
+                <a:cs typeface="Arial"/>
+              </a:defRPr>
+            </a:pPr>
+            <a:r>
+              <a:rPr lang="en-US" sz="1600">
+                <a:solidFill>
+                  <a:srgbClr val="010E49"/>
+                </a:solidFill>
+              </a:rPr>
+              <a:t>Parameter</a:t>
+            </a:r>
+            <a:endParaRPr sz="2000">
+              <a:solidFill>
+                <a:srgbClr val="010E49"/>
+              </a:solidFill>
+            </a:endParaRPr>
+          </a:p>
+        </p:txBody>
+      </p:sp>
+      <p:sp>
+        <p:nvSpPr>
+          <p:cNvPr id="227407425" name="Rechteck 18"/>
           <p:cNvSpPr/>
           <p:nvPr/>
         </p:nvSpPr>
         <p:spPr bwMode="auto">
-          <a:xfrm flipH="0" flipV="0">
-            <a:off x="2132780" y="4344725"/>
-            <a:ext cx="1284525" cy="424933"/>
+          <a:xfrm rot="0" flipH="0" flipV="0">
+            <a:off x="998610" y="2486220"/>
+            <a:ext cx="1728191" cy="752190"/>
           </a:xfrm>
           <a:prstGeom prst="rect">
             <a:avLst/>
           </a:prstGeom>
           <a:solidFill>
-            <a:srgbClr val="A200E6"/>
+            <a:srgbClr val="009900"/>
           </a:solidFill>
-          <a:ln>
+          <a:ln w="0" cap="flat" cmpd="sng" algn="ctr">
             <a:noFill/>
+            <a:prstDash val="solid"/>
+            <a:miter lim="800000"/>
           </a:ln>
         </p:spPr>
         <p:style>
@@ -11799,45 +12317,454 @@
           </a:bodyPr>
           <a:lstStyle/>
           <a:p>
-            <a:pPr algn="ctr">
+            <a:pPr marL="0" marR="0" lvl="0" indent="0" algn="ctr" defTabSz="863994">
+              <a:lnSpc>
+                <a:spcPct val="100000"/>
+              </a:lnSpc>
+              <a:spcBef>
+                <a:spcPts val="0"/>
+              </a:spcBef>
               <a:spcAft>
                 <a:spcPts val="499"/>
               </a:spcAft>
-              <a:defRPr/>
-            </a:pPr>
-            <a:r>
-              <a:rPr lang="en-US" sz="1000">
-                <a:ea typeface="Times New Roman"/>
-                <a:cs typeface="Times New Roman"/>
+              <a:defRPr lang="de-DE" sz="1700" b="0" i="0" u="none" strike="noStrike" cap="none" spc="0">
+                <a:solidFill>
+                  <a:srgbClr val="FFFFFF"/>
+                </a:solidFill>
+                <a:latin typeface="Arial"/>
+                <a:ea typeface="Arial"/>
+                <a:cs typeface="Arial"/>
+              </a:defRPr>
+            </a:pPr>
+            <a:r>
+              <a:rPr lang="de-DE" sz="1600">
+                <a:latin typeface="Roboto"/>
+                <a:ea typeface="Roboto"/>
+                <a:cs typeface="Roboto"/>
               </a:rPr>
-              <a:t>Initialization Scripts</a:t>
-            </a:r>
-            <a:endParaRPr lang="en-US" sz="1100">
-              <a:ea typeface="Times New Roman"/>
-              <a:cs typeface="Times New Roman"/>
+              <a:t>Pfadfolge</a:t>
+            </a:r>
+            <a:r>
+              <a:rPr lang="en-US" sz="1600">
+                <a:latin typeface="Roboto"/>
+                <a:ea typeface="Roboto"/>
+                <a:cs typeface="Roboto"/>
+              </a:rPr>
+              <a:t> MPC</a:t>
+            </a:r>
+            <a:endParaRPr sz="1800">
+              <a:latin typeface="Roboto"/>
+              <a:cs typeface="Roboto"/>
             </a:endParaRPr>
           </a:p>
         </p:txBody>
       </p:sp>
       <p:sp>
         <p:nvSpPr>
-          <p:cNvPr id="507133766" name="Rechteck 11"/>
+          <p:cNvPr id="208540732" name="Rechteck 24"/>
           <p:cNvSpPr/>
           <p:nvPr/>
         </p:nvSpPr>
         <p:spPr bwMode="auto">
+          <a:xfrm rot="0" flipH="0" flipV="0">
+            <a:off x="512525" y="2015014"/>
+            <a:ext cx="6228605" cy="1711399"/>
+          </a:xfrm>
+          <a:prstGeom prst="rect">
+            <a:avLst/>
+          </a:prstGeom>
+          <a:noFill/>
+          <a:ln w="28575" cap="flat" cmpd="sng" algn="ctr">
+            <a:solidFill>
+              <a:srgbClr val="009900"/>
+            </a:solidFill>
+            <a:prstDash val="sysDash"/>
+            <a:miter lim="800000"/>
+          </a:ln>
+        </p:spPr>
+        <p:style>
+          <a:lnRef idx="2">
+            <a:schemeClr val="accent1">
+              <a:shade val="50000"/>
+            </a:schemeClr>
+          </a:lnRef>
+          <a:fillRef idx="1">
+            <a:schemeClr val="accent1"/>
+          </a:fillRef>
+          <a:effectRef idx="0">
+            <a:schemeClr val="accent1"/>
+          </a:effectRef>
+          <a:fontRef idx="minor">
+            <a:schemeClr val="lt1"/>
+          </a:fontRef>
+        </p:style>
+        <p:txBody>
+          <a:bodyPr lIns="144000" tIns="108000" rIns="144000" bIns="144000" rtlCol="0" anchor="t"/>
+          <a:lstStyle/>
+          <a:p>
+            <a:pPr marL="0" marR="0" lvl="0" indent="0" algn="l" defTabSz="863994">
+              <a:lnSpc>
+                <a:spcPct val="100000"/>
+              </a:lnSpc>
+              <a:spcBef>
+                <a:spcPts val="799"/>
+              </a:spcBef>
+              <a:spcAft>
+                <a:spcPts val="0"/>
+              </a:spcAft>
+              <a:defRPr lang="de-DE" sz="1700" b="0" i="0" u="none" strike="noStrike" cap="none" spc="0">
+                <a:solidFill>
+                  <a:srgbClr val="FFFFFF"/>
+                </a:solidFill>
+                <a:latin typeface="Arial"/>
+                <a:ea typeface="Arial"/>
+                <a:cs typeface="Arial"/>
+              </a:defRPr>
+            </a:pPr>
+            <a:r>
+              <a:rPr lang="de-DE" sz="1600">
+                <a:solidFill>
+                  <a:srgbClr val="009900"/>
+                </a:solidFill>
+                <a:latin typeface="Roboto"/>
+                <a:ea typeface="Roboto"/>
+                <a:cs typeface="Roboto"/>
+              </a:rPr>
+              <a:t>Simulationsmodel</a:t>
+            </a:r>
+            <a:endParaRPr>
+              <a:solidFill>
+                <a:srgbClr val="009900"/>
+              </a:solidFill>
+              <a:latin typeface="Roboto"/>
+              <a:cs typeface="Roboto"/>
+            </a:endParaRPr>
+          </a:p>
+        </p:txBody>
+      </p:sp>
+      <p:cxnSp>
+        <p:nvCxnSpPr>
+          <p:cNvPr id="63943872" name="Gerade Verbindung mit Pfeil 14"/>
+          <p:cNvCxnSpPr>
+            <a:cxnSpLocks/>
+            <a:stCxn id="1749462775" idx="0"/>
+          </p:cNvCxnSpPr>
+          <p:nvPr/>
+        </p:nvCxnSpPr>
+        <p:spPr bwMode="auto">
+          <a:xfrm rot="16199969" flipH="0" flipV="1">
+            <a:off x="3343719" y="3950493"/>
+            <a:ext cx="357187" cy="0"/>
+          </a:xfrm>
+          <a:prstGeom prst="straightConnector1">
+            <a:avLst/>
+          </a:prstGeom>
+          <a:noFill/>
+          <a:ln w="19049" cap="flat" cmpd="sng" algn="ctr">
+            <a:solidFill>
+              <a:schemeClr val="tx1"/>
+            </a:solidFill>
+            <a:prstDash val="solid"/>
+            <a:miter lim="800000"/>
+            <a:tailEnd type="triangle"/>
+          </a:ln>
+        </p:spPr>
+        <p:style>
+          <a:lnRef idx="1">
+            <a:schemeClr val="accent1"/>
+          </a:lnRef>
+          <a:fillRef idx="0">
+            <a:schemeClr val="accent1"/>
+          </a:fillRef>
+          <a:effectRef idx="0">
+            <a:schemeClr val="accent1"/>
+          </a:effectRef>
+          <a:fontRef idx="minor">
+            <a:schemeClr val="tx1"/>
+          </a:fontRef>
+        </p:style>
+      </p:cxnSp>
+      <p:cxnSp>
+        <p:nvCxnSpPr>
+          <p:cNvPr id="275395976" name="Gerade Verbindung mit Pfeil 15"/>
+          <p:cNvCxnSpPr>
+            <a:cxnSpLocks/>
+            <a:endCxn id="899525576" idx="0"/>
+          </p:cNvCxnSpPr>
+          <p:nvPr/>
+        </p:nvCxnSpPr>
+        <p:spPr bwMode="auto">
+          <a:xfrm rot="5399978" flipH="0" flipV="1">
+            <a:off x="5610493" y="3918651"/>
+            <a:ext cx="350653" cy="0"/>
+          </a:xfrm>
+          <a:prstGeom prst="straightConnector1">
+            <a:avLst/>
+          </a:prstGeom>
+          <a:noFill/>
+          <a:ln w="19049" cap="flat" cmpd="sng" algn="ctr">
+            <a:solidFill>
+              <a:schemeClr val="tx1"/>
+            </a:solidFill>
+            <a:prstDash val="solid"/>
+            <a:miter lim="800000"/>
+            <a:tailEnd type="triangle"/>
+          </a:ln>
+        </p:spPr>
+        <p:style>
+          <a:lnRef idx="1">
+            <a:schemeClr val="accent1"/>
+          </a:lnRef>
+          <a:fillRef idx="0">
+            <a:schemeClr val="accent1"/>
+          </a:fillRef>
+          <a:effectRef idx="0">
+            <a:schemeClr val="accent1"/>
+          </a:effectRef>
+          <a:fontRef idx="minor">
+            <a:schemeClr val="tx1"/>
+          </a:fontRef>
+        </p:style>
+      </p:cxnSp>
+      <p:sp>
+        <p:nvSpPr>
+          <p:cNvPr id="329880187" name="Textfeld 16"/>
+          <p:cNvSpPr txBox="1"/>
+          <p:nvPr/>
+        </p:nvSpPr>
+        <p:spPr bwMode="auto">
           <a:xfrm flipH="0" flipV="0">
-            <a:off x="4760737" y="4329877"/>
-            <a:ext cx="1284525" cy="424933"/>
+            <a:off x="4109684" y="3771900"/>
+            <a:ext cx="1615515" cy="292967"/>
+          </a:xfrm>
+          <a:prstGeom prst="rect">
+            <a:avLst/>
+          </a:prstGeom>
+          <a:noFill/>
+        </p:spPr>
+        <p:txBody>
+          <a:bodyPr wrap="square" lIns="0" tIns="0" rIns="0" bIns="0" rtlCol="0">
+            <a:spAutoFit/>
+          </a:bodyPr>
+          <a:lstStyle/>
+          <a:p>
+            <a:pPr marL="0" marR="0" lvl="0" indent="0" algn="l" defTabSz="863994">
+              <a:lnSpc>
+                <a:spcPct val="120000"/>
+              </a:lnSpc>
+              <a:spcBef>
+                <a:spcPts val="799"/>
+              </a:spcBef>
+              <a:spcAft>
+                <a:spcPts val="0"/>
+              </a:spcAft>
+              <a:defRPr lang="de-DE" sz="1700" b="0" i="0" u="none" strike="noStrike" cap="none" spc="0">
+                <a:solidFill>
+                  <a:srgbClr val="001A54"/>
+                </a:solidFill>
+                <a:latin typeface="Arial"/>
+                <a:ea typeface="Arial"/>
+                <a:cs typeface="Arial"/>
+              </a:defRPr>
+            </a:pPr>
+            <a:r>
+              <a:rPr lang="de-DE" sz="1600">
+                <a:solidFill>
+                  <a:srgbClr val="002060"/>
+                </a:solidFill>
+              </a:rPr>
+              <a:t>Simulationsdaten</a:t>
+            </a:r>
+            <a:endParaRPr sz="2000">
+              <a:solidFill>
+                <a:srgbClr val="002060"/>
+              </a:solidFill>
+            </a:endParaRPr>
+          </a:p>
+        </p:txBody>
+      </p:sp>
+      <p:sp>
+        <p:nvSpPr>
+          <p:cNvPr id="46694767" name="Rechteck 17"/>
+          <p:cNvSpPr/>
+          <p:nvPr/>
+        </p:nvSpPr>
+        <p:spPr bwMode="auto">
+          <a:xfrm>
+            <a:off x="360363" y="1586712"/>
+            <a:ext cx="6552727" cy="3110071"/>
+          </a:xfrm>
+          <a:prstGeom prst="rect">
+            <a:avLst/>
+          </a:prstGeom>
+          <a:noFill/>
+          <a:ln w="28575" cap="flat" cmpd="sng" algn="ctr">
+            <a:solidFill>
+              <a:srgbClr val="032DE4"/>
+            </a:solidFill>
+            <a:prstDash val="sysDash"/>
+            <a:miter lim="800000"/>
+          </a:ln>
+        </p:spPr>
+        <p:style>
+          <a:lnRef idx="2">
+            <a:schemeClr val="accent1">
+              <a:shade val="50000"/>
+            </a:schemeClr>
+          </a:lnRef>
+          <a:fillRef idx="1">
+            <a:schemeClr val="accent1"/>
+          </a:fillRef>
+          <a:effectRef idx="0">
+            <a:schemeClr val="accent1"/>
+          </a:effectRef>
+          <a:fontRef idx="minor">
+            <a:schemeClr val="lt1"/>
+          </a:fontRef>
+        </p:style>
+        <p:txBody>
+          <a:bodyPr lIns="144000" tIns="108000" rIns="144000" bIns="144000" rtlCol="0" anchor="t"/>
+          <a:lstStyle/>
+          <a:p>
+            <a:pPr marL="0" marR="0" lvl="0" indent="0" algn="l" defTabSz="863994">
+              <a:lnSpc>
+                <a:spcPct val="100000"/>
+              </a:lnSpc>
+              <a:spcBef>
+                <a:spcPts val="799"/>
+              </a:spcBef>
+              <a:spcAft>
+                <a:spcPts val="0"/>
+              </a:spcAft>
+              <a:defRPr lang="de-DE" sz="1700" b="0" i="0" u="none" strike="noStrike" cap="none" spc="0">
+                <a:solidFill>
+                  <a:srgbClr val="FFFFFF"/>
+                </a:solidFill>
+                <a:latin typeface="Arial"/>
+                <a:ea typeface="Arial"/>
+                <a:cs typeface="Arial"/>
+              </a:defRPr>
+            </a:pPr>
+            <a:r>
+              <a:rPr lang="de-DE" sz="1600">
+                <a:solidFill>
+                  <a:srgbClr val="032DE4"/>
+                </a:solidFill>
+                <a:latin typeface="Roboto"/>
+                <a:ea typeface="Roboto"/>
+                <a:cs typeface="Roboto"/>
+              </a:rPr>
+              <a:t>Simulations Framework (MATLAB/Simulink)</a:t>
+            </a:r>
+            <a:endParaRPr sz="2000">
+              <a:solidFill>
+                <a:srgbClr val="032DE4"/>
+              </a:solidFill>
+              <a:latin typeface="Roboto"/>
+              <a:cs typeface="Roboto"/>
+            </a:endParaRPr>
+          </a:p>
+        </p:txBody>
+      </p:sp>
+      <p:sp>
+        <p:nvSpPr>
+          <p:cNvPr id="1111958747" name="Rechteck 35"/>
+          <p:cNvSpPr/>
+          <p:nvPr/>
+        </p:nvSpPr>
+        <p:spPr bwMode="auto">
+          <a:xfrm>
+            <a:off x="360363" y="5051330"/>
+            <a:ext cx="6552727" cy="1071885"/>
+          </a:xfrm>
+          <a:prstGeom prst="rect">
+            <a:avLst/>
+          </a:prstGeom>
+          <a:noFill/>
+          <a:ln w="28575" cap="flat" cmpd="sng" algn="ctr">
+            <a:solidFill>
+              <a:srgbClr val="032DE4"/>
+            </a:solidFill>
+            <a:prstDash val="sysDash"/>
+            <a:miter lim="800000"/>
+          </a:ln>
+        </p:spPr>
+        <p:style>
+          <a:lnRef idx="2">
+            <a:schemeClr val="accent1">
+              <a:shade val="50000"/>
+            </a:schemeClr>
+          </a:lnRef>
+          <a:fillRef idx="1">
+            <a:schemeClr val="accent1"/>
+          </a:fillRef>
+          <a:effectRef idx="0">
+            <a:schemeClr val="accent1"/>
+          </a:effectRef>
+          <a:fontRef idx="minor">
+            <a:schemeClr val="lt1"/>
+          </a:fontRef>
+        </p:style>
+        <p:txBody>
+          <a:bodyPr lIns="144000" tIns="108000" rIns="144000" bIns="144000" rtlCol="0" anchor="t"/>
+          <a:lstStyle/>
+          <a:p>
+            <a:pPr marL="0" marR="0" lvl="0" indent="0" algn="l" defTabSz="863994">
+              <a:lnSpc>
+                <a:spcPct val="100000"/>
+              </a:lnSpc>
+              <a:spcBef>
+                <a:spcPts val="799"/>
+              </a:spcBef>
+              <a:spcAft>
+                <a:spcPts val="0"/>
+              </a:spcAft>
+              <a:defRPr lang="de-DE" sz="1700" b="0" i="0" u="none" strike="noStrike" cap="none" spc="0">
+                <a:solidFill>
+                  <a:srgbClr val="FFFFFF"/>
+                </a:solidFill>
+                <a:latin typeface="Arial"/>
+                <a:ea typeface="Arial"/>
+                <a:cs typeface="Arial"/>
+              </a:defRPr>
+            </a:pPr>
+            <a:r>
+              <a:rPr lang="de-DE" sz="1600">
+                <a:solidFill>
+                  <a:srgbClr val="032DE4"/>
+                </a:solidFill>
+              </a:rPr>
+              <a:t>Test Framework</a:t>
+            </a:r>
+            <a:endParaRPr sz="2000">
+              <a:solidFill>
+                <a:srgbClr val="032DE4"/>
+              </a:solidFill>
+            </a:endParaRPr>
+          </a:p>
+        </p:txBody>
+      </p:sp>
+      <p:sp>
+        <p:nvSpPr>
+          <p:cNvPr id="1637101510" name="Rechteck 40"/>
+          <p:cNvSpPr/>
+          <p:nvPr/>
+        </p:nvSpPr>
+        <p:spPr bwMode="auto">
+          <a:xfrm flipH="0" flipV="0">
+            <a:off x="2468292" y="5459745"/>
+            <a:ext cx="2283421" cy="495299"/>
           </a:xfrm>
           <a:prstGeom prst="rect">
             <a:avLst/>
           </a:prstGeom>
           <a:solidFill>
-            <a:srgbClr val="A200E6"/>
+            <a:srgbClr val="032DE4"/>
           </a:solidFill>
-          <a:ln>
+          <a:ln w="0" cap="flat" cmpd="sng" algn="ctr">
             <a:noFill/>
+            <a:prstDash val="solid"/>
+            <a:miter lim="800000"/>
           </a:ln>
         </p:spPr>
         <p:style>
@@ -11863,793 +12790,57 @@
           </a:bodyPr>
           <a:lstStyle/>
           <a:p>
-            <a:pPr algn="ctr">
+            <a:pPr marL="0" marR="0" lvl="0" indent="0" algn="ctr" defTabSz="863994">
+              <a:lnSpc>
+                <a:spcPct val="100000"/>
+              </a:lnSpc>
+              <a:spcBef>
+                <a:spcPts val="0"/>
+              </a:spcBef>
               <a:spcAft>
                 <a:spcPts val="499"/>
               </a:spcAft>
-              <a:defRPr/>
-            </a:pPr>
-            <a:r>
-              <a:rPr lang="en-US" sz="1000">
+              <a:defRPr lang="de-DE" sz="1700" b="0" i="0" u="none" strike="noStrike" cap="none" spc="0">
+                <a:solidFill>
+                  <a:srgbClr val="FFFFFF"/>
+                </a:solidFill>
+                <a:latin typeface="Arial"/>
+                <a:ea typeface="Arial"/>
+                <a:cs typeface="Arial"/>
+              </a:defRPr>
+            </a:pPr>
+            <a:r>
+              <a:rPr lang="de-DE" sz="1600">
                 <a:ea typeface="Times New Roman"/>
                 <a:cs typeface="Times New Roman"/>
               </a:rPr>
-              <a:t>Evaluation Scripts</a:t>
-            </a:r>
-            <a:endParaRPr lang="en-US" sz="1100">
-              <a:ea typeface="Times New Roman"/>
-              <a:cs typeface="Times New Roman"/>
-            </a:endParaRPr>
+              <a:t>automatische Parametergenerierung</a:t>
+            </a:r>
+            <a:endParaRPr sz="2400"/>
           </a:p>
         </p:txBody>
       </p:sp>
       <p:sp>
         <p:nvSpPr>
-          <p:cNvPr id="853964231" name="Textfeld 12"/>
-          <p:cNvSpPr txBox="1"/>
+          <p:cNvPr id="285373181" name="Rechteck 40"/>
+          <p:cNvSpPr/>
           <p:nvPr/>
         </p:nvSpPr>
         <p:spPr bwMode="auto">
           <a:xfrm flipH="0" flipV="0">
-            <a:off x="1949439" y="3991677"/>
-            <a:ext cx="805636" cy="219816"/>
-          </a:xfrm>
-          <a:prstGeom prst="rect">
-            <a:avLst/>
-          </a:prstGeom>
-          <a:noFill/>
-        </p:spPr>
-        <p:txBody>
-          <a:bodyPr wrap="square" lIns="0" tIns="0" rIns="0" bIns="0" rtlCol="0">
-            <a:spAutoFit/>
-          </a:bodyPr>
-          <a:lstStyle/>
-          <a:p>
-            <a:pPr algn="l">
-              <a:lnSpc>
-                <a:spcPct val="120000"/>
-              </a:lnSpc>
-              <a:spcBef>
-                <a:spcPts val="799"/>
-              </a:spcBef>
-              <a:defRPr/>
-            </a:pPr>
-            <a:r>
-              <a:rPr lang="en-US" sz="1200"/>
-              <a:t>Parameter</a:t>
-            </a:r>
-            <a:endParaRPr/>
-          </a:p>
-        </p:txBody>
-      </p:sp>
-      <p:grpSp>
-        <p:nvGrpSpPr>
-          <p:cNvPr id="981544595" name="Gruppieren 13"/>
-          <p:cNvGrpSpPr/>
-          <p:nvPr/>
-        </p:nvGrpSpPr>
-        <p:grpSpPr bwMode="auto">
-          <a:xfrm flipH="0" flipV="0">
-            <a:off x="374713" y="2207622"/>
-            <a:ext cx="6329495" cy="1683218"/>
-            <a:chOff x="0" y="0"/>
-            <a:chExt cx="6329495" cy="1683218"/>
-          </a:xfrm>
-        </p:grpSpPr>
-        <p:sp>
-          <p:nvSpPr>
-            <p:cNvPr id="1427589729" name="Rechteck 18"/>
-            <p:cNvSpPr/>
-            <p:nvPr/>
-          </p:nvSpPr>
-          <p:spPr bwMode="auto">
-            <a:xfrm>
-              <a:off x="621895" y="463446"/>
-              <a:ext cx="1756184" cy="739804"/>
-            </a:xfrm>
-            <a:prstGeom prst="rect">
-              <a:avLst/>
-            </a:prstGeom>
-            <a:solidFill>
-              <a:srgbClr val="1446EB"/>
-            </a:solidFill>
-            <a:ln>
-              <a:noFill/>
-            </a:ln>
-          </p:spPr>
-          <p:style>
-            <a:lnRef idx="2">
-              <a:schemeClr val="accent1">
-                <a:shade val="50000"/>
-              </a:schemeClr>
-            </a:lnRef>
-            <a:fillRef idx="1">
-              <a:schemeClr val="accent1"/>
-            </a:fillRef>
-            <a:effectRef idx="0">
-              <a:schemeClr val="accent1"/>
-            </a:effectRef>
-            <a:fontRef idx="minor">
-              <a:schemeClr val="lt1"/>
-            </a:fontRef>
-          </p:style>
-          <p:txBody>
-            <a:bodyPr rot="0" spcFirstLastPara="0" vert="horz" wrap="square" lIns="108000" tIns="72000" rIns="108000" bIns="108000" numCol="1" spcCol="0" rtlCol="0" fromWordArt="0" anchor="ctr" anchorCtr="0" forceAA="0" compatLnSpc="1">
-              <a:prstTxWarp prst="textNoShape"/>
-              <a:noAutofit/>
-            </a:bodyPr>
-            <a:lstStyle/>
-            <a:p>
-              <a:pPr algn="ctr">
-                <a:spcAft>
-                  <a:spcPts val="499"/>
-                </a:spcAft>
-                <a:defRPr/>
-              </a:pPr>
-              <a:r>
-                <a:rPr lang="en-US" sz="1000">
-                  <a:ea typeface="Times New Roman"/>
-                  <a:cs typeface="Times New Roman"/>
-                </a:rPr>
-                <a:t>Path-Following MPC</a:t>
-              </a:r>
-              <a:endParaRPr lang="en-US" sz="1100">
-                <a:ea typeface="Times New Roman"/>
-                <a:cs typeface="Times New Roman"/>
-              </a:endParaRPr>
-            </a:p>
-          </p:txBody>
-        </p:sp>
-        <p:sp>
-          <p:nvSpPr>
-            <p:cNvPr id="504992721" name="Rechteck 19"/>
-            <p:cNvSpPr/>
-            <p:nvPr/>
-          </p:nvSpPr>
-          <p:spPr bwMode="auto">
-            <a:xfrm>
-              <a:off x="2738776" y="620882"/>
-              <a:ext cx="1284525" cy="424933"/>
-            </a:xfrm>
-            <a:prstGeom prst="rect">
-              <a:avLst/>
-            </a:prstGeom>
-            <a:solidFill>
-              <a:srgbClr val="A200E6"/>
-            </a:solidFill>
-            <a:ln>
-              <a:noFill/>
-            </a:ln>
-          </p:spPr>
-          <p:style>
-            <a:lnRef idx="2">
-              <a:schemeClr val="accent1">
-                <a:shade val="50000"/>
-              </a:schemeClr>
-            </a:lnRef>
-            <a:fillRef idx="1">
-              <a:schemeClr val="accent1"/>
-            </a:fillRef>
-            <a:effectRef idx="0">
-              <a:schemeClr val="accent1"/>
-            </a:effectRef>
-            <a:fontRef idx="minor">
-              <a:schemeClr val="lt1"/>
-            </a:fontRef>
-          </p:style>
-          <p:txBody>
-            <a:bodyPr rot="0" spcFirstLastPara="0" vert="horz" wrap="square" lIns="108000" tIns="72000" rIns="108000" bIns="108000" numCol="1" spcCol="0" rtlCol="0" fromWordArt="0" anchor="ctr" anchorCtr="0" forceAA="0" compatLnSpc="1">
-              <a:prstTxWarp prst="textNoShape"/>
-              <a:noAutofit/>
-            </a:bodyPr>
-            <a:lstStyle/>
-            <a:p>
-              <a:pPr algn="ctr">
-                <a:spcAft>
-                  <a:spcPts val="499"/>
-                </a:spcAft>
-                <a:defRPr/>
-              </a:pPr>
-              <a:r>
-                <a:rPr lang="en-US" sz="1000">
-                  <a:ea typeface="Times New Roman"/>
-                  <a:cs typeface="Times New Roman"/>
-                </a:rPr>
-                <a:t>Vehicle Model</a:t>
-              </a:r>
-              <a:endParaRPr lang="en-US" sz="1100">
-                <a:ea typeface="Times New Roman"/>
-                <a:cs typeface="Times New Roman"/>
-              </a:endParaRPr>
-            </a:p>
-          </p:txBody>
-        </p:sp>
-        <p:cxnSp>
-          <p:nvCxnSpPr>
-            <p:cNvPr id="117354977" name="Gerade Verbindung mit Pfeil 21"/>
-            <p:cNvCxnSpPr>
-              <a:cxnSpLocks/>
-              <a:stCxn id="1427589729" idx="3"/>
-              <a:endCxn id="504992721" idx="1"/>
-            </p:cNvCxnSpPr>
-            <p:nvPr/>
-          </p:nvCxnSpPr>
-          <p:spPr bwMode="auto">
-            <a:xfrm>
-              <a:off x="2378080" y="833349"/>
-              <a:ext cx="360696" cy="0"/>
-            </a:xfrm>
-            <a:prstGeom prst="straightConnector1">
-              <a:avLst/>
-            </a:prstGeom>
-            <a:ln w="12700">
-              <a:solidFill>
-                <a:schemeClr val="tx2"/>
-              </a:solidFill>
-              <a:tailEnd type="triangle"/>
-            </a:ln>
-          </p:spPr>
-          <p:style>
-            <a:lnRef idx="1">
-              <a:schemeClr val="accent1"/>
-            </a:lnRef>
-            <a:fillRef idx="0">
-              <a:schemeClr val="accent1"/>
-            </a:fillRef>
-            <a:effectRef idx="0">
-              <a:schemeClr val="accent1"/>
-            </a:effectRef>
-            <a:fontRef idx="minor">
-              <a:schemeClr val="tx1"/>
-            </a:fontRef>
-          </p:style>
-        </p:cxnSp>
-        <p:cxnSp>
-          <p:nvCxnSpPr>
-            <p:cNvPr id="218924394" name="Gerade Verbindung mit Pfeil 23"/>
-            <p:cNvCxnSpPr>
-              <a:cxnSpLocks/>
-              <a:stCxn id="504992721" idx="3"/>
-              <a:endCxn id="1398994957" idx="1"/>
-            </p:cNvCxnSpPr>
-            <p:nvPr/>
-          </p:nvCxnSpPr>
-          <p:spPr bwMode="auto">
-            <a:xfrm>
-              <a:off x="4023302" y="833349"/>
-              <a:ext cx="360696" cy="0"/>
-            </a:xfrm>
-            <a:prstGeom prst="straightConnector1">
-              <a:avLst/>
-            </a:prstGeom>
-            <a:ln w="12700">
-              <a:solidFill>
-                <a:schemeClr val="tx2"/>
-              </a:solidFill>
-              <a:tailEnd type="triangle"/>
-            </a:ln>
-          </p:spPr>
-          <p:style>
-            <a:lnRef idx="1">
-              <a:schemeClr val="accent1"/>
-            </a:lnRef>
-            <a:fillRef idx="0">
-              <a:schemeClr val="accent1"/>
-            </a:fillRef>
-            <a:effectRef idx="0">
-              <a:schemeClr val="accent1"/>
-            </a:effectRef>
-            <a:fontRef idx="minor">
-              <a:schemeClr val="tx1"/>
-            </a:fontRef>
-          </p:style>
-        </p:cxnSp>
-        <p:sp>
-          <p:nvSpPr>
-            <p:cNvPr id="889870451" name="Rechteck 24"/>
-            <p:cNvSpPr/>
-            <p:nvPr/>
-          </p:nvSpPr>
-          <p:spPr bwMode="auto">
-            <a:xfrm>
-              <a:off x="0" y="0"/>
-              <a:ext cx="6329495" cy="1683218"/>
-            </a:xfrm>
-            <a:prstGeom prst="rect">
-              <a:avLst/>
-            </a:prstGeom>
-            <a:noFill/>
-            <a:ln w="28575">
-              <a:solidFill>
-                <a:srgbClr val="0091FF"/>
-              </a:solidFill>
-              <a:prstDash val="sysDash"/>
-            </a:ln>
-          </p:spPr>
-          <p:style>
-            <a:lnRef idx="2">
-              <a:schemeClr val="accent1">
-                <a:shade val="50000"/>
-              </a:schemeClr>
-            </a:lnRef>
-            <a:fillRef idx="1">
-              <a:schemeClr val="accent1"/>
-            </a:fillRef>
-            <a:effectRef idx="0">
-              <a:schemeClr val="accent1"/>
-            </a:effectRef>
-            <a:fontRef idx="minor">
-              <a:schemeClr val="lt1"/>
-            </a:fontRef>
-          </p:style>
-          <p:txBody>
-            <a:bodyPr lIns="144000" tIns="108000" rIns="144000" bIns="144000" rtlCol="0" anchor="t"/>
-            <a:lstStyle/>
-            <a:p>
-              <a:pPr algn="l">
-                <a:spcBef>
-                  <a:spcPts val="799"/>
-                </a:spcBef>
-                <a:defRPr/>
-              </a:pPr>
-              <a:r>
-                <a:rPr lang="de-DE" sz="1200">
-                  <a:solidFill>
-                    <a:srgbClr val="0091FF"/>
-                  </a:solidFill>
-                </a:rPr>
-                <a:t>Simulation Model</a:t>
-              </a:r>
-              <a:endParaRPr/>
-            </a:p>
-          </p:txBody>
-        </p:sp>
-        <p:sp>
-          <p:nvSpPr>
-            <p:cNvPr id="1398994957" name="Rechteck 25"/>
-            <p:cNvSpPr/>
-            <p:nvPr/>
-          </p:nvSpPr>
-          <p:spPr bwMode="auto">
-            <a:xfrm>
-              <a:off x="4383999" y="620882"/>
-              <a:ext cx="1284525" cy="424933"/>
-            </a:xfrm>
-            <a:prstGeom prst="rect">
-              <a:avLst/>
-            </a:prstGeom>
-            <a:solidFill>
-              <a:srgbClr val="A200E6"/>
-            </a:solidFill>
-            <a:ln>
-              <a:noFill/>
-            </a:ln>
-          </p:spPr>
-          <p:style>
-            <a:lnRef idx="2">
-              <a:schemeClr val="accent1">
-                <a:shade val="50000"/>
-              </a:schemeClr>
-            </a:lnRef>
-            <a:fillRef idx="1">
-              <a:schemeClr val="accent1"/>
-            </a:fillRef>
-            <a:effectRef idx="0">
-              <a:schemeClr val="accent1"/>
-            </a:effectRef>
-            <a:fontRef idx="minor">
-              <a:schemeClr val="lt1"/>
-            </a:fontRef>
-          </p:style>
-          <p:txBody>
-            <a:bodyPr rot="0" spcFirstLastPara="0" vert="horz" wrap="square" lIns="108000" tIns="72000" rIns="108000" bIns="108000" numCol="1" spcCol="0" rtlCol="0" fromWordArt="0" anchor="ctr" anchorCtr="0" forceAA="0" compatLnSpc="1">
-              <a:prstTxWarp prst="textNoShape"/>
-              <a:noAutofit/>
-            </a:bodyPr>
-            <a:lstStyle/>
-            <a:p>
-              <a:pPr algn="ctr">
-                <a:spcAft>
-                  <a:spcPts val="499"/>
-                </a:spcAft>
-                <a:defRPr/>
-              </a:pPr>
-              <a:r>
-                <a:rPr lang="en-US" sz="1000">
-                  <a:ea typeface="Times New Roman"/>
-                  <a:cs typeface="Times New Roman"/>
-                </a:rPr>
-                <a:t>Environment Model</a:t>
-              </a:r>
-              <a:endParaRPr lang="en-US" sz="1100">
-                <a:ea typeface="Times New Roman"/>
-                <a:cs typeface="Times New Roman"/>
-              </a:endParaRPr>
-            </a:p>
-          </p:txBody>
-        </p:sp>
-        <p:cxnSp>
-          <p:nvCxnSpPr>
-            <p:cNvPr id="1766023975" name="Verbinder: gewinkelt 26"/>
-            <p:cNvCxnSpPr>
-              <a:cxnSpLocks/>
-              <a:stCxn id="504992721" idx="2"/>
-              <a:endCxn id="1427589729" idx="2"/>
-            </p:cNvCxnSpPr>
-            <p:nvPr/>
-          </p:nvCxnSpPr>
-          <p:spPr bwMode="auto">
-            <a:xfrm rot="5399976">
-              <a:off x="2361798" y="183992"/>
-              <a:ext cx="157432" cy="1881080"/>
-            </a:xfrm>
-            <a:prstGeom prst="bentConnector3">
-              <a:avLst>
-                <a:gd name="adj1" fmla="val 242812"/>
-              </a:avLst>
-            </a:prstGeom>
-            <a:ln w="12700">
-              <a:solidFill>
-                <a:schemeClr val="tx2"/>
-              </a:solidFill>
-              <a:tailEnd type="triangle"/>
-            </a:ln>
-          </p:spPr>
-          <p:style>
-            <a:lnRef idx="1">
-              <a:schemeClr val="accent1"/>
-            </a:lnRef>
-            <a:fillRef idx="0">
-              <a:schemeClr val="accent1"/>
-            </a:fillRef>
-            <a:effectRef idx="0">
-              <a:schemeClr val="accent1"/>
-            </a:effectRef>
-            <a:fontRef idx="minor">
-              <a:schemeClr val="tx1"/>
-            </a:fontRef>
-          </p:style>
-        </p:cxnSp>
-        <p:cxnSp>
-          <p:nvCxnSpPr>
-            <p:cNvPr id="1564755803" name="Verbinder: gewinkelt 27"/>
-            <p:cNvCxnSpPr>
-              <a:cxnSpLocks/>
-              <a:stCxn id="1398994957" idx="3"/>
-              <a:endCxn id="1427589729" idx="1"/>
-            </p:cNvCxnSpPr>
-            <p:nvPr/>
-          </p:nvCxnSpPr>
-          <p:spPr bwMode="auto">
-            <a:xfrm flipH="1">
-              <a:off x="621895" y="833349"/>
-              <a:ext cx="5046629" cy="12490"/>
-            </a:xfrm>
-            <a:prstGeom prst="bentConnector5">
-              <a:avLst>
-                <a:gd name="adj1" fmla="val -4603"/>
-                <a:gd name="adj2" fmla="val 5667047"/>
-                <a:gd name="adj3" fmla="val 104603"/>
-              </a:avLst>
-            </a:prstGeom>
-            <a:ln w="12700">
-              <a:solidFill>
-                <a:schemeClr val="tx2"/>
-              </a:solidFill>
-              <a:tailEnd type="triangle"/>
-            </a:ln>
-          </p:spPr>
-          <p:style>
-            <a:lnRef idx="1">
-              <a:schemeClr val="accent1"/>
-            </a:lnRef>
-            <a:fillRef idx="0">
-              <a:schemeClr val="accent1"/>
-            </a:fillRef>
-            <a:effectRef idx="0">
-              <a:schemeClr val="accent1"/>
-            </a:effectRef>
-            <a:fontRef idx="minor">
-              <a:schemeClr val="tx1"/>
-            </a:fontRef>
-          </p:style>
-        </p:cxnSp>
-      </p:grpSp>
-      <p:cxnSp>
-        <p:nvCxnSpPr>
-          <p:cNvPr id="647124143" name="Gerade Verbindung mit Pfeil 14"/>
-          <p:cNvCxnSpPr>
-            <a:cxnSpLocks/>
-            <a:stCxn id="900517534" idx="0"/>
-          </p:cNvCxnSpPr>
-          <p:nvPr/>
-        </p:nvCxnSpPr>
-        <p:spPr bwMode="auto">
-          <a:xfrm flipH="0" flipV="1">
-            <a:off x="2801646" y="3952126"/>
-            <a:ext cx="45720" cy="360294"/>
-          </a:xfrm>
-          <a:prstGeom prst="straightConnector1">
-            <a:avLst/>
-          </a:prstGeom>
-          <a:ln w="12700">
-            <a:solidFill>
-              <a:schemeClr val="tx2"/>
-            </a:solidFill>
-            <a:tailEnd type="triangle"/>
-          </a:ln>
-        </p:spPr>
-        <p:style>
-          <a:lnRef idx="1">
-            <a:schemeClr val="accent1"/>
-          </a:lnRef>
-          <a:fillRef idx="0">
-            <a:schemeClr val="accent1"/>
-          </a:fillRef>
-          <a:effectRef idx="0">
-            <a:schemeClr val="accent1"/>
-          </a:effectRef>
-          <a:fontRef idx="minor">
-            <a:schemeClr val="tx1"/>
-          </a:fontRef>
-        </p:style>
-      </p:cxnSp>
-      <p:cxnSp>
-        <p:nvCxnSpPr>
-          <p:cNvPr id="944548086" name="Gerade Verbindung mit Pfeil 15"/>
-          <p:cNvCxnSpPr>
-            <a:cxnSpLocks/>
-            <a:endCxn id="507133766" idx="0"/>
-          </p:cNvCxnSpPr>
-          <p:nvPr/>
-        </p:nvCxnSpPr>
-        <p:spPr bwMode="auto">
-          <a:xfrm flipH="0" flipV="0">
-            <a:off x="5429602" y="3948864"/>
-            <a:ext cx="45720" cy="348707"/>
-          </a:xfrm>
-          <a:prstGeom prst="straightConnector1">
-            <a:avLst/>
-          </a:prstGeom>
-          <a:ln w="12700">
-            <a:solidFill>
-              <a:schemeClr val="tx2"/>
-            </a:solidFill>
-            <a:tailEnd type="triangle"/>
-          </a:ln>
-        </p:spPr>
-        <p:style>
-          <a:lnRef idx="1">
-            <a:schemeClr val="accent1"/>
-          </a:lnRef>
-          <a:fillRef idx="0">
-            <a:schemeClr val="accent1"/>
-          </a:fillRef>
-          <a:effectRef idx="0">
-            <a:schemeClr val="accent1"/>
-          </a:effectRef>
-          <a:fontRef idx="minor">
-            <a:schemeClr val="tx1"/>
-          </a:fontRef>
-        </p:style>
-      </p:cxnSp>
-      <p:sp>
-        <p:nvSpPr>
-          <p:cNvPr id="2121349686" name="Textfeld 16"/>
-          <p:cNvSpPr txBox="1"/>
-          <p:nvPr/>
-        </p:nvSpPr>
-        <p:spPr bwMode="auto">
-          <a:xfrm flipH="0" flipV="0">
-            <a:off x="5578290" y="3991677"/>
-            <a:ext cx="1142470" cy="219816"/>
-          </a:xfrm>
-          <a:prstGeom prst="rect">
-            <a:avLst/>
-          </a:prstGeom>
-          <a:noFill/>
-        </p:spPr>
-        <p:txBody>
-          <a:bodyPr wrap="square" lIns="0" tIns="0" rIns="0" bIns="0" rtlCol="0">
-            <a:spAutoFit/>
-          </a:bodyPr>
-          <a:lstStyle/>
-          <a:p>
-            <a:pPr algn="l">
-              <a:lnSpc>
-                <a:spcPct val="120000"/>
-              </a:lnSpc>
-              <a:spcBef>
-                <a:spcPts val="799"/>
-              </a:spcBef>
-              <a:defRPr/>
-            </a:pPr>
-            <a:r>
-              <a:rPr lang="en-US" sz="1200"/>
-              <a:t>Simulation Data</a:t>
-            </a:r>
-            <a:endParaRPr/>
-          </a:p>
-        </p:txBody>
-      </p:sp>
-      <p:sp>
-        <p:nvSpPr>
-          <p:cNvPr id="733221713" name="Rechteck 17"/>
-          <p:cNvSpPr/>
-          <p:nvPr/>
-        </p:nvSpPr>
-        <p:spPr bwMode="auto">
-          <a:xfrm flipH="0" flipV="0">
-            <a:off x="213682" y="1858928"/>
-            <a:ext cx="6658867" cy="3058859"/>
-          </a:xfrm>
-          <a:prstGeom prst="rect">
-            <a:avLst/>
-          </a:prstGeom>
-          <a:noFill/>
-          <a:ln w="28575">
-            <a:solidFill>
-              <a:srgbClr val="A200E6"/>
-            </a:solidFill>
-            <a:prstDash val="sysDash"/>
-          </a:ln>
-        </p:spPr>
-        <p:style>
-          <a:lnRef idx="2">
-            <a:schemeClr val="accent1">
-              <a:shade val="50000"/>
-            </a:schemeClr>
-          </a:lnRef>
-          <a:fillRef idx="1">
-            <a:schemeClr val="accent1"/>
-          </a:fillRef>
-          <a:effectRef idx="0">
-            <a:schemeClr val="accent1"/>
-          </a:effectRef>
-          <a:fontRef idx="minor">
-            <a:schemeClr val="lt1"/>
-          </a:fontRef>
-        </p:style>
-        <p:txBody>
-          <a:bodyPr lIns="144000" tIns="108000" rIns="144000" bIns="144000" rtlCol="0" anchor="t"/>
-          <a:lstStyle/>
-          <a:p>
-            <a:pPr algn="l">
-              <a:spcBef>
-                <a:spcPts val="799"/>
-              </a:spcBef>
-              <a:defRPr/>
-            </a:pPr>
-            <a:r>
-              <a:rPr lang="de-DE" sz="1200">
-                <a:solidFill>
-                  <a:srgbClr val="A200E6"/>
-                </a:solidFill>
-              </a:rPr>
-              <a:t>Simulation Framework (MATLAB/Simulink)</a:t>
-            </a:r>
-            <a:endParaRPr/>
-          </a:p>
-        </p:txBody>
-      </p:sp>
-      <p:sp>
-        <p:nvSpPr>
-          <p:cNvPr id="1641161171" name="Rechteck 35"/>
-          <p:cNvSpPr/>
-          <p:nvPr/>
-        </p:nvSpPr>
-        <p:spPr bwMode="auto">
-          <a:xfrm flipH="0" flipV="0">
-            <a:off x="213682" y="5373151"/>
-            <a:ext cx="6658867" cy="1054235"/>
-          </a:xfrm>
-          <a:prstGeom prst="rect">
-            <a:avLst/>
-          </a:prstGeom>
-          <a:noFill/>
-          <a:ln w="28575">
-            <a:solidFill>
-              <a:srgbClr val="A200E6"/>
-            </a:solidFill>
-            <a:prstDash val="sysDash"/>
-          </a:ln>
-        </p:spPr>
-        <p:style>
-          <a:lnRef idx="2">
-            <a:schemeClr val="accent1">
-              <a:shade val="50000"/>
-            </a:schemeClr>
-          </a:lnRef>
-          <a:fillRef idx="1">
-            <a:schemeClr val="accent1"/>
-          </a:fillRef>
-          <a:effectRef idx="0">
-            <a:schemeClr val="accent1"/>
-          </a:effectRef>
-          <a:fontRef idx="minor">
-            <a:schemeClr val="lt1"/>
-          </a:fontRef>
-        </p:style>
-        <p:txBody>
-          <a:bodyPr lIns="144000" tIns="108000" rIns="144000" bIns="144000" rtlCol="0" anchor="t"/>
-          <a:lstStyle/>
-          <a:p>
-            <a:pPr algn="l">
-              <a:spcBef>
-                <a:spcPts val="799"/>
-              </a:spcBef>
-              <a:defRPr/>
-            </a:pPr>
-            <a:r>
-              <a:rPr lang="de-DE" sz="1200">
-                <a:solidFill>
-                  <a:srgbClr val="A200E6"/>
-                </a:solidFill>
-              </a:rPr>
-              <a:t>Test Framework</a:t>
-            </a:r>
-            <a:endParaRPr/>
-          </a:p>
-        </p:txBody>
-      </p:sp>
-      <p:cxnSp>
-        <p:nvCxnSpPr>
-          <p:cNvPr id="869721899" name="Gerade Verbindung mit Pfeil 36"/>
-          <p:cNvCxnSpPr>
-            <a:cxnSpLocks/>
-            <a:stCxn id="530704184" idx="0"/>
-          </p:cNvCxnSpPr>
-          <p:nvPr/>
-        </p:nvCxnSpPr>
-        <p:spPr bwMode="auto">
-          <a:xfrm flipH="1" flipV="1">
-            <a:off x="2801646" y="4050881"/>
-            <a:ext cx="45720" cy="1690623"/>
-          </a:xfrm>
-          <a:prstGeom prst="straightConnector1">
-            <a:avLst/>
-          </a:prstGeom>
-          <a:ln w="12700">
-            <a:solidFill>
-              <a:schemeClr val="tx2"/>
-            </a:solidFill>
-            <a:tailEnd type="triangle"/>
-          </a:ln>
-        </p:spPr>
-        <p:style>
-          <a:lnRef idx="1">
-            <a:schemeClr val="accent1"/>
-          </a:lnRef>
-          <a:fillRef idx="0">
-            <a:schemeClr val="accent1"/>
-          </a:fillRef>
-          <a:effectRef idx="0">
-            <a:schemeClr val="accent1"/>
-          </a:effectRef>
-          <a:fontRef idx="minor">
-            <a:schemeClr val="tx1"/>
-          </a:fontRef>
-        </p:style>
-      </p:cxnSp>
-      <p:sp>
-        <p:nvSpPr>
-          <p:cNvPr id="1760770242" name="Rechteck 39"/>
-          <p:cNvSpPr/>
-          <p:nvPr/>
-        </p:nvSpPr>
-        <p:spPr bwMode="auto">
-          <a:xfrm flipH="0" flipV="0">
-            <a:off x="353503" y="5773835"/>
-            <a:ext cx="1284525" cy="424933"/>
+            <a:off x="5118307" y="5476873"/>
+            <a:ext cx="1449326" cy="495299"/>
           </a:xfrm>
           <a:prstGeom prst="rect">
             <a:avLst/>
           </a:prstGeom>
           <a:solidFill>
-            <a:srgbClr val="A200E6"/>
+            <a:srgbClr val="032DE4"/>
           </a:solidFill>
-          <a:ln>
+          <a:ln w="0" cap="flat" cmpd="sng" algn="ctr">
             <a:noFill/>
+            <a:prstDash val="solid"/>
+            <a:miter lim="800000"/>
           </a:ln>
         </p:spPr>
         <p:style>
@@ -12675,45 +12866,57 @@
           </a:bodyPr>
           <a:lstStyle/>
           <a:p>
-            <a:pPr algn="ctr">
+            <a:pPr marL="0" marR="0" lvl="0" indent="0" algn="ctr" defTabSz="863994">
+              <a:lnSpc>
+                <a:spcPct val="100000"/>
+              </a:lnSpc>
+              <a:spcBef>
+                <a:spcPts val="0"/>
+              </a:spcBef>
               <a:spcAft>
                 <a:spcPts val="499"/>
               </a:spcAft>
-              <a:defRPr/>
-            </a:pPr>
-            <a:r>
-              <a:rPr lang="en-US" sz="1000">
+              <a:defRPr lang="de-DE" sz="1700" b="0" i="0" u="none" strike="noStrike" cap="none" spc="0">
+                <a:solidFill>
+                  <a:srgbClr val="FFFFFF"/>
+                </a:solidFill>
+                <a:latin typeface="Arial"/>
+                <a:ea typeface="Arial"/>
+                <a:cs typeface="Arial"/>
+              </a:defRPr>
+            </a:pPr>
+            <a:r>
+              <a:rPr lang="de-DE" sz="1600">
                 <a:ea typeface="Times New Roman"/>
                 <a:cs typeface="Times New Roman"/>
               </a:rPr>
-              <a:t>Initialization Scripts</a:t>
-            </a:r>
-            <a:endParaRPr lang="en-US" sz="1100">
-              <a:ea typeface="Times New Roman"/>
-              <a:cs typeface="Times New Roman"/>
-            </a:endParaRPr>
+              <a:t>automatische Auswertung</a:t>
+            </a:r>
+            <a:endParaRPr sz="2400"/>
           </a:p>
         </p:txBody>
       </p:sp>
       <p:sp>
         <p:nvSpPr>
-          <p:cNvPr id="530704184" name="Rechteck 40"/>
+          <p:cNvPr id="99779062" name="Rechteck 40"/>
           <p:cNvSpPr/>
           <p:nvPr/>
         </p:nvSpPr>
         <p:spPr bwMode="auto">
           <a:xfrm flipH="0" flipV="0">
-            <a:off x="2063796" y="5773809"/>
-            <a:ext cx="1425637" cy="424933"/>
+            <a:off x="512526" y="5476874"/>
+            <a:ext cx="1421709" cy="495299"/>
           </a:xfrm>
           <a:prstGeom prst="rect">
             <a:avLst/>
           </a:prstGeom>
           <a:solidFill>
-            <a:srgbClr val="A200E6"/>
+            <a:srgbClr val="032DE4"/>
           </a:solidFill>
-          <a:ln>
+          <a:ln w="0" cap="flat" cmpd="sng" algn="ctr">
             <a:noFill/>
+            <a:prstDash val="solid"/>
+            <a:miter lim="800000"/>
           </a:ln>
         </p:spPr>
         <p:style>
@@ -12739,56 +12942,57 @@
           </a:bodyPr>
           <a:lstStyle/>
           <a:p>
-            <a:pPr algn="ctr">
+            <a:pPr marL="0" marR="0" lvl="0" indent="0" algn="ctr" defTabSz="863994">
+              <a:lnSpc>
+                <a:spcPct val="100000"/>
+              </a:lnSpc>
+              <a:spcBef>
+                <a:spcPts val="0"/>
+              </a:spcBef>
               <a:spcAft>
                 <a:spcPts val="499"/>
               </a:spcAft>
-              <a:defRPr/>
-            </a:pPr>
-            <a:r>
-              <a:rPr lang="en-US" sz="1000">
+              <a:defRPr lang="de-DE" sz="1700" b="0" i="0" u="none" strike="noStrike" cap="none" spc="0">
+                <a:solidFill>
+                  <a:srgbClr val="FFFFFF"/>
+                </a:solidFill>
+                <a:latin typeface="Arial"/>
+                <a:ea typeface="Arial"/>
+                <a:cs typeface="Arial"/>
+              </a:defRPr>
+            </a:pPr>
+            <a:r>
+              <a:rPr lang="de-DE" sz="1600">
                 <a:ea typeface="Times New Roman"/>
                 <a:cs typeface="Times New Roman"/>
               </a:rPr>
-              <a:t>automatic parameter</a:t>
-            </a:r>
-            <a:r>
-              <a:rPr lang="en-US" sz="1100">
-                <a:ea typeface="Times New Roman"/>
-                <a:cs typeface="Times New Roman"/>
-              </a:rPr>
-              <a:t> </a:t>
-            </a:r>
-            <a:r>
-              <a:rPr lang="en-US" sz="1000">
-                <a:ea typeface="Times New Roman"/>
-                <a:cs typeface="Times New Roman"/>
-              </a:rPr>
-              <a:t>generation</a:t>
-            </a:r>
-            <a:endParaRPr/>
+              <a:t>Initialisierung</a:t>
+            </a:r>
+            <a:endParaRPr sz="2400"/>
           </a:p>
         </p:txBody>
       </p:sp>
       <p:sp>
         <p:nvSpPr>
-          <p:cNvPr id="1844800623" name="Rechteck 41"/>
+          <p:cNvPr id="575812696" name="Rechteck 40"/>
           <p:cNvSpPr/>
           <p:nvPr/>
         </p:nvSpPr>
         <p:spPr bwMode="auto">
           <a:xfrm flipH="0" flipV="0">
-            <a:off x="4760736" y="5773809"/>
-            <a:ext cx="1284525" cy="424933"/>
+            <a:off x="3244665" y="2614666"/>
+            <a:ext cx="1212459" cy="495298"/>
           </a:xfrm>
           <a:prstGeom prst="rect">
             <a:avLst/>
           </a:prstGeom>
           <a:solidFill>
-            <a:srgbClr val="A200E6"/>
+            <a:srgbClr val="032DE4"/>
           </a:solidFill>
-          <a:ln>
+          <a:ln w="0" cap="flat" cmpd="sng" algn="ctr">
             <a:noFill/>
+            <a:prstDash val="solid"/>
+            <a:miter lim="800000"/>
           </a:ln>
         </p:spPr>
         <p:style>
@@ -12814,48 +13018,287 @@
           </a:bodyPr>
           <a:lstStyle/>
           <a:p>
-            <a:pPr algn="ctr">
+            <a:pPr marL="0" marR="0" lvl="0" indent="0" algn="ctr" defTabSz="863993">
+              <a:lnSpc>
+                <a:spcPct val="100000"/>
+              </a:lnSpc>
+              <a:spcBef>
+                <a:spcPts val="0"/>
+              </a:spcBef>
               <a:spcAft>
-                <a:spcPts val="499"/>
+                <a:spcPts val="498"/>
               </a:spcAft>
-              <a:defRPr/>
-            </a:pPr>
-            <a:r>
-              <a:rPr lang="en-US" sz="1000">
+              <a:defRPr lang="de-DE" sz="1700" b="0" i="0" u="none" strike="noStrike" cap="none" spc="0">
+                <a:solidFill>
+                  <a:srgbClr val="FFFFFF"/>
+                </a:solidFill>
+                <a:latin typeface="Arial"/>
+                <a:ea typeface="Arial"/>
+                <a:cs typeface="Arial"/>
+              </a:defRPr>
+            </a:pPr>
+            <a:r>
+              <a:rPr lang="de-DE" sz="1600">
                 <a:ea typeface="Times New Roman"/>
                 <a:cs typeface="Times New Roman"/>
               </a:rPr>
-              <a:t>automatic evaluation</a:t>
-            </a:r>
-            <a:endParaRPr lang="en-US" sz="1100">
-              <a:ea typeface="Times New Roman"/>
-              <a:cs typeface="Times New Roman"/>
-            </a:endParaRPr>
+              <a:t>Fahrzeug-modell</a:t>
+            </a:r>
+            <a:endParaRPr sz="2400"/>
+          </a:p>
+        </p:txBody>
+      </p:sp>
+      <p:sp>
+        <p:nvSpPr>
+          <p:cNvPr id="53455603" name="Rechteck 40"/>
+          <p:cNvSpPr/>
+          <p:nvPr/>
+        </p:nvSpPr>
+        <p:spPr bwMode="auto">
+          <a:xfrm flipH="0" flipV="0">
+            <a:off x="4917442" y="2614666"/>
+            <a:ext cx="1392972" cy="495298"/>
+          </a:xfrm>
+          <a:prstGeom prst="rect">
+            <a:avLst/>
+          </a:prstGeom>
+          <a:solidFill>
+            <a:srgbClr val="032DE4"/>
+          </a:solidFill>
+          <a:ln w="0" cap="flat" cmpd="sng" algn="ctr">
+            <a:noFill/>
+            <a:prstDash val="solid"/>
+            <a:miter lim="800000"/>
+          </a:ln>
+        </p:spPr>
+        <p:style>
+          <a:lnRef idx="2">
+            <a:schemeClr val="accent1">
+              <a:shade val="50000"/>
+            </a:schemeClr>
+          </a:lnRef>
+          <a:fillRef idx="1">
+            <a:schemeClr val="accent1"/>
+          </a:fillRef>
+          <a:effectRef idx="0">
+            <a:schemeClr val="accent1"/>
+          </a:effectRef>
+          <a:fontRef idx="minor">
+            <a:schemeClr val="lt1"/>
+          </a:fontRef>
+        </p:style>
+        <p:txBody>
+          <a:bodyPr rot="0" spcFirstLastPara="0" vert="horz" wrap="square" lIns="108000" tIns="72000" rIns="108000" bIns="108000" numCol="1" spcCol="0" rtlCol="0" fromWordArt="0" anchor="ctr" anchorCtr="0" forceAA="0" compatLnSpc="1">
+            <a:prstTxWarp prst="textNoShape"/>
+            <a:noAutofit/>
+          </a:bodyPr>
+          <a:lstStyle/>
+          <a:p>
+            <a:pPr marL="0" marR="0" lvl="0" indent="0" algn="ctr" defTabSz="863993">
+              <a:lnSpc>
+                <a:spcPct val="100000"/>
+              </a:lnSpc>
+              <a:spcBef>
+                <a:spcPts val="0"/>
+              </a:spcBef>
+              <a:spcAft>
+                <a:spcPts val="498"/>
+              </a:spcAft>
+              <a:defRPr lang="de-DE" sz="1700" b="0" i="0" u="none" strike="noStrike" cap="none" spc="0">
+                <a:solidFill>
+                  <a:srgbClr val="FFFFFF"/>
+                </a:solidFill>
+                <a:latin typeface="Arial"/>
+                <a:ea typeface="Arial"/>
+                <a:cs typeface="Arial"/>
+              </a:defRPr>
+            </a:pPr>
+            <a:r>
+              <a:rPr lang="de-DE" sz="1600">
+                <a:ea typeface="Times New Roman"/>
+                <a:cs typeface="Times New Roman"/>
+              </a:rPr>
+              <a:t>Umgebungs-modell</a:t>
+            </a:r>
+            <a:endParaRPr sz="2400"/>
+          </a:p>
+        </p:txBody>
+      </p:sp>
+      <p:sp>
+        <p:nvSpPr>
+          <p:cNvPr id="899525576" name="Rechteck 40"/>
+          <p:cNvSpPr/>
+          <p:nvPr/>
+        </p:nvSpPr>
+        <p:spPr bwMode="auto">
+          <a:xfrm flipH="0" flipV="0">
+            <a:off x="5132720" y="4093978"/>
+            <a:ext cx="1312540" cy="495298"/>
+          </a:xfrm>
+          <a:prstGeom prst="rect">
+            <a:avLst/>
+          </a:prstGeom>
+          <a:solidFill>
+            <a:srgbClr val="032DE4"/>
+          </a:solidFill>
+          <a:ln w="0" cap="flat" cmpd="sng" algn="ctr">
+            <a:noFill/>
+            <a:prstDash val="solid"/>
+            <a:miter lim="800000"/>
+          </a:ln>
+        </p:spPr>
+        <p:style>
+          <a:lnRef idx="2">
+            <a:schemeClr val="accent1">
+              <a:shade val="50000"/>
+            </a:schemeClr>
+          </a:lnRef>
+          <a:fillRef idx="1">
+            <a:schemeClr val="accent1"/>
+          </a:fillRef>
+          <a:effectRef idx="0">
+            <a:schemeClr val="accent1"/>
+          </a:effectRef>
+          <a:fontRef idx="minor">
+            <a:schemeClr val="lt1"/>
+          </a:fontRef>
+        </p:style>
+        <p:txBody>
+          <a:bodyPr rot="0" spcFirstLastPara="0" vert="horz" wrap="square" lIns="108000" tIns="72000" rIns="108000" bIns="108000" numCol="1" spcCol="0" rtlCol="0" fromWordArt="0" anchor="ctr" anchorCtr="0" forceAA="0" compatLnSpc="1">
+            <a:prstTxWarp prst="textNoShape"/>
+            <a:noAutofit/>
+          </a:bodyPr>
+          <a:lstStyle/>
+          <a:p>
+            <a:pPr marL="0" marR="0" lvl="0" indent="0" algn="ctr" defTabSz="863993">
+              <a:lnSpc>
+                <a:spcPct val="100000"/>
+              </a:lnSpc>
+              <a:spcBef>
+                <a:spcPts val="0"/>
+              </a:spcBef>
+              <a:spcAft>
+                <a:spcPts val="498"/>
+              </a:spcAft>
+              <a:defRPr lang="de-DE" sz="1700" b="0" i="0" u="none" strike="noStrike" cap="none" spc="0">
+                <a:solidFill>
+                  <a:srgbClr val="FFFFFF"/>
+                </a:solidFill>
+                <a:latin typeface="Arial"/>
+                <a:ea typeface="Arial"/>
+                <a:cs typeface="Arial"/>
+              </a:defRPr>
+            </a:pPr>
+            <a:r>
+              <a:rPr lang="de-DE" sz="1600">
+                <a:ea typeface="Times New Roman"/>
+                <a:cs typeface="Times New Roman"/>
+              </a:rPr>
+              <a:t>Auswertung</a:t>
+            </a:r>
+            <a:endParaRPr sz="2400"/>
+          </a:p>
+        </p:txBody>
+      </p:sp>
+      <p:sp>
+        <p:nvSpPr>
+          <p:cNvPr id="1749462775" name="Rechteck 40"/>
+          <p:cNvSpPr/>
+          <p:nvPr/>
+        </p:nvSpPr>
+        <p:spPr bwMode="auto">
+          <a:xfrm flipH="0" flipV="0">
+            <a:off x="2808512" y="4129087"/>
+            <a:ext cx="1440830" cy="495298"/>
+          </a:xfrm>
+          <a:prstGeom prst="rect">
+            <a:avLst/>
+          </a:prstGeom>
+          <a:solidFill>
+            <a:srgbClr val="032DE4"/>
+          </a:solidFill>
+          <a:ln w="0" cap="flat" cmpd="sng" algn="ctr">
+            <a:noFill/>
+            <a:prstDash val="solid"/>
+            <a:miter lim="800000"/>
+          </a:ln>
+        </p:spPr>
+        <p:style>
+          <a:lnRef idx="2">
+            <a:schemeClr val="accent1">
+              <a:shade val="50000"/>
+            </a:schemeClr>
+          </a:lnRef>
+          <a:fillRef idx="1">
+            <a:schemeClr val="accent1"/>
+          </a:fillRef>
+          <a:effectRef idx="0">
+            <a:schemeClr val="accent1"/>
+          </a:effectRef>
+          <a:fontRef idx="minor">
+            <a:schemeClr val="lt1"/>
+          </a:fontRef>
+        </p:style>
+        <p:txBody>
+          <a:bodyPr rot="0" spcFirstLastPara="0" vert="horz" wrap="square" lIns="108000" tIns="72000" rIns="108000" bIns="108000" numCol="1" spcCol="0" rtlCol="0" fromWordArt="0" anchor="ctr" anchorCtr="0" forceAA="0" compatLnSpc="1">
+            <a:prstTxWarp prst="textNoShape"/>
+            <a:noAutofit/>
+          </a:bodyPr>
+          <a:lstStyle/>
+          <a:p>
+            <a:pPr marL="0" marR="0" lvl="0" indent="0" algn="ctr" defTabSz="863993">
+              <a:lnSpc>
+                <a:spcPct val="100000"/>
+              </a:lnSpc>
+              <a:spcBef>
+                <a:spcPts val="0"/>
+              </a:spcBef>
+              <a:spcAft>
+                <a:spcPts val="498"/>
+              </a:spcAft>
+              <a:defRPr lang="de-DE" sz="1700" b="0" i="0" u="none" strike="noStrike" cap="none" spc="0">
+                <a:solidFill>
+                  <a:srgbClr val="FFFFFF"/>
+                </a:solidFill>
+                <a:latin typeface="Arial"/>
+                <a:ea typeface="Arial"/>
+                <a:cs typeface="Arial"/>
+              </a:defRPr>
+            </a:pPr>
+            <a:r>
+              <a:rPr lang="de-DE" sz="1600">
+                <a:ea typeface="Times New Roman"/>
+                <a:cs typeface="Times New Roman"/>
+              </a:rPr>
+              <a:t>Initialisierung</a:t>
+            </a:r>
+            <a:endParaRPr sz="2400"/>
           </a:p>
         </p:txBody>
       </p:sp>
       <p:cxnSp>
         <p:nvCxnSpPr>
-          <p:cNvPr id="764710024" name="Gerade Verbindung mit Pfeil 42"/>
+          <p:cNvPr id="1691502447" name="Gerade Verbindung mit Pfeil 14"/>
           <p:cNvCxnSpPr>
             <a:cxnSpLocks/>
-            <a:stCxn id="1760770242" idx="3"/>
-            <a:endCxn id="530704184" idx="1"/>
           </p:cNvCxnSpPr>
           <p:nvPr/>
         </p:nvCxnSpPr>
         <p:spPr bwMode="auto">
-          <a:xfrm flipH="0" flipV="1">
-            <a:off x="1691233" y="5924430"/>
-            <a:ext cx="346240" cy="45720"/>
+          <a:xfrm rot="0" flipH="0" flipV="0">
+            <a:off x="2735875" y="2862315"/>
+            <a:ext cx="517863" cy="0"/>
           </a:xfrm>
           <a:prstGeom prst="straightConnector1">
             <a:avLst/>
           </a:prstGeom>
-          <a:ln w="12700">
+          <a:noFill/>
+          <a:ln w="19049" cap="flat" cmpd="sng" algn="ctr">
             <a:solidFill>
-              <a:schemeClr val="tx2"/>
+              <a:schemeClr val="tx1"/>
             </a:solidFill>
+            <a:prstDash val="solid"/>
+            <a:miter lim="800000"/>
             <a:tailEnd type="triangle"/>
           </a:ln>
         </p:spPr>
@@ -12876,25 +13319,27 @@
       </p:cxnSp>
       <p:cxnSp>
         <p:nvCxnSpPr>
-          <p:cNvPr id="1352887137" name="Gerade Verbindung mit Pfeil 49"/>
+          <p:cNvPr id="752822721" name="Gerade Verbindung mit Pfeil 14"/>
           <p:cNvCxnSpPr>
             <a:cxnSpLocks/>
-            <a:endCxn id="1844800623" idx="0"/>
           </p:cNvCxnSpPr>
           <p:nvPr/>
         </p:nvCxnSpPr>
         <p:spPr bwMode="auto">
-          <a:xfrm flipH="0" flipV="0">
-            <a:off x="5429602" y="4078227"/>
-            <a:ext cx="45720" cy="1663276"/>
+          <a:xfrm rot="0" flipH="0" flipV="0">
+            <a:off x="4457125" y="2870714"/>
+            <a:ext cx="460316" cy="0"/>
           </a:xfrm>
           <a:prstGeom prst="straightConnector1">
             <a:avLst/>
           </a:prstGeom>
-          <a:ln w="12700">
+          <a:noFill/>
+          <a:ln w="19049" cap="flat" cmpd="sng" algn="ctr">
             <a:solidFill>
-              <a:schemeClr val="tx2"/>
+              <a:schemeClr val="tx1"/>
             </a:solidFill>
+            <a:prstDash val="solid"/>
+            <a:miter lim="800000"/>
             <a:tailEnd type="triangle"/>
           </a:ln>
         </p:spPr>
@@ -12913,374 +13358,225 @@
           </a:fontRef>
         </p:style>
       </p:cxnSp>
-      <p:sp>
-        <p:nvSpPr>
-          <p:cNvPr id="857967857" name="Titel 3"/>
-          <p:cNvSpPr>
-            <a:spLocks noGrp="1"/>
-          </p:cNvSpPr>
-          <p:nvPr>
-            <p:ph type="title" hasCustomPrompt="1"/>
-          </p:nvPr>
-        </p:nvSpPr>
+      <p:cxnSp>
+        <p:nvCxnSpPr>
+          <p:cNvPr id="0" name=""/>
+          <p:cNvCxnSpPr>
+            <a:cxnSpLocks/>
+            <a:stCxn id="575812696" idx="2"/>
+            <a:endCxn id="227407425" idx="2"/>
+          </p:cNvCxnSpPr>
+          <p:nvPr/>
+        </p:nvCxnSpPr>
         <p:spPr bwMode="auto">
-          <a:prstGeom prst="rect">
+          <a:xfrm rot="5399978" flipH="0" flipV="0">
+            <a:off x="2793599" y="2181599"/>
+            <a:ext cx="128445" cy="1988189"/>
+          </a:xfrm>
+          <a:prstGeom prst="bentConnector3">
+            <a:avLst>
+              <a:gd name="adj1" fmla="val 217339"/>
+            </a:avLst>
+          </a:prstGeom>
+          <a:ln w="19049" cap="flat" cmpd="sng" algn="ctr">
+            <a:solidFill>
+              <a:schemeClr val="tx1"/>
+            </a:solidFill>
+            <a:prstDash val="solid"/>
+            <a:miter lim="800000"/>
+            <a:tailEnd type="triangle" len="med"/>
+          </a:ln>
+        </p:spPr>
+        <p:style>
+          <a:lnRef idx="1">
+            <a:schemeClr val="accent1">
+              <a:shade val="50000"/>
+            </a:schemeClr>
+          </a:lnRef>
+          <a:fillRef idx="0">
+            <a:schemeClr val="accent1"/>
+          </a:fillRef>
+          <a:effectRef idx="0">
+            <a:schemeClr val="accent1"/>
+          </a:effectRef>
+          <a:fontRef idx="minor">
+            <a:schemeClr val="tx1"/>
+          </a:fontRef>
+        </p:style>
+      </p:cxnSp>
+      <p:cxnSp>
+        <p:nvCxnSpPr>
+          <p:cNvPr id="1649837785" name="Verbinder: gewinkelt 27"/>
+          <p:cNvCxnSpPr>
+            <a:cxnSpLocks/>
+            <a:stCxn id="53455603" idx="2"/>
+            <a:endCxn id="227407425" idx="1"/>
+          </p:cNvCxnSpPr>
+          <p:nvPr/>
+        </p:nvCxnSpPr>
+        <p:spPr bwMode="auto">
+          <a:xfrm rot="5399978" flipH="1" flipV="0">
+            <a:off x="3182445" y="678481"/>
+            <a:ext cx="247649" cy="4615317"/>
+          </a:xfrm>
+          <a:prstGeom prst="bentConnector4">
+            <a:avLst>
+              <a:gd name="adj1" fmla="val -182671"/>
+              <a:gd name="adj2" fmla="val 104953"/>
+            </a:avLst>
+          </a:prstGeom>
+          <a:ln w="19049" cap="flat" cmpd="sng" algn="ctr">
+            <a:solidFill>
+              <a:schemeClr val="tx1"/>
+            </a:solidFill>
+            <a:prstDash val="solid"/>
+            <a:tailEnd type="triangle"/>
+          </a:ln>
+        </p:spPr>
+        <p:style>
+          <a:lnRef idx="1">
+            <a:schemeClr val="accent1"/>
+          </a:lnRef>
+          <a:fillRef idx="0">
+            <a:schemeClr val="accent1"/>
+          </a:fillRef>
+          <a:effectRef idx="0">
+            <a:schemeClr val="accent1"/>
+          </a:effectRef>
+          <a:fontRef idx="minor">
+            <a:schemeClr val="tx1"/>
+          </a:fontRef>
+        </p:style>
+      </p:cxnSp>
+      <p:cxnSp>
+        <p:nvCxnSpPr>
+          <p:cNvPr id="1243869909" name="Gerade Verbindung mit Pfeil 14"/>
+          <p:cNvCxnSpPr>
+            <a:cxnSpLocks/>
+            <a:stCxn id="1637101510" idx="0"/>
+            <a:endCxn id="208540732" idx="2"/>
+          </p:cNvCxnSpPr>
+          <p:nvPr/>
+        </p:nvCxnSpPr>
+        <p:spPr bwMode="auto">
+          <a:xfrm rot="16199969" flipH="0" flipV="0">
+            <a:off x="2751750" y="4593079"/>
+            <a:ext cx="1733331" cy="0"/>
+          </a:xfrm>
+          <a:prstGeom prst="straightConnector1">
             <a:avLst/>
           </a:prstGeom>
+          <a:noFill/>
+          <a:ln w="19049" cap="flat" cmpd="sng" algn="ctr">
+            <a:solidFill>
+              <a:schemeClr val="tx1"/>
+            </a:solidFill>
+            <a:prstDash val="solid"/>
+            <a:miter lim="800000"/>
+            <a:tailEnd type="triangle"/>
+          </a:ln>
         </p:spPr>
-        <p:txBody>
-          <a:bodyPr vertOverflow="overflow" horzOverflow="overflow" vert="horz" wrap="square" lIns="0" tIns="0" rIns="0" bIns="0" numCol="1" spcCol="0" rtlCol="0" fromWordArt="0" anchor="t" anchorCtr="0" forceAA="0" upright="0" compatLnSpc="0">
-            <a:normAutofit/>
-          </a:bodyPr>
-          <a:lstStyle>
-            <a:lvl1pPr>
-              <a:defRPr sz="2800"/>
-            </a:lvl1pPr>
-          </a:lstStyle>
-          <a:p>
-            <a:pPr>
-              <a:defRPr/>
-            </a:pPr>
-            <a:r>
-              <a:rPr lang="de-DE" sz="2800" b="1" i="0" u="none" strike="noStrike" cap="none" spc="0">
-                <a:solidFill>
-                  <a:schemeClr val="bg1"/>
-                </a:solidFill>
-                <a:latin typeface="Roboto"/>
-                <a:ea typeface="Roboto"/>
-                <a:cs typeface="+mj-cs"/>
-              </a:rPr>
-              <a:t>Systemüberblick</a:t>
-            </a:r>
-            <a:endParaRPr sz="2800"/>
-          </a:p>
-        </p:txBody>
-      </p:sp>
-      <p:sp>
-        <p:nvSpPr>
-          <p:cNvPr id="499549969" name="Textplatzhalter 7"/>
-          <p:cNvSpPr>
-            <a:spLocks noGrp="1"/>
-          </p:cNvSpPr>
-          <p:nvPr>
-            <p:ph type="body" sz="quarter" idx="13" hasCustomPrompt="1"/>
-          </p:nvPr>
-        </p:nvSpPr>
+        <p:style>
+          <a:lnRef idx="1">
+            <a:schemeClr val="accent1"/>
+          </a:lnRef>
+          <a:fillRef idx="0">
+            <a:schemeClr val="accent1"/>
+          </a:fillRef>
+          <a:effectRef idx="0">
+            <a:schemeClr val="accent1"/>
+          </a:effectRef>
+          <a:fontRef idx="minor">
+            <a:schemeClr val="tx1"/>
+          </a:fontRef>
+        </p:style>
+      </p:cxnSp>
+      <p:cxnSp>
+        <p:nvCxnSpPr>
+          <p:cNvPr id="1965615180" name="Gerade Verbindung mit Pfeil 14"/>
+          <p:cNvCxnSpPr>
+            <a:cxnSpLocks/>
+            <a:stCxn id="285373181" idx="0"/>
+          </p:cNvCxnSpPr>
+          <p:nvPr/>
+        </p:nvCxnSpPr>
         <p:spPr bwMode="auto">
-          <a:prstGeom prst="rect">
+          <a:xfrm rot="16199969" flipH="0" flipV="0">
+            <a:off x="4979373" y="4605336"/>
+            <a:ext cx="1743073" cy="0"/>
+          </a:xfrm>
+          <a:prstGeom prst="straightConnector1">
             <a:avLst/>
           </a:prstGeom>
+          <a:noFill/>
+          <a:ln w="19049" cap="flat" cmpd="sng" algn="ctr">
+            <a:solidFill>
+              <a:schemeClr val="tx1"/>
+            </a:solidFill>
+            <a:prstDash val="solid"/>
+            <a:miter lim="800000"/>
+            <a:tailEnd type="triangle"/>
+          </a:ln>
         </p:spPr>
-        <p:txBody>
-          <a:bodyPr lIns="0" tIns="0" rIns="0" bIns="0">
-            <a:normAutofit/>
-          </a:bodyPr>
-          <a:lstStyle>
-            <a:lvl1pPr marL="0" indent="0">
-              <a:buFont typeface="Arial"/>
-              <a:buNone/>
-              <a:defRPr sz="2400" b="1">
-                <a:solidFill>
-                  <a:schemeClr val="tx1"/>
-                </a:solidFill>
-                <a:latin typeface="Roboto"/>
-                <a:ea typeface="Roboto"/>
-              </a:defRPr>
-            </a:lvl1pPr>
-            <a:lvl2pPr>
-              <a:defRPr sz="2400">
-                <a:latin typeface="Roboto"/>
-                <a:ea typeface="Roboto"/>
-              </a:defRPr>
-            </a:lvl2pPr>
-            <a:lvl3pPr>
-              <a:defRPr sz="2000">
-                <a:latin typeface="Roboto"/>
-                <a:ea typeface="Roboto"/>
-              </a:defRPr>
-            </a:lvl3pPr>
-            <a:lvl4pPr>
-              <a:defRPr sz="2000">
-                <a:latin typeface="Roboto"/>
-                <a:ea typeface="Roboto"/>
-              </a:defRPr>
-            </a:lvl4pPr>
-            <a:lvl5pPr>
-              <a:defRPr sz="2000">
-                <a:latin typeface="Roboto"/>
-                <a:ea typeface="Roboto"/>
-              </a:defRPr>
-            </a:lvl5pPr>
-          </a:lstStyle>
-          <a:p>
-            <a:pPr>
-              <a:defRPr/>
-            </a:pPr>
-            <a:r>
-              <a:rPr lang="de-DE" sz="2400" b="1" i="0" u="none" strike="noStrike" cap="none" spc="0">
-                <a:solidFill>
-                  <a:schemeClr val="tx1"/>
-                </a:solidFill>
-                <a:latin typeface="Roboto"/>
-                <a:ea typeface="Roboto"/>
-                <a:cs typeface="Roboto"/>
-              </a:rPr>
-              <a:t>Konzeptvorstellung</a:t>
-            </a:r>
-            <a:endParaRPr/>
-          </a:p>
-        </p:txBody>
-      </p:sp>
-      <p:pic>
-        <p:nvPicPr>
-          <p:cNvPr id="859816371" name=""/>
-          <p:cNvPicPr>
-            <a:picLocks noChangeAspect="1"/>
-          </p:cNvPicPr>
+        <p:style>
+          <a:lnRef idx="1">
+            <a:schemeClr val="accent1"/>
+          </a:lnRef>
+          <a:fillRef idx="0">
+            <a:schemeClr val="accent1"/>
+          </a:fillRef>
+          <a:effectRef idx="0">
+            <a:schemeClr val="accent1"/>
+          </a:effectRef>
+          <a:fontRef idx="minor">
+            <a:schemeClr val="tx1"/>
+          </a:fontRef>
+        </p:style>
+      </p:cxnSp>
+      <p:cxnSp>
+        <p:nvCxnSpPr>
+          <p:cNvPr id="0" name="Linie 0"/>
+          <p:cNvCxnSpPr>
+            <a:cxnSpLocks/>
+            <a:stCxn id="99779062" idx="3"/>
+            <a:endCxn id="1637101510" idx="1"/>
+          </p:cNvCxnSpPr>
           <p:nvPr/>
-        </p:nvPicPr>
-        <p:blipFill>
-          <a:blip r:embed="rId3"/>
-          <a:stretch/>
-        </p:blipFill>
+        </p:nvCxnSpPr>
         <p:spPr bwMode="auto">
-          <a:xfrm flipH="0" flipV="0">
-            <a:off x="7531281" y="1372234"/>
-            <a:ext cx="4356673" cy="3429000"/>
+          <a:xfrm rot="0" flipH="0" flipV="1">
+            <a:off x="1934235" y="5715959"/>
+            <a:ext cx="534057" cy="0"/>
           </a:xfrm>
-          <a:prstGeom prst="rect">
+          <a:prstGeom prst="line">
             <a:avLst/>
           </a:prstGeom>
+          <a:ln w="19049" cap="flat" cmpd="sng" algn="ctr">
+            <a:solidFill>
+              <a:schemeClr val="tx1"/>
+            </a:solidFill>
+            <a:prstDash val="solid"/>
+            <a:miter lim="800000"/>
+            <a:tailEnd type="triangle" len="med"/>
+          </a:ln>
         </p:spPr>
-      </p:pic>
-      <p:sp>
-        <p:nvSpPr>
-          <p:cNvPr id="405393230" name="Textplatzhalter 7"/>
-          <p:cNvSpPr>
-            <a:spLocks noGrp="1"/>
-          </p:cNvSpPr>
-          <p:nvPr/>
-        </p:nvSpPr>
-        <p:spPr bwMode="auto">
-          <a:xfrm flipH="0" flipV="0">
-            <a:off x="7459790" y="4939178"/>
-            <a:ext cx="4053438" cy="4333296"/>
-          </a:xfrm>
-          <a:prstGeom prst="rect">
-            <a:avLst/>
-          </a:prstGeom>
-        </p:spPr>
-        <p:txBody>
-          <a:bodyPr vertOverflow="overflow" horzOverflow="overflow" vert="horz" wrap="square" lIns="91440" tIns="45720" rIns="91440" bIns="45720" numCol="1" spcCol="0" rtlCol="0" fromWordArt="0" anchor="t" anchorCtr="0" forceAA="0" upright="0" compatLnSpc="0">
-            <a:normAutofit/>
-          </a:bodyPr>
-          <a:lstStyle>
-            <a:lvl1pPr marL="228600" indent="-228600" algn="l" defTabSz="914400">
-              <a:lnSpc>
-                <a:spcPct val="90000"/>
-              </a:lnSpc>
-              <a:spcBef>
-                <a:spcPts val="999"/>
-              </a:spcBef>
-              <a:buFont typeface="Arial"/>
-              <a:buChar char="•"/>
-              <a:defRPr sz="2000">
-                <a:solidFill>
-                  <a:schemeClr val="tx1"/>
-                </a:solidFill>
-                <a:latin typeface="Roboto"/>
-                <a:ea typeface="Roboto"/>
-                <a:cs typeface="Roboto"/>
-              </a:defRPr>
-            </a:lvl1pPr>
-            <a:lvl2pPr marL="685800" indent="-228600" algn="l" defTabSz="914400">
-              <a:lnSpc>
-                <a:spcPct val="90000"/>
-              </a:lnSpc>
-              <a:spcBef>
-                <a:spcPts val="499"/>
-              </a:spcBef>
-              <a:buFont typeface="Arial"/>
-              <a:buChar char="•"/>
-              <a:defRPr sz="2000">
-                <a:solidFill>
-                  <a:schemeClr val="tx1"/>
-                </a:solidFill>
-                <a:latin typeface="Roboto"/>
-                <a:ea typeface="Roboto"/>
-                <a:cs typeface="Roboto"/>
-              </a:defRPr>
-            </a:lvl2pPr>
-            <a:lvl3pPr marL="1143000" indent="-228600" algn="l" defTabSz="914400">
-              <a:lnSpc>
-                <a:spcPct val="90000"/>
-              </a:lnSpc>
-              <a:spcBef>
-                <a:spcPts val="499"/>
-              </a:spcBef>
-              <a:buFont typeface="Arial"/>
-              <a:buChar char="•"/>
-              <a:defRPr sz="2000">
-                <a:solidFill>
-                  <a:schemeClr val="tx1"/>
-                </a:solidFill>
-                <a:latin typeface="Roboto"/>
-                <a:ea typeface="Roboto"/>
-                <a:cs typeface="Roboto"/>
-              </a:defRPr>
-            </a:lvl3pPr>
-            <a:lvl4pPr marL="1600200" indent="-228600" algn="l" defTabSz="914400">
-              <a:lnSpc>
-                <a:spcPct val="90000"/>
-              </a:lnSpc>
-              <a:spcBef>
-                <a:spcPts val="499"/>
-              </a:spcBef>
-              <a:buFont typeface="Arial"/>
-              <a:buChar char="•"/>
-              <a:defRPr sz="2000">
-                <a:solidFill>
-                  <a:schemeClr val="tx1"/>
-                </a:solidFill>
-                <a:latin typeface="Roboto"/>
-                <a:ea typeface="Roboto"/>
-                <a:cs typeface="Roboto"/>
-              </a:defRPr>
-            </a:lvl4pPr>
-            <a:lvl5pPr marL="2057400" indent="-228600" algn="l" defTabSz="914400">
-              <a:lnSpc>
-                <a:spcPct val="90000"/>
-              </a:lnSpc>
-              <a:spcBef>
-                <a:spcPts val="499"/>
-              </a:spcBef>
-              <a:buFont typeface="Arial"/>
-              <a:buChar char="•"/>
-              <a:defRPr sz="2000">
-                <a:solidFill>
-                  <a:schemeClr val="tx1"/>
-                </a:solidFill>
-                <a:latin typeface="Roboto"/>
-                <a:ea typeface="Roboto"/>
-                <a:cs typeface="Roboto"/>
-              </a:defRPr>
-            </a:lvl5pPr>
-            <a:lvl6pPr marL="2514599" indent="-228600" algn="l" defTabSz="914400">
-              <a:lnSpc>
-                <a:spcPct val="90000"/>
-              </a:lnSpc>
-              <a:spcBef>
-                <a:spcPts val="499"/>
-              </a:spcBef>
-              <a:buFont typeface="Arial"/>
-              <a:buChar char="•"/>
-              <a:defRPr sz="1800">
-                <a:solidFill>
-                  <a:schemeClr val="tx1"/>
-                </a:solidFill>
-                <a:latin typeface="+mn-lt"/>
-                <a:ea typeface="+mn-ea"/>
-                <a:cs typeface="+mn-cs"/>
-              </a:defRPr>
-            </a:lvl6pPr>
-            <a:lvl7pPr marL="2971800" indent="-228600" algn="l" defTabSz="914400">
-              <a:lnSpc>
-                <a:spcPct val="90000"/>
-              </a:lnSpc>
-              <a:spcBef>
-                <a:spcPts val="499"/>
-              </a:spcBef>
-              <a:buFont typeface="Arial"/>
-              <a:buChar char="•"/>
-              <a:defRPr sz="1800">
-                <a:solidFill>
-                  <a:schemeClr val="tx1"/>
-                </a:solidFill>
-                <a:latin typeface="+mn-lt"/>
-                <a:ea typeface="+mn-ea"/>
-                <a:cs typeface="+mn-cs"/>
-              </a:defRPr>
-            </a:lvl7pPr>
-            <a:lvl8pPr marL="3429000" indent="-228600" algn="l" defTabSz="914400">
-              <a:lnSpc>
-                <a:spcPct val="90000"/>
-              </a:lnSpc>
-              <a:spcBef>
-                <a:spcPts val="499"/>
-              </a:spcBef>
-              <a:buFont typeface="Arial"/>
-              <a:buChar char="•"/>
-              <a:defRPr sz="1800">
-                <a:solidFill>
-                  <a:schemeClr val="tx1"/>
-                </a:solidFill>
-                <a:latin typeface="+mn-lt"/>
-                <a:ea typeface="+mn-ea"/>
-                <a:cs typeface="+mn-cs"/>
-              </a:defRPr>
-            </a:lvl8pPr>
-            <a:lvl9pPr marL="3886200" indent="-228600" algn="l" defTabSz="914400">
-              <a:lnSpc>
-                <a:spcPct val="90000"/>
-              </a:lnSpc>
-              <a:spcBef>
-                <a:spcPts val="499"/>
-              </a:spcBef>
-              <a:buFont typeface="Arial"/>
-              <a:buChar char="•"/>
-              <a:defRPr sz="1800">
-                <a:solidFill>
-                  <a:schemeClr val="tx1"/>
-                </a:solidFill>
-                <a:latin typeface="+mn-lt"/>
-                <a:ea typeface="+mn-ea"/>
-                <a:cs typeface="+mn-cs"/>
-              </a:defRPr>
-            </a:lvl9pPr>
-          </a:lstStyle>
-          <a:p>
-            <a:pPr>
-              <a:defRPr/>
-            </a:pPr>
-            <a:r>
-              <a:rPr lang="de-DE" sz="2000" b="0" i="0" u="none" strike="noStrike" cap="none" spc="0">
-                <a:solidFill>
-                  <a:schemeClr val="tx1"/>
-                </a:solidFill>
-                <a:latin typeface="Roboto"/>
-                <a:ea typeface="Roboto"/>
-                <a:cs typeface="Roboto"/>
-              </a:rPr>
-              <a:t>Automatiserte Initialisierung, Ausführung und Auswertung</a:t>
-            </a:r>
-            <a:endParaRPr lang="de-DE" sz="2000" b="0" i="0" u="none" strike="noStrike" cap="none" spc="0">
-              <a:solidFill>
-                <a:schemeClr val="tx1"/>
-              </a:solidFill>
-              <a:latin typeface="Roboto"/>
-              <a:ea typeface="Roboto"/>
-              <a:cs typeface="Roboto"/>
-            </a:endParaRPr>
-          </a:p>
-          <a:p>
-            <a:pPr>
-              <a:defRPr/>
-            </a:pPr>
-            <a:r>
-              <a:rPr lang="de-DE" sz="2000" b="0" i="0" u="none" strike="noStrike" cap="none" spc="0">
-                <a:solidFill>
-                  <a:schemeClr val="tx1"/>
-                </a:solidFill>
-                <a:latin typeface="Roboto"/>
-                <a:ea typeface="Roboto"/>
-                <a:cs typeface="Roboto"/>
-              </a:rPr>
-              <a:t>Entwickler über mögliche Probleme informieren</a:t>
-            </a:r>
-            <a:endParaRPr/>
-          </a:p>
-        </p:txBody>
-      </p:sp>
+        <p:style>
+          <a:lnRef idx="1">
+            <a:schemeClr val="accent1">
+              <a:shade val="50000"/>
+            </a:schemeClr>
+          </a:lnRef>
+          <a:fillRef idx="0">
+            <a:schemeClr val="accent1"/>
+          </a:fillRef>
+          <a:effectRef idx="0">
+            <a:schemeClr val="accent1"/>
+          </a:effectRef>
+          <a:fontRef idx="minor">
+            <a:schemeClr val="tx1"/>
+          </a:fontRef>
+        </p:style>
+      </p:cxnSp>
     </p:spTree>
   </p:cSld>
   <p:clrMapOvr>
@@ -13303,40 +13599,645 @@
               <p:cTn id="2" dur="indefinite" nodeType="mainSeq">
                 <p:childTnLst>
                   <p:par>
-                    <p:cTn id="7" fill="hold">
+                    <p:cTn id="3" fill="hold">
                       <p:stCondLst>
                         <p:cond delay="indefinite"/>
                       </p:stCondLst>
                       <p:childTnLst>
                         <p:par>
-                          <p:cTn id="8" fill="hold">
+                          <p:cTn id="4" fill="hold">
                             <p:stCondLst>
                               <p:cond delay="0"/>
                             </p:stCondLst>
                             <p:childTnLst>
                               <p:par>
-                                <p:cTn id="39" presetID="10" presetClass="exit" presetSubtype="0" fill="hold" nodeType="clickEffect">
+                                <p:cTn id="64" presetID="42" presetClass="entr" presetSubtype="0" fill="hold" grpId="0" nodeType="clickEffect">
+                                  <p:stCondLst>
+                                    <p:cond delay="0"/>
+                                  </p:stCondLst>
+                                  <p:childTnLst>
+                                    <p:set>
+                                      <p:cBhvr>
+                                        <p:cTn id="68" dur="1" fill="hold">
+                                          <p:stCondLst>
+                                            <p:cond delay="0"/>
+                                          </p:stCondLst>
+                                        </p:cTn>
+                                        <p:tgtEl>
+                                          <p:spTgt spid="1111958747"/>
+                                        </p:tgtEl>
+                                        <p:attrNameLst>
+                                          <p:attrName>style.visibility</p:attrName>
+                                        </p:attrNameLst>
+                                      </p:cBhvr>
+                                      <p:to>
+                                        <p:strVal val="visible"/>
+                                      </p:to>
+                                    </p:set>
+                                    <p:animEffect transition="in" filter="fade">
+                                      <p:cBhvr>
+                                        <p:cTn id="67" dur="1000"/>
+                                        <p:tgtEl>
+                                          <p:spTgt spid="1111958747"/>
+                                        </p:tgtEl>
+                                      </p:cBhvr>
+                                    </p:animEffect>
+                                    <p:anim calcmode="lin" valueType="num">
+                                      <p:cBhvr>
+                                        <p:cTn id="66" dur="1000" fill="hold"/>
+                                        <p:tgtEl>
+                                          <p:spTgt spid="1111958747"/>
+                                        </p:tgtEl>
+                                        <p:attrNameLst>
+                                          <p:attrName>ppt_x</p:attrName>
+                                        </p:attrNameLst>
+                                      </p:cBhvr>
+                                      <p:tavLst>
+                                        <p:tav tm="0">
+                                          <p:val>
+                                            <p:strVal val="#ppt_x"/>
+                                          </p:val>
+                                        </p:tav>
+                                        <p:tav tm="100000">
+                                          <p:val>
+                                            <p:strVal val="#ppt_x"/>
+                                          </p:val>
+                                        </p:tav>
+                                      </p:tavLst>
+                                    </p:anim>
+                                    <p:anim calcmode="lin" valueType="num">
+                                      <p:cBhvr>
+                                        <p:cTn id="65" dur="1000" fill="hold"/>
+                                        <p:tgtEl>
+                                          <p:spTgt spid="1111958747"/>
+                                        </p:tgtEl>
+                                        <p:attrNameLst>
+                                          <p:attrName>ppt_y</p:attrName>
+                                        </p:attrNameLst>
+                                      </p:cBhvr>
+                                      <p:tavLst>
+                                        <p:tav tm="0">
+                                          <p:val>
+                                            <p:strVal val="#ppt_y+.1"/>
+                                          </p:val>
+                                        </p:tav>
+                                        <p:tav tm="100000">
+                                          <p:val>
+                                            <p:strVal val="#ppt_y"/>
+                                          </p:val>
+                                        </p:tav>
+                                      </p:tavLst>
+                                    </p:anim>
+                                  </p:childTnLst>
+                                </p:cTn>
+                              </p:par>
+                              <p:par>
+                                <p:cTn id="59" presetID="42" presetClass="entr" presetSubtype="0" fill="hold" grpId="0" nodeType="withEffect">
+                                  <p:stCondLst>
+                                    <p:cond delay="0"/>
+                                  </p:stCondLst>
+                                  <p:childTnLst>
+                                    <p:set>
+                                      <p:cBhvr>
+                                        <p:cTn id="63" dur="1" fill="hold">
+                                          <p:stCondLst>
+                                            <p:cond delay="0"/>
+                                          </p:stCondLst>
+                                        </p:cTn>
+                                        <p:tgtEl>
+                                          <p:spTgt spid="99779062"/>
+                                        </p:tgtEl>
+                                        <p:attrNameLst>
+                                          <p:attrName>style.visibility</p:attrName>
+                                        </p:attrNameLst>
+                                      </p:cBhvr>
+                                      <p:to>
+                                        <p:strVal val="visible"/>
+                                      </p:to>
+                                    </p:set>
+                                    <p:animEffect transition="in" filter="fade">
+                                      <p:cBhvr>
+                                        <p:cTn id="62" dur="1000"/>
+                                        <p:tgtEl>
+                                          <p:spTgt spid="99779062"/>
+                                        </p:tgtEl>
+                                      </p:cBhvr>
+                                    </p:animEffect>
+                                    <p:anim calcmode="lin" valueType="num">
+                                      <p:cBhvr>
+                                        <p:cTn id="61" dur="1000" fill="hold"/>
+                                        <p:tgtEl>
+                                          <p:spTgt spid="99779062"/>
+                                        </p:tgtEl>
+                                        <p:attrNameLst>
+                                          <p:attrName>ppt_x</p:attrName>
+                                        </p:attrNameLst>
+                                      </p:cBhvr>
+                                      <p:tavLst>
+                                        <p:tav tm="0">
+                                          <p:val>
+                                            <p:strVal val="#ppt_x"/>
+                                          </p:val>
+                                        </p:tav>
+                                        <p:tav tm="100000">
+                                          <p:val>
+                                            <p:strVal val="#ppt_x"/>
+                                          </p:val>
+                                        </p:tav>
+                                      </p:tavLst>
+                                    </p:anim>
+                                    <p:anim calcmode="lin" valueType="num">
+                                      <p:cBhvr>
+                                        <p:cTn id="60" dur="1000" fill="hold"/>
+                                        <p:tgtEl>
+                                          <p:spTgt spid="99779062"/>
+                                        </p:tgtEl>
+                                        <p:attrNameLst>
+                                          <p:attrName>ppt_y</p:attrName>
+                                        </p:attrNameLst>
+                                      </p:cBhvr>
+                                      <p:tavLst>
+                                        <p:tav tm="0">
+                                          <p:val>
+                                            <p:strVal val="#ppt_y+.1"/>
+                                          </p:val>
+                                        </p:tav>
+                                        <p:tav tm="100000">
+                                          <p:val>
+                                            <p:strVal val="#ppt_y"/>
+                                          </p:val>
+                                        </p:tav>
+                                      </p:tavLst>
+                                    </p:anim>
+                                  </p:childTnLst>
+                                </p:cTn>
+                              </p:par>
+                              <p:par>
+                                <p:cTn id="54" presetID="42" presetClass="entr" presetSubtype="0" fill="hold" grpId="0" nodeType="withEffect">
+                                  <p:stCondLst>
+                                    <p:cond delay="0"/>
+                                  </p:stCondLst>
+                                  <p:childTnLst>
+                                    <p:set>
+                                      <p:cBhvr>
+                                        <p:cTn id="58" dur="1" fill="hold">
+                                          <p:stCondLst>
+                                            <p:cond delay="0"/>
+                                          </p:stCondLst>
+                                        </p:cTn>
+                                        <p:tgtEl>
+                                          <p:spTgt spid="0"/>
+                                        </p:tgtEl>
+                                        <p:attrNameLst>
+                                          <p:attrName>style.visibility</p:attrName>
+                                        </p:attrNameLst>
+                                      </p:cBhvr>
+                                      <p:to>
+                                        <p:strVal val="visible"/>
+                                      </p:to>
+                                    </p:set>
+                                    <p:animEffect transition="in" filter="fade">
+                                      <p:cBhvr>
+                                        <p:cTn id="57" dur="1000"/>
+                                        <p:tgtEl>
+                                          <p:spTgt spid="0"/>
+                                        </p:tgtEl>
+                                      </p:cBhvr>
+                                    </p:animEffect>
+                                    <p:anim calcmode="lin" valueType="num">
+                                      <p:cBhvr>
+                                        <p:cTn id="56" dur="1000" fill="hold"/>
+                                        <p:tgtEl>
+                                          <p:spTgt spid="0"/>
+                                        </p:tgtEl>
+                                        <p:attrNameLst>
+                                          <p:attrName>ppt_x</p:attrName>
+                                        </p:attrNameLst>
+                                      </p:cBhvr>
+                                      <p:tavLst>
+                                        <p:tav tm="0">
+                                          <p:val>
+                                            <p:strVal val="#ppt_x"/>
+                                          </p:val>
+                                        </p:tav>
+                                        <p:tav tm="100000">
+                                          <p:val>
+                                            <p:strVal val="#ppt_x"/>
+                                          </p:val>
+                                        </p:tav>
+                                      </p:tavLst>
+                                    </p:anim>
+                                    <p:anim calcmode="lin" valueType="num">
+                                      <p:cBhvr>
+                                        <p:cTn id="55" dur="1000" fill="hold"/>
+                                        <p:tgtEl>
+                                          <p:spTgt spid="0"/>
+                                        </p:tgtEl>
+                                        <p:attrNameLst>
+                                          <p:attrName>ppt_y</p:attrName>
+                                        </p:attrNameLst>
+                                      </p:cBhvr>
+                                      <p:tavLst>
+                                        <p:tav tm="0">
+                                          <p:val>
+                                            <p:strVal val="#ppt_y+.1"/>
+                                          </p:val>
+                                        </p:tav>
+                                        <p:tav tm="100000">
+                                          <p:val>
+                                            <p:strVal val="#ppt_y"/>
+                                          </p:val>
+                                        </p:tav>
+                                      </p:tavLst>
+                                    </p:anim>
+                                  </p:childTnLst>
+                                </p:cTn>
+                              </p:par>
+                              <p:par>
+                                <p:cTn id="49" presetID="42" presetClass="entr" presetSubtype="0" fill="hold" grpId="0" nodeType="withEffect">
+                                  <p:stCondLst>
+                                    <p:cond delay="0"/>
+                                  </p:stCondLst>
+                                  <p:childTnLst>
+                                    <p:set>
+                                      <p:cBhvr>
+                                        <p:cTn id="53" dur="1" fill="hold">
+                                          <p:stCondLst>
+                                            <p:cond delay="0"/>
+                                          </p:stCondLst>
+                                        </p:cTn>
+                                        <p:tgtEl>
+                                          <p:spTgt spid="1637101510"/>
+                                        </p:tgtEl>
+                                        <p:attrNameLst>
+                                          <p:attrName>style.visibility</p:attrName>
+                                        </p:attrNameLst>
+                                      </p:cBhvr>
+                                      <p:to>
+                                        <p:strVal val="visible"/>
+                                      </p:to>
+                                    </p:set>
+                                    <p:animEffect transition="in" filter="fade">
+                                      <p:cBhvr>
+                                        <p:cTn id="52" dur="1000"/>
+                                        <p:tgtEl>
+                                          <p:spTgt spid="1637101510"/>
+                                        </p:tgtEl>
+                                      </p:cBhvr>
+                                    </p:animEffect>
+                                    <p:anim calcmode="lin" valueType="num">
+                                      <p:cBhvr>
+                                        <p:cTn id="51" dur="1000" fill="hold"/>
+                                        <p:tgtEl>
+                                          <p:spTgt spid="1637101510"/>
+                                        </p:tgtEl>
+                                        <p:attrNameLst>
+                                          <p:attrName>ppt_x</p:attrName>
+                                        </p:attrNameLst>
+                                      </p:cBhvr>
+                                      <p:tavLst>
+                                        <p:tav tm="0">
+                                          <p:val>
+                                            <p:strVal val="#ppt_x"/>
+                                          </p:val>
+                                        </p:tav>
+                                        <p:tav tm="100000">
+                                          <p:val>
+                                            <p:strVal val="#ppt_x"/>
+                                          </p:val>
+                                        </p:tav>
+                                      </p:tavLst>
+                                    </p:anim>
+                                    <p:anim calcmode="lin" valueType="num">
+                                      <p:cBhvr>
+                                        <p:cTn id="50" dur="1000" fill="hold"/>
+                                        <p:tgtEl>
+                                          <p:spTgt spid="1637101510"/>
+                                        </p:tgtEl>
+                                        <p:attrNameLst>
+                                          <p:attrName>ppt_y</p:attrName>
+                                        </p:attrNameLst>
+                                      </p:cBhvr>
+                                      <p:tavLst>
+                                        <p:tav tm="0">
+                                          <p:val>
+                                            <p:strVal val="#ppt_y+.1"/>
+                                          </p:val>
+                                        </p:tav>
+                                        <p:tav tm="100000">
+                                          <p:val>
+                                            <p:strVal val="#ppt_y"/>
+                                          </p:val>
+                                        </p:tav>
+                                      </p:tavLst>
+                                    </p:anim>
+                                  </p:childTnLst>
+                                </p:cTn>
+                              </p:par>
+                              <p:par>
+                                <p:cTn id="44" presetID="42" presetClass="entr" presetSubtype="0" fill="hold" grpId="0" nodeType="withEffect">
+                                  <p:stCondLst>
+                                    <p:cond delay="0"/>
+                                  </p:stCondLst>
+                                  <p:childTnLst>
+                                    <p:set>
+                                      <p:cBhvr>
+                                        <p:cTn id="48" dur="1" fill="hold">
+                                          <p:stCondLst>
+                                            <p:cond delay="0"/>
+                                          </p:stCondLst>
+                                        </p:cTn>
+                                        <p:tgtEl>
+                                          <p:spTgt spid="285373181"/>
+                                        </p:tgtEl>
+                                        <p:attrNameLst>
+                                          <p:attrName>style.visibility</p:attrName>
+                                        </p:attrNameLst>
+                                      </p:cBhvr>
+                                      <p:to>
+                                        <p:strVal val="visible"/>
+                                      </p:to>
+                                    </p:set>
+                                    <p:animEffect transition="in" filter="fade">
+                                      <p:cBhvr>
+                                        <p:cTn id="47" dur="1000"/>
+                                        <p:tgtEl>
+                                          <p:spTgt spid="285373181"/>
+                                        </p:tgtEl>
+                                      </p:cBhvr>
+                                    </p:animEffect>
+                                    <p:anim calcmode="lin" valueType="num">
+                                      <p:cBhvr>
+                                        <p:cTn id="46" dur="1000" fill="hold"/>
+                                        <p:tgtEl>
+                                          <p:spTgt spid="285373181"/>
+                                        </p:tgtEl>
+                                        <p:attrNameLst>
+                                          <p:attrName>ppt_x</p:attrName>
+                                        </p:attrNameLst>
+                                      </p:cBhvr>
+                                      <p:tavLst>
+                                        <p:tav tm="0">
+                                          <p:val>
+                                            <p:strVal val="#ppt_x"/>
+                                          </p:val>
+                                        </p:tav>
+                                        <p:tav tm="100000">
+                                          <p:val>
+                                            <p:strVal val="#ppt_x"/>
+                                          </p:val>
+                                        </p:tav>
+                                      </p:tavLst>
+                                    </p:anim>
+                                    <p:anim calcmode="lin" valueType="num">
+                                      <p:cBhvr>
+                                        <p:cTn id="45" dur="1000" fill="hold"/>
+                                        <p:tgtEl>
+                                          <p:spTgt spid="285373181"/>
+                                        </p:tgtEl>
+                                        <p:attrNameLst>
+                                          <p:attrName>ppt_y</p:attrName>
+                                        </p:attrNameLst>
+                                      </p:cBhvr>
+                                      <p:tavLst>
+                                        <p:tav tm="0">
+                                          <p:val>
+                                            <p:strVal val="#ppt_y+.1"/>
+                                          </p:val>
+                                        </p:tav>
+                                        <p:tav tm="100000">
+                                          <p:val>
+                                            <p:strVal val="#ppt_y"/>
+                                          </p:val>
+                                        </p:tav>
+                                      </p:tavLst>
+                                    </p:anim>
+                                  </p:childTnLst>
+                                </p:cTn>
+                              </p:par>
+                              <p:par>
+                                <p:cTn id="40" presetID="2" presetClass="entr" presetSubtype="4" fill="hold" grpId="0" nodeType="withEffect">
+                                  <p:stCondLst>
+                                    <p:cond delay="0"/>
+                                  </p:stCondLst>
+                                  <p:childTnLst>
+                                    <p:set>
+                                      <p:cBhvr>
+                                        <p:cTn id="43" dur="1" fill="hold">
+                                          <p:stCondLst>
+                                            <p:cond delay="0"/>
+                                          </p:stCondLst>
+                                        </p:cTn>
+                                        <p:tgtEl>
+                                          <p:spTgt spid="1965615180"/>
+                                        </p:tgtEl>
+                                        <p:attrNameLst>
+                                          <p:attrName>style.visibility</p:attrName>
+                                        </p:attrNameLst>
+                                      </p:cBhvr>
+                                      <p:to>
+                                        <p:strVal val="visible"/>
+                                      </p:to>
+                                    </p:set>
+                                    <p:anim calcmode="lin" valueType="num">
+                                      <p:cBhvr additive="base">
+                                        <p:cTn id="42" dur="500" fill="hold"/>
+                                        <p:tgtEl>
+                                          <p:spTgt spid="1965615180"/>
+                                        </p:tgtEl>
+                                        <p:attrNameLst>
+                                          <p:attrName>ppt_x</p:attrName>
+                                        </p:attrNameLst>
+                                      </p:cBhvr>
+                                      <p:tavLst>
+                                        <p:tav tm="0">
+                                          <p:val>
+                                            <p:strVal val="#ppt_x"/>
+                                          </p:val>
+                                        </p:tav>
+                                        <p:tav tm="100000">
+                                          <p:val>
+                                            <p:strVal val="#ppt_x"/>
+                                          </p:val>
+                                        </p:tav>
+                                      </p:tavLst>
+                                    </p:anim>
+                                    <p:anim calcmode="lin" valueType="num">
+                                      <p:cBhvr additive="base">
+                                        <p:cTn id="41" dur="500" fill="hold"/>
+                                        <p:tgtEl>
+                                          <p:spTgt spid="1965615180"/>
+                                        </p:tgtEl>
+                                        <p:attrNameLst>
+                                          <p:attrName>ppt_y</p:attrName>
+                                        </p:attrNameLst>
+                                      </p:cBhvr>
+                                      <p:tavLst>
+                                        <p:tav tm="0">
+                                          <p:val>
+                                            <p:strVal val="1+#ppt_h/2"/>
+                                          </p:val>
+                                        </p:tav>
+                                        <p:tav tm="100000">
+                                          <p:val>
+                                            <p:strVal val="#ppt_y"/>
+                                          </p:val>
+                                        </p:tav>
+                                      </p:tavLst>
+                                    </p:anim>
+                                  </p:childTnLst>
+                                </p:cTn>
+                              </p:par>
+                              <p:par>
+                                <p:cTn id="35" presetID="42" presetClass="entr" presetSubtype="0" fill="hold" grpId="0" nodeType="withEffect">
+                                  <p:stCondLst>
+                                    <p:cond delay="0"/>
+                                  </p:stCondLst>
+                                  <p:childTnLst>
+                                    <p:set>
+                                      <p:cBhvr>
+                                        <p:cTn id="39" dur="1" fill="hold">
+                                          <p:stCondLst>
+                                            <p:cond delay="0"/>
+                                          </p:stCondLst>
+                                        </p:cTn>
+                                        <p:tgtEl>
+                                          <p:spTgt spid="1243869909"/>
+                                        </p:tgtEl>
+                                        <p:attrNameLst>
+                                          <p:attrName>style.visibility</p:attrName>
+                                        </p:attrNameLst>
+                                      </p:cBhvr>
+                                      <p:to>
+                                        <p:strVal val="visible"/>
+                                      </p:to>
+                                    </p:set>
+                                    <p:animEffect transition="in" filter="fade">
+                                      <p:cBhvr>
+                                        <p:cTn id="38" dur="1000"/>
+                                        <p:tgtEl>
+                                          <p:spTgt spid="1243869909"/>
+                                        </p:tgtEl>
+                                      </p:cBhvr>
+                                    </p:animEffect>
+                                    <p:anim calcmode="lin" valueType="num">
+                                      <p:cBhvr>
+                                        <p:cTn id="37" dur="1000" fill="hold"/>
+                                        <p:tgtEl>
+                                          <p:spTgt spid="1243869909"/>
+                                        </p:tgtEl>
+                                        <p:attrNameLst>
+                                          <p:attrName>ppt_x</p:attrName>
+                                        </p:attrNameLst>
+                                      </p:cBhvr>
+                                      <p:tavLst>
+                                        <p:tav tm="0">
+                                          <p:val>
+                                            <p:strVal val="#ppt_x"/>
+                                          </p:val>
+                                        </p:tav>
+                                        <p:tav tm="100000">
+                                          <p:val>
+                                            <p:strVal val="#ppt_x"/>
+                                          </p:val>
+                                        </p:tav>
+                                      </p:tavLst>
+                                    </p:anim>
+                                    <p:anim calcmode="lin" valueType="num">
+                                      <p:cBhvr>
+                                        <p:cTn id="36" dur="1000" fill="hold"/>
+                                        <p:tgtEl>
+                                          <p:spTgt spid="1243869909"/>
+                                        </p:tgtEl>
+                                        <p:attrNameLst>
+                                          <p:attrName>ppt_y</p:attrName>
+                                        </p:attrNameLst>
+                                      </p:cBhvr>
+                                      <p:tavLst>
+                                        <p:tav tm="0">
+                                          <p:val>
+                                            <p:strVal val="#ppt_y+.1"/>
+                                          </p:val>
+                                        </p:tav>
+                                        <p:tav tm="100000">
+                                          <p:val>
+                                            <p:strVal val="#ppt_y"/>
+                                          </p:val>
+                                        </p:tav>
+                                      </p:tavLst>
+                                    </p:anim>
+                                  </p:childTnLst>
+                                </p:cTn>
+                              </p:par>
+                              <p:par>
+                                <p:cTn id="30" presetID="42" presetClass="exit" presetSubtype="0" fill="hold" grpId="0" nodeType="withEffect">
                                   <p:stCondLst>
                                     <p:cond delay="0"/>
                                   </p:stCondLst>
                                   <p:childTnLst>
                                     <p:animEffect transition="out" filter="fade">
                                       <p:cBhvr>
-                                        <p:cTn id="41" dur="500"/>
+                                        <p:cTn id="34" dur="1000"/>
                                         <p:tgtEl>
-                                          <p:spTgt spid="647124143"/>
+                                          <p:spTgt spid="899525576"/>
                                         </p:tgtEl>
                                       </p:cBhvr>
                                     </p:animEffect>
+                                    <p:anim calcmode="lin" valueType="num">
+                                      <p:cBhvr>
+                                        <p:cTn id="33" dur="1000"/>
+                                        <p:tgtEl>
+                                          <p:spTgt spid="899525576"/>
+                                        </p:tgtEl>
+                                        <p:attrNameLst>
+                                          <p:attrName>ppt_x</p:attrName>
+                                        </p:attrNameLst>
+                                      </p:cBhvr>
+                                      <p:tavLst>
+                                        <p:tav tm="0">
+                                          <p:val>
+                                            <p:strVal val="ppt_x"/>
+                                          </p:val>
+                                        </p:tav>
+                                        <p:tav tm="100000">
+                                          <p:val>
+                                            <p:strVal val="ppt_x"/>
+                                          </p:val>
+                                        </p:tav>
+                                      </p:tavLst>
+                                    </p:anim>
+                                    <p:anim calcmode="lin" valueType="num">
+                                      <p:cBhvr>
+                                        <p:cTn id="32" dur="1000"/>
+                                        <p:tgtEl>
+                                          <p:spTgt spid="899525576"/>
+                                        </p:tgtEl>
+                                        <p:attrNameLst>
+                                          <p:attrName>ppt_y</p:attrName>
+                                        </p:attrNameLst>
+                                      </p:cBhvr>
+                                      <p:tavLst>
+                                        <p:tav tm="0">
+                                          <p:val>
+                                            <p:strVal val="ppt_y"/>
+                                          </p:val>
+                                        </p:tav>
+                                        <p:tav tm="100000">
+                                          <p:val>
+                                            <p:strVal val="ppt_y+.1"/>
+                                          </p:val>
+                                        </p:tav>
+                                      </p:tavLst>
+                                    </p:anim>
                                     <p:set>
                                       <p:cBhvr>
-                                        <p:cTn id="40" dur="1" fill="hold">
+                                        <p:cTn id="31" dur="1" fill="hold">
                                           <p:stCondLst>
-                                            <p:cond delay="499"/>
+                                            <p:cond delay="999"/>
                                           </p:stCondLst>
                                         </p:cTn>
                                         <p:tgtEl>
-                                          <p:spTgt spid="647124143"/>
+                                          <p:spTgt spid="899525576"/>
                                         </p:tgtEl>
                                         <p:attrNameLst>
                                           <p:attrName>style.visibility</p:attrName>
@@ -13350,63 +14251,74 @@
                                 </p:cTn>
                               </p:par>
                               <p:par>
-                                <p:cTn id="36" presetID="10" presetClass="entr" presetSubtype="0" fill="hold" nodeType="withEffect">
-                                  <p:stCondLst>
-                                    <p:cond delay="0"/>
-                                  </p:stCondLst>
-                                  <p:childTnLst>
-                                    <p:set>
-                                      <p:cBhvr>
-                                        <p:cTn id="38" dur="1" fill="hold">
-                                          <p:stCondLst>
-                                            <p:cond delay="0"/>
-                                          </p:stCondLst>
-                                        </p:cTn>
-                                        <p:tgtEl>
-                                          <p:spTgt spid="869721899"/>
-                                        </p:tgtEl>
-                                        <p:attrNameLst>
-                                          <p:attrName>style.visibility</p:attrName>
-                                        </p:attrNameLst>
-                                      </p:cBhvr>
-                                      <p:to>
-                                        <p:strVal val="visible"/>
-                                      </p:to>
-                                    </p:set>
-                                    <p:animEffect transition="in" filter="fade">
-                                      <p:cBhvr>
-                                        <p:cTn id="37" dur="500"/>
-                                        <p:tgtEl>
-                                          <p:spTgt spid="869721899"/>
-                                        </p:tgtEl>
-                                      </p:cBhvr>
-                                    </p:animEffect>
-                                  </p:childTnLst>
-                                </p:cTn>
-                              </p:par>
-                              <p:par>
-                                <p:cTn id="33" presetID="10" presetClass="exit" presetSubtype="0" fill="hold" nodeType="withEffect">
+                                <p:cTn id="25" presetID="42" presetClass="exit" presetSubtype="0" fill="hold" grpId="0" nodeType="withEffect">
                                   <p:stCondLst>
                                     <p:cond delay="0"/>
                                   </p:stCondLst>
                                   <p:childTnLst>
                                     <p:animEffect transition="out" filter="fade">
                                       <p:cBhvr>
-                                        <p:cTn id="35" dur="500"/>
+                                        <p:cTn id="29" dur="1000"/>
                                         <p:tgtEl>
-                                          <p:spTgt spid="944548086"/>
+                                          <p:spTgt spid="1749462775"/>
                                         </p:tgtEl>
                                       </p:cBhvr>
                                     </p:animEffect>
+                                    <p:anim calcmode="lin" valueType="num">
+                                      <p:cBhvr>
+                                        <p:cTn id="28" dur="1000"/>
+                                        <p:tgtEl>
+                                          <p:spTgt spid="1749462775"/>
+                                        </p:tgtEl>
+                                        <p:attrNameLst>
+                                          <p:attrName>ppt_x</p:attrName>
+                                        </p:attrNameLst>
+                                      </p:cBhvr>
+                                      <p:tavLst>
+                                        <p:tav tm="0">
+                                          <p:val>
+                                            <p:strVal val="ppt_x"/>
+                                          </p:val>
+                                        </p:tav>
+                                        <p:tav tm="100000">
+                                          <p:val>
+                                            <p:strVal val="ppt_x"/>
+                                          </p:val>
+                                        </p:tav>
+                                      </p:tavLst>
+                                    </p:anim>
+                                    <p:anim calcmode="lin" valueType="num">
+                                      <p:cBhvr>
+                                        <p:cTn id="27" dur="1000"/>
+                                        <p:tgtEl>
+                                          <p:spTgt spid="1749462775"/>
+                                        </p:tgtEl>
+                                        <p:attrNameLst>
+                                          <p:attrName>ppt_y</p:attrName>
+                                        </p:attrNameLst>
+                                      </p:cBhvr>
+                                      <p:tavLst>
+                                        <p:tav tm="0">
+                                          <p:val>
+                                            <p:strVal val="ppt_y"/>
+                                          </p:val>
+                                        </p:tav>
+                                        <p:tav tm="100000">
+                                          <p:val>
+                                            <p:strVal val="ppt_y+.1"/>
+                                          </p:val>
+                                        </p:tav>
+                                      </p:tavLst>
+                                    </p:anim>
                                     <p:set>
                                       <p:cBhvr>
-                                        <p:cTn id="34" dur="1" fill="hold">
+                                        <p:cTn id="26" dur="1" fill="hold">
                                           <p:stCondLst>
-                                            <p:cond delay="499"/>
+                                            <p:cond delay="999"/>
                                           </p:stCondLst>
                                         </p:cTn>
                                         <p:tgtEl>
-                                          <p:spTgt spid="944548086"/>
+                                          <p:spTgt spid="1749462775"/>
                                         </p:tgtEl>
                                         <p:attrNameLst>
                                           <p:attrName>style.visibility</p:attrName>
@@ -13420,63 +14332,74 @@
                                 </p:cTn>
                               </p:par>
                               <p:par>
-                                <p:cTn id="30" presetID="10" presetClass="entr" presetSubtype="0" fill="hold" nodeType="withEffect">
-                                  <p:stCondLst>
-                                    <p:cond delay="0"/>
-                                  </p:stCondLst>
-                                  <p:childTnLst>
-                                    <p:set>
-                                      <p:cBhvr>
-                                        <p:cTn id="32" dur="1" fill="hold">
-                                          <p:stCondLst>
-                                            <p:cond delay="0"/>
-                                          </p:stCondLst>
-                                        </p:cTn>
-                                        <p:tgtEl>
-                                          <p:spTgt spid="1352887137"/>
-                                        </p:tgtEl>
-                                        <p:attrNameLst>
-                                          <p:attrName>style.visibility</p:attrName>
-                                        </p:attrNameLst>
-                                      </p:cBhvr>
-                                      <p:to>
-                                        <p:strVal val="visible"/>
-                                      </p:to>
-                                    </p:set>
-                                    <p:animEffect transition="in" filter="fade">
-                                      <p:cBhvr>
-                                        <p:cTn id="31" dur="500"/>
-                                        <p:tgtEl>
-                                          <p:spTgt spid="1352887137"/>
-                                        </p:tgtEl>
-                                      </p:cBhvr>
-                                    </p:animEffect>
-                                  </p:childTnLst>
-                                </p:cTn>
-                              </p:par>
-                              <p:par>
-                                <p:cTn id="27" presetID="10" presetClass="exit" presetSubtype="0" fill="hold" grpId="0" nodeType="withEffect">
+                                <p:cTn id="20" presetID="42" presetClass="exit" presetSubtype="0" fill="hold" grpId="0" nodeType="withEffect">
                                   <p:stCondLst>
                                     <p:cond delay="0"/>
                                   </p:stCondLst>
                                   <p:childTnLst>
                                     <p:animEffect transition="out" filter="fade">
                                       <p:cBhvr>
-                                        <p:cTn id="29" dur="500"/>
+                                        <p:cTn id="24" dur="1000"/>
                                         <p:tgtEl>
-                                          <p:spTgt spid="507133766"/>
+                                          <p:spTgt spid="329880187"/>
                                         </p:tgtEl>
                                       </p:cBhvr>
                                     </p:animEffect>
+                                    <p:anim calcmode="lin" valueType="num">
+                                      <p:cBhvr>
+                                        <p:cTn id="23" dur="1000"/>
+                                        <p:tgtEl>
+                                          <p:spTgt spid="329880187"/>
+                                        </p:tgtEl>
+                                        <p:attrNameLst>
+                                          <p:attrName>ppt_x</p:attrName>
+                                        </p:attrNameLst>
+                                      </p:cBhvr>
+                                      <p:tavLst>
+                                        <p:tav tm="0">
+                                          <p:val>
+                                            <p:strVal val="ppt_x"/>
+                                          </p:val>
+                                        </p:tav>
+                                        <p:tav tm="100000">
+                                          <p:val>
+                                            <p:strVal val="ppt_x"/>
+                                          </p:val>
+                                        </p:tav>
+                                      </p:tavLst>
+                                    </p:anim>
+                                    <p:anim calcmode="lin" valueType="num">
+                                      <p:cBhvr>
+                                        <p:cTn id="22" dur="1000"/>
+                                        <p:tgtEl>
+                                          <p:spTgt spid="329880187"/>
+                                        </p:tgtEl>
+                                        <p:attrNameLst>
+                                          <p:attrName>ppt_y</p:attrName>
+                                        </p:attrNameLst>
+                                      </p:cBhvr>
+                                      <p:tavLst>
+                                        <p:tav tm="0">
+                                          <p:val>
+                                            <p:strVal val="ppt_y"/>
+                                          </p:val>
+                                        </p:tav>
+                                        <p:tav tm="100000">
+                                          <p:val>
+                                            <p:strVal val="ppt_y+.1"/>
+                                          </p:val>
+                                        </p:tav>
+                                      </p:tavLst>
+                                    </p:anim>
                                     <p:set>
                                       <p:cBhvr>
-                                        <p:cTn id="28" dur="1" fill="hold">
+                                        <p:cTn id="21" dur="1" fill="hold">
                                           <p:stCondLst>
-                                            <p:cond delay="499"/>
+                                            <p:cond delay="999"/>
                                           </p:stCondLst>
                                         </p:cTn>
                                         <p:tgtEl>
-                                          <p:spTgt spid="507133766"/>
+                                          <p:spTgt spid="329880187"/>
                                         </p:tgtEl>
                                         <p:attrNameLst>
                                           <p:attrName>style.visibility</p:attrName>
@@ -13490,28 +14413,74 @@
                                 </p:cTn>
                               </p:par>
                               <p:par>
-                                <p:cTn id="24" presetID="10" presetClass="exit" presetSubtype="0" fill="hold" grpId="0" nodeType="withEffect">
+                                <p:cTn id="15" presetID="42" presetClass="exit" presetSubtype="0" fill="hold" grpId="0" nodeType="withEffect">
                                   <p:stCondLst>
                                     <p:cond delay="0"/>
                                   </p:stCondLst>
                                   <p:childTnLst>
                                     <p:animEffect transition="out" filter="fade">
                                       <p:cBhvr>
-                                        <p:cTn id="26" dur="500"/>
+                                        <p:cTn id="19" dur="1000"/>
                                         <p:tgtEl>
-                                          <p:spTgt spid="900517534"/>
+                                          <p:spTgt spid="66021719"/>
                                         </p:tgtEl>
                                       </p:cBhvr>
                                     </p:animEffect>
+                                    <p:anim calcmode="lin" valueType="num">
+                                      <p:cBhvr>
+                                        <p:cTn id="18" dur="1000"/>
+                                        <p:tgtEl>
+                                          <p:spTgt spid="66021719"/>
+                                        </p:tgtEl>
+                                        <p:attrNameLst>
+                                          <p:attrName>ppt_x</p:attrName>
+                                        </p:attrNameLst>
+                                      </p:cBhvr>
+                                      <p:tavLst>
+                                        <p:tav tm="0">
+                                          <p:val>
+                                            <p:strVal val="ppt_x"/>
+                                          </p:val>
+                                        </p:tav>
+                                        <p:tav tm="100000">
+                                          <p:val>
+                                            <p:strVal val="ppt_x"/>
+                                          </p:val>
+                                        </p:tav>
+                                      </p:tavLst>
+                                    </p:anim>
+                                    <p:anim calcmode="lin" valueType="num">
+                                      <p:cBhvr>
+                                        <p:cTn id="17" dur="1000"/>
+                                        <p:tgtEl>
+                                          <p:spTgt spid="66021719"/>
+                                        </p:tgtEl>
+                                        <p:attrNameLst>
+                                          <p:attrName>ppt_y</p:attrName>
+                                        </p:attrNameLst>
+                                      </p:cBhvr>
+                                      <p:tavLst>
+                                        <p:tav tm="0">
+                                          <p:val>
+                                            <p:strVal val="ppt_y"/>
+                                          </p:val>
+                                        </p:tav>
+                                        <p:tav tm="100000">
+                                          <p:val>
+                                            <p:strVal val="ppt_y+.1"/>
+                                          </p:val>
+                                        </p:tav>
+                                      </p:tavLst>
+                                    </p:anim>
                                     <p:set>
                                       <p:cBhvr>
-                                        <p:cTn id="25" dur="1" fill="hold">
+                                        <p:cTn id="16" dur="1" fill="hold">
                                           <p:stCondLst>
-                                            <p:cond delay="499"/>
+                                            <p:cond delay="999"/>
                                           </p:stCondLst>
                                         </p:cTn>
                                         <p:tgtEl>
-                                          <p:spTgt spid="900517534"/>
+                                          <p:spTgt spid="66021719"/>
                                         </p:tgtEl>
                                         <p:attrNameLst>
                                           <p:attrName>style.visibility</p:attrName>
@@ -13525,220 +14494,162 @@
                                 </p:cTn>
                               </p:par>
                               <p:par>
-                                <p:cTn id="21" presetID="10" presetClass="entr" presetSubtype="0" fill="hold" grpId="0" nodeType="withEffect">
+                                <p:cTn id="10" presetID="42" presetClass="exit" presetSubtype="0" fill="hold" grpId="0" nodeType="withEffect">
                                   <p:stCondLst>
                                     <p:cond delay="0"/>
                                   </p:stCondLst>
                                   <p:childTnLst>
+                                    <p:animEffect transition="out" filter="fade">
+                                      <p:cBhvr>
+                                        <p:cTn id="14" dur="1000"/>
+                                        <p:tgtEl>
+                                          <p:spTgt spid="63943872"/>
+                                        </p:tgtEl>
+                                      </p:cBhvr>
+                                    </p:animEffect>
+                                    <p:anim calcmode="lin" valueType="num">
+                                      <p:cBhvr>
+                                        <p:cTn id="13" dur="1000"/>
+                                        <p:tgtEl>
+                                          <p:spTgt spid="63943872"/>
+                                        </p:tgtEl>
+                                        <p:attrNameLst>
+                                          <p:attrName>ppt_x</p:attrName>
+                                        </p:attrNameLst>
+                                      </p:cBhvr>
+                                      <p:tavLst>
+                                        <p:tav tm="0">
+                                          <p:val>
+                                            <p:strVal val="ppt_x"/>
+                                          </p:val>
+                                        </p:tav>
+                                        <p:tav tm="100000">
+                                          <p:val>
+                                            <p:strVal val="ppt_x"/>
+                                          </p:val>
+                                        </p:tav>
+                                      </p:tavLst>
+                                    </p:anim>
+                                    <p:anim calcmode="lin" valueType="num">
+                                      <p:cBhvr>
+                                        <p:cTn id="12" dur="1000"/>
+                                        <p:tgtEl>
+                                          <p:spTgt spid="63943872"/>
+                                        </p:tgtEl>
+                                        <p:attrNameLst>
+                                          <p:attrName>ppt_y</p:attrName>
+                                        </p:attrNameLst>
+                                      </p:cBhvr>
+                                      <p:tavLst>
+                                        <p:tav tm="0">
+                                          <p:val>
+                                            <p:strVal val="ppt_y"/>
+                                          </p:val>
+                                        </p:tav>
+                                        <p:tav tm="100000">
+                                          <p:val>
+                                            <p:strVal val="ppt_y+.1"/>
+                                          </p:val>
+                                        </p:tav>
+                                      </p:tavLst>
+                                    </p:anim>
                                     <p:set>
                                       <p:cBhvr>
-                                        <p:cTn id="23" dur="1" fill="hold">
+                                        <p:cTn id="11" dur="1" fill="hold">
                                           <p:stCondLst>
-                                            <p:cond delay="0"/>
+                                            <p:cond delay="999"/>
                                           </p:stCondLst>
                                         </p:cTn>
                                         <p:tgtEl>
-                                          <p:spTgt spid="1760770242"/>
+                                          <p:spTgt spid="63943872"/>
                                         </p:tgtEl>
                                         <p:attrNameLst>
                                           <p:attrName>style.visibility</p:attrName>
                                         </p:attrNameLst>
                                       </p:cBhvr>
                                       <p:to>
-                                        <p:strVal val="visible"/>
+                                        <p:strVal val="hidden"/>
                                       </p:to>
                                     </p:set>
-                                    <p:animEffect transition="in" filter="fade">
-                                      <p:cBhvr>
-                                        <p:cTn id="22" dur="500"/>
-                                        <p:tgtEl>
-                                          <p:spTgt spid="1760770242"/>
-                                        </p:tgtEl>
-                                      </p:cBhvr>
-                                    </p:animEffect>
                                   </p:childTnLst>
                                 </p:cTn>
                               </p:par>
                               <p:par>
-                                <p:cTn id="18" presetID="10" presetClass="entr" presetSubtype="0" fill="hold" nodeType="withEffect">
+                                <p:cTn id="5" presetID="42" presetClass="exit" presetSubtype="0" fill="hold" grpId="0" nodeType="withEffect">
                                   <p:stCondLst>
                                     <p:cond delay="0"/>
                                   </p:stCondLst>
                                   <p:childTnLst>
+                                    <p:animEffect transition="out" filter="fade">
+                                      <p:cBhvr>
+                                        <p:cTn id="9" dur="1000"/>
+                                        <p:tgtEl>
+                                          <p:spTgt spid="275395976"/>
+                                        </p:tgtEl>
+                                      </p:cBhvr>
+                                    </p:animEffect>
+                                    <p:anim calcmode="lin" valueType="num">
+                                      <p:cBhvr>
+                                        <p:cTn id="8" dur="1000"/>
+                                        <p:tgtEl>
+                                          <p:spTgt spid="275395976"/>
+                                        </p:tgtEl>
+                                        <p:attrNameLst>
+                                          <p:attrName>ppt_x</p:attrName>
+                                        </p:attrNameLst>
+                                      </p:cBhvr>
+                                      <p:tavLst>
+                                        <p:tav tm="0">
+                                          <p:val>
+                                            <p:strVal val="ppt_x"/>
+                                          </p:val>
+                                        </p:tav>
+                                        <p:tav tm="100000">
+                                          <p:val>
+                                            <p:strVal val="ppt_x"/>
+                                          </p:val>
+                                        </p:tav>
+                                      </p:tavLst>
+                                    </p:anim>
+                                    <p:anim calcmode="lin" valueType="num">
+                                      <p:cBhvr>
+                                        <p:cTn id="7" dur="1000"/>
+                                        <p:tgtEl>
+                                          <p:spTgt spid="275395976"/>
+                                        </p:tgtEl>
+                                        <p:attrNameLst>
+                                          <p:attrName>ppt_y</p:attrName>
+                                        </p:attrNameLst>
+                                      </p:cBhvr>
+                                      <p:tavLst>
+                                        <p:tav tm="0">
+                                          <p:val>
+                                            <p:strVal val="ppt_y"/>
+                                          </p:val>
+                                        </p:tav>
+                                        <p:tav tm="100000">
+                                          <p:val>
+                                            <p:strVal val="ppt_y+.1"/>
+                                          </p:val>
+                                        </p:tav>
+                                      </p:tavLst>
+                                    </p:anim>
                                     <p:set>
                                       <p:cBhvr>
-                                        <p:cTn id="20" dur="1" fill="hold">
+                                        <p:cTn id="6" dur="1" fill="hold">
                                           <p:stCondLst>
-                                            <p:cond delay="0"/>
+                                            <p:cond delay="999"/>
                                           </p:stCondLst>
                                         </p:cTn>
                                         <p:tgtEl>
-                                          <p:spTgt spid="764710024"/>
+                                          <p:spTgt spid="275395976"/>
                                         </p:tgtEl>
                                         <p:attrNameLst>
                                           <p:attrName>style.visibility</p:attrName>
                                         </p:attrNameLst>
                                       </p:cBhvr>
                                       <p:to>
-                                        <p:strVal val="visible"/>
-                                      </p:to>
-                                    </p:set>
-                                    <p:animEffect transition="in" filter="fade">
-                                      <p:cBhvr>
-                                        <p:cTn id="19" dur="500"/>
-                                        <p:tgtEl>
-                                          <p:spTgt spid="764710024"/>
-                                        </p:tgtEl>
-                                      </p:cBhvr>
-                                    </p:animEffect>
-                                  </p:childTnLst>
-                                </p:cTn>
-                              </p:par>
-                              <p:par>
-                                <p:cTn id="15" presetID="10" presetClass="entr" presetSubtype="0" fill="hold" grpId="0" nodeType="withEffect">
-                                  <p:stCondLst>
-                                    <p:cond delay="0"/>
-                                  </p:stCondLst>
-                                  <p:childTnLst>
-                                    <p:set>
-                                      <p:cBhvr>
-                                        <p:cTn id="17" dur="1" fill="hold">
-                                          <p:stCondLst>
-                                            <p:cond delay="0"/>
-                                          </p:stCondLst>
-                                        </p:cTn>
-                                        <p:tgtEl>
-                                          <p:spTgt spid="530704184"/>
-                                        </p:tgtEl>
-                                        <p:attrNameLst>
-                                          <p:attrName>style.visibility</p:attrName>
-                                        </p:attrNameLst>
-                                      </p:cBhvr>
-                                      <p:to>
-                                        <p:strVal val="visible"/>
-                                      </p:to>
-                                    </p:set>
-                                    <p:animEffect transition="in" filter="fade">
-                                      <p:cBhvr>
-                                        <p:cTn id="16" dur="500"/>
-                                        <p:tgtEl>
-                                          <p:spTgt spid="530704184"/>
-                                        </p:tgtEl>
-                                      </p:cBhvr>
-                                    </p:animEffect>
-                                  </p:childTnLst>
-                                </p:cTn>
-                              </p:par>
-                              <p:par>
-                                <p:cTn id="12" presetID="10" presetClass="entr" presetSubtype="0" fill="hold" grpId="0" nodeType="withEffect">
-                                  <p:stCondLst>
-                                    <p:cond delay="0"/>
-                                  </p:stCondLst>
-                                  <p:childTnLst>
-                                    <p:set>
-                                      <p:cBhvr>
-                                        <p:cTn id="14" dur="1" fill="hold">
-                                          <p:stCondLst>
-                                            <p:cond delay="0"/>
-                                          </p:stCondLst>
-                                        </p:cTn>
-                                        <p:tgtEl>
-                                          <p:spTgt spid="1844800623"/>
-                                        </p:tgtEl>
-                                        <p:attrNameLst>
-                                          <p:attrName>style.visibility</p:attrName>
-                                        </p:attrNameLst>
-                                      </p:cBhvr>
-                                      <p:to>
-                                        <p:strVal val="visible"/>
-                                      </p:to>
-                                    </p:set>
-                                    <p:animEffect transition="in" filter="fade">
-                                      <p:cBhvr>
-                                        <p:cTn id="13" dur="500"/>
-                                        <p:tgtEl>
-                                          <p:spTgt spid="1844800623"/>
-                                        </p:tgtEl>
-                                      </p:cBhvr>
-                                    </p:animEffect>
-                                  </p:childTnLst>
-                                </p:cTn>
-                              </p:par>
-                              <p:par>
-                                <p:cTn id="9" presetID="10" presetClass="entr" presetSubtype="0" fill="hold" grpId="0" nodeType="withEffect">
-                                  <p:stCondLst>
-                                    <p:cond delay="0"/>
-                                  </p:stCondLst>
-                                  <p:childTnLst>
-                                    <p:set>
-                                      <p:cBhvr>
-                                        <p:cTn id="11" dur="1" fill="hold">
-                                          <p:stCondLst>
-                                            <p:cond delay="0"/>
-                                          </p:stCondLst>
-                                        </p:cTn>
-                                        <p:tgtEl>
-                                          <p:spTgt spid="1641161171"/>
-                                        </p:tgtEl>
-                                        <p:attrNameLst>
-                                          <p:attrName>style.visibility</p:attrName>
-                                        </p:attrNameLst>
-                                      </p:cBhvr>
-                                      <p:to>
-                                        <p:strVal val="visible"/>
-                                      </p:to>
-                                    </p:set>
-                                    <p:animEffect transition="in" filter="fade">
-                                      <p:cBhvr>
-                                        <p:cTn id="10" dur="500"/>
-                                        <p:tgtEl>
-                                          <p:spTgt spid="1641161171"/>
-                                        </p:tgtEl>
-                                      </p:cBhvr>
-                                    </p:animEffect>
-                                  </p:childTnLst>
-                                </p:cTn>
-                              </p:par>
-                            </p:childTnLst>
-                          </p:cTn>
-                        </p:par>
-                      </p:childTnLst>
-                    </p:cTn>
-                  </p:par>
-                  <p:par>
-                    <p:cTn id="3" fill="hold">
-                      <p:stCondLst>
-                        <p:cond delay="indefinite"/>
-                      </p:stCondLst>
-                      <p:childTnLst>
-                        <p:par>
-                          <p:cTn id="4" fill="hold">
-                            <p:stCondLst>
-                              <p:cond delay="0"/>
-                            </p:stCondLst>
-                            <p:childTnLst>
-                              <p:par>
-                                <p:cTn id="5" presetID="1" presetClass="entr" presetSubtype="0" fill="hold" grpId="0" nodeType="clickEffect">
-                                  <p:stCondLst>
-                                    <p:cond delay="0"/>
-                                  </p:stCondLst>
-                                  <p:childTnLst>
-                                    <p:set>
-                                      <p:cBhvr>
-                                        <p:cTn id="6" dur="1" fill="hold">
-                                          <p:stCondLst>
-                                            <p:cond delay="0"/>
-                                          </p:stCondLst>
-                                        </p:cTn>
-                                        <p:tgtEl>
-                                          <p:spTgt spid="405393230"/>
-                                        </p:tgtEl>
-                                        <p:attrNameLst>
-                                          <p:attrName>style.visibility</p:attrName>
-                                        </p:attrNameLst>
-                                      </p:cBhvr>
-                                      <p:to>
-                                        <p:strVal val="visible"/>
+                                        <p:strVal val="hidden"/>
                                       </p:to>
                                     </p:set>
                                   </p:childTnLst>
@@ -13771,19 +14682,347 @@
         </p:cTn>
       </p:par>
     </p:tnLst>
-    <p:bldLst>
-      <p:bldP spid="900517534" grpId="0" animBg="1"/>
-      <p:bldP spid="507133766" grpId="0" animBg="1"/>
-      <p:bldP spid="1641161171" grpId="0" animBg="1"/>
-      <p:bldP spid="1760770242" grpId="0" animBg="1"/>
-      <p:bldP spid="530704184" grpId="0" animBg="1"/>
-      <p:bldP spid="1844800623" grpId="0" animBg="1"/>
-    </p:bldLst>
   </p:timing>
 </p:sld>
 </file>
 
 <file path=ppt/slides/slide7.xml><?xml version="1.0" encoding="utf-8"?>
+<p:sld xmlns:a="http://schemas.openxmlformats.org/drawingml/2006/main" xmlns:r="http://schemas.openxmlformats.org/officeDocument/2006/relationships" xmlns:p="http://schemas.openxmlformats.org/presentationml/2006/main" xmlns:m="http://schemas.openxmlformats.org/officeDocument/2006/math" xmlns:w="http://schemas.openxmlformats.org/wordprocessingml/2006/main" xmlns:mc="http://schemas.openxmlformats.org/markup-compatibility/2006" showMasterPhAnim="0" showMasterSp="1" show="1">
+  <p:cSld name="">
+    <p:spTree>
+      <p:nvGrpSpPr>
+        <p:cNvPr id="1" name=""/>
+        <p:cNvGrpSpPr/>
+        <p:nvPr/>
+      </p:nvGrpSpPr>
+      <p:grpSpPr bwMode="auto">
+        <a:xfrm>
+          <a:off x="0" y="0"/>
+          <a:ext cx="0" cy="0"/>
+          <a:chOff x="0" y="0"/>
+          <a:chExt cx="0" cy="0"/>
+        </a:xfrm>
+      </p:grpSpPr>
+      <p:sp>
+        <p:nvSpPr>
+          <p:cNvPr id="1293654394" name="Titel 3"/>
+          <p:cNvSpPr>
+            <a:spLocks noGrp="1"/>
+          </p:cNvSpPr>
+          <p:nvPr>
+            <p:ph type="title" hasCustomPrompt="1"/>
+          </p:nvPr>
+        </p:nvSpPr>
+        <p:spPr bwMode="auto">
+          <a:xfrm>
+            <a:off x="1343025" y="152399"/>
+            <a:ext cx="10656887" cy="468313"/>
+          </a:xfrm>
+          <a:prstGeom prst="rect">
+            <a:avLst/>
+          </a:prstGeom>
+        </p:spPr>
+        <p:txBody>
+          <a:bodyPr lIns="0" tIns="0" rIns="0" bIns="0">
+            <a:normAutofit/>
+          </a:bodyPr>
+          <a:lstStyle>
+            <a:lvl1pPr>
+              <a:defRPr sz="2800"/>
+            </a:lvl1pPr>
+          </a:lstStyle>
+          <a:p>
+            <a:pPr>
+              <a:defRPr/>
+            </a:pPr>
+            <a:endParaRPr/>
+          </a:p>
+        </p:txBody>
+      </p:sp>
+      <p:sp>
+        <p:nvSpPr>
+          <p:cNvPr id="1138633348" name="Textplatzhalter 7"/>
+          <p:cNvSpPr>
+            <a:spLocks noGrp="1"/>
+          </p:cNvSpPr>
+          <p:nvPr/>
+        </p:nvSpPr>
+        <p:spPr bwMode="auto">
+          <a:xfrm flipH="0" flipV="0">
+            <a:off x="7459788" y="4939177"/>
+            <a:ext cx="4053438" cy="4333295"/>
+          </a:xfrm>
+          <a:prstGeom prst="rect">
+            <a:avLst/>
+          </a:prstGeom>
+        </p:spPr>
+        <p:txBody>
+          <a:bodyPr vertOverflow="overflow" horzOverflow="overflow" vert="horz" wrap="square" lIns="91440" tIns="45720" rIns="91440" bIns="45720" numCol="1" spcCol="0" rtlCol="0" fromWordArt="0" anchor="t" anchorCtr="0" forceAA="0" upright="0" compatLnSpc="0">
+            <a:normAutofit/>
+          </a:bodyPr>
+          <a:lstStyle>
+            <a:lvl1pPr marL="228600" indent="-228600" algn="l" defTabSz="914400">
+              <a:lnSpc>
+                <a:spcPct val="90000"/>
+              </a:lnSpc>
+              <a:spcBef>
+                <a:spcPts val="998"/>
+              </a:spcBef>
+              <a:buFont typeface="Arial"/>
+              <a:buChar char="•"/>
+              <a:defRPr sz="2000">
+                <a:solidFill>
+                  <a:schemeClr val="tx1"/>
+                </a:solidFill>
+                <a:latin typeface="Roboto"/>
+                <a:ea typeface="Roboto"/>
+                <a:cs typeface="Roboto"/>
+              </a:defRPr>
+            </a:lvl1pPr>
+            <a:lvl2pPr marL="685800" indent="-228600" algn="l" defTabSz="914400">
+              <a:lnSpc>
+                <a:spcPct val="90000"/>
+              </a:lnSpc>
+              <a:spcBef>
+                <a:spcPts val="498"/>
+              </a:spcBef>
+              <a:buFont typeface="Arial"/>
+              <a:buChar char="•"/>
+              <a:defRPr sz="2000">
+                <a:solidFill>
+                  <a:schemeClr val="tx1"/>
+                </a:solidFill>
+                <a:latin typeface="Roboto"/>
+                <a:ea typeface="Roboto"/>
+                <a:cs typeface="Roboto"/>
+              </a:defRPr>
+            </a:lvl2pPr>
+            <a:lvl3pPr marL="1143000" indent="-228600" algn="l" defTabSz="914400">
+              <a:lnSpc>
+                <a:spcPct val="90000"/>
+              </a:lnSpc>
+              <a:spcBef>
+                <a:spcPts val="498"/>
+              </a:spcBef>
+              <a:buFont typeface="Arial"/>
+              <a:buChar char="•"/>
+              <a:defRPr sz="2000">
+                <a:solidFill>
+                  <a:schemeClr val="tx1"/>
+                </a:solidFill>
+                <a:latin typeface="Roboto"/>
+                <a:ea typeface="Roboto"/>
+                <a:cs typeface="Roboto"/>
+              </a:defRPr>
+            </a:lvl3pPr>
+            <a:lvl4pPr marL="1600200" indent="-228600" algn="l" defTabSz="914400">
+              <a:lnSpc>
+                <a:spcPct val="90000"/>
+              </a:lnSpc>
+              <a:spcBef>
+                <a:spcPts val="498"/>
+              </a:spcBef>
+              <a:buFont typeface="Arial"/>
+              <a:buChar char="•"/>
+              <a:defRPr sz="2000">
+                <a:solidFill>
+                  <a:schemeClr val="tx1"/>
+                </a:solidFill>
+                <a:latin typeface="Roboto"/>
+                <a:ea typeface="Roboto"/>
+                <a:cs typeface="Roboto"/>
+              </a:defRPr>
+            </a:lvl4pPr>
+            <a:lvl5pPr marL="2057400" indent="-228600" algn="l" defTabSz="914400">
+              <a:lnSpc>
+                <a:spcPct val="90000"/>
+              </a:lnSpc>
+              <a:spcBef>
+                <a:spcPts val="498"/>
+              </a:spcBef>
+              <a:buFont typeface="Arial"/>
+              <a:buChar char="•"/>
+              <a:defRPr sz="2000">
+                <a:solidFill>
+                  <a:schemeClr val="tx1"/>
+                </a:solidFill>
+                <a:latin typeface="Roboto"/>
+                <a:ea typeface="Roboto"/>
+                <a:cs typeface="Roboto"/>
+              </a:defRPr>
+            </a:lvl5pPr>
+            <a:lvl6pPr marL="2514598" indent="-228600" algn="l" defTabSz="914400">
+              <a:lnSpc>
+                <a:spcPct val="90000"/>
+              </a:lnSpc>
+              <a:spcBef>
+                <a:spcPts val="498"/>
+              </a:spcBef>
+              <a:buFont typeface="Arial"/>
+              <a:buChar char="•"/>
+              <a:defRPr sz="1800">
+                <a:solidFill>
+                  <a:schemeClr val="tx1"/>
+                </a:solidFill>
+                <a:latin typeface="+mn-lt"/>
+                <a:ea typeface="+mn-ea"/>
+                <a:cs typeface="+mn-cs"/>
+              </a:defRPr>
+            </a:lvl6pPr>
+            <a:lvl7pPr marL="2971800" indent="-228600" algn="l" defTabSz="914400">
+              <a:lnSpc>
+                <a:spcPct val="90000"/>
+              </a:lnSpc>
+              <a:spcBef>
+                <a:spcPts val="498"/>
+              </a:spcBef>
+              <a:buFont typeface="Arial"/>
+              <a:buChar char="•"/>
+              <a:defRPr sz="1800">
+                <a:solidFill>
+                  <a:schemeClr val="tx1"/>
+                </a:solidFill>
+                <a:latin typeface="+mn-lt"/>
+                <a:ea typeface="+mn-ea"/>
+                <a:cs typeface="+mn-cs"/>
+              </a:defRPr>
+            </a:lvl7pPr>
+            <a:lvl8pPr marL="3429000" indent="-228600" algn="l" defTabSz="914400">
+              <a:lnSpc>
+                <a:spcPct val="90000"/>
+              </a:lnSpc>
+              <a:spcBef>
+                <a:spcPts val="498"/>
+              </a:spcBef>
+              <a:buFont typeface="Arial"/>
+              <a:buChar char="•"/>
+              <a:defRPr sz="1800">
+                <a:solidFill>
+                  <a:schemeClr val="tx1"/>
+                </a:solidFill>
+                <a:latin typeface="+mn-lt"/>
+                <a:ea typeface="+mn-ea"/>
+                <a:cs typeface="+mn-cs"/>
+              </a:defRPr>
+            </a:lvl8pPr>
+            <a:lvl9pPr marL="3886200" indent="-228600" algn="l" defTabSz="914400">
+              <a:lnSpc>
+                <a:spcPct val="90000"/>
+              </a:lnSpc>
+              <a:spcBef>
+                <a:spcPts val="498"/>
+              </a:spcBef>
+              <a:buFont typeface="Arial"/>
+              <a:buChar char="•"/>
+              <a:defRPr sz="1800">
+                <a:solidFill>
+                  <a:schemeClr val="tx1"/>
+                </a:solidFill>
+                <a:latin typeface="+mn-lt"/>
+                <a:ea typeface="+mn-ea"/>
+                <a:cs typeface="+mn-cs"/>
+              </a:defRPr>
+            </a:lvl9pPr>
+          </a:lstStyle>
+          <a:p>
+            <a:pPr>
+              <a:defRPr/>
+            </a:pPr>
+            <a:r>
+              <a:rPr lang="de-DE" sz="2000" b="0" i="0" u="none" strike="noStrike" cap="none" spc="0">
+                <a:solidFill>
+                  <a:schemeClr val="tx1"/>
+                </a:solidFill>
+                <a:latin typeface="Roboto"/>
+                <a:ea typeface="Roboto"/>
+                <a:cs typeface="Roboto"/>
+              </a:rPr>
+              <a:t>Automatiserte Initialisierung, Ausführung und Auswertung</a:t>
+            </a:r>
+            <a:endParaRPr lang="de-DE" sz="2000" b="0" i="0" u="none" strike="noStrike" cap="none" spc="0">
+              <a:solidFill>
+                <a:schemeClr val="tx1"/>
+              </a:solidFill>
+              <a:latin typeface="Roboto"/>
+              <a:ea typeface="Roboto"/>
+              <a:cs typeface="Roboto"/>
+            </a:endParaRPr>
+          </a:p>
+          <a:p>
+            <a:pPr>
+              <a:defRPr/>
+            </a:pPr>
+            <a:r>
+              <a:rPr lang="de-DE" sz="2000" b="0" i="0" u="none" strike="noStrike" cap="none" spc="0">
+                <a:solidFill>
+                  <a:schemeClr val="tx1"/>
+                </a:solidFill>
+                <a:latin typeface="Roboto"/>
+                <a:ea typeface="Roboto"/>
+                <a:cs typeface="Roboto"/>
+              </a:rPr>
+              <a:t>Entwickler über mögliche Probleme informieren</a:t>
+            </a:r>
+            <a:endParaRPr/>
+          </a:p>
+        </p:txBody>
+      </p:sp>
+      <p:sp>
+        <p:nvSpPr>
+          <p:cNvPr id="1490827929" name=""/>
+          <p:cNvSpPr txBox="1"/>
+          <p:nvPr/>
+        </p:nvSpPr>
+        <p:spPr bwMode="auto">
+          <a:xfrm flipH="0" flipV="0">
+            <a:off x="2077425" y="1381124"/>
+            <a:ext cx="2929574" cy="366119"/>
+          </a:xfrm>
+          <a:prstGeom prst="rect">
+            <a:avLst/>
+          </a:prstGeom>
+          <a:noFill/>
+        </p:spPr>
+        <p:txBody>
+          <a:bodyPr vertOverflow="overflow" horzOverflow="overflow" vert="horz" wrap="square" lIns="91440" tIns="45720" rIns="91440" bIns="45720" numCol="1" spcCol="0" rtlCol="0" fromWordArt="0" anchor="t" anchorCtr="0" forceAA="0" upright="0" compatLnSpc="0">
+            <a:spAutoFit/>
+          </a:bodyPr>
+          <a:p>
+            <a:pPr>
+              <a:defRPr/>
+            </a:pPr>
+            <a:r>
+              <a:rPr>
+                <a:latin typeface="Roboto"/>
+                <a:ea typeface="Roboto"/>
+                <a:cs typeface="Roboto"/>
+              </a:rPr>
+              <a:t>this is a test</a:t>
+            </a:r>
+            <a:endParaRPr>
+              <a:latin typeface="Roboto"/>
+              <a:cs typeface="Roboto"/>
+            </a:endParaRPr>
+          </a:p>
+        </p:txBody>
+      </p:sp>
+    </p:spTree>
+  </p:cSld>
+  <p:clrMapOvr>
+    <a:masterClrMapping/>
+  </p:clrMapOvr>
+  <mc:AlternateContent xmlns:mc="http://schemas.openxmlformats.org/markup-compatibility/2006">
+    <mc:Choice xmlns:p159="http://schemas.microsoft.com/office/powerpoint/2015/09/main" xmlns:p14="http://schemas.microsoft.com/office/powerpoint/2010/main" Requires="p159">
+      <p:transition p14:dur="2000" advClick="1"/>
+    </mc:Choice>
+    <mc:Fallback>
+      <p:transition advClick="1"/>
+    </mc:Fallback>
+  </mc:AlternateContent>
+</p:sld>
+</file>
+
+<file path=ppt/slides/slide8.xml><?xml version="1.0" encoding="utf-8"?>
 <p:sld xmlns:a="http://schemas.openxmlformats.org/drawingml/2006/main" xmlns:r="http://schemas.openxmlformats.org/officeDocument/2006/relationships" xmlns:p="http://schemas.openxmlformats.org/presentationml/2006/main" xmlns:m="http://schemas.openxmlformats.org/officeDocument/2006/math" xmlns:w="http://schemas.openxmlformats.org/wordprocessingml/2006/main" xmlns:mc="http://schemas.openxmlformats.org/markup-compatibility/2006" showMasterPhAnim="0" showMasterSp="1" show="1">
   <p:cSld name="">
     <p:spTree>
@@ -14537,7 +15776,7 @@
 </p:sld>
 </file>
 
-<file path=ppt/slides/slide8.xml><?xml version="1.0" encoding="utf-8"?>
+<file path=ppt/slides/slide9.xml><?xml version="1.0" encoding="utf-8"?>
 <p:sld xmlns:a="http://schemas.openxmlformats.org/drawingml/2006/main" xmlns:r="http://schemas.openxmlformats.org/officeDocument/2006/relationships" xmlns:p="http://schemas.openxmlformats.org/presentationml/2006/main" xmlns:m="http://schemas.openxmlformats.org/officeDocument/2006/math" xmlns:w="http://schemas.openxmlformats.org/wordprocessingml/2006/main" xmlns:mc="http://schemas.openxmlformats.org/markup-compatibility/2006" showMasterPhAnim="0" showMasterSp="1" show="1">
   <p:cSld name="">
     <p:spTree>
@@ -14799,264 +16038,6 @@
           </a:prstGeom>
         </p:spPr>
       </p:pic>
-    </p:spTree>
-  </p:cSld>
-  <p:clrMapOvr>
-    <a:masterClrMapping/>
-  </p:clrMapOvr>
-  <mc:AlternateContent xmlns:mc="http://schemas.openxmlformats.org/markup-compatibility/2006">
-    <mc:Choice xmlns:p159="http://schemas.microsoft.com/office/powerpoint/2015/09/main" xmlns:p14="http://schemas.microsoft.com/office/powerpoint/2010/main" Requires="p159">
-      <p:transition p14:dur="2000" advClick="1"/>
-    </mc:Choice>
-    <mc:Fallback>
-      <p:transition advClick="1"/>
-    </mc:Fallback>
-  </mc:AlternateContent>
-</p:sld>
-</file>
-
-<file path=ppt/slides/slide9.xml><?xml version="1.0" encoding="utf-8"?>
-<p:sld xmlns:a="http://schemas.openxmlformats.org/drawingml/2006/main" xmlns:r="http://schemas.openxmlformats.org/officeDocument/2006/relationships" xmlns:p="http://schemas.openxmlformats.org/presentationml/2006/main" xmlns:m="http://schemas.openxmlformats.org/officeDocument/2006/math" xmlns:w="http://schemas.openxmlformats.org/wordprocessingml/2006/main" xmlns:mc="http://schemas.openxmlformats.org/markup-compatibility/2006" showMasterPhAnim="0" showMasterSp="1" show="1">
-  <p:cSld name="">
-    <p:spTree>
-      <p:nvGrpSpPr>
-        <p:cNvPr id="1" name=""/>
-        <p:cNvGrpSpPr/>
-        <p:nvPr/>
-      </p:nvGrpSpPr>
-      <p:grpSpPr bwMode="auto">
-        <a:xfrm>
-          <a:off x="0" y="0"/>
-          <a:ext cx="0" cy="0"/>
-          <a:chOff x="0" y="0"/>
-          <a:chExt cx="0" cy="0"/>
-        </a:xfrm>
-      </p:grpSpPr>
-      <p:sp>
-        <p:nvSpPr>
-          <p:cNvPr id="2052760186" name="Titel 1"/>
-          <p:cNvSpPr>
-            <a:spLocks noGrp="1"/>
-          </p:cNvSpPr>
-          <p:nvPr>
-            <p:ph type="title"/>
-          </p:nvPr>
-        </p:nvSpPr>
-        <p:spPr bwMode="auto"/>
-        <p:txBody>
-          <a:bodyPr/>
-          <a:lstStyle/>
-          <a:p>
-            <a:pPr>
-              <a:defRPr/>
-            </a:pPr>
-            <a:r>
-              <a:rPr lang="de-DE" sz="2800" b="1" i="0" u="none" strike="noStrike" cap="none" spc="0">
-                <a:solidFill>
-                  <a:schemeClr val="bg1"/>
-                </a:solidFill>
-                <a:latin typeface="Roboto"/>
-                <a:ea typeface="Roboto"/>
-                <a:cs typeface="Roboto"/>
-              </a:rPr>
-              <a:t>Implementierung</a:t>
-            </a:r>
-            <a:endParaRPr/>
-          </a:p>
-        </p:txBody>
-      </p:sp>
-      <p:sp>
-        <p:nvSpPr>
-          <p:cNvPr id="1635374208" name="Textplatzhalter 4"/>
-          <p:cNvSpPr>
-            <a:spLocks noGrp="1"/>
-          </p:cNvSpPr>
-          <p:nvPr>
-            <p:ph type="body" sz="quarter" idx="12"/>
-          </p:nvPr>
-        </p:nvSpPr>
-        <p:spPr bwMode="auto">
-          <a:xfrm flipH="0" flipV="0">
-            <a:off x="571120" y="2181794"/>
-            <a:ext cx="4026344" cy="3636267"/>
-          </a:xfrm>
-        </p:spPr>
-        <p:txBody>
-          <a:bodyPr vertOverflow="overflow" horzOverflow="overflow" vert="horz" wrap="square" lIns="0" tIns="0" rIns="0" bIns="0" numCol="1" spcCol="0" rtlCol="0" fromWordArt="0" anchor="t" anchorCtr="0" forceAA="0" upright="0" compatLnSpc="0">
-            <a:normAutofit fontScale="60000" lnSpcReduction="8000"/>
-          </a:bodyPr>
-          <a:lstStyle/>
-          <a:p>
-            <a:pPr>
-              <a:defRPr/>
-            </a:pPr>
-            <a:r>
-              <a:rPr lang="de-DE" sz="2800"/>
-              <a:t>Laden von Parametersätzen, abhängig von Szenario und Fahrzeug</a:t>
-            </a:r>
-            <a:endParaRPr sz="2800"/>
-          </a:p>
-          <a:p>
-            <a:pPr>
-              <a:defRPr/>
-            </a:pPr>
-            <a:r>
-              <a:rPr lang="de-DE" sz="2800"/>
-              <a:t>Umgebungsklasse stellt definierte Anfangszustände durch Laden von Fahrzeugparametern und Initialisierung der Simulation her</a:t>
-            </a:r>
-            <a:endParaRPr sz="2800"/>
-          </a:p>
-          <a:p>
-            <a:pPr>
-              <a:defRPr/>
-            </a:pPr>
-            <a:r>
-              <a:rPr lang="de-DE" sz="2800"/>
-              <a:t>Jedes Szenario existiert als eigene Testklasse</a:t>
-            </a:r>
-            <a:endParaRPr sz="2800"/>
-          </a:p>
-          <a:p>
-            <a:pPr>
-              <a:defRPr/>
-            </a:pPr>
-            <a:r>
-              <a:rPr lang="de-DE" sz="2800"/>
-              <a:t>Testrunner</a:t>
-            </a:r>
-            <a:r>
-              <a:rPr lang="de-DE" sz="2800"/>
-              <a:t> führt Testsuite aus, sorgt für Korrekten Ablauf von Setup- und </a:t>
-            </a:r>
-            <a:r>
-              <a:rPr lang="de-DE" sz="2800"/>
-              <a:t>Teardown</a:t>
-            </a:r>
-            <a:r>
-              <a:rPr lang="de-DE" sz="2800"/>
-              <a:t>-Funktionen und erstellt Testbericht</a:t>
-            </a:r>
-            <a:endParaRPr sz="2800"/>
-          </a:p>
-          <a:p>
-            <a:pPr>
-              <a:defRPr/>
-            </a:pPr>
-            <a:r>
-              <a:rPr lang="de-DE" sz="2800"/>
-              <a:t>KPIs werden dynamisch vor Ausführung einer Simulation geladen</a:t>
-            </a:r>
-            <a:endParaRPr sz="2800"/>
-          </a:p>
-        </p:txBody>
-      </p:sp>
-      <p:pic>
-        <p:nvPicPr>
-          <p:cNvPr id="208325816" name="Grafik 9"/>
-          <p:cNvPicPr>
-            <a:picLocks noChangeAspect="1"/>
-          </p:cNvPicPr>
-          <p:nvPr/>
-        </p:nvPicPr>
-        <p:blipFill>
-          <a:blip r:embed="rId3">
-            <a:extLst>
-              <a:ext uri="{96DAC541-7B7A-43D3-8B79-37D633B846F1}">
-                <asvg:svgBlip xmlns:asvg="http://schemas.microsoft.com/office/drawing/2016/SVG/main" r:embed="rId4"/>
-              </a:ext>
-            </a:extLst>
-          </a:blip>
-          <a:stretch/>
-        </p:blipFill>
-        <p:spPr bwMode="auto">
-          <a:xfrm flipH="0" flipV="0">
-            <a:off x="5536730" y="1882335"/>
-            <a:ext cx="5587455" cy="3756648"/>
-          </a:xfrm>
-          <a:prstGeom prst="rect">
-            <a:avLst/>
-          </a:prstGeom>
-        </p:spPr>
-      </p:pic>
-      <p:sp>
-        <p:nvSpPr>
-          <p:cNvPr id="1250794176" name="Textplatzhalter 7"/>
-          <p:cNvSpPr>
-            <a:spLocks noGrp="1"/>
-          </p:cNvSpPr>
-          <p:nvPr>
-            <p:ph type="body" sz="quarter" idx="13" hasCustomPrompt="1"/>
-          </p:nvPr>
-        </p:nvSpPr>
-        <p:spPr bwMode="auto">
-          <a:xfrm>
-            <a:off x="192087" y="908049"/>
-            <a:ext cx="11807824" cy="928369"/>
-          </a:xfrm>
-          <a:prstGeom prst="rect">
-            <a:avLst/>
-          </a:prstGeom>
-        </p:spPr>
-        <p:txBody>
-          <a:bodyPr lIns="0" tIns="0" rIns="0" bIns="0">
-            <a:normAutofit/>
-          </a:bodyPr>
-          <a:lstStyle>
-            <a:lvl1pPr marL="0" indent="0">
-              <a:buFont typeface="Arial"/>
-              <a:buNone/>
-              <a:defRPr sz="2400" b="1">
-                <a:solidFill>
-                  <a:schemeClr val="tx1"/>
-                </a:solidFill>
-                <a:latin typeface="Roboto"/>
-                <a:ea typeface="Roboto"/>
-              </a:defRPr>
-            </a:lvl1pPr>
-            <a:lvl2pPr>
-              <a:defRPr sz="2400">
-                <a:latin typeface="Roboto"/>
-                <a:ea typeface="Roboto"/>
-              </a:defRPr>
-            </a:lvl2pPr>
-            <a:lvl3pPr>
-              <a:defRPr sz="2000">
-                <a:latin typeface="Roboto"/>
-                <a:ea typeface="Roboto"/>
-              </a:defRPr>
-            </a:lvl3pPr>
-            <a:lvl4pPr>
-              <a:defRPr sz="2000">
-                <a:latin typeface="Roboto"/>
-                <a:ea typeface="Roboto"/>
-              </a:defRPr>
-            </a:lvl4pPr>
-            <a:lvl5pPr>
-              <a:defRPr sz="2000">
-                <a:latin typeface="Roboto"/>
-                <a:ea typeface="Roboto"/>
-              </a:defRPr>
-            </a:lvl5pPr>
-          </a:lstStyle>
-          <a:p>
-            <a:pPr>
-              <a:defRPr/>
-            </a:pPr>
-            <a:r>
-              <a:rPr lang="de-DE" sz="2400" b="1" i="0" u="none" strike="noStrike" cap="none" spc="0">
-                <a:solidFill>
-                  <a:schemeClr val="tx1"/>
-                </a:solidFill>
-                <a:latin typeface="Roboto"/>
-                <a:ea typeface="Roboto"/>
-                <a:cs typeface="Roboto"/>
-              </a:rPr>
-              <a:t>Ablauf eines Testskriptes</a:t>
-            </a:r>
-            <a:endParaRPr/>
-          </a:p>
-        </p:txBody>
-      </p:sp>
     </p:spTree>
   </p:cSld>
   <p:clrMapOvr>

--- a/defense/praktikum_defense.pptx
+++ b/defense/praktikum_defense.pptx
@@ -7686,7 +7686,7 @@
         </p:nvSpPr>
         <p:spPr bwMode="auto">
           <a:xfrm>
-            <a:off x="334962" y="4938394"/>
+            <a:off x="334962" y="4938393"/>
             <a:ext cx="11556999" cy="1262379"/>
           </a:xfrm>
           <a:prstGeom prst="rect">
@@ -7880,7 +7880,7 @@
             </a:r>
             <a:r>
               <a:rPr lang="de-DE" sz="2800"/>
-              <a:t> führt Testsuite aus, sorgt für Korrekten Ablauf von Setup- und </a:t>
+              <a:t> führt Test Suite aus, sorgt für Korrekten Ablauf von Setup- und </a:t>
             </a:r>
             <a:r>
               <a:rPr lang="de-DE" sz="2800"/>
@@ -8945,14 +8945,18 @@
                           <a:solidFill>
                             <a:schemeClr val="bg1"/>
                           </a:solidFill>
+                          <a:latin typeface="Roboto"/>
+                          <a:ea typeface="Roboto"/>
+                          <a:cs typeface="Roboto"/>
                         </a:rPr>
                         <a:t>Scene Identifier</a:t>
                       </a:r>
-                      <a:endParaRPr lang="de-DE" sz="1100" b="1" i="0" u="none" strike="noStrike">
+                      <a:endParaRPr sz="1100" b="1" i="0" u="none" strike="noStrike">
                         <a:solidFill>
                           <a:schemeClr val="bg1"/>
                         </a:solidFill>
-                        <a:latin typeface="Calibri"/>
+                        <a:latin typeface="Roboto"/>
+                        <a:cs typeface="Roboto"/>
                       </a:endParaRPr>
                     </a:p>
                   </a:txBody>
@@ -9010,14 +9014,18 @@
                           <a:solidFill>
                             <a:schemeClr val="bg1"/>
                           </a:solidFill>
+                          <a:latin typeface="Roboto"/>
+                          <a:ea typeface="Roboto"/>
+                          <a:cs typeface="Roboto"/>
                         </a:rPr>
                         <a:t>Beschreibung</a:t>
                       </a:r>
-                      <a:endParaRPr lang="de-DE" sz="1100" b="1" i="0" u="none" strike="noStrike">
+                      <a:endParaRPr sz="1100" b="1" i="0" u="none" strike="noStrike">
                         <a:solidFill>
                           <a:schemeClr val="bg1"/>
                         </a:solidFill>
-                        <a:latin typeface="Calibri"/>
+                        <a:latin typeface="Roboto"/>
+                        <a:cs typeface="Roboto"/>
                       </a:endParaRPr>
                     </a:p>
                   </a:txBody>
@@ -9075,14 +9083,18 @@
                           <a:solidFill>
                             <a:schemeClr val="bg1"/>
                           </a:solidFill>
+                          <a:latin typeface="Roboto"/>
+                          <a:ea typeface="Roboto"/>
+                          <a:cs typeface="Roboto"/>
                         </a:rPr>
                         <a:t>erwartetes Verhalten</a:t>
                       </a:r>
-                      <a:endParaRPr lang="de-DE" sz="1100" b="1" i="0" u="none" strike="noStrike">
+                      <a:endParaRPr sz="1100" b="1" i="0" u="none" strike="noStrike">
                         <a:solidFill>
                           <a:schemeClr val="bg1"/>
                         </a:solidFill>
-                        <a:latin typeface="Calibri"/>
+                        <a:latin typeface="Roboto"/>
+                        <a:cs typeface="Roboto"/>
                       </a:endParaRPr>
                     </a:p>
                   </a:txBody>
@@ -9140,14 +9152,18 @@
                           <a:solidFill>
                             <a:schemeClr val="bg1"/>
                           </a:solidFill>
+                          <a:latin typeface="Roboto"/>
+                          <a:ea typeface="Roboto"/>
+                          <a:cs typeface="Roboto"/>
                         </a:rPr>
                         <a:t>KPI</a:t>
                       </a:r>
-                      <a:endParaRPr lang="de-DE" sz="1100" b="1" i="0" u="none" strike="noStrike">
+                      <a:endParaRPr sz="1100" b="1" i="0" u="none" strike="noStrike">
                         <a:solidFill>
                           <a:schemeClr val="bg1"/>
                         </a:solidFill>
-                        <a:latin typeface="Calibri"/>
+                        <a:latin typeface="Roboto"/>
+                        <a:cs typeface="Roboto"/>
                       </a:endParaRPr>
                     </a:p>
                   </a:txBody>
@@ -9205,14 +9221,18 @@
                           <a:solidFill>
                             <a:schemeClr val="bg1"/>
                           </a:solidFill>
+                          <a:latin typeface="Roboto"/>
+                          <a:ea typeface="Roboto"/>
+                          <a:cs typeface="Roboto"/>
                         </a:rPr>
                         <a:t>Parametrierung</a:t>
                       </a:r>
-                      <a:endParaRPr lang="de-DE" sz="1100" b="1" i="0" u="none" strike="noStrike">
+                      <a:endParaRPr sz="1100" b="1" i="0" u="none" strike="noStrike">
                         <a:solidFill>
                           <a:schemeClr val="bg1"/>
                         </a:solidFill>
-                        <a:latin typeface="Calibri"/>
+                        <a:latin typeface="Roboto"/>
+                        <a:cs typeface="Roboto"/>
                       </a:endParaRPr>
                     </a:p>
                   </a:txBody>
@@ -9268,14 +9288,19 @@
                         </a:defRPr>
                       </a:pPr>
                       <a:r>
-                        <a:rPr lang="de-DE" sz="1100" u="none" strike="noStrike"/>
+                        <a:rPr lang="de-DE" sz="1100" u="none" strike="noStrike">
+                          <a:latin typeface="Roboto"/>
+                          <a:ea typeface="Roboto"/>
+                          <a:cs typeface="Roboto"/>
+                        </a:rPr>
                         <a:t>ACC_Straigth_VelConst</a:t>
                       </a:r>
-                      <a:endParaRPr lang="de-DE" sz="1100" b="0" i="0" u="none" strike="noStrike">
+                      <a:endParaRPr sz="1100" b="0" i="0" u="none" strike="noStrike">
                         <a:solidFill>
                           <a:srgbClr val="000000"/>
                         </a:solidFill>
-                        <a:latin typeface="Calibri"/>
+                        <a:latin typeface="Roboto"/>
+                        <a:cs typeface="Roboto"/>
                       </a:endParaRPr>
                     </a:p>
                   </a:txBody>
@@ -9329,50 +9354,95 @@
                         </a:defRPr>
                       </a:pPr>
                       <a:r>
-                        <a:rPr lang="de-DE" sz="1100" u="none" strike="noStrike"/>
+                        <a:rPr lang="de-DE" sz="1100" u="none" strike="noStrike">
+                          <a:latin typeface="Roboto"/>
+                          <a:ea typeface="Roboto"/>
+                          <a:cs typeface="Roboto"/>
+                        </a:rPr>
                         <a:t>* das Ego startet mit einer Initialgeschwindigkeit auf einer Geraden</a:t>
                       </a:r>
                       <a:br>
-                        <a:rPr lang="de-DE" sz="1100" u="none" strike="noStrike"/>
+                        <a:rPr lang="de-DE" sz="1100" u="none" strike="noStrike">
+                          <a:latin typeface="Roboto"/>
+                          <a:ea typeface="Roboto"/>
+                          <a:cs typeface="Roboto"/>
+                        </a:rPr>
                       </a:br>
                       <a:r>
-                        <a:rPr lang="de-DE" sz="1100" u="none" strike="noStrike"/>
+                        <a:rPr lang="de-DE" sz="1100" u="none" strike="noStrike">
+                          <a:latin typeface="Roboto"/>
+                          <a:ea typeface="Roboto"/>
+                          <a:cs typeface="Roboto"/>
+                        </a:rPr>
                         <a:t>* das Target fährt vor</a:t>
                       </a:r>
                       <a:br>
-                        <a:rPr lang="de-DE" sz="1100" u="none" strike="noStrike"/>
+                        <a:rPr lang="de-DE" sz="1100" u="none" strike="noStrike">
+                          <a:latin typeface="Roboto"/>
+                          <a:ea typeface="Roboto"/>
+                          <a:cs typeface="Roboto"/>
+                        </a:rPr>
                       </a:br>
                       <a:r>
-                        <a:rPr lang="de-DE" sz="1100" u="none" strike="noStrike"/>
+                        <a:rPr lang="de-DE" sz="1100" u="none" strike="noStrike">
+                          <a:latin typeface="Roboto"/>
+                          <a:ea typeface="Roboto"/>
+                          <a:cs typeface="Roboto"/>
+                        </a:rPr>
                         <a:t>dem Ego mit konstanter Geschwindigkeit</a:t>
                       </a:r>
                       <a:br>
-                        <a:rPr lang="de-DE" sz="1100" u="none" strike="noStrike"/>
+                        <a:rPr lang="de-DE" sz="1100" u="none" strike="noStrike">
+                          <a:latin typeface="Roboto"/>
+                          <a:ea typeface="Roboto"/>
+                          <a:cs typeface="Roboto"/>
+                        </a:rPr>
                       </a:br>
                       <a:r>
-                        <a:rPr lang="de-DE" sz="1100" u="none" strike="noStrike"/>
+                        <a:rPr lang="de-DE" sz="1100" u="none" strike="noStrike">
+                          <a:latin typeface="Roboto"/>
+                          <a:ea typeface="Roboto"/>
+                          <a:cs typeface="Roboto"/>
+                        </a:rPr>
                         <a:t>* es </a:t>
                       </a:r>
                       <a:r>
-                        <a:rPr lang="de-DE" sz="1100" u="none" strike="noStrike"/>
+                        <a:rPr lang="de-DE" sz="1100" u="none" strike="noStrike">
+                          <a:latin typeface="Roboto"/>
+                          <a:ea typeface="Roboto"/>
+                          <a:cs typeface="Roboto"/>
+                        </a:rPr>
                         <a:t>exisitiert</a:t>
                       </a:r>
                       <a:r>
-                        <a:rPr lang="de-DE" sz="1100" u="none" strike="noStrike"/>
+                        <a:rPr lang="de-DE" sz="1100" u="none" strike="noStrike">
+                          <a:latin typeface="Roboto"/>
+                          <a:ea typeface="Roboto"/>
+                          <a:cs typeface="Roboto"/>
+                        </a:rPr>
                         <a:t> eine Geschwindigkeitsdifferenz</a:t>
                       </a:r>
                       <a:br>
-                        <a:rPr lang="de-DE" sz="1100" u="none" strike="noStrike"/>
+                        <a:rPr lang="de-DE" sz="1100" u="none" strike="noStrike">
+                          <a:latin typeface="Roboto"/>
+                          <a:ea typeface="Roboto"/>
+                          <a:cs typeface="Roboto"/>
+                        </a:rPr>
                       </a:br>
                       <a:r>
-                        <a:rPr lang="de-DE" sz="1100" u="none" strike="noStrike"/>
+                        <a:rPr lang="de-DE" sz="1100" u="none" strike="noStrike">
+                          <a:latin typeface="Roboto"/>
+                          <a:ea typeface="Roboto"/>
+                          <a:cs typeface="Roboto"/>
+                        </a:rPr>
                         <a:t>* die initiale Zeitlücke weicht von der gewünschten Lücke ab</a:t>
                       </a:r>
-                      <a:endParaRPr lang="de-DE" sz="1100" b="0" i="0" u="none" strike="noStrike">
+                      <a:endParaRPr sz="1100" b="0" i="0" u="none" strike="noStrike">
                         <a:solidFill>
                           <a:srgbClr val="000000"/>
                         </a:solidFill>
-                        <a:latin typeface="Calibri"/>
+                        <a:latin typeface="Roboto"/>
+                        <a:cs typeface="Roboto"/>
                       </a:endParaRPr>
                     </a:p>
                   </a:txBody>
@@ -9426,14 +9496,19 @@
                         </a:defRPr>
                       </a:pPr>
                       <a:r>
-                        <a:rPr lang="de-DE" sz="1100" u="none" strike="noStrike"/>
+                        <a:rPr lang="de-DE" sz="1100" u="none" strike="noStrike">
+                          <a:latin typeface="Roboto"/>
+                          <a:ea typeface="Roboto"/>
+                          <a:cs typeface="Roboto"/>
+                        </a:rPr>
                         <a:t>* das Ego sollte die Geschwindigkeitsdifferenz beseitigen und die gewünschte Zeitlücke herstellen.</a:t>
                       </a:r>
-                      <a:endParaRPr lang="de-DE" sz="1100" b="0" i="0" u="none" strike="noStrike">
+                      <a:endParaRPr sz="1100" b="0" i="0" u="none" strike="noStrike">
                         <a:solidFill>
                           <a:srgbClr val="000000"/>
                         </a:solidFill>
-                        <a:latin typeface="Calibri"/>
+                        <a:latin typeface="Roboto"/>
+                        <a:cs typeface="Roboto"/>
                       </a:endParaRPr>
                     </a:p>
                   </a:txBody>
@@ -9487,51 +9562,96 @@
                         </a:defRPr>
                       </a:pPr>
                       <a:r>
-                        <a:rPr lang="en-US" sz="1100" u="none" strike="noStrike"/>
+                        <a:rPr lang="en-US" sz="1100" u="none" strike="noStrike">
+                          <a:latin typeface="Roboto"/>
+                          <a:ea typeface="Roboto"/>
+                          <a:cs typeface="Roboto"/>
+                        </a:rPr>
                         <a:t>* </a:t>
                       </a:r>
                       <a:r>
-                        <a:rPr lang="en-US" sz="1100" u="none" strike="noStrike"/>
+                        <a:rPr lang="en-US" sz="1100" u="none" strike="noStrike">
+                          <a:latin typeface="Roboto"/>
+                          <a:ea typeface="Roboto"/>
+                          <a:cs typeface="Roboto"/>
+                        </a:rPr>
                         <a:t>a_Long</a:t>
                       </a:r>
                       <a:br>
-                        <a:rPr lang="en-US" sz="1100" u="none" strike="noStrike"/>
+                        <a:rPr lang="en-US" sz="1100" u="none" strike="noStrike">
+                          <a:latin typeface="Roboto"/>
+                          <a:ea typeface="Roboto"/>
+                          <a:cs typeface="Roboto"/>
+                        </a:rPr>
                       </a:br>
                       <a:r>
-                        <a:rPr lang="en-US" sz="1100" u="none" strike="noStrike"/>
+                        <a:rPr lang="en-US" sz="1100" u="none" strike="noStrike">
+                          <a:latin typeface="Roboto"/>
+                          <a:ea typeface="Roboto"/>
+                          <a:cs typeface="Roboto"/>
+                        </a:rPr>
                         <a:t>* </a:t>
                       </a:r>
                       <a:r>
-                        <a:rPr lang="en-US" sz="1100" u="none" strike="noStrike"/>
+                        <a:rPr lang="en-US" sz="1100" u="none" strike="noStrike">
+                          <a:latin typeface="Roboto"/>
+                          <a:ea typeface="Roboto"/>
+                          <a:cs typeface="Roboto"/>
+                        </a:rPr>
                         <a:t>j_Long</a:t>
                       </a:r>
                       <a:br>
-                        <a:rPr lang="en-US" sz="1100" u="none" strike="noStrike"/>
+                        <a:rPr lang="en-US" sz="1100" u="none" strike="noStrike">
+                          <a:latin typeface="Roboto"/>
+                          <a:ea typeface="Roboto"/>
+                          <a:cs typeface="Roboto"/>
+                        </a:rPr>
                       </a:br>
                       <a:r>
-                        <a:rPr lang="en-US" sz="1100" u="none" strike="noStrike"/>
+                        <a:rPr lang="en-US" sz="1100" u="none" strike="noStrike">
+                          <a:latin typeface="Roboto"/>
+                          <a:ea typeface="Roboto"/>
+                          <a:cs typeface="Roboto"/>
+                        </a:rPr>
                         <a:t>* </a:t>
                       </a:r>
                       <a:r>
-                        <a:rPr lang="en-US" sz="1100" u="none" strike="noStrike"/>
+                        <a:rPr lang="en-US" sz="1100" u="none" strike="noStrike">
+                          <a:latin typeface="Roboto"/>
+                          <a:ea typeface="Roboto"/>
+                          <a:cs typeface="Roboto"/>
+                        </a:rPr>
                         <a:t>t_settle</a:t>
                       </a:r>
                       <a:br>
-                        <a:rPr lang="en-US" sz="1100" u="none" strike="noStrike"/>
+                        <a:rPr lang="en-US" sz="1100" u="none" strike="noStrike">
+                          <a:latin typeface="Roboto"/>
+                          <a:ea typeface="Roboto"/>
+                          <a:cs typeface="Roboto"/>
+                        </a:rPr>
                       </a:br>
                       <a:r>
-                        <a:rPr lang="en-US" sz="1100" u="none" strike="noStrike"/>
+                        <a:rPr lang="en-US" sz="1100" u="none" strike="noStrike">
+                          <a:latin typeface="Roboto"/>
+                          <a:ea typeface="Roboto"/>
+                          <a:cs typeface="Roboto"/>
+                        </a:rPr>
                         <a:t>* </a:t>
                       </a:r>
                       <a:r>
-                        <a:rPr lang="en-US" sz="1100" u="none" strike="noStrike"/>
+                        <a:rPr lang="en-US" sz="1100" u="none" strike="noStrike">
+                          <a:latin typeface="Roboto"/>
+                          <a:ea typeface="Roboto"/>
+                          <a:cs typeface="Roboto"/>
+                        </a:rPr>
                         <a:t>t_reaction</a:t>
                       </a:r>
-                      <a:endParaRPr lang="en-US" sz="1100" b="0" i="0" u="none" strike="noStrike">
+                      <a:endParaRPr sz="1100" b="0" i="0" u="none" strike="noStrike">
                         <a:solidFill>
                           <a:srgbClr val="000000"/>
                         </a:solidFill>
-                        <a:latin typeface="Calibri"/>
+                        <a:latin typeface="Roboto"/>
+                        <a:cs typeface="Roboto"/>
                       </a:endParaRPr>
                     </a:p>
                   </a:txBody>
@@ -9585,71 +9705,136 @@
                         </a:defRPr>
                       </a:pPr>
                       <a:r>
-                        <a:rPr lang="en-US" sz="1100" u="none" strike="noStrike"/>
+                        <a:rPr lang="en-US" sz="1100" u="none" strike="noStrike">
+                          <a:latin typeface="Roboto"/>
+                          <a:ea typeface="Roboto"/>
+                          <a:cs typeface="Roboto"/>
+                        </a:rPr>
                         <a:t>* </a:t>
                       </a:r>
                       <a:r>
-                        <a:rPr lang="en-US" sz="1100" u="none" strike="noStrike"/>
+                        <a:rPr lang="en-US" sz="1100" u="none" strike="noStrike">
+                          <a:latin typeface="Roboto"/>
+                          <a:ea typeface="Roboto"/>
+                          <a:cs typeface="Roboto"/>
+                        </a:rPr>
                         <a:t>v_EgoInit</a:t>
                       </a:r>
                       <a:r>
-                        <a:rPr lang="en-US" sz="1100" u="none" strike="noStrike"/>
+                        <a:rPr lang="en-US" sz="1100" u="none" strike="noStrike">
+                          <a:latin typeface="Roboto"/>
+                          <a:ea typeface="Roboto"/>
+                          <a:cs typeface="Roboto"/>
+                        </a:rPr>
                         <a:t> [0.25, 0.75]*</a:t>
                       </a:r>
                       <a:r>
-                        <a:rPr lang="en-US" sz="1100" u="none" strike="noStrike"/>
+                        <a:rPr lang="en-US" sz="1100" u="none" strike="noStrike">
+                          <a:latin typeface="Roboto"/>
+                          <a:ea typeface="Roboto"/>
+                          <a:cs typeface="Roboto"/>
+                        </a:rPr>
                         <a:t>vMax</a:t>
                       </a:r>
                       <a:br>
-                        <a:rPr lang="en-US" sz="1100" u="none" strike="noStrike"/>
+                        <a:rPr lang="en-US" sz="1100" u="none" strike="noStrike">
+                          <a:latin typeface="Roboto"/>
+                          <a:ea typeface="Roboto"/>
+                          <a:cs typeface="Roboto"/>
+                        </a:rPr>
                       </a:br>
                       <a:r>
-                        <a:rPr lang="en-US" sz="1100" u="none" strike="noStrike"/>
+                        <a:rPr lang="en-US" sz="1100" u="none" strike="noStrike">
+                          <a:latin typeface="Roboto"/>
+                          <a:ea typeface="Roboto"/>
+                          <a:cs typeface="Roboto"/>
+                        </a:rPr>
                         <a:t>* </a:t>
                       </a:r>
                       <a:r>
-                        <a:rPr lang="en-US" sz="1100" u="none" strike="noStrike"/>
+                        <a:rPr lang="en-US" sz="1100" u="none" strike="noStrike">
+                          <a:latin typeface="Roboto"/>
+                          <a:ea typeface="Roboto"/>
+                          <a:cs typeface="Roboto"/>
+                        </a:rPr>
                         <a:t>t_gap</a:t>
                       </a:r>
                       <a:r>
-                        <a:rPr lang="en-US" sz="1100" u="none" strike="noStrike"/>
+                        <a:rPr lang="en-US" sz="1100" u="none" strike="noStrike">
+                          <a:latin typeface="Roboto"/>
+                          <a:ea typeface="Roboto"/>
+                          <a:cs typeface="Roboto"/>
+                        </a:rPr>
                         <a:t> [-1, 1]</a:t>
                       </a:r>
                       <a:br>
-                        <a:rPr lang="en-US" sz="1100" u="none" strike="noStrike"/>
+                        <a:rPr lang="en-US" sz="1100" u="none" strike="noStrike">
+                          <a:latin typeface="Roboto"/>
+                          <a:ea typeface="Roboto"/>
+                          <a:cs typeface="Roboto"/>
+                        </a:rPr>
                       </a:br>
                       <a:r>
-                        <a:rPr lang="en-US" sz="1100" u="none" strike="noStrike"/>
+                        <a:rPr lang="en-US" sz="1100" u="none" strike="noStrike">
+                          <a:latin typeface="Roboto"/>
+                          <a:ea typeface="Roboto"/>
+                          <a:cs typeface="Roboto"/>
+                        </a:rPr>
                         <a:t>* </a:t>
                       </a:r>
                       <a:r>
-                        <a:rPr lang="en-US" sz="1100" u="none" strike="noStrike"/>
+                        <a:rPr lang="en-US" sz="1100" u="none" strike="noStrike">
+                          <a:latin typeface="Roboto"/>
+                          <a:ea typeface="Roboto"/>
+                          <a:cs typeface="Roboto"/>
+                        </a:rPr>
                         <a:t>v_diff</a:t>
                       </a:r>
                       <a:r>
-                        <a:rPr lang="en-US" sz="1100" u="none" strike="noStrike"/>
+                        <a:rPr lang="en-US" sz="1100" u="none" strike="noStrike">
+                          <a:latin typeface="Roboto"/>
+                          <a:ea typeface="Roboto"/>
+                          <a:cs typeface="Roboto"/>
+                        </a:rPr>
                         <a:t> [-0.2, 0.2]*</a:t>
                       </a:r>
                       <a:r>
-                        <a:rPr lang="en-US" sz="1100" u="none" strike="noStrike"/>
+                        <a:rPr lang="en-US" sz="1100" u="none" strike="noStrike">
+                          <a:latin typeface="Roboto"/>
+                          <a:ea typeface="Roboto"/>
+                          <a:cs typeface="Roboto"/>
+                        </a:rPr>
                         <a:t>v_EgoInit</a:t>
                       </a:r>
                       <a:br>
-                        <a:rPr lang="en-US" sz="1100" u="none" strike="noStrike"/>
+                        <a:rPr lang="en-US" sz="1100" u="none" strike="noStrike">
+                          <a:latin typeface="Roboto"/>
+                          <a:ea typeface="Roboto"/>
+                          <a:cs typeface="Roboto"/>
+                        </a:rPr>
                       </a:br>
                       <a:r>
-                        <a:rPr lang="en-US" sz="1100" u="none" strike="noStrike"/>
+                        <a:rPr lang="en-US" sz="1100" u="none" strike="noStrike">
+                          <a:latin typeface="Roboto"/>
+                          <a:ea typeface="Roboto"/>
+                          <a:cs typeface="Roboto"/>
+                        </a:rPr>
                         <a:t>* </a:t>
                       </a:r>
                       <a:r>
-                        <a:rPr lang="en-US" sz="1100" u="none" strike="noStrike"/>
+                        <a:rPr lang="en-US" sz="1100" u="none" strike="noStrike">
+                          <a:latin typeface="Roboto"/>
+                          <a:ea typeface="Roboto"/>
+                          <a:cs typeface="Roboto"/>
+                        </a:rPr>
                         <a:t>parameterSet</a:t>
                       </a:r>
-                      <a:endParaRPr lang="en-US" sz="1100" b="0" i="0" u="none" strike="noStrike">
+                      <a:endParaRPr sz="1100" b="0" i="0" u="none" strike="noStrike">
                         <a:solidFill>
                           <a:srgbClr val="000000"/>
                         </a:solidFill>
-                        <a:latin typeface="Calibri"/>
+                        <a:latin typeface="Roboto"/>
+                        <a:cs typeface="Roboto"/>
                       </a:endParaRPr>
                     </a:p>
                   </a:txBody>
@@ -9777,8 +9962,8 @@
         </p:blipFill>
         <p:spPr bwMode="auto">
           <a:xfrm flipH="0" flipV="0">
-            <a:off x="8242468" y="1069202"/>
-            <a:ext cx="3294124" cy="2637824"/>
+            <a:off x="7603861" y="1069201"/>
+            <a:ext cx="3932730" cy="3149198"/>
           </a:xfrm>
           <a:prstGeom prst="rect">
             <a:avLst/>
@@ -10412,8 +10597,8 @@
         </p:blipFill>
         <p:spPr bwMode="auto">
           <a:xfrm flipH="0" flipV="0">
-            <a:off x="1235895" y="1753575"/>
-            <a:ext cx="3592317" cy="3834423"/>
+            <a:off x="581051" y="1455918"/>
+            <a:ext cx="4565019" cy="4872681"/>
           </a:xfrm>
           <a:prstGeom prst="rect">
             <a:avLst/>
@@ -10434,8 +10619,8 @@
         </p:blipFill>
         <p:spPr bwMode="auto">
           <a:xfrm flipH="0" flipV="0">
-            <a:off x="6671468" y="1753575"/>
-            <a:ext cx="3709040" cy="3350845"/>
+            <a:off x="6315679" y="1262172"/>
+            <a:ext cx="5684231" cy="5135285"/>
           </a:xfrm>
           <a:prstGeom prst="rect">
             <a:avLst/>
@@ -12494,7 +12679,7 @@
           <p:nvPr/>
         </p:nvCxnSpPr>
         <p:spPr bwMode="auto">
-          <a:xfrm rot="5399978" flipH="0" flipV="1">
+          <a:xfrm rot="5399977" flipH="0" flipV="1">
             <a:off x="5610493" y="3918651"/>
             <a:ext cx="350653" cy="0"/>
           </a:xfrm>
@@ -13018,7 +13203,7 @@
           </a:bodyPr>
           <a:lstStyle/>
           <a:p>
-            <a:pPr marL="0" marR="0" lvl="0" indent="0" algn="ctr" defTabSz="863993">
+            <a:pPr marL="0" marR="0" lvl="0" indent="0" algn="ctr" defTabSz="863992">
               <a:lnSpc>
                 <a:spcPct val="100000"/>
               </a:lnSpc>
@@ -13094,7 +13279,7 @@
           </a:bodyPr>
           <a:lstStyle/>
           <a:p>
-            <a:pPr marL="0" marR="0" lvl="0" indent="0" algn="ctr" defTabSz="863993">
+            <a:pPr marL="0" marR="0" lvl="0" indent="0" algn="ctr" defTabSz="863992">
               <a:lnSpc>
                 <a:spcPct val="100000"/>
               </a:lnSpc>
@@ -13170,7 +13355,7 @@
           </a:bodyPr>
           <a:lstStyle/>
           <a:p>
-            <a:pPr marL="0" marR="0" lvl="0" indent="0" algn="ctr" defTabSz="863993">
+            <a:pPr marL="0" marR="0" lvl="0" indent="0" algn="ctr" defTabSz="863992">
               <a:lnSpc>
                 <a:spcPct val="100000"/>
               </a:lnSpc>
@@ -13208,7 +13393,7 @@
         </p:nvSpPr>
         <p:spPr bwMode="auto">
           <a:xfrm flipH="0" flipV="0">
-            <a:off x="2808512" y="4129087"/>
+            <a:off x="2808512" y="4129086"/>
             <a:ext cx="1440830" cy="495298"/>
           </a:xfrm>
           <a:prstGeom prst="rect">
@@ -13246,7 +13431,7 @@
           </a:bodyPr>
           <a:lstStyle/>
           <a:p>
-            <a:pPr marL="0" marR="0" lvl="0" indent="0" algn="ctr" defTabSz="863993">
+            <a:pPr marL="0" marR="0" lvl="0" indent="0" algn="ctr" defTabSz="863992">
               <a:lnSpc>
                 <a:spcPct val="100000"/>
               </a:lnSpc>
@@ -13369,7 +13554,7 @@
           <p:nvPr/>
         </p:nvCxnSpPr>
         <p:spPr bwMode="auto">
-          <a:xfrm rot="5399978" flipH="0" flipV="0">
+          <a:xfrm rot="5399977" flipH="0" flipV="0">
             <a:off x="2793599" y="2181599"/>
             <a:ext cx="128445" cy="1988189"/>
           </a:xfrm>
@@ -13415,7 +13600,7 @@
           <p:nvPr/>
         </p:nvCxnSpPr>
         <p:spPr bwMode="auto">
-          <a:xfrm rot="5399978" flipH="1" flipV="0">
+          <a:xfrm rot="5399977" flipH="1" flipV="0">
             <a:off x="3182445" y="678481"/>
             <a:ext cx="247649" cy="4615317"/>
           </a:xfrm>

--- a/defense/praktikum_defense.pptx
+++ b/defense/praktikum_defense.pptx
@@ -699,7 +699,7 @@
       </p:grpSpPr>
       <p:sp>
         <p:nvSpPr>
-          <p:cNvPr id="1735887947" name="Slide Image Placeholder 1"/>
+          <p:cNvPr id="2" name="Slide Image Placeholder 1"/>
           <p:cNvSpPr>
             <a:spLocks noChangeAspect="1" noGrp="1" noRot="1"/>
           </p:cNvSpPr>
@@ -711,7 +711,7 @@
       </p:sp>
       <p:sp>
         <p:nvSpPr>
-          <p:cNvPr id="1315079039" name="Notes Placeholder 2"/>
+          <p:cNvPr id="3" name="Notes Placeholder 2"/>
           <p:cNvSpPr>
             <a:spLocks noGrp="1"/>
           </p:cNvSpPr>
@@ -733,7 +733,7 @@
       </p:sp>
       <p:sp>
         <p:nvSpPr>
-          <p:cNvPr id="807372285" name="Slide Number Placeholder 3"/>
+          <p:cNvPr id="4" name="Slide Number Placeholder 3"/>
           <p:cNvSpPr>
             <a:spLocks noGrp="1"/>
           </p:cNvSpPr>
@@ -749,7 +749,7 @@
             <a:pPr>
               <a:defRPr/>
             </a:pPr>
-            <a:fld id="{81F33CA4-A218-D22C-8205-FEA76CC39815}" type="slidenum">
+            <a:fld id="{FA21AFF1-263F-099E-C0F4-19C33F214603}" type="slidenum">
               <a:rPr/>
               <a:t/>
             </a:fld>
@@ -763,6 +763,349 @@
 </file>
 
 <file path=ppt/notesSlides/notesSlide11.xml><?xml version="1.0" encoding="utf-8"?>
+<p:notes xmlns:a="http://schemas.openxmlformats.org/drawingml/2006/main" xmlns:r="http://schemas.openxmlformats.org/officeDocument/2006/relationships" xmlns:p="http://schemas.openxmlformats.org/presentationml/2006/main" xmlns:m="http://schemas.openxmlformats.org/officeDocument/2006/math" xmlns:w="http://schemas.openxmlformats.org/wordprocessingml/2006/main">
+  <p:cSld name="">
+    <p:spTree>
+      <p:nvGrpSpPr>
+        <p:cNvPr id="1" name=""/>
+        <p:cNvGrpSpPr/>
+        <p:nvPr/>
+      </p:nvGrpSpPr>
+      <p:grpSpPr bwMode="auto">
+        <a:xfrm>
+          <a:off x="0" y="0"/>
+          <a:ext cx="0" cy="0"/>
+          <a:chOff x="0" y="0"/>
+          <a:chExt cx="0" cy="0"/>
+        </a:xfrm>
+      </p:grpSpPr>
+      <p:sp>
+        <p:nvSpPr>
+          <p:cNvPr id="916165767" name="Slide Image Placeholder 1"/>
+          <p:cNvSpPr>
+            <a:spLocks noChangeAspect="1" noGrp="1" noRot="1"/>
+          </p:cNvSpPr>
+          <p:nvPr>
+            <p:ph type="sldImg"/>
+          </p:nvPr>
+        </p:nvSpPr>
+        <p:spPr bwMode="auto"/>
+      </p:sp>
+      <p:sp>
+        <p:nvSpPr>
+          <p:cNvPr id="84185524" name="Notes Placeholder 2"/>
+          <p:cNvSpPr>
+            <a:spLocks noGrp="1"/>
+          </p:cNvSpPr>
+          <p:nvPr>
+            <p:ph type="body" idx="1"/>
+          </p:nvPr>
+        </p:nvSpPr>
+        <p:spPr bwMode="auto"/>
+        <p:txBody>
+          <a:bodyPr/>
+          <a:lstStyle/>
+          <a:p>
+            <a:pPr>
+              <a:defRPr/>
+            </a:pPr>
+            <a:r>
+              <a:rPr lang="de-DE" sz="1200" b="0" i="0" u="none" strike="noStrike" cap="none" spc="0">
+                <a:solidFill>
+                  <a:schemeClr val="tx1"/>
+                </a:solidFill>
+                <a:latin typeface="Arial"/>
+                <a:ea typeface="Arial"/>
+                <a:cs typeface="Arial"/>
+              </a:rPr>
+              <a:t>ISO 15622:2018</a:t>
+            </a:r>
+            <a:r>
+              <a:rPr/>
+              <a:t>,</a:t>
+            </a:r>
+            <a:endParaRPr/>
+          </a:p>
+        </p:txBody>
+      </p:sp>
+      <p:sp>
+        <p:nvSpPr>
+          <p:cNvPr id="374229615" name="Slide Number Placeholder 3"/>
+          <p:cNvSpPr>
+            <a:spLocks noGrp="1"/>
+          </p:cNvSpPr>
+          <p:nvPr>
+            <p:ph type="sldNum" sz="quarter" idx="10"/>
+          </p:nvPr>
+        </p:nvSpPr>
+        <p:spPr bwMode="auto"/>
+        <p:txBody>
+          <a:bodyPr/>
+          <a:lstStyle/>
+          <a:p>
+            <a:pPr>
+              <a:defRPr/>
+            </a:pPr>
+            <a:fld id="{FFAED2AC-8F4A-ADD7-AABB-F7BD0F6E72EC}" type="slidenum">
+              <a:rPr/>
+              <a:t/>
+            </a:fld>
+            <a:endParaRPr/>
+          </a:p>
+        </p:txBody>
+      </p:sp>
+    </p:spTree>
+  </p:cSld>
+</p:notes>
+</file>
+
+<file path=ppt/notesSlides/notesSlide12.xml><?xml version="1.0" encoding="utf-8"?>
+<p:notes xmlns:a="http://schemas.openxmlformats.org/drawingml/2006/main" xmlns:r="http://schemas.openxmlformats.org/officeDocument/2006/relationships" xmlns:p="http://schemas.openxmlformats.org/presentationml/2006/main" xmlns:m="http://schemas.openxmlformats.org/officeDocument/2006/math" xmlns:w="http://schemas.openxmlformats.org/wordprocessingml/2006/main">
+  <p:cSld name="">
+    <p:spTree>
+      <p:nvGrpSpPr>
+        <p:cNvPr id="1" name=""/>
+        <p:cNvGrpSpPr/>
+        <p:nvPr/>
+      </p:nvGrpSpPr>
+      <p:grpSpPr bwMode="auto">
+        <a:xfrm>
+          <a:off x="0" y="0"/>
+          <a:ext cx="0" cy="0"/>
+          <a:chOff x="0" y="0"/>
+          <a:chExt cx="0" cy="0"/>
+        </a:xfrm>
+      </p:grpSpPr>
+      <p:sp>
+        <p:nvSpPr>
+          <p:cNvPr id="1930053806" name="Slide Image Placeholder 1"/>
+          <p:cNvSpPr>
+            <a:spLocks noChangeAspect="1" noGrp="1" noRot="1"/>
+          </p:cNvSpPr>
+          <p:nvPr>
+            <p:ph type="sldImg"/>
+          </p:nvPr>
+        </p:nvSpPr>
+        <p:spPr bwMode="auto"/>
+      </p:sp>
+      <p:sp>
+        <p:nvSpPr>
+          <p:cNvPr id="199281799" name="Notes Placeholder 2"/>
+          <p:cNvSpPr>
+            <a:spLocks noGrp="1"/>
+          </p:cNvSpPr>
+          <p:nvPr>
+            <p:ph type="body" idx="1"/>
+          </p:nvPr>
+        </p:nvSpPr>
+        <p:spPr bwMode="auto"/>
+        <p:txBody>
+          <a:bodyPr/>
+          <a:lstStyle/>
+          <a:p>
+            <a:pPr>
+              <a:defRPr/>
+            </a:pPr>
+            <a:endParaRPr/>
+          </a:p>
+        </p:txBody>
+      </p:sp>
+      <p:sp>
+        <p:nvSpPr>
+          <p:cNvPr id="1884298512" name="Slide Number Placeholder 3"/>
+          <p:cNvSpPr>
+            <a:spLocks noGrp="1"/>
+          </p:cNvSpPr>
+          <p:nvPr>
+            <p:ph type="sldNum" sz="quarter" idx="10"/>
+          </p:nvPr>
+        </p:nvSpPr>
+        <p:spPr bwMode="auto"/>
+        <p:txBody>
+          <a:bodyPr/>
+          <a:lstStyle/>
+          <a:p>
+            <a:pPr>
+              <a:defRPr/>
+            </a:pPr>
+            <a:fld id="{F7481226-C60A-95AE-E5A4-CE642BDF72EB}" type="slidenum">
+              <a:rPr/>
+              <a:t/>
+            </a:fld>
+            <a:endParaRPr/>
+          </a:p>
+        </p:txBody>
+      </p:sp>
+    </p:spTree>
+  </p:cSld>
+</p:notes>
+</file>
+
+<file path=ppt/notesSlides/notesSlide13.xml><?xml version="1.0" encoding="utf-8"?>
+<p:notes xmlns:a="http://schemas.openxmlformats.org/drawingml/2006/main" xmlns:r="http://schemas.openxmlformats.org/officeDocument/2006/relationships" xmlns:p="http://schemas.openxmlformats.org/presentationml/2006/main" xmlns:m="http://schemas.openxmlformats.org/officeDocument/2006/math" xmlns:w="http://schemas.openxmlformats.org/wordprocessingml/2006/main">
+  <p:cSld name="">
+    <p:spTree>
+      <p:nvGrpSpPr>
+        <p:cNvPr id="1" name=""/>
+        <p:cNvGrpSpPr/>
+        <p:nvPr/>
+      </p:nvGrpSpPr>
+      <p:grpSpPr bwMode="auto">
+        <a:xfrm>
+          <a:off x="0" y="0"/>
+          <a:ext cx="0" cy="0"/>
+          <a:chOff x="0" y="0"/>
+          <a:chExt cx="0" cy="0"/>
+        </a:xfrm>
+      </p:grpSpPr>
+      <p:sp>
+        <p:nvSpPr>
+          <p:cNvPr id="698509517" name="Slide Image Placeholder 1"/>
+          <p:cNvSpPr>
+            <a:spLocks noChangeAspect="1" noGrp="1" noRot="1"/>
+          </p:cNvSpPr>
+          <p:nvPr>
+            <p:ph type="sldImg"/>
+          </p:nvPr>
+        </p:nvSpPr>
+        <p:spPr bwMode="auto"/>
+      </p:sp>
+      <p:sp>
+        <p:nvSpPr>
+          <p:cNvPr id="1488535993" name="Notes Placeholder 2"/>
+          <p:cNvSpPr>
+            <a:spLocks noGrp="1"/>
+          </p:cNvSpPr>
+          <p:nvPr>
+            <p:ph type="body" idx="1"/>
+          </p:nvPr>
+        </p:nvSpPr>
+        <p:spPr bwMode="auto"/>
+        <p:txBody>
+          <a:bodyPr/>
+          <a:lstStyle/>
+          <a:p>
+            <a:pPr>
+              <a:defRPr/>
+            </a:pPr>
+            <a:endParaRPr/>
+          </a:p>
+        </p:txBody>
+      </p:sp>
+      <p:sp>
+        <p:nvSpPr>
+          <p:cNvPr id="1526151863" name="Slide Number Placeholder 3"/>
+          <p:cNvSpPr>
+            <a:spLocks noGrp="1"/>
+          </p:cNvSpPr>
+          <p:nvPr>
+            <p:ph type="sldNum" sz="quarter" idx="10"/>
+          </p:nvPr>
+        </p:nvSpPr>
+        <p:spPr bwMode="auto"/>
+        <p:txBody>
+          <a:bodyPr/>
+          <a:lstStyle/>
+          <a:p>
+            <a:pPr>
+              <a:defRPr/>
+            </a:pPr>
+            <a:fld id="{EB025AE8-ED70-482F-01FA-8FC22C58DCDF}" type="slidenum">
+              <a:rPr/>
+              <a:t/>
+            </a:fld>
+            <a:endParaRPr/>
+          </a:p>
+        </p:txBody>
+      </p:sp>
+    </p:spTree>
+  </p:cSld>
+</p:notes>
+</file>
+
+<file path=ppt/notesSlides/notesSlide14.xml><?xml version="1.0" encoding="utf-8"?>
+<p:notes xmlns:a="http://schemas.openxmlformats.org/drawingml/2006/main" xmlns:r="http://schemas.openxmlformats.org/officeDocument/2006/relationships" xmlns:p="http://schemas.openxmlformats.org/presentationml/2006/main" xmlns:m="http://schemas.openxmlformats.org/officeDocument/2006/math" xmlns:w="http://schemas.openxmlformats.org/wordprocessingml/2006/main">
+  <p:cSld name="">
+    <p:spTree>
+      <p:nvGrpSpPr>
+        <p:cNvPr id="1" name=""/>
+        <p:cNvGrpSpPr/>
+        <p:nvPr/>
+      </p:nvGrpSpPr>
+      <p:grpSpPr bwMode="auto">
+        <a:xfrm>
+          <a:off x="0" y="0"/>
+          <a:ext cx="0" cy="0"/>
+          <a:chOff x="0" y="0"/>
+          <a:chExt cx="0" cy="0"/>
+        </a:xfrm>
+      </p:grpSpPr>
+      <p:sp>
+        <p:nvSpPr>
+          <p:cNvPr id="2068330830" name="Slide Image Placeholder 1"/>
+          <p:cNvSpPr>
+            <a:spLocks noChangeAspect="1" noGrp="1" noRot="1"/>
+          </p:cNvSpPr>
+          <p:nvPr>
+            <p:ph type="sldImg"/>
+          </p:nvPr>
+        </p:nvSpPr>
+        <p:spPr bwMode="auto"/>
+      </p:sp>
+      <p:sp>
+        <p:nvSpPr>
+          <p:cNvPr id="828760103" name="Notes Placeholder 2"/>
+          <p:cNvSpPr>
+            <a:spLocks noGrp="1"/>
+          </p:cNvSpPr>
+          <p:nvPr>
+            <p:ph type="body" idx="1"/>
+          </p:nvPr>
+        </p:nvSpPr>
+        <p:spPr bwMode="auto"/>
+        <p:txBody>
+          <a:bodyPr/>
+          <a:lstStyle/>
+          <a:p>
+            <a:pPr>
+              <a:defRPr/>
+            </a:pPr>
+            <a:endParaRPr/>
+          </a:p>
+        </p:txBody>
+      </p:sp>
+      <p:sp>
+        <p:nvSpPr>
+          <p:cNvPr id="1262445792" name="Slide Number Placeholder 3"/>
+          <p:cNvSpPr>
+            <a:spLocks noGrp="1"/>
+          </p:cNvSpPr>
+          <p:nvPr>
+            <p:ph type="sldNum" sz="quarter" idx="10"/>
+          </p:nvPr>
+        </p:nvSpPr>
+        <p:spPr bwMode="auto"/>
+        <p:txBody>
+          <a:bodyPr/>
+          <a:lstStyle/>
+          <a:p>
+            <a:pPr>
+              <a:defRPr/>
+            </a:pPr>
+            <a:fld id="{46108405-1E7B-F374-B5C1-72651EA0730E}" type="slidenum">
+              <a:rPr/>
+              <a:t/>
+            </a:fld>
+            <a:endParaRPr/>
+          </a:p>
+        </p:txBody>
+      </p:sp>
+    </p:spTree>
+  </p:cSld>
+</p:notes>
+</file>
+
+<file path=ppt/notesSlides/notesSlide15.xml><?xml version="1.0" encoding="utf-8"?>
 <p:notes xmlns:a="http://schemas.openxmlformats.org/drawingml/2006/main" xmlns:r="http://schemas.openxmlformats.org/officeDocument/2006/relationships" xmlns:p="http://schemas.openxmlformats.org/presentationml/2006/main" xmlns:m="http://schemas.openxmlformats.org/officeDocument/2006/math" xmlns:w="http://schemas.openxmlformats.org/wordprocessingml/2006/main">
   <p:cSld name="">
     <p:spTree>
@@ -831,350 +1174,7 @@
             <a:pPr>
               <a:defRPr/>
             </a:pPr>
-            <a:fld id="{FA21AFF1-263F-099E-C0F4-19C33F214603}" type="slidenum">
-              <a:rPr/>
-              <a:t/>
-            </a:fld>
-            <a:endParaRPr/>
-          </a:p>
-        </p:txBody>
-      </p:sp>
-    </p:spTree>
-  </p:cSld>
-</p:notes>
-</file>
-
-<file path=ppt/notesSlides/notesSlide12.xml><?xml version="1.0" encoding="utf-8"?>
-<p:notes xmlns:a="http://schemas.openxmlformats.org/drawingml/2006/main" xmlns:r="http://schemas.openxmlformats.org/officeDocument/2006/relationships" xmlns:p="http://schemas.openxmlformats.org/presentationml/2006/main" xmlns:m="http://schemas.openxmlformats.org/officeDocument/2006/math" xmlns:w="http://schemas.openxmlformats.org/wordprocessingml/2006/main">
-  <p:cSld name="">
-    <p:spTree>
-      <p:nvGrpSpPr>
-        <p:cNvPr id="1" name=""/>
-        <p:cNvGrpSpPr/>
-        <p:nvPr/>
-      </p:nvGrpSpPr>
-      <p:grpSpPr bwMode="auto">
-        <a:xfrm>
-          <a:off x="0" y="0"/>
-          <a:ext cx="0" cy="0"/>
-          <a:chOff x="0" y="0"/>
-          <a:chExt cx="0" cy="0"/>
-        </a:xfrm>
-      </p:grpSpPr>
-      <p:sp>
-        <p:nvSpPr>
-          <p:cNvPr id="916165767" name="Slide Image Placeholder 1"/>
-          <p:cNvSpPr>
-            <a:spLocks noChangeAspect="1" noGrp="1" noRot="1"/>
-          </p:cNvSpPr>
-          <p:nvPr>
-            <p:ph type="sldImg"/>
-          </p:nvPr>
-        </p:nvSpPr>
-        <p:spPr bwMode="auto"/>
-      </p:sp>
-      <p:sp>
-        <p:nvSpPr>
-          <p:cNvPr id="84185524" name="Notes Placeholder 2"/>
-          <p:cNvSpPr>
-            <a:spLocks noGrp="1"/>
-          </p:cNvSpPr>
-          <p:nvPr>
-            <p:ph type="body" idx="1"/>
-          </p:nvPr>
-        </p:nvSpPr>
-        <p:spPr bwMode="auto"/>
-        <p:txBody>
-          <a:bodyPr/>
-          <a:lstStyle/>
-          <a:p>
-            <a:pPr>
-              <a:defRPr/>
-            </a:pPr>
-            <a:r>
-              <a:rPr lang="de-DE" sz="1200" b="0" i="0" u="none" strike="noStrike" cap="none" spc="0">
-                <a:solidFill>
-                  <a:schemeClr val="tx1"/>
-                </a:solidFill>
-                <a:latin typeface="Arial"/>
-                <a:ea typeface="Arial"/>
-                <a:cs typeface="Arial"/>
-              </a:rPr>
-              <a:t>ISO 15622:2018</a:t>
-            </a:r>
-            <a:r>
-              <a:rPr/>
-              <a:t>,</a:t>
-            </a:r>
-            <a:endParaRPr/>
-          </a:p>
-        </p:txBody>
-      </p:sp>
-      <p:sp>
-        <p:nvSpPr>
-          <p:cNvPr id="374229615" name="Slide Number Placeholder 3"/>
-          <p:cNvSpPr>
-            <a:spLocks noGrp="1"/>
-          </p:cNvSpPr>
-          <p:nvPr>
-            <p:ph type="sldNum" sz="quarter" idx="10"/>
-          </p:nvPr>
-        </p:nvSpPr>
-        <p:spPr bwMode="auto"/>
-        <p:txBody>
-          <a:bodyPr/>
-          <a:lstStyle/>
-          <a:p>
-            <a:pPr>
-              <a:defRPr/>
-            </a:pPr>
-            <a:fld id="{FFAED2AC-8F4A-ADD7-AABB-F7BD0F6E72EC}" type="slidenum">
-              <a:rPr/>
-              <a:t/>
-            </a:fld>
-            <a:endParaRPr/>
-          </a:p>
-        </p:txBody>
-      </p:sp>
-    </p:spTree>
-  </p:cSld>
-</p:notes>
-</file>
-
-<file path=ppt/notesSlides/notesSlide13.xml><?xml version="1.0" encoding="utf-8"?>
-<p:notes xmlns:a="http://schemas.openxmlformats.org/drawingml/2006/main" xmlns:r="http://schemas.openxmlformats.org/officeDocument/2006/relationships" xmlns:p="http://schemas.openxmlformats.org/presentationml/2006/main" xmlns:m="http://schemas.openxmlformats.org/officeDocument/2006/math" xmlns:w="http://schemas.openxmlformats.org/wordprocessingml/2006/main">
-  <p:cSld name="">
-    <p:spTree>
-      <p:nvGrpSpPr>
-        <p:cNvPr id="1" name=""/>
-        <p:cNvGrpSpPr/>
-        <p:nvPr/>
-      </p:nvGrpSpPr>
-      <p:grpSpPr bwMode="auto">
-        <a:xfrm>
-          <a:off x="0" y="0"/>
-          <a:ext cx="0" cy="0"/>
-          <a:chOff x="0" y="0"/>
-          <a:chExt cx="0" cy="0"/>
-        </a:xfrm>
-      </p:grpSpPr>
-      <p:sp>
-        <p:nvSpPr>
-          <p:cNvPr id="1930053806" name="Slide Image Placeholder 1"/>
-          <p:cNvSpPr>
-            <a:spLocks noChangeAspect="1" noGrp="1" noRot="1"/>
-          </p:cNvSpPr>
-          <p:nvPr>
-            <p:ph type="sldImg"/>
-          </p:nvPr>
-        </p:nvSpPr>
-        <p:spPr bwMode="auto"/>
-      </p:sp>
-      <p:sp>
-        <p:nvSpPr>
-          <p:cNvPr id="199281799" name="Notes Placeholder 2"/>
-          <p:cNvSpPr>
-            <a:spLocks noGrp="1"/>
-          </p:cNvSpPr>
-          <p:nvPr>
-            <p:ph type="body" idx="1"/>
-          </p:nvPr>
-        </p:nvSpPr>
-        <p:spPr bwMode="auto"/>
-        <p:txBody>
-          <a:bodyPr/>
-          <a:lstStyle/>
-          <a:p>
-            <a:pPr>
-              <a:defRPr/>
-            </a:pPr>
-            <a:endParaRPr/>
-          </a:p>
-        </p:txBody>
-      </p:sp>
-      <p:sp>
-        <p:nvSpPr>
-          <p:cNvPr id="1884298512" name="Slide Number Placeholder 3"/>
-          <p:cNvSpPr>
-            <a:spLocks noGrp="1"/>
-          </p:cNvSpPr>
-          <p:nvPr>
-            <p:ph type="sldNum" sz="quarter" idx="10"/>
-          </p:nvPr>
-        </p:nvSpPr>
-        <p:spPr bwMode="auto"/>
-        <p:txBody>
-          <a:bodyPr/>
-          <a:lstStyle/>
-          <a:p>
-            <a:pPr>
-              <a:defRPr/>
-            </a:pPr>
-            <a:fld id="{F7481226-C60A-95AE-E5A4-CE642BDF72EB}" type="slidenum">
-              <a:rPr/>
-              <a:t/>
-            </a:fld>
-            <a:endParaRPr/>
-          </a:p>
-        </p:txBody>
-      </p:sp>
-    </p:spTree>
-  </p:cSld>
-</p:notes>
-</file>
-
-<file path=ppt/notesSlides/notesSlide14.xml><?xml version="1.0" encoding="utf-8"?>
-<p:notes xmlns:a="http://schemas.openxmlformats.org/drawingml/2006/main" xmlns:r="http://schemas.openxmlformats.org/officeDocument/2006/relationships" xmlns:p="http://schemas.openxmlformats.org/presentationml/2006/main" xmlns:m="http://schemas.openxmlformats.org/officeDocument/2006/math" xmlns:w="http://schemas.openxmlformats.org/wordprocessingml/2006/main">
-  <p:cSld name="">
-    <p:spTree>
-      <p:nvGrpSpPr>
-        <p:cNvPr id="1" name=""/>
-        <p:cNvGrpSpPr/>
-        <p:nvPr/>
-      </p:nvGrpSpPr>
-      <p:grpSpPr bwMode="auto">
-        <a:xfrm>
-          <a:off x="0" y="0"/>
-          <a:ext cx="0" cy="0"/>
-          <a:chOff x="0" y="0"/>
-          <a:chExt cx="0" cy="0"/>
-        </a:xfrm>
-      </p:grpSpPr>
-      <p:sp>
-        <p:nvSpPr>
-          <p:cNvPr id="698509517" name="Slide Image Placeholder 1"/>
-          <p:cNvSpPr>
-            <a:spLocks noChangeAspect="1" noGrp="1" noRot="1"/>
-          </p:cNvSpPr>
-          <p:nvPr>
-            <p:ph type="sldImg"/>
-          </p:nvPr>
-        </p:nvSpPr>
-        <p:spPr bwMode="auto"/>
-      </p:sp>
-      <p:sp>
-        <p:nvSpPr>
-          <p:cNvPr id="1488535993" name="Notes Placeholder 2"/>
-          <p:cNvSpPr>
-            <a:spLocks noGrp="1"/>
-          </p:cNvSpPr>
-          <p:nvPr>
-            <p:ph type="body" idx="1"/>
-          </p:nvPr>
-        </p:nvSpPr>
-        <p:spPr bwMode="auto"/>
-        <p:txBody>
-          <a:bodyPr/>
-          <a:lstStyle/>
-          <a:p>
-            <a:pPr>
-              <a:defRPr/>
-            </a:pPr>
-            <a:endParaRPr/>
-          </a:p>
-        </p:txBody>
-      </p:sp>
-      <p:sp>
-        <p:nvSpPr>
-          <p:cNvPr id="1526151863" name="Slide Number Placeholder 3"/>
-          <p:cNvSpPr>
-            <a:spLocks noGrp="1"/>
-          </p:cNvSpPr>
-          <p:nvPr>
-            <p:ph type="sldNum" sz="quarter" idx="10"/>
-          </p:nvPr>
-        </p:nvSpPr>
-        <p:spPr bwMode="auto"/>
-        <p:txBody>
-          <a:bodyPr/>
-          <a:lstStyle/>
-          <a:p>
-            <a:pPr>
-              <a:defRPr/>
-            </a:pPr>
-            <a:fld id="{EB025AE8-ED70-482F-01FA-8FC22C58DCDF}" type="slidenum">
-              <a:rPr/>
-              <a:t/>
-            </a:fld>
-            <a:endParaRPr/>
-          </a:p>
-        </p:txBody>
-      </p:sp>
-    </p:spTree>
-  </p:cSld>
-</p:notes>
-</file>
-
-<file path=ppt/notesSlides/notesSlide15.xml><?xml version="1.0" encoding="utf-8"?>
-<p:notes xmlns:a="http://schemas.openxmlformats.org/drawingml/2006/main" xmlns:r="http://schemas.openxmlformats.org/officeDocument/2006/relationships" xmlns:p="http://schemas.openxmlformats.org/presentationml/2006/main" xmlns:m="http://schemas.openxmlformats.org/officeDocument/2006/math" xmlns:w="http://schemas.openxmlformats.org/wordprocessingml/2006/main">
-  <p:cSld name="">
-    <p:spTree>
-      <p:nvGrpSpPr>
-        <p:cNvPr id="1" name=""/>
-        <p:cNvGrpSpPr/>
-        <p:nvPr/>
-      </p:nvGrpSpPr>
-      <p:grpSpPr bwMode="auto">
-        <a:xfrm>
-          <a:off x="0" y="0"/>
-          <a:ext cx="0" cy="0"/>
-          <a:chOff x="0" y="0"/>
-          <a:chExt cx="0" cy="0"/>
-        </a:xfrm>
-      </p:grpSpPr>
-      <p:sp>
-        <p:nvSpPr>
-          <p:cNvPr id="2068330830" name="Slide Image Placeholder 1"/>
-          <p:cNvSpPr>
-            <a:spLocks noChangeAspect="1" noGrp="1" noRot="1"/>
-          </p:cNvSpPr>
-          <p:nvPr>
-            <p:ph type="sldImg"/>
-          </p:nvPr>
-        </p:nvSpPr>
-        <p:spPr bwMode="auto"/>
-      </p:sp>
-      <p:sp>
-        <p:nvSpPr>
-          <p:cNvPr id="828760103" name="Notes Placeholder 2"/>
-          <p:cNvSpPr>
-            <a:spLocks noGrp="1"/>
-          </p:cNvSpPr>
-          <p:nvPr>
-            <p:ph type="body" idx="1"/>
-          </p:nvPr>
-        </p:nvSpPr>
-        <p:spPr bwMode="auto"/>
-        <p:txBody>
-          <a:bodyPr/>
-          <a:lstStyle/>
-          <a:p>
-            <a:pPr>
-              <a:defRPr/>
-            </a:pPr>
-            <a:endParaRPr/>
-          </a:p>
-        </p:txBody>
-      </p:sp>
-      <p:sp>
-        <p:nvSpPr>
-          <p:cNvPr id="1262445792" name="Slide Number Placeholder 3"/>
-          <p:cNvSpPr>
-            <a:spLocks noGrp="1"/>
-          </p:cNvSpPr>
-          <p:nvPr>
-            <p:ph type="sldNum" sz="quarter" idx="10"/>
-          </p:nvPr>
-        </p:nvSpPr>
-        <p:spPr bwMode="auto"/>
-        <p:txBody>
-          <a:bodyPr/>
-          <a:lstStyle/>
-          <a:p>
-            <a:pPr>
-              <a:defRPr/>
-            </a:pPr>
-            <a:fld id="{46108405-1E7B-F374-B5C1-72651EA0730E}" type="slidenum">
+            <a:fld id="{1D70CDFE-7C19-7B0E-E966-605D7169A76F}" type="slidenum">
               <a:rPr/>
               <a:t/>
             </a:fld>
@@ -1206,7 +1206,7 @@
       </p:grpSpPr>
       <p:sp>
         <p:nvSpPr>
-          <p:cNvPr id="2" name="Slide Image Placeholder 1"/>
+          <p:cNvPr id="1850952374" name="Slide Image Placeholder 1"/>
           <p:cNvSpPr>
             <a:spLocks noChangeAspect="1" noGrp="1" noRot="1"/>
           </p:cNvSpPr>
@@ -1218,7 +1218,7 @@
       </p:sp>
       <p:sp>
         <p:nvSpPr>
-          <p:cNvPr id="3" name="Notes Placeholder 2"/>
+          <p:cNvPr id="950306418" name="Notes Placeholder 2"/>
           <p:cNvSpPr>
             <a:spLocks noGrp="1"/>
           </p:cNvSpPr>
@@ -1240,7 +1240,7 @@
       </p:sp>
       <p:sp>
         <p:nvSpPr>
-          <p:cNvPr id="4" name="Slide Number Placeholder 3"/>
+          <p:cNvPr id="649322359" name="Slide Number Placeholder 3"/>
           <p:cNvSpPr>
             <a:spLocks noGrp="1"/>
           </p:cNvSpPr>
@@ -1256,7 +1256,7 @@
             <a:pPr>
               <a:defRPr/>
             </a:pPr>
-            <a:fld id="{1D70CDFE-7C19-7B0E-E966-605D7169A76F}" type="slidenum">
+            <a:fld id="{EFCBF433-6E25-E55E-E2B6-3667EC2C6980}" type="slidenum">
               <a:rPr/>
               <a:t/>
             </a:fld>
@@ -1288,7 +1288,7 @@
       </p:grpSpPr>
       <p:sp>
         <p:nvSpPr>
-          <p:cNvPr id="2" name="Slide Image Placeholder 1"/>
+          <p:cNvPr id="802519393" name="Slide Image Placeholder 1"/>
           <p:cNvSpPr>
             <a:spLocks noChangeAspect="1" noGrp="1" noRot="1"/>
           </p:cNvSpPr>
@@ -1300,7 +1300,7 @@
       </p:sp>
       <p:sp>
         <p:nvSpPr>
-          <p:cNvPr id="3" name="Notes Placeholder 2"/>
+          <p:cNvPr id="1326403731" name="Notes Placeholder 2"/>
           <p:cNvSpPr>
             <a:spLocks noGrp="1"/>
           </p:cNvSpPr>
@@ -1322,7 +1322,7 @@
       </p:sp>
       <p:sp>
         <p:nvSpPr>
-          <p:cNvPr id="4" name="Slide Number Placeholder 3"/>
+          <p:cNvPr id="567066901" name="Slide Number Placeholder 3"/>
           <p:cNvSpPr>
             <a:spLocks noGrp="1"/>
           </p:cNvSpPr>
@@ -1338,7 +1338,7 @@
             <a:pPr>
               <a:defRPr/>
             </a:pPr>
-            <a:fld id="{01035CFB-152E-245E-5C0C-51FE98A06BFA}" type="slidenum">
+            <a:fld id="{992ADF3F-F3DA-6C8D-C5D8-F6582EDAFFC7}" type="slidenum">
               <a:rPr/>
               <a:t/>
             </a:fld>
@@ -1370,7 +1370,7 @@
       </p:grpSpPr>
       <p:sp>
         <p:nvSpPr>
-          <p:cNvPr id="2" name="Slide Image Placeholder 1"/>
+          <p:cNvPr id="96645539" name="Slide Image Placeholder 1"/>
           <p:cNvSpPr>
             <a:spLocks noChangeAspect="1" noGrp="1" noRot="1"/>
           </p:cNvSpPr>
@@ -1382,7 +1382,7 @@
       </p:sp>
       <p:sp>
         <p:nvSpPr>
-          <p:cNvPr id="3" name="Notes Placeholder 2"/>
+          <p:cNvPr id="780814992" name="Notes Placeholder 2"/>
           <p:cNvSpPr>
             <a:spLocks noGrp="1"/>
           </p:cNvSpPr>
@@ -1404,7 +1404,7 @@
       </p:sp>
       <p:sp>
         <p:nvSpPr>
-          <p:cNvPr id="4" name="Slide Number Placeholder 3"/>
+          <p:cNvPr id="1281797639" name="Slide Number Placeholder 3"/>
           <p:cNvSpPr>
             <a:spLocks noGrp="1"/>
           </p:cNvSpPr>
@@ -1420,7 +1420,7 @@
             <a:pPr>
               <a:defRPr/>
             </a:pPr>
-            <a:fld id="{465C3093-1141-8DF5-EEA6-FB9AB4C05C46}" type="slidenum">
+            <a:fld id="{DBC2AC3A-06F9-342E-6DC6-7196551B8C6D}" type="slidenum">
               <a:rPr/>
               <a:t/>
             </a:fld>
@@ -1644,61 +1644,6 @@
             <a:pPr>
               <a:defRPr/>
             </a:pPr>
-            <a:r>
-              <a:rPr lang="de-DE" sz="1200" b="0" i="0" u="none" strike="noStrike" cap="none" spc="0">
-                <a:solidFill>
-                  <a:schemeClr val="tx1"/>
-                </a:solidFill>
-                <a:latin typeface="Arial"/>
-                <a:ea typeface="Arial"/>
-                <a:cs typeface="Arial"/>
-              </a:rPr>
-              <a:t>Die Systemdynamik wird durch die Gleichungen </a:t>
-            </a:r>
-            <a:r>
-              <a:rPr lang="de-DE" sz="1200" b="0" i="0" u="none" strike="noStrike" cap="none" spc="0">
-                <a:solidFill>
-                  <a:schemeClr val="tx1"/>
-                </a:solidFill>
-                <a:latin typeface="Arial"/>
-                <a:ea typeface="Arial"/>
-                <a:cs typeface="Arial"/>
-              </a:rPr>
-              <a:t>2.6b und 2.6c repräsentiert. Die Abweichung des Systems vom Pfad geht durch Gleichung </a:t>
-            </a:r>
-            <a:r>
-              <a:rPr lang="de-DE" sz="1200" b="0" i="0" u="none" strike="noStrike" cap="none" spc="0">
-                <a:solidFill>
-                  <a:schemeClr val="tx1"/>
-                </a:solidFill>
-                <a:latin typeface="Arial"/>
-                <a:ea typeface="Arial"/>
-                <a:cs typeface="Arial"/>
-              </a:rPr>
-              <a:t>2.6d in das Optimierungsproblem ein. Die Gleichungen 2.6e und 2.6f geben Beschränkungen </a:t>
-            </a:r>
-            <a:r>
-              <a:rPr lang="de-DE" sz="1200" b="0" i="0" u="none" strike="noStrike" cap="none" spc="0">
-                <a:solidFill>
-                  <a:schemeClr val="tx1"/>
-                </a:solidFill>
-                <a:latin typeface="Arial"/>
-                <a:ea typeface="Arial"/>
-                <a:cs typeface="Arial"/>
-              </a:rPr>
-              <a:t>für Zustände und Eingangsgrößen vor. Geschwindigkeitsabhängige Beschränkungen </a:t>
-            </a:r>
-            <a:r>
-              <a:rPr lang="de-DE" sz="1200" b="0" i="0" u="none" strike="noStrike" cap="none" spc="0">
-                <a:solidFill>
-                  <a:schemeClr val="tx1"/>
-                </a:solidFill>
-                <a:latin typeface="Arial"/>
-                <a:ea typeface="Arial"/>
-                <a:cs typeface="Arial"/>
-              </a:rPr>
-              <a:t>der Lenkaktorik werden mit Gleichung 2.6g</a:t>
-            </a:r>
             <a:endParaRPr lang="de-DE" sz="1200" b="0" i="0" u="none" strike="noStrike" cap="none" spc="0">
               <a:solidFill>
                 <a:schemeClr val="tx1"/>
@@ -1973,7 +1918,7 @@
             <a:pPr>
               <a:defRPr/>
             </a:pPr>
-            <a:fld id="{425AAF88-CF82-C395-F34A-9634E65F74EF}" type="slidenum">
+            <a:fld id="{1D7A7099-FD49-E3A8-5103-5F8A71D1D06F}" type="slidenum">
               <a:rPr/>
               <a:t/>
             </a:fld>
@@ -2055,7 +2000,7 @@
             <a:pPr>
               <a:defRPr/>
             </a:pPr>
-            <a:fld id="{1D7A7099-FD49-E3A8-5103-5F8A71D1D06F}" type="slidenum">
+            <a:fld id="{C4E925A2-9E52-AEBE-E921-52321902C863}" type="slidenum">
               <a:rPr/>
               <a:t/>
             </a:fld>
@@ -2087,7 +2032,7 @@
       </p:grpSpPr>
       <p:sp>
         <p:nvSpPr>
-          <p:cNvPr id="2" name="Slide Image Placeholder 1"/>
+          <p:cNvPr id="225283498" name="Slide Image Placeholder 1"/>
           <p:cNvSpPr>
             <a:spLocks noChangeAspect="1" noGrp="1" noRot="1"/>
           </p:cNvSpPr>
@@ -2099,7 +2044,7 @@
       </p:sp>
       <p:sp>
         <p:nvSpPr>
-          <p:cNvPr id="3" name="Notes Placeholder 2"/>
+          <p:cNvPr id="1026074157" name="Notes Placeholder 2"/>
           <p:cNvSpPr>
             <a:spLocks noGrp="1"/>
           </p:cNvSpPr>
@@ -2121,7 +2066,7 @@
       </p:sp>
       <p:sp>
         <p:nvSpPr>
-          <p:cNvPr id="4" name="Slide Number Placeholder 3"/>
+          <p:cNvPr id="82572359" name="Slide Number Placeholder 3"/>
           <p:cNvSpPr>
             <a:spLocks noGrp="1"/>
           </p:cNvSpPr>
@@ -2137,7 +2082,7 @@
             <a:pPr>
               <a:defRPr/>
             </a:pPr>
-            <a:fld id="{C4E925A2-9E52-AEBE-E921-52321902C863}" type="slidenum">
+            <a:fld id="{4BBF673E-B5E7-484D-F848-B4B96F71574F}" type="slidenum">
               <a:rPr/>
               <a:t/>
             </a:fld>
@@ -7753,6 +7698,34 @@
           </a:p>
         </p:txBody>
       </p:sp>
+      <p:pic>
+        <p:nvPicPr>
+          <p:cNvPr id="589971060" name=""/>
+          <p:cNvPicPr>
+            <a:picLocks noChangeAspect="1"/>
+          </p:cNvPicPr>
+          <p:nvPr/>
+        </p:nvPicPr>
+        <p:blipFill>
+          <a:blip r:embed="rId6">
+            <a:extLst>
+              <a:ext uri="{96DAC541-7B7A-43D3-8B79-37D633B846F1}">
+                <asvg:svgBlip xmlns:asvg="http://schemas.microsoft.com/office/drawing/2016/SVG/main" r:embed="rId7"/>
+              </a:ext>
+            </a:extLst>
+          </a:blip>
+          <a:stretch/>
+        </p:blipFill>
+        <p:spPr bwMode="auto">
+          <a:xfrm flipH="0" flipV="0">
+            <a:off x="9160178" y="-794"/>
+            <a:ext cx="2731782" cy="1506497"/>
+          </a:xfrm>
+          <a:prstGeom prst="rect">
+            <a:avLst/>
+          </a:prstGeom>
+        </p:spPr>
+      </p:pic>
     </p:spTree>
   </p:cSld>
   <p:clrMapOvr>
@@ -7770,264 +7743,6 @@
 </file>
 
 <file path=ppt/slides/slide10.xml><?xml version="1.0" encoding="utf-8"?>
-<p:sld xmlns:a="http://schemas.openxmlformats.org/drawingml/2006/main" xmlns:r="http://schemas.openxmlformats.org/officeDocument/2006/relationships" xmlns:p="http://schemas.openxmlformats.org/presentationml/2006/main" xmlns:m="http://schemas.openxmlformats.org/officeDocument/2006/math" xmlns:w="http://schemas.openxmlformats.org/wordprocessingml/2006/main" xmlns:mc="http://schemas.openxmlformats.org/markup-compatibility/2006" showMasterPhAnim="0" showMasterSp="1" show="1">
-  <p:cSld name="">
-    <p:spTree>
-      <p:nvGrpSpPr>
-        <p:cNvPr id="1" name=""/>
-        <p:cNvGrpSpPr/>
-        <p:nvPr/>
-      </p:nvGrpSpPr>
-      <p:grpSpPr bwMode="auto">
-        <a:xfrm>
-          <a:off x="0" y="0"/>
-          <a:ext cx="0" cy="0"/>
-          <a:chOff x="0" y="0"/>
-          <a:chExt cx="0" cy="0"/>
-        </a:xfrm>
-      </p:grpSpPr>
-      <p:sp>
-        <p:nvSpPr>
-          <p:cNvPr id="2052760186" name="Titel 1"/>
-          <p:cNvSpPr>
-            <a:spLocks noGrp="1"/>
-          </p:cNvSpPr>
-          <p:nvPr>
-            <p:ph type="title"/>
-          </p:nvPr>
-        </p:nvSpPr>
-        <p:spPr bwMode="auto"/>
-        <p:txBody>
-          <a:bodyPr/>
-          <a:lstStyle/>
-          <a:p>
-            <a:pPr>
-              <a:defRPr/>
-            </a:pPr>
-            <a:r>
-              <a:rPr lang="de-DE" sz="2800" b="1" i="0" u="none" strike="noStrike" cap="none" spc="0">
-                <a:solidFill>
-                  <a:schemeClr val="bg1"/>
-                </a:solidFill>
-                <a:latin typeface="Roboto"/>
-                <a:ea typeface="Roboto"/>
-                <a:cs typeface="Roboto"/>
-              </a:rPr>
-              <a:t>Implementierung</a:t>
-            </a:r>
-            <a:endParaRPr/>
-          </a:p>
-        </p:txBody>
-      </p:sp>
-      <p:sp>
-        <p:nvSpPr>
-          <p:cNvPr id="1635374208" name="Textplatzhalter 4"/>
-          <p:cNvSpPr>
-            <a:spLocks noGrp="1"/>
-          </p:cNvSpPr>
-          <p:nvPr>
-            <p:ph type="body" sz="quarter" idx="12"/>
-          </p:nvPr>
-        </p:nvSpPr>
-        <p:spPr bwMode="auto">
-          <a:xfrm flipH="0" flipV="0">
-            <a:off x="571120" y="2181794"/>
-            <a:ext cx="4026344" cy="3636267"/>
-          </a:xfrm>
-        </p:spPr>
-        <p:txBody>
-          <a:bodyPr vertOverflow="overflow" horzOverflow="overflow" vert="horz" wrap="square" lIns="0" tIns="0" rIns="0" bIns="0" numCol="1" spcCol="0" rtlCol="0" fromWordArt="0" anchor="t" anchorCtr="0" forceAA="0" upright="0" compatLnSpc="0">
-            <a:normAutofit fontScale="60000" lnSpcReduction="8000"/>
-          </a:bodyPr>
-          <a:lstStyle/>
-          <a:p>
-            <a:pPr>
-              <a:defRPr/>
-            </a:pPr>
-            <a:r>
-              <a:rPr lang="de-DE" sz="2800"/>
-              <a:t>Laden von Parametersätzen, abhängig von Szenario und Fahrzeug</a:t>
-            </a:r>
-            <a:endParaRPr sz="2800"/>
-          </a:p>
-          <a:p>
-            <a:pPr>
-              <a:defRPr/>
-            </a:pPr>
-            <a:r>
-              <a:rPr lang="de-DE" sz="2800"/>
-              <a:t>Umgebungsklasse stellt definierte Anfangszustände durch Laden von Fahrzeugparametern und Initialisierung der Simulation her</a:t>
-            </a:r>
-            <a:endParaRPr sz="2800"/>
-          </a:p>
-          <a:p>
-            <a:pPr>
-              <a:defRPr/>
-            </a:pPr>
-            <a:r>
-              <a:rPr lang="de-DE" sz="2800"/>
-              <a:t>Jedes Szenario existiert als eigene Testklasse</a:t>
-            </a:r>
-            <a:endParaRPr sz="2800"/>
-          </a:p>
-          <a:p>
-            <a:pPr>
-              <a:defRPr/>
-            </a:pPr>
-            <a:r>
-              <a:rPr lang="de-DE" sz="2800"/>
-              <a:t>Testrunner</a:t>
-            </a:r>
-            <a:r>
-              <a:rPr lang="de-DE" sz="2800"/>
-              <a:t> führt Test Suite aus, sorgt für Korrekten Ablauf von Setup- und </a:t>
-            </a:r>
-            <a:r>
-              <a:rPr lang="de-DE" sz="2800"/>
-              <a:t>Teardown</a:t>
-            </a:r>
-            <a:r>
-              <a:rPr lang="de-DE" sz="2800"/>
-              <a:t>-Funktionen und erstellt Testbericht</a:t>
-            </a:r>
-            <a:endParaRPr sz="2800"/>
-          </a:p>
-          <a:p>
-            <a:pPr>
-              <a:defRPr/>
-            </a:pPr>
-            <a:r>
-              <a:rPr lang="de-DE" sz="2800"/>
-              <a:t>KPIs werden dynamisch vor Ausführung einer Simulation geladen</a:t>
-            </a:r>
-            <a:endParaRPr sz="2800"/>
-          </a:p>
-        </p:txBody>
-      </p:sp>
-      <p:pic>
-        <p:nvPicPr>
-          <p:cNvPr id="208325816" name="Grafik 9"/>
-          <p:cNvPicPr>
-            <a:picLocks noChangeAspect="1"/>
-          </p:cNvPicPr>
-          <p:nvPr/>
-        </p:nvPicPr>
-        <p:blipFill>
-          <a:blip r:embed="rId3">
-            <a:extLst>
-              <a:ext uri="{96DAC541-7B7A-43D3-8B79-37D633B846F1}">
-                <asvg:svgBlip xmlns:asvg="http://schemas.microsoft.com/office/drawing/2016/SVG/main" r:embed="rId4"/>
-              </a:ext>
-            </a:extLst>
-          </a:blip>
-          <a:stretch/>
-        </p:blipFill>
-        <p:spPr bwMode="auto">
-          <a:xfrm flipH="0" flipV="0">
-            <a:off x="5536730" y="1882335"/>
-            <a:ext cx="5587455" cy="3756648"/>
-          </a:xfrm>
-          <a:prstGeom prst="rect">
-            <a:avLst/>
-          </a:prstGeom>
-        </p:spPr>
-      </p:pic>
-      <p:sp>
-        <p:nvSpPr>
-          <p:cNvPr id="1250794176" name="Textplatzhalter 7"/>
-          <p:cNvSpPr>
-            <a:spLocks noGrp="1"/>
-          </p:cNvSpPr>
-          <p:nvPr>
-            <p:ph type="body" sz="quarter" idx="13" hasCustomPrompt="1"/>
-          </p:nvPr>
-        </p:nvSpPr>
-        <p:spPr bwMode="auto">
-          <a:xfrm>
-            <a:off x="192087" y="908049"/>
-            <a:ext cx="11807824" cy="928369"/>
-          </a:xfrm>
-          <a:prstGeom prst="rect">
-            <a:avLst/>
-          </a:prstGeom>
-        </p:spPr>
-        <p:txBody>
-          <a:bodyPr lIns="0" tIns="0" rIns="0" bIns="0">
-            <a:normAutofit/>
-          </a:bodyPr>
-          <a:lstStyle>
-            <a:lvl1pPr marL="0" indent="0">
-              <a:buFont typeface="Arial"/>
-              <a:buNone/>
-              <a:defRPr sz="2400" b="1">
-                <a:solidFill>
-                  <a:schemeClr val="tx1"/>
-                </a:solidFill>
-                <a:latin typeface="Roboto"/>
-                <a:ea typeface="Roboto"/>
-              </a:defRPr>
-            </a:lvl1pPr>
-            <a:lvl2pPr>
-              <a:defRPr sz="2400">
-                <a:latin typeface="Roboto"/>
-                <a:ea typeface="Roboto"/>
-              </a:defRPr>
-            </a:lvl2pPr>
-            <a:lvl3pPr>
-              <a:defRPr sz="2000">
-                <a:latin typeface="Roboto"/>
-                <a:ea typeface="Roboto"/>
-              </a:defRPr>
-            </a:lvl3pPr>
-            <a:lvl4pPr>
-              <a:defRPr sz="2000">
-                <a:latin typeface="Roboto"/>
-                <a:ea typeface="Roboto"/>
-              </a:defRPr>
-            </a:lvl4pPr>
-            <a:lvl5pPr>
-              <a:defRPr sz="2000">
-                <a:latin typeface="Roboto"/>
-                <a:ea typeface="Roboto"/>
-              </a:defRPr>
-            </a:lvl5pPr>
-          </a:lstStyle>
-          <a:p>
-            <a:pPr>
-              <a:defRPr/>
-            </a:pPr>
-            <a:r>
-              <a:rPr lang="de-DE" sz="2400" b="1" i="0" u="none" strike="noStrike" cap="none" spc="0">
-                <a:solidFill>
-                  <a:schemeClr val="tx1"/>
-                </a:solidFill>
-                <a:latin typeface="Roboto"/>
-                <a:ea typeface="Roboto"/>
-                <a:cs typeface="Roboto"/>
-              </a:rPr>
-              <a:t>Ablauf eines Testskriptes</a:t>
-            </a:r>
-            <a:endParaRPr/>
-          </a:p>
-        </p:txBody>
-      </p:sp>
-    </p:spTree>
-  </p:cSld>
-  <p:clrMapOvr>
-    <a:masterClrMapping/>
-  </p:clrMapOvr>
-  <mc:AlternateContent xmlns:mc="http://schemas.openxmlformats.org/markup-compatibility/2006">
-    <mc:Choice xmlns:p159="http://schemas.microsoft.com/office/powerpoint/2015/09/main" xmlns:p14="http://schemas.microsoft.com/office/powerpoint/2010/main" Requires="p159">
-      <p:transition p14:dur="2000" advClick="1"/>
-    </mc:Choice>
-    <mc:Fallback>
-      <p:transition advClick="1"/>
-    </mc:Fallback>
-  </mc:AlternateContent>
-</p:sld>
-</file>
-
-<file path=ppt/slides/slide11.xml><?xml version="1.0" encoding="utf-8"?>
 <p:sld xmlns:a="http://schemas.openxmlformats.org/drawingml/2006/main" xmlns:r="http://schemas.openxmlformats.org/officeDocument/2006/relationships" xmlns:p="http://schemas.openxmlformats.org/presentationml/2006/main" xmlns:m="http://schemas.openxmlformats.org/officeDocument/2006/math" xmlns:w="http://schemas.openxmlformats.org/wordprocessingml/2006/main" xmlns:mc="http://schemas.openxmlformats.org/markup-compatibility/2006" showMasterPhAnim="0" showMasterSp="1" show="1">
   <p:cSld name="">
     <p:spTree>
@@ -8094,7 +7809,7 @@
         </p:blipFill>
         <p:spPr bwMode="auto">
           <a:xfrm flipH="0" flipV="0">
-            <a:off x="464398" y="3597964"/>
+            <a:off x="464397" y="2621880"/>
             <a:ext cx="4833559" cy="2359226"/>
           </a:xfrm>
           <a:prstGeom prst="rect">
@@ -8483,6 +8198,618 @@
           </a:p>
         </p:txBody>
       </p:sp>
+      <p:sp>
+        <p:nvSpPr>
+          <p:cNvPr id="226274673" name=""/>
+          <p:cNvSpPr txBox="1"/>
+          <p:nvPr/>
+        </p:nvSpPr>
+        <p:spPr bwMode="auto">
+          <a:xfrm flipH="0" flipV="0">
+            <a:off x="4886103" y="4981106"/>
+            <a:ext cx="411852" cy="305159"/>
+          </a:xfrm>
+          <a:prstGeom prst="rect">
+            <a:avLst/>
+          </a:prstGeom>
+          <a:noFill/>
+        </p:spPr>
+        <p:txBody>
+          <a:bodyPr vertOverflow="overflow" horzOverflow="overflow" vert="horz" wrap="square" lIns="91440" tIns="45720" rIns="91440" bIns="45720" numCol="1" spcCol="0" rtlCol="0" fromWordArt="0" anchor="t" anchorCtr="0" forceAA="0" upright="0" compatLnSpc="0">
+            <a:spAutoFit/>
+          </a:bodyPr>
+          <a:p>
+            <a:pPr>
+              <a:defRPr/>
+            </a:pPr>
+            <a:r>
+              <a:rPr sz="1400">
+                <a:solidFill>
+                  <a:schemeClr val="bg2">
+                    <a:lumMod val="50000"/>
+                  </a:schemeClr>
+                </a:solidFill>
+              </a:rPr>
+              <a:t>[5]</a:t>
+            </a:r>
+            <a:endParaRPr sz="1400">
+              <a:solidFill>
+                <a:schemeClr val="bg2">
+                  <a:lumMod val="50000"/>
+                </a:schemeClr>
+              </a:solidFill>
+            </a:endParaRPr>
+          </a:p>
+        </p:txBody>
+      </p:sp>
+      <p:sp>
+        <p:nvSpPr>
+          <p:cNvPr id="763810480" name=""/>
+          <p:cNvSpPr txBox="1"/>
+          <p:nvPr/>
+        </p:nvSpPr>
+        <p:spPr bwMode="auto">
+          <a:xfrm rot="16199969" flipH="0" flipV="0">
+            <a:off x="-622049" y="3799563"/>
+            <a:ext cx="1934152" cy="305159"/>
+          </a:xfrm>
+          <a:prstGeom prst="rect">
+            <a:avLst/>
+          </a:prstGeom>
+          <a:noFill/>
+        </p:spPr>
+        <p:txBody>
+          <a:bodyPr vertOverflow="overflow" horzOverflow="overflow" vert="horz" wrap="square" lIns="91440" tIns="45720" rIns="91440" bIns="45720" numCol="1" spcCol="0" rtlCol="0" fromWordArt="0" anchor="t" anchorCtr="0" forceAA="0" upright="0" compatLnSpc="0">
+            <a:spAutoFit/>
+          </a:bodyPr>
+          <a:p>
+            <a:pPr>
+              <a:defRPr/>
+            </a:pPr>
+            <a:r>
+              <a:rPr sz="1400"/>
+              <a:t>Geschwindigkeit</a:t>
+            </a:r>
+            <a:endParaRPr sz="1400"/>
+          </a:p>
+        </p:txBody>
+      </p:sp>
+      <p:sp>
+        <p:nvSpPr>
+          <p:cNvPr id="1996389451" name=""/>
+          <p:cNvSpPr txBox="1"/>
+          <p:nvPr/>
+        </p:nvSpPr>
+        <p:spPr bwMode="auto">
+          <a:xfrm flipH="0" flipV="0">
+            <a:off x="497246" y="4981106"/>
+            <a:ext cx="1996151" cy="305159"/>
+          </a:xfrm>
+          <a:prstGeom prst="rect">
+            <a:avLst/>
+          </a:prstGeom>
+          <a:noFill/>
+        </p:spPr>
+        <p:txBody>
+          <a:bodyPr vertOverflow="overflow" horzOverflow="overflow" vert="horz" wrap="square" lIns="91440" tIns="45720" rIns="91440" bIns="45720" numCol="1" spcCol="0" rtlCol="0" fromWordArt="0" anchor="t" anchorCtr="0" forceAA="0" upright="0" compatLnSpc="0">
+            <a:spAutoFit/>
+          </a:bodyPr>
+          <a:p>
+            <a:pPr>
+              <a:defRPr/>
+            </a:pPr>
+            <a:r>
+              <a:rPr sz="1400"/>
+              <a:t>Kurvenradius</a:t>
+            </a:r>
+            <a:endParaRPr sz="1400"/>
+          </a:p>
+        </p:txBody>
+      </p:sp>
+      <p:sp>
+        <p:nvSpPr>
+          <p:cNvPr id="406915852" name=""/>
+          <p:cNvSpPr txBox="1"/>
+          <p:nvPr/>
+        </p:nvSpPr>
+        <p:spPr bwMode="auto">
+          <a:xfrm rot="16199969" flipH="0" flipV="0">
+            <a:off x="2132717" y="3799383"/>
+            <a:ext cx="1934512" cy="305159"/>
+          </a:xfrm>
+          <a:prstGeom prst="rect">
+            <a:avLst/>
+          </a:prstGeom>
+          <a:noFill/>
+        </p:spPr>
+        <p:txBody>
+          <a:bodyPr vertOverflow="overflow" horzOverflow="overflow" vert="horz" wrap="square" lIns="91440" tIns="45720" rIns="91440" bIns="45720" numCol="1" spcCol="0" rtlCol="0" fromWordArt="0" anchor="t" anchorCtr="0" forceAA="0" upright="0" compatLnSpc="0">
+            <a:spAutoFit/>
+          </a:bodyPr>
+          <a:p>
+            <a:pPr>
+              <a:defRPr/>
+            </a:pPr>
+            <a:r>
+              <a:rPr sz="1400"/>
+              <a:t>Geschwindigkeit</a:t>
+            </a:r>
+            <a:endParaRPr sz="1400"/>
+          </a:p>
+        </p:txBody>
+      </p:sp>
+      <p:sp>
+        <p:nvSpPr>
+          <p:cNvPr id="1174445832" name=""/>
+          <p:cNvSpPr txBox="1"/>
+          <p:nvPr/>
+        </p:nvSpPr>
+        <p:spPr bwMode="auto">
+          <a:xfrm flipH="0" flipV="0">
+            <a:off x="3252011" y="4980746"/>
+            <a:ext cx="1996510" cy="305159"/>
+          </a:xfrm>
+          <a:prstGeom prst="rect">
+            <a:avLst/>
+          </a:prstGeom>
+          <a:noFill/>
+        </p:spPr>
+        <p:txBody>
+          <a:bodyPr vertOverflow="overflow" horzOverflow="overflow" vert="horz" wrap="square" lIns="91440" tIns="45720" rIns="91440" bIns="45720" numCol="1" spcCol="0" rtlCol="0" fromWordArt="0" anchor="t" anchorCtr="0" forceAA="0" upright="0" compatLnSpc="0">
+            <a:spAutoFit/>
+          </a:bodyPr>
+          <a:p>
+            <a:pPr>
+              <a:defRPr/>
+            </a:pPr>
+            <a:r>
+              <a:rPr sz="1400"/>
+              <a:t>Kurvenradius</a:t>
+            </a:r>
+            <a:endParaRPr sz="1400"/>
+          </a:p>
+        </p:txBody>
+      </p:sp>
+    </p:spTree>
+  </p:cSld>
+  <p:clrMapOvr>
+    <a:masterClrMapping/>
+  </p:clrMapOvr>
+  <mc:AlternateContent xmlns:mc="http://schemas.openxmlformats.org/markup-compatibility/2006">
+    <mc:Choice xmlns:p159="http://schemas.microsoft.com/office/powerpoint/2015/09/main" xmlns:p14="http://schemas.microsoft.com/office/powerpoint/2010/main" Requires="p159">
+      <p:transition p14:dur="2000" advClick="1"/>
+    </mc:Choice>
+    <mc:Fallback>
+      <p:transition advClick="1"/>
+    </mc:Fallback>
+  </mc:AlternateContent>
+</p:sld>
+</file>
+
+<file path=ppt/slides/slide11.xml><?xml version="1.0" encoding="utf-8"?>
+<p:sld xmlns:a="http://schemas.openxmlformats.org/drawingml/2006/main" xmlns:r="http://schemas.openxmlformats.org/officeDocument/2006/relationships" xmlns:p="http://schemas.openxmlformats.org/presentationml/2006/main" xmlns:m="http://schemas.openxmlformats.org/officeDocument/2006/math" xmlns:w="http://schemas.openxmlformats.org/wordprocessingml/2006/main" xmlns:mc="http://schemas.openxmlformats.org/markup-compatibility/2006" showMasterPhAnim="0" showMasterSp="1" show="1">
+  <p:cSld name="">
+    <p:spTree>
+      <p:nvGrpSpPr>
+        <p:cNvPr id="1" name=""/>
+        <p:cNvGrpSpPr/>
+        <p:nvPr/>
+      </p:nvGrpSpPr>
+      <p:grpSpPr bwMode="auto">
+        <a:xfrm>
+          <a:off x="0" y="0"/>
+          <a:ext cx="0" cy="0"/>
+          <a:chOff x="0" y="0"/>
+          <a:chExt cx="0" cy="0"/>
+        </a:xfrm>
+      </p:grpSpPr>
+      <p:sp>
+        <p:nvSpPr>
+          <p:cNvPr id="658837282" name="Titel 1"/>
+          <p:cNvSpPr>
+            <a:spLocks noGrp="1"/>
+          </p:cNvSpPr>
+          <p:nvPr>
+            <p:ph type="title"/>
+          </p:nvPr>
+        </p:nvSpPr>
+        <p:spPr bwMode="auto"/>
+        <p:txBody>
+          <a:bodyPr/>
+          <a:lstStyle/>
+          <a:p>
+            <a:pPr>
+              <a:defRPr/>
+            </a:pPr>
+            <a:r>
+              <a:rPr/>
+              <a:t>Implementierung</a:t>
+            </a:r>
+            <a:endParaRPr/>
+          </a:p>
+        </p:txBody>
+      </p:sp>
+      <p:sp>
+        <p:nvSpPr>
+          <p:cNvPr id="1491253354" name="Textplatzhalter 7"/>
+          <p:cNvSpPr>
+            <a:spLocks noGrp="1"/>
+          </p:cNvSpPr>
+          <p:nvPr>
+            <p:ph type="body" sz="quarter" idx="13" hasCustomPrompt="1"/>
+          </p:nvPr>
+        </p:nvSpPr>
+        <p:spPr bwMode="auto">
+          <a:prstGeom prst="rect">
+            <a:avLst/>
+          </a:prstGeom>
+        </p:spPr>
+        <p:txBody>
+          <a:bodyPr lIns="0" tIns="0" rIns="0" bIns="0">
+            <a:normAutofit/>
+          </a:bodyPr>
+          <a:lstStyle>
+            <a:lvl1pPr marL="0" indent="0">
+              <a:buFont typeface="Arial"/>
+              <a:buNone/>
+              <a:defRPr sz="2400" b="1">
+                <a:solidFill>
+                  <a:schemeClr val="tx1"/>
+                </a:solidFill>
+                <a:latin typeface="Roboto"/>
+                <a:ea typeface="Roboto"/>
+              </a:defRPr>
+            </a:lvl1pPr>
+            <a:lvl2pPr>
+              <a:defRPr sz="2400">
+                <a:latin typeface="Roboto"/>
+                <a:ea typeface="Roboto"/>
+              </a:defRPr>
+            </a:lvl2pPr>
+            <a:lvl3pPr>
+              <a:defRPr sz="2000">
+                <a:latin typeface="Roboto"/>
+                <a:ea typeface="Roboto"/>
+              </a:defRPr>
+            </a:lvl3pPr>
+            <a:lvl4pPr>
+              <a:defRPr sz="2000">
+                <a:latin typeface="Roboto"/>
+                <a:ea typeface="Roboto"/>
+              </a:defRPr>
+            </a:lvl4pPr>
+            <a:lvl5pPr>
+              <a:defRPr sz="2000">
+                <a:latin typeface="Roboto"/>
+                <a:ea typeface="Roboto"/>
+              </a:defRPr>
+            </a:lvl5pPr>
+          </a:lstStyle>
+          <a:p>
+            <a:pPr>
+              <a:defRPr/>
+            </a:pPr>
+            <a:r>
+              <a:rPr lang="de-DE" sz="2400" b="1" i="0" u="none" strike="noStrike" cap="none" spc="0">
+                <a:solidFill>
+                  <a:schemeClr val="tx1"/>
+                </a:solidFill>
+                <a:latin typeface="Roboto"/>
+                <a:ea typeface="Roboto"/>
+                <a:cs typeface="Roboto"/>
+              </a:rPr>
+              <a:t>Key Performance </a:t>
+            </a:r>
+            <a:r>
+              <a:rPr lang="de-DE" sz="2400" b="1" i="0" u="none" strike="noStrike" cap="none" spc="0">
+                <a:solidFill>
+                  <a:schemeClr val="tx1"/>
+                </a:solidFill>
+                <a:latin typeface="Roboto"/>
+                <a:ea typeface="Roboto"/>
+                <a:cs typeface="Roboto"/>
+              </a:rPr>
+              <a:t>Indicators</a:t>
+            </a:r>
+            <a:r>
+              <a:rPr sz="2400"/>
+              <a:t> - KPIs</a:t>
+            </a:r>
+            <a:endParaRPr sz="2400"/>
+          </a:p>
+        </p:txBody>
+      </p:sp>
+      <p:sp>
+        <p:nvSpPr>
+          <p:cNvPr id="1882257251" name="Textplatzhalter 7"/>
+          <p:cNvSpPr>
+            <a:spLocks noGrp="1"/>
+          </p:cNvSpPr>
+          <p:nvPr>
+            <p:ph type="body" sz="quarter" idx="11" hasCustomPrompt="1"/>
+          </p:nvPr>
+        </p:nvSpPr>
+        <p:spPr bwMode="auto">
+          <a:prstGeom prst="rect">
+            <a:avLst/>
+          </a:prstGeom>
+        </p:spPr>
+        <p:txBody>
+          <a:bodyPr>
+            <a:normAutofit/>
+          </a:bodyPr>
+          <a:lstStyle>
+            <a:lvl1pPr>
+              <a:defRPr sz="2000">
+                <a:latin typeface="Roboto"/>
+                <a:ea typeface="Roboto"/>
+              </a:defRPr>
+            </a:lvl1pPr>
+            <a:lvl2pPr>
+              <a:defRPr sz="2000">
+                <a:latin typeface="Roboto"/>
+                <a:ea typeface="Roboto"/>
+              </a:defRPr>
+            </a:lvl2pPr>
+            <a:lvl3pPr>
+              <a:defRPr sz="2000">
+                <a:latin typeface="Roboto"/>
+                <a:ea typeface="Roboto"/>
+              </a:defRPr>
+            </a:lvl3pPr>
+            <a:lvl4pPr>
+              <a:defRPr sz="2000">
+                <a:latin typeface="Roboto"/>
+                <a:ea typeface="Roboto"/>
+              </a:defRPr>
+            </a:lvl4pPr>
+            <a:lvl5pPr>
+              <a:defRPr sz="2000">
+                <a:latin typeface="Roboto"/>
+                <a:ea typeface="Roboto"/>
+              </a:defRPr>
+            </a:lvl5pPr>
+          </a:lstStyle>
+          <a:p>
+            <a:pPr>
+              <a:defRPr/>
+            </a:pPr>
+            <a:r>
+              <a:rPr/>
+              <a:t>Grenzwerte für Messdaten, ab denen ein Test als fehlgeschlagen bewertet wird</a:t>
+            </a:r>
+            <a:endParaRPr/>
+          </a:p>
+          <a:p>
+            <a:pPr>
+              <a:defRPr/>
+            </a:pPr>
+            <a:r>
+              <a:rPr/>
+              <a:t>Stark szenario- und parameterabhängig</a:t>
+            </a:r>
+            <a:endParaRPr/>
+          </a:p>
+          <a:p>
+            <a:pPr>
+              <a:defRPr/>
+            </a:pPr>
+            <a:r>
+              <a:rPr/>
+              <a:t>Longitudinale/laterale Beschleunigung, Ruck, Pfadabweichung, Geschwindigkeitsabweichung, Distanzfehler (ACC)</a:t>
+            </a:r>
+            <a:endParaRPr/>
+          </a:p>
+          <a:p>
+            <a:pPr>
+              <a:defRPr/>
+            </a:pPr>
+            <a:r>
+              <a:rPr/>
+              <a:t>Teilweise existieren Normen/gesetzliche Vorgaben</a:t>
+            </a:r>
+            <a:endParaRPr/>
+          </a:p>
+          <a:p>
+            <a:pPr>
+              <a:defRPr/>
+            </a:pPr>
+            <a:endParaRPr/>
+          </a:p>
+        </p:txBody>
+      </p:sp>
+      <p:pic>
+        <p:nvPicPr>
+          <p:cNvPr id="536284086" name=""/>
+          <p:cNvPicPr>
+            <a:picLocks noChangeAspect="1"/>
+          </p:cNvPicPr>
+          <p:nvPr/>
+        </p:nvPicPr>
+        <p:blipFill>
+          <a:blip r:embed="rId3"/>
+          <a:stretch/>
+        </p:blipFill>
+        <p:spPr bwMode="auto">
+          <a:xfrm flipH="0" flipV="0">
+            <a:off x="7405463" y="3485482"/>
+            <a:ext cx="3290474" cy="2859753"/>
+          </a:xfrm>
+          <a:prstGeom prst="rect">
+            <a:avLst/>
+          </a:prstGeom>
+        </p:spPr>
+      </p:pic>
+      <p:grpSp>
+        <p:nvGrpSpPr>
+          <p:cNvPr id="1675892926" name=""/>
+          <p:cNvGrpSpPr/>
+          <p:nvPr/>
+        </p:nvGrpSpPr>
+        <p:grpSpPr bwMode="auto">
+          <a:xfrm>
+            <a:off x="6466628" y="908048"/>
+            <a:ext cx="5066088" cy="2533043"/>
+            <a:chOff x="0" y="0"/>
+            <a:chExt cx="5066088" cy="2533043"/>
+          </a:xfrm>
+        </p:grpSpPr>
+        <p:pic>
+          <p:nvPicPr>
+            <p:cNvPr id="324659429" name=""/>
+            <p:cNvPicPr>
+              <a:picLocks noChangeAspect="1"/>
+            </p:cNvPicPr>
+            <p:nvPr/>
+          </p:nvPicPr>
+          <p:blipFill>
+            <a:blip r:embed="rId4">
+              <a:extLst>
+                <a:ext uri="{96DAC541-7B7A-43D3-8B79-37D633B846F1}">
+                  <asvg:svgBlip xmlns:asvg="http://schemas.microsoft.com/office/drawing/2016/SVG/main" r:embed="rId5"/>
+                </a:ext>
+              </a:extLst>
+            </a:blip>
+            <a:stretch/>
+          </p:blipFill>
+          <p:spPr bwMode="auto">
+            <a:xfrm flipH="0" flipV="0">
+              <a:off x="0" y="0"/>
+              <a:ext cx="5066088" cy="2533043"/>
+            </a:xfrm>
+            <a:prstGeom prst="rect">
+              <a:avLst/>
+            </a:prstGeom>
+          </p:spPr>
+        </p:pic>
+        <p:sp>
+          <p:nvSpPr>
+            <p:cNvPr id="1828779442" name=""/>
+            <p:cNvSpPr/>
+            <p:nvPr/>
+          </p:nvSpPr>
+          <p:spPr bwMode="auto">
+            <a:xfrm flipH="0" flipV="0">
+              <a:off x="671852" y="431035"/>
+              <a:ext cx="2772454" cy="943994"/>
+            </a:xfrm>
+            <a:prstGeom prst="rect">
+              <a:avLst/>
+            </a:prstGeom>
+            <a:solidFill>
+              <a:srgbClr val="C00000">
+                <a:alpha val="20000"/>
+              </a:srgbClr>
+            </a:solidFill>
+            <a:ln w="12700" cap="flat" cmpd="sng" algn="ctr">
+              <a:noFill/>
+              <a:prstDash val="solid"/>
+              <a:miter lim="800000"/>
+            </a:ln>
+          </p:spPr>
+          <p:style>
+            <a:lnRef idx="2">
+              <a:schemeClr val="accent1">
+                <a:shade val="50000"/>
+              </a:schemeClr>
+            </a:lnRef>
+            <a:fillRef idx="1">
+              <a:schemeClr val="accent1"/>
+            </a:fillRef>
+            <a:effectRef idx="0">
+              <a:schemeClr val="accent1"/>
+            </a:effectRef>
+            <a:fontRef idx="minor">
+              <a:schemeClr val="lt1"/>
+            </a:fontRef>
+          </p:style>
+        </p:sp>
+        <p:cxnSp>
+          <p:nvCxnSpPr>
+            <p:cNvPr id="604717495" name=""/>
+            <p:cNvCxnSpPr>
+              <a:cxnSpLocks/>
+            </p:cNvCxnSpPr>
+            <p:nvPr/>
+          </p:nvCxnSpPr>
+          <p:spPr bwMode="auto">
+            <a:xfrm flipH="0" flipV="0">
+              <a:off x="671852" y="1375030"/>
+              <a:ext cx="2772454" cy="0"/>
+            </a:xfrm>
+            <a:prstGeom prst="line">
+              <a:avLst/>
+            </a:prstGeom>
+            <a:ln w="19049" cap="flat" cmpd="sng" algn="ctr">
+              <a:solidFill>
+                <a:srgbClr val="C00000"/>
+              </a:solidFill>
+              <a:prstDash val="sysDot"/>
+              <a:miter lim="800000"/>
+            </a:ln>
+          </p:spPr>
+          <p:style>
+            <a:lnRef idx="1">
+              <a:schemeClr val="accent1">
+                <a:shade val="50000"/>
+              </a:schemeClr>
+            </a:lnRef>
+            <a:fillRef idx="0">
+              <a:schemeClr val="accent1"/>
+            </a:fillRef>
+            <a:effectRef idx="0">
+              <a:schemeClr val="accent1"/>
+            </a:effectRef>
+            <a:fontRef idx="minor">
+              <a:schemeClr val="tx1"/>
+            </a:fontRef>
+          </p:style>
+        </p:cxnSp>
+      </p:grpSp>
+      <p:sp>
+        <p:nvSpPr>
+          <p:cNvPr id="1240019108" name=""/>
+          <p:cNvSpPr txBox="1"/>
+          <p:nvPr/>
+        </p:nvSpPr>
+        <p:spPr bwMode="auto">
+          <a:xfrm flipH="0" flipV="0">
+            <a:off x="10284444" y="6040075"/>
+            <a:ext cx="412212" cy="305159"/>
+          </a:xfrm>
+          <a:prstGeom prst="rect">
+            <a:avLst/>
+          </a:prstGeom>
+          <a:noFill/>
+        </p:spPr>
+        <p:txBody>
+          <a:bodyPr vertOverflow="overflow" horzOverflow="overflow" vert="horz" wrap="square" lIns="91440" tIns="45720" rIns="91440" bIns="45720" numCol="1" spcCol="0" rtlCol="0" fromWordArt="0" anchor="t" anchorCtr="0" forceAA="0" upright="0" compatLnSpc="0">
+            <a:spAutoFit/>
+          </a:bodyPr>
+          <a:p>
+            <a:pPr>
+              <a:defRPr/>
+            </a:pPr>
+            <a:r>
+              <a:rPr sz="1400">
+                <a:solidFill>
+                  <a:schemeClr val="bg2">
+                    <a:lumMod val="50000"/>
+                  </a:schemeClr>
+                </a:solidFill>
+              </a:rPr>
+              <a:t>[6]</a:t>
+            </a:r>
+            <a:endParaRPr sz="1400">
+              <a:solidFill>
+                <a:schemeClr val="bg2">
+                  <a:lumMod val="50000"/>
+                </a:schemeClr>
+              </a:solidFill>
+            </a:endParaRPr>
+          </a:p>
+        </p:txBody>
+      </p:sp>
     </p:spTree>
   </p:cSld>
   <p:clrMapOvr>
@@ -8518,7 +8845,7 @@
       </p:grpSpPr>
       <p:sp>
         <p:nvSpPr>
-          <p:cNvPr id="658837282" name="Titel 1"/>
+          <p:cNvPr id="528408899" name="Titel 1"/>
           <p:cNvSpPr>
             <a:spLocks noGrp="1"/>
           </p:cNvSpPr>
@@ -8535,16 +8862,1071 @@
               <a:defRPr/>
             </a:pPr>
             <a:r>
-              <a:rPr/>
+              <a:rPr lang="de-DE"/>
               <a:t>Implementierung</a:t>
             </a:r>
-            <a:endParaRPr/>
+            <a:endParaRPr lang="de-DE"/>
           </a:p>
         </p:txBody>
       </p:sp>
       <p:sp>
         <p:nvSpPr>
-          <p:cNvPr id="1491253354" name="Textplatzhalter 7"/>
+          <p:cNvPr id="960133446" name="Textplatzhalter 4"/>
+          <p:cNvSpPr>
+            <a:spLocks noGrp="1"/>
+          </p:cNvSpPr>
+          <p:nvPr>
+            <p:ph type="body" sz="quarter" idx="12"/>
+          </p:nvPr>
+        </p:nvSpPr>
+        <p:spPr bwMode="auto">
+          <a:xfrm flipH="0" flipV="0">
+            <a:off x="192086" y="2060573"/>
+            <a:ext cx="6479381" cy="2390251"/>
+          </a:xfrm>
+        </p:spPr>
+        <p:txBody>
+          <a:bodyPr vertOverflow="overflow" horzOverflow="overflow" vert="horz" wrap="square" lIns="0" tIns="0" rIns="0" bIns="0" numCol="1" spcCol="0" rtlCol="0" fromWordArt="0" anchor="t" anchorCtr="0" forceAA="0" upright="0" compatLnSpc="0">
+            <a:normAutofit/>
+          </a:bodyPr>
+          <a:lstStyle/>
+          <a:p>
+            <a:pPr>
+              <a:defRPr/>
+            </a:pPr>
+            <a:r>
+              <a:rPr lang="de-DE" sz="2000"/>
+              <a:t>Berücksichtung</a:t>
+            </a:r>
+            <a:r>
+              <a:rPr lang="de-DE" sz="2000"/>
+              <a:t> verschiedener Quellen</a:t>
+            </a:r>
+            <a:r>
+              <a:rPr sz="2000"/>
+              <a:t>:</a:t>
+            </a:r>
+            <a:endParaRPr sz="2000"/>
+          </a:p>
+          <a:p>
+            <a:pPr lvl="2">
+              <a:defRPr/>
+            </a:pPr>
+            <a:r>
+              <a:rPr lang="de-DE" sz="2000"/>
+              <a:t>Szenariendatenbank</a:t>
+            </a:r>
+            <a:endParaRPr sz="2000"/>
+          </a:p>
+          <a:p>
+            <a:pPr lvl="2">
+              <a:defRPr/>
+            </a:pPr>
+            <a:r>
+              <a:rPr lang="de-DE" sz="2000"/>
+              <a:t>Normen</a:t>
+            </a:r>
+            <a:endParaRPr sz="2000"/>
+          </a:p>
+          <a:p>
+            <a:pPr>
+              <a:defRPr/>
+            </a:pPr>
+            <a:r>
+              <a:rPr lang="de-DE" sz="2000"/>
+              <a:t>Beschreibung, Anforderungsdefinition, KPI, Parametervariation</a:t>
+            </a:r>
+            <a:endParaRPr sz="2000"/>
+          </a:p>
+          <a:p>
+            <a:pPr>
+              <a:defRPr/>
+            </a:pPr>
+            <a:r>
+              <a:rPr lang="de-DE" sz="2000"/>
+              <a:t>Beispiel: </a:t>
+            </a:r>
+            <a:r>
+              <a:rPr lang="de-DE" sz="2000" b="0" i="0" u="none" strike="noStrike" cap="none" spc="0">
+                <a:solidFill>
+                  <a:schemeClr val="tx1"/>
+                </a:solidFill>
+                <a:latin typeface="Roboto"/>
+                <a:ea typeface="Roboto"/>
+                <a:cs typeface="Roboto"/>
+              </a:rPr>
+              <a:t>Gerade mit initialem Versatz</a:t>
+            </a:r>
+            <a:endParaRPr sz="2000"/>
+          </a:p>
+        </p:txBody>
+      </p:sp>
+      <p:graphicFrame>
+        <p:nvGraphicFramePr>
+          <p:cNvPr id="2125329857" name="Tabelle 5"/>
+          <p:cNvGraphicFramePr>
+            <a:graphicFrameLocks xmlns:a="http://schemas.openxmlformats.org/drawingml/2006/main"/>
+          </p:cNvGraphicFramePr>
+          <p:nvPr/>
+        </p:nvGraphicFramePr>
+        <p:xfrm>
+          <a:off x="192088" y="4371092"/>
+          <a:ext cx="10198099" cy="1727199"/>
+        </p:xfrm>
+        <a:graphic>
+          <a:graphicData uri="http://schemas.openxmlformats.org/drawingml/2006/table">
+            <a:tbl>
+              <a:tblPr firstRow="0" firstCol="0" lastRow="0" lastCol="0" bandRow="0" bandCol="0"/>
+              <a:tblGrid>
+                <a:gridCol w="1980000"/>
+                <a:gridCol w="3690000"/>
+                <a:gridCol w="2520000"/>
+                <a:gridCol w="1080000"/>
+                <a:gridCol w="2525124"/>
+              </a:tblGrid>
+              <a:tr h="381000">
+                <a:tc>
+                  <a:txBody>
+                    <a:bodyPr/>
+                    <a:p>
+                      <a:pPr marL="0" marR="0" lvl="0" indent="0" algn="ctr" defTabSz="863994">
+                        <a:lnSpc>
+                          <a:spcPct val="100000"/>
+                        </a:lnSpc>
+                        <a:spcBef>
+                          <a:spcPts val="0"/>
+                        </a:spcBef>
+                        <a:spcAft>
+                          <a:spcPts val="0"/>
+                        </a:spcAft>
+                        <a:defRPr lang="de-DE" sz="1700" b="0" i="0" u="none" strike="noStrike" cap="none" spc="0">
+                          <a:solidFill>
+                            <a:srgbClr val="001A54"/>
+                          </a:solidFill>
+                          <a:latin typeface="Arial"/>
+                          <a:ea typeface="Arial"/>
+                          <a:cs typeface="Arial"/>
+                        </a:defRPr>
+                      </a:pPr>
+                      <a:r>
+                        <a:rPr lang="de-DE" sz="1400" u="none" strike="noStrike">
+                          <a:solidFill>
+                            <a:schemeClr val="bg1"/>
+                          </a:solidFill>
+                          <a:latin typeface="Roboto"/>
+                          <a:ea typeface="Roboto"/>
+                          <a:cs typeface="Roboto"/>
+                        </a:rPr>
+                        <a:t>Szenen-ID</a:t>
+                      </a:r>
+                      <a:endParaRPr sz="1400" b="1" i="0" u="none" strike="noStrike">
+                        <a:solidFill>
+                          <a:schemeClr val="bg1"/>
+                        </a:solidFill>
+                        <a:latin typeface="Roboto"/>
+                        <a:cs typeface="Roboto"/>
+                      </a:endParaRPr>
+                    </a:p>
+                  </a:txBody>
+                  <a:tcPr marL="9524" marR="9524" marT="9524" marB="0" vert="horz" anchor="ctr">
+                    <a:lnL w="12699" algn="ctr">
+                      <a:solidFill>
+                        <a:srgbClr val="FFFFFF"/>
+                      </a:solidFill>
+                    </a:lnL>
+                    <a:lnR w="12699" algn="ctr">
+                      <a:solidFill>
+                        <a:srgbClr val="FFFFFF"/>
+                      </a:solidFill>
+                    </a:lnR>
+                    <a:lnT w="12699" algn="ctr">
+                      <a:solidFill>
+                        <a:srgbClr val="FFFFFF"/>
+                      </a:solidFill>
+                    </a:lnT>
+                    <a:lnB w="12699" algn="ctr">
+                      <a:solidFill>
+                        <a:srgbClr val="FFFFFF"/>
+                      </a:solidFill>
+                    </a:lnB>
+                    <a:solidFill>
+                      <a:schemeClr val="tx1">
+                        <a:lumMod val="65000"/>
+                        <a:lumOff val="35000"/>
+                      </a:schemeClr>
+                    </a:solidFill>
+                  </a:tcPr>
+                </a:tc>
+                <a:tc>
+                  <a:txBody>
+                    <a:bodyPr/>
+                    <a:p>
+                      <a:pPr marL="0" marR="0" lvl="0" indent="0" algn="ctr" defTabSz="863994">
+                        <a:lnSpc>
+                          <a:spcPct val="100000"/>
+                        </a:lnSpc>
+                        <a:spcBef>
+                          <a:spcPts val="0"/>
+                        </a:spcBef>
+                        <a:spcAft>
+                          <a:spcPts val="0"/>
+                        </a:spcAft>
+                        <a:defRPr lang="de-DE" sz="1700" b="0" i="0" u="none" strike="noStrike" cap="none" spc="0">
+                          <a:solidFill>
+                            <a:srgbClr val="001A54"/>
+                          </a:solidFill>
+                          <a:latin typeface="Arial"/>
+                          <a:ea typeface="Arial"/>
+                          <a:cs typeface="Arial"/>
+                        </a:defRPr>
+                      </a:pPr>
+                      <a:r>
+                        <a:rPr lang="de-DE" sz="1400" u="none" strike="noStrike">
+                          <a:solidFill>
+                            <a:schemeClr val="bg1"/>
+                          </a:solidFill>
+                          <a:latin typeface="Roboto"/>
+                          <a:ea typeface="Roboto"/>
+                          <a:cs typeface="Roboto"/>
+                        </a:rPr>
+                        <a:t>Beschreibung</a:t>
+                      </a:r>
+                      <a:endParaRPr sz="1400" b="1" i="0" u="none" strike="noStrike">
+                        <a:solidFill>
+                          <a:schemeClr val="bg1"/>
+                        </a:solidFill>
+                        <a:latin typeface="Roboto"/>
+                        <a:cs typeface="Roboto"/>
+                      </a:endParaRPr>
+                    </a:p>
+                  </a:txBody>
+                  <a:tcPr marL="9524" marR="9524" marT="9524" marB="0" vert="horz" anchor="ctr">
+                    <a:lnL w="12699" algn="ctr">
+                      <a:solidFill>
+                        <a:srgbClr val="FFFFFF"/>
+                      </a:solidFill>
+                    </a:lnL>
+                    <a:lnR w="12699" algn="ctr">
+                      <a:solidFill>
+                        <a:srgbClr val="FFFFFF"/>
+                      </a:solidFill>
+                    </a:lnR>
+                    <a:lnT w="12699" algn="ctr">
+                      <a:solidFill>
+                        <a:srgbClr val="FFFFFF"/>
+                      </a:solidFill>
+                    </a:lnT>
+                    <a:lnB w="12699" algn="ctr">
+                      <a:solidFill>
+                        <a:srgbClr val="FFFFFF"/>
+                      </a:solidFill>
+                    </a:lnB>
+                    <a:solidFill>
+                      <a:schemeClr val="tx1">
+                        <a:lumMod val="65000"/>
+                        <a:lumOff val="35000"/>
+                      </a:schemeClr>
+                    </a:solidFill>
+                  </a:tcPr>
+                </a:tc>
+                <a:tc>
+                  <a:txBody>
+                    <a:bodyPr/>
+                    <a:p>
+                      <a:pPr marL="0" marR="0" lvl="0" indent="0" algn="ctr" defTabSz="863994">
+                        <a:lnSpc>
+                          <a:spcPct val="100000"/>
+                        </a:lnSpc>
+                        <a:spcBef>
+                          <a:spcPts val="0"/>
+                        </a:spcBef>
+                        <a:spcAft>
+                          <a:spcPts val="0"/>
+                        </a:spcAft>
+                        <a:defRPr lang="de-DE" sz="1700" b="0" i="0" u="none" strike="noStrike" cap="none" spc="0">
+                          <a:solidFill>
+                            <a:srgbClr val="001A54"/>
+                          </a:solidFill>
+                          <a:latin typeface="Arial"/>
+                          <a:ea typeface="Arial"/>
+                          <a:cs typeface="Arial"/>
+                        </a:defRPr>
+                      </a:pPr>
+                      <a:r>
+                        <a:rPr lang="de-DE" sz="1400" u="none" strike="noStrike">
+                          <a:solidFill>
+                            <a:schemeClr val="bg1"/>
+                          </a:solidFill>
+                          <a:latin typeface="Roboto"/>
+                          <a:ea typeface="Roboto"/>
+                          <a:cs typeface="Roboto"/>
+                        </a:rPr>
+                        <a:t>erwartetes Verhalten</a:t>
+                      </a:r>
+                      <a:endParaRPr sz="1400" b="1" i="0" u="none" strike="noStrike">
+                        <a:solidFill>
+                          <a:schemeClr val="bg1"/>
+                        </a:solidFill>
+                        <a:latin typeface="Roboto"/>
+                        <a:cs typeface="Roboto"/>
+                      </a:endParaRPr>
+                    </a:p>
+                  </a:txBody>
+                  <a:tcPr marL="9524" marR="9524" marT="9524" marB="0" vert="horz" anchor="ctr">
+                    <a:lnL w="12699" algn="ctr">
+                      <a:solidFill>
+                        <a:srgbClr val="FFFFFF"/>
+                      </a:solidFill>
+                    </a:lnL>
+                    <a:lnR w="12699" algn="ctr">
+                      <a:solidFill>
+                        <a:srgbClr val="FFFFFF"/>
+                      </a:solidFill>
+                    </a:lnR>
+                    <a:lnT w="12699" algn="ctr">
+                      <a:solidFill>
+                        <a:srgbClr val="FFFFFF"/>
+                      </a:solidFill>
+                    </a:lnT>
+                    <a:lnB w="12699" algn="ctr">
+                      <a:solidFill>
+                        <a:srgbClr val="FFFFFF"/>
+                      </a:solidFill>
+                    </a:lnB>
+                    <a:solidFill>
+                      <a:schemeClr val="tx1">
+                        <a:lumMod val="65000"/>
+                        <a:lumOff val="35000"/>
+                      </a:schemeClr>
+                    </a:solidFill>
+                  </a:tcPr>
+                </a:tc>
+                <a:tc>
+                  <a:txBody>
+                    <a:bodyPr/>
+                    <a:p>
+                      <a:pPr marL="0" marR="0" lvl="0" indent="0" algn="ctr" defTabSz="863994">
+                        <a:lnSpc>
+                          <a:spcPct val="100000"/>
+                        </a:lnSpc>
+                        <a:spcBef>
+                          <a:spcPts val="0"/>
+                        </a:spcBef>
+                        <a:spcAft>
+                          <a:spcPts val="0"/>
+                        </a:spcAft>
+                        <a:defRPr lang="de-DE" sz="1700" b="0" i="0" u="none" strike="noStrike" cap="none" spc="0">
+                          <a:solidFill>
+                            <a:srgbClr val="001A54"/>
+                          </a:solidFill>
+                          <a:latin typeface="Arial"/>
+                          <a:ea typeface="Arial"/>
+                          <a:cs typeface="Arial"/>
+                        </a:defRPr>
+                      </a:pPr>
+                      <a:r>
+                        <a:rPr lang="de-DE" sz="1400" u="none" strike="noStrike">
+                          <a:solidFill>
+                            <a:schemeClr val="bg1"/>
+                          </a:solidFill>
+                          <a:latin typeface="Roboto"/>
+                          <a:ea typeface="Roboto"/>
+                          <a:cs typeface="Roboto"/>
+                        </a:rPr>
+                        <a:t>KPI</a:t>
+                      </a:r>
+                      <a:endParaRPr sz="1400" b="1" i="0" u="none" strike="noStrike">
+                        <a:solidFill>
+                          <a:schemeClr val="bg1"/>
+                        </a:solidFill>
+                        <a:latin typeface="Roboto"/>
+                        <a:cs typeface="Roboto"/>
+                      </a:endParaRPr>
+                    </a:p>
+                  </a:txBody>
+                  <a:tcPr marL="9524" marR="9524" marT="9524" marB="0" vert="horz" anchor="ctr">
+                    <a:lnL w="12699" algn="ctr">
+                      <a:solidFill>
+                        <a:srgbClr val="FFFFFF"/>
+                      </a:solidFill>
+                    </a:lnL>
+                    <a:lnR w="12699" algn="ctr">
+                      <a:solidFill>
+                        <a:srgbClr val="FFFFFF"/>
+                      </a:solidFill>
+                    </a:lnR>
+                    <a:lnT w="12699" algn="ctr">
+                      <a:solidFill>
+                        <a:srgbClr val="FFFFFF"/>
+                      </a:solidFill>
+                    </a:lnT>
+                    <a:lnB w="12699" algn="ctr">
+                      <a:solidFill>
+                        <a:srgbClr val="FFFFFF"/>
+                      </a:solidFill>
+                    </a:lnB>
+                    <a:solidFill>
+                      <a:schemeClr val="tx1">
+                        <a:lumMod val="65000"/>
+                        <a:lumOff val="35000"/>
+                      </a:schemeClr>
+                    </a:solidFill>
+                  </a:tcPr>
+                </a:tc>
+                <a:tc>
+                  <a:txBody>
+                    <a:bodyPr/>
+                    <a:p>
+                      <a:pPr marL="0" marR="0" lvl="0" indent="0" algn="ctr" defTabSz="863994">
+                        <a:lnSpc>
+                          <a:spcPct val="100000"/>
+                        </a:lnSpc>
+                        <a:spcBef>
+                          <a:spcPts val="0"/>
+                        </a:spcBef>
+                        <a:spcAft>
+                          <a:spcPts val="0"/>
+                        </a:spcAft>
+                        <a:defRPr lang="de-DE" sz="1700" b="0" i="0" u="none" strike="noStrike" cap="none" spc="0">
+                          <a:solidFill>
+                            <a:srgbClr val="001A54"/>
+                          </a:solidFill>
+                          <a:latin typeface="Arial"/>
+                          <a:ea typeface="Arial"/>
+                          <a:cs typeface="Arial"/>
+                        </a:defRPr>
+                      </a:pPr>
+                      <a:r>
+                        <a:rPr lang="de-DE" sz="1400" u="none" strike="noStrike">
+                          <a:solidFill>
+                            <a:schemeClr val="bg1"/>
+                          </a:solidFill>
+                          <a:latin typeface="Roboto"/>
+                          <a:ea typeface="Roboto"/>
+                          <a:cs typeface="Roboto"/>
+                        </a:rPr>
+                        <a:t>Parametrierung</a:t>
+                      </a:r>
+                      <a:endParaRPr sz="1400" b="1" i="0" u="none" strike="noStrike">
+                        <a:solidFill>
+                          <a:schemeClr val="bg1"/>
+                        </a:solidFill>
+                        <a:latin typeface="Roboto"/>
+                        <a:cs typeface="Roboto"/>
+                      </a:endParaRPr>
+                    </a:p>
+                  </a:txBody>
+                  <a:tcPr marL="9524" marR="9524" marT="9524" marB="0" vert="horz" anchor="ctr">
+                    <a:lnL w="12699" algn="ctr">
+                      <a:solidFill>
+                        <a:srgbClr val="FFFFFF"/>
+                      </a:solidFill>
+                    </a:lnL>
+                    <a:lnR w="12699" algn="ctr">
+                      <a:solidFill>
+                        <a:srgbClr val="FFFFFF"/>
+                      </a:solidFill>
+                    </a:lnR>
+                    <a:lnT w="12699" algn="ctr">
+                      <a:solidFill>
+                        <a:srgbClr val="FFFFFF"/>
+                      </a:solidFill>
+                    </a:lnT>
+                    <a:lnB w="12699" algn="ctr">
+                      <a:solidFill>
+                        <a:srgbClr val="FFFFFF"/>
+                      </a:solidFill>
+                    </a:lnB>
+                    <a:solidFill>
+                      <a:schemeClr val="tx1">
+                        <a:lumMod val="65000"/>
+                        <a:lumOff val="35000"/>
+                      </a:schemeClr>
+                    </a:solidFill>
+                  </a:tcPr>
+                </a:tc>
+              </a:tr>
+              <a:tr h="1333500">
+                <a:tc>
+                  <a:txBody>
+                    <a:bodyPr/>
+                    <a:p>
+                      <a:pPr marL="0" marR="0" lvl="0" indent="0" algn="l" defTabSz="863994">
+                        <a:lnSpc>
+                          <a:spcPct val="100000"/>
+                        </a:lnSpc>
+                        <a:spcBef>
+                          <a:spcPts val="0"/>
+                        </a:spcBef>
+                        <a:spcAft>
+                          <a:spcPts val="0"/>
+                        </a:spcAft>
+                        <a:defRPr lang="de-DE" sz="1700" b="0" i="0" u="none" strike="noStrike" cap="none" spc="0">
+                          <a:solidFill>
+                            <a:srgbClr val="001A54"/>
+                          </a:solidFill>
+                          <a:latin typeface="Arial"/>
+                          <a:ea typeface="Arial"/>
+                          <a:cs typeface="Arial"/>
+                        </a:defRPr>
+                      </a:pPr>
+                      <a:r>
+                        <a:rPr lang="de-DE" sz="1400" b="0" i="0" u="none" strike="noStrike" cap="none" spc="0">
+                          <a:solidFill>
+                            <a:schemeClr val="tx1"/>
+                          </a:solidFill>
+                          <a:latin typeface="Roboto"/>
+                          <a:ea typeface="Roboto"/>
+                          <a:cs typeface="Roboto"/>
+                        </a:rPr>
+                        <a:t>Straight_Offset</a:t>
+                      </a:r>
+                      <a:endParaRPr sz="1400" b="0" i="0" u="none" strike="noStrike">
+                        <a:solidFill>
+                          <a:schemeClr val="tx1"/>
+                        </a:solidFill>
+                        <a:latin typeface="Roboto"/>
+                        <a:cs typeface="Roboto"/>
+                      </a:endParaRPr>
+                    </a:p>
+                  </a:txBody>
+                  <a:tcPr marL="9524" marR="9524" marT="9524" marB="0" vert="horz" anchor="t">
+                    <a:lnL w="12699" algn="ctr">
+                      <a:solidFill>
+                        <a:srgbClr val="FFFFFF"/>
+                      </a:solidFill>
+                    </a:lnL>
+                    <a:lnR w="12699" algn="ctr">
+                      <a:solidFill>
+                        <a:srgbClr val="FFFFFF"/>
+                      </a:solidFill>
+                    </a:lnR>
+                    <a:lnT w="12699" algn="ctr">
+                      <a:solidFill>
+                        <a:srgbClr val="FFFFFF"/>
+                      </a:solidFill>
+                    </a:lnT>
+                    <a:lnB w="12699" algn="ctr">
+                      <a:solidFill>
+                        <a:srgbClr val="FFFFFF"/>
+                      </a:solidFill>
+                    </a:lnB>
+                    <a:solidFill>
+                      <a:schemeClr val="bg1">
+                        <a:lumMod val="85000"/>
+                      </a:schemeClr>
+                    </a:solidFill>
+                  </a:tcPr>
+                </a:tc>
+                <a:tc>
+                  <a:txBody>
+                    <a:bodyPr/>
+                    <a:p>
+                      <a:pPr marL="239821" indent="-239821">
+                        <a:buFont typeface="Arial"/>
+                        <a:buChar char="•"/>
+                        <a:defRPr/>
+                      </a:pPr>
+                      <a:r>
+                        <a:rPr lang="de-DE" sz="1400" b="0" i="0" u="none" strike="noStrike" cap="none" spc="0">
+                          <a:solidFill>
+                            <a:schemeClr val="tx1"/>
+                          </a:solidFill>
+                          <a:latin typeface="Roboto"/>
+                          <a:ea typeface="Roboto"/>
+                          <a:cs typeface="Roboto"/>
+                        </a:rPr>
+                        <a:t>das Ego startet mit der Pfadgeschwindigkeit auf einer Geraden</a:t>
+                      </a:r>
+                      <a:endParaRPr sz="1400" b="0" i="0" u="none" strike="noStrike" cap="none" spc="0">
+                        <a:solidFill>
+                          <a:schemeClr val="tx1"/>
+                        </a:solidFill>
+                        <a:latin typeface="Roboto"/>
+                        <a:cs typeface="Roboto"/>
+                      </a:endParaRPr>
+                    </a:p>
+                    <a:p>
+                      <a:pPr marL="206778" marR="0" lvl="0" indent="-206778" algn="l" defTabSz="863993">
+                        <a:lnSpc>
+                          <a:spcPct val="100000"/>
+                        </a:lnSpc>
+                        <a:spcBef>
+                          <a:spcPts val="0"/>
+                        </a:spcBef>
+                        <a:spcAft>
+                          <a:spcPts val="0"/>
+                        </a:spcAft>
+                        <a:buFont typeface="Arial"/>
+                        <a:buChar char="•"/>
+                        <a:defRPr lang="de-DE" sz="1700" b="0" i="0" u="none" strike="noStrike" cap="none" spc="0">
+                          <a:solidFill>
+                            <a:srgbClr val="001A54"/>
+                          </a:solidFill>
+                          <a:latin typeface="Arial"/>
+                          <a:ea typeface="Arial"/>
+                          <a:cs typeface="Arial"/>
+                        </a:defRPr>
+                      </a:pPr>
+                      <a:r>
+                        <a:rPr lang="de-DE" sz="1400" b="0" i="0" u="none" strike="noStrike" cap="none" spc="0">
+                          <a:solidFill>
+                            <a:schemeClr val="tx1"/>
+                          </a:solidFill>
+                          <a:latin typeface="Roboto"/>
+                          <a:ea typeface="Roboto"/>
+                          <a:cs typeface="Roboto"/>
+                        </a:rPr>
+                        <a:t>es besteht ein lateraler Versatz zum gewünschten Pfad</a:t>
+                      </a:r>
+                      <a:endParaRPr sz="1400" b="0" i="0" u="none" strike="noStrike">
+                        <a:solidFill>
+                          <a:schemeClr val="tx1"/>
+                        </a:solidFill>
+                        <a:latin typeface="Roboto"/>
+                        <a:cs typeface="Roboto"/>
+                      </a:endParaRPr>
+                    </a:p>
+                  </a:txBody>
+                  <a:tcPr marL="9524" marR="9524" marT="9524" marB="0" vert="horz" anchor="t">
+                    <a:lnL w="12699" algn="ctr">
+                      <a:solidFill>
+                        <a:srgbClr val="FFFFFF"/>
+                      </a:solidFill>
+                    </a:lnL>
+                    <a:lnR w="12699" algn="ctr">
+                      <a:solidFill>
+                        <a:srgbClr val="FFFFFF"/>
+                      </a:solidFill>
+                    </a:lnR>
+                    <a:lnT w="12699" algn="ctr">
+                      <a:solidFill>
+                        <a:srgbClr val="FFFFFF"/>
+                      </a:solidFill>
+                    </a:lnT>
+                    <a:lnB w="12699" algn="ctr">
+                      <a:solidFill>
+                        <a:srgbClr val="FFFFFF"/>
+                      </a:solidFill>
+                    </a:lnB>
+                    <a:solidFill>
+                      <a:schemeClr val="bg1">
+                        <a:lumMod val="85000"/>
+                      </a:schemeClr>
+                    </a:solidFill>
+                  </a:tcPr>
+                </a:tc>
+                <a:tc>
+                  <a:txBody>
+                    <a:bodyPr/>
+                    <a:p>
+                      <a:pPr marL="239821" lvl="0" indent="-239821" algn="l" defTabSz="863994">
+                        <a:lnSpc>
+                          <a:spcPct val="100000"/>
+                        </a:lnSpc>
+                        <a:spcBef>
+                          <a:spcPts val="0"/>
+                        </a:spcBef>
+                        <a:spcAft>
+                          <a:spcPts val="0"/>
+                        </a:spcAft>
+                        <a:buFont typeface="Arial"/>
+                        <a:buChar char="•"/>
+                        <a:defRPr lang="de-DE" sz="1700" b="0" i="0" u="none" strike="noStrike" cap="none" spc="0">
+                          <a:solidFill>
+                            <a:srgbClr val="001A54"/>
+                          </a:solidFill>
+                          <a:latin typeface="Arial"/>
+                          <a:ea typeface="Arial"/>
+                          <a:cs typeface="Arial"/>
+                        </a:defRPr>
+                      </a:pPr>
+                      <a:r>
+                        <a:rPr lang="de-DE" sz="1400" b="0" i="0" u="none" strike="noStrike" cap="none" spc="0">
+                          <a:solidFill>
+                            <a:schemeClr val="tx1"/>
+                          </a:solidFill>
+                          <a:latin typeface="Roboto"/>
+                          <a:ea typeface="Roboto"/>
+                          <a:cs typeface="Roboto"/>
+                        </a:rPr>
+                        <a:t>der Versatz sollte komfortabel abgebaut werden und das Ego dem Pfad mit der Pfadgeschwindigkeit folgen</a:t>
+                      </a:r>
+                      <a:endParaRPr sz="1400" b="0" i="0" u="none" strike="noStrike">
+                        <a:solidFill>
+                          <a:schemeClr val="tx1"/>
+                        </a:solidFill>
+                        <a:latin typeface="Roboto"/>
+                        <a:cs typeface="Roboto"/>
+                      </a:endParaRPr>
+                    </a:p>
+                  </a:txBody>
+                  <a:tcPr marL="9524" marR="9524" marT="9524" marB="0" vert="horz" anchor="t">
+                    <a:lnL w="12699" algn="ctr">
+                      <a:solidFill>
+                        <a:srgbClr val="FFFFFF"/>
+                      </a:solidFill>
+                    </a:lnL>
+                    <a:lnR w="12699" algn="ctr">
+                      <a:solidFill>
+                        <a:srgbClr val="FFFFFF"/>
+                      </a:solidFill>
+                    </a:lnR>
+                    <a:lnT w="12699" algn="ctr">
+                      <a:solidFill>
+                        <a:srgbClr val="FFFFFF"/>
+                      </a:solidFill>
+                    </a:lnT>
+                    <a:lnB w="12699" algn="ctr">
+                      <a:solidFill>
+                        <a:srgbClr val="FFFFFF"/>
+                      </a:solidFill>
+                    </a:lnB>
+                    <a:solidFill>
+                      <a:schemeClr val="bg1">
+                        <a:lumMod val="85000"/>
+                      </a:schemeClr>
+                    </a:solidFill>
+                  </a:tcPr>
+                </a:tc>
+                <a:tc>
+                  <a:txBody>
+                    <a:bodyPr/>
+                    <a:p>
+                      <a:pPr marL="239821" indent="-239821">
+                        <a:buFont typeface="Arial"/>
+                        <a:buChar char="•"/>
+                        <a:defRPr/>
+                      </a:pPr>
+                      <a:r>
+                        <a:rPr lang="de-DE" sz="1400" b="0" i="0" u="none" strike="noStrike" cap="none" spc="0">
+                          <a:solidFill>
+                            <a:schemeClr val="tx1"/>
+                          </a:solidFill>
+                          <a:latin typeface="Roboto"/>
+                          <a:ea typeface="Roboto"/>
+                          <a:cs typeface="Roboto"/>
+                        </a:rPr>
+                        <a:t>a_Lat</a:t>
+                      </a:r>
+                      <a:endParaRPr sz="1400" b="0" i="0" u="none" strike="noStrike" cap="none" spc="0">
+                        <a:solidFill>
+                          <a:schemeClr val="tx1"/>
+                        </a:solidFill>
+                        <a:latin typeface="Roboto"/>
+                        <a:cs typeface="Roboto"/>
+                      </a:endParaRPr>
+                    </a:p>
+                    <a:p>
+                      <a:pPr marL="239821" indent="-239821">
+                        <a:buFont typeface="Arial"/>
+                        <a:buChar char="•"/>
+                        <a:defRPr/>
+                      </a:pPr>
+                      <a:r>
+                        <a:rPr lang="de-DE" sz="1400" b="0" i="0" u="none" strike="noStrike" cap="none" spc="0">
+                          <a:solidFill>
+                            <a:schemeClr val="tx1"/>
+                          </a:solidFill>
+                          <a:latin typeface="Roboto"/>
+                          <a:ea typeface="Roboto"/>
+                          <a:cs typeface="Roboto"/>
+                        </a:rPr>
+                        <a:t>a_Long</a:t>
+                      </a:r>
+                      <a:endParaRPr sz="1400" b="0" i="0" u="none" strike="noStrike" cap="none" spc="0">
+                        <a:solidFill>
+                          <a:schemeClr val="tx1"/>
+                        </a:solidFill>
+                        <a:latin typeface="Roboto"/>
+                        <a:cs typeface="Roboto"/>
+                      </a:endParaRPr>
+                    </a:p>
+                    <a:p>
+                      <a:pPr marL="239821" indent="-239821">
+                        <a:buFont typeface="Arial"/>
+                        <a:buChar char="•"/>
+                        <a:defRPr/>
+                      </a:pPr>
+                      <a:r>
+                        <a:rPr lang="de-DE" sz="1400" b="0" i="0" u="none" strike="noStrike" cap="none" spc="0">
+                          <a:solidFill>
+                            <a:schemeClr val="tx1"/>
+                          </a:solidFill>
+                          <a:latin typeface="Roboto"/>
+                          <a:ea typeface="Roboto"/>
+                          <a:cs typeface="Roboto"/>
+                        </a:rPr>
+                        <a:t>j_Lat</a:t>
+                      </a:r>
+                      <a:endParaRPr sz="1400" b="0" i="0" u="none" strike="noStrike" cap="none" spc="0">
+                        <a:solidFill>
+                          <a:schemeClr val="tx1"/>
+                        </a:solidFill>
+                        <a:latin typeface="Roboto"/>
+                        <a:cs typeface="Roboto"/>
+                      </a:endParaRPr>
+                    </a:p>
+                    <a:p>
+                      <a:pPr marL="239821" indent="-239821">
+                        <a:buFont typeface="Arial"/>
+                        <a:buChar char="•"/>
+                        <a:defRPr/>
+                      </a:pPr>
+                      <a:r>
+                        <a:rPr lang="de-DE" sz="1400" b="0" i="0" u="none" strike="noStrike" cap="none" spc="0">
+                          <a:solidFill>
+                            <a:schemeClr val="tx1"/>
+                          </a:solidFill>
+                          <a:latin typeface="Roboto"/>
+                          <a:ea typeface="Roboto"/>
+                          <a:cs typeface="Roboto"/>
+                        </a:rPr>
+                        <a:t>j_Long</a:t>
+                      </a:r>
+                      <a:endParaRPr sz="1400" b="0" i="0" u="none" strike="noStrike" cap="none" spc="0">
+                        <a:solidFill>
+                          <a:schemeClr val="tx1"/>
+                        </a:solidFill>
+                        <a:latin typeface="Roboto"/>
+                        <a:cs typeface="Roboto"/>
+                      </a:endParaRPr>
+                    </a:p>
+                    <a:p>
+                      <a:pPr marL="239821" indent="-239821">
+                        <a:buFont typeface="Arial"/>
+                        <a:buChar char="•"/>
+                        <a:defRPr/>
+                      </a:pPr>
+                      <a:r>
+                        <a:rPr lang="de-DE" sz="1400" b="0" i="0" u="none" strike="noStrike" cap="none" spc="0">
+                          <a:solidFill>
+                            <a:schemeClr val="tx1"/>
+                          </a:solidFill>
+                          <a:latin typeface="Roboto"/>
+                          <a:ea typeface="Roboto"/>
+                          <a:cs typeface="Roboto"/>
+                        </a:rPr>
+                        <a:t>t_settle</a:t>
+                      </a:r>
+                      <a:endParaRPr sz="1400" b="0" i="0" u="none" strike="noStrike" cap="none" spc="0">
+                        <a:solidFill>
+                          <a:schemeClr val="tx1"/>
+                        </a:solidFill>
+                        <a:latin typeface="Roboto"/>
+                        <a:cs typeface="Roboto"/>
+                      </a:endParaRPr>
+                    </a:p>
+                    <a:p>
+                      <a:pPr marL="239821" indent="-239821">
+                        <a:buFont typeface="Arial"/>
+                        <a:buChar char="•"/>
+                        <a:defRPr/>
+                      </a:pPr>
+                      <a:r>
+                        <a:rPr lang="de-DE" sz="1400" b="0" i="0" u="none" strike="noStrike" cap="none" spc="0">
+                          <a:solidFill>
+                            <a:schemeClr val="tx1"/>
+                          </a:solidFill>
+                          <a:latin typeface="Roboto"/>
+                          <a:ea typeface="Roboto"/>
+                          <a:cs typeface="Roboto"/>
+                        </a:rPr>
+                        <a:t>v_diff</a:t>
+                      </a:r>
+                      <a:endParaRPr sz="1400" b="0" i="0" u="none" strike="noStrike" cap="none" spc="0">
+                        <a:solidFill>
+                          <a:schemeClr val="tx1"/>
+                        </a:solidFill>
+                        <a:latin typeface="Roboto"/>
+                        <a:cs typeface="Roboto"/>
+                      </a:endParaRPr>
+                    </a:p>
+                  </a:txBody>
+                  <a:tcPr marL="9524" marR="9524" marT="9524" marB="0" vert="horz" anchor="t">
+                    <a:lnL w="12699" algn="ctr">
+                      <a:solidFill>
+                        <a:srgbClr val="FFFFFF"/>
+                      </a:solidFill>
+                    </a:lnL>
+                    <a:lnR w="12699" algn="ctr">
+                      <a:solidFill>
+                        <a:srgbClr val="FFFFFF"/>
+                      </a:solidFill>
+                    </a:lnR>
+                    <a:lnT w="12699" algn="ctr">
+                      <a:solidFill>
+                        <a:srgbClr val="FFFFFF"/>
+                      </a:solidFill>
+                    </a:lnT>
+                    <a:lnB w="12699" algn="ctr">
+                      <a:solidFill>
+                        <a:srgbClr val="FFFFFF"/>
+                      </a:solidFill>
+                    </a:lnB>
+                    <a:solidFill>
+                      <a:schemeClr val="bg1">
+                        <a:lumMod val="85000"/>
+                      </a:schemeClr>
+                    </a:solidFill>
+                  </a:tcPr>
+                </a:tc>
+                <a:tc>
+                  <a:txBody>
+                    <a:bodyPr/>
+                    <a:p>
+                      <a:pPr marL="239821" indent="-239821">
+                        <a:buFont typeface="Arial"/>
+                        <a:buChar char="•"/>
+                        <a:defRPr/>
+                      </a:pPr>
+                      <a:r>
+                        <a:rPr lang="de-DE" sz="1400" b="0" i="0" u="none" strike="noStrike" cap="none" spc="0">
+                          <a:solidFill>
+                            <a:schemeClr val="tx1"/>
+                          </a:solidFill>
+                          <a:latin typeface="Roboto"/>
+                          <a:ea typeface="Roboto"/>
+                          <a:cs typeface="Roboto"/>
+                        </a:rPr>
+                        <a:t>v_path [5, vMax]</a:t>
+                      </a:r>
+                      <a:endParaRPr lang="de-DE" sz="1400" b="0" i="0" u="none" strike="noStrike" cap="none" spc="0">
+                        <a:solidFill>
+                          <a:schemeClr val="tx1"/>
+                        </a:solidFill>
+                        <a:latin typeface="Roboto"/>
+                        <a:ea typeface="Roboto"/>
+                        <a:cs typeface="Roboto"/>
+                      </a:endParaRPr>
+                    </a:p>
+                    <a:p>
+                      <a:pPr marL="239821" indent="-239821">
+                        <a:buFont typeface="Arial"/>
+                        <a:buChar char="•"/>
+                        <a:defRPr/>
+                      </a:pPr>
+                      <a:r>
+                        <a:rPr lang="de-DE" sz="1400" b="0" i="0" u="none" strike="noStrike" cap="none" spc="0">
+                          <a:solidFill>
+                            <a:schemeClr val="tx1"/>
+                          </a:solidFill>
+                          <a:latin typeface="Roboto"/>
+                          <a:ea typeface="Roboto"/>
+                          <a:cs typeface="Roboto"/>
+                        </a:rPr>
+                        <a:t>s_offset [-1.5, 1.5]</a:t>
+                      </a:r>
+                      <a:endParaRPr lang="de-DE" sz="1400" b="0" i="0" u="none" strike="noStrike" cap="none" spc="0">
+                        <a:solidFill>
+                          <a:schemeClr val="tx1"/>
+                        </a:solidFill>
+                        <a:latin typeface="Roboto"/>
+                        <a:ea typeface="Roboto"/>
+                        <a:cs typeface="Roboto"/>
+                      </a:endParaRPr>
+                    </a:p>
+                    <a:p>
+                      <a:pPr marL="239821" indent="-239821">
+                        <a:buFont typeface="Arial"/>
+                        <a:buChar char="•"/>
+                        <a:defRPr/>
+                      </a:pPr>
+                      <a:r>
+                        <a:rPr lang="de-DE" sz="1400" b="0" i="0" u="none" strike="noStrike" cap="none" spc="0">
+                          <a:solidFill>
+                            <a:schemeClr val="tx1"/>
+                          </a:solidFill>
+                          <a:latin typeface="Roboto"/>
+                          <a:ea typeface="Roboto"/>
+                          <a:cs typeface="Roboto"/>
+                        </a:rPr>
+                        <a:t>parameterSet</a:t>
+                      </a:r>
+                      <a:endParaRPr lang="de-DE" sz="1400" b="0" i="0" u="none" strike="noStrike" cap="none" spc="0">
+                        <a:solidFill>
+                          <a:schemeClr val="tx1"/>
+                        </a:solidFill>
+                        <a:latin typeface="Roboto"/>
+                        <a:ea typeface="Roboto"/>
+                        <a:cs typeface="Roboto"/>
+                      </a:endParaRPr>
+                    </a:p>
+                    <a:p>
+                      <a:pPr>
+                        <a:defRPr/>
+                      </a:pPr>
+                      <a:endParaRPr lang="de-DE" sz="1400" b="0" i="0" u="none" strike="noStrike" cap="none" spc="0">
+                        <a:solidFill>
+                          <a:schemeClr val="tx1"/>
+                        </a:solidFill>
+                        <a:latin typeface="Roboto"/>
+                        <a:ea typeface="Roboto"/>
+                        <a:cs typeface="Roboto"/>
+                      </a:endParaRPr>
+                    </a:p>
+                    <a:p>
+                      <a:pPr marL="239821" indent="-239821">
+                        <a:buFont typeface="Arial"/>
+                        <a:buChar char="•"/>
+                        <a:defRPr/>
+                      </a:pPr>
+                      <a:r>
+                        <a:rPr lang="de-DE" sz="1400" b="0" i="0" u="none" strike="noStrike" cap="none" spc="0">
+                          <a:solidFill>
+                            <a:schemeClr val="tx1"/>
+                          </a:solidFill>
+                          <a:latin typeface="Roboto"/>
+                          <a:ea typeface="Roboto"/>
+                          <a:cs typeface="Roboto"/>
+                        </a:rPr>
+                        <a:t>v_EgoInit = v_path</a:t>
+                      </a:r>
+                      <a:endParaRPr sz="1400" b="0" i="0" u="none" strike="noStrike" cap="none" spc="0">
+                        <a:solidFill>
+                          <a:schemeClr val="tx1"/>
+                        </a:solidFill>
+                        <a:latin typeface="Roboto"/>
+                        <a:cs typeface="Roboto"/>
+                      </a:endParaRPr>
+                    </a:p>
+                  </a:txBody>
+                  <a:tcPr marL="9524" marR="9524" marT="9524" marB="0" vert="horz" anchor="t">
+                    <a:lnL w="12699" algn="ctr">
+                      <a:solidFill>
+                        <a:srgbClr val="FFFFFF"/>
+                      </a:solidFill>
+                    </a:lnL>
+                    <a:lnR w="12699" algn="ctr">
+                      <a:solidFill>
+                        <a:srgbClr val="FFFFFF"/>
+                      </a:solidFill>
+                    </a:lnR>
+                    <a:lnT w="12699" algn="ctr">
+                      <a:solidFill>
+                        <a:srgbClr val="FFFFFF"/>
+                      </a:solidFill>
+                    </a:lnT>
+                    <a:lnB w="12699" algn="ctr">
+                      <a:solidFill>
+                        <a:srgbClr val="FFFFFF"/>
+                      </a:solidFill>
+                    </a:lnB>
+                    <a:solidFill>
+                      <a:schemeClr val="bg1">
+                        <a:lumMod val="85000"/>
+                      </a:schemeClr>
+                    </a:solidFill>
+                  </a:tcPr>
+                </a:tc>
+              </a:tr>
+            </a:tbl>
+          </a:graphicData>
+        </a:graphic>
+      </p:graphicFrame>
+      <p:sp>
+        <p:nvSpPr>
+          <p:cNvPr id="974361689" name="Textplatzhalter 7"/>
           <p:cNvSpPr>
             <a:spLocks noGrp="1"/>
           </p:cNvSpPr>
@@ -8611,146 +9993,34 @@
                 <a:ea typeface="Roboto"/>
                 <a:cs typeface="Roboto"/>
               </a:rPr>
-              <a:t>Key Performance </a:t>
-            </a:r>
-            <a:r>
-              <a:rPr lang="de-DE" sz="2400" b="1" i="0" u="none" strike="noStrike" cap="none" spc="0">
-                <a:solidFill>
-                  <a:schemeClr val="tx1"/>
-                </a:solidFill>
-                <a:latin typeface="Roboto"/>
-                <a:ea typeface="Roboto"/>
-                <a:cs typeface="Roboto"/>
-              </a:rPr>
-              <a:t>Indicators</a:t>
-            </a:r>
-            <a:r>
-              <a:rPr sz="2400"/>
-              <a:t> - KPIs</a:t>
-            </a:r>
-            <a:endParaRPr sz="2400"/>
-          </a:p>
-        </p:txBody>
-      </p:sp>
-      <p:sp>
-        <p:nvSpPr>
-          <p:cNvPr id="1882257251" name="Textplatzhalter 7"/>
-          <p:cNvSpPr>
-            <a:spLocks noGrp="1"/>
-          </p:cNvSpPr>
-          <p:nvPr>
-            <p:ph type="body" sz="quarter" idx="11" hasCustomPrompt="1"/>
-          </p:nvPr>
-        </p:nvSpPr>
-        <p:spPr bwMode="auto">
-          <a:xfrm>
-            <a:off x="192087" y="2554209"/>
-            <a:ext cx="11807824" cy="4348797"/>
-          </a:xfrm>
-          <a:prstGeom prst="rect">
-            <a:avLst/>
-          </a:prstGeom>
-        </p:spPr>
-        <p:txBody>
-          <a:bodyPr>
-            <a:normAutofit/>
-          </a:bodyPr>
-          <a:lstStyle>
-            <a:lvl1pPr>
-              <a:defRPr sz="2000">
-                <a:latin typeface="Roboto"/>
-                <a:ea typeface="Roboto"/>
-              </a:defRPr>
-            </a:lvl1pPr>
-            <a:lvl2pPr>
-              <a:defRPr sz="2000">
-                <a:latin typeface="Roboto"/>
-                <a:ea typeface="Roboto"/>
-              </a:defRPr>
-            </a:lvl2pPr>
-            <a:lvl3pPr>
-              <a:defRPr sz="2000">
-                <a:latin typeface="Roboto"/>
-                <a:ea typeface="Roboto"/>
-              </a:defRPr>
-            </a:lvl3pPr>
-            <a:lvl4pPr>
-              <a:defRPr sz="2000">
-                <a:latin typeface="Roboto"/>
-                <a:ea typeface="Roboto"/>
-              </a:defRPr>
-            </a:lvl4pPr>
-            <a:lvl5pPr>
-              <a:defRPr sz="2000">
-                <a:latin typeface="Roboto"/>
-                <a:ea typeface="Roboto"/>
-              </a:defRPr>
-            </a:lvl5pPr>
-          </a:lstStyle>
-          <a:p>
-            <a:pPr>
-              <a:defRPr/>
-            </a:pPr>
-            <a:r>
-              <a:rPr/>
-              <a:t>Grenzwerte für Messdaten, ab denen ein Test als fehlgeschlagen bewertet wird</a:t>
-            </a:r>
-            <a:endParaRPr/>
-          </a:p>
-          <a:p>
-            <a:pPr>
-              <a:defRPr/>
-            </a:pPr>
-            <a:r>
-              <a:rPr/>
-              <a:t>stark szenario- und parameterabhängig</a:t>
-            </a:r>
-            <a:endParaRPr/>
-          </a:p>
-          <a:p>
-            <a:pPr>
-              <a:defRPr/>
-            </a:pPr>
-            <a:r>
-              <a:rPr/>
-              <a:t>longitudinale/laterale Beschleunigung, Ruck, Pfadabweichung, Geschwindigkeitsabweichung, Distanzfehler (ACC)</a:t>
-            </a:r>
-            <a:endParaRPr/>
-          </a:p>
-          <a:p>
-            <a:pPr>
-              <a:defRPr/>
-            </a:pPr>
-            <a:r>
-              <a:rPr/>
-              <a:t>Teilweise exisitieren Normen/gesetzliche Vorgaben:</a:t>
-            </a:r>
-            <a:endParaRPr/>
-          </a:p>
-          <a:p>
-            <a:pPr>
-              <a:defRPr/>
-            </a:pPr>
+              <a:t>Szenariendefinition</a:t>
+            </a:r>
             <a:endParaRPr/>
           </a:p>
         </p:txBody>
       </p:sp>
       <p:pic>
         <p:nvPicPr>
-          <p:cNvPr id="536284086" name=""/>
+          <p:cNvPr id="1255328894" name=""/>
           <p:cNvPicPr>
             <a:picLocks noChangeAspect="1"/>
           </p:cNvPicPr>
           <p:nvPr/>
         </p:nvPicPr>
         <p:blipFill>
-          <a:blip r:embed="rId3"/>
+          <a:blip r:embed="rId3">
+            <a:extLst>
+              <a:ext uri="{96DAC541-7B7A-43D3-8B79-37D633B846F1}">
+                <asvg:svgBlip xmlns:asvg="http://schemas.microsoft.com/office/drawing/2016/SVG/main" r:embed="rId4"/>
+              </a:ext>
+            </a:extLst>
+          </a:blip>
           <a:stretch/>
         </p:blipFill>
         <p:spPr bwMode="auto">
           <a:xfrm flipH="0" flipV="0">
-            <a:off x="6788513" y="3912203"/>
-            <a:ext cx="2560831" cy="2225620"/>
+            <a:off x="6856387" y="908048"/>
+            <a:ext cx="5143523" cy="3325812"/>
           </a:xfrm>
           <a:prstGeom prst="rect">
             <a:avLst/>
@@ -8792,1219 +10062,6 @@
       </p:grpSpPr>
       <p:sp>
         <p:nvSpPr>
-          <p:cNvPr id="528408899" name="Titel 1"/>
-          <p:cNvSpPr>
-            <a:spLocks noGrp="1"/>
-          </p:cNvSpPr>
-          <p:nvPr>
-            <p:ph type="title"/>
-          </p:nvPr>
-        </p:nvSpPr>
-        <p:spPr bwMode="auto"/>
-        <p:txBody>
-          <a:bodyPr/>
-          <a:lstStyle/>
-          <a:p>
-            <a:pPr>
-              <a:defRPr/>
-            </a:pPr>
-            <a:r>
-              <a:rPr lang="de-DE"/>
-              <a:t>Implementierung</a:t>
-            </a:r>
-            <a:endParaRPr lang="de-DE"/>
-          </a:p>
-        </p:txBody>
-      </p:sp>
-      <p:sp>
-        <p:nvSpPr>
-          <p:cNvPr id="960133446" name="Textplatzhalter 4"/>
-          <p:cNvSpPr>
-            <a:spLocks noGrp="1"/>
-          </p:cNvSpPr>
-          <p:nvPr>
-            <p:ph type="body" sz="quarter" idx="12"/>
-          </p:nvPr>
-        </p:nvSpPr>
-        <p:spPr bwMode="auto">
-          <a:xfrm>
-            <a:off x="571210" y="1712850"/>
-            <a:ext cx="7259423" cy="2390252"/>
-          </a:xfrm>
-        </p:spPr>
-        <p:txBody>
-          <a:bodyPr vertOverflow="overflow" horzOverflow="overflow" vert="horz" wrap="square" lIns="0" tIns="0" rIns="0" bIns="0" numCol="1" spcCol="0" rtlCol="0" fromWordArt="0" anchor="t" anchorCtr="0" forceAA="0" upright="0" compatLnSpc="0">
-            <a:normAutofit fontScale="85000" lnSpcReduction="3000"/>
-          </a:bodyPr>
-          <a:lstStyle/>
-          <a:p>
-            <a:pPr>
-              <a:defRPr/>
-            </a:pPr>
-            <a:r>
-              <a:rPr lang="de-DE" sz="2800"/>
-              <a:t>Berücksichtung</a:t>
-            </a:r>
-            <a:r>
-              <a:rPr lang="de-DE" sz="2800"/>
-              <a:t> versch. Quellen</a:t>
-            </a:r>
-            <a:endParaRPr sz="2800"/>
-          </a:p>
-          <a:p>
-            <a:pPr lvl="2">
-              <a:defRPr/>
-            </a:pPr>
-            <a:r>
-              <a:rPr lang="de-DE" sz="2200"/>
-              <a:t>Szenariendatenbank</a:t>
-            </a:r>
-            <a:endParaRPr lang="de-DE" sz="2200"/>
-          </a:p>
-          <a:p>
-            <a:pPr lvl="2">
-              <a:defRPr/>
-            </a:pPr>
-            <a:r>
-              <a:rPr lang="de-DE" sz="2200"/>
-              <a:t>Normen</a:t>
-            </a:r>
-            <a:endParaRPr sz="2200"/>
-          </a:p>
-          <a:p>
-            <a:pPr>
-              <a:defRPr/>
-            </a:pPr>
-            <a:r>
-              <a:rPr lang="de-DE" sz="2800"/>
-              <a:t>Beschreibung, Anforderungsdefinition, logische Beschreibung</a:t>
-            </a:r>
-            <a:endParaRPr sz="2800"/>
-          </a:p>
-          <a:p>
-            <a:pPr>
-              <a:defRPr/>
-            </a:pPr>
-            <a:r>
-              <a:rPr lang="de-DE" sz="2800"/>
-              <a:t>Beispiel: ACC mit konstanter Objektgeschwindigkeit</a:t>
-            </a:r>
-            <a:endParaRPr sz="2800"/>
-          </a:p>
-        </p:txBody>
-      </p:sp>
-      <p:graphicFrame>
-        <p:nvGraphicFramePr>
-          <p:cNvPr id="2125329857" name="Tabelle 5"/>
-          <p:cNvGraphicFramePr>
-            <a:graphicFrameLocks xmlns:a="http://schemas.openxmlformats.org/drawingml/2006/main"/>
-          </p:cNvGraphicFramePr>
-          <p:nvPr/>
-        </p:nvGraphicFramePr>
-        <p:xfrm>
-          <a:off x="667543" y="4371092"/>
-          <a:ext cx="10198099" cy="1727199"/>
-        </p:xfrm>
-        <a:graphic>
-          <a:graphicData uri="http://schemas.openxmlformats.org/drawingml/2006/table">
-            <a:tbl>
-              <a:tblPr firstRow="0" firstCol="0" lastRow="0" lastCol="0" bandRow="0" bandCol="0"/>
-              <a:tblGrid>
-                <a:gridCol w="1587499"/>
-                <a:gridCol w="2870199"/>
-                <a:gridCol w="2171700"/>
-                <a:gridCol w="1269999"/>
-                <a:gridCol w="2286000"/>
-              </a:tblGrid>
-              <a:tr h="381000">
-                <a:tc>
-                  <a:txBody>
-                    <a:bodyPr/>
-                    <a:p>
-                      <a:pPr marL="0" marR="0" lvl="0" indent="0" algn="ctr" defTabSz="863994">
-                        <a:lnSpc>
-                          <a:spcPct val="100000"/>
-                        </a:lnSpc>
-                        <a:spcBef>
-                          <a:spcPts val="0"/>
-                        </a:spcBef>
-                        <a:spcAft>
-                          <a:spcPts val="0"/>
-                        </a:spcAft>
-                        <a:defRPr lang="de-DE" sz="1700" b="0" i="0" u="none" strike="noStrike" cap="none" spc="0">
-                          <a:solidFill>
-                            <a:srgbClr val="001A54"/>
-                          </a:solidFill>
-                          <a:latin typeface="Arial"/>
-                          <a:ea typeface="Arial"/>
-                          <a:cs typeface="Arial"/>
-                        </a:defRPr>
-                      </a:pPr>
-                      <a:r>
-                        <a:rPr lang="de-DE" sz="1100" u="none" strike="noStrike">
-                          <a:solidFill>
-                            <a:schemeClr val="bg1"/>
-                          </a:solidFill>
-                          <a:latin typeface="Roboto"/>
-                          <a:ea typeface="Roboto"/>
-                          <a:cs typeface="Roboto"/>
-                        </a:rPr>
-                        <a:t>Scene Identifier</a:t>
-                      </a:r>
-                      <a:endParaRPr sz="1100" b="1" i="0" u="none" strike="noStrike">
-                        <a:solidFill>
-                          <a:schemeClr val="bg1"/>
-                        </a:solidFill>
-                        <a:latin typeface="Roboto"/>
-                        <a:cs typeface="Roboto"/>
-                      </a:endParaRPr>
-                    </a:p>
-                  </a:txBody>
-                  <a:tcPr marL="9524" marR="9524" marT="9524" marB="0" vert="horz" anchor="ctr">
-                    <a:lnL w="12699" algn="ctr">
-                      <a:solidFill>
-                        <a:srgbClr val="FFFFFF"/>
-                      </a:solidFill>
-                    </a:lnL>
-                    <a:lnR w="12699" algn="ctr">
-                      <a:solidFill>
-                        <a:srgbClr val="FFFFFF"/>
-                      </a:solidFill>
-                    </a:lnR>
-                    <a:lnT w="12699" algn="ctr">
-                      <a:solidFill>
-                        <a:srgbClr val="FFFFFF"/>
-                      </a:solidFill>
-                    </a:lnT>
-                    <a:lnB w="12699" algn="ctr">
-                      <a:solidFill>
-                        <a:srgbClr val="FFFFFF"/>
-                      </a:solidFill>
-                    </a:lnB>
-                    <a:solidFill>
-                      <a:srgbClr val="0F34B0"/>
-                    </a:solidFill>
-                  </a:tcPr>
-                </a:tc>
-                <a:tc>
-                  <a:txBody>
-                    <a:bodyPr/>
-                    <a:p>
-                      <a:pPr marL="0" marR="0" lvl="0" indent="0" algn="ctr" defTabSz="863994">
-                        <a:lnSpc>
-                          <a:spcPct val="100000"/>
-                        </a:lnSpc>
-                        <a:spcBef>
-                          <a:spcPts val="0"/>
-                        </a:spcBef>
-                        <a:spcAft>
-                          <a:spcPts val="0"/>
-                        </a:spcAft>
-                        <a:defRPr lang="de-DE" sz="1700" b="0" i="0" u="none" strike="noStrike" cap="none" spc="0">
-                          <a:solidFill>
-                            <a:srgbClr val="001A54"/>
-                          </a:solidFill>
-                          <a:latin typeface="Arial"/>
-                          <a:ea typeface="Arial"/>
-                          <a:cs typeface="Arial"/>
-                        </a:defRPr>
-                      </a:pPr>
-                      <a:r>
-                        <a:rPr lang="de-DE" sz="1100" u="none" strike="noStrike">
-                          <a:solidFill>
-                            <a:schemeClr val="bg1"/>
-                          </a:solidFill>
-                          <a:latin typeface="Roboto"/>
-                          <a:ea typeface="Roboto"/>
-                          <a:cs typeface="Roboto"/>
-                        </a:rPr>
-                        <a:t>Beschreibung</a:t>
-                      </a:r>
-                      <a:endParaRPr sz="1100" b="1" i="0" u="none" strike="noStrike">
-                        <a:solidFill>
-                          <a:schemeClr val="bg1"/>
-                        </a:solidFill>
-                        <a:latin typeface="Roboto"/>
-                        <a:cs typeface="Roboto"/>
-                      </a:endParaRPr>
-                    </a:p>
-                  </a:txBody>
-                  <a:tcPr marL="9524" marR="9524" marT="9524" marB="0" vert="horz" anchor="ctr">
-                    <a:lnL w="12699" algn="ctr">
-                      <a:solidFill>
-                        <a:srgbClr val="FFFFFF"/>
-                      </a:solidFill>
-                    </a:lnL>
-                    <a:lnR w="12699" algn="ctr">
-                      <a:solidFill>
-                        <a:srgbClr val="FFFFFF"/>
-                      </a:solidFill>
-                    </a:lnR>
-                    <a:lnT w="12699" algn="ctr">
-                      <a:solidFill>
-                        <a:srgbClr val="FFFFFF"/>
-                      </a:solidFill>
-                    </a:lnT>
-                    <a:lnB w="12699" algn="ctr">
-                      <a:solidFill>
-                        <a:srgbClr val="FFFFFF"/>
-                      </a:solidFill>
-                    </a:lnB>
-                    <a:solidFill>
-                      <a:srgbClr val="0F34B0"/>
-                    </a:solidFill>
-                  </a:tcPr>
-                </a:tc>
-                <a:tc>
-                  <a:txBody>
-                    <a:bodyPr/>
-                    <a:p>
-                      <a:pPr marL="0" marR="0" lvl="0" indent="0" algn="ctr" defTabSz="863994">
-                        <a:lnSpc>
-                          <a:spcPct val="100000"/>
-                        </a:lnSpc>
-                        <a:spcBef>
-                          <a:spcPts val="0"/>
-                        </a:spcBef>
-                        <a:spcAft>
-                          <a:spcPts val="0"/>
-                        </a:spcAft>
-                        <a:defRPr lang="de-DE" sz="1700" b="0" i="0" u="none" strike="noStrike" cap="none" spc="0">
-                          <a:solidFill>
-                            <a:srgbClr val="001A54"/>
-                          </a:solidFill>
-                          <a:latin typeface="Arial"/>
-                          <a:ea typeface="Arial"/>
-                          <a:cs typeface="Arial"/>
-                        </a:defRPr>
-                      </a:pPr>
-                      <a:r>
-                        <a:rPr lang="de-DE" sz="1100" u="none" strike="noStrike">
-                          <a:solidFill>
-                            <a:schemeClr val="bg1"/>
-                          </a:solidFill>
-                          <a:latin typeface="Roboto"/>
-                          <a:ea typeface="Roboto"/>
-                          <a:cs typeface="Roboto"/>
-                        </a:rPr>
-                        <a:t>erwartetes Verhalten</a:t>
-                      </a:r>
-                      <a:endParaRPr sz="1100" b="1" i="0" u="none" strike="noStrike">
-                        <a:solidFill>
-                          <a:schemeClr val="bg1"/>
-                        </a:solidFill>
-                        <a:latin typeface="Roboto"/>
-                        <a:cs typeface="Roboto"/>
-                      </a:endParaRPr>
-                    </a:p>
-                  </a:txBody>
-                  <a:tcPr marL="9524" marR="9524" marT="9524" marB="0" vert="horz" anchor="ctr">
-                    <a:lnL w="12699" algn="ctr">
-                      <a:solidFill>
-                        <a:srgbClr val="FFFFFF"/>
-                      </a:solidFill>
-                    </a:lnL>
-                    <a:lnR w="12699" algn="ctr">
-                      <a:solidFill>
-                        <a:srgbClr val="FFFFFF"/>
-                      </a:solidFill>
-                    </a:lnR>
-                    <a:lnT w="12699" algn="ctr">
-                      <a:solidFill>
-                        <a:srgbClr val="FFFFFF"/>
-                      </a:solidFill>
-                    </a:lnT>
-                    <a:lnB w="12699" algn="ctr">
-                      <a:solidFill>
-                        <a:srgbClr val="FFFFFF"/>
-                      </a:solidFill>
-                    </a:lnB>
-                    <a:solidFill>
-                      <a:srgbClr val="0F34B0"/>
-                    </a:solidFill>
-                  </a:tcPr>
-                </a:tc>
-                <a:tc>
-                  <a:txBody>
-                    <a:bodyPr/>
-                    <a:p>
-                      <a:pPr marL="0" marR="0" lvl="0" indent="0" algn="ctr" defTabSz="863994">
-                        <a:lnSpc>
-                          <a:spcPct val="100000"/>
-                        </a:lnSpc>
-                        <a:spcBef>
-                          <a:spcPts val="0"/>
-                        </a:spcBef>
-                        <a:spcAft>
-                          <a:spcPts val="0"/>
-                        </a:spcAft>
-                        <a:defRPr lang="de-DE" sz="1700" b="0" i="0" u="none" strike="noStrike" cap="none" spc="0">
-                          <a:solidFill>
-                            <a:srgbClr val="001A54"/>
-                          </a:solidFill>
-                          <a:latin typeface="Arial"/>
-                          <a:ea typeface="Arial"/>
-                          <a:cs typeface="Arial"/>
-                        </a:defRPr>
-                      </a:pPr>
-                      <a:r>
-                        <a:rPr lang="de-DE" sz="1100" u="none" strike="noStrike">
-                          <a:solidFill>
-                            <a:schemeClr val="bg1"/>
-                          </a:solidFill>
-                          <a:latin typeface="Roboto"/>
-                          <a:ea typeface="Roboto"/>
-                          <a:cs typeface="Roboto"/>
-                        </a:rPr>
-                        <a:t>KPI</a:t>
-                      </a:r>
-                      <a:endParaRPr sz="1100" b="1" i="0" u="none" strike="noStrike">
-                        <a:solidFill>
-                          <a:schemeClr val="bg1"/>
-                        </a:solidFill>
-                        <a:latin typeface="Roboto"/>
-                        <a:cs typeface="Roboto"/>
-                      </a:endParaRPr>
-                    </a:p>
-                  </a:txBody>
-                  <a:tcPr marL="9524" marR="9524" marT="9524" marB="0" vert="horz" anchor="ctr">
-                    <a:lnL w="12699" algn="ctr">
-                      <a:solidFill>
-                        <a:srgbClr val="FFFFFF"/>
-                      </a:solidFill>
-                    </a:lnL>
-                    <a:lnR w="12699" algn="ctr">
-                      <a:solidFill>
-                        <a:srgbClr val="FFFFFF"/>
-                      </a:solidFill>
-                    </a:lnR>
-                    <a:lnT w="12699" algn="ctr">
-                      <a:solidFill>
-                        <a:srgbClr val="FFFFFF"/>
-                      </a:solidFill>
-                    </a:lnT>
-                    <a:lnB w="12699" algn="ctr">
-                      <a:solidFill>
-                        <a:srgbClr val="FFFFFF"/>
-                      </a:solidFill>
-                    </a:lnB>
-                    <a:solidFill>
-                      <a:srgbClr val="0F34B0"/>
-                    </a:solidFill>
-                  </a:tcPr>
-                </a:tc>
-                <a:tc>
-                  <a:txBody>
-                    <a:bodyPr/>
-                    <a:p>
-                      <a:pPr marL="0" marR="0" lvl="0" indent="0" algn="ctr" defTabSz="863994">
-                        <a:lnSpc>
-                          <a:spcPct val="100000"/>
-                        </a:lnSpc>
-                        <a:spcBef>
-                          <a:spcPts val="0"/>
-                        </a:spcBef>
-                        <a:spcAft>
-                          <a:spcPts val="0"/>
-                        </a:spcAft>
-                        <a:defRPr lang="de-DE" sz="1700" b="0" i="0" u="none" strike="noStrike" cap="none" spc="0">
-                          <a:solidFill>
-                            <a:srgbClr val="001A54"/>
-                          </a:solidFill>
-                          <a:latin typeface="Arial"/>
-                          <a:ea typeface="Arial"/>
-                          <a:cs typeface="Arial"/>
-                        </a:defRPr>
-                      </a:pPr>
-                      <a:r>
-                        <a:rPr lang="de-DE" sz="1100" u="none" strike="noStrike">
-                          <a:solidFill>
-                            <a:schemeClr val="bg1"/>
-                          </a:solidFill>
-                          <a:latin typeface="Roboto"/>
-                          <a:ea typeface="Roboto"/>
-                          <a:cs typeface="Roboto"/>
-                        </a:rPr>
-                        <a:t>Parametrierung</a:t>
-                      </a:r>
-                      <a:endParaRPr sz="1100" b="1" i="0" u="none" strike="noStrike">
-                        <a:solidFill>
-                          <a:schemeClr val="bg1"/>
-                        </a:solidFill>
-                        <a:latin typeface="Roboto"/>
-                        <a:cs typeface="Roboto"/>
-                      </a:endParaRPr>
-                    </a:p>
-                  </a:txBody>
-                  <a:tcPr marL="9524" marR="9524" marT="9524" marB="0" vert="horz" anchor="ctr">
-                    <a:lnL w="12699" algn="ctr">
-                      <a:solidFill>
-                        <a:srgbClr val="FFFFFF"/>
-                      </a:solidFill>
-                    </a:lnL>
-                    <a:lnR w="12699" algn="ctr">
-                      <a:solidFill>
-                        <a:srgbClr val="FFFFFF"/>
-                      </a:solidFill>
-                    </a:lnR>
-                    <a:lnT w="12699" algn="ctr">
-                      <a:solidFill>
-                        <a:srgbClr val="FFFFFF"/>
-                      </a:solidFill>
-                    </a:lnT>
-                    <a:lnB w="12699" algn="ctr">
-                      <a:solidFill>
-                        <a:srgbClr val="FFFFFF"/>
-                      </a:solidFill>
-                    </a:lnB>
-                    <a:solidFill>
-                      <a:srgbClr val="0F34B0"/>
-                    </a:solidFill>
-                  </a:tcPr>
-                </a:tc>
-              </a:tr>
-              <a:tr h="1333500">
-                <a:tc>
-                  <a:txBody>
-                    <a:bodyPr/>
-                    <a:p>
-                      <a:pPr marL="0" marR="0" lvl="0" indent="0" algn="l" defTabSz="863994">
-                        <a:lnSpc>
-                          <a:spcPct val="100000"/>
-                        </a:lnSpc>
-                        <a:spcBef>
-                          <a:spcPts val="0"/>
-                        </a:spcBef>
-                        <a:spcAft>
-                          <a:spcPts val="0"/>
-                        </a:spcAft>
-                        <a:defRPr lang="de-DE" sz="1700" b="0" i="0" u="none" strike="noStrike" cap="none" spc="0">
-                          <a:solidFill>
-                            <a:srgbClr val="001A54"/>
-                          </a:solidFill>
-                          <a:latin typeface="Arial"/>
-                          <a:ea typeface="Arial"/>
-                          <a:cs typeface="Arial"/>
-                        </a:defRPr>
-                      </a:pPr>
-                      <a:r>
-                        <a:rPr lang="de-DE" sz="1100" u="none" strike="noStrike">
-                          <a:latin typeface="Roboto"/>
-                          <a:ea typeface="Roboto"/>
-                          <a:cs typeface="Roboto"/>
-                        </a:rPr>
-                        <a:t>ACC_Straigth_VelConst</a:t>
-                      </a:r>
-                      <a:endParaRPr sz="1100" b="0" i="0" u="none" strike="noStrike">
-                        <a:solidFill>
-                          <a:srgbClr val="000000"/>
-                        </a:solidFill>
-                        <a:latin typeface="Roboto"/>
-                        <a:cs typeface="Roboto"/>
-                      </a:endParaRPr>
-                    </a:p>
-                  </a:txBody>
-                  <a:tcPr marL="9524" marR="9524" marT="9524" marB="0" vert="horz" anchor="t">
-                    <a:lnL w="12699" algn="ctr">
-                      <a:solidFill>
-                        <a:srgbClr val="FFFFFF"/>
-                      </a:solidFill>
-                    </a:lnL>
-                    <a:lnR w="12699" algn="ctr">
-                      <a:solidFill>
-                        <a:srgbClr val="FFFFFF"/>
-                      </a:solidFill>
-                    </a:lnR>
-                    <a:lnT w="12699" algn="ctr">
-                      <a:solidFill>
-                        <a:srgbClr val="FFFFFF"/>
-                      </a:solidFill>
-                    </a:lnT>
-                    <a:lnB w="12699" algn="ctr">
-                      <a:solidFill>
-                        <a:srgbClr val="FFFFFF"/>
-                      </a:solidFill>
-                    </a:lnB>
-                    <a:solidFill>
-                      <a:srgbClr val="97DFFF"/>
-                    </a:solidFill>
-                  </a:tcPr>
-                </a:tc>
-                <a:tc>
-                  <a:txBody>
-                    <a:bodyPr/>
-                    <a:p>
-                      <a:pPr marL="0" marR="0" lvl="0" indent="0" algn="l" defTabSz="863994">
-                        <a:lnSpc>
-                          <a:spcPct val="100000"/>
-                        </a:lnSpc>
-                        <a:spcBef>
-                          <a:spcPts val="0"/>
-                        </a:spcBef>
-                        <a:spcAft>
-                          <a:spcPts val="0"/>
-                        </a:spcAft>
-                        <a:defRPr lang="de-DE" sz="1700" b="0" i="0" u="none" strike="noStrike" cap="none" spc="0">
-                          <a:solidFill>
-                            <a:srgbClr val="001A54"/>
-                          </a:solidFill>
-                          <a:latin typeface="Arial"/>
-                          <a:ea typeface="Arial"/>
-                          <a:cs typeface="Arial"/>
-                        </a:defRPr>
-                      </a:pPr>
-                      <a:r>
-                        <a:rPr lang="de-DE" sz="1100" u="none" strike="noStrike">
-                          <a:latin typeface="Roboto"/>
-                          <a:ea typeface="Roboto"/>
-                          <a:cs typeface="Roboto"/>
-                        </a:rPr>
-                        <a:t>* das Ego startet mit einer Initialgeschwindigkeit auf einer Geraden</a:t>
-                      </a:r>
-                      <a:br>
-                        <a:rPr lang="de-DE" sz="1100" u="none" strike="noStrike">
-                          <a:latin typeface="Roboto"/>
-                          <a:ea typeface="Roboto"/>
-                          <a:cs typeface="Roboto"/>
-                        </a:rPr>
-                      </a:br>
-                      <a:r>
-                        <a:rPr lang="de-DE" sz="1100" u="none" strike="noStrike">
-                          <a:latin typeface="Roboto"/>
-                          <a:ea typeface="Roboto"/>
-                          <a:cs typeface="Roboto"/>
-                        </a:rPr>
-                        <a:t>* das Target fährt vor</a:t>
-                      </a:r>
-                      <a:br>
-                        <a:rPr lang="de-DE" sz="1100" u="none" strike="noStrike">
-                          <a:latin typeface="Roboto"/>
-                          <a:ea typeface="Roboto"/>
-                          <a:cs typeface="Roboto"/>
-                        </a:rPr>
-                      </a:br>
-                      <a:r>
-                        <a:rPr lang="de-DE" sz="1100" u="none" strike="noStrike">
-                          <a:latin typeface="Roboto"/>
-                          <a:ea typeface="Roboto"/>
-                          <a:cs typeface="Roboto"/>
-                        </a:rPr>
-                        <a:t>dem Ego mit konstanter Geschwindigkeit</a:t>
-                      </a:r>
-                      <a:br>
-                        <a:rPr lang="de-DE" sz="1100" u="none" strike="noStrike">
-                          <a:latin typeface="Roboto"/>
-                          <a:ea typeface="Roboto"/>
-                          <a:cs typeface="Roboto"/>
-                        </a:rPr>
-                      </a:br>
-                      <a:r>
-                        <a:rPr lang="de-DE" sz="1100" u="none" strike="noStrike">
-                          <a:latin typeface="Roboto"/>
-                          <a:ea typeface="Roboto"/>
-                          <a:cs typeface="Roboto"/>
-                        </a:rPr>
-                        <a:t>* es </a:t>
-                      </a:r>
-                      <a:r>
-                        <a:rPr lang="de-DE" sz="1100" u="none" strike="noStrike">
-                          <a:latin typeface="Roboto"/>
-                          <a:ea typeface="Roboto"/>
-                          <a:cs typeface="Roboto"/>
-                        </a:rPr>
-                        <a:t>exisitiert</a:t>
-                      </a:r>
-                      <a:r>
-                        <a:rPr lang="de-DE" sz="1100" u="none" strike="noStrike">
-                          <a:latin typeface="Roboto"/>
-                          <a:ea typeface="Roboto"/>
-                          <a:cs typeface="Roboto"/>
-                        </a:rPr>
-                        <a:t> eine Geschwindigkeitsdifferenz</a:t>
-                      </a:r>
-                      <a:br>
-                        <a:rPr lang="de-DE" sz="1100" u="none" strike="noStrike">
-                          <a:latin typeface="Roboto"/>
-                          <a:ea typeface="Roboto"/>
-                          <a:cs typeface="Roboto"/>
-                        </a:rPr>
-                      </a:br>
-                      <a:r>
-                        <a:rPr lang="de-DE" sz="1100" u="none" strike="noStrike">
-                          <a:latin typeface="Roboto"/>
-                          <a:ea typeface="Roboto"/>
-                          <a:cs typeface="Roboto"/>
-                        </a:rPr>
-                        <a:t>* die initiale Zeitlücke weicht von der gewünschten Lücke ab</a:t>
-                      </a:r>
-                      <a:endParaRPr sz="1100" b="0" i="0" u="none" strike="noStrike">
-                        <a:solidFill>
-                          <a:srgbClr val="000000"/>
-                        </a:solidFill>
-                        <a:latin typeface="Roboto"/>
-                        <a:cs typeface="Roboto"/>
-                      </a:endParaRPr>
-                    </a:p>
-                  </a:txBody>
-                  <a:tcPr marL="9524" marR="9524" marT="9524" marB="0" vert="horz" anchor="t">
-                    <a:lnL w="12699" algn="ctr">
-                      <a:solidFill>
-                        <a:srgbClr val="FFFFFF"/>
-                      </a:solidFill>
-                    </a:lnL>
-                    <a:lnR w="12699" algn="ctr">
-                      <a:solidFill>
-                        <a:srgbClr val="FFFFFF"/>
-                      </a:solidFill>
-                    </a:lnR>
-                    <a:lnT w="12699" algn="ctr">
-                      <a:solidFill>
-                        <a:srgbClr val="FFFFFF"/>
-                      </a:solidFill>
-                    </a:lnT>
-                    <a:lnB w="12699" algn="ctr">
-                      <a:solidFill>
-                        <a:srgbClr val="FFFFFF"/>
-                      </a:solidFill>
-                    </a:lnB>
-                    <a:solidFill>
-                      <a:srgbClr val="97DFFF"/>
-                    </a:solidFill>
-                  </a:tcPr>
-                </a:tc>
-                <a:tc>
-                  <a:txBody>
-                    <a:bodyPr/>
-                    <a:p>
-                      <a:pPr marL="0" marR="0" lvl="0" indent="0" algn="l" defTabSz="863994">
-                        <a:lnSpc>
-                          <a:spcPct val="100000"/>
-                        </a:lnSpc>
-                        <a:spcBef>
-                          <a:spcPts val="0"/>
-                        </a:spcBef>
-                        <a:spcAft>
-                          <a:spcPts val="0"/>
-                        </a:spcAft>
-                        <a:defRPr lang="de-DE" sz="1700" b="0" i="0" u="none" strike="noStrike" cap="none" spc="0">
-                          <a:solidFill>
-                            <a:srgbClr val="001A54"/>
-                          </a:solidFill>
-                          <a:latin typeface="Arial"/>
-                          <a:ea typeface="Arial"/>
-                          <a:cs typeface="Arial"/>
-                        </a:defRPr>
-                      </a:pPr>
-                      <a:r>
-                        <a:rPr lang="de-DE" sz="1100" u="none" strike="noStrike">
-                          <a:latin typeface="Roboto"/>
-                          <a:ea typeface="Roboto"/>
-                          <a:cs typeface="Roboto"/>
-                        </a:rPr>
-                        <a:t>* das Ego sollte die Geschwindigkeitsdifferenz beseitigen und die gewünschte Zeitlücke herstellen.</a:t>
-                      </a:r>
-                      <a:endParaRPr sz="1100" b="0" i="0" u="none" strike="noStrike">
-                        <a:solidFill>
-                          <a:srgbClr val="000000"/>
-                        </a:solidFill>
-                        <a:latin typeface="Roboto"/>
-                        <a:cs typeface="Roboto"/>
-                      </a:endParaRPr>
-                    </a:p>
-                  </a:txBody>
-                  <a:tcPr marL="9524" marR="9524" marT="9524" marB="0" vert="horz" anchor="t">
-                    <a:lnL w="12699" algn="ctr">
-                      <a:solidFill>
-                        <a:srgbClr val="FFFFFF"/>
-                      </a:solidFill>
-                    </a:lnL>
-                    <a:lnR w="12699" algn="ctr">
-                      <a:solidFill>
-                        <a:srgbClr val="FFFFFF"/>
-                      </a:solidFill>
-                    </a:lnR>
-                    <a:lnT w="12699" algn="ctr">
-                      <a:solidFill>
-                        <a:srgbClr val="FFFFFF"/>
-                      </a:solidFill>
-                    </a:lnT>
-                    <a:lnB w="12699" algn="ctr">
-                      <a:solidFill>
-                        <a:srgbClr val="FFFFFF"/>
-                      </a:solidFill>
-                    </a:lnB>
-                    <a:solidFill>
-                      <a:srgbClr val="97DFFF"/>
-                    </a:solidFill>
-                  </a:tcPr>
-                </a:tc>
-                <a:tc>
-                  <a:txBody>
-                    <a:bodyPr/>
-                    <a:p>
-                      <a:pPr marL="0" marR="0" lvl="0" indent="0" algn="l" defTabSz="863994">
-                        <a:lnSpc>
-                          <a:spcPct val="100000"/>
-                        </a:lnSpc>
-                        <a:spcBef>
-                          <a:spcPts val="0"/>
-                        </a:spcBef>
-                        <a:spcAft>
-                          <a:spcPts val="0"/>
-                        </a:spcAft>
-                        <a:defRPr lang="de-DE" sz="1700" b="0" i="0" u="none" strike="noStrike" cap="none" spc="0">
-                          <a:solidFill>
-                            <a:srgbClr val="001A54"/>
-                          </a:solidFill>
-                          <a:latin typeface="Arial"/>
-                          <a:ea typeface="Arial"/>
-                          <a:cs typeface="Arial"/>
-                        </a:defRPr>
-                      </a:pPr>
-                      <a:r>
-                        <a:rPr lang="en-US" sz="1100" u="none" strike="noStrike">
-                          <a:latin typeface="Roboto"/>
-                          <a:ea typeface="Roboto"/>
-                          <a:cs typeface="Roboto"/>
-                        </a:rPr>
-                        <a:t>* </a:t>
-                      </a:r>
-                      <a:r>
-                        <a:rPr lang="en-US" sz="1100" u="none" strike="noStrike">
-                          <a:latin typeface="Roboto"/>
-                          <a:ea typeface="Roboto"/>
-                          <a:cs typeface="Roboto"/>
-                        </a:rPr>
-                        <a:t>a_Long</a:t>
-                      </a:r>
-                      <a:br>
-                        <a:rPr lang="en-US" sz="1100" u="none" strike="noStrike">
-                          <a:latin typeface="Roboto"/>
-                          <a:ea typeface="Roboto"/>
-                          <a:cs typeface="Roboto"/>
-                        </a:rPr>
-                      </a:br>
-                      <a:r>
-                        <a:rPr lang="en-US" sz="1100" u="none" strike="noStrike">
-                          <a:latin typeface="Roboto"/>
-                          <a:ea typeface="Roboto"/>
-                          <a:cs typeface="Roboto"/>
-                        </a:rPr>
-                        <a:t>* </a:t>
-                      </a:r>
-                      <a:r>
-                        <a:rPr lang="en-US" sz="1100" u="none" strike="noStrike">
-                          <a:latin typeface="Roboto"/>
-                          <a:ea typeface="Roboto"/>
-                          <a:cs typeface="Roboto"/>
-                        </a:rPr>
-                        <a:t>j_Long</a:t>
-                      </a:r>
-                      <a:br>
-                        <a:rPr lang="en-US" sz="1100" u="none" strike="noStrike">
-                          <a:latin typeface="Roboto"/>
-                          <a:ea typeface="Roboto"/>
-                          <a:cs typeface="Roboto"/>
-                        </a:rPr>
-                      </a:br>
-                      <a:r>
-                        <a:rPr lang="en-US" sz="1100" u="none" strike="noStrike">
-                          <a:latin typeface="Roboto"/>
-                          <a:ea typeface="Roboto"/>
-                          <a:cs typeface="Roboto"/>
-                        </a:rPr>
-                        <a:t>* </a:t>
-                      </a:r>
-                      <a:r>
-                        <a:rPr lang="en-US" sz="1100" u="none" strike="noStrike">
-                          <a:latin typeface="Roboto"/>
-                          <a:ea typeface="Roboto"/>
-                          <a:cs typeface="Roboto"/>
-                        </a:rPr>
-                        <a:t>t_settle</a:t>
-                      </a:r>
-                      <a:br>
-                        <a:rPr lang="en-US" sz="1100" u="none" strike="noStrike">
-                          <a:latin typeface="Roboto"/>
-                          <a:ea typeface="Roboto"/>
-                          <a:cs typeface="Roboto"/>
-                        </a:rPr>
-                      </a:br>
-                      <a:r>
-                        <a:rPr lang="en-US" sz="1100" u="none" strike="noStrike">
-                          <a:latin typeface="Roboto"/>
-                          <a:ea typeface="Roboto"/>
-                          <a:cs typeface="Roboto"/>
-                        </a:rPr>
-                        <a:t>* </a:t>
-                      </a:r>
-                      <a:r>
-                        <a:rPr lang="en-US" sz="1100" u="none" strike="noStrike">
-                          <a:latin typeface="Roboto"/>
-                          <a:ea typeface="Roboto"/>
-                          <a:cs typeface="Roboto"/>
-                        </a:rPr>
-                        <a:t>t_reaction</a:t>
-                      </a:r>
-                      <a:endParaRPr sz="1100" b="0" i="0" u="none" strike="noStrike">
-                        <a:solidFill>
-                          <a:srgbClr val="000000"/>
-                        </a:solidFill>
-                        <a:latin typeface="Roboto"/>
-                        <a:cs typeface="Roboto"/>
-                      </a:endParaRPr>
-                    </a:p>
-                  </a:txBody>
-                  <a:tcPr marL="9524" marR="9524" marT="9524" marB="0" vert="horz" anchor="t">
-                    <a:lnL w="12699" algn="ctr">
-                      <a:solidFill>
-                        <a:srgbClr val="FFFFFF"/>
-                      </a:solidFill>
-                    </a:lnL>
-                    <a:lnR w="12699" algn="ctr">
-                      <a:solidFill>
-                        <a:srgbClr val="FFFFFF"/>
-                      </a:solidFill>
-                    </a:lnR>
-                    <a:lnT w="12699" algn="ctr">
-                      <a:solidFill>
-                        <a:srgbClr val="FFFFFF"/>
-                      </a:solidFill>
-                    </a:lnT>
-                    <a:lnB w="12699" algn="ctr">
-                      <a:solidFill>
-                        <a:srgbClr val="FFFFFF"/>
-                      </a:solidFill>
-                    </a:lnB>
-                    <a:solidFill>
-                      <a:srgbClr val="97DFFF"/>
-                    </a:solidFill>
-                  </a:tcPr>
-                </a:tc>
-                <a:tc>
-                  <a:txBody>
-                    <a:bodyPr/>
-                    <a:p>
-                      <a:pPr marL="0" marR="0" lvl="0" indent="0" algn="l" defTabSz="863994">
-                        <a:lnSpc>
-                          <a:spcPct val="100000"/>
-                        </a:lnSpc>
-                        <a:spcBef>
-                          <a:spcPts val="0"/>
-                        </a:spcBef>
-                        <a:spcAft>
-                          <a:spcPts val="0"/>
-                        </a:spcAft>
-                        <a:defRPr lang="de-DE" sz="1700" b="0" i="0" u="none" strike="noStrike" cap="none" spc="0">
-                          <a:solidFill>
-                            <a:srgbClr val="001A54"/>
-                          </a:solidFill>
-                          <a:latin typeface="Arial"/>
-                          <a:ea typeface="Arial"/>
-                          <a:cs typeface="Arial"/>
-                        </a:defRPr>
-                      </a:pPr>
-                      <a:r>
-                        <a:rPr lang="en-US" sz="1100" u="none" strike="noStrike">
-                          <a:latin typeface="Roboto"/>
-                          <a:ea typeface="Roboto"/>
-                          <a:cs typeface="Roboto"/>
-                        </a:rPr>
-                        <a:t>* </a:t>
-                      </a:r>
-                      <a:r>
-                        <a:rPr lang="en-US" sz="1100" u="none" strike="noStrike">
-                          <a:latin typeface="Roboto"/>
-                          <a:ea typeface="Roboto"/>
-                          <a:cs typeface="Roboto"/>
-                        </a:rPr>
-                        <a:t>v_EgoInit</a:t>
-                      </a:r>
-                      <a:r>
-                        <a:rPr lang="en-US" sz="1100" u="none" strike="noStrike">
-                          <a:latin typeface="Roboto"/>
-                          <a:ea typeface="Roboto"/>
-                          <a:cs typeface="Roboto"/>
-                        </a:rPr>
-                        <a:t> [0.25, 0.75]*</a:t>
-                      </a:r>
-                      <a:r>
-                        <a:rPr lang="en-US" sz="1100" u="none" strike="noStrike">
-                          <a:latin typeface="Roboto"/>
-                          <a:ea typeface="Roboto"/>
-                          <a:cs typeface="Roboto"/>
-                        </a:rPr>
-                        <a:t>vMax</a:t>
-                      </a:r>
-                      <a:br>
-                        <a:rPr lang="en-US" sz="1100" u="none" strike="noStrike">
-                          <a:latin typeface="Roboto"/>
-                          <a:ea typeface="Roboto"/>
-                          <a:cs typeface="Roboto"/>
-                        </a:rPr>
-                      </a:br>
-                      <a:r>
-                        <a:rPr lang="en-US" sz="1100" u="none" strike="noStrike">
-                          <a:latin typeface="Roboto"/>
-                          <a:ea typeface="Roboto"/>
-                          <a:cs typeface="Roboto"/>
-                        </a:rPr>
-                        <a:t>* </a:t>
-                      </a:r>
-                      <a:r>
-                        <a:rPr lang="en-US" sz="1100" u="none" strike="noStrike">
-                          <a:latin typeface="Roboto"/>
-                          <a:ea typeface="Roboto"/>
-                          <a:cs typeface="Roboto"/>
-                        </a:rPr>
-                        <a:t>t_gap</a:t>
-                      </a:r>
-                      <a:r>
-                        <a:rPr lang="en-US" sz="1100" u="none" strike="noStrike">
-                          <a:latin typeface="Roboto"/>
-                          <a:ea typeface="Roboto"/>
-                          <a:cs typeface="Roboto"/>
-                        </a:rPr>
-                        <a:t> [-1, 1]</a:t>
-                      </a:r>
-                      <a:br>
-                        <a:rPr lang="en-US" sz="1100" u="none" strike="noStrike">
-                          <a:latin typeface="Roboto"/>
-                          <a:ea typeface="Roboto"/>
-                          <a:cs typeface="Roboto"/>
-                        </a:rPr>
-                      </a:br>
-                      <a:r>
-                        <a:rPr lang="en-US" sz="1100" u="none" strike="noStrike">
-                          <a:latin typeface="Roboto"/>
-                          <a:ea typeface="Roboto"/>
-                          <a:cs typeface="Roboto"/>
-                        </a:rPr>
-                        <a:t>* </a:t>
-                      </a:r>
-                      <a:r>
-                        <a:rPr lang="en-US" sz="1100" u="none" strike="noStrike">
-                          <a:latin typeface="Roboto"/>
-                          <a:ea typeface="Roboto"/>
-                          <a:cs typeface="Roboto"/>
-                        </a:rPr>
-                        <a:t>v_diff</a:t>
-                      </a:r>
-                      <a:r>
-                        <a:rPr lang="en-US" sz="1100" u="none" strike="noStrike">
-                          <a:latin typeface="Roboto"/>
-                          <a:ea typeface="Roboto"/>
-                          <a:cs typeface="Roboto"/>
-                        </a:rPr>
-                        <a:t> [-0.2, 0.2]*</a:t>
-                      </a:r>
-                      <a:r>
-                        <a:rPr lang="en-US" sz="1100" u="none" strike="noStrike">
-                          <a:latin typeface="Roboto"/>
-                          <a:ea typeface="Roboto"/>
-                          <a:cs typeface="Roboto"/>
-                        </a:rPr>
-                        <a:t>v_EgoInit</a:t>
-                      </a:r>
-                      <a:br>
-                        <a:rPr lang="en-US" sz="1100" u="none" strike="noStrike">
-                          <a:latin typeface="Roboto"/>
-                          <a:ea typeface="Roboto"/>
-                          <a:cs typeface="Roboto"/>
-                        </a:rPr>
-                      </a:br>
-                      <a:r>
-                        <a:rPr lang="en-US" sz="1100" u="none" strike="noStrike">
-                          <a:latin typeface="Roboto"/>
-                          <a:ea typeface="Roboto"/>
-                          <a:cs typeface="Roboto"/>
-                        </a:rPr>
-                        <a:t>* </a:t>
-                      </a:r>
-                      <a:r>
-                        <a:rPr lang="en-US" sz="1100" u="none" strike="noStrike">
-                          <a:latin typeface="Roboto"/>
-                          <a:ea typeface="Roboto"/>
-                          <a:cs typeface="Roboto"/>
-                        </a:rPr>
-                        <a:t>parameterSet</a:t>
-                      </a:r>
-                      <a:endParaRPr sz="1100" b="0" i="0" u="none" strike="noStrike">
-                        <a:solidFill>
-                          <a:srgbClr val="000000"/>
-                        </a:solidFill>
-                        <a:latin typeface="Roboto"/>
-                        <a:cs typeface="Roboto"/>
-                      </a:endParaRPr>
-                    </a:p>
-                  </a:txBody>
-                  <a:tcPr marL="9524" marR="9524" marT="9524" marB="0" vert="horz" anchor="t">
-                    <a:lnL w="12699" algn="ctr">
-                      <a:solidFill>
-                        <a:srgbClr val="FFFFFF"/>
-                      </a:solidFill>
-                    </a:lnL>
-                    <a:lnR w="12699" algn="ctr">
-                      <a:solidFill>
-                        <a:srgbClr val="FFFFFF"/>
-                      </a:solidFill>
-                    </a:lnR>
-                    <a:lnT w="12699" algn="ctr">
-                      <a:solidFill>
-                        <a:srgbClr val="FFFFFF"/>
-                      </a:solidFill>
-                    </a:lnT>
-                    <a:lnB w="12699" algn="ctr">
-                      <a:solidFill>
-                        <a:srgbClr val="FFFFFF"/>
-                      </a:solidFill>
-                    </a:lnB>
-                    <a:solidFill>
-                      <a:srgbClr val="97DFFF"/>
-                    </a:solidFill>
-                  </a:tcPr>
-                </a:tc>
-              </a:tr>
-            </a:tbl>
-          </a:graphicData>
-        </a:graphic>
-      </p:graphicFrame>
-      <p:sp>
-        <p:nvSpPr>
-          <p:cNvPr id="974361689" name="Textplatzhalter 7"/>
-          <p:cNvSpPr>
-            <a:spLocks noGrp="1"/>
-          </p:cNvSpPr>
-          <p:nvPr>
-            <p:ph type="body" sz="quarter" idx="13" hasCustomPrompt="1"/>
-          </p:nvPr>
-        </p:nvSpPr>
-        <p:spPr bwMode="auto">
-          <a:xfrm>
-            <a:off x="192087" y="908049"/>
-            <a:ext cx="11807824" cy="928369"/>
-          </a:xfrm>
-          <a:prstGeom prst="rect">
-            <a:avLst/>
-          </a:prstGeom>
-        </p:spPr>
-        <p:txBody>
-          <a:bodyPr lIns="0" tIns="0" rIns="0" bIns="0">
-            <a:normAutofit/>
-          </a:bodyPr>
-          <a:lstStyle>
-            <a:lvl1pPr marL="0" indent="0">
-              <a:buFont typeface="Arial"/>
-              <a:buNone/>
-              <a:defRPr sz="2400" b="1">
-                <a:solidFill>
-                  <a:schemeClr val="tx1"/>
-                </a:solidFill>
-                <a:latin typeface="Roboto"/>
-                <a:ea typeface="Roboto"/>
-              </a:defRPr>
-            </a:lvl1pPr>
-            <a:lvl2pPr>
-              <a:defRPr sz="2400">
-                <a:latin typeface="Roboto"/>
-                <a:ea typeface="Roboto"/>
-              </a:defRPr>
-            </a:lvl2pPr>
-            <a:lvl3pPr>
-              <a:defRPr sz="2000">
-                <a:latin typeface="Roboto"/>
-                <a:ea typeface="Roboto"/>
-              </a:defRPr>
-            </a:lvl3pPr>
-            <a:lvl4pPr>
-              <a:defRPr sz="2000">
-                <a:latin typeface="Roboto"/>
-                <a:ea typeface="Roboto"/>
-              </a:defRPr>
-            </a:lvl4pPr>
-            <a:lvl5pPr>
-              <a:defRPr sz="2000">
-                <a:latin typeface="Roboto"/>
-                <a:ea typeface="Roboto"/>
-              </a:defRPr>
-            </a:lvl5pPr>
-          </a:lstStyle>
-          <a:p>
-            <a:pPr>
-              <a:defRPr/>
-            </a:pPr>
-            <a:r>
-              <a:rPr lang="de-DE" sz="2400" b="1" i="0" u="none" strike="noStrike" cap="none" spc="0">
-                <a:solidFill>
-                  <a:schemeClr val="tx1"/>
-                </a:solidFill>
-                <a:latin typeface="Roboto"/>
-                <a:ea typeface="Roboto"/>
-                <a:cs typeface="Roboto"/>
-              </a:rPr>
-              <a:t>Szenariendefinition</a:t>
-            </a:r>
-            <a:endParaRPr/>
-          </a:p>
-        </p:txBody>
-      </p:sp>
-      <p:pic>
-        <p:nvPicPr>
-          <p:cNvPr id="121711168" name=""/>
-          <p:cNvPicPr>
-            <a:picLocks noChangeAspect="1"/>
-          </p:cNvPicPr>
-          <p:nvPr/>
-        </p:nvPicPr>
-        <p:blipFill>
-          <a:blip r:embed="rId3"/>
-          <a:stretch/>
-        </p:blipFill>
-        <p:spPr bwMode="auto">
-          <a:xfrm flipH="0" flipV="0">
-            <a:off x="7603861" y="1069201"/>
-            <a:ext cx="3932730" cy="3149198"/>
-          </a:xfrm>
-          <a:prstGeom prst="rect">
-            <a:avLst/>
-          </a:prstGeom>
-        </p:spPr>
-      </p:pic>
-    </p:spTree>
-  </p:cSld>
-  <p:clrMapOvr>
-    <a:masterClrMapping/>
-  </p:clrMapOvr>
-  <mc:AlternateContent xmlns:mc="http://schemas.openxmlformats.org/markup-compatibility/2006">
-    <mc:Choice xmlns:p159="http://schemas.microsoft.com/office/powerpoint/2015/09/main" xmlns:p14="http://schemas.microsoft.com/office/powerpoint/2010/main" Requires="p159">
-      <p:transition p14:dur="2000" advClick="1"/>
-    </mc:Choice>
-    <mc:Fallback>
-      <p:transition advClick="1"/>
-    </mc:Fallback>
-  </mc:AlternateContent>
-</p:sld>
-</file>
-
-<file path=ppt/slides/slide14.xml><?xml version="1.0" encoding="utf-8"?>
-<p:sld xmlns:a="http://schemas.openxmlformats.org/drawingml/2006/main" xmlns:r="http://schemas.openxmlformats.org/officeDocument/2006/relationships" xmlns:p="http://schemas.openxmlformats.org/presentationml/2006/main" xmlns:m="http://schemas.openxmlformats.org/officeDocument/2006/math" xmlns:w="http://schemas.openxmlformats.org/wordprocessingml/2006/main" xmlns:mc="http://schemas.openxmlformats.org/markup-compatibility/2006" showMasterPhAnim="0" showMasterSp="1" show="1">
-  <p:cSld name="">
-    <p:spTree>
-      <p:nvGrpSpPr>
-        <p:cNvPr id="1" name=""/>
-        <p:cNvGrpSpPr/>
-        <p:nvPr/>
-      </p:nvGrpSpPr>
-      <p:grpSpPr bwMode="auto">
-        <a:xfrm>
-          <a:off x="0" y="0"/>
-          <a:ext cx="0" cy="0"/>
-          <a:chOff x="0" y="0"/>
-          <a:chExt cx="0" cy="0"/>
-        </a:xfrm>
-      </p:grpSpPr>
-      <p:sp>
-        <p:nvSpPr>
           <p:cNvPr id="1730095730" name="Titel 1"/>
           <p:cNvSpPr>
             <a:spLocks noGrp="1"/>
@@ -10029,133 +10086,6 @@
           </a:p>
         </p:txBody>
       </p:sp>
-      <p:grpSp>
-        <p:nvGrpSpPr>
-          <p:cNvPr id="1692790326" name=""/>
-          <p:cNvGrpSpPr/>
-          <p:nvPr/>
-        </p:nvGrpSpPr>
-        <p:grpSpPr bwMode="auto">
-          <a:xfrm flipH="0" flipV="0">
-            <a:off x="937051" y="1725897"/>
-            <a:ext cx="10195254" cy="4449314"/>
-            <a:chOff x="0" y="0"/>
-            <a:chExt cx="10195254" cy="4449314"/>
-          </a:xfrm>
-        </p:grpSpPr>
-        <p:pic>
-          <p:nvPicPr>
-            <p:cNvPr id="625903113" name="Grafik 12"/>
-            <p:cNvPicPr>
-              <a:picLocks noChangeAspect="1"/>
-            </p:cNvPicPr>
-            <p:nvPr/>
-          </p:nvPicPr>
-          <p:blipFill>
-            <a:blip r:embed="rId3">
-              <a:extLst>
-                <a:ext uri="{96DAC541-7B7A-43D3-8B79-37D633B846F1}">
-                  <asvg:svgBlip xmlns:asvg="http://schemas.microsoft.com/office/drawing/2016/SVG/main" r:embed="rId4"/>
-                </a:ext>
-              </a:extLst>
-            </a:blip>
-            <a:stretch/>
-          </p:blipFill>
-          <p:spPr bwMode="auto">
-            <a:xfrm>
-              <a:off x="0" y="1684"/>
-              <a:ext cx="5096716" cy="2224657"/>
-            </a:xfrm>
-            <a:prstGeom prst="rect">
-              <a:avLst/>
-            </a:prstGeom>
-          </p:spPr>
-        </p:pic>
-        <p:pic>
-          <p:nvPicPr>
-            <p:cNvPr id="1336906326" name="Grafik 16"/>
-            <p:cNvPicPr>
-              <a:picLocks noChangeAspect="1"/>
-            </p:cNvPicPr>
-            <p:nvPr/>
-          </p:nvPicPr>
-          <p:blipFill>
-            <a:blip r:embed="rId5">
-              <a:extLst>
-                <a:ext uri="{96DAC541-7B7A-43D3-8B79-37D633B846F1}">
-                  <asvg:svgBlip xmlns:asvg="http://schemas.microsoft.com/office/drawing/2016/SVG/main" r:embed="rId6"/>
-                </a:ext>
-              </a:extLst>
-            </a:blip>
-            <a:stretch/>
-          </p:blipFill>
-          <p:spPr bwMode="auto">
-            <a:xfrm>
-              <a:off x="1820" y="2224657"/>
-              <a:ext cx="5096716" cy="2224657"/>
-            </a:xfrm>
-            <a:prstGeom prst="rect">
-              <a:avLst/>
-            </a:prstGeom>
-          </p:spPr>
-        </p:pic>
-        <p:pic>
-          <p:nvPicPr>
-            <p:cNvPr id="1053108578" name="Grafik 18"/>
-            <p:cNvPicPr>
-              <a:picLocks noChangeAspect="1"/>
-            </p:cNvPicPr>
-            <p:nvPr/>
-          </p:nvPicPr>
-          <p:blipFill>
-            <a:blip r:embed="rId7">
-              <a:extLst>
-                <a:ext uri="{96DAC541-7B7A-43D3-8B79-37D633B846F1}">
-                  <asvg:svgBlip xmlns:asvg="http://schemas.microsoft.com/office/drawing/2016/SVG/main" r:embed="rId8"/>
-                </a:ext>
-              </a:extLst>
-            </a:blip>
-            <a:stretch/>
-          </p:blipFill>
-          <p:spPr bwMode="auto">
-            <a:xfrm>
-              <a:off x="5098537" y="0"/>
-              <a:ext cx="5096716" cy="2224657"/>
-            </a:xfrm>
-            <a:prstGeom prst="rect">
-              <a:avLst/>
-            </a:prstGeom>
-          </p:spPr>
-        </p:pic>
-        <p:pic>
-          <p:nvPicPr>
-            <p:cNvPr id="74087342" name="Grafik 20"/>
-            <p:cNvPicPr>
-              <a:picLocks noChangeAspect="1"/>
-            </p:cNvPicPr>
-            <p:nvPr/>
-          </p:nvPicPr>
-          <p:blipFill>
-            <a:blip r:embed="rId9">
-              <a:extLst>
-                <a:ext uri="{96DAC541-7B7A-43D3-8B79-37D633B846F1}">
-                  <asvg:svgBlip xmlns:asvg="http://schemas.microsoft.com/office/drawing/2016/SVG/main" r:embed="rId10"/>
-                </a:ext>
-              </a:extLst>
-            </a:blip>
-            <a:stretch/>
-          </p:blipFill>
-          <p:spPr bwMode="auto">
-            <a:xfrm>
-              <a:off x="5098537" y="2224657"/>
-              <a:ext cx="5096716" cy="2224657"/>
-            </a:xfrm>
-            <a:prstGeom prst="rect">
-              <a:avLst/>
-            </a:prstGeom>
-          </p:spPr>
-        </p:pic>
-      </p:grpSp>
       <p:sp>
         <p:nvSpPr>
           <p:cNvPr id="113847988" name="Textplatzhalter 7"/>
@@ -10236,11 +10166,376 @@
                 <a:ea typeface="Roboto"/>
                 <a:cs typeface="Roboto"/>
               </a:rPr>
-              <a:t>: ACC mit konstanter Objektgeschwindigkeit</a:t>
+              <a:t>: </a:t>
+            </a:r>
+            <a:r>
+              <a:rPr lang="de-DE" sz="2400" b="1" i="0" u="none" strike="noStrike" cap="none" spc="0">
+                <a:solidFill>
+                  <a:schemeClr val="tx1"/>
+                </a:solidFill>
+                <a:latin typeface="Roboto"/>
+                <a:ea typeface="Roboto"/>
+                <a:cs typeface="Roboto"/>
+              </a:rPr>
+              <a:t>Gerade mit initialem Versatz</a:t>
             </a:r>
             <a:endParaRPr/>
           </a:p>
         </p:txBody>
+      </p:sp>
+      <p:pic>
+        <p:nvPicPr>
+          <p:cNvPr id="1314816373" name=""/>
+          <p:cNvPicPr>
+            <a:picLocks noChangeAspect="1"/>
+          </p:cNvPicPr>
+          <p:nvPr/>
+        </p:nvPicPr>
+        <p:blipFill>
+          <a:blip r:embed="rId3">
+            <a:extLst>
+              <a:ext uri="{96DAC541-7B7A-43D3-8B79-37D633B846F1}">
+                <asvg:svgBlip xmlns:asvg="http://schemas.microsoft.com/office/drawing/2016/SVG/main" r:embed="rId4"/>
+              </a:ext>
+            </a:extLst>
+          </a:blip>
+          <a:stretch/>
+        </p:blipFill>
+        <p:spPr bwMode="auto">
+          <a:xfrm flipH="0" flipV="0">
+            <a:off x="6095999" y="1321207"/>
+            <a:ext cx="5066089" cy="2533044"/>
+          </a:xfrm>
+          <a:prstGeom prst="rect">
+            <a:avLst/>
+          </a:prstGeom>
+        </p:spPr>
+      </p:pic>
+      <p:pic>
+        <p:nvPicPr>
+          <p:cNvPr id="1515086433" name=""/>
+          <p:cNvPicPr>
+            <a:picLocks noChangeAspect="1"/>
+          </p:cNvPicPr>
+          <p:nvPr/>
+        </p:nvPicPr>
+        <p:blipFill>
+          <a:blip r:embed="rId5">
+            <a:extLst>
+              <a:ext uri="{96DAC541-7B7A-43D3-8B79-37D633B846F1}">
+                <asvg:svgBlip xmlns:asvg="http://schemas.microsoft.com/office/drawing/2016/SVG/main" r:embed="rId6"/>
+              </a:ext>
+            </a:extLst>
+          </a:blip>
+          <a:stretch/>
+        </p:blipFill>
+        <p:spPr bwMode="auto">
+          <a:xfrm flipH="0" flipV="0">
+            <a:off x="6095999" y="3854252"/>
+            <a:ext cx="5066089" cy="2533044"/>
+          </a:xfrm>
+          <a:prstGeom prst="rect">
+            <a:avLst/>
+          </a:prstGeom>
+        </p:spPr>
+      </p:pic>
+      <p:pic>
+        <p:nvPicPr>
+          <p:cNvPr id="225578034" name=""/>
+          <p:cNvPicPr>
+            <a:picLocks noChangeAspect="1"/>
+          </p:cNvPicPr>
+          <p:nvPr/>
+        </p:nvPicPr>
+        <p:blipFill>
+          <a:blip r:embed="rId7">
+            <a:extLst>
+              <a:ext uri="{96DAC541-7B7A-43D3-8B79-37D633B846F1}">
+                <asvg:svgBlip xmlns:asvg="http://schemas.microsoft.com/office/drawing/2016/SVG/main" r:embed="rId8"/>
+              </a:ext>
+            </a:extLst>
+          </a:blip>
+          <a:stretch/>
+        </p:blipFill>
+        <p:spPr bwMode="auto">
+          <a:xfrm flipH="0" flipV="0">
+            <a:off x="1029910" y="3854252"/>
+            <a:ext cx="5066089" cy="2533044"/>
+          </a:xfrm>
+          <a:prstGeom prst="rect">
+            <a:avLst/>
+          </a:prstGeom>
+        </p:spPr>
+      </p:pic>
+      <p:pic>
+        <p:nvPicPr>
+          <p:cNvPr id="54152872" name=""/>
+          <p:cNvPicPr>
+            <a:picLocks noChangeAspect="1"/>
+          </p:cNvPicPr>
+          <p:nvPr/>
+        </p:nvPicPr>
+        <p:blipFill>
+          <a:blip r:embed="rId9"/>
+          <a:stretch/>
+        </p:blipFill>
+        <p:spPr bwMode="auto">
+          <a:xfrm flipH="0" flipV="0">
+            <a:off x="1029910" y="1321207"/>
+            <a:ext cx="5066089" cy="2533044"/>
+          </a:xfrm>
+          <a:prstGeom prst="rect">
+            <a:avLst/>
+          </a:prstGeom>
+        </p:spPr>
+      </p:pic>
+      <p:cxnSp>
+        <p:nvCxnSpPr>
+          <p:cNvPr id="0" name=""/>
+          <p:cNvCxnSpPr>
+            <a:cxnSpLocks/>
+          </p:cNvCxnSpPr>
+          <p:nvPr/>
+        </p:nvCxnSpPr>
+        <p:spPr bwMode="auto">
+          <a:xfrm flipH="0" flipV="0">
+            <a:off x="1693258" y="2457789"/>
+            <a:ext cx="2772455" cy="0"/>
+          </a:xfrm>
+          <a:prstGeom prst="line">
+            <a:avLst/>
+          </a:prstGeom>
+          <a:ln w="19049" cap="flat" cmpd="sng" algn="ctr">
+            <a:solidFill>
+              <a:srgbClr val="C00000"/>
+            </a:solidFill>
+            <a:prstDash val="sysDot"/>
+            <a:miter lim="800000"/>
+          </a:ln>
+        </p:spPr>
+        <p:style>
+          <a:lnRef idx="1">
+            <a:schemeClr val="accent1">
+              <a:shade val="50000"/>
+            </a:schemeClr>
+          </a:lnRef>
+          <a:fillRef idx="0">
+            <a:schemeClr val="accent1"/>
+          </a:fillRef>
+          <a:effectRef idx="0">
+            <a:schemeClr val="accent1"/>
+          </a:effectRef>
+          <a:fontRef idx="minor">
+            <a:schemeClr val="tx1"/>
+          </a:fontRef>
+        </p:style>
+      </p:cxnSp>
+      <p:cxnSp>
+        <p:nvCxnSpPr>
+          <p:cNvPr id="1166980963" name=""/>
+          <p:cNvCxnSpPr>
+            <a:cxnSpLocks/>
+          </p:cNvCxnSpPr>
+          <p:nvPr/>
+        </p:nvCxnSpPr>
+        <p:spPr bwMode="auto">
+          <a:xfrm flipH="0" flipV="1">
+            <a:off x="2671272" y="4048124"/>
+            <a:ext cx="0" cy="1904639"/>
+          </a:xfrm>
+          <a:prstGeom prst="line">
+            <a:avLst/>
+          </a:prstGeom>
+          <a:ln w="19049" cap="flat" cmpd="sng" algn="ctr">
+            <a:solidFill>
+              <a:srgbClr val="C00000"/>
+            </a:solidFill>
+            <a:prstDash val="sysDot"/>
+            <a:miter lim="800000"/>
+          </a:ln>
+        </p:spPr>
+        <p:style>
+          <a:lnRef idx="1">
+            <a:schemeClr val="accent1">
+              <a:shade val="50000"/>
+            </a:schemeClr>
+          </a:lnRef>
+          <a:fillRef idx="0">
+            <a:schemeClr val="accent1"/>
+          </a:fillRef>
+          <a:effectRef idx="0">
+            <a:schemeClr val="accent1"/>
+          </a:effectRef>
+          <a:fontRef idx="minor">
+            <a:schemeClr val="tx1"/>
+          </a:fontRef>
+        </p:style>
+      </p:cxnSp>
+      <p:cxnSp>
+        <p:nvCxnSpPr>
+          <p:cNvPr id="1651508608" name=""/>
+          <p:cNvCxnSpPr>
+            <a:cxnSpLocks/>
+          </p:cNvCxnSpPr>
+          <p:nvPr/>
+        </p:nvCxnSpPr>
+        <p:spPr bwMode="auto">
+          <a:xfrm flipH="0" flipV="0">
+            <a:off x="1693258" y="4693783"/>
+            <a:ext cx="2772455" cy="0"/>
+          </a:xfrm>
+          <a:prstGeom prst="line">
+            <a:avLst/>
+          </a:prstGeom>
+          <a:ln w="19049" cap="flat" cmpd="sng" algn="ctr">
+            <a:solidFill>
+              <a:srgbClr val="C00000"/>
+            </a:solidFill>
+            <a:prstDash val="sysDot"/>
+            <a:miter lim="800000"/>
+          </a:ln>
+        </p:spPr>
+        <p:style>
+          <a:lnRef idx="1">
+            <a:schemeClr val="accent1">
+              <a:shade val="50000"/>
+            </a:schemeClr>
+          </a:lnRef>
+          <a:fillRef idx="0">
+            <a:schemeClr val="accent1"/>
+          </a:fillRef>
+          <a:effectRef idx="0">
+            <a:schemeClr val="accent1"/>
+          </a:effectRef>
+          <a:fontRef idx="minor">
+            <a:schemeClr val="tx1"/>
+          </a:fontRef>
+        </p:style>
+      </p:cxnSp>
+      <p:cxnSp>
+        <p:nvCxnSpPr>
+          <p:cNvPr id="744011005" name=""/>
+          <p:cNvCxnSpPr>
+            <a:cxnSpLocks/>
+          </p:cNvCxnSpPr>
+          <p:nvPr/>
+        </p:nvCxnSpPr>
+        <p:spPr bwMode="auto">
+          <a:xfrm flipH="0" flipV="0">
+            <a:off x="1693258" y="5952764"/>
+            <a:ext cx="3920557" cy="0"/>
+          </a:xfrm>
+          <a:prstGeom prst="line">
+            <a:avLst/>
+          </a:prstGeom>
+          <a:ln w="19049" cap="flat" cmpd="sng" algn="ctr">
+            <a:solidFill>
+              <a:srgbClr val="C00000"/>
+            </a:solidFill>
+            <a:prstDash val="sysDot"/>
+            <a:miter lim="800000"/>
+          </a:ln>
+        </p:spPr>
+        <p:style>
+          <a:lnRef idx="1">
+            <a:schemeClr val="accent1">
+              <a:shade val="50000"/>
+            </a:schemeClr>
+          </a:lnRef>
+          <a:fillRef idx="0">
+            <a:schemeClr val="accent1"/>
+          </a:fillRef>
+          <a:effectRef idx="0">
+            <a:schemeClr val="accent1"/>
+          </a:effectRef>
+          <a:fontRef idx="minor">
+            <a:schemeClr val="tx1"/>
+          </a:fontRef>
+        </p:style>
+      </p:cxnSp>
+      <p:sp>
+        <p:nvSpPr>
+          <p:cNvPr id="1738566409" name=""/>
+          <p:cNvSpPr/>
+          <p:nvPr/>
+        </p:nvSpPr>
+        <p:spPr bwMode="auto">
+          <a:xfrm flipH="0" flipV="0">
+            <a:off x="1693258" y="1513794"/>
+            <a:ext cx="2772455" cy="943995"/>
+          </a:xfrm>
+          <a:prstGeom prst="rect">
+            <a:avLst/>
+          </a:prstGeom>
+          <a:solidFill>
+            <a:srgbClr val="C00000">
+              <a:alpha val="20000"/>
+            </a:srgbClr>
+          </a:solidFill>
+          <a:ln w="12700" cap="flat" cmpd="sng" algn="ctr">
+            <a:noFill/>
+            <a:prstDash val="solid"/>
+            <a:miter lim="800000"/>
+          </a:ln>
+        </p:spPr>
+        <p:style>
+          <a:lnRef idx="2">
+            <a:schemeClr val="accent1">
+              <a:shade val="50000"/>
+            </a:schemeClr>
+          </a:lnRef>
+          <a:fillRef idx="1">
+            <a:schemeClr val="accent1"/>
+          </a:fillRef>
+          <a:effectRef idx="0">
+            <a:schemeClr val="accent1"/>
+          </a:effectRef>
+          <a:fontRef idx="minor">
+            <a:schemeClr val="lt1"/>
+          </a:fontRef>
+        </p:style>
+      </p:sp>
+      <p:sp>
+        <p:nvSpPr>
+          <p:cNvPr id="1579926217" name=""/>
+          <p:cNvSpPr/>
+          <p:nvPr/>
+        </p:nvSpPr>
+        <p:spPr bwMode="auto">
+          <a:xfrm flipH="0" flipV="0">
+            <a:off x="2671272" y="4048124"/>
+            <a:ext cx="1794441" cy="645658"/>
+          </a:xfrm>
+          <a:prstGeom prst="rect">
+            <a:avLst/>
+          </a:prstGeom>
+          <a:solidFill>
+            <a:srgbClr val="C00000">
+              <a:alpha val="20000"/>
+            </a:srgbClr>
+          </a:solidFill>
+          <a:ln w="12700" cap="flat" cmpd="sng" algn="ctr">
+            <a:noFill/>
+            <a:prstDash val="solid"/>
+            <a:miter lim="800000"/>
+          </a:ln>
+        </p:spPr>
+        <p:style>
+          <a:lnRef idx="2">
+            <a:schemeClr val="accent1">
+              <a:shade val="50000"/>
+            </a:schemeClr>
+          </a:lnRef>
+          <a:fillRef idx="1">
+            <a:schemeClr val="accent1"/>
+          </a:fillRef>
+          <a:effectRef idx="0">
+            <a:schemeClr val="accent1"/>
+          </a:effectRef>
+          <a:fontRef idx="minor">
+            <a:schemeClr val="lt1"/>
+          </a:fontRef>
+        </p:style>
       </p:sp>
     </p:spTree>
   </p:cSld>
@@ -10259,7 +10554,7 @@
 </p:sld>
 </file>
 
-<file path=ppt/slides/slide15.xml><?xml version="1.0" encoding="utf-8"?>
+<file path=ppt/slides/slide14.xml><?xml version="1.0" encoding="utf-8"?>
 <p:sld xmlns:a="http://schemas.openxmlformats.org/drawingml/2006/main" xmlns:r="http://schemas.openxmlformats.org/officeDocument/2006/relationships" xmlns:p="http://schemas.openxmlformats.org/presentationml/2006/main" xmlns:m="http://schemas.openxmlformats.org/officeDocument/2006/math" xmlns:w="http://schemas.openxmlformats.org/wordprocessingml/2006/main" xmlns:mc="http://schemas.openxmlformats.org/markup-compatibility/2006" showMasterPhAnim="0" showMasterSp="1" show="1">
   <p:cSld name="">
     <p:spTree>
@@ -10302,95 +10597,6 @@
           </a:p>
         </p:txBody>
       </p:sp>
-      <p:sp>
-        <p:nvSpPr>
-          <p:cNvPr id="1546245738" name="Textplatzhalter 4"/>
-          <p:cNvSpPr>
-            <a:spLocks noGrp="1"/>
-          </p:cNvSpPr>
-          <p:nvPr>
-            <p:ph type="body" sz="quarter" idx="12"/>
-          </p:nvPr>
-        </p:nvSpPr>
-        <p:spPr bwMode="auto">
-          <a:xfrm>
-            <a:off x="571210" y="1819121"/>
-            <a:ext cx="5334711" cy="3219755"/>
-          </a:xfrm>
-        </p:spPr>
-        <p:txBody>
-          <a:bodyPr vertOverflow="overflow" horzOverflow="overflow" vert="horz" wrap="square" lIns="0" tIns="0" rIns="0" bIns="0" numCol="1" spcCol="0" rtlCol="0" fromWordArt="0" anchor="t" anchorCtr="0" forceAA="0" upright="0" compatLnSpc="0">
-            <a:normAutofit fontScale="75000" lnSpcReduction="5000"/>
-          </a:bodyPr>
-          <a:lstStyle/>
-          <a:p>
-            <a:pPr>
-              <a:defRPr/>
-            </a:pPr>
-            <a:r>
-              <a:rPr lang="de-DE" sz="2800"/>
-              <a:t>Konfiguration eines Jobs pro Fahrzeug in der Stage „</a:t>
-            </a:r>
-            <a:r>
-              <a:rPr lang="de-DE" sz="2800"/>
-              <a:t>test</a:t>
-            </a:r>
-            <a:r>
-              <a:rPr lang="de-DE" sz="2800"/>
-              <a:t>“</a:t>
-            </a:r>
-            <a:endParaRPr sz="2800"/>
-          </a:p>
-          <a:p>
-            <a:pPr>
-              <a:defRPr/>
-            </a:pPr>
-            <a:r>
-              <a:rPr lang="de-DE" sz="2800"/>
-              <a:t>Jeder Job erzeugt untergeordnete Jobs, die das jeweilige Szenario definieren</a:t>
-            </a:r>
-            <a:endParaRPr sz="2800"/>
-          </a:p>
-          <a:p>
-            <a:pPr>
-              <a:defRPr/>
-            </a:pPr>
-            <a:r>
-              <a:rPr lang="de-DE" sz="2800"/>
-              <a:t>Fahrzeug-Szenario-Kombination wird an </a:t>
-            </a:r>
-            <a:r>
-              <a:rPr lang="de-DE" sz="2800"/>
-              <a:t>Matlab</a:t>
-            </a:r>
-            <a:r>
-              <a:rPr lang="de-DE" sz="2800"/>
-              <a:t>-Skript übergeben</a:t>
-            </a:r>
-            <a:endParaRPr sz="2800"/>
-          </a:p>
-          <a:p>
-            <a:pPr>
-              <a:defRPr/>
-            </a:pPr>
-            <a:r>
-              <a:rPr lang="de-DE" sz="2800"/>
-              <a:t>Testbericht wird als Artefakt bereitgestellt</a:t>
-            </a:r>
-            <a:endParaRPr sz="2800"/>
-          </a:p>
-          <a:p>
-            <a:pPr>
-              <a:defRPr/>
-            </a:pPr>
-            <a:r>
-              <a:rPr lang="de-DE" sz="2800"/>
-              <a:t>Bei entsprechender Runner-Konfiguration auch parallele Ausführung möglich</a:t>
-            </a:r>
-            <a:endParaRPr sz="2800"/>
-          </a:p>
-        </p:txBody>
-      </p:sp>
       <p:pic>
         <p:nvPicPr>
           <p:cNvPr id="191793389" name="Grafik 8"/>
@@ -10404,9 +10610,9 @@
           <a:stretch/>
         </p:blipFill>
         <p:spPr bwMode="auto">
-          <a:xfrm>
-            <a:off x="6144846" y="1535258"/>
-            <a:ext cx="5526825" cy="4479810"/>
+          <a:xfrm flipH="0" flipV="0">
+            <a:off x="6203948" y="1647275"/>
+            <a:ext cx="5795960" cy="4697960"/>
           </a:xfrm>
           <a:prstGeom prst="rect">
             <a:avLst/>
@@ -10424,10 +10630,6 @@
           </p:nvPr>
         </p:nvSpPr>
         <p:spPr bwMode="auto">
-          <a:xfrm>
-            <a:off x="192087" y="908049"/>
-            <a:ext cx="11807824" cy="928369"/>
-          </a:xfrm>
           <a:prstGeom prst="rect">
             <a:avLst/>
           </a:prstGeom>
@@ -10500,6 +10702,192 @@
               <a:t> CI Pipeline</a:t>
             </a:r>
             <a:endParaRPr/>
+          </a:p>
+        </p:txBody>
+      </p:sp>
+      <p:sp>
+        <p:nvSpPr>
+          <p:cNvPr id="826965238" name="Textplatzhalter 7"/>
+          <p:cNvSpPr>
+            <a:spLocks noGrp="1"/>
+          </p:cNvSpPr>
+          <p:nvPr>
+            <p:ph type="body" sz="quarter" idx="11"/>
+          </p:nvPr>
+        </p:nvSpPr>
+        <p:spPr bwMode="auto">
+          <a:xfrm>
+            <a:off x="192087" y="2060573"/>
+            <a:ext cx="5795961" cy="4284661"/>
+          </a:xfrm>
+          <a:prstGeom prst="rect">
+            <a:avLst/>
+          </a:prstGeom>
+        </p:spPr>
+        <p:txBody>
+          <a:bodyPr vertOverflow="overflow" horzOverflow="overflow" vert="horz" wrap="square" lIns="91440" tIns="45720" rIns="91440" bIns="45720" numCol="1" spcCol="0" rtlCol="0" fromWordArt="0" anchor="t" anchorCtr="0" forceAA="0" upright="0" compatLnSpc="0">
+            <a:normAutofit/>
+          </a:bodyPr>
+          <a:lstStyle>
+            <a:lvl1pPr>
+              <a:defRPr sz="2800">
+                <a:latin typeface="Roboto"/>
+                <a:ea typeface="Roboto"/>
+              </a:defRPr>
+            </a:lvl1pPr>
+            <a:lvl2pPr>
+              <a:defRPr sz="2400">
+                <a:latin typeface="Roboto"/>
+                <a:ea typeface="Roboto"/>
+              </a:defRPr>
+            </a:lvl2pPr>
+            <a:lvl3pPr>
+              <a:defRPr sz="2000">
+                <a:latin typeface="Roboto"/>
+                <a:ea typeface="Roboto"/>
+              </a:defRPr>
+            </a:lvl3pPr>
+            <a:lvl4pPr>
+              <a:defRPr sz="2000">
+                <a:latin typeface="Roboto"/>
+                <a:ea typeface="Roboto"/>
+              </a:defRPr>
+            </a:lvl4pPr>
+            <a:lvl5pPr>
+              <a:defRPr sz="2000">
+                <a:latin typeface="Roboto"/>
+                <a:ea typeface="Roboto"/>
+              </a:defRPr>
+            </a:lvl5pPr>
+          </a:lstStyle>
+          <a:p>
+            <a:pPr>
+              <a:defRPr/>
+            </a:pPr>
+            <a:r>
+              <a:rPr lang="de-DE" sz="2000" b="0" i="0" u="none" strike="noStrike" cap="none" spc="0">
+                <a:solidFill>
+                  <a:schemeClr val="tx1"/>
+                </a:solidFill>
+                <a:latin typeface="Roboto"/>
+                <a:ea typeface="Roboto"/>
+                <a:cs typeface="Roboto"/>
+              </a:rPr>
+              <a:t>Konfiguration eines Jobs pro Fahrzeug in der Stage „</a:t>
+            </a:r>
+            <a:r>
+              <a:rPr lang="de-DE" sz="2000" b="0" i="0" u="none" strike="noStrike" cap="none" spc="0">
+                <a:solidFill>
+                  <a:schemeClr val="tx1"/>
+                </a:solidFill>
+                <a:latin typeface="Roboto"/>
+                <a:ea typeface="Roboto"/>
+                <a:cs typeface="Roboto"/>
+              </a:rPr>
+              <a:t>test</a:t>
+            </a:r>
+            <a:r>
+              <a:rPr lang="de-DE" sz="2000" b="0" i="0" u="none" strike="noStrike" cap="none" spc="0">
+                <a:solidFill>
+                  <a:schemeClr val="tx1"/>
+                </a:solidFill>
+                <a:latin typeface="Roboto"/>
+                <a:ea typeface="Roboto"/>
+                <a:cs typeface="Roboto"/>
+              </a:rPr>
+              <a:t>“</a:t>
+            </a:r>
+            <a:endParaRPr sz="2000"/>
+          </a:p>
+          <a:p>
+            <a:pPr>
+              <a:defRPr/>
+            </a:pPr>
+            <a:r>
+              <a:rPr lang="de-DE" sz="2000" b="0" i="0" u="none" strike="noStrike" cap="none" spc="0">
+                <a:solidFill>
+                  <a:schemeClr val="tx1"/>
+                </a:solidFill>
+                <a:latin typeface="Roboto"/>
+                <a:ea typeface="Roboto"/>
+                <a:cs typeface="Roboto"/>
+              </a:rPr>
+              <a:t>Jeder Job erzeugt untergeordnete Jobs, die das jeweilige Szenario definieren</a:t>
+            </a:r>
+            <a:endParaRPr sz="2000"/>
+          </a:p>
+          <a:p>
+            <a:pPr>
+              <a:defRPr/>
+            </a:pPr>
+            <a:r>
+              <a:rPr lang="de-DE" sz="2000" b="0" i="0" u="none" strike="noStrike" cap="none" spc="0">
+                <a:solidFill>
+                  <a:schemeClr val="tx1"/>
+                </a:solidFill>
+                <a:latin typeface="Roboto"/>
+                <a:ea typeface="Roboto"/>
+                <a:cs typeface="Roboto"/>
+              </a:rPr>
+              <a:t>Fahrzeug-Szenario-Kombination wird an </a:t>
+            </a:r>
+            <a:r>
+              <a:rPr lang="de-DE" sz="2000" b="0" i="0" u="none" strike="noStrike" cap="none" spc="0">
+                <a:solidFill>
+                  <a:schemeClr val="tx1"/>
+                </a:solidFill>
+                <a:latin typeface="Roboto"/>
+                <a:ea typeface="Roboto"/>
+                <a:cs typeface="Roboto"/>
+              </a:rPr>
+              <a:t>Matlab</a:t>
+            </a:r>
+            <a:r>
+              <a:rPr lang="de-DE" sz="2000" b="0" i="0" u="none" strike="noStrike" cap="none" spc="0">
+                <a:solidFill>
+                  <a:schemeClr val="tx1"/>
+                </a:solidFill>
+                <a:latin typeface="Roboto"/>
+                <a:ea typeface="Roboto"/>
+                <a:cs typeface="Roboto"/>
+              </a:rPr>
+              <a:t>-Skript übergeben</a:t>
+            </a:r>
+            <a:endParaRPr sz="2000"/>
+          </a:p>
+          <a:p>
+            <a:pPr>
+              <a:defRPr/>
+            </a:pPr>
+            <a:r>
+              <a:rPr lang="de-DE" sz="2000" b="0" i="0" u="none" strike="noStrike" cap="none" spc="0">
+                <a:solidFill>
+                  <a:schemeClr val="tx1"/>
+                </a:solidFill>
+                <a:latin typeface="Roboto"/>
+                <a:ea typeface="Roboto"/>
+                <a:cs typeface="Roboto"/>
+              </a:rPr>
+              <a:t>Testbericht wird als Artefakt bereitgestellt</a:t>
+            </a:r>
+            <a:endParaRPr sz="2000"/>
+          </a:p>
+          <a:p>
+            <a:pPr>
+              <a:defRPr/>
+            </a:pPr>
+            <a:r>
+              <a:rPr lang="de-DE" sz="2000" b="0" i="0" u="none" strike="noStrike" cap="none" spc="0">
+                <a:solidFill>
+                  <a:schemeClr val="tx1"/>
+                </a:solidFill>
+                <a:latin typeface="Roboto"/>
+                <a:ea typeface="Roboto"/>
+                <a:cs typeface="Roboto"/>
+              </a:rPr>
+              <a:t>Bei entsprechender Runner-Konfiguration auch parallele Ausführung möglich</a:t>
+            </a:r>
+            <a:endParaRPr sz="2000"/>
           </a:p>
         </p:txBody>
       </p:sp>
@@ -10519,7 +10907,7 @@
 </p:sld>
 </file>
 
-<file path=ppt/slides/slide16.xml><?xml version="1.0" encoding="utf-8"?>
+<file path=ppt/slides/slide15.xml><?xml version="1.0" encoding="utf-8"?>
 <p:sld xmlns:a="http://schemas.openxmlformats.org/drawingml/2006/main" xmlns:r="http://schemas.openxmlformats.org/officeDocument/2006/relationships" xmlns:p="http://schemas.openxmlformats.org/presentationml/2006/main" xmlns:m="http://schemas.openxmlformats.org/officeDocument/2006/math" xmlns:w="http://schemas.openxmlformats.org/wordprocessingml/2006/main" xmlns:mc="http://schemas.openxmlformats.org/markup-compatibility/2006" showMasterPhAnim="0" showMasterSp="1" show="1">
   <p:cSld name="">
     <p:spTree>
@@ -10547,10 +10935,6 @@
           </p:nvPr>
         </p:nvSpPr>
         <p:spPr bwMode="auto">
-          <a:xfrm>
-            <a:off x="1343025" y="152399"/>
-            <a:ext cx="10656887" cy="468313"/>
-          </a:xfrm>
           <a:prstGeom prst="rect">
             <a:avLst/>
           </a:prstGeom>
@@ -10597,8 +10981,8 @@
         </p:blipFill>
         <p:spPr bwMode="auto">
           <a:xfrm flipH="0" flipV="0">
-            <a:off x="581051" y="1455918"/>
-            <a:ext cx="4565019" cy="4872681"/>
+            <a:off x="192087" y="1574802"/>
+            <a:ext cx="4469228" cy="4770434"/>
           </a:xfrm>
           <a:prstGeom prst="rect">
             <a:avLst/>
@@ -10619,8 +11003,8 @@
         </p:blipFill>
         <p:spPr bwMode="auto">
           <a:xfrm flipH="0" flipV="0">
-            <a:off x="6315679" y="1262172"/>
-            <a:ext cx="5684231" cy="5135285"/>
+            <a:off x="5981507" y="908049"/>
+            <a:ext cx="6018405" cy="5437186"/>
           </a:xfrm>
           <a:prstGeom prst="rect">
             <a:avLst/>
@@ -10638,10 +11022,6 @@
           </p:nvPr>
         </p:nvSpPr>
         <p:spPr bwMode="auto">
-          <a:xfrm>
-            <a:off x="192087" y="908049"/>
-            <a:ext cx="11807824" cy="928369"/>
-          </a:xfrm>
           <a:prstGeom prst="rect">
             <a:avLst/>
           </a:prstGeom>
@@ -10718,6 +11098,434 @@
               <a:t>: Testreport</a:t>
             </a:r>
             <a:endParaRPr/>
+          </a:p>
+        </p:txBody>
+      </p:sp>
+    </p:spTree>
+  </p:cSld>
+  <p:clrMapOvr>
+    <a:masterClrMapping/>
+  </p:clrMapOvr>
+  <mc:AlternateContent xmlns:mc="http://schemas.openxmlformats.org/markup-compatibility/2006">
+    <mc:Choice xmlns:p159="http://schemas.microsoft.com/office/powerpoint/2015/09/main" xmlns:p14="http://schemas.microsoft.com/office/powerpoint/2010/main" Requires="p159">
+      <p:transition p14:dur="2000" advClick="1"/>
+    </mc:Choice>
+    <mc:Fallback>
+      <p:transition advClick="1"/>
+    </mc:Fallback>
+  </mc:AlternateContent>
+</p:sld>
+</file>
+
+<file path=ppt/slides/slide16.xml><?xml version="1.0" encoding="utf-8"?>
+<p:sld xmlns:a="http://schemas.openxmlformats.org/drawingml/2006/main" xmlns:r="http://schemas.openxmlformats.org/officeDocument/2006/relationships" xmlns:p="http://schemas.openxmlformats.org/presentationml/2006/main" xmlns:m="http://schemas.openxmlformats.org/officeDocument/2006/math" xmlns:w="http://schemas.openxmlformats.org/wordprocessingml/2006/main" xmlns:mc="http://schemas.openxmlformats.org/markup-compatibility/2006" showMasterPhAnim="0" showMasterSp="1" show="1">
+  <p:cSld name="">
+    <p:spTree>
+      <p:nvGrpSpPr>
+        <p:cNvPr id="1" name=""/>
+        <p:cNvGrpSpPr/>
+        <p:nvPr/>
+      </p:nvGrpSpPr>
+      <p:grpSpPr bwMode="auto">
+        <a:xfrm>
+          <a:off x="0" y="0"/>
+          <a:ext cx="0" cy="0"/>
+          <a:chOff x="0" y="0"/>
+          <a:chExt cx="0" cy="0"/>
+        </a:xfrm>
+      </p:grpSpPr>
+      <p:sp>
+        <p:nvSpPr>
+          <p:cNvPr id="343717221" name="Titel 3"/>
+          <p:cNvSpPr>
+            <a:spLocks noGrp="1"/>
+          </p:cNvSpPr>
+          <p:nvPr>
+            <p:ph type="title" hasCustomPrompt="1"/>
+          </p:nvPr>
+        </p:nvSpPr>
+        <p:spPr bwMode="auto">
+          <a:prstGeom prst="rect">
+            <a:avLst/>
+          </a:prstGeom>
+        </p:spPr>
+        <p:txBody>
+          <a:bodyPr vertOverflow="overflow" horzOverflow="overflow" vert="horz" wrap="square" lIns="0" tIns="0" rIns="0" bIns="0" numCol="1" spcCol="0" rtlCol="0" fromWordArt="0" anchor="t" anchorCtr="0" forceAA="0" upright="0" compatLnSpc="0">
+            <a:normAutofit fontScale="90000" lnSpcReduction="2000"/>
+          </a:bodyPr>
+          <a:lstStyle>
+            <a:lvl1pPr>
+              <a:defRPr sz="2800"/>
+            </a:lvl1pPr>
+          </a:lstStyle>
+          <a:p>
+            <a:pPr>
+              <a:defRPr/>
+            </a:pPr>
+            <a:r>
+              <a:rPr lang="de-DE" sz="2800" b="1" i="0" u="none" strike="noStrike" cap="none" spc="0">
+                <a:solidFill>
+                  <a:schemeClr val="bg1"/>
+                </a:solidFill>
+                <a:latin typeface="Roboto"/>
+                <a:ea typeface="Roboto"/>
+                <a:cs typeface="+mj-cs"/>
+              </a:rPr>
+              <a:t>Zusammenfassung &amp; Ausblick</a:t>
+            </a:r>
+            <a:endParaRPr sz="2800"/>
+          </a:p>
+          <a:p>
+            <a:pPr>
+              <a:defRPr/>
+            </a:pPr>
+            <a:endParaRPr/>
+          </a:p>
+        </p:txBody>
+      </p:sp>
+      <p:sp>
+        <p:nvSpPr>
+          <p:cNvPr id="1565728904" name="Textplatzhalter 7"/>
+          <p:cNvSpPr>
+            <a:spLocks noGrp="1"/>
+          </p:cNvSpPr>
+          <p:nvPr>
+            <p:ph type="body" sz="quarter" idx="11" hasCustomPrompt="1"/>
+          </p:nvPr>
+        </p:nvSpPr>
+        <p:spPr bwMode="auto">
+          <a:xfrm flipH="0" flipV="0">
+            <a:off x="192087" y="937984"/>
+            <a:ext cx="6858984" cy="5407251"/>
+          </a:xfrm>
+          <a:prstGeom prst="rect">
+            <a:avLst/>
+          </a:prstGeom>
+        </p:spPr>
+        <p:txBody>
+          <a:bodyPr vertOverflow="overflow" horzOverflow="overflow" vert="horz" wrap="square" lIns="91440" tIns="45720" rIns="91440" bIns="45720" numCol="1" spcCol="0" rtlCol="0" fromWordArt="0" anchor="t" anchorCtr="0" forceAA="0" upright="0" compatLnSpc="0">
+            <a:normAutofit/>
+          </a:bodyPr>
+          <a:lstStyle>
+            <a:lvl1pPr>
+              <a:defRPr sz="2000">
+                <a:latin typeface="Roboto"/>
+                <a:ea typeface="Roboto"/>
+              </a:defRPr>
+            </a:lvl1pPr>
+            <a:lvl2pPr>
+              <a:defRPr sz="2000">
+                <a:latin typeface="Roboto"/>
+                <a:ea typeface="Roboto"/>
+              </a:defRPr>
+            </a:lvl2pPr>
+            <a:lvl3pPr>
+              <a:defRPr sz="2000">
+                <a:latin typeface="Roboto"/>
+                <a:ea typeface="Roboto"/>
+              </a:defRPr>
+            </a:lvl3pPr>
+            <a:lvl4pPr>
+              <a:defRPr sz="2000">
+                <a:latin typeface="Roboto"/>
+                <a:ea typeface="Roboto"/>
+              </a:defRPr>
+            </a:lvl4pPr>
+            <a:lvl5pPr>
+              <a:defRPr sz="2000">
+                <a:latin typeface="Roboto"/>
+                <a:ea typeface="Roboto"/>
+              </a:defRPr>
+            </a:lvl5pPr>
+          </a:lstStyle>
+          <a:p>
+            <a:pPr>
+              <a:defRPr/>
+            </a:pPr>
+            <a:r>
+              <a:rPr lang="de-DE" sz="2000" b="0" i="0" u="none" strike="noStrike" cap="none" spc="0">
+                <a:solidFill>
+                  <a:schemeClr val="tx1"/>
+                </a:solidFill>
+                <a:latin typeface="Roboto"/>
+                <a:ea typeface="Roboto"/>
+                <a:cs typeface="Roboto"/>
+              </a:rPr>
+              <a:t>Konzept für das automatisierte Testen der Pfadfolge MPC wurde implementiert</a:t>
+            </a:r>
+            <a:endParaRPr lang="de-DE" sz="2000" b="0" i="0" u="none" strike="noStrike" cap="none" spc="0">
+              <a:solidFill>
+                <a:schemeClr val="tx1"/>
+              </a:solidFill>
+              <a:latin typeface="Times New Roman"/>
+              <a:cs typeface="Times New Roman"/>
+            </a:endParaRPr>
+          </a:p>
+          <a:p>
+            <a:pPr lvl="1">
+              <a:defRPr/>
+            </a:pPr>
+            <a:r>
+              <a:rPr lang="de-DE" sz="2000" b="0" i="0" u="none" strike="noStrike" cap="none" spc="0">
+                <a:solidFill>
+                  <a:schemeClr val="tx1"/>
+                </a:solidFill>
+                <a:latin typeface="Roboto"/>
+                <a:ea typeface="Roboto"/>
+                <a:cs typeface="Roboto"/>
+              </a:rPr>
+              <a:t>Neue Szenarien können hinzugefügt werden</a:t>
+            </a:r>
+            <a:endParaRPr lang="de-DE" sz="2000" b="0" i="0" u="none" strike="noStrike" cap="none" spc="0">
+              <a:solidFill>
+                <a:schemeClr val="tx1"/>
+              </a:solidFill>
+              <a:latin typeface="Times New Roman"/>
+              <a:cs typeface="Times New Roman"/>
+            </a:endParaRPr>
+          </a:p>
+          <a:p>
+            <a:pPr lvl="1">
+              <a:defRPr/>
+            </a:pPr>
+            <a:r>
+              <a:rPr lang="de-DE" sz="2000" b="0" i="0" u="none" strike="noStrike" cap="none" spc="0">
+                <a:solidFill>
+                  <a:schemeClr val="tx1"/>
+                </a:solidFill>
+                <a:latin typeface="Roboto"/>
+                <a:ea typeface="Roboto"/>
+                <a:cs typeface="Roboto"/>
+              </a:rPr>
+              <a:t>Falls benötigt</a:t>
+            </a:r>
+            <a:r>
+              <a:rPr lang="de-DE" sz="2000" b="0" i="0" u="none" strike="noStrike" cap="none" spc="0">
+                <a:solidFill>
+                  <a:schemeClr val="tx1"/>
+                </a:solidFill>
+                <a:latin typeface="Roboto"/>
+                <a:ea typeface="Roboto"/>
+                <a:cs typeface="Roboto"/>
+              </a:rPr>
+              <a:t> Erweiterung um neue Fahrzeuge möglich</a:t>
+            </a:r>
+            <a:endParaRPr lang="de-DE" sz="2000" b="0" i="0" u="none" strike="noStrike" cap="none" spc="0">
+              <a:solidFill>
+                <a:schemeClr val="tx1"/>
+              </a:solidFill>
+              <a:latin typeface="Times New Roman"/>
+              <a:cs typeface="Times New Roman"/>
+            </a:endParaRPr>
+          </a:p>
+          <a:p>
+            <a:pPr lvl="1">
+              <a:defRPr/>
+            </a:pPr>
+            <a:r>
+              <a:rPr lang="de-DE" sz="2000" b="0" i="0" u="none" strike="noStrike" cap="none" spc="0">
+                <a:solidFill>
+                  <a:schemeClr val="tx1"/>
+                </a:solidFill>
+                <a:latin typeface="Roboto"/>
+                <a:ea typeface="Roboto"/>
+                <a:cs typeface="Roboto"/>
+              </a:rPr>
+              <a:t>KPIs und Parametergrenzen sind veränderbar</a:t>
+            </a:r>
+            <a:endParaRPr lang="de-DE" sz="2000" b="0" i="0" u="none" strike="noStrike" cap="none" spc="0">
+              <a:solidFill>
+                <a:schemeClr val="tx1"/>
+              </a:solidFill>
+              <a:latin typeface="Times New Roman"/>
+              <a:cs typeface="Times New Roman"/>
+            </a:endParaRPr>
+          </a:p>
+          <a:p>
+            <a:pPr lvl="0">
+              <a:defRPr/>
+            </a:pPr>
+            <a:r>
+              <a:rPr lang="de-DE" sz="2000" b="0" i="0" u="none" strike="noStrike" cap="none" spc="0">
+                <a:solidFill>
+                  <a:schemeClr val="tx1"/>
+                </a:solidFill>
+                <a:latin typeface="Roboto"/>
+                <a:ea typeface="Roboto"/>
+                <a:cs typeface="Roboto"/>
+              </a:rPr>
+              <a:t>Automatisierte Ausführung in der GitLab-Pipeline</a:t>
+            </a:r>
+            <a:r>
+              <a:rPr lang="de-DE" sz="2000" b="0" i="0" u="none" strike="noStrike" cap="none" spc="0">
+                <a:solidFill>
+                  <a:schemeClr val="tx1"/>
+                </a:solidFill>
+                <a:latin typeface="Roboto"/>
+                <a:ea typeface="Roboto"/>
+                <a:cs typeface="Roboto"/>
+              </a:rPr>
+              <a:t> und Benachrichtigung des Entwicklers</a:t>
+            </a:r>
+            <a:endParaRPr lang="de-DE" sz="2000" b="0" i="0" u="none" strike="noStrike" cap="none" spc="0">
+              <a:solidFill>
+                <a:schemeClr val="tx1"/>
+              </a:solidFill>
+              <a:latin typeface="Times New Roman"/>
+              <a:cs typeface="Times New Roman"/>
+            </a:endParaRPr>
+          </a:p>
+          <a:p>
+            <a:pPr lvl="1">
+              <a:defRPr/>
+            </a:pPr>
+            <a:endParaRPr lang="de-DE" sz="2000"/>
+          </a:p>
+          <a:p>
+            <a:pPr marL="0" indent="0">
+              <a:buFont typeface="Arial"/>
+              <a:buNone/>
+              <a:defRPr/>
+            </a:pPr>
+            <a:endParaRPr lang="de-DE" sz="2000" b="0" i="0" u="none" strike="noStrike" cap="none" spc="0">
+              <a:solidFill>
+                <a:schemeClr val="tx1"/>
+              </a:solidFill>
+              <a:latin typeface="Times New Roman"/>
+              <a:cs typeface="Times New Roman"/>
+            </a:endParaRPr>
+          </a:p>
+          <a:p>
+            <a:pPr>
+              <a:defRPr/>
+            </a:pPr>
+            <a:r>
+              <a:rPr lang="de-DE" sz="2000" b="0" i="0" u="none" strike="noStrike" cap="none" spc="0">
+                <a:solidFill>
+                  <a:schemeClr val="tx1"/>
+                </a:solidFill>
+                <a:latin typeface="Roboto"/>
+                <a:ea typeface="Roboto"/>
+                <a:cs typeface="Roboto"/>
+              </a:rPr>
+              <a:t>Einbinden in vollständiges over-the-air Updatesystem</a:t>
+            </a:r>
+            <a:endParaRPr lang="de-DE" sz="2000" b="0" i="0" u="none" strike="noStrike" cap="none" spc="0">
+              <a:solidFill>
+                <a:schemeClr val="tx1"/>
+              </a:solidFill>
+              <a:latin typeface="Times New Roman"/>
+              <a:cs typeface="Times New Roman"/>
+            </a:endParaRPr>
+          </a:p>
+          <a:p>
+            <a:pPr>
+              <a:defRPr/>
+            </a:pPr>
+            <a:r>
+              <a:rPr lang="de-DE" sz="2000" b="0" i="0" u="none" strike="noStrike" cap="none" spc="0">
+                <a:solidFill>
+                  <a:schemeClr val="tx1"/>
+                </a:solidFill>
+                <a:latin typeface="Roboto"/>
+                <a:ea typeface="Roboto"/>
+                <a:cs typeface="Roboto"/>
+              </a:rPr>
+              <a:t>Kritikalitätsbewertung der einzelnen Testdurchläufe, finden kritischer Parameterwerte für Test</a:t>
+            </a:r>
+            <a:endParaRPr lang="de-DE" sz="2000" b="0" i="0" u="none" strike="noStrike" cap="none" spc="0">
+              <a:solidFill>
+                <a:schemeClr val="tx1"/>
+              </a:solidFill>
+              <a:latin typeface="Times New Roman"/>
+              <a:cs typeface="Times New Roman"/>
+            </a:endParaRPr>
+          </a:p>
+          <a:p>
+            <a:pPr>
+              <a:defRPr/>
+            </a:pPr>
+            <a:endParaRPr lang="de-DE" sz="2000" b="0" i="0" u="none" strike="noStrike" cap="none" spc="0">
+              <a:solidFill>
+                <a:schemeClr val="tx1"/>
+              </a:solidFill>
+              <a:latin typeface="Times New Roman"/>
+              <a:cs typeface="Times New Roman"/>
+            </a:endParaRPr>
+          </a:p>
+          <a:p>
+            <a:pPr marL="0" indent="0">
+              <a:buFont typeface="Arial"/>
+              <a:buNone/>
+              <a:defRPr/>
+            </a:pPr>
+            <a:endParaRPr/>
+          </a:p>
+        </p:txBody>
+      </p:sp>
+      <p:pic>
+        <p:nvPicPr>
+          <p:cNvPr id="103470865" name=""/>
+          <p:cNvPicPr>
+            <a:picLocks noChangeAspect="1"/>
+          </p:cNvPicPr>
+          <p:nvPr/>
+        </p:nvPicPr>
+        <p:blipFill>
+          <a:blip r:embed="rId3"/>
+          <a:stretch/>
+        </p:blipFill>
+        <p:spPr bwMode="auto">
+          <a:xfrm flipH="0" flipV="0">
+            <a:off x="7595209" y="2358340"/>
+            <a:ext cx="3683411" cy="3348154"/>
+          </a:xfrm>
+          <a:prstGeom prst="rect">
+            <a:avLst/>
+          </a:prstGeom>
+        </p:spPr>
+      </p:pic>
+      <p:sp>
+        <p:nvSpPr>
+          <p:cNvPr id="2139341157" name=""/>
+          <p:cNvSpPr txBox="1"/>
+          <p:nvPr/>
+        </p:nvSpPr>
+        <p:spPr bwMode="auto">
+          <a:xfrm flipH="0" flipV="0">
+            <a:off x="10867847" y="5887495"/>
+            <a:ext cx="411492" cy="305159"/>
+          </a:xfrm>
+          <a:prstGeom prst="rect">
+            <a:avLst/>
+          </a:prstGeom>
+          <a:noFill/>
+        </p:spPr>
+        <p:txBody>
+          <a:bodyPr vertOverflow="overflow" horzOverflow="overflow" vert="horz" wrap="square" lIns="91440" tIns="45720" rIns="91440" bIns="45720" numCol="1" spcCol="0" rtlCol="0" fromWordArt="0" anchor="t" anchorCtr="0" forceAA="0" upright="0" compatLnSpc="0">
+            <a:spAutoFit/>
+          </a:bodyPr>
+          <a:p>
+            <a:pPr>
+              <a:defRPr/>
+            </a:pPr>
+            <a:r>
+              <a:rPr sz="1400">
+                <a:solidFill>
+                  <a:schemeClr val="bg2">
+                    <a:lumMod val="50000"/>
+                  </a:schemeClr>
+                </a:solidFill>
+              </a:rPr>
+              <a:t>[7]</a:t>
+            </a:r>
+            <a:endParaRPr sz="1400">
+              <a:solidFill>
+                <a:schemeClr val="bg2">
+                  <a:lumMod val="50000"/>
+                </a:schemeClr>
+              </a:solidFill>
+            </a:endParaRPr>
           </a:p>
         </p:txBody>
       </p:sp>
@@ -10756,7 +11564,7 @@
       </p:grpSpPr>
       <p:sp>
         <p:nvSpPr>
-          <p:cNvPr id="1908834117" name="Titel 3"/>
+          <p:cNvPr id="703869753" name="Titel 3"/>
           <p:cNvSpPr>
             <a:spLocks noGrp="1"/>
           </p:cNvSpPr>
@@ -10765,6 +11573,10 @@
           </p:nvPr>
         </p:nvSpPr>
         <p:spPr bwMode="auto">
+          <a:xfrm>
+            <a:off x="1343025" y="152398"/>
+            <a:ext cx="10656887" cy="468312"/>
+          </a:xfrm>
           <a:prstGeom prst="rect">
             <a:avLst/>
           </a:prstGeom>
@@ -10784,7 +11596,7 @@
             </a:pPr>
             <a:r>
               <a:rPr/>
-              <a:t>Zusammenfassung &amp; Ausblick</a:t>
+              <a:t>Referenzen</a:t>
             </a:r>
             <a:endParaRPr/>
           </a:p>
@@ -10792,75 +11604,7 @@
       </p:sp>
       <p:sp>
         <p:nvSpPr>
-          <p:cNvPr id="2086157081" name="Textplatzhalter 7"/>
-          <p:cNvSpPr>
-            <a:spLocks noGrp="1"/>
-          </p:cNvSpPr>
-          <p:nvPr>
-            <p:ph type="body" sz="quarter" idx="13" hasCustomPrompt="1"/>
-          </p:nvPr>
-        </p:nvSpPr>
-        <p:spPr bwMode="auto">
-          <a:prstGeom prst="rect">
-            <a:avLst/>
-          </a:prstGeom>
-        </p:spPr>
-        <p:txBody>
-          <a:bodyPr lIns="0" tIns="0" rIns="0" bIns="0">
-            <a:normAutofit/>
-          </a:bodyPr>
-          <a:lstStyle>
-            <a:lvl1pPr marL="0" indent="0">
-              <a:buFont typeface="Arial"/>
-              <a:buNone/>
-              <a:defRPr sz="2400" b="1">
-                <a:solidFill>
-                  <a:schemeClr val="tx1"/>
-                </a:solidFill>
-                <a:latin typeface="Roboto"/>
-                <a:ea typeface="Roboto"/>
-              </a:defRPr>
-            </a:lvl1pPr>
-            <a:lvl2pPr>
-              <a:defRPr sz="2400">
-                <a:latin typeface="Roboto"/>
-                <a:ea typeface="Roboto"/>
-              </a:defRPr>
-            </a:lvl2pPr>
-            <a:lvl3pPr>
-              <a:defRPr sz="2000">
-                <a:latin typeface="Roboto"/>
-                <a:ea typeface="Roboto"/>
-              </a:defRPr>
-            </a:lvl3pPr>
-            <a:lvl4pPr>
-              <a:defRPr sz="2000">
-                <a:latin typeface="Roboto"/>
-                <a:ea typeface="Roboto"/>
-              </a:defRPr>
-            </a:lvl4pPr>
-            <a:lvl5pPr>
-              <a:defRPr sz="2000">
-                <a:latin typeface="Roboto"/>
-                <a:ea typeface="Roboto"/>
-              </a:defRPr>
-            </a:lvl5pPr>
-          </a:lstStyle>
-          <a:p>
-            <a:pPr>
-              <a:defRPr/>
-            </a:pPr>
-            <a:r>
-              <a:rPr/>
-              <a:t>tbd.</a:t>
-            </a:r>
-            <a:endParaRPr/>
-          </a:p>
-        </p:txBody>
-      </p:sp>
-      <p:sp>
-        <p:nvSpPr>
-          <p:cNvPr id="959296755" name="Textplatzhalter 7"/>
+          <p:cNvPr id="662579795" name="Textplatzhalter 7"/>
           <p:cNvSpPr>
             <a:spLocks noGrp="1"/>
           </p:cNvSpPr>
@@ -10869,12 +11613,16 @@
           </p:nvPr>
         </p:nvSpPr>
         <p:spPr bwMode="auto">
+          <a:xfrm flipH="0" flipV="0">
+            <a:off x="192087" y="908048"/>
+            <a:ext cx="11807823" cy="5437186"/>
+          </a:xfrm>
           <a:prstGeom prst="rect">
             <a:avLst/>
           </a:prstGeom>
         </p:spPr>
         <p:txBody>
-          <a:bodyPr>
+          <a:bodyPr vertOverflow="overflow" horzOverflow="overflow" vert="horz" wrap="square" lIns="91440" tIns="45720" rIns="91440" bIns="45720" numCol="1" spcCol="0" rtlCol="0" fromWordArt="0" anchor="t" anchorCtr="0" forceAA="0" upright="0" compatLnSpc="0">
             <a:normAutofit/>
           </a:bodyPr>
           <a:lstStyle>
@@ -10910,14 +11658,472 @@
             </a:lvl5pPr>
           </a:lstStyle>
           <a:p>
-            <a:pPr>
-              <a:defRPr/>
-            </a:pPr>
-            <a:r>
-              <a:rPr/>
-              <a:t>Kritikalitätsbewertung</a:t>
-            </a:r>
-            <a:endParaRPr/>
+            <a:pPr marL="0" indent="0">
+              <a:buFont typeface="Arial"/>
+              <a:buNone/>
+              <a:defRPr/>
+            </a:pPr>
+            <a:r>
+              <a:rPr sz="1600"/>
+              <a:t>[1] </a:t>
+            </a:r>
+            <a:r>
+              <a:rPr lang="de-DE" sz="1600" b="0" i="0" u="none" strike="noStrike" cap="none" spc="0">
+                <a:solidFill>
+                  <a:schemeClr val="tx1"/>
+                </a:solidFill>
+                <a:latin typeface="Roboto"/>
+                <a:ea typeface="Roboto"/>
+                <a:cs typeface="Roboto"/>
+              </a:rPr>
+              <a:t>	Robert Ritschel, Frank Schrödel, Juliane Hädrich und Jens Jäkel. „Nonlinear Model </a:t>
+            </a:r>
+            <a:r>
+              <a:rPr lang="de-DE" sz="1600" b="0" i="0" u="none" strike="noStrike" cap="none" spc="0">
+                <a:solidFill>
+                  <a:schemeClr val="tx1"/>
+                </a:solidFill>
+                <a:latin typeface="Roboto"/>
+                <a:ea typeface="Roboto"/>
+                <a:cs typeface="Roboto"/>
+              </a:rPr>
+              <a:t>Predictive Path-Following Control 	for Highly Automated Driving“. In: IFACPapersOnLine </a:t>
+            </a:r>
+            <a:r>
+              <a:rPr lang="de-DE" sz="1600" b="0" i="0" u="none" strike="noStrike" cap="none" spc="0">
+                <a:solidFill>
+                  <a:schemeClr val="tx1"/>
+                </a:solidFill>
+                <a:latin typeface="Roboto"/>
+                <a:ea typeface="Roboto"/>
+                <a:cs typeface="Roboto"/>
+              </a:rPr>
+              <a:t>52.8 (2019). 10th 	IFAC Symposium on Intelligent Autonomous 	Vehicles </a:t>
+            </a:r>
+            <a:r>
+              <a:rPr lang="de-DE" sz="1600" b="0" i="0" u="none" strike="noStrike" cap="none" spc="0">
+                <a:solidFill>
+                  <a:schemeClr val="tx1"/>
+                </a:solidFill>
+                <a:latin typeface="Roboto"/>
+                <a:ea typeface="Roboto"/>
+                <a:cs typeface="Roboto"/>
+              </a:rPr>
+              <a:t>IAV 2019, S. 350–355. ISSN: 2405-8963. 	DOI: 10.1016/j.ifacol.2019.08.</a:t>
+            </a:r>
+            <a:r>
+              <a:rPr lang="de-DE" sz="1600" b="0" i="0" u="none" strike="noStrike" cap="none" spc="0">
+                <a:solidFill>
+                  <a:schemeClr val="tx1"/>
+                </a:solidFill>
+                <a:latin typeface="Roboto"/>
+                <a:ea typeface="Roboto"/>
+                <a:cs typeface="Roboto"/>
+              </a:rPr>
+              <a:t>112.</a:t>
+            </a:r>
+            <a:endParaRPr sz="1600" b="0" i="0" u="none" strike="noStrike" cap="none" spc="0">
+              <a:solidFill>
+                <a:schemeClr val="tx1"/>
+              </a:solidFill>
+              <a:latin typeface="Roboto"/>
+              <a:cs typeface="Roboto"/>
+            </a:endParaRPr>
+          </a:p>
+          <a:p>
+            <a:pPr marL="0" indent="0">
+              <a:buFont typeface="Arial"/>
+              <a:buNone/>
+              <a:defRPr/>
+            </a:pPr>
+            <a:r>
+              <a:rPr lang="de-DE" sz="1600" b="0" i="0" u="none" strike="noStrike" cap="none" spc="0">
+                <a:solidFill>
+                  <a:schemeClr val="tx1"/>
+                </a:solidFill>
+                <a:latin typeface="Roboto"/>
+                <a:cs typeface="Roboto"/>
+              </a:rPr>
+              <a:t>[2]</a:t>
+            </a:r>
+            <a:r>
+              <a:rPr lang="de-DE" sz="1600" b="0" i="0" u="none" strike="noStrike" cap="none" spc="0">
+                <a:solidFill>
+                  <a:schemeClr val="tx1"/>
+                </a:solidFill>
+                <a:latin typeface="Roboto"/>
+                <a:cs typeface="Roboto"/>
+              </a:rPr>
+              <a:t>	</a:t>
+            </a:r>
+            <a:r>
+              <a:rPr lang="de-DE" sz="1600" b="0" i="0" u="none" strike="noStrike" cap="none" spc="0">
+                <a:solidFill>
+                  <a:schemeClr val="tx1"/>
+                </a:solidFill>
+                <a:latin typeface="Roboto"/>
+                <a:ea typeface="Roboto"/>
+                <a:cs typeface="Roboto"/>
+              </a:rPr>
+              <a:t>Gerrit Bagschik, Till Menzel und Markus Maurer. „Ontology based Scene Creation </a:t>
+            </a:r>
+            <a:r>
+              <a:rPr lang="de-DE" sz="1600" b="0" i="0" u="none" strike="noStrike" cap="none" spc="0">
+                <a:solidFill>
+                  <a:schemeClr val="tx1"/>
+                </a:solidFill>
+                <a:latin typeface="Roboto"/>
+                <a:ea typeface="Roboto"/>
+                <a:cs typeface="Roboto"/>
+              </a:rPr>
+              <a:t>for the Development of Automated 	Vehicles“. In: 2018 IEEE Intelligent Vehicles </a:t>
+            </a:r>
+            <a:r>
+              <a:rPr lang="de-DE" sz="1600" b="0" i="0" u="none" strike="noStrike" cap="none" spc="0">
+                <a:solidFill>
+                  <a:schemeClr val="tx1"/>
+                </a:solidFill>
+                <a:latin typeface="Roboto"/>
+                <a:ea typeface="Roboto"/>
+                <a:cs typeface="Roboto"/>
+              </a:rPr>
+              <a:t>Symposium (IV). 2018, S. 1813–1820. DOI: 10.1109/IVS.2018.8500632.</a:t>
+            </a:r>
+            <a:endParaRPr sz="1600" b="0" i="0" u="none" strike="noStrike" cap="none" spc="0">
+              <a:solidFill>
+                <a:schemeClr val="tx1"/>
+              </a:solidFill>
+              <a:latin typeface="Roboto"/>
+              <a:cs typeface="Roboto"/>
+            </a:endParaRPr>
+          </a:p>
+          <a:p>
+            <a:pPr marL="0" indent="0">
+              <a:buFont typeface="Arial"/>
+              <a:buNone/>
+              <a:defRPr/>
+            </a:pPr>
+            <a:r>
+              <a:rPr lang="de-DE" sz="1600" b="0" i="0" u="none" strike="noStrike" cap="none" spc="0">
+                <a:solidFill>
+                  <a:schemeClr val="tx1"/>
+                </a:solidFill>
+                <a:latin typeface="Roboto"/>
+                <a:ea typeface="Roboto"/>
+                <a:cs typeface="Roboto"/>
+              </a:rPr>
+              <a:t>[3]</a:t>
+            </a:r>
+            <a:r>
+              <a:rPr lang="de-DE" sz="1600" b="0" i="0" u="none" strike="noStrike" cap="none" spc="0">
+                <a:solidFill>
+                  <a:schemeClr val="tx1"/>
+                </a:solidFill>
+                <a:latin typeface="Roboto"/>
+                <a:cs typeface="Roboto"/>
+              </a:rPr>
+              <a:t> </a:t>
+            </a:r>
+            <a:r>
+              <a:rPr lang="de-DE" sz="1600" b="0" i="0" u="none" strike="noStrike" cap="none" spc="0">
+                <a:solidFill>
+                  <a:schemeClr val="tx1"/>
+                </a:solidFill>
+                <a:latin typeface="Roboto"/>
+                <a:ea typeface="Roboto"/>
+                <a:cs typeface="Roboto"/>
+              </a:rPr>
+              <a:t>	Till Menzel, Gerrit Bagschik und Markus Maurer. „Scenarios for Development, Test </a:t>
+            </a:r>
+            <a:r>
+              <a:rPr lang="de-DE" sz="1600" b="0" i="0" u="none" strike="noStrike" cap="none" spc="0">
+                <a:solidFill>
+                  <a:schemeClr val="tx1"/>
+                </a:solidFill>
+                <a:latin typeface="Roboto"/>
+                <a:ea typeface="Roboto"/>
+                <a:cs typeface="Roboto"/>
+              </a:rPr>
+              <a:t>and Validation of Automated 	Vehicles“. In: 2018 IEEE Intelligent Vehicles Symposium </a:t>
+            </a:r>
+            <a:r>
+              <a:rPr lang="de-DE" sz="1600" b="0" i="0" u="none" strike="noStrike" cap="none" spc="0">
+                <a:solidFill>
+                  <a:schemeClr val="tx1"/>
+                </a:solidFill>
+                <a:latin typeface="Roboto"/>
+                <a:ea typeface="Roboto"/>
+                <a:cs typeface="Roboto"/>
+              </a:rPr>
+              <a:t>(IV). 2018, S. 1821–1827. DOI: 10.1109/IVS.2018.8500406.</a:t>
+            </a:r>
+            <a:endParaRPr sz="1600" b="0" i="0" u="none" strike="noStrike" cap="none" spc="0">
+              <a:solidFill>
+                <a:schemeClr val="tx1"/>
+              </a:solidFill>
+              <a:latin typeface="Roboto"/>
+              <a:cs typeface="Roboto"/>
+            </a:endParaRPr>
+          </a:p>
+          <a:p>
+            <a:pPr marL="0" indent="0">
+              <a:buFont typeface="Arial"/>
+              <a:buNone/>
+              <a:defRPr/>
+            </a:pPr>
+            <a:r>
+              <a:rPr lang="de-DE" sz="1600" b="0" i="0" u="none" strike="noStrike" cap="none" spc="0">
+                <a:solidFill>
+                  <a:schemeClr val="tx1"/>
+                </a:solidFill>
+                <a:latin typeface="Roboto"/>
+                <a:ea typeface="Roboto"/>
+                <a:cs typeface="Roboto"/>
+              </a:rPr>
+              <a:t>[4]</a:t>
+            </a:r>
+            <a:r>
+              <a:rPr lang="de-DE" sz="1600" b="0" i="0" u="none" strike="noStrike" cap="none" spc="0">
+                <a:solidFill>
+                  <a:schemeClr val="tx1"/>
+                </a:solidFill>
+                <a:latin typeface="Roboto"/>
+                <a:cs typeface="Roboto"/>
+              </a:rPr>
+              <a:t> </a:t>
+            </a:r>
+            <a:r>
+              <a:rPr lang="de-DE" sz="1600" b="0" i="0" u="none" strike="noStrike" cap="none" spc="0">
+                <a:solidFill>
+                  <a:schemeClr val="tx1"/>
+                </a:solidFill>
+                <a:latin typeface="Roboto"/>
+                <a:ea typeface="Roboto"/>
+                <a:cs typeface="Roboto"/>
+              </a:rPr>
+              <a:t>	Red Hat. Was ist CI/CD? Konzepte und CI/CD Tools im Überblick. 2024. </a:t>
+            </a:r>
+            <a:r>
+              <a:rPr lang="de-DE" sz="1600" b="0" i="0" u="none" strike="noStrike" cap="none" spc="0">
+                <a:solidFill>
+                  <a:schemeClr val="tx1"/>
+                </a:solidFill>
+                <a:latin typeface="Roboto"/>
+                <a:ea typeface="Roboto"/>
+                <a:cs typeface="Roboto"/>
+              </a:rPr>
+              <a:t>URL: 	https://www.redhat.com/de/topics/devops/what-is-ci-cd (besucht am </a:t>
+            </a:r>
+            <a:r>
+              <a:rPr lang="de-DE" sz="1600" b="0" i="0" u="none" strike="noStrike" cap="none" spc="0">
+                <a:solidFill>
+                  <a:schemeClr val="tx1"/>
+                </a:solidFill>
+                <a:latin typeface="Roboto"/>
+                <a:ea typeface="Roboto"/>
+                <a:cs typeface="Roboto"/>
+              </a:rPr>
+              <a:t>18. 03. 2024).</a:t>
+            </a:r>
+            <a:endParaRPr sz="1600" b="0" i="0" u="none" strike="noStrike" cap="none" spc="0">
+              <a:solidFill>
+                <a:schemeClr val="tx1"/>
+              </a:solidFill>
+              <a:latin typeface="Roboto"/>
+              <a:cs typeface="Roboto"/>
+            </a:endParaRPr>
+          </a:p>
+          <a:p>
+            <a:pPr marL="0" indent="0">
+              <a:buFont typeface="Arial"/>
+              <a:buNone/>
+              <a:defRPr/>
+            </a:pPr>
+            <a:r>
+              <a:rPr lang="de-DE" sz="1600" b="0" i="0" u="none" strike="noStrike" cap="none" spc="0">
+                <a:solidFill>
+                  <a:schemeClr val="tx1"/>
+                </a:solidFill>
+                <a:latin typeface="Roboto"/>
+                <a:ea typeface="Roboto"/>
+                <a:cs typeface="Roboto"/>
+              </a:rPr>
+              <a:t>[5]</a:t>
+            </a:r>
+            <a:r>
+              <a:rPr lang="de-DE" sz="1600" b="0" i="0" u="none" strike="noStrike" cap="none" spc="0">
+                <a:solidFill>
+                  <a:schemeClr val="tx1"/>
+                </a:solidFill>
+                <a:latin typeface="Roboto"/>
+                <a:cs typeface="Roboto"/>
+              </a:rPr>
+              <a:t> </a:t>
+            </a:r>
+            <a:r>
+              <a:rPr lang="de-DE" sz="1600" b="0" i="0" u="none" strike="noStrike" cap="none" spc="0">
+                <a:solidFill>
+                  <a:schemeClr val="tx1"/>
+                </a:solidFill>
+                <a:latin typeface="Roboto"/>
+                <a:ea typeface="Roboto"/>
+                <a:cs typeface="Roboto"/>
+              </a:rPr>
+              <a:t>	Robin Preece und Jovica Milanović. „Efficient Estimation of the Probability of </a:t>
+            </a:r>
+            <a:r>
+              <a:rPr lang="de-DE" sz="1600" b="0" i="0" u="none" strike="noStrike" cap="none" spc="0">
+                <a:solidFill>
+                  <a:schemeClr val="tx1"/>
+                </a:solidFill>
+                <a:latin typeface="Roboto"/>
+                <a:ea typeface="Roboto"/>
+                <a:cs typeface="Roboto"/>
+              </a:rPr>
+              <a:t>Small-Disturbance Instability of Large 	Uncertain Power Systems“. In: IEEE Transactions </a:t>
+            </a:r>
+            <a:r>
+              <a:rPr lang="de-DE" sz="1600" b="0" i="0" u="none" strike="noStrike" cap="none" spc="0">
+                <a:solidFill>
+                  <a:schemeClr val="tx1"/>
+                </a:solidFill>
+                <a:latin typeface="Roboto"/>
+                <a:ea typeface="Roboto"/>
+                <a:cs typeface="Roboto"/>
+              </a:rPr>
+              <a:t>on Power Systems 31 (Apr. 2015), S. 1–10. DOI: 	10.1109/TPWRS.2015. </a:t>
+            </a:r>
+            <a:r>
+              <a:rPr lang="de-DE" sz="1600" b="0" i="0" u="none" strike="noStrike" cap="none" spc="0">
+                <a:solidFill>
+                  <a:schemeClr val="tx1"/>
+                </a:solidFill>
+                <a:latin typeface="Roboto"/>
+                <a:ea typeface="Roboto"/>
+                <a:cs typeface="Roboto"/>
+              </a:rPr>
+              <a:t>2417204.</a:t>
+            </a:r>
+            <a:endParaRPr sz="1600" b="0" i="0" u="none" strike="noStrike" cap="none" spc="0">
+              <a:solidFill>
+                <a:schemeClr val="tx1"/>
+              </a:solidFill>
+              <a:latin typeface="Roboto"/>
+              <a:cs typeface="Roboto"/>
+            </a:endParaRPr>
+          </a:p>
+          <a:p>
+            <a:pPr marL="0" indent="0">
+              <a:buFont typeface="Arial"/>
+              <a:buNone/>
+              <a:defRPr/>
+            </a:pPr>
+            <a:r>
+              <a:rPr lang="de-DE" sz="1600" b="0" i="0" u="none" strike="noStrike" cap="none" spc="0">
+                <a:solidFill>
+                  <a:schemeClr val="tx1"/>
+                </a:solidFill>
+                <a:latin typeface="Roboto"/>
+                <a:ea typeface="Roboto"/>
+                <a:cs typeface="Roboto"/>
+              </a:rPr>
+              <a:t>[6]</a:t>
+            </a:r>
+            <a:r>
+              <a:rPr lang="de-DE" sz="1600" b="0" i="0" u="none" strike="noStrike" cap="none" spc="0">
+                <a:solidFill>
+                  <a:schemeClr val="tx1"/>
+                </a:solidFill>
+                <a:latin typeface="Roboto"/>
+                <a:cs typeface="Roboto"/>
+              </a:rPr>
+              <a:t> 	</a:t>
+            </a:r>
+            <a:r>
+              <a:rPr lang="de-DE" sz="1600" b="0" i="0" u="none" strike="noStrike" cap="none" spc="0">
+                <a:solidFill>
+                  <a:schemeClr val="tx1"/>
+                </a:solidFill>
+                <a:latin typeface="Roboto"/>
+                <a:ea typeface="Roboto"/>
+                <a:cs typeface="Roboto"/>
+              </a:rPr>
+              <a:t>International Organization for Standardization. ISO 15622:2018. Intelligent transport </a:t>
+            </a:r>
+            <a:r>
+              <a:rPr lang="de-DE" sz="1600" b="0" i="0" u="none" strike="noStrike" cap="none" spc="0">
+                <a:solidFill>
+                  <a:schemeClr val="tx1"/>
+                </a:solidFill>
+                <a:latin typeface="Roboto"/>
+                <a:ea typeface="Roboto"/>
+                <a:cs typeface="Roboto"/>
+              </a:rPr>
+              <a:t>systems — Adaptive cruise control 	systems — Performance requirements and </a:t>
+            </a:r>
+            <a:r>
+              <a:rPr lang="de-DE" sz="1600" b="0" i="0" u="none" strike="noStrike" cap="none" spc="0">
+                <a:solidFill>
+                  <a:schemeClr val="tx1"/>
+                </a:solidFill>
+                <a:latin typeface="Roboto"/>
+                <a:ea typeface="Roboto"/>
+                <a:cs typeface="Roboto"/>
+              </a:rPr>
+              <a:t>test procedures. Sep. 2018.</a:t>
+            </a:r>
+            <a:endParaRPr sz="1600" b="0" i="0" u="none" strike="noStrike" cap="none" spc="0">
+              <a:solidFill>
+                <a:schemeClr val="tx1"/>
+              </a:solidFill>
+              <a:latin typeface="Roboto"/>
+              <a:cs typeface="Roboto"/>
+            </a:endParaRPr>
+          </a:p>
+          <a:p>
+            <a:pPr marL="0" indent="0">
+              <a:buFont typeface="Arial"/>
+              <a:buNone/>
+              <a:defRPr/>
+            </a:pPr>
+            <a:r>
+              <a:rPr lang="de-DE" sz="1600" b="0" i="0" u="none" strike="noStrike" cap="none" spc="0">
+                <a:solidFill>
+                  <a:schemeClr val="tx1"/>
+                </a:solidFill>
+                <a:latin typeface="Roboto"/>
+                <a:cs typeface="Roboto"/>
+              </a:rPr>
+              <a:t>[7]</a:t>
+            </a:r>
+            <a:r>
+              <a:rPr lang="de-DE" sz="1600" b="0" i="0" u="none" strike="noStrike" cap="none" spc="0">
+                <a:solidFill>
+                  <a:schemeClr val="tx1"/>
+                </a:solidFill>
+                <a:latin typeface="Roboto"/>
+                <a:cs typeface="Roboto"/>
+              </a:rPr>
+              <a:t>	</a:t>
+            </a:r>
+            <a:r>
+              <a:rPr lang="de-DE" sz="1600" b="0" i="0" u="none" strike="noStrike" cap="none" spc="0">
+                <a:solidFill>
+                  <a:schemeClr val="tx1"/>
+                </a:solidFill>
+                <a:latin typeface="Roboto"/>
+                <a:ea typeface="Roboto"/>
+                <a:cs typeface="Roboto"/>
+              </a:rPr>
+              <a:t>https://quanticor-security.de/ota-updates/</a:t>
+            </a:r>
+            <a:endParaRPr sz="1600" b="0" i="0" u="none" strike="noStrike" cap="none" spc="0">
+              <a:solidFill>
+                <a:schemeClr val="tx1"/>
+              </a:solidFill>
+              <a:latin typeface="Roboto"/>
+              <a:cs typeface="Roboto"/>
+            </a:endParaRPr>
           </a:p>
         </p:txBody>
       </p:sp>
@@ -10956,75 +12162,7 @@
       </p:grpSpPr>
       <p:sp>
         <p:nvSpPr>
-          <p:cNvPr id="1304599649" name="Textplatzhalter 7"/>
-          <p:cNvSpPr>
-            <a:spLocks noGrp="1"/>
-          </p:cNvSpPr>
-          <p:nvPr>
-            <p:ph type="body" sz="quarter" idx="13"/>
-          </p:nvPr>
-        </p:nvSpPr>
-        <p:spPr bwMode="auto">
-          <a:prstGeom prst="rect">
-            <a:avLst/>
-          </a:prstGeom>
-        </p:spPr>
-        <p:txBody>
-          <a:bodyPr lIns="0" tIns="0" rIns="0" bIns="0">
-            <a:normAutofit/>
-          </a:bodyPr>
-          <a:lstStyle>
-            <a:lvl1pPr marL="0" indent="0">
-              <a:buFont typeface="Arial"/>
-              <a:buNone/>
-              <a:defRPr sz="2400" b="1">
-                <a:solidFill>
-                  <a:schemeClr val="tx1"/>
-                </a:solidFill>
-                <a:latin typeface="Roboto"/>
-                <a:ea typeface="Roboto"/>
-              </a:defRPr>
-            </a:lvl1pPr>
-            <a:lvl2pPr>
-              <a:defRPr sz="2400">
-                <a:latin typeface="Roboto"/>
-                <a:ea typeface="Roboto"/>
-              </a:defRPr>
-            </a:lvl2pPr>
-            <a:lvl3pPr>
-              <a:defRPr sz="2000">
-                <a:latin typeface="Roboto"/>
-                <a:ea typeface="Roboto"/>
-              </a:defRPr>
-            </a:lvl3pPr>
-            <a:lvl4pPr>
-              <a:defRPr sz="2000">
-                <a:latin typeface="Roboto"/>
-                <a:ea typeface="Roboto"/>
-              </a:defRPr>
-            </a:lvl4pPr>
-            <a:lvl5pPr>
-              <a:defRPr sz="2000">
-                <a:latin typeface="Roboto"/>
-                <a:ea typeface="Roboto"/>
-              </a:defRPr>
-            </a:lvl5pPr>
-          </a:lstStyle>
-          <a:p>
-            <a:pPr>
-              <a:defRPr/>
-            </a:pPr>
-            <a:r>
-              <a:rPr/>
-              <a:t>Vielen Dank!</a:t>
-            </a:r>
-            <a:endParaRPr/>
-          </a:p>
-        </p:txBody>
-      </p:sp>
-      <p:sp>
-        <p:nvSpPr>
-          <p:cNvPr id="679738931" name="Titelplatzhalter 25"/>
+          <p:cNvPr id="35736708" name="Titelplatzhalter 25"/>
           <p:cNvSpPr>
             <a:spLocks noGrp="1"/>
           </p:cNvSpPr>
@@ -11034,7 +12172,7 @@
         </p:nvSpPr>
         <p:spPr bwMode="auto">
           <a:xfrm>
-            <a:off x="2387599" y="266699"/>
+            <a:off x="2387598" y="266698"/>
             <a:ext cx="9504362" cy="893763"/>
           </a:xfrm>
           <a:prstGeom prst="rect">
@@ -11058,48 +12196,115 @@
             <a:pPr>
               <a:defRPr/>
             </a:pPr>
+            <a:r>
+              <a:rPr lang="de-DE" sz="2800" b="1" i="0" u="none" strike="noStrike" cap="none" spc="0">
+                <a:solidFill>
+                  <a:schemeClr val="bg1"/>
+                </a:solidFill>
+                <a:latin typeface="Roboto"/>
+                <a:ea typeface="Roboto"/>
+                <a:cs typeface="Arial"/>
+              </a:rPr>
+              <a:t>Vielen Dank für ihre Aufmerksamkeit!</a:t>
+            </a:r>
             <a:endParaRPr/>
           </a:p>
         </p:txBody>
       </p:sp>
-      <p:sp>
-        <p:nvSpPr>
-          <p:cNvPr id="1009691819" name="Bildplatzhalter 2"/>
-          <p:cNvSpPr>
-            <a:spLocks noGrp="1"/>
-          </p:cNvSpPr>
+      <p:pic>
+        <p:nvPicPr>
+          <p:cNvPr id="2013307992" name=""/>
+          <p:cNvPicPr>
+            <a:picLocks noChangeAspect="1"/>
+          </p:cNvPicPr>
           <p:nvPr>
-            <p:ph type="pic" sz="quarter" idx="10"/>
+            <p:ph type="pic" sz="quarter" idx="14"/>
           </p:nvPr>
-        </p:nvSpPr>
+        </p:nvPicPr>
+        <p:blipFill>
+          <a:blip r:embed="rId3"/>
+          <a:stretch/>
+        </p:blipFill>
         <p:spPr bwMode="auto">
-          <a:xfrm>
-            <a:off x="0" y="2420937"/>
-            <a:ext cx="12191999" cy="4096739"/>
+          <a:xfrm rot="0" flipH="0" flipV="0">
+            <a:off x="334962" y="2938089"/>
+            <a:ext cx="3323120" cy="1930721"/>
           </a:xfrm>
           <a:prstGeom prst="rect">
             <a:avLst/>
           </a:prstGeom>
         </p:spPr>
-        <p:txBody>
-          <a:bodyPr anchor="b" anchorCtr="0"/>
-          <a:lstStyle>
-            <a:lvl1pPr marL="0" indent="0" algn="ctr">
-              <a:buNone/>
-              <a:defRPr sz="2000">
-                <a:latin typeface="Roboto"/>
-                <a:ea typeface="Roboto"/>
-              </a:defRPr>
-            </a:lvl1pPr>
-          </a:lstStyle>
-          <a:p>
-            <a:pPr>
-              <a:defRPr/>
-            </a:pPr>
-            <a:endParaRPr/>
-          </a:p>
-        </p:txBody>
-      </p:sp>
+      </p:pic>
+      <p:pic>
+        <p:nvPicPr>
+          <p:cNvPr id="1806249416" name=""/>
+          <p:cNvPicPr>
+            <a:picLocks noChangeAspect="1"/>
+          </p:cNvPicPr>
+          <p:nvPr>
+            <p:ph type="pic" sz="quarter" idx="10"/>
+          </p:nvPr>
+        </p:nvPicPr>
+        <p:blipFill>
+          <a:blip r:embed="rId4"/>
+          <a:stretch/>
+        </p:blipFill>
+        <p:spPr bwMode="auto">
+          <a:xfrm rot="0" flipH="0" flipV="0">
+            <a:off x="4258589" y="2517066"/>
+            <a:ext cx="3240065" cy="2599117"/>
+          </a:xfrm>
+          <a:prstGeom prst="rect">
+            <a:avLst/>
+          </a:prstGeom>
+        </p:spPr>
+      </p:pic>
+      <p:pic>
+        <p:nvPicPr>
+          <p:cNvPr id="2005075965" name=""/>
+          <p:cNvPicPr>
+            <a:picLocks noChangeAspect="1"/>
+          </p:cNvPicPr>
+          <p:nvPr>
+            <p:ph type="pic" sz="quarter" idx="15"/>
+          </p:nvPr>
+        </p:nvPicPr>
+        <p:blipFill>
+          <a:blip r:embed="rId5"/>
+          <a:stretch/>
+        </p:blipFill>
+        <p:spPr bwMode="auto">
+          <a:xfrm rot="0">
+            <a:off x="7815261" y="2830462"/>
+            <a:ext cx="4076699" cy="2038348"/>
+          </a:xfrm>
+          <a:prstGeom prst="rect">
+            <a:avLst/>
+          </a:prstGeom>
+        </p:spPr>
+      </p:pic>
+      <p:pic>
+        <p:nvPicPr>
+          <p:cNvPr id="2127461031" name=""/>
+          <p:cNvPicPr>
+            <a:picLocks noChangeAspect="1"/>
+          </p:cNvPicPr>
+          <p:nvPr/>
+        </p:nvPicPr>
+        <p:blipFill>
+          <a:blip r:embed="rId6"/>
+          <a:stretch/>
+        </p:blipFill>
+        <p:spPr bwMode="auto">
+          <a:xfrm flipH="0" flipV="0">
+            <a:off x="9160177" y="-793"/>
+            <a:ext cx="2731781" cy="1506496"/>
+          </a:xfrm>
+          <a:prstGeom prst="rect">
+            <a:avLst/>
+          </a:prstGeom>
+        </p:spPr>
+      </p:pic>
     </p:spTree>
   </p:cSld>
   <p:clrMapOvr>
@@ -11364,7 +12569,7 @@
             </a:pPr>
             <a:r>
               <a:rPr/>
-              <a:t>GitLab CI-Pipeline</a:t>
+              <a:t>GitLab CI Pipeline</a:t>
             </a:r>
             <a:endParaRPr/>
           </a:p>
@@ -11776,6 +12981,50 @@
           </a:prstGeom>
         </p:spPr>
       </p:pic>
+      <p:sp>
+        <p:nvSpPr>
+          <p:cNvPr id="497555826" name=""/>
+          <p:cNvSpPr txBox="1"/>
+          <p:nvPr/>
+        </p:nvSpPr>
+        <p:spPr bwMode="auto">
+          <a:xfrm flipH="0" flipV="0">
+            <a:off x="11589495" y="6040075"/>
+            <a:ext cx="410413" cy="305159"/>
+          </a:xfrm>
+          <a:prstGeom prst="rect">
+            <a:avLst/>
+          </a:prstGeom>
+          <a:noFill/>
+        </p:spPr>
+        <p:txBody>
+          <a:bodyPr vertOverflow="overflow" horzOverflow="overflow" vert="horz" wrap="square" lIns="91440" tIns="45720" rIns="91440" bIns="45720" numCol="1" spcCol="0" rtlCol="0" fromWordArt="0" anchor="t" anchorCtr="0" forceAA="0" upright="0" compatLnSpc="0">
+            <a:spAutoFit/>
+          </a:bodyPr>
+          <a:p>
+            <a:pPr>
+              <a:defRPr/>
+            </a:pPr>
+            <a:r>
+              <a:rPr sz="1400">
+                <a:solidFill>
+                  <a:schemeClr val="bg2">
+                    <a:lumMod val="50000"/>
+                  </a:schemeClr>
+                </a:solidFill>
+              </a:rPr>
+              <a:t>[1]</a:t>
+            </a:r>
+            <a:endParaRPr sz="1400">
+              <a:solidFill>
+                <a:schemeClr val="bg2">
+                  <a:lumMod val="50000"/>
+                </a:schemeClr>
+              </a:solidFill>
+            </a:endParaRPr>
+          </a:p>
+        </p:txBody>
+      </p:sp>
     </p:spTree>
   </p:cSld>
   <p:clrMapOvr>
@@ -11809,50 +13058,6 @@
           <a:chExt cx="0" cy="0"/>
         </a:xfrm>
       </p:grpSpPr>
-      <p:pic>
-        <p:nvPicPr>
-          <p:cNvPr id="1486953218" name=""/>
-          <p:cNvPicPr>
-            <a:picLocks noChangeAspect="1"/>
-          </p:cNvPicPr>
-          <p:nvPr/>
-        </p:nvPicPr>
-        <p:blipFill>
-          <a:blip r:embed="rId3"/>
-          <a:stretch/>
-        </p:blipFill>
-        <p:spPr bwMode="auto">
-          <a:xfrm flipH="0" flipV="0">
-            <a:off x="879972" y="1784324"/>
-            <a:ext cx="7931374" cy="1200765"/>
-          </a:xfrm>
-          <a:prstGeom prst="rect">
-            <a:avLst/>
-          </a:prstGeom>
-        </p:spPr>
-      </p:pic>
-      <p:pic>
-        <p:nvPicPr>
-          <p:cNvPr id="771320029" name=""/>
-          <p:cNvPicPr>
-            <a:picLocks noChangeAspect="1"/>
-          </p:cNvPicPr>
-          <p:nvPr/>
-        </p:nvPicPr>
-        <p:blipFill>
-          <a:blip r:embed="rId4"/>
-          <a:stretch/>
-        </p:blipFill>
-        <p:spPr bwMode="auto">
-          <a:xfrm flipH="0" flipV="0">
-            <a:off x="1575634" y="3511663"/>
-            <a:ext cx="6633695" cy="2536584"/>
-          </a:xfrm>
-          <a:prstGeom prst="rect">
-            <a:avLst/>
-          </a:prstGeom>
-        </p:spPr>
-      </p:pic>
       <p:sp>
         <p:nvSpPr>
           <p:cNvPr id="1739698274" name="Titel 3"/>
@@ -12001,6 +13206,364 @@
           </a:p>
         </p:txBody>
       </p:sp>
+      <p:pic>
+        <p:nvPicPr>
+          <p:cNvPr id="1220750651" name=""/>
+          <p:cNvPicPr>
+            <a:picLocks noChangeAspect="1"/>
+          </p:cNvPicPr>
+          <p:nvPr/>
+        </p:nvPicPr>
+        <p:blipFill>
+          <a:blip r:embed="rId3"/>
+          <a:stretch/>
+        </p:blipFill>
+        <p:spPr bwMode="auto">
+          <a:xfrm flipH="0" flipV="0">
+            <a:off x="192085" y="1836417"/>
+            <a:ext cx="7931373" cy="1200764"/>
+          </a:xfrm>
+          <a:prstGeom prst="rect">
+            <a:avLst/>
+          </a:prstGeom>
+        </p:spPr>
+      </p:pic>
+      <p:pic>
+        <p:nvPicPr>
+          <p:cNvPr id="679018095" name=""/>
+          <p:cNvPicPr>
+            <a:picLocks noChangeAspect="1"/>
+          </p:cNvPicPr>
+          <p:nvPr/>
+        </p:nvPicPr>
+        <p:blipFill>
+          <a:blip r:embed="rId4"/>
+          <a:stretch/>
+        </p:blipFill>
+        <p:spPr bwMode="auto">
+          <a:xfrm flipH="0" flipV="0">
+            <a:off x="192085" y="3511663"/>
+            <a:ext cx="6633694" cy="2536583"/>
+          </a:xfrm>
+          <a:prstGeom prst="rect">
+            <a:avLst/>
+          </a:prstGeom>
+        </p:spPr>
+      </p:pic>
+      <p:sp>
+        <p:nvSpPr>
+          <p:cNvPr id="2141380674" name=""/>
+          <p:cNvSpPr txBox="1"/>
+          <p:nvPr/>
+        </p:nvSpPr>
+        <p:spPr bwMode="auto">
+          <a:xfrm flipH="0" flipV="0">
+            <a:off x="7612365" y="4493407"/>
+            <a:ext cx="3498443" cy="1554840"/>
+          </a:xfrm>
+          <a:prstGeom prst="rect">
+            <a:avLst/>
+          </a:prstGeom>
+          <a:noFill/>
+        </p:spPr>
+        <p:txBody>
+          <a:bodyPr vertOverflow="overflow" horzOverflow="overflow" vert="horz" wrap="square" lIns="91440" tIns="45720" rIns="91440" bIns="45720" numCol="1" spcCol="0" rtlCol="0" fromWordArt="0" anchor="t" anchorCtr="0" forceAA="0" upright="0" compatLnSpc="0">
+            <a:spAutoFit/>
+          </a:bodyPr>
+          <a:p>
+            <a:pPr marL="261850" indent="-261850">
+              <a:buFont typeface="Arial"/>
+              <a:buChar char="•"/>
+              <a:defRPr/>
+            </a:pPr>
+            <a:r>
+              <a:rPr sz="1600"/>
+              <a:t>Dynamik des Fahrzeugs</a:t>
+            </a:r>
+            <a:endParaRPr sz="1600"/>
+          </a:p>
+          <a:p>
+            <a:pPr marL="261850" indent="-261850">
+              <a:buFont typeface="Arial"/>
+              <a:buChar char="•"/>
+              <a:defRPr/>
+            </a:pPr>
+            <a:r>
+              <a:rPr sz="1600"/>
+              <a:t>Geschwindigkeitsvorgabe</a:t>
+            </a:r>
+            <a:endParaRPr sz="1600"/>
+          </a:p>
+          <a:p>
+            <a:pPr marL="261850" indent="-261850">
+              <a:buFont typeface="Arial"/>
+              <a:buChar char="•"/>
+              <a:defRPr/>
+            </a:pPr>
+            <a:r>
+              <a:rPr sz="1600"/>
+              <a:t>Pfadabweichung</a:t>
+            </a:r>
+            <a:endParaRPr sz="1600"/>
+          </a:p>
+          <a:p>
+            <a:pPr marL="261850" indent="-261850">
+              <a:buFont typeface="Arial"/>
+              <a:buChar char="•"/>
+              <a:defRPr/>
+            </a:pPr>
+            <a:r>
+              <a:rPr sz="1600"/>
+              <a:t>Beschränkungen von Zuständen und Eingängen</a:t>
+            </a:r>
+            <a:endParaRPr sz="1600"/>
+          </a:p>
+          <a:p>
+            <a:pPr marL="261850" indent="-261850">
+              <a:buFont typeface="Arial"/>
+              <a:buChar char="•"/>
+              <a:defRPr/>
+            </a:pPr>
+            <a:r>
+              <a:rPr sz="1600"/>
+              <a:t>Beschränkung durch Lenkaktorik</a:t>
+            </a:r>
+            <a:endParaRPr sz="1600"/>
+          </a:p>
+        </p:txBody>
+      </p:sp>
+      <p:cxnSp>
+        <p:nvCxnSpPr>
+          <p:cNvPr id="0" name=""/>
+          <p:cNvCxnSpPr>
+            <a:cxnSpLocks/>
+          </p:cNvCxnSpPr>
+          <p:nvPr/>
+        </p:nvCxnSpPr>
+        <p:spPr bwMode="auto">
+          <a:xfrm flipH="1" flipV="1">
+            <a:off x="6880982" y="4277745"/>
+            <a:ext cx="858950" cy="382700"/>
+          </a:xfrm>
+          <a:prstGeom prst="line">
+            <a:avLst/>
+          </a:prstGeom>
+          <a:ln w="19049" cap="flat" cmpd="sng" algn="ctr">
+            <a:solidFill>
+              <a:schemeClr val="tx1"/>
+            </a:solidFill>
+            <a:prstDash val="solid"/>
+            <a:miter lim="800000"/>
+            <a:tailEnd type="arrow" len="med"/>
+          </a:ln>
+        </p:spPr>
+        <p:style>
+          <a:lnRef idx="1">
+            <a:schemeClr val="accent1">
+              <a:shade val="50000"/>
+            </a:schemeClr>
+          </a:lnRef>
+          <a:fillRef idx="0">
+            <a:schemeClr val="accent1"/>
+          </a:fillRef>
+          <a:effectRef idx="0">
+            <a:schemeClr val="accent1"/>
+          </a:effectRef>
+          <a:fontRef idx="minor">
+            <a:schemeClr val="tx1"/>
+          </a:fontRef>
+        </p:style>
+      </p:cxnSp>
+      <p:cxnSp>
+        <p:nvCxnSpPr>
+          <p:cNvPr id="1838361195" name=""/>
+          <p:cNvCxnSpPr>
+            <a:cxnSpLocks/>
+          </p:cNvCxnSpPr>
+          <p:nvPr/>
+        </p:nvCxnSpPr>
+        <p:spPr bwMode="auto">
+          <a:xfrm flipH="1" flipV="1">
+            <a:off x="6294173" y="4592410"/>
+            <a:ext cx="1445758" cy="315111"/>
+          </a:xfrm>
+          <a:prstGeom prst="line">
+            <a:avLst/>
+          </a:prstGeom>
+          <a:ln w="19049" cap="flat" cmpd="sng" algn="ctr">
+            <a:solidFill>
+              <a:schemeClr val="tx1"/>
+            </a:solidFill>
+            <a:prstDash val="solid"/>
+            <a:miter lim="800000"/>
+            <a:tailEnd type="arrow" len="med"/>
+          </a:ln>
+        </p:spPr>
+        <p:style>
+          <a:lnRef idx="1">
+            <a:schemeClr val="accent1">
+              <a:shade val="50000"/>
+            </a:schemeClr>
+          </a:lnRef>
+          <a:fillRef idx="0">
+            <a:schemeClr val="accent1"/>
+          </a:fillRef>
+          <a:effectRef idx="0">
+            <a:schemeClr val="accent1"/>
+          </a:effectRef>
+          <a:fontRef idx="minor">
+            <a:schemeClr val="tx1"/>
+          </a:fontRef>
+        </p:style>
+      </p:cxnSp>
+      <p:cxnSp>
+        <p:nvCxnSpPr>
+          <p:cNvPr id="1133127193" name=""/>
+          <p:cNvCxnSpPr>
+            <a:cxnSpLocks/>
+          </p:cNvCxnSpPr>
+          <p:nvPr/>
+        </p:nvCxnSpPr>
+        <p:spPr bwMode="auto">
+          <a:xfrm flipH="1" flipV="1">
+            <a:off x="6095998" y="4932588"/>
+            <a:ext cx="1643933" cy="212611"/>
+          </a:xfrm>
+          <a:prstGeom prst="line">
+            <a:avLst/>
+          </a:prstGeom>
+          <a:ln w="19049" cap="flat" cmpd="sng" algn="ctr">
+            <a:solidFill>
+              <a:schemeClr val="tx1"/>
+            </a:solidFill>
+            <a:prstDash val="solid"/>
+            <a:miter lim="800000"/>
+            <a:tailEnd type="arrow" len="med"/>
+          </a:ln>
+        </p:spPr>
+        <p:style>
+          <a:lnRef idx="1">
+            <a:schemeClr val="accent1">
+              <a:shade val="50000"/>
+            </a:schemeClr>
+          </a:lnRef>
+          <a:fillRef idx="0">
+            <a:schemeClr val="accent1"/>
+          </a:fillRef>
+          <a:effectRef idx="0">
+            <a:schemeClr val="accent1"/>
+          </a:effectRef>
+          <a:fontRef idx="minor">
+            <a:schemeClr val="tx1"/>
+          </a:fontRef>
+        </p:style>
+      </p:cxnSp>
+      <p:cxnSp>
+        <p:nvCxnSpPr>
+          <p:cNvPr id="1008695103" name=""/>
+          <p:cNvCxnSpPr>
+            <a:cxnSpLocks/>
+          </p:cNvCxnSpPr>
+          <p:nvPr/>
+        </p:nvCxnSpPr>
+        <p:spPr bwMode="auto">
+          <a:xfrm flipH="1" flipV="1">
+            <a:off x="6071771" y="5332298"/>
+            <a:ext cx="1643933" cy="50344"/>
+          </a:xfrm>
+          <a:prstGeom prst="line">
+            <a:avLst/>
+          </a:prstGeom>
+          <a:ln w="19049" cap="flat" cmpd="sng" algn="ctr">
+            <a:solidFill>
+              <a:schemeClr val="tx1"/>
+            </a:solidFill>
+            <a:prstDash val="solid"/>
+            <a:miter lim="800000"/>
+            <a:tailEnd type="arrow" len="med"/>
+          </a:ln>
+        </p:spPr>
+        <p:style>
+          <a:lnRef idx="1">
+            <a:schemeClr val="accent1">
+              <a:shade val="50000"/>
+            </a:schemeClr>
+          </a:lnRef>
+          <a:fillRef idx="0">
+            <a:schemeClr val="accent1"/>
+          </a:fillRef>
+          <a:effectRef idx="0">
+            <a:schemeClr val="accent1"/>
+          </a:effectRef>
+          <a:fontRef idx="minor">
+            <a:schemeClr val="tx1"/>
+          </a:fontRef>
+        </p:style>
+      </p:cxnSp>
+      <p:cxnSp>
+        <p:nvCxnSpPr>
+          <p:cNvPr id="1415042756" name=""/>
+          <p:cNvCxnSpPr>
+            <a:cxnSpLocks/>
+          </p:cNvCxnSpPr>
+          <p:nvPr/>
+        </p:nvCxnSpPr>
+        <p:spPr bwMode="auto">
+          <a:xfrm flipH="1" flipV="0">
+            <a:off x="6047544" y="5878272"/>
+            <a:ext cx="1692388" cy="0"/>
+          </a:xfrm>
+          <a:prstGeom prst="line">
+            <a:avLst/>
+          </a:prstGeom>
+          <a:ln w="19049" cap="flat" cmpd="sng" algn="ctr">
+            <a:solidFill>
+              <a:schemeClr val="tx1"/>
+            </a:solidFill>
+            <a:prstDash val="solid"/>
+            <a:miter lim="800000"/>
+            <a:tailEnd type="arrow" len="med"/>
+          </a:ln>
+        </p:spPr>
+        <p:style>
+          <a:lnRef idx="1">
+            <a:schemeClr val="accent1">
+              <a:shade val="50000"/>
+            </a:schemeClr>
+          </a:lnRef>
+          <a:fillRef idx="0">
+            <a:schemeClr val="accent1"/>
+          </a:fillRef>
+          <a:effectRef idx="0">
+            <a:schemeClr val="accent1"/>
+          </a:effectRef>
+          <a:fontRef idx="minor">
+            <a:schemeClr val="tx1"/>
+          </a:fontRef>
+        </p:style>
+      </p:cxnSp>
+      <p:pic>
+        <p:nvPicPr>
+          <p:cNvPr id="2103181755" name=""/>
+          <p:cNvPicPr>
+            <a:picLocks noChangeAspect="1"/>
+          </p:cNvPicPr>
+          <p:nvPr/>
+        </p:nvPicPr>
+        <p:blipFill>
+          <a:blip r:embed="rId5"/>
+          <a:stretch/>
+        </p:blipFill>
+        <p:spPr bwMode="auto">
+          <a:xfrm flipH="0" flipV="0">
+            <a:off x="10087165" y="3042542"/>
+            <a:ext cx="1912745" cy="938242"/>
+          </a:xfrm>
+          <a:prstGeom prst="rect">
+            <a:avLst/>
+          </a:prstGeom>
+        </p:spPr>
+      </p:pic>
     </p:spTree>
   </p:cSld>
   <p:clrMapOvr>
@@ -12184,7 +13747,7 @@
       </p:sp>
       <p:pic>
         <p:nvPicPr>
-          <p:cNvPr id="1304129534" name=""/>
+          <p:cNvPr id="1009682197" name=""/>
           <p:cNvPicPr>
             <a:picLocks noChangeAspect="1"/>
           </p:cNvPicPr>
@@ -12196,8 +13759,8 @@
         </p:blipFill>
         <p:spPr bwMode="auto">
           <a:xfrm flipH="0" flipV="0">
-            <a:off x="2130311" y="4260422"/>
-            <a:ext cx="3284557" cy="1396428"/>
+            <a:off x="192085" y="5450024"/>
+            <a:ext cx="2405574" cy="931888"/>
           </a:xfrm>
           <a:prstGeom prst="rect">
             <a:avLst/>
@@ -12206,7 +13769,7 @@
       </p:pic>
       <p:pic>
         <p:nvPicPr>
-          <p:cNvPr id="1598915297" name=""/>
+          <p:cNvPr id="160757813" name=""/>
           <p:cNvPicPr>
             <a:picLocks noChangeAspect="1"/>
           </p:cNvPicPr>
@@ -12218,8 +13781,8 @@
         </p:blipFill>
         <p:spPr bwMode="auto">
           <a:xfrm flipH="0" flipV="0">
-            <a:off x="7746561" y="4260422"/>
-            <a:ext cx="2315124" cy="896850"/>
+            <a:off x="192085" y="1836417"/>
+            <a:ext cx="7931373" cy="1200763"/>
           </a:xfrm>
           <a:prstGeom prst="rect">
             <a:avLst/>
@@ -12228,7 +13791,7 @@
       </p:pic>
       <p:pic>
         <p:nvPicPr>
-          <p:cNvPr id="310524559" name=""/>
+          <p:cNvPr id="500122286" name=""/>
           <p:cNvPicPr>
             <a:picLocks noChangeAspect="1"/>
           </p:cNvPicPr>
@@ -12240,8 +13803,30 @@
         </p:blipFill>
         <p:spPr bwMode="auto">
           <a:xfrm flipH="0" flipV="0">
-            <a:off x="1967271" y="2158498"/>
-            <a:ext cx="7931374" cy="1200764"/>
+            <a:off x="192085" y="3501507"/>
+            <a:ext cx="4812660" cy="1761417"/>
+          </a:xfrm>
+          <a:prstGeom prst="rect">
+            <a:avLst/>
+          </a:prstGeom>
+        </p:spPr>
+      </p:pic>
+      <p:pic>
+        <p:nvPicPr>
+          <p:cNvPr id="1169930586" name=""/>
+          <p:cNvPicPr>
+            <a:picLocks noChangeAspect="1"/>
+          </p:cNvPicPr>
+          <p:nvPr/>
+        </p:nvPicPr>
+        <p:blipFill>
+          <a:blip r:embed="rId6"/>
+          <a:stretch/>
+        </p:blipFill>
+        <p:spPr bwMode="auto">
+          <a:xfrm flipH="0" flipV="0">
+            <a:off x="8996665" y="3015336"/>
+            <a:ext cx="3003246" cy="972342"/>
           </a:xfrm>
           <a:prstGeom prst="rect">
             <a:avLst/>
@@ -12407,7 +13992,7 @@
         </p:nvSpPr>
         <p:spPr bwMode="auto">
           <a:xfrm flipH="0" flipV="0">
-            <a:off x="2452105" y="3801010"/>
+            <a:off x="2297509" y="4007181"/>
             <a:ext cx="970627" cy="292967"/>
           </a:xfrm>
           <a:prstGeom prst="rect">
@@ -12464,7 +14049,7 @@
         </p:nvSpPr>
         <p:spPr bwMode="auto">
           <a:xfrm rot="0" flipH="0" flipV="0">
-            <a:off x="998610" y="2486220"/>
+            <a:off x="844014" y="2692391"/>
             <a:ext cx="1728191" cy="752190"/>
           </a:xfrm>
           <a:prstGeom prst="rect">
@@ -12552,7 +14137,7 @@
         </p:nvSpPr>
         <p:spPr bwMode="auto">
           <a:xfrm rot="0" flipH="0" flipV="0">
-            <a:off x="512525" y="2015014"/>
+            <a:off x="357930" y="2221185"/>
             <a:ext cx="6228605" cy="1711399"/>
           </a:xfrm>
           <a:prstGeom prst="rect">
@@ -12638,7 +14223,7 @@
         </p:nvCxnSpPr>
         <p:spPr bwMode="auto">
           <a:xfrm rot="16199969" flipH="0" flipV="1">
-            <a:off x="3343719" y="3950493"/>
+            <a:off x="3189123" y="4156664"/>
             <a:ext cx="357187" cy="0"/>
           </a:xfrm>
           <a:prstGeom prst="straightConnector1">
@@ -12679,8 +14264,8 @@
           <p:nvPr/>
         </p:nvCxnSpPr>
         <p:spPr bwMode="auto">
-          <a:xfrm rot="5399977" flipH="0" flipV="1">
-            <a:off x="5610493" y="3918651"/>
+          <a:xfrm rot="5399976" flipH="0" flipV="1">
+            <a:off x="5455897" y="4124822"/>
             <a:ext cx="350653" cy="0"/>
           </a:xfrm>
           <a:prstGeom prst="straightConnector1">
@@ -12719,7 +14304,7 @@
         </p:nvSpPr>
         <p:spPr bwMode="auto">
           <a:xfrm flipH="0" flipV="0">
-            <a:off x="4109684" y="3771900"/>
+            <a:off x="3955088" y="3978071"/>
             <a:ext cx="1615515" cy="292967"/>
           </a:xfrm>
           <a:prstGeom prst="rect">
@@ -12776,7 +14361,7 @@
         </p:nvSpPr>
         <p:spPr bwMode="auto">
           <a:xfrm>
-            <a:off x="360363" y="1586712"/>
+            <a:off x="205767" y="1792883"/>
             <a:ext cx="6552727" cy="3110071"/>
           </a:xfrm>
           <a:prstGeom prst="rect">
@@ -12859,7 +14444,7 @@
         </p:nvSpPr>
         <p:spPr bwMode="auto">
           <a:xfrm>
-            <a:off x="360363" y="5051330"/>
+            <a:off x="205767" y="5257501"/>
             <a:ext cx="6552727" cy="1071885"/>
           </a:xfrm>
           <a:prstGeom prst="rect">
@@ -12937,7 +14522,7 @@
         </p:nvSpPr>
         <p:spPr bwMode="auto">
           <a:xfrm flipH="0" flipV="0">
-            <a:off x="2468292" y="5459745"/>
+            <a:off x="2313696" y="5665916"/>
             <a:ext cx="2283421" cy="495299"/>
           </a:xfrm>
           <a:prstGeom prst="rect">
@@ -13013,7 +14598,7 @@
         </p:nvSpPr>
         <p:spPr bwMode="auto">
           <a:xfrm flipH="0" flipV="0">
-            <a:off x="5118307" y="5476873"/>
+            <a:off x="4963711" y="5683044"/>
             <a:ext cx="1449326" cy="495299"/>
           </a:xfrm>
           <a:prstGeom prst="rect">
@@ -13089,7 +14674,7 @@
         </p:nvSpPr>
         <p:spPr bwMode="auto">
           <a:xfrm flipH="0" flipV="0">
-            <a:off x="512526" y="5476874"/>
+            <a:off x="357930" y="5683045"/>
             <a:ext cx="1421709" cy="495299"/>
           </a:xfrm>
           <a:prstGeom prst="rect">
@@ -13165,7 +14750,7 @@
         </p:nvSpPr>
         <p:spPr bwMode="auto">
           <a:xfrm flipH="0" flipV="0">
-            <a:off x="3244665" y="2614666"/>
+            <a:off x="3090069" y="2820837"/>
             <a:ext cx="1212459" cy="495298"/>
           </a:xfrm>
           <a:prstGeom prst="rect">
@@ -13241,7 +14826,7 @@
         </p:nvSpPr>
         <p:spPr bwMode="auto">
           <a:xfrm flipH="0" flipV="0">
-            <a:off x="4917442" y="2614666"/>
+            <a:off x="4762846" y="2820837"/>
             <a:ext cx="1392972" cy="495298"/>
           </a:xfrm>
           <a:prstGeom prst="rect">
@@ -13317,7 +14902,7 @@
         </p:nvSpPr>
         <p:spPr bwMode="auto">
           <a:xfrm flipH="0" flipV="0">
-            <a:off x="5132720" y="4093978"/>
+            <a:off x="4978125" y="4300149"/>
             <a:ext cx="1312540" cy="495298"/>
           </a:xfrm>
           <a:prstGeom prst="rect">
@@ -13393,7 +14978,7 @@
         </p:nvSpPr>
         <p:spPr bwMode="auto">
           <a:xfrm flipH="0" flipV="0">
-            <a:off x="2808512" y="4129086"/>
+            <a:off x="2653916" y="4335257"/>
             <a:ext cx="1440830" cy="495298"/>
           </a:xfrm>
           <a:prstGeom prst="rect">
@@ -13471,7 +15056,7 @@
         </p:nvCxnSpPr>
         <p:spPr bwMode="auto">
           <a:xfrm rot="0" flipH="0" flipV="0">
-            <a:off x="2735875" y="2862315"/>
+            <a:off x="2581279" y="3068486"/>
             <a:ext cx="517863" cy="0"/>
           </a:xfrm>
           <a:prstGeom prst="straightConnector1">
@@ -13512,7 +15097,7 @@
         </p:nvCxnSpPr>
         <p:spPr bwMode="auto">
           <a:xfrm rot="0" flipH="0" flipV="0">
-            <a:off x="4457125" y="2870714"/>
+            <a:off x="4302529" y="3076885"/>
             <a:ext cx="460316" cy="0"/>
           </a:xfrm>
           <a:prstGeom prst="straightConnector1">
@@ -13554,8 +15139,8 @@
           <p:nvPr/>
         </p:nvCxnSpPr>
         <p:spPr bwMode="auto">
-          <a:xfrm rot="5399977" flipH="0" flipV="0">
-            <a:off x="2793599" y="2181599"/>
+          <a:xfrm rot="5399976" flipH="0" flipV="0">
+            <a:off x="2639003" y="2387770"/>
             <a:ext cx="128445" cy="1988189"/>
           </a:xfrm>
           <a:prstGeom prst="bentConnector3">
@@ -13600,8 +15185,8 @@
           <p:nvPr/>
         </p:nvCxnSpPr>
         <p:spPr bwMode="auto">
-          <a:xfrm rot="5399977" flipH="1" flipV="0">
-            <a:off x="3182445" y="678481"/>
+          <a:xfrm rot="5399976" flipH="1" flipV="0">
+            <a:off x="3027849" y="884652"/>
             <a:ext cx="247649" cy="4615317"/>
           </a:xfrm>
           <a:prstGeom prst="bentConnector4">
@@ -13645,7 +15230,7 @@
         </p:nvCxnSpPr>
         <p:spPr bwMode="auto">
           <a:xfrm rot="16199969" flipH="0" flipV="0">
-            <a:off x="2751750" y="4593079"/>
+            <a:off x="2597154" y="4799250"/>
             <a:ext cx="1733331" cy="0"/>
           </a:xfrm>
           <a:prstGeom prst="straightConnector1">
@@ -13687,7 +15272,7 @@
         </p:nvCxnSpPr>
         <p:spPr bwMode="auto">
           <a:xfrm rot="16199969" flipH="0" flipV="0">
-            <a:off x="4979373" y="4605336"/>
+            <a:off x="4824777" y="4811507"/>
             <a:ext cx="1743073" cy="0"/>
           </a:xfrm>
           <a:prstGeom prst="straightConnector1">
@@ -13730,7 +15315,7 @@
         </p:nvCxnSpPr>
         <p:spPr bwMode="auto">
           <a:xfrm rot="0" flipH="0" flipV="1">
-            <a:off x="1934235" y="5715959"/>
+            <a:off x="1779639" y="5922130"/>
             <a:ext cx="534057" cy="0"/>
           </a:xfrm>
           <a:prstGeom prst="line">
@@ -13762,6 +15347,144 @@
           </a:fontRef>
         </p:style>
       </p:cxnSp>
+      <p:pic>
+        <p:nvPicPr>
+          <p:cNvPr id="1419973759" name=""/>
+          <p:cNvPicPr>
+            <a:picLocks noChangeAspect="1"/>
+          </p:cNvPicPr>
+          <p:nvPr/>
+        </p:nvPicPr>
+        <p:blipFill>
+          <a:blip r:embed="rId3"/>
+          <a:stretch/>
+        </p:blipFill>
+        <p:spPr bwMode="auto">
+          <a:xfrm flipH="0" flipV="0">
+            <a:off x="6914999" y="1321012"/>
+            <a:ext cx="5084912" cy="4002174"/>
+          </a:xfrm>
+          <a:prstGeom prst="rect">
+            <a:avLst/>
+          </a:prstGeom>
+        </p:spPr>
+      </p:pic>
+      <p:sp>
+        <p:nvSpPr>
+          <p:cNvPr id="1207694841" name=""/>
+          <p:cNvSpPr txBox="1"/>
+          <p:nvPr/>
+        </p:nvSpPr>
+        <p:spPr bwMode="auto">
+          <a:xfrm flipH="0" flipV="0">
+            <a:off x="6914999" y="5323186"/>
+            <a:ext cx="5087072" cy="1006199"/>
+          </a:xfrm>
+          <a:prstGeom prst="rect">
+            <a:avLst/>
+          </a:prstGeom>
+          <a:noFill/>
+        </p:spPr>
+        <p:txBody>
+          <a:bodyPr vertOverflow="overflow" horzOverflow="overflow" vert="horz" wrap="square" lIns="91440" tIns="45720" rIns="91440" bIns="45720" numCol="1" spcCol="0" rtlCol="0" fromWordArt="0" anchor="t" anchorCtr="0" forceAA="0" upright="0" compatLnSpc="0">
+            <a:spAutoFit/>
+          </a:bodyPr>
+          <a:p>
+            <a:pPr marL="283879" indent="-283879" algn="l">
+              <a:buFont typeface="Arial"/>
+              <a:buChar char="•"/>
+              <a:defRPr/>
+            </a:pPr>
+            <a:r>
+              <a:rPr lang="de-DE" sz="2000" b="0" i="0" u="none" strike="noStrike" cap="none" spc="0">
+                <a:solidFill>
+                  <a:schemeClr val="tx1"/>
+                </a:solidFill>
+                <a:latin typeface="Roboto"/>
+                <a:ea typeface="Roboto"/>
+                <a:cs typeface="Roboto"/>
+              </a:rPr>
+              <a:t>Automatisierte Initialisierung, Ausführung und Auswertung</a:t>
+            </a:r>
+            <a:endParaRPr lang="de-DE" sz="2000" b="0" i="0" u="none" strike="noStrike" cap="none" spc="0">
+              <a:solidFill>
+                <a:schemeClr val="tx1"/>
+              </a:solidFill>
+              <a:latin typeface="Roboto"/>
+              <a:ea typeface="Roboto"/>
+              <a:cs typeface="Roboto"/>
+            </a:endParaRPr>
+          </a:p>
+          <a:p>
+            <a:pPr marL="283879" indent="-283879" algn="l">
+              <a:buFont typeface="Arial"/>
+              <a:buChar char="•"/>
+              <a:defRPr/>
+            </a:pPr>
+            <a:r>
+              <a:rPr lang="de-DE" sz="2000" b="0" i="0" u="none" strike="noStrike" cap="none" spc="0">
+                <a:solidFill>
+                  <a:schemeClr val="tx1"/>
+                </a:solidFill>
+                <a:latin typeface="Roboto"/>
+                <a:ea typeface="Roboto"/>
+                <a:cs typeface="Roboto"/>
+              </a:rPr>
+              <a:t>Entwickler über Probleme informieren</a:t>
+            </a:r>
+            <a:endParaRPr lang="de-DE" sz="2200" b="0" i="0" u="none" strike="noStrike" cap="none" spc="0">
+              <a:solidFill>
+                <a:schemeClr val="tx1"/>
+              </a:solidFill>
+              <a:latin typeface="Roboto"/>
+              <a:ea typeface="Roboto"/>
+              <a:cs typeface="Roboto"/>
+            </a:endParaRPr>
+          </a:p>
+        </p:txBody>
+      </p:sp>
+      <p:sp>
+        <p:nvSpPr>
+          <p:cNvPr id="1778744377" name=""/>
+          <p:cNvSpPr/>
+          <p:nvPr/>
+        </p:nvSpPr>
+        <p:spPr bwMode="auto">
+          <a:xfrm flipH="0" flipV="0">
+            <a:off x="10793035" y="1372234"/>
+            <a:ext cx="1105580" cy="566782"/>
+          </a:xfrm>
+          <a:prstGeom prst="rect">
+            <a:avLst/>
+          </a:prstGeom>
+          <a:solidFill>
+            <a:schemeClr val="bg1"/>
+          </a:solidFill>
+          <a:ln w="12700" cap="flat" cmpd="sng" algn="ctr">
+            <a:solidFill>
+              <a:schemeClr val="bg1"/>
+            </a:solidFill>
+            <a:prstDash val="solid"/>
+            <a:miter lim="800000"/>
+          </a:ln>
+        </p:spPr>
+        <p:style>
+          <a:lnRef idx="2">
+            <a:schemeClr val="accent1">
+              <a:shade val="50000"/>
+            </a:schemeClr>
+          </a:lnRef>
+          <a:fillRef idx="1">
+            <a:schemeClr val="accent1"/>
+          </a:fillRef>
+          <a:effectRef idx="0">
+            <a:schemeClr val="accent1"/>
+          </a:effectRef>
+          <a:fontRef idx="minor">
+            <a:schemeClr val="lt1"/>
+          </a:fontRef>
+        </p:style>
+      </p:sp>
     </p:spTree>
   </p:cSld>
   <p:clrMapOvr>
@@ -14890,342 +16613,6 @@
       </p:grpSpPr>
       <p:sp>
         <p:nvSpPr>
-          <p:cNvPr id="1293654394" name="Titel 3"/>
-          <p:cNvSpPr>
-            <a:spLocks noGrp="1"/>
-          </p:cNvSpPr>
-          <p:nvPr>
-            <p:ph type="title" hasCustomPrompt="1"/>
-          </p:nvPr>
-        </p:nvSpPr>
-        <p:spPr bwMode="auto">
-          <a:xfrm>
-            <a:off x="1343025" y="152399"/>
-            <a:ext cx="10656887" cy="468313"/>
-          </a:xfrm>
-          <a:prstGeom prst="rect">
-            <a:avLst/>
-          </a:prstGeom>
-        </p:spPr>
-        <p:txBody>
-          <a:bodyPr lIns="0" tIns="0" rIns="0" bIns="0">
-            <a:normAutofit/>
-          </a:bodyPr>
-          <a:lstStyle>
-            <a:lvl1pPr>
-              <a:defRPr sz="2800"/>
-            </a:lvl1pPr>
-          </a:lstStyle>
-          <a:p>
-            <a:pPr>
-              <a:defRPr/>
-            </a:pPr>
-            <a:endParaRPr/>
-          </a:p>
-        </p:txBody>
-      </p:sp>
-      <p:sp>
-        <p:nvSpPr>
-          <p:cNvPr id="1138633348" name="Textplatzhalter 7"/>
-          <p:cNvSpPr>
-            <a:spLocks noGrp="1"/>
-          </p:cNvSpPr>
-          <p:nvPr/>
-        </p:nvSpPr>
-        <p:spPr bwMode="auto">
-          <a:xfrm flipH="0" flipV="0">
-            <a:off x="7459788" y="4939177"/>
-            <a:ext cx="4053438" cy="4333295"/>
-          </a:xfrm>
-          <a:prstGeom prst="rect">
-            <a:avLst/>
-          </a:prstGeom>
-        </p:spPr>
-        <p:txBody>
-          <a:bodyPr vertOverflow="overflow" horzOverflow="overflow" vert="horz" wrap="square" lIns="91440" tIns="45720" rIns="91440" bIns="45720" numCol="1" spcCol="0" rtlCol="0" fromWordArt="0" anchor="t" anchorCtr="0" forceAA="0" upright="0" compatLnSpc="0">
-            <a:normAutofit/>
-          </a:bodyPr>
-          <a:lstStyle>
-            <a:lvl1pPr marL="228600" indent="-228600" algn="l" defTabSz="914400">
-              <a:lnSpc>
-                <a:spcPct val="90000"/>
-              </a:lnSpc>
-              <a:spcBef>
-                <a:spcPts val="998"/>
-              </a:spcBef>
-              <a:buFont typeface="Arial"/>
-              <a:buChar char="•"/>
-              <a:defRPr sz="2000">
-                <a:solidFill>
-                  <a:schemeClr val="tx1"/>
-                </a:solidFill>
-                <a:latin typeface="Roboto"/>
-                <a:ea typeface="Roboto"/>
-                <a:cs typeface="Roboto"/>
-              </a:defRPr>
-            </a:lvl1pPr>
-            <a:lvl2pPr marL="685800" indent="-228600" algn="l" defTabSz="914400">
-              <a:lnSpc>
-                <a:spcPct val="90000"/>
-              </a:lnSpc>
-              <a:spcBef>
-                <a:spcPts val="498"/>
-              </a:spcBef>
-              <a:buFont typeface="Arial"/>
-              <a:buChar char="•"/>
-              <a:defRPr sz="2000">
-                <a:solidFill>
-                  <a:schemeClr val="tx1"/>
-                </a:solidFill>
-                <a:latin typeface="Roboto"/>
-                <a:ea typeface="Roboto"/>
-                <a:cs typeface="Roboto"/>
-              </a:defRPr>
-            </a:lvl2pPr>
-            <a:lvl3pPr marL="1143000" indent="-228600" algn="l" defTabSz="914400">
-              <a:lnSpc>
-                <a:spcPct val="90000"/>
-              </a:lnSpc>
-              <a:spcBef>
-                <a:spcPts val="498"/>
-              </a:spcBef>
-              <a:buFont typeface="Arial"/>
-              <a:buChar char="•"/>
-              <a:defRPr sz="2000">
-                <a:solidFill>
-                  <a:schemeClr val="tx1"/>
-                </a:solidFill>
-                <a:latin typeface="Roboto"/>
-                <a:ea typeface="Roboto"/>
-                <a:cs typeface="Roboto"/>
-              </a:defRPr>
-            </a:lvl3pPr>
-            <a:lvl4pPr marL="1600200" indent="-228600" algn="l" defTabSz="914400">
-              <a:lnSpc>
-                <a:spcPct val="90000"/>
-              </a:lnSpc>
-              <a:spcBef>
-                <a:spcPts val="498"/>
-              </a:spcBef>
-              <a:buFont typeface="Arial"/>
-              <a:buChar char="•"/>
-              <a:defRPr sz="2000">
-                <a:solidFill>
-                  <a:schemeClr val="tx1"/>
-                </a:solidFill>
-                <a:latin typeface="Roboto"/>
-                <a:ea typeface="Roboto"/>
-                <a:cs typeface="Roboto"/>
-              </a:defRPr>
-            </a:lvl4pPr>
-            <a:lvl5pPr marL="2057400" indent="-228600" algn="l" defTabSz="914400">
-              <a:lnSpc>
-                <a:spcPct val="90000"/>
-              </a:lnSpc>
-              <a:spcBef>
-                <a:spcPts val="498"/>
-              </a:spcBef>
-              <a:buFont typeface="Arial"/>
-              <a:buChar char="•"/>
-              <a:defRPr sz="2000">
-                <a:solidFill>
-                  <a:schemeClr val="tx1"/>
-                </a:solidFill>
-                <a:latin typeface="Roboto"/>
-                <a:ea typeface="Roboto"/>
-                <a:cs typeface="Roboto"/>
-              </a:defRPr>
-            </a:lvl5pPr>
-            <a:lvl6pPr marL="2514598" indent="-228600" algn="l" defTabSz="914400">
-              <a:lnSpc>
-                <a:spcPct val="90000"/>
-              </a:lnSpc>
-              <a:spcBef>
-                <a:spcPts val="498"/>
-              </a:spcBef>
-              <a:buFont typeface="Arial"/>
-              <a:buChar char="•"/>
-              <a:defRPr sz="1800">
-                <a:solidFill>
-                  <a:schemeClr val="tx1"/>
-                </a:solidFill>
-                <a:latin typeface="+mn-lt"/>
-                <a:ea typeface="+mn-ea"/>
-                <a:cs typeface="+mn-cs"/>
-              </a:defRPr>
-            </a:lvl6pPr>
-            <a:lvl7pPr marL="2971800" indent="-228600" algn="l" defTabSz="914400">
-              <a:lnSpc>
-                <a:spcPct val="90000"/>
-              </a:lnSpc>
-              <a:spcBef>
-                <a:spcPts val="498"/>
-              </a:spcBef>
-              <a:buFont typeface="Arial"/>
-              <a:buChar char="•"/>
-              <a:defRPr sz="1800">
-                <a:solidFill>
-                  <a:schemeClr val="tx1"/>
-                </a:solidFill>
-                <a:latin typeface="+mn-lt"/>
-                <a:ea typeface="+mn-ea"/>
-                <a:cs typeface="+mn-cs"/>
-              </a:defRPr>
-            </a:lvl7pPr>
-            <a:lvl8pPr marL="3429000" indent="-228600" algn="l" defTabSz="914400">
-              <a:lnSpc>
-                <a:spcPct val="90000"/>
-              </a:lnSpc>
-              <a:spcBef>
-                <a:spcPts val="498"/>
-              </a:spcBef>
-              <a:buFont typeface="Arial"/>
-              <a:buChar char="•"/>
-              <a:defRPr sz="1800">
-                <a:solidFill>
-                  <a:schemeClr val="tx1"/>
-                </a:solidFill>
-                <a:latin typeface="+mn-lt"/>
-                <a:ea typeface="+mn-ea"/>
-                <a:cs typeface="+mn-cs"/>
-              </a:defRPr>
-            </a:lvl8pPr>
-            <a:lvl9pPr marL="3886200" indent="-228600" algn="l" defTabSz="914400">
-              <a:lnSpc>
-                <a:spcPct val="90000"/>
-              </a:lnSpc>
-              <a:spcBef>
-                <a:spcPts val="498"/>
-              </a:spcBef>
-              <a:buFont typeface="Arial"/>
-              <a:buChar char="•"/>
-              <a:defRPr sz="1800">
-                <a:solidFill>
-                  <a:schemeClr val="tx1"/>
-                </a:solidFill>
-                <a:latin typeface="+mn-lt"/>
-                <a:ea typeface="+mn-ea"/>
-                <a:cs typeface="+mn-cs"/>
-              </a:defRPr>
-            </a:lvl9pPr>
-          </a:lstStyle>
-          <a:p>
-            <a:pPr>
-              <a:defRPr/>
-            </a:pPr>
-            <a:r>
-              <a:rPr lang="de-DE" sz="2000" b="0" i="0" u="none" strike="noStrike" cap="none" spc="0">
-                <a:solidFill>
-                  <a:schemeClr val="tx1"/>
-                </a:solidFill>
-                <a:latin typeface="Roboto"/>
-                <a:ea typeface="Roboto"/>
-                <a:cs typeface="Roboto"/>
-              </a:rPr>
-              <a:t>Automatiserte Initialisierung, Ausführung und Auswertung</a:t>
-            </a:r>
-            <a:endParaRPr lang="de-DE" sz="2000" b="0" i="0" u="none" strike="noStrike" cap="none" spc="0">
-              <a:solidFill>
-                <a:schemeClr val="tx1"/>
-              </a:solidFill>
-              <a:latin typeface="Roboto"/>
-              <a:ea typeface="Roboto"/>
-              <a:cs typeface="Roboto"/>
-            </a:endParaRPr>
-          </a:p>
-          <a:p>
-            <a:pPr>
-              <a:defRPr/>
-            </a:pPr>
-            <a:r>
-              <a:rPr lang="de-DE" sz="2000" b="0" i="0" u="none" strike="noStrike" cap="none" spc="0">
-                <a:solidFill>
-                  <a:schemeClr val="tx1"/>
-                </a:solidFill>
-                <a:latin typeface="Roboto"/>
-                <a:ea typeface="Roboto"/>
-                <a:cs typeface="Roboto"/>
-              </a:rPr>
-              <a:t>Entwickler über mögliche Probleme informieren</a:t>
-            </a:r>
-            <a:endParaRPr/>
-          </a:p>
-        </p:txBody>
-      </p:sp>
-      <p:sp>
-        <p:nvSpPr>
-          <p:cNvPr id="1490827929" name=""/>
-          <p:cNvSpPr txBox="1"/>
-          <p:nvPr/>
-        </p:nvSpPr>
-        <p:spPr bwMode="auto">
-          <a:xfrm flipH="0" flipV="0">
-            <a:off x="2077425" y="1381124"/>
-            <a:ext cx="2929574" cy="366119"/>
-          </a:xfrm>
-          <a:prstGeom prst="rect">
-            <a:avLst/>
-          </a:prstGeom>
-          <a:noFill/>
-        </p:spPr>
-        <p:txBody>
-          <a:bodyPr vertOverflow="overflow" horzOverflow="overflow" vert="horz" wrap="square" lIns="91440" tIns="45720" rIns="91440" bIns="45720" numCol="1" spcCol="0" rtlCol="0" fromWordArt="0" anchor="t" anchorCtr="0" forceAA="0" upright="0" compatLnSpc="0">
-            <a:spAutoFit/>
-          </a:bodyPr>
-          <a:p>
-            <a:pPr>
-              <a:defRPr/>
-            </a:pPr>
-            <a:r>
-              <a:rPr>
-                <a:latin typeface="Roboto"/>
-                <a:ea typeface="Roboto"/>
-                <a:cs typeface="Roboto"/>
-              </a:rPr>
-              <a:t>this is a test</a:t>
-            </a:r>
-            <a:endParaRPr>
-              <a:latin typeface="Roboto"/>
-              <a:cs typeface="Roboto"/>
-            </a:endParaRPr>
-          </a:p>
-        </p:txBody>
-      </p:sp>
-    </p:spTree>
-  </p:cSld>
-  <p:clrMapOvr>
-    <a:masterClrMapping/>
-  </p:clrMapOvr>
-  <mc:AlternateContent xmlns:mc="http://schemas.openxmlformats.org/markup-compatibility/2006">
-    <mc:Choice xmlns:p159="http://schemas.microsoft.com/office/powerpoint/2015/09/main" xmlns:p14="http://schemas.microsoft.com/office/powerpoint/2010/main" Requires="p159">
-      <p:transition p14:dur="2000" advClick="1"/>
-    </mc:Choice>
-    <mc:Fallback>
-      <p:transition advClick="1"/>
-    </mc:Fallback>
-  </mc:AlternateContent>
-</p:sld>
-</file>
-
-<file path=ppt/slides/slide8.xml><?xml version="1.0" encoding="utf-8"?>
-<p:sld xmlns:a="http://schemas.openxmlformats.org/drawingml/2006/main" xmlns:r="http://schemas.openxmlformats.org/officeDocument/2006/relationships" xmlns:p="http://schemas.openxmlformats.org/presentationml/2006/main" xmlns:m="http://schemas.openxmlformats.org/officeDocument/2006/math" xmlns:w="http://schemas.openxmlformats.org/wordprocessingml/2006/main" xmlns:mc="http://schemas.openxmlformats.org/markup-compatibility/2006" showMasterPhAnim="0" showMasterSp="1" show="1">
-  <p:cSld name="">
-    <p:spTree>
-      <p:nvGrpSpPr>
-        <p:cNvPr id="1" name=""/>
-        <p:cNvGrpSpPr/>
-        <p:nvPr/>
-      </p:nvGrpSpPr>
-      <p:grpSpPr bwMode="auto">
-        <a:xfrm>
-          <a:off x="0" y="0"/>
-          <a:ext cx="0" cy="0"/>
-          <a:chOff x="0" y="0"/>
-          <a:chExt cx="0" cy="0"/>
-        </a:xfrm>
-      </p:grpSpPr>
-      <p:sp>
-        <p:nvSpPr>
           <p:cNvPr id="1450243510" name="Titel 3"/>
           <p:cNvSpPr>
             <a:spLocks noGrp="1"/>
@@ -15350,28 +16737,6 @@
           </a:p>
         </p:txBody>
       </p:sp>
-      <p:pic>
-        <p:nvPicPr>
-          <p:cNvPr id="31831837" name=""/>
-          <p:cNvPicPr>
-            <a:picLocks noChangeAspect="1"/>
-          </p:cNvPicPr>
-          <p:nvPr/>
-        </p:nvPicPr>
-        <p:blipFill>
-          <a:blip r:embed="rId3"/>
-          <a:stretch/>
-        </p:blipFill>
-        <p:spPr bwMode="auto">
-          <a:xfrm flipH="0" flipV="0">
-            <a:off x="7275575" y="1710322"/>
-            <a:ext cx="3227545" cy="2915851"/>
-          </a:xfrm>
-          <a:prstGeom prst="rect">
-            <a:avLst/>
-          </a:prstGeom>
-        </p:spPr>
-      </p:pic>
       <p:grpSp>
         <p:nvGrpSpPr>
           <p:cNvPr id="1100169813" name=""/>
@@ -15380,7 +16745,7 @@
         </p:nvGrpSpPr>
         <p:grpSpPr bwMode="auto">
           <a:xfrm>
-            <a:off x="191367" y="1810395"/>
+            <a:off x="6018554" y="1790705"/>
             <a:ext cx="5221298" cy="1889277"/>
             <a:chOff x="0" y="0"/>
             <a:chExt cx="5221298" cy="1889277"/>
@@ -15798,8 +17163,8 @@
         </p:nvSpPr>
         <p:spPr bwMode="auto">
           <a:xfrm flipH="0" flipV="0">
-            <a:off x="2923690" y="3658257"/>
-            <a:ext cx="5586696" cy="2834999"/>
+            <a:off x="6019314" y="4065516"/>
+            <a:ext cx="5589575" cy="1463400"/>
           </a:xfrm>
           <a:prstGeom prst="rect">
             <a:avLst/>
@@ -15811,39 +17176,7 @@
             <a:spAutoFit/>
           </a:bodyPr>
           <a:p>
-            <a:pPr marL="283879" indent="-283879">
-              <a:buFont typeface="Arial"/>
-              <a:buChar char="•"/>
-              <a:defRPr/>
-            </a:pPr>
-            <a:r>
-              <a:rPr/>
-              <a:t>Klassifizierung von Szenarien nach ...</a:t>
-            </a:r>
-            <a:endParaRPr/>
-          </a:p>
-          <a:p>
-            <a:pPr marL="283879" indent="-283879">
-              <a:buFont typeface="Arial"/>
-              <a:buChar char="•"/>
-              <a:defRPr/>
-            </a:pPr>
-            <a:endParaRPr/>
-          </a:p>
-          <a:p>
-            <a:pPr marL="283879" lvl="0" indent="-283879">
-              <a:buFont typeface="Arial"/>
-              <a:buChar char="•"/>
-              <a:defRPr/>
-            </a:pPr>
-            <a:r>
-              <a:rPr/>
-              <a:t>Abstraktionsgrad</a:t>
-            </a:r>
-            <a:endParaRPr/>
-          </a:p>
-          <a:p>
-            <a:pPr marL="683929" lvl="1" indent="-283879">
+            <a:pPr marL="283878" lvl="0" indent="-283879">
               <a:buFont typeface="Arial"/>
               <a:buChar char="•"/>
               <a:defRPr/>
@@ -15868,7 +17201,7 @@
             </a:endParaRPr>
           </a:p>
           <a:p>
-            <a:pPr marL="683929" lvl="1" indent="-283879">
+            <a:pPr marL="283878" lvl="0" indent="-283879">
               <a:buFont typeface="Arial"/>
               <a:buChar char="•"/>
               <a:defRPr/>
@@ -15893,7 +17226,7 @@
             </a:endParaRPr>
           </a:p>
           <a:p>
-            <a:pPr marL="683929" lvl="1" indent="-283879">
+            <a:pPr marL="283878" lvl="0" indent="-283879">
               <a:buFont typeface="Arial"/>
               <a:buChar char="•"/>
               <a:defRPr/>
@@ -15912,29 +17245,382 @@
             <a:endParaRPr/>
           </a:p>
           <a:p>
-            <a:pPr marL="683929" lvl="1" indent="-283879">
-              <a:buFont typeface="Arial"/>
-              <a:buChar char="•"/>
+            <a:pPr lvl="1">
               <a:defRPr/>
             </a:pPr>
             <a:endParaRPr/>
           </a:p>
-          <a:p>
-            <a:pPr marL="283879" lvl="0" indent="-283879">
-              <a:buFont typeface="Arial"/>
-              <a:buChar char="•"/>
-              <a:defRPr/>
-            </a:pPr>
-            <a:r>
-              <a:rPr/>
-              <a:t>Informationsgehalt</a:t>
-            </a:r>
-            <a:endParaRPr/>
-          </a:p>
-          <a:p>
-            <a:pPr marL="683929" lvl="1" indent="-283879">
-              <a:buFont typeface="Arial"/>
-              <a:buChar char="•"/>
+        </p:txBody>
+      </p:sp>
+      <p:grpSp>
+        <p:nvGrpSpPr>
+          <p:cNvPr id="992120564" name=""/>
+          <p:cNvGrpSpPr/>
+          <p:nvPr/>
+        </p:nvGrpSpPr>
+        <p:grpSpPr bwMode="auto">
+          <a:xfrm>
+            <a:off x="455725" y="1550827"/>
+            <a:ext cx="4599894" cy="4155668"/>
+            <a:chOff x="0" y="0"/>
+            <a:chExt cx="4599894" cy="4155668"/>
+          </a:xfrm>
+        </p:grpSpPr>
+        <p:pic>
+          <p:nvPicPr>
+            <p:cNvPr id="31831837" name=""/>
+            <p:cNvPicPr>
+              <a:picLocks noChangeAspect="1"/>
+            </p:cNvPicPr>
+            <p:nvPr/>
+          </p:nvPicPr>
+          <p:blipFill>
+            <a:blip r:embed="rId3"/>
+            <a:stretch/>
+          </p:blipFill>
+          <p:spPr bwMode="auto">
+            <a:xfrm flipH="0" flipV="0">
+              <a:off x="0" y="0"/>
+              <a:ext cx="4599894" cy="4155668"/>
+            </a:xfrm>
+            <a:prstGeom prst="rect">
+              <a:avLst/>
+            </a:prstGeom>
+          </p:spPr>
+        </p:pic>
+        <p:sp>
+          <p:nvSpPr>
+            <p:cNvPr id="484068739" name=""/>
+            <p:cNvSpPr txBox="1"/>
+            <p:nvPr/>
+          </p:nvSpPr>
+          <p:spPr bwMode="auto">
+            <a:xfrm flipH="0" flipV="0">
+              <a:off x="946535" y="121104"/>
+              <a:ext cx="2732443" cy="686160"/>
+            </a:xfrm>
+            <a:prstGeom prst="rect">
+              <a:avLst/>
+            </a:prstGeom>
+            <a:solidFill>
+              <a:schemeClr val="bg1"/>
+            </a:solidFill>
+          </p:spPr>
+          <p:txBody>
+            <a:bodyPr vertOverflow="overflow" horzOverflow="overflow" vert="horz" wrap="square" lIns="91440" tIns="45720" rIns="91440" bIns="45720" numCol="1" spcCol="0" rtlCol="0" fromWordArt="0" anchor="t" anchorCtr="0" forceAA="0" upright="0" compatLnSpc="0">
+              <a:spAutoFit/>
+            </a:bodyPr>
+            <a:p>
+              <a:pPr>
+                <a:defRPr/>
+              </a:pPr>
+              <a:r>
+                <a:rPr sz="1400">
+                  <a:solidFill>
+                    <a:schemeClr val="tx1"/>
+                  </a:solidFill>
+                </a:rPr>
+                <a:t>Straßen-Level</a:t>
+              </a:r>
+              <a:endParaRPr sz="1400">
+                <a:solidFill>
+                  <a:schemeClr val="tx1"/>
+                </a:solidFill>
+              </a:endParaRPr>
+            </a:p>
+            <a:p>
+              <a:pPr>
+                <a:defRPr/>
+              </a:pPr>
+              <a:r>
+                <a:rPr sz="1400">
+                  <a:solidFill>
+                    <a:schemeClr val="tx1"/>
+                  </a:solidFill>
+                </a:rPr>
+                <a:t>(L1)</a:t>
+              </a:r>
+              <a:endParaRPr sz="1800"/>
+            </a:p>
+            <a:p>
+              <a:pPr>
+                <a:defRPr/>
+              </a:pPr>
+              <a:endParaRPr sz="1100"/>
+            </a:p>
+          </p:txBody>
+        </p:sp>
+        <p:sp>
+          <p:nvSpPr>
+            <p:cNvPr id="1376075113" name=""/>
+            <p:cNvSpPr txBox="1"/>
+            <p:nvPr/>
+          </p:nvSpPr>
+          <p:spPr bwMode="auto">
+            <a:xfrm flipH="0" flipV="0">
+              <a:off x="890864" y="2560229"/>
+              <a:ext cx="2741802" cy="686160"/>
+            </a:xfrm>
+            <a:prstGeom prst="rect">
+              <a:avLst/>
+            </a:prstGeom>
+            <a:solidFill>
+              <a:schemeClr val="bg1"/>
+            </a:solidFill>
+          </p:spPr>
+          <p:txBody>
+            <a:bodyPr vertOverflow="overflow" horzOverflow="overflow" vert="horz" wrap="square" lIns="91440" tIns="45720" rIns="91440" bIns="45720" numCol="1" spcCol="0" rtlCol="0" fromWordArt="0" anchor="t" anchorCtr="0" forceAA="0" upright="0" compatLnSpc="0">
+              <a:spAutoFit/>
+            </a:bodyPr>
+            <a:p>
+              <a:pPr>
+                <a:defRPr/>
+              </a:pPr>
+              <a:r>
+                <a:rPr sz="1400">
+                  <a:solidFill>
+                    <a:schemeClr val="tx1"/>
+                  </a:solidFill>
+                </a:rPr>
+                <a:t>Objekte</a:t>
+              </a:r>
+              <a:endParaRPr sz="1400">
+                <a:solidFill>
+                  <a:schemeClr val="tx1"/>
+                </a:solidFill>
+              </a:endParaRPr>
+            </a:p>
+            <a:p>
+              <a:pPr>
+                <a:defRPr/>
+              </a:pPr>
+              <a:r>
+                <a:rPr sz="1400">
+                  <a:solidFill>
+                    <a:schemeClr val="tx1"/>
+                  </a:solidFill>
+                </a:rPr>
+                <a:t>(L4)</a:t>
+              </a:r>
+              <a:endParaRPr sz="1800"/>
+            </a:p>
+            <a:p>
+              <a:pPr>
+                <a:defRPr/>
+              </a:pPr>
+              <a:endParaRPr sz="1100"/>
+            </a:p>
+          </p:txBody>
+        </p:sp>
+        <p:sp>
+          <p:nvSpPr>
+            <p:cNvPr id="1691374999" name=""/>
+            <p:cNvSpPr txBox="1"/>
+            <p:nvPr/>
+          </p:nvSpPr>
+          <p:spPr bwMode="auto">
+            <a:xfrm flipH="0" flipV="0">
+              <a:off x="946535" y="3340453"/>
+              <a:ext cx="2744682" cy="686160"/>
+            </a:xfrm>
+            <a:prstGeom prst="rect">
+              <a:avLst/>
+            </a:prstGeom>
+            <a:solidFill>
+              <a:schemeClr val="bg1"/>
+            </a:solidFill>
+          </p:spPr>
+          <p:txBody>
+            <a:bodyPr vertOverflow="overflow" horzOverflow="overflow" vert="horz" wrap="square" lIns="91440" tIns="45720" rIns="91440" bIns="45720" numCol="1" spcCol="0" rtlCol="0" fromWordArt="0" anchor="t" anchorCtr="0" forceAA="0" upright="0" compatLnSpc="0">
+              <a:spAutoFit/>
+            </a:bodyPr>
+            <a:p>
+              <a:pPr>
+                <a:defRPr/>
+              </a:pPr>
+              <a:r>
+                <a:rPr sz="1400">
+                  <a:solidFill>
+                    <a:schemeClr val="tx1"/>
+                  </a:solidFill>
+                </a:rPr>
+                <a:t>Umwelt</a:t>
+              </a:r>
+              <a:endParaRPr sz="1400">
+                <a:solidFill>
+                  <a:schemeClr val="tx1"/>
+                </a:solidFill>
+              </a:endParaRPr>
+            </a:p>
+            <a:p>
+              <a:pPr>
+                <a:defRPr/>
+              </a:pPr>
+              <a:r>
+                <a:rPr sz="1400">
+                  <a:solidFill>
+                    <a:schemeClr val="tx1"/>
+                  </a:solidFill>
+                </a:rPr>
+                <a:t>(L5)</a:t>
+              </a:r>
+              <a:endParaRPr sz="1800"/>
+            </a:p>
+            <a:p>
+              <a:pPr>
+                <a:defRPr/>
+              </a:pPr>
+              <a:endParaRPr sz="1100"/>
+            </a:p>
+          </p:txBody>
+        </p:sp>
+        <p:sp>
+          <p:nvSpPr>
+            <p:cNvPr id="474728362" name=""/>
+            <p:cNvSpPr txBox="1"/>
+            <p:nvPr/>
+          </p:nvSpPr>
+          <p:spPr bwMode="auto">
+            <a:xfrm flipH="0" flipV="0">
+              <a:off x="956255" y="958439"/>
+              <a:ext cx="2738202" cy="686160"/>
+            </a:xfrm>
+            <a:prstGeom prst="rect">
+              <a:avLst/>
+            </a:prstGeom>
+            <a:solidFill>
+              <a:schemeClr val="bg1"/>
+            </a:solidFill>
+          </p:spPr>
+          <p:txBody>
+            <a:bodyPr vertOverflow="overflow" horzOverflow="overflow" vert="horz" wrap="square" lIns="91440" tIns="45720" rIns="91440" bIns="45720" numCol="1" spcCol="0" rtlCol="0" fromWordArt="0" anchor="t" anchorCtr="0" forceAA="0" upright="0" compatLnSpc="0">
+              <a:spAutoFit/>
+            </a:bodyPr>
+            <a:p>
+              <a:pPr>
+                <a:defRPr/>
+              </a:pPr>
+              <a:r>
+                <a:rPr sz="1400">
+                  <a:solidFill>
+                    <a:schemeClr val="tx1"/>
+                  </a:solidFill>
+                </a:rPr>
+                <a:t>Infrastruktur-Level</a:t>
+              </a:r>
+              <a:endParaRPr sz="1400">
+                <a:solidFill>
+                  <a:schemeClr val="tx1"/>
+                </a:solidFill>
+              </a:endParaRPr>
+            </a:p>
+            <a:p>
+              <a:pPr>
+                <a:defRPr/>
+              </a:pPr>
+              <a:r>
+                <a:rPr sz="1400">
+                  <a:solidFill>
+                    <a:schemeClr val="tx1"/>
+                  </a:solidFill>
+                </a:rPr>
+                <a:t>(L2)</a:t>
+              </a:r>
+              <a:endParaRPr sz="1800"/>
+            </a:p>
+            <a:p>
+              <a:pPr>
+                <a:defRPr/>
+              </a:pPr>
+              <a:endParaRPr sz="1100"/>
+            </a:p>
+          </p:txBody>
+        </p:sp>
+        <p:sp>
+          <p:nvSpPr>
+            <p:cNvPr id="186057188" name=""/>
+            <p:cNvSpPr txBox="1"/>
+            <p:nvPr/>
+          </p:nvSpPr>
+          <p:spPr bwMode="auto">
+            <a:xfrm flipH="0" flipV="0">
+              <a:off x="961655" y="1786074"/>
+              <a:ext cx="2744682" cy="686160"/>
+            </a:xfrm>
+            <a:prstGeom prst="rect">
+              <a:avLst/>
+            </a:prstGeom>
+            <a:solidFill>
+              <a:schemeClr val="bg1"/>
+            </a:solidFill>
+          </p:spPr>
+          <p:txBody>
+            <a:bodyPr vertOverflow="overflow" horzOverflow="overflow" vert="horz" wrap="square" lIns="91440" tIns="45720" rIns="91440" bIns="45720" numCol="1" spcCol="0" rtlCol="0" fromWordArt="0" anchor="t" anchorCtr="0" forceAA="0" upright="0" compatLnSpc="0">
+              <a:spAutoFit/>
+            </a:bodyPr>
+            <a:p>
+              <a:pPr>
+                <a:defRPr/>
+              </a:pPr>
+              <a:r>
+                <a:rPr sz="1400">
+                  <a:solidFill>
+                    <a:schemeClr val="tx1"/>
+                  </a:solidFill>
+                </a:rPr>
+                <a:t>temporäre Veränderungen</a:t>
+              </a:r>
+              <a:endParaRPr sz="1400">
+                <a:solidFill>
+                  <a:schemeClr val="tx1"/>
+                </a:solidFill>
+              </a:endParaRPr>
+            </a:p>
+            <a:p>
+              <a:pPr>
+                <a:defRPr/>
+              </a:pPr>
+              <a:r>
+                <a:rPr sz="1400">
+                  <a:solidFill>
+                    <a:schemeClr val="tx1"/>
+                  </a:solidFill>
+                </a:rPr>
+                <a:t>(L3)</a:t>
+              </a:r>
+              <a:endParaRPr sz="1800"/>
+            </a:p>
+            <a:p>
+              <a:pPr>
+                <a:defRPr/>
+              </a:pPr>
+              <a:endParaRPr sz="1100"/>
+            </a:p>
+          </p:txBody>
+        </p:sp>
+      </p:grpSp>
+      <p:sp>
+        <p:nvSpPr>
+          <p:cNvPr id="1340989841" name=""/>
+          <p:cNvSpPr txBox="1"/>
+          <p:nvPr/>
+        </p:nvSpPr>
+        <p:spPr bwMode="auto">
+          <a:xfrm flipH="0" flipV="0">
+            <a:off x="332544" y="5821519"/>
+            <a:ext cx="5280823" cy="366119"/>
+          </a:xfrm>
+          <a:prstGeom prst="rect">
+            <a:avLst/>
+          </a:prstGeom>
+          <a:noFill/>
+        </p:spPr>
+        <p:txBody>
+          <a:bodyPr vertOverflow="overflow" horzOverflow="overflow" vert="horz" wrap="square" lIns="91440" tIns="45720" rIns="91440" bIns="45720" numCol="1" spcCol="0" rtlCol="0" fromWordArt="0" anchor="t" anchorCtr="0" forceAA="0" upright="0" compatLnSpc="0">
+            <a:spAutoFit/>
+          </a:bodyPr>
+          <a:p>
+            <a:pPr>
               <a:defRPr/>
             </a:pPr>
             <a:r>
@@ -15942,6 +17628,94 @@
               <a:t>jedes Level erhöht Komplexität/Parameterzahl</a:t>
             </a:r>
             <a:endParaRPr/>
+          </a:p>
+        </p:txBody>
+      </p:sp>
+      <p:sp>
+        <p:nvSpPr>
+          <p:cNvPr id="83551774" name=""/>
+          <p:cNvSpPr txBox="1"/>
+          <p:nvPr/>
+        </p:nvSpPr>
+        <p:spPr bwMode="auto">
+          <a:xfrm flipH="0" flipV="0">
+            <a:off x="10823995" y="3717901"/>
+            <a:ext cx="412572" cy="305159"/>
+          </a:xfrm>
+          <a:prstGeom prst="rect">
+            <a:avLst/>
+          </a:prstGeom>
+          <a:noFill/>
+        </p:spPr>
+        <p:txBody>
+          <a:bodyPr vertOverflow="overflow" horzOverflow="overflow" vert="horz" wrap="square" lIns="91440" tIns="45720" rIns="91440" bIns="45720" numCol="1" spcCol="0" rtlCol="0" fromWordArt="0" anchor="t" anchorCtr="0" forceAA="0" upright="0" compatLnSpc="0">
+            <a:spAutoFit/>
+          </a:bodyPr>
+          <a:p>
+            <a:pPr>
+              <a:defRPr/>
+            </a:pPr>
+            <a:r>
+              <a:rPr sz="1400">
+                <a:solidFill>
+                  <a:schemeClr val="bg2">
+                    <a:lumMod val="50000"/>
+                  </a:schemeClr>
+                </a:solidFill>
+              </a:rPr>
+              <a:t>[3]</a:t>
+            </a:r>
+            <a:endParaRPr sz="1400">
+              <a:solidFill>
+                <a:schemeClr val="bg2">
+                  <a:lumMod val="50000"/>
+                </a:schemeClr>
+              </a:solidFill>
+            </a:endParaRPr>
+          </a:p>
+        </p:txBody>
+      </p:sp>
+      <p:sp>
+        <p:nvSpPr>
+          <p:cNvPr id="652856781" name=""/>
+          <p:cNvSpPr txBox="1"/>
+          <p:nvPr/>
+        </p:nvSpPr>
+        <p:spPr bwMode="auto">
+          <a:xfrm flipH="0" flipV="0">
+            <a:off x="4644126" y="5516359"/>
+            <a:ext cx="411492" cy="305159"/>
+          </a:xfrm>
+          <a:prstGeom prst="rect">
+            <a:avLst/>
+          </a:prstGeom>
+          <a:noFill/>
+        </p:spPr>
+        <p:txBody>
+          <a:bodyPr vertOverflow="overflow" horzOverflow="overflow" vert="horz" wrap="square" lIns="91440" tIns="45720" rIns="91440" bIns="45720" numCol="1" spcCol="0" rtlCol="0" fromWordArt="0" anchor="t" anchorCtr="0" forceAA="0" upright="0" compatLnSpc="0">
+            <a:spAutoFit/>
+          </a:bodyPr>
+          <a:p>
+            <a:pPr>
+              <a:defRPr/>
+            </a:pPr>
+            <a:r>
+              <a:rPr sz="1400">
+                <a:solidFill>
+                  <a:schemeClr val="bg2">
+                    <a:lumMod val="50000"/>
+                  </a:schemeClr>
+                </a:solidFill>
+              </a:rPr>
+              <a:t>[2]</a:t>
+            </a:r>
+            <a:endParaRPr sz="1400">
+              <a:solidFill>
+                <a:schemeClr val="bg2">
+                  <a:lumMod val="50000"/>
+                </a:schemeClr>
+              </a:solidFill>
+            </a:endParaRPr>
           </a:p>
         </p:txBody>
       </p:sp>
@@ -15961,7 +17735,7 @@
 </p:sld>
 </file>
 
-<file path=ppt/slides/slide9.xml><?xml version="1.0" encoding="utf-8"?>
+<file path=ppt/slides/slide8.xml><?xml version="1.0" encoding="utf-8"?>
 <p:sld xmlns:a="http://schemas.openxmlformats.org/drawingml/2006/main" xmlns:r="http://schemas.openxmlformats.org/officeDocument/2006/relationships" xmlns:p="http://schemas.openxmlformats.org/presentationml/2006/main" xmlns:m="http://schemas.openxmlformats.org/officeDocument/2006/math" xmlns:w="http://schemas.openxmlformats.org/wordprocessingml/2006/main" xmlns:mc="http://schemas.openxmlformats.org/markup-compatibility/2006" showMasterPhAnim="0" showMasterSp="1" show="1">
   <p:cSld name="">
     <p:spTree>
@@ -16160,12 +17934,20 @@
             </a:lvl5pPr>
           </a:lstStyle>
           <a:p>
+            <a:pPr marL="0" indent="0">
+              <a:buFont typeface="Arial"/>
+              <a:buNone/>
+              <a:defRPr/>
+            </a:pPr>
+            <a:endParaRPr/>
+          </a:p>
+          <a:p>
             <a:pPr>
               <a:defRPr/>
             </a:pPr>
             <a:r>
               <a:rPr/>
-              <a:t>gute Software ist ausführlich getestet</a:t>
+              <a:t>Unit-Test: kleinster Baustein im Testprozess, deckt üblicherweise eine einzelne Funktion/Klasse ab</a:t>
             </a:r>
             <a:endParaRPr/>
           </a:p>
@@ -16175,7 +17957,7 @@
             </a:pPr>
             <a:r>
               <a:rPr/>
-              <a:t>Unit-Test: „kleinster Baustein“, deckt üblicherweise eine einzelne Funktion/Klasse ab</a:t>
+              <a:t>Pipeline: fasst alle notwendigen Testschritte zusammen</a:t>
             </a:r>
             <a:endParaRPr/>
           </a:p>
@@ -16185,19 +17967,37 @@
             </a:pPr>
             <a:r>
               <a:rPr/>
-              <a:t>Testautomatisierung notwendig</a:t>
-            </a:r>
-            <a:endParaRPr/>
-          </a:p>
-          <a:p>
-            <a:pPr>
-              <a:defRPr/>
-            </a:pPr>
-            <a:r>
-              <a:rPr/>
-              <a:t>Pipeline fasst alle notwendigen Testschritte zusammen</a:t>
-            </a:r>
-            <a:endParaRPr/>
+              <a:t>Continuous Integration: </a:t>
+            </a:r>
+            <a:r>
+              <a:rPr lang="de-DE" sz="2000" b="0" i="0" u="none" strike="noStrike" cap="none" spc="0">
+                <a:solidFill>
+                  <a:schemeClr val="tx1"/>
+                </a:solidFill>
+                <a:latin typeface="Roboto"/>
+                <a:ea typeface="Roboto"/>
+                <a:cs typeface="Roboto"/>
+              </a:rPr>
+              <a:t>Prozess </a:t>
+            </a:r>
+            <a:r>
+              <a:rPr lang="de-DE" sz="2000" b="0" i="0" u="none" strike="noStrike" cap="none" spc="0">
+                <a:solidFill>
+                  <a:schemeClr val="tx1"/>
+                </a:solidFill>
+                <a:latin typeface="Roboto"/>
+                <a:ea typeface="Roboto"/>
+                <a:cs typeface="Roboto"/>
+              </a:rPr>
+              <a:t>zum Entwickeln, Testen und verteilen von Software</a:t>
+            </a:r>
+            <a:endParaRPr lang="de-DE" sz="2000" b="0" i="0" u="none" strike="noStrike" cap="none" spc="0">
+              <a:solidFill>
+                <a:schemeClr val="tx1"/>
+              </a:solidFill>
+              <a:latin typeface="Roboto"/>
+              <a:cs typeface="Roboto"/>
+            </a:endParaRPr>
           </a:p>
         </p:txBody>
       </p:sp>
@@ -16223,6 +18023,394 @@
           </a:prstGeom>
         </p:spPr>
       </p:pic>
+      <p:sp>
+        <p:nvSpPr>
+          <p:cNvPr id="1406455942" name=""/>
+          <p:cNvSpPr txBox="1"/>
+          <p:nvPr/>
+        </p:nvSpPr>
+        <p:spPr bwMode="auto">
+          <a:xfrm flipH="0" flipV="0">
+            <a:off x="10059274" y="3561954"/>
+            <a:ext cx="411852" cy="305159"/>
+          </a:xfrm>
+          <a:prstGeom prst="rect">
+            <a:avLst/>
+          </a:prstGeom>
+          <a:noFill/>
+        </p:spPr>
+        <p:txBody>
+          <a:bodyPr vertOverflow="overflow" horzOverflow="overflow" vert="horz" wrap="square" lIns="91440" tIns="45720" rIns="91440" bIns="45720" numCol="1" spcCol="0" rtlCol="0" fromWordArt="0" anchor="t" anchorCtr="0" forceAA="0" upright="0" compatLnSpc="0">
+            <a:spAutoFit/>
+          </a:bodyPr>
+          <a:p>
+            <a:pPr>
+              <a:defRPr/>
+            </a:pPr>
+            <a:r>
+              <a:rPr sz="1400">
+                <a:solidFill>
+                  <a:schemeClr val="bg2">
+                    <a:lumMod val="50000"/>
+                  </a:schemeClr>
+                </a:solidFill>
+              </a:rPr>
+              <a:t>[4]</a:t>
+            </a:r>
+            <a:endParaRPr sz="1400">
+              <a:solidFill>
+                <a:schemeClr val="bg2">
+                  <a:lumMod val="50000"/>
+                </a:schemeClr>
+              </a:solidFill>
+            </a:endParaRPr>
+          </a:p>
+        </p:txBody>
+      </p:sp>
+    </p:spTree>
+  </p:cSld>
+  <p:clrMapOvr>
+    <a:masterClrMapping/>
+  </p:clrMapOvr>
+  <mc:AlternateContent xmlns:mc="http://schemas.openxmlformats.org/markup-compatibility/2006">
+    <mc:Choice xmlns:p159="http://schemas.microsoft.com/office/powerpoint/2015/09/main" xmlns:p14="http://schemas.microsoft.com/office/powerpoint/2010/main" Requires="p159">
+      <p:transition p14:dur="2000" advClick="1"/>
+    </mc:Choice>
+    <mc:Fallback>
+      <p:transition advClick="1"/>
+    </mc:Fallback>
+  </mc:AlternateContent>
+</p:sld>
+</file>
+
+<file path=ppt/slides/slide9.xml><?xml version="1.0" encoding="utf-8"?>
+<p:sld xmlns:a="http://schemas.openxmlformats.org/drawingml/2006/main" xmlns:r="http://schemas.openxmlformats.org/officeDocument/2006/relationships" xmlns:p="http://schemas.openxmlformats.org/presentationml/2006/main" xmlns:m="http://schemas.openxmlformats.org/officeDocument/2006/math" xmlns:w="http://schemas.openxmlformats.org/wordprocessingml/2006/main" xmlns:mc="http://schemas.openxmlformats.org/markup-compatibility/2006" showMasterPhAnim="0" showMasterSp="1" show="1">
+  <p:cSld name="">
+    <p:spTree>
+      <p:nvGrpSpPr>
+        <p:cNvPr id="1" name=""/>
+        <p:cNvGrpSpPr/>
+        <p:nvPr/>
+      </p:nvGrpSpPr>
+      <p:grpSpPr bwMode="auto">
+        <a:xfrm>
+          <a:off x="0" y="0"/>
+          <a:ext cx="0" cy="0"/>
+          <a:chOff x="0" y="0"/>
+          <a:chExt cx="0" cy="0"/>
+        </a:xfrm>
+      </p:grpSpPr>
+      <p:sp>
+        <p:nvSpPr>
+          <p:cNvPr id="1608485032" name="Titel 1"/>
+          <p:cNvSpPr>
+            <a:spLocks noGrp="1"/>
+          </p:cNvSpPr>
+          <p:nvPr>
+            <p:ph type="title"/>
+          </p:nvPr>
+        </p:nvSpPr>
+        <p:spPr bwMode="auto"/>
+        <p:txBody>
+          <a:bodyPr/>
+          <a:lstStyle/>
+          <a:p>
+            <a:pPr>
+              <a:defRPr/>
+            </a:pPr>
+            <a:r>
+              <a:rPr lang="de-DE" sz="2800" b="1" i="0" u="none" strike="noStrike" cap="none" spc="0">
+                <a:solidFill>
+                  <a:schemeClr val="bg1"/>
+                </a:solidFill>
+                <a:latin typeface="Roboto"/>
+                <a:ea typeface="Roboto"/>
+                <a:cs typeface="Roboto"/>
+              </a:rPr>
+              <a:t>Implementierung</a:t>
+            </a:r>
+            <a:endParaRPr/>
+          </a:p>
+        </p:txBody>
+      </p:sp>
+      <p:pic>
+        <p:nvPicPr>
+          <p:cNvPr id="1611135471" name="Grafik 9"/>
+          <p:cNvPicPr>
+            <a:picLocks noChangeAspect="1"/>
+          </p:cNvPicPr>
+          <p:nvPr/>
+        </p:nvPicPr>
+        <p:blipFill>
+          <a:blip r:embed="rId3">
+            <a:extLst>
+              <a:ext uri="{96DAC541-7B7A-43D3-8B79-37D633B846F1}">
+                <asvg:svgBlip xmlns:asvg="http://schemas.microsoft.com/office/drawing/2016/SVG/main" r:embed="rId4"/>
+              </a:ext>
+            </a:extLst>
+          </a:blip>
+          <a:stretch/>
+        </p:blipFill>
+        <p:spPr bwMode="auto">
+          <a:xfrm flipH="0" flipV="0">
+            <a:off x="5813140" y="2185647"/>
+            <a:ext cx="6186769" cy="4159588"/>
+          </a:xfrm>
+          <a:prstGeom prst="rect">
+            <a:avLst/>
+          </a:prstGeom>
+        </p:spPr>
+      </p:pic>
+      <p:sp>
+        <p:nvSpPr>
+          <p:cNvPr id="43565046" name="Textplatzhalter 7"/>
+          <p:cNvSpPr>
+            <a:spLocks noGrp="1"/>
+          </p:cNvSpPr>
+          <p:nvPr>
+            <p:ph type="body" sz="quarter" idx="13" hasCustomPrompt="1"/>
+          </p:nvPr>
+        </p:nvSpPr>
+        <p:spPr bwMode="auto">
+          <a:prstGeom prst="rect">
+            <a:avLst/>
+          </a:prstGeom>
+        </p:spPr>
+        <p:txBody>
+          <a:bodyPr lIns="0" tIns="0" rIns="0" bIns="0">
+            <a:normAutofit/>
+          </a:bodyPr>
+          <a:lstStyle>
+            <a:lvl1pPr marL="0" indent="0">
+              <a:buFont typeface="Arial"/>
+              <a:buNone/>
+              <a:defRPr sz="2400" b="1">
+                <a:solidFill>
+                  <a:schemeClr val="tx1"/>
+                </a:solidFill>
+                <a:latin typeface="Roboto"/>
+                <a:ea typeface="Roboto"/>
+              </a:defRPr>
+            </a:lvl1pPr>
+            <a:lvl2pPr>
+              <a:defRPr sz="2400">
+                <a:latin typeface="Roboto"/>
+                <a:ea typeface="Roboto"/>
+              </a:defRPr>
+            </a:lvl2pPr>
+            <a:lvl3pPr>
+              <a:defRPr sz="2000">
+                <a:latin typeface="Roboto"/>
+                <a:ea typeface="Roboto"/>
+              </a:defRPr>
+            </a:lvl3pPr>
+            <a:lvl4pPr>
+              <a:defRPr sz="2000">
+                <a:latin typeface="Roboto"/>
+                <a:ea typeface="Roboto"/>
+              </a:defRPr>
+            </a:lvl4pPr>
+            <a:lvl5pPr>
+              <a:defRPr sz="2000">
+                <a:latin typeface="Roboto"/>
+                <a:ea typeface="Roboto"/>
+              </a:defRPr>
+            </a:lvl5pPr>
+          </a:lstStyle>
+          <a:p>
+            <a:pPr>
+              <a:defRPr/>
+            </a:pPr>
+            <a:r>
+              <a:rPr lang="de-DE" sz="2400" b="1" i="0" u="none" strike="noStrike" cap="none" spc="0">
+                <a:solidFill>
+                  <a:schemeClr val="tx1"/>
+                </a:solidFill>
+                <a:latin typeface="Roboto"/>
+                <a:ea typeface="Roboto"/>
+                <a:cs typeface="Roboto"/>
+              </a:rPr>
+              <a:t>Ablauf eines Testskriptes</a:t>
+            </a:r>
+            <a:endParaRPr/>
+          </a:p>
+        </p:txBody>
+      </p:sp>
+      <p:sp>
+        <p:nvSpPr>
+          <p:cNvPr id="1440222583" name="Textplatzhalter 7"/>
+          <p:cNvSpPr>
+            <a:spLocks noGrp="1"/>
+          </p:cNvSpPr>
+          <p:nvPr>
+            <p:ph type="body" sz="quarter" idx="11"/>
+          </p:nvPr>
+        </p:nvSpPr>
+        <p:spPr bwMode="auto">
+          <a:xfrm>
+            <a:off x="192087" y="2060573"/>
+            <a:ext cx="5795961" cy="4284661"/>
+          </a:xfrm>
+          <a:prstGeom prst="rect">
+            <a:avLst/>
+          </a:prstGeom>
+        </p:spPr>
+        <p:txBody>
+          <a:bodyPr>
+            <a:normAutofit/>
+          </a:bodyPr>
+          <a:lstStyle>
+            <a:lvl1pPr>
+              <a:defRPr sz="2800">
+                <a:latin typeface="Roboto"/>
+                <a:ea typeface="Roboto"/>
+              </a:defRPr>
+            </a:lvl1pPr>
+            <a:lvl2pPr>
+              <a:defRPr sz="2400">
+                <a:latin typeface="Roboto"/>
+                <a:ea typeface="Roboto"/>
+              </a:defRPr>
+            </a:lvl2pPr>
+            <a:lvl3pPr>
+              <a:defRPr sz="2000">
+                <a:latin typeface="Roboto"/>
+                <a:ea typeface="Roboto"/>
+              </a:defRPr>
+            </a:lvl3pPr>
+            <a:lvl4pPr>
+              <a:defRPr sz="2000">
+                <a:latin typeface="Roboto"/>
+                <a:ea typeface="Roboto"/>
+              </a:defRPr>
+            </a:lvl4pPr>
+            <a:lvl5pPr>
+              <a:defRPr sz="2000">
+                <a:latin typeface="Roboto"/>
+                <a:ea typeface="Roboto"/>
+              </a:defRPr>
+            </a:lvl5pPr>
+          </a:lstStyle>
+          <a:p>
+            <a:pPr>
+              <a:defRPr/>
+            </a:pPr>
+            <a:r>
+              <a:rPr lang="de-DE" sz="2000" b="0" i="0" u="none" strike="noStrike" cap="none" spc="0">
+                <a:solidFill>
+                  <a:schemeClr val="tx1"/>
+                </a:solidFill>
+                <a:latin typeface="Roboto"/>
+                <a:ea typeface="Roboto"/>
+                <a:cs typeface="Roboto"/>
+              </a:rPr>
+              <a:t>Laden von Parametersätzen, abhängig von Szenario und Fahrzeug</a:t>
+            </a:r>
+            <a:endParaRPr sz="2000"/>
+          </a:p>
+          <a:p>
+            <a:pPr>
+              <a:defRPr/>
+            </a:pPr>
+            <a:r>
+              <a:rPr lang="de-DE" sz="2000" b="0" i="0" u="none" strike="noStrike" cap="none" spc="0">
+                <a:solidFill>
+                  <a:schemeClr val="tx1"/>
+                </a:solidFill>
+                <a:latin typeface="Roboto"/>
+                <a:ea typeface="Roboto"/>
+                <a:cs typeface="Roboto"/>
+              </a:rPr>
+              <a:t>Umgebungsklasse stellt definierte Anfangszustände durch Laden von Fahrzeugparametern und Initialisierung der Simulation her</a:t>
+            </a:r>
+            <a:endParaRPr sz="2000"/>
+          </a:p>
+          <a:p>
+            <a:pPr>
+              <a:defRPr/>
+            </a:pPr>
+            <a:r>
+              <a:rPr lang="de-DE" sz="2000" b="0" i="0" u="none" strike="noStrike" cap="none" spc="0">
+                <a:solidFill>
+                  <a:schemeClr val="tx1"/>
+                </a:solidFill>
+                <a:latin typeface="Roboto"/>
+                <a:ea typeface="Roboto"/>
+                <a:cs typeface="Roboto"/>
+              </a:rPr>
+              <a:t>Jedes Szenario existiert als eigene Testklasse</a:t>
+            </a:r>
+            <a:endParaRPr sz="2000"/>
+          </a:p>
+          <a:p>
+            <a:pPr>
+              <a:defRPr/>
+            </a:pPr>
+            <a:r>
+              <a:rPr lang="de-DE" sz="2000" b="0" i="0" u="none" strike="noStrike" cap="none" spc="0">
+                <a:solidFill>
+                  <a:schemeClr val="tx1"/>
+                </a:solidFill>
+                <a:latin typeface="Roboto"/>
+                <a:ea typeface="Roboto"/>
+                <a:cs typeface="Roboto"/>
+              </a:rPr>
+              <a:t>Testrunner</a:t>
+            </a:r>
+            <a:r>
+              <a:rPr lang="de-DE" sz="2000" b="0" i="0" u="none" strike="noStrike" cap="none" spc="0">
+                <a:solidFill>
+                  <a:schemeClr val="tx1"/>
+                </a:solidFill>
+                <a:latin typeface="Roboto"/>
+                <a:ea typeface="Roboto"/>
+                <a:cs typeface="Roboto"/>
+              </a:rPr>
+              <a:t> führt Test Suite aus, sorgt für korrekten Ablauf von Setup- und </a:t>
+            </a:r>
+            <a:r>
+              <a:rPr lang="de-DE" sz="2000" b="0" i="0" u="none" strike="noStrike" cap="none" spc="0">
+                <a:solidFill>
+                  <a:schemeClr val="tx1"/>
+                </a:solidFill>
+                <a:latin typeface="Roboto"/>
+                <a:ea typeface="Roboto"/>
+                <a:cs typeface="Roboto"/>
+              </a:rPr>
+              <a:t>Teardown</a:t>
+            </a:r>
+            <a:r>
+              <a:rPr lang="de-DE" sz="2000" b="0" i="0" u="none" strike="noStrike" cap="none" spc="0">
+                <a:solidFill>
+                  <a:schemeClr val="tx1"/>
+                </a:solidFill>
+                <a:latin typeface="Roboto"/>
+                <a:ea typeface="Roboto"/>
+                <a:cs typeface="Roboto"/>
+              </a:rPr>
+              <a:t>-Funktionen und erstellt Testbericht</a:t>
+            </a:r>
+            <a:endParaRPr sz="2000"/>
+          </a:p>
+          <a:p>
+            <a:pPr>
+              <a:defRPr/>
+            </a:pPr>
+            <a:r>
+              <a:rPr lang="de-DE" sz="2000" b="0" i="0" u="none" strike="noStrike" cap="none" spc="0">
+                <a:solidFill>
+                  <a:schemeClr val="tx1"/>
+                </a:solidFill>
+                <a:latin typeface="Roboto"/>
+                <a:ea typeface="Roboto"/>
+                <a:cs typeface="Roboto"/>
+              </a:rPr>
+              <a:t>KPIs werden dynamisch vor Ausführung einer Simulation geladen</a:t>
+            </a:r>
+            <a:endParaRPr sz="2000"/>
+          </a:p>
+        </p:txBody>
+      </p:sp>
     </p:spTree>
   </p:cSld>
   <p:clrMapOvr>

--- a/defense/praktikum_defense.pptx
+++ b/defense/praktikum_defense.pptx
@@ -7718,7 +7718,7 @@
         </p:blipFill>
         <p:spPr bwMode="auto">
           <a:xfrm flipH="0" flipV="0">
-            <a:off x="9160178" y="-794"/>
+            <a:off x="9160178" y="-793"/>
             <a:ext cx="2731782" cy="1506497"/>
           </a:xfrm>
           <a:prstGeom prst="rect">
@@ -8633,7 +8633,7 @@
         <p:spPr bwMode="auto">
           <a:xfrm flipH="0" flipV="0">
             <a:off x="7405463" y="3485482"/>
-            <a:ext cx="3290474" cy="2859753"/>
+            <a:ext cx="3290473" cy="2859753"/>
           </a:xfrm>
           <a:prstGeom prst="rect">
             <a:avLst/>
@@ -8774,7 +8774,7 @@
         </p:nvSpPr>
         <p:spPr bwMode="auto">
           <a:xfrm flipH="0" flipV="0">
-            <a:off x="10284444" y="6040075"/>
+            <a:off x="10284443" y="6040075"/>
             <a:ext cx="412212" cy="305159"/>
           </a:xfrm>
           <a:prstGeom prst="rect">
@@ -9447,7 +9447,7 @@
                       </a:endParaRPr>
                     </a:p>
                     <a:p>
-                      <a:pPr marL="206778" marR="0" lvl="0" indent="-206778" algn="l" defTabSz="863993">
+                      <a:pPr marL="206777" marR="0" lvl="0" indent="-206777" algn="l" defTabSz="863992">
                         <a:lnSpc>
                           <a:spcPct val="100000"/>
                         </a:lnSpc>
@@ -10019,7 +10019,7 @@
         </p:blipFill>
         <p:spPr bwMode="auto">
           <a:xfrm flipH="0" flipV="0">
-            <a:off x="6856387" y="908048"/>
+            <a:off x="6856386" y="908048"/>
             <a:ext cx="5143523" cy="3325812"/>
           </a:xfrm>
           <a:prstGeom prst="rect">
@@ -10259,7 +10259,7 @@
         </p:blipFill>
         <p:spPr bwMode="auto">
           <a:xfrm flipH="0" flipV="0">
-            <a:off x="1029910" y="3854252"/>
+            <a:off x="1029909" y="3854252"/>
             <a:ext cx="5066089" cy="2533044"/>
           </a:xfrm>
           <a:prstGeom prst="rect">
@@ -10281,7 +10281,7 @@
         </p:blipFill>
         <p:spPr bwMode="auto">
           <a:xfrm flipH="0" flipV="0">
-            <a:off x="1029910" y="1321207"/>
+            <a:off x="1029909" y="1321207"/>
             <a:ext cx="5066089" cy="2533044"/>
           </a:xfrm>
           <a:prstGeom prst="rect">
@@ -13556,7 +13556,7 @@
         </p:blipFill>
         <p:spPr bwMode="auto">
           <a:xfrm flipH="0" flipV="0">
-            <a:off x="10087165" y="3042542"/>
+            <a:off x="10087165" y="3042541"/>
             <a:ext cx="1912745" cy="938242"/>
           </a:xfrm>
           <a:prstGeom prst="rect">
@@ -13992,7 +13992,7 @@
         </p:nvSpPr>
         <p:spPr bwMode="auto">
           <a:xfrm flipH="0" flipV="0">
-            <a:off x="2297509" y="4007181"/>
+            <a:off x="2297509" y="4007180"/>
             <a:ext cx="970627" cy="292967"/>
           </a:xfrm>
           <a:prstGeom prst="rect">
@@ -14049,7 +14049,7 @@
         </p:nvSpPr>
         <p:spPr bwMode="auto">
           <a:xfrm rot="0" flipH="0" flipV="0">
-            <a:off x="844014" y="2692391"/>
+            <a:off x="844013" y="2692391"/>
             <a:ext cx="1728191" cy="752190"/>
           </a:xfrm>
           <a:prstGeom prst="rect">
@@ -14444,7 +14444,7 @@
         </p:nvSpPr>
         <p:spPr bwMode="auto">
           <a:xfrm>
-            <a:off x="205767" y="5257501"/>
+            <a:off x="205767" y="5257500"/>
             <a:ext cx="6552727" cy="1071885"/>
           </a:xfrm>
           <a:prstGeom prst="rect">
@@ -17482,7 +17482,7 @@
           </p:nvSpPr>
           <p:spPr bwMode="auto">
             <a:xfrm flipH="0" flipV="0">
-              <a:off x="956255" y="958439"/>
+              <a:off x="956255" y="958438"/>
               <a:ext cx="2738202" cy="686160"/>
             </a:xfrm>
             <a:prstGeom prst="rect">
@@ -17978,24 +17978,14 @@
                 <a:ea typeface="Roboto"/>
                 <a:cs typeface="Roboto"/>
               </a:rPr>
-              <a:t>Prozess </a:t>
-            </a:r>
-            <a:r>
-              <a:rPr lang="de-DE" sz="2000" b="0" i="0" u="none" strike="noStrike" cap="none" spc="0">
-                <a:solidFill>
-                  <a:schemeClr val="tx1"/>
-                </a:solidFill>
-                <a:latin typeface="Roboto"/>
-                <a:ea typeface="Roboto"/>
-                <a:cs typeface="Roboto"/>
-              </a:rPr>
-              <a:t>zum Entwickeln, Testen und verteilen von Software</a:t>
+              <a:t>fortlaufendes Zusammenfügen von Teilkomponenten einer zu einer vollständigen Software</a:t>
             </a:r>
             <a:endParaRPr lang="de-DE" sz="2000" b="0" i="0" u="none" strike="noStrike" cap="none" spc="0">
               <a:solidFill>
                 <a:schemeClr val="tx1"/>
               </a:solidFill>
               <a:latin typeface="Roboto"/>
+              <a:ea typeface="Roboto"/>
               <a:cs typeface="Roboto"/>
             </a:endParaRPr>
           </a:p>

--- a/defense/praktikum_defense.pptx
+++ b/defense/praktikum_defense.pptx
@@ -8648,10 +8648,10 @@
         </p:nvGrpSpPr>
         <p:grpSpPr bwMode="auto">
           <a:xfrm>
-            <a:off x="6466628" y="908048"/>
-            <a:ext cx="5066088" cy="2533043"/>
+            <a:off x="6466627" y="908047"/>
+            <a:ext cx="5066087" cy="2533042"/>
             <a:chOff x="0" y="0"/>
-            <a:chExt cx="5066088" cy="2533043"/>
+            <a:chExt cx="5066087" cy="2533042"/>
           </a:xfrm>
         </p:grpSpPr>
         <p:pic>
@@ -8690,8 +8690,8 @@
           </p:nvSpPr>
           <p:spPr bwMode="auto">
             <a:xfrm flipH="0" flipV="0">
-              <a:off x="671852" y="431035"/>
-              <a:ext cx="2772454" cy="943994"/>
+              <a:off x="671851" y="180523"/>
+              <a:ext cx="2772453" cy="1194505"/>
             </a:xfrm>
             <a:prstGeom prst="rect">
               <a:avLst/>
@@ -8734,7 +8734,7 @@
           </p:nvCxnSpPr>
           <p:spPr bwMode="auto">
             <a:xfrm flipH="0" flipV="0">
-              <a:off x="671852" y="1375030"/>
+              <a:off x="671851" y="1375029"/>
               <a:ext cx="2772454" cy="0"/>
             </a:xfrm>
             <a:prstGeom prst="line">
@@ -10060,6 +10060,34 @@
           <a:chExt cx="0" cy="0"/>
         </a:xfrm>
       </p:grpSpPr>
+      <p:pic>
+        <p:nvPicPr>
+          <p:cNvPr id="285885082" name=""/>
+          <p:cNvPicPr>
+            <a:picLocks noChangeAspect="1"/>
+          </p:cNvPicPr>
+          <p:nvPr/>
+        </p:nvPicPr>
+        <p:blipFill>
+          <a:blip r:embed="rId3">
+            <a:extLst>
+              <a:ext uri="{96DAC541-7B7A-43D3-8B79-37D633B846F1}">
+                <asvg:svgBlip xmlns:asvg="http://schemas.microsoft.com/office/drawing/2016/SVG/main" r:embed="rId4"/>
+              </a:ext>
+            </a:extLst>
+          </a:blip>
+          <a:stretch/>
+        </p:blipFill>
+        <p:spPr bwMode="auto">
+          <a:xfrm rot="0" flipH="0" flipV="0">
+            <a:off x="1029908" y="1321206"/>
+            <a:ext cx="5065199" cy="2534400"/>
+          </a:xfrm>
+          <a:prstGeom prst="rect">
+            <a:avLst/>
+          </a:prstGeom>
+        </p:spPr>
+      </p:pic>
       <p:sp>
         <p:nvSpPr>
           <p:cNvPr id="1730095730" name="Titel 1"/>
@@ -10192,10 +10220,10 @@
           <p:nvPr/>
         </p:nvPicPr>
         <p:blipFill>
-          <a:blip r:embed="rId3">
+          <a:blip r:embed="rId5">
             <a:extLst>
               <a:ext uri="{96DAC541-7B7A-43D3-8B79-37D633B846F1}">
-                <asvg:svgBlip xmlns:asvg="http://schemas.microsoft.com/office/drawing/2016/SVG/main" r:embed="rId4"/>
+                <asvg:svgBlip xmlns:asvg="http://schemas.microsoft.com/office/drawing/2016/SVG/main" r:embed="rId6"/>
               </a:ext>
             </a:extLst>
           </a:blip>
@@ -10220,10 +10248,10 @@
           <p:nvPr/>
         </p:nvPicPr>
         <p:blipFill>
-          <a:blip r:embed="rId5">
+          <a:blip r:embed="rId7">
             <a:extLst>
               <a:ext uri="{96DAC541-7B7A-43D3-8B79-37D633B846F1}">
-                <asvg:svgBlip xmlns:asvg="http://schemas.microsoft.com/office/drawing/2016/SVG/main" r:embed="rId6"/>
+                <asvg:svgBlip xmlns:asvg="http://schemas.microsoft.com/office/drawing/2016/SVG/main" r:embed="rId8"/>
               </a:ext>
             </a:extLst>
           </a:blip>
@@ -10248,10 +10276,10 @@
           <p:nvPr/>
         </p:nvPicPr>
         <p:blipFill>
-          <a:blip r:embed="rId7">
+          <a:blip r:embed="rId9">
             <a:extLst>
               <a:ext uri="{96DAC541-7B7A-43D3-8B79-37D633B846F1}">
-                <asvg:svgBlip xmlns:asvg="http://schemas.microsoft.com/office/drawing/2016/SVG/main" r:embed="rId8"/>
+                <asvg:svgBlip xmlns:asvg="http://schemas.microsoft.com/office/drawing/2016/SVG/main" r:embed="rId10"/>
               </a:ext>
             </a:extLst>
           </a:blip>
@@ -10260,28 +10288,6 @@
         <p:spPr bwMode="auto">
           <a:xfrm flipH="0" flipV="0">
             <a:off x="1029909" y="3854252"/>
-            <a:ext cx="5066089" cy="2533044"/>
-          </a:xfrm>
-          <a:prstGeom prst="rect">
-            <a:avLst/>
-          </a:prstGeom>
-        </p:spPr>
-      </p:pic>
-      <p:pic>
-        <p:nvPicPr>
-          <p:cNvPr id="54152872" name=""/>
-          <p:cNvPicPr>
-            <a:picLocks noChangeAspect="1"/>
-          </p:cNvPicPr>
-          <p:nvPr/>
-        </p:nvPicPr>
-        <p:blipFill>
-          <a:blip r:embed="rId9"/>
-          <a:stretch/>
-        </p:blipFill>
-        <p:spPr bwMode="auto">
-          <a:xfrm flipH="0" flipV="0">
-            <a:off x="1029909" y="1321207"/>
             <a:ext cx="5066089" cy="2533044"/>
           </a:xfrm>
           <a:prstGeom prst="rect">
@@ -15271,7 +15277,7 @@
           <p:nvPr/>
         </p:nvCxnSpPr>
         <p:spPr bwMode="auto">
-          <a:xfrm rot="16199969" flipH="0" flipV="0">
+          <a:xfrm rot="5399978" flipH="0" flipV="0">
             <a:off x="4824777" y="4811507"/>
             <a:ext cx="1743073" cy="0"/>
           </a:xfrm>

--- a/defense/praktikum_defense.pptx
+++ b/defense/praktikum_defense.pptx
@@ -6,7 +6,7 @@
     <p:sldMasterId id="2147483653" r:id="rId2"/>
   </p:sldMasterIdLst>
   <p:notesMasterIdLst>
-    <p:notesMasterId r:id="rId24"/>
+    <p:notesMasterId r:id="rId26"/>
   </p:notesMasterIdLst>
   <p:sldIdLst>
     <p:sldId id="256" r:id="rId6"/>
@@ -27,6 +27,8 @@
     <p:sldId id="271" r:id="rId21"/>
     <p:sldId id="272" r:id="rId22"/>
     <p:sldId id="273" r:id="rId23"/>
+    <p:sldId id="274" r:id="rId24"/>
+    <p:sldId id="275" r:id="rId25"/>
   </p:sldIdLst>
   <p:sldSz cx="12192000" cy="6858000"/>
   <p:notesSz cx="9928225" cy="6797675"/>
@@ -749,7 +751,7 @@
             <a:pPr>
               <a:defRPr/>
             </a:pPr>
-            <a:fld id="{FA21AFF1-263F-099E-C0F4-19C33F214603}" type="slidenum">
+            <a:fld id="{C4E925A2-9E52-AEBE-E921-52321902C863}" type="slidenum">
               <a:rPr/>
               <a:t/>
             </a:fld>
@@ -781,7 +783,7 @@
       </p:grpSpPr>
       <p:sp>
         <p:nvSpPr>
-          <p:cNvPr id="916165767" name="Slide Image Placeholder 1"/>
+          <p:cNvPr id="225283498" name="Slide Image Placeholder 1"/>
           <p:cNvSpPr>
             <a:spLocks noChangeAspect="1" noGrp="1" noRot="1"/>
           </p:cNvSpPr>
@@ -793,7 +795,7 @@
       </p:sp>
       <p:sp>
         <p:nvSpPr>
-          <p:cNvPr id="84185524" name="Notes Placeholder 2"/>
+          <p:cNvPr id="1026074157" name="Notes Placeholder 2"/>
           <p:cNvSpPr>
             <a:spLocks noGrp="1"/>
           </p:cNvSpPr>
@@ -809,28 +811,13 @@
             <a:pPr>
               <a:defRPr/>
             </a:pPr>
-            <a:r>
-              <a:rPr lang="de-DE" sz="1200" b="0" i="0" u="none" strike="noStrike" cap="none" spc="0">
-                <a:solidFill>
-                  <a:schemeClr val="tx1"/>
-                </a:solidFill>
-                <a:latin typeface="Arial"/>
-                <a:ea typeface="Arial"/>
-                <a:cs typeface="Arial"/>
-              </a:rPr>
-              <a:t>ISO 15622:2018</a:t>
-            </a:r>
-            <a:r>
-              <a:rPr/>
-              <a:t>,</a:t>
-            </a:r>
             <a:endParaRPr/>
           </a:p>
         </p:txBody>
       </p:sp>
       <p:sp>
         <p:nvSpPr>
-          <p:cNvPr id="374229615" name="Slide Number Placeholder 3"/>
+          <p:cNvPr id="82572359" name="Slide Number Placeholder 3"/>
           <p:cNvSpPr>
             <a:spLocks noGrp="1"/>
           </p:cNvSpPr>
@@ -846,7 +833,7 @@
             <a:pPr>
               <a:defRPr/>
             </a:pPr>
-            <a:fld id="{FFAED2AC-8F4A-ADD7-AABB-F7BD0F6E72EC}" type="slidenum">
+            <a:fld id="{4BBF673E-B5E7-484D-F848-B4B96F71574F}" type="slidenum">
               <a:rPr/>
               <a:t/>
             </a:fld>
@@ -878,7 +865,7 @@
       </p:grpSpPr>
       <p:sp>
         <p:nvSpPr>
-          <p:cNvPr id="1930053806" name="Slide Image Placeholder 1"/>
+          <p:cNvPr id="2" name="Slide Image Placeholder 1"/>
           <p:cNvSpPr>
             <a:spLocks noChangeAspect="1" noGrp="1" noRot="1"/>
           </p:cNvSpPr>
@@ -890,7 +877,7 @@
       </p:sp>
       <p:sp>
         <p:nvSpPr>
-          <p:cNvPr id="199281799" name="Notes Placeholder 2"/>
+          <p:cNvPr id="3" name="Notes Placeholder 2"/>
           <p:cNvSpPr>
             <a:spLocks noGrp="1"/>
           </p:cNvSpPr>
@@ -912,7 +899,7 @@
       </p:sp>
       <p:sp>
         <p:nvSpPr>
-          <p:cNvPr id="1884298512" name="Slide Number Placeholder 3"/>
+          <p:cNvPr id="4" name="Slide Number Placeholder 3"/>
           <p:cNvSpPr>
             <a:spLocks noGrp="1"/>
           </p:cNvSpPr>
@@ -928,7 +915,7 @@
             <a:pPr>
               <a:defRPr/>
             </a:pPr>
-            <a:fld id="{F7481226-C60A-95AE-E5A4-CE642BDF72EB}" type="slidenum">
+            <a:fld id="{FA21AFF1-263F-099E-C0F4-19C33F214603}" type="slidenum">
               <a:rPr/>
               <a:t/>
             </a:fld>
@@ -960,7 +947,7 @@
       </p:grpSpPr>
       <p:sp>
         <p:nvSpPr>
-          <p:cNvPr id="698509517" name="Slide Image Placeholder 1"/>
+          <p:cNvPr id="916165767" name="Slide Image Placeholder 1"/>
           <p:cNvSpPr>
             <a:spLocks noChangeAspect="1" noGrp="1" noRot="1"/>
           </p:cNvSpPr>
@@ -972,7 +959,7 @@
       </p:sp>
       <p:sp>
         <p:nvSpPr>
-          <p:cNvPr id="1488535993" name="Notes Placeholder 2"/>
+          <p:cNvPr id="84185524" name="Notes Placeholder 2"/>
           <p:cNvSpPr>
             <a:spLocks noGrp="1"/>
           </p:cNvSpPr>
@@ -988,13 +975,28 @@
             <a:pPr>
               <a:defRPr/>
             </a:pPr>
+            <a:r>
+              <a:rPr lang="de-DE" sz="1200" b="0" i="0" u="none" strike="noStrike" cap="none" spc="0">
+                <a:solidFill>
+                  <a:schemeClr val="tx1"/>
+                </a:solidFill>
+                <a:latin typeface="Arial"/>
+                <a:ea typeface="Arial"/>
+                <a:cs typeface="Arial"/>
+              </a:rPr>
+              <a:t>ISO 15622:2018</a:t>
+            </a:r>
+            <a:r>
+              <a:rPr/>
+              <a:t>,</a:t>
+            </a:r>
             <a:endParaRPr/>
           </a:p>
         </p:txBody>
       </p:sp>
       <p:sp>
         <p:nvSpPr>
-          <p:cNvPr id="1526151863" name="Slide Number Placeholder 3"/>
+          <p:cNvPr id="374229615" name="Slide Number Placeholder 3"/>
           <p:cNvSpPr>
             <a:spLocks noGrp="1"/>
           </p:cNvSpPr>
@@ -1010,7 +1012,7 @@
             <a:pPr>
               <a:defRPr/>
             </a:pPr>
-            <a:fld id="{EB025AE8-ED70-482F-01FA-8FC22C58DCDF}" type="slidenum">
+            <a:fld id="{FFAED2AC-8F4A-ADD7-AABB-F7BD0F6E72EC}" type="slidenum">
               <a:rPr/>
               <a:t/>
             </a:fld>
@@ -1042,7 +1044,7 @@
       </p:grpSpPr>
       <p:sp>
         <p:nvSpPr>
-          <p:cNvPr id="2068330830" name="Slide Image Placeholder 1"/>
+          <p:cNvPr id="1930053806" name="Slide Image Placeholder 1"/>
           <p:cNvSpPr>
             <a:spLocks noChangeAspect="1" noGrp="1" noRot="1"/>
           </p:cNvSpPr>
@@ -1054,7 +1056,7 @@
       </p:sp>
       <p:sp>
         <p:nvSpPr>
-          <p:cNvPr id="828760103" name="Notes Placeholder 2"/>
+          <p:cNvPr id="199281799" name="Notes Placeholder 2"/>
           <p:cNvSpPr>
             <a:spLocks noGrp="1"/>
           </p:cNvSpPr>
@@ -1076,7 +1078,7 @@
       </p:sp>
       <p:sp>
         <p:nvSpPr>
-          <p:cNvPr id="1262445792" name="Slide Number Placeholder 3"/>
+          <p:cNvPr id="1884298512" name="Slide Number Placeholder 3"/>
           <p:cNvSpPr>
             <a:spLocks noGrp="1"/>
           </p:cNvSpPr>
@@ -1092,7 +1094,7 @@
             <a:pPr>
               <a:defRPr/>
             </a:pPr>
-            <a:fld id="{46108405-1E7B-F374-B5C1-72651EA0730E}" type="slidenum">
+            <a:fld id="{F7481226-C60A-95AE-E5A4-CE642BDF72EB}" type="slidenum">
               <a:rPr/>
               <a:t/>
             </a:fld>
@@ -1124,7 +1126,7 @@
       </p:grpSpPr>
       <p:sp>
         <p:nvSpPr>
-          <p:cNvPr id="2" name="Slide Image Placeholder 1"/>
+          <p:cNvPr id="698509517" name="Slide Image Placeholder 1"/>
           <p:cNvSpPr>
             <a:spLocks noChangeAspect="1" noGrp="1" noRot="1"/>
           </p:cNvSpPr>
@@ -1136,7 +1138,7 @@
       </p:sp>
       <p:sp>
         <p:nvSpPr>
-          <p:cNvPr id="3" name="Notes Placeholder 2"/>
+          <p:cNvPr id="1488535993" name="Notes Placeholder 2"/>
           <p:cNvSpPr>
             <a:spLocks noGrp="1"/>
           </p:cNvSpPr>
@@ -1158,7 +1160,7 @@
       </p:sp>
       <p:sp>
         <p:nvSpPr>
-          <p:cNvPr id="4" name="Slide Number Placeholder 3"/>
+          <p:cNvPr id="1526151863" name="Slide Number Placeholder 3"/>
           <p:cNvSpPr>
             <a:spLocks noGrp="1"/>
           </p:cNvSpPr>
@@ -1174,7 +1176,7 @@
             <a:pPr>
               <a:defRPr/>
             </a:pPr>
-            <a:fld id="{1D70CDFE-7C19-7B0E-E966-605D7169A76F}" type="slidenum">
+            <a:fld id="{EB025AE8-ED70-482F-01FA-8FC22C58DCDF}" type="slidenum">
               <a:rPr/>
               <a:t/>
             </a:fld>
@@ -1206,7 +1208,7 @@
       </p:grpSpPr>
       <p:sp>
         <p:nvSpPr>
-          <p:cNvPr id="1850952374" name="Slide Image Placeholder 1"/>
+          <p:cNvPr id="2068330830" name="Slide Image Placeholder 1"/>
           <p:cNvSpPr>
             <a:spLocks noChangeAspect="1" noGrp="1" noRot="1"/>
           </p:cNvSpPr>
@@ -1218,7 +1220,7 @@
       </p:sp>
       <p:sp>
         <p:nvSpPr>
-          <p:cNvPr id="950306418" name="Notes Placeholder 2"/>
+          <p:cNvPr id="828760103" name="Notes Placeholder 2"/>
           <p:cNvSpPr>
             <a:spLocks noGrp="1"/>
           </p:cNvSpPr>
@@ -1240,7 +1242,7 @@
       </p:sp>
       <p:sp>
         <p:nvSpPr>
-          <p:cNvPr id="649322359" name="Slide Number Placeholder 3"/>
+          <p:cNvPr id="1262445792" name="Slide Number Placeholder 3"/>
           <p:cNvSpPr>
             <a:spLocks noGrp="1"/>
           </p:cNvSpPr>
@@ -1256,7 +1258,7 @@
             <a:pPr>
               <a:defRPr/>
             </a:pPr>
-            <a:fld id="{EFCBF433-6E25-E55E-E2B6-3667EC2C6980}" type="slidenum">
+            <a:fld id="{46108405-1E7B-F374-B5C1-72651EA0730E}" type="slidenum">
               <a:rPr/>
               <a:t/>
             </a:fld>
@@ -1288,7 +1290,7 @@
       </p:grpSpPr>
       <p:sp>
         <p:nvSpPr>
-          <p:cNvPr id="802519393" name="Slide Image Placeholder 1"/>
+          <p:cNvPr id="2" name="Slide Image Placeholder 1"/>
           <p:cNvSpPr>
             <a:spLocks noChangeAspect="1" noGrp="1" noRot="1"/>
           </p:cNvSpPr>
@@ -1300,7 +1302,7 @@
       </p:sp>
       <p:sp>
         <p:nvSpPr>
-          <p:cNvPr id="1326403731" name="Notes Placeholder 2"/>
+          <p:cNvPr id="3" name="Notes Placeholder 2"/>
           <p:cNvSpPr>
             <a:spLocks noGrp="1"/>
           </p:cNvSpPr>
@@ -1322,7 +1324,7 @@
       </p:sp>
       <p:sp>
         <p:nvSpPr>
-          <p:cNvPr id="567066901" name="Slide Number Placeholder 3"/>
+          <p:cNvPr id="4" name="Slide Number Placeholder 3"/>
           <p:cNvSpPr>
             <a:spLocks noGrp="1"/>
           </p:cNvSpPr>
@@ -1338,7 +1340,7 @@
             <a:pPr>
               <a:defRPr/>
             </a:pPr>
-            <a:fld id="{992ADF3F-F3DA-6C8D-C5D8-F6582EDAFFC7}" type="slidenum">
+            <a:fld id="{1D70CDFE-7C19-7B0E-E966-605D7169A76F}" type="slidenum">
               <a:rPr/>
               <a:t/>
             </a:fld>
@@ -1370,7 +1372,7 @@
       </p:grpSpPr>
       <p:sp>
         <p:nvSpPr>
-          <p:cNvPr id="96645539" name="Slide Image Placeholder 1"/>
+          <p:cNvPr id="1850952374" name="Slide Image Placeholder 1"/>
           <p:cNvSpPr>
             <a:spLocks noChangeAspect="1" noGrp="1" noRot="1"/>
           </p:cNvSpPr>
@@ -1382,7 +1384,7 @@
       </p:sp>
       <p:sp>
         <p:nvSpPr>
-          <p:cNvPr id="780814992" name="Notes Placeholder 2"/>
+          <p:cNvPr id="950306418" name="Notes Placeholder 2"/>
           <p:cNvSpPr>
             <a:spLocks noGrp="1"/>
           </p:cNvSpPr>
@@ -1404,7 +1406,7 @@
       </p:sp>
       <p:sp>
         <p:nvSpPr>
-          <p:cNvPr id="1281797639" name="Slide Number Placeholder 3"/>
+          <p:cNvPr id="649322359" name="Slide Number Placeholder 3"/>
           <p:cNvSpPr>
             <a:spLocks noGrp="1"/>
           </p:cNvSpPr>
@@ -1420,7 +1422,89 @@
             <a:pPr>
               <a:defRPr/>
             </a:pPr>
-            <a:fld id="{DBC2AC3A-06F9-342E-6DC6-7196551B8C6D}" type="slidenum">
+            <a:fld id="{EFCBF433-6E25-E55E-E2B6-3667EC2C6980}" type="slidenum">
+              <a:rPr/>
+              <a:t/>
+            </a:fld>
+            <a:endParaRPr/>
+          </a:p>
+        </p:txBody>
+      </p:sp>
+    </p:spTree>
+  </p:cSld>
+</p:notes>
+</file>
+
+<file path=ppt/notesSlides/notesSlide19.xml><?xml version="1.0" encoding="utf-8"?>
+<p:notes xmlns:a="http://schemas.openxmlformats.org/drawingml/2006/main" xmlns:r="http://schemas.openxmlformats.org/officeDocument/2006/relationships" xmlns:p="http://schemas.openxmlformats.org/presentationml/2006/main" xmlns:m="http://schemas.openxmlformats.org/officeDocument/2006/math" xmlns:w="http://schemas.openxmlformats.org/wordprocessingml/2006/main">
+  <p:cSld name="">
+    <p:spTree>
+      <p:nvGrpSpPr>
+        <p:cNvPr id="1" name=""/>
+        <p:cNvGrpSpPr/>
+        <p:nvPr/>
+      </p:nvGrpSpPr>
+      <p:grpSpPr bwMode="auto">
+        <a:xfrm>
+          <a:off x="0" y="0"/>
+          <a:ext cx="0" cy="0"/>
+          <a:chOff x="0" y="0"/>
+          <a:chExt cx="0" cy="0"/>
+        </a:xfrm>
+      </p:grpSpPr>
+      <p:sp>
+        <p:nvSpPr>
+          <p:cNvPr id="802519393" name="Slide Image Placeholder 1"/>
+          <p:cNvSpPr>
+            <a:spLocks noChangeAspect="1" noGrp="1" noRot="1"/>
+          </p:cNvSpPr>
+          <p:nvPr>
+            <p:ph type="sldImg"/>
+          </p:nvPr>
+        </p:nvSpPr>
+        <p:spPr bwMode="auto"/>
+      </p:sp>
+      <p:sp>
+        <p:nvSpPr>
+          <p:cNvPr id="1326403731" name="Notes Placeholder 2"/>
+          <p:cNvSpPr>
+            <a:spLocks noGrp="1"/>
+          </p:cNvSpPr>
+          <p:nvPr>
+            <p:ph type="body" idx="1"/>
+          </p:nvPr>
+        </p:nvSpPr>
+        <p:spPr bwMode="auto"/>
+        <p:txBody>
+          <a:bodyPr/>
+          <a:lstStyle/>
+          <a:p>
+            <a:pPr>
+              <a:defRPr/>
+            </a:pPr>
+            <a:endParaRPr/>
+          </a:p>
+        </p:txBody>
+      </p:sp>
+      <p:sp>
+        <p:nvSpPr>
+          <p:cNvPr id="567066901" name="Slide Number Placeholder 3"/>
+          <p:cNvSpPr>
+            <a:spLocks noGrp="1"/>
+          </p:cNvSpPr>
+          <p:nvPr>
+            <p:ph type="sldNum" sz="quarter" idx="10"/>
+          </p:nvPr>
+        </p:nvSpPr>
+        <p:spPr bwMode="auto"/>
+        <p:txBody>
+          <a:bodyPr/>
+          <a:lstStyle/>
+          <a:p>
+            <a:pPr>
+              <a:defRPr/>
+            </a:pPr>
+            <a:fld id="{992ADF3F-F3DA-6C8D-C5D8-F6582EDAFFC7}" type="slidenum">
               <a:rPr/>
               <a:t/>
             </a:fld>
@@ -1515,6 +1599,88 @@
 </p:notes>
 </file>
 
+<file path=ppt/notesSlides/notesSlide20.xml><?xml version="1.0" encoding="utf-8"?>
+<p:notes xmlns:a="http://schemas.openxmlformats.org/drawingml/2006/main" xmlns:r="http://schemas.openxmlformats.org/officeDocument/2006/relationships" xmlns:p="http://schemas.openxmlformats.org/presentationml/2006/main" xmlns:m="http://schemas.openxmlformats.org/officeDocument/2006/math" xmlns:w="http://schemas.openxmlformats.org/wordprocessingml/2006/main">
+  <p:cSld name="">
+    <p:spTree>
+      <p:nvGrpSpPr>
+        <p:cNvPr id="1" name=""/>
+        <p:cNvGrpSpPr/>
+        <p:nvPr/>
+      </p:nvGrpSpPr>
+      <p:grpSpPr bwMode="auto">
+        <a:xfrm>
+          <a:off x="0" y="0"/>
+          <a:ext cx="0" cy="0"/>
+          <a:chOff x="0" y="0"/>
+          <a:chExt cx="0" cy="0"/>
+        </a:xfrm>
+      </p:grpSpPr>
+      <p:sp>
+        <p:nvSpPr>
+          <p:cNvPr id="96645539" name="Slide Image Placeholder 1"/>
+          <p:cNvSpPr>
+            <a:spLocks noChangeAspect="1" noGrp="1" noRot="1"/>
+          </p:cNvSpPr>
+          <p:nvPr>
+            <p:ph type="sldImg"/>
+          </p:nvPr>
+        </p:nvSpPr>
+        <p:spPr bwMode="auto"/>
+      </p:sp>
+      <p:sp>
+        <p:nvSpPr>
+          <p:cNvPr id="780814992" name="Notes Placeholder 2"/>
+          <p:cNvSpPr>
+            <a:spLocks noGrp="1"/>
+          </p:cNvSpPr>
+          <p:nvPr>
+            <p:ph type="body" idx="1"/>
+          </p:nvPr>
+        </p:nvSpPr>
+        <p:spPr bwMode="auto"/>
+        <p:txBody>
+          <a:bodyPr/>
+          <a:lstStyle/>
+          <a:p>
+            <a:pPr>
+              <a:defRPr/>
+            </a:pPr>
+            <a:endParaRPr/>
+          </a:p>
+        </p:txBody>
+      </p:sp>
+      <p:sp>
+        <p:nvSpPr>
+          <p:cNvPr id="1281797639" name="Slide Number Placeholder 3"/>
+          <p:cNvSpPr>
+            <a:spLocks noGrp="1"/>
+          </p:cNvSpPr>
+          <p:nvPr>
+            <p:ph type="sldNum" sz="quarter" idx="10"/>
+          </p:nvPr>
+        </p:nvSpPr>
+        <p:spPr bwMode="auto"/>
+        <p:txBody>
+          <a:bodyPr/>
+          <a:lstStyle/>
+          <a:p>
+            <a:pPr>
+              <a:defRPr/>
+            </a:pPr>
+            <a:fld id="{DBC2AC3A-06F9-342E-6DC6-7196551B8C6D}" type="slidenum">
+              <a:rPr/>
+              <a:t/>
+            </a:fld>
+            <a:endParaRPr/>
+          </a:p>
+        </p:txBody>
+      </p:sp>
+    </p:spTree>
+  </p:cSld>
+</p:notes>
+</file>
+
 <file path=ppt/notesSlides/notesSlide3.xml><?xml version="1.0" encoding="utf-8"?>
 <p:notes xmlns:a="http://schemas.openxmlformats.org/drawingml/2006/main" xmlns:r="http://schemas.openxmlformats.org/officeDocument/2006/relationships" xmlns:p="http://schemas.openxmlformats.org/presentationml/2006/main" xmlns:m="http://schemas.openxmlformats.org/officeDocument/2006/math" xmlns:w="http://schemas.openxmlformats.org/wordprocessingml/2006/main">
   <p:cSld name="">
@@ -1868,7 +2034,7 @@
       </p:grpSpPr>
       <p:sp>
         <p:nvSpPr>
-          <p:cNvPr id="2" name="Slide Image Placeholder 1"/>
+          <p:cNvPr id="1828587333" name="Slide Image Placeholder 1"/>
           <p:cNvSpPr>
             <a:spLocks noChangeAspect="1" noGrp="1" noRot="1"/>
           </p:cNvSpPr>
@@ -1880,7 +2046,7 @@
       </p:sp>
       <p:sp>
         <p:nvSpPr>
-          <p:cNvPr id="3" name="Notes Placeholder 2"/>
+          <p:cNvPr id="2011516466" name="Notes Placeholder 2"/>
           <p:cNvSpPr>
             <a:spLocks noGrp="1"/>
           </p:cNvSpPr>
@@ -1902,7 +2068,7 @@
       </p:sp>
       <p:sp>
         <p:nvSpPr>
-          <p:cNvPr id="4" name="Slide Number Placeholder 3"/>
+          <p:cNvPr id="1327561707" name="Slide Number Placeholder 3"/>
           <p:cNvSpPr>
             <a:spLocks noGrp="1"/>
           </p:cNvSpPr>
@@ -1918,7 +2084,7 @@
             <a:pPr>
               <a:defRPr/>
             </a:pPr>
-            <a:fld id="{1D7A7099-FD49-E3A8-5103-5F8A71D1D06F}" type="slidenum">
+            <a:fld id="{8D42233D-B5CD-0219-50B5-ED05A5BA5412}" type="slidenum">
               <a:rPr/>
               <a:t/>
             </a:fld>
@@ -1950,7 +2116,7 @@
       </p:grpSpPr>
       <p:sp>
         <p:nvSpPr>
-          <p:cNvPr id="2" name="Slide Image Placeholder 1"/>
+          <p:cNvPr id="1552748499" name="Slide Image Placeholder 1"/>
           <p:cNvSpPr>
             <a:spLocks noChangeAspect="1" noGrp="1" noRot="1"/>
           </p:cNvSpPr>
@@ -1962,7 +2128,7 @@
       </p:sp>
       <p:sp>
         <p:nvSpPr>
-          <p:cNvPr id="3" name="Notes Placeholder 2"/>
+          <p:cNvPr id="1424953967" name="Notes Placeholder 2"/>
           <p:cNvSpPr>
             <a:spLocks noGrp="1"/>
           </p:cNvSpPr>
@@ -1984,7 +2150,7 @@
       </p:sp>
       <p:sp>
         <p:nvSpPr>
-          <p:cNvPr id="4" name="Slide Number Placeholder 3"/>
+          <p:cNvPr id="919835257" name="Slide Number Placeholder 3"/>
           <p:cNvSpPr>
             <a:spLocks noGrp="1"/>
           </p:cNvSpPr>
@@ -2000,7 +2166,7 @@
             <a:pPr>
               <a:defRPr/>
             </a:pPr>
-            <a:fld id="{C4E925A2-9E52-AEBE-E921-52321902C863}" type="slidenum">
+            <a:fld id="{1E4CE030-7675-C46B-E893-FE646C549F70}" type="slidenum">
               <a:rPr/>
               <a:t/>
             </a:fld>
@@ -2032,7 +2198,7 @@
       </p:grpSpPr>
       <p:sp>
         <p:nvSpPr>
-          <p:cNvPr id="225283498" name="Slide Image Placeholder 1"/>
+          <p:cNvPr id="2" name="Slide Image Placeholder 1"/>
           <p:cNvSpPr>
             <a:spLocks noChangeAspect="1" noGrp="1" noRot="1"/>
           </p:cNvSpPr>
@@ -2044,7 +2210,7 @@
       </p:sp>
       <p:sp>
         <p:nvSpPr>
-          <p:cNvPr id="1026074157" name="Notes Placeholder 2"/>
+          <p:cNvPr id="3" name="Notes Placeholder 2"/>
           <p:cNvSpPr>
             <a:spLocks noGrp="1"/>
           </p:cNvSpPr>
@@ -2066,7 +2232,7 @@
       </p:sp>
       <p:sp>
         <p:nvSpPr>
-          <p:cNvPr id="82572359" name="Slide Number Placeholder 3"/>
+          <p:cNvPr id="4" name="Slide Number Placeholder 3"/>
           <p:cNvSpPr>
             <a:spLocks noGrp="1"/>
           </p:cNvSpPr>
@@ -2082,7 +2248,7 @@
             <a:pPr>
               <a:defRPr/>
             </a:pPr>
-            <a:fld id="{4BBF673E-B5E7-484D-F848-B4B96F71574F}" type="slidenum">
+            <a:fld id="{1D7A7099-FD49-E3A8-5103-5F8A71D1D06F}" type="slidenum">
               <a:rPr/>
               <a:t/>
             </a:fld>
@@ -7761,6 +7927,688 @@
       </p:grpSpPr>
       <p:sp>
         <p:nvSpPr>
+          <p:cNvPr id="1444673812" name="Titel 3"/>
+          <p:cNvSpPr>
+            <a:spLocks noGrp="1"/>
+          </p:cNvSpPr>
+          <p:nvPr>
+            <p:ph type="title" hasCustomPrompt="1"/>
+          </p:nvPr>
+        </p:nvSpPr>
+        <p:spPr bwMode="auto">
+          <a:xfrm>
+            <a:off x="1343025" y="152399"/>
+            <a:ext cx="10656887" cy="468313"/>
+          </a:xfrm>
+          <a:prstGeom prst="rect">
+            <a:avLst/>
+          </a:prstGeom>
+        </p:spPr>
+        <p:txBody>
+          <a:bodyPr vertOverflow="overflow" horzOverflow="overflow" vert="horz" wrap="square" lIns="0" tIns="0" rIns="0" bIns="0" numCol="1" spcCol="0" rtlCol="0" fromWordArt="0" anchor="t" anchorCtr="0" forceAA="0" upright="0" compatLnSpc="0">
+            <a:normAutofit/>
+          </a:bodyPr>
+          <a:lstStyle>
+            <a:lvl1pPr>
+              <a:defRPr sz="2800"/>
+            </a:lvl1pPr>
+          </a:lstStyle>
+          <a:p>
+            <a:pPr>
+              <a:defRPr/>
+            </a:pPr>
+            <a:r>
+              <a:rPr lang="de-DE" sz="2800" b="1" i="0" u="none" strike="noStrike" cap="none" spc="0">
+                <a:solidFill>
+                  <a:schemeClr val="bg1"/>
+                </a:solidFill>
+                <a:latin typeface="Roboto"/>
+                <a:ea typeface="Roboto"/>
+                <a:cs typeface="Arial"/>
+              </a:rPr>
+              <a:t>Systemüberblick</a:t>
+            </a:r>
+            <a:endParaRPr sz="2800"/>
+          </a:p>
+        </p:txBody>
+      </p:sp>
+      <p:sp>
+        <p:nvSpPr>
+          <p:cNvPr id="1174398052" name="Textplatzhalter 7"/>
+          <p:cNvSpPr>
+            <a:spLocks noGrp="1"/>
+          </p:cNvSpPr>
+          <p:nvPr>
+            <p:ph type="body" sz="quarter" idx="13" hasCustomPrompt="1"/>
+          </p:nvPr>
+        </p:nvSpPr>
+        <p:spPr bwMode="auto">
+          <a:xfrm>
+            <a:off x="192087" y="908049"/>
+            <a:ext cx="11807824" cy="928369"/>
+          </a:xfrm>
+          <a:prstGeom prst="rect">
+            <a:avLst/>
+          </a:prstGeom>
+        </p:spPr>
+        <p:txBody>
+          <a:bodyPr lIns="0" tIns="0" rIns="0" bIns="0">
+            <a:normAutofit/>
+          </a:bodyPr>
+          <a:lstStyle>
+            <a:lvl1pPr marL="0" indent="0">
+              <a:buFont typeface="Arial"/>
+              <a:buNone/>
+              <a:defRPr sz="2400" b="1">
+                <a:solidFill>
+                  <a:schemeClr val="tx1"/>
+                </a:solidFill>
+                <a:latin typeface="Roboto"/>
+                <a:ea typeface="Roboto"/>
+              </a:defRPr>
+            </a:lvl1pPr>
+            <a:lvl2pPr>
+              <a:defRPr sz="2400">
+                <a:latin typeface="Roboto"/>
+                <a:ea typeface="Roboto"/>
+              </a:defRPr>
+            </a:lvl2pPr>
+            <a:lvl3pPr>
+              <a:defRPr sz="2000">
+                <a:latin typeface="Roboto"/>
+                <a:ea typeface="Roboto"/>
+              </a:defRPr>
+            </a:lvl3pPr>
+            <a:lvl4pPr>
+              <a:defRPr sz="2000">
+                <a:latin typeface="Roboto"/>
+                <a:ea typeface="Roboto"/>
+              </a:defRPr>
+            </a:lvl4pPr>
+            <a:lvl5pPr>
+              <a:defRPr sz="2000">
+                <a:latin typeface="Roboto"/>
+                <a:ea typeface="Roboto"/>
+              </a:defRPr>
+            </a:lvl5pPr>
+          </a:lstStyle>
+          <a:p>
+            <a:pPr>
+              <a:defRPr/>
+            </a:pPr>
+            <a:r>
+              <a:rPr lang="de-DE" sz="2400" b="1" i="0" u="none" strike="noStrike" cap="none" spc="0">
+                <a:solidFill>
+                  <a:schemeClr val="tx1"/>
+                </a:solidFill>
+                <a:latin typeface="Roboto"/>
+                <a:ea typeface="Roboto"/>
+                <a:cs typeface="Roboto"/>
+              </a:rPr>
+              <a:t>Softwareentwicklungsprozess</a:t>
+            </a:r>
+            <a:endParaRPr/>
+          </a:p>
+        </p:txBody>
+      </p:sp>
+      <p:sp>
+        <p:nvSpPr>
+          <p:cNvPr id="1561859396" name="Textplatzhalter 7"/>
+          <p:cNvSpPr>
+            <a:spLocks noGrp="1"/>
+          </p:cNvSpPr>
+          <p:nvPr>
+            <p:ph type="body" sz="quarter" idx="11" hasCustomPrompt="1"/>
+          </p:nvPr>
+        </p:nvSpPr>
+        <p:spPr bwMode="auto">
+          <a:xfrm flipH="0" flipV="0">
+            <a:off x="492425" y="3867115"/>
+            <a:ext cx="11807824" cy="2268357"/>
+          </a:xfrm>
+          <a:prstGeom prst="rect">
+            <a:avLst/>
+          </a:prstGeom>
+        </p:spPr>
+        <p:txBody>
+          <a:bodyPr>
+            <a:normAutofit/>
+          </a:bodyPr>
+          <a:lstStyle>
+            <a:lvl1pPr>
+              <a:defRPr sz="2000">
+                <a:latin typeface="Roboto"/>
+                <a:ea typeface="Roboto"/>
+              </a:defRPr>
+            </a:lvl1pPr>
+            <a:lvl2pPr>
+              <a:defRPr sz="2000">
+                <a:latin typeface="Roboto"/>
+                <a:ea typeface="Roboto"/>
+              </a:defRPr>
+            </a:lvl2pPr>
+            <a:lvl3pPr>
+              <a:defRPr sz="2000">
+                <a:latin typeface="Roboto"/>
+                <a:ea typeface="Roboto"/>
+              </a:defRPr>
+            </a:lvl3pPr>
+            <a:lvl4pPr>
+              <a:defRPr sz="2000">
+                <a:latin typeface="Roboto"/>
+                <a:ea typeface="Roboto"/>
+              </a:defRPr>
+            </a:lvl4pPr>
+            <a:lvl5pPr>
+              <a:defRPr sz="2000">
+                <a:latin typeface="Roboto"/>
+                <a:ea typeface="Roboto"/>
+              </a:defRPr>
+            </a:lvl5pPr>
+          </a:lstStyle>
+          <a:p>
+            <a:pPr marL="0" indent="0">
+              <a:buFont typeface="Arial"/>
+              <a:buNone/>
+              <a:defRPr/>
+            </a:pPr>
+            <a:endParaRPr/>
+          </a:p>
+          <a:p>
+            <a:pPr>
+              <a:defRPr/>
+            </a:pPr>
+            <a:r>
+              <a:rPr/>
+              <a:t>Unit-Test: kleinster Baustein im Testprozess, deckt üblicherweise eine einzelne Funktion/Klasse ab</a:t>
+            </a:r>
+            <a:endParaRPr/>
+          </a:p>
+          <a:p>
+            <a:pPr>
+              <a:defRPr/>
+            </a:pPr>
+            <a:r>
+              <a:rPr/>
+              <a:t>Pipeline: fasst alle notwendigen Testschritte zusammen</a:t>
+            </a:r>
+            <a:endParaRPr/>
+          </a:p>
+          <a:p>
+            <a:pPr>
+              <a:defRPr/>
+            </a:pPr>
+            <a:r>
+              <a:rPr/>
+              <a:t>Continuous Integration: </a:t>
+            </a:r>
+            <a:r>
+              <a:rPr lang="de-DE" sz="2000" b="0" i="0" u="none" strike="noStrike" cap="none" spc="0">
+                <a:solidFill>
+                  <a:schemeClr val="tx1"/>
+                </a:solidFill>
+                <a:latin typeface="Roboto"/>
+                <a:ea typeface="Roboto"/>
+                <a:cs typeface="Roboto"/>
+              </a:rPr>
+              <a:t>fortlaufendes Zusammenfügen von Teilkomponenten einer zu einer vollständigen Software</a:t>
+            </a:r>
+            <a:endParaRPr lang="de-DE" sz="2000" b="0" i="0" u="none" strike="noStrike" cap="none" spc="0">
+              <a:solidFill>
+                <a:schemeClr val="tx1"/>
+              </a:solidFill>
+              <a:latin typeface="Roboto"/>
+              <a:ea typeface="Roboto"/>
+              <a:cs typeface="Roboto"/>
+            </a:endParaRPr>
+          </a:p>
+        </p:txBody>
+      </p:sp>
+      <p:pic>
+        <p:nvPicPr>
+          <p:cNvPr id="818108302" name=""/>
+          <p:cNvPicPr>
+            <a:picLocks noChangeAspect="1"/>
+          </p:cNvPicPr>
+          <p:nvPr/>
+        </p:nvPicPr>
+        <p:blipFill>
+          <a:blip r:embed="rId3"/>
+          <a:stretch/>
+        </p:blipFill>
+        <p:spPr bwMode="auto">
+          <a:xfrm flipH="0" flipV="0">
+            <a:off x="883851" y="1716284"/>
+            <a:ext cx="9663175" cy="1825006"/>
+          </a:xfrm>
+          <a:prstGeom prst="rect">
+            <a:avLst/>
+          </a:prstGeom>
+        </p:spPr>
+      </p:pic>
+      <p:sp>
+        <p:nvSpPr>
+          <p:cNvPr id="1406455942" name=""/>
+          <p:cNvSpPr txBox="1"/>
+          <p:nvPr/>
+        </p:nvSpPr>
+        <p:spPr bwMode="auto">
+          <a:xfrm flipH="0" flipV="0">
+            <a:off x="10059274" y="3561954"/>
+            <a:ext cx="411852" cy="305159"/>
+          </a:xfrm>
+          <a:prstGeom prst="rect">
+            <a:avLst/>
+          </a:prstGeom>
+          <a:noFill/>
+        </p:spPr>
+        <p:txBody>
+          <a:bodyPr vertOverflow="overflow" horzOverflow="overflow" vert="horz" wrap="square" lIns="91440" tIns="45720" rIns="91440" bIns="45720" numCol="1" spcCol="0" rtlCol="0" fromWordArt="0" anchor="t" anchorCtr="0" forceAA="0" upright="0" compatLnSpc="0">
+            <a:spAutoFit/>
+          </a:bodyPr>
+          <a:p>
+            <a:pPr>
+              <a:defRPr/>
+            </a:pPr>
+            <a:r>
+              <a:rPr sz="1400">
+                <a:solidFill>
+                  <a:schemeClr val="bg2">
+                    <a:lumMod val="50000"/>
+                  </a:schemeClr>
+                </a:solidFill>
+              </a:rPr>
+              <a:t>[4]</a:t>
+            </a:r>
+            <a:endParaRPr sz="1400">
+              <a:solidFill>
+                <a:schemeClr val="bg2">
+                  <a:lumMod val="50000"/>
+                </a:schemeClr>
+              </a:solidFill>
+            </a:endParaRPr>
+          </a:p>
+        </p:txBody>
+      </p:sp>
+    </p:spTree>
+  </p:cSld>
+  <p:clrMapOvr>
+    <a:masterClrMapping/>
+  </p:clrMapOvr>
+  <mc:AlternateContent xmlns:mc="http://schemas.openxmlformats.org/markup-compatibility/2006">
+    <mc:Choice xmlns:p159="http://schemas.microsoft.com/office/powerpoint/2015/09/main" xmlns:p14="http://schemas.microsoft.com/office/powerpoint/2010/main" Requires="p159">
+      <p:transition p14:dur="2000" advClick="1"/>
+    </mc:Choice>
+    <mc:Fallback>
+      <p:transition advClick="1"/>
+    </mc:Fallback>
+  </mc:AlternateContent>
+</p:sld>
+</file>
+
+<file path=ppt/slides/slide11.xml><?xml version="1.0" encoding="utf-8"?>
+<p:sld xmlns:a="http://schemas.openxmlformats.org/drawingml/2006/main" xmlns:r="http://schemas.openxmlformats.org/officeDocument/2006/relationships" xmlns:p="http://schemas.openxmlformats.org/presentationml/2006/main" xmlns:m="http://schemas.openxmlformats.org/officeDocument/2006/math" xmlns:w="http://schemas.openxmlformats.org/wordprocessingml/2006/main" xmlns:mc="http://schemas.openxmlformats.org/markup-compatibility/2006" showMasterPhAnim="0" showMasterSp="1" show="1">
+  <p:cSld name="">
+    <p:spTree>
+      <p:nvGrpSpPr>
+        <p:cNvPr id="1" name=""/>
+        <p:cNvGrpSpPr/>
+        <p:nvPr/>
+      </p:nvGrpSpPr>
+      <p:grpSpPr bwMode="auto">
+        <a:xfrm>
+          <a:off x="0" y="0"/>
+          <a:ext cx="0" cy="0"/>
+          <a:chOff x="0" y="0"/>
+          <a:chExt cx="0" cy="0"/>
+        </a:xfrm>
+      </p:grpSpPr>
+      <p:sp>
+        <p:nvSpPr>
+          <p:cNvPr id="1608485032" name="Titel 1"/>
+          <p:cNvSpPr>
+            <a:spLocks noGrp="1"/>
+          </p:cNvSpPr>
+          <p:nvPr>
+            <p:ph type="title"/>
+          </p:nvPr>
+        </p:nvSpPr>
+        <p:spPr bwMode="auto"/>
+        <p:txBody>
+          <a:bodyPr/>
+          <a:lstStyle/>
+          <a:p>
+            <a:pPr>
+              <a:defRPr/>
+            </a:pPr>
+            <a:r>
+              <a:rPr lang="de-DE" sz="2800" b="1" i="0" u="none" strike="noStrike" cap="none" spc="0">
+                <a:solidFill>
+                  <a:schemeClr val="bg1"/>
+                </a:solidFill>
+                <a:latin typeface="Roboto"/>
+                <a:ea typeface="Roboto"/>
+                <a:cs typeface="Roboto"/>
+              </a:rPr>
+              <a:t>Implementierung</a:t>
+            </a:r>
+            <a:endParaRPr/>
+          </a:p>
+        </p:txBody>
+      </p:sp>
+      <p:pic>
+        <p:nvPicPr>
+          <p:cNvPr id="1611135471" name="Grafik 9"/>
+          <p:cNvPicPr>
+            <a:picLocks noChangeAspect="1"/>
+          </p:cNvPicPr>
+          <p:nvPr/>
+        </p:nvPicPr>
+        <p:blipFill>
+          <a:blip r:embed="rId3">
+            <a:extLst>
+              <a:ext uri="{96DAC541-7B7A-43D3-8B79-37D633B846F1}">
+                <asvg:svgBlip xmlns:asvg="http://schemas.microsoft.com/office/drawing/2016/SVG/main" r:embed="rId4"/>
+              </a:ext>
+            </a:extLst>
+          </a:blip>
+          <a:stretch/>
+        </p:blipFill>
+        <p:spPr bwMode="auto">
+          <a:xfrm flipH="0" flipV="0">
+            <a:off x="5813140" y="2185647"/>
+            <a:ext cx="6186769" cy="4159588"/>
+          </a:xfrm>
+          <a:prstGeom prst="rect">
+            <a:avLst/>
+          </a:prstGeom>
+        </p:spPr>
+      </p:pic>
+      <p:sp>
+        <p:nvSpPr>
+          <p:cNvPr id="43565046" name="Textplatzhalter 7"/>
+          <p:cNvSpPr>
+            <a:spLocks noGrp="1"/>
+          </p:cNvSpPr>
+          <p:nvPr>
+            <p:ph type="body" sz="quarter" idx="13" hasCustomPrompt="1"/>
+          </p:nvPr>
+        </p:nvSpPr>
+        <p:spPr bwMode="auto">
+          <a:prstGeom prst="rect">
+            <a:avLst/>
+          </a:prstGeom>
+        </p:spPr>
+        <p:txBody>
+          <a:bodyPr lIns="0" tIns="0" rIns="0" bIns="0">
+            <a:normAutofit/>
+          </a:bodyPr>
+          <a:lstStyle>
+            <a:lvl1pPr marL="0" indent="0">
+              <a:buFont typeface="Arial"/>
+              <a:buNone/>
+              <a:defRPr sz="2400" b="1">
+                <a:solidFill>
+                  <a:schemeClr val="tx1"/>
+                </a:solidFill>
+                <a:latin typeface="Roboto"/>
+                <a:ea typeface="Roboto"/>
+              </a:defRPr>
+            </a:lvl1pPr>
+            <a:lvl2pPr>
+              <a:defRPr sz="2400">
+                <a:latin typeface="Roboto"/>
+                <a:ea typeface="Roboto"/>
+              </a:defRPr>
+            </a:lvl2pPr>
+            <a:lvl3pPr>
+              <a:defRPr sz="2000">
+                <a:latin typeface="Roboto"/>
+                <a:ea typeface="Roboto"/>
+              </a:defRPr>
+            </a:lvl3pPr>
+            <a:lvl4pPr>
+              <a:defRPr sz="2000">
+                <a:latin typeface="Roboto"/>
+                <a:ea typeface="Roboto"/>
+              </a:defRPr>
+            </a:lvl4pPr>
+            <a:lvl5pPr>
+              <a:defRPr sz="2000">
+                <a:latin typeface="Roboto"/>
+                <a:ea typeface="Roboto"/>
+              </a:defRPr>
+            </a:lvl5pPr>
+          </a:lstStyle>
+          <a:p>
+            <a:pPr>
+              <a:defRPr/>
+            </a:pPr>
+            <a:r>
+              <a:rPr lang="de-DE" sz="2400" b="1" i="0" u="none" strike="noStrike" cap="none" spc="0">
+                <a:solidFill>
+                  <a:schemeClr val="tx1"/>
+                </a:solidFill>
+                <a:latin typeface="Roboto"/>
+                <a:ea typeface="Roboto"/>
+                <a:cs typeface="Roboto"/>
+              </a:rPr>
+              <a:t>Ablauf eines Testskriptes</a:t>
+            </a:r>
+            <a:endParaRPr/>
+          </a:p>
+        </p:txBody>
+      </p:sp>
+      <p:sp>
+        <p:nvSpPr>
+          <p:cNvPr id="1440222583" name="Textplatzhalter 7"/>
+          <p:cNvSpPr>
+            <a:spLocks noGrp="1"/>
+          </p:cNvSpPr>
+          <p:nvPr>
+            <p:ph type="body" sz="quarter" idx="11"/>
+          </p:nvPr>
+        </p:nvSpPr>
+        <p:spPr bwMode="auto">
+          <a:xfrm>
+            <a:off x="192087" y="2060573"/>
+            <a:ext cx="5795961" cy="4284661"/>
+          </a:xfrm>
+          <a:prstGeom prst="rect">
+            <a:avLst/>
+          </a:prstGeom>
+        </p:spPr>
+        <p:txBody>
+          <a:bodyPr>
+            <a:normAutofit/>
+          </a:bodyPr>
+          <a:lstStyle>
+            <a:lvl1pPr>
+              <a:defRPr sz="2800">
+                <a:latin typeface="Roboto"/>
+                <a:ea typeface="Roboto"/>
+              </a:defRPr>
+            </a:lvl1pPr>
+            <a:lvl2pPr>
+              <a:defRPr sz="2400">
+                <a:latin typeface="Roboto"/>
+                <a:ea typeface="Roboto"/>
+              </a:defRPr>
+            </a:lvl2pPr>
+            <a:lvl3pPr>
+              <a:defRPr sz="2000">
+                <a:latin typeface="Roboto"/>
+                <a:ea typeface="Roboto"/>
+              </a:defRPr>
+            </a:lvl3pPr>
+            <a:lvl4pPr>
+              <a:defRPr sz="2000">
+                <a:latin typeface="Roboto"/>
+                <a:ea typeface="Roboto"/>
+              </a:defRPr>
+            </a:lvl4pPr>
+            <a:lvl5pPr>
+              <a:defRPr sz="2000">
+                <a:latin typeface="Roboto"/>
+                <a:ea typeface="Roboto"/>
+              </a:defRPr>
+            </a:lvl5pPr>
+          </a:lstStyle>
+          <a:p>
+            <a:pPr>
+              <a:defRPr/>
+            </a:pPr>
+            <a:r>
+              <a:rPr lang="de-DE" sz="2000" b="0" i="0" u="none" strike="noStrike" cap="none" spc="0">
+                <a:solidFill>
+                  <a:schemeClr val="tx1"/>
+                </a:solidFill>
+                <a:latin typeface="Roboto"/>
+                <a:ea typeface="Roboto"/>
+                <a:cs typeface="Roboto"/>
+              </a:rPr>
+              <a:t>Laden von Parametersätzen, abhängig von Szenario und Fahrzeug</a:t>
+            </a:r>
+            <a:endParaRPr sz="2000"/>
+          </a:p>
+          <a:p>
+            <a:pPr>
+              <a:defRPr/>
+            </a:pPr>
+            <a:r>
+              <a:rPr lang="de-DE" sz="2000" b="0" i="0" u="none" strike="noStrike" cap="none" spc="0">
+                <a:solidFill>
+                  <a:schemeClr val="tx1"/>
+                </a:solidFill>
+                <a:latin typeface="Roboto"/>
+                <a:ea typeface="Roboto"/>
+                <a:cs typeface="Roboto"/>
+              </a:rPr>
+              <a:t>Umgebungsklasse stellt definierte Anfangszustände durch Laden von Fahrzeugparametern und Initialisierung der Simulation her</a:t>
+            </a:r>
+            <a:endParaRPr sz="2000"/>
+          </a:p>
+          <a:p>
+            <a:pPr>
+              <a:defRPr/>
+            </a:pPr>
+            <a:r>
+              <a:rPr lang="de-DE" sz="2000" b="0" i="0" u="none" strike="noStrike" cap="none" spc="0">
+                <a:solidFill>
+                  <a:schemeClr val="tx1"/>
+                </a:solidFill>
+                <a:latin typeface="Roboto"/>
+                <a:ea typeface="Roboto"/>
+                <a:cs typeface="Roboto"/>
+              </a:rPr>
+              <a:t>Jedes Szenario existiert als eigene Testklasse</a:t>
+            </a:r>
+            <a:endParaRPr sz="2000"/>
+          </a:p>
+          <a:p>
+            <a:pPr>
+              <a:defRPr/>
+            </a:pPr>
+            <a:r>
+              <a:rPr lang="de-DE" sz="2000" b="0" i="0" u="none" strike="noStrike" cap="none" spc="0">
+                <a:solidFill>
+                  <a:schemeClr val="tx1"/>
+                </a:solidFill>
+                <a:latin typeface="Roboto"/>
+                <a:ea typeface="Roboto"/>
+                <a:cs typeface="Roboto"/>
+              </a:rPr>
+              <a:t>Testrunner</a:t>
+            </a:r>
+            <a:r>
+              <a:rPr lang="de-DE" sz="2000" b="0" i="0" u="none" strike="noStrike" cap="none" spc="0">
+                <a:solidFill>
+                  <a:schemeClr val="tx1"/>
+                </a:solidFill>
+                <a:latin typeface="Roboto"/>
+                <a:ea typeface="Roboto"/>
+                <a:cs typeface="Roboto"/>
+              </a:rPr>
+              <a:t> führt Test Suite aus, sorgt für korrekten Ablauf von Setup- und </a:t>
+            </a:r>
+            <a:r>
+              <a:rPr lang="de-DE" sz="2000" b="0" i="0" u="none" strike="noStrike" cap="none" spc="0">
+                <a:solidFill>
+                  <a:schemeClr val="tx1"/>
+                </a:solidFill>
+                <a:latin typeface="Roboto"/>
+                <a:ea typeface="Roboto"/>
+                <a:cs typeface="Roboto"/>
+              </a:rPr>
+              <a:t>Teardown</a:t>
+            </a:r>
+            <a:r>
+              <a:rPr lang="de-DE" sz="2000" b="0" i="0" u="none" strike="noStrike" cap="none" spc="0">
+                <a:solidFill>
+                  <a:schemeClr val="tx1"/>
+                </a:solidFill>
+                <a:latin typeface="Roboto"/>
+                <a:ea typeface="Roboto"/>
+                <a:cs typeface="Roboto"/>
+              </a:rPr>
+              <a:t>-Funktionen und erstellt Testbericht</a:t>
+            </a:r>
+            <a:endParaRPr sz="2000"/>
+          </a:p>
+          <a:p>
+            <a:pPr>
+              <a:defRPr/>
+            </a:pPr>
+            <a:r>
+              <a:rPr lang="de-DE" sz="2000" b="0" i="0" u="none" strike="noStrike" cap="none" spc="0">
+                <a:solidFill>
+                  <a:schemeClr val="tx1"/>
+                </a:solidFill>
+                <a:latin typeface="Roboto"/>
+                <a:ea typeface="Roboto"/>
+                <a:cs typeface="Roboto"/>
+              </a:rPr>
+              <a:t>KPIs werden dynamisch vor Ausführung einer Simulation geladen</a:t>
+            </a:r>
+            <a:endParaRPr sz="2000"/>
+          </a:p>
+        </p:txBody>
+      </p:sp>
+    </p:spTree>
+  </p:cSld>
+  <p:clrMapOvr>
+    <a:masterClrMapping/>
+  </p:clrMapOvr>
+  <mc:AlternateContent xmlns:mc="http://schemas.openxmlformats.org/markup-compatibility/2006">
+    <mc:Choice xmlns:p159="http://schemas.microsoft.com/office/powerpoint/2015/09/main" xmlns:p14="http://schemas.microsoft.com/office/powerpoint/2010/main" Requires="p159">
+      <p:transition p14:dur="2000" advClick="1"/>
+    </mc:Choice>
+    <mc:Fallback>
+      <p:transition advClick="1"/>
+    </mc:Fallback>
+  </mc:AlternateContent>
+</p:sld>
+</file>
+
+<file path=ppt/slides/slide12.xml><?xml version="1.0" encoding="utf-8"?>
+<p:sld xmlns:a="http://schemas.openxmlformats.org/drawingml/2006/main" xmlns:r="http://schemas.openxmlformats.org/officeDocument/2006/relationships" xmlns:p="http://schemas.openxmlformats.org/presentationml/2006/main" xmlns:m="http://schemas.openxmlformats.org/officeDocument/2006/math" xmlns:w="http://schemas.openxmlformats.org/wordprocessingml/2006/main" xmlns:mc="http://schemas.openxmlformats.org/markup-compatibility/2006" showMasterPhAnim="0" showMasterSp="1" show="1">
+  <p:cSld name="">
+    <p:spTree>
+      <p:nvGrpSpPr>
+        <p:cNvPr id="1" name=""/>
+        <p:cNvGrpSpPr/>
+        <p:nvPr/>
+      </p:nvGrpSpPr>
+      <p:grpSpPr bwMode="auto">
+        <a:xfrm>
+          <a:off x="0" y="0"/>
+          <a:ext cx="0" cy="0"/>
+          <a:chOff x="0" y="0"/>
+          <a:chExt cx="0" cy="0"/>
+        </a:xfrm>
+      </p:grpSpPr>
+      <p:sp>
+        <p:nvSpPr>
           <p:cNvPr id="1331761792" name="Titel 3"/>
           <p:cNvSpPr>
             <a:spLocks noGrp="1"/>
@@ -8386,7 +9234,7 @@
 </p:sld>
 </file>
 
-<file path=ppt/slides/slide11.xml><?xml version="1.0" encoding="utf-8"?>
+<file path=ppt/slides/slide13.xml><?xml version="1.0" encoding="utf-8"?>
 <p:sld xmlns:a="http://schemas.openxmlformats.org/drawingml/2006/main" xmlns:r="http://schemas.openxmlformats.org/officeDocument/2006/relationships" xmlns:p="http://schemas.openxmlformats.org/presentationml/2006/main" xmlns:m="http://schemas.openxmlformats.org/officeDocument/2006/math" xmlns:w="http://schemas.openxmlformats.org/wordprocessingml/2006/main" xmlns:mc="http://schemas.openxmlformats.org/markup-compatibility/2006" showMasterPhAnim="0" showMasterSp="1" show="1">
   <p:cSld name="">
     <p:spTree>
@@ -8826,7 +9674,7 @@
 </p:sld>
 </file>
 
-<file path=ppt/slides/slide12.xml><?xml version="1.0" encoding="utf-8"?>
+<file path=ppt/slides/slide14.xml><?xml version="1.0" encoding="utf-8"?>
 <p:sld xmlns:a="http://schemas.openxmlformats.org/drawingml/2006/main" xmlns:r="http://schemas.openxmlformats.org/officeDocument/2006/relationships" xmlns:p="http://schemas.openxmlformats.org/presentationml/2006/main" xmlns:m="http://schemas.openxmlformats.org/officeDocument/2006/math" xmlns:w="http://schemas.openxmlformats.org/wordprocessingml/2006/main" xmlns:mc="http://schemas.openxmlformats.org/markup-compatibility/2006" showMasterPhAnim="0" showMasterSp="1" show="1">
   <p:cSld name="">
     <p:spTree>
@@ -10043,7 +10891,7 @@
 </p:sld>
 </file>
 
-<file path=ppt/slides/slide13.xml><?xml version="1.0" encoding="utf-8"?>
+<file path=ppt/slides/slide15.xml><?xml version="1.0" encoding="utf-8"?>
 <p:sld xmlns:a="http://schemas.openxmlformats.org/drawingml/2006/main" xmlns:r="http://schemas.openxmlformats.org/officeDocument/2006/relationships" xmlns:p="http://schemas.openxmlformats.org/presentationml/2006/main" xmlns:m="http://schemas.openxmlformats.org/officeDocument/2006/math" xmlns:w="http://schemas.openxmlformats.org/wordprocessingml/2006/main" xmlns:mc="http://schemas.openxmlformats.org/markup-compatibility/2006" showMasterPhAnim="0" showMasterSp="1" show="1">
   <p:cSld name="">
     <p:spTree>
@@ -10560,569 +11408,6 @@
 </p:sld>
 </file>
 
-<file path=ppt/slides/slide14.xml><?xml version="1.0" encoding="utf-8"?>
-<p:sld xmlns:a="http://schemas.openxmlformats.org/drawingml/2006/main" xmlns:r="http://schemas.openxmlformats.org/officeDocument/2006/relationships" xmlns:p="http://schemas.openxmlformats.org/presentationml/2006/main" xmlns:m="http://schemas.openxmlformats.org/officeDocument/2006/math" xmlns:w="http://schemas.openxmlformats.org/wordprocessingml/2006/main" xmlns:mc="http://schemas.openxmlformats.org/markup-compatibility/2006" showMasterPhAnim="0" showMasterSp="1" show="1">
-  <p:cSld name="">
-    <p:spTree>
-      <p:nvGrpSpPr>
-        <p:cNvPr id="1" name=""/>
-        <p:cNvGrpSpPr/>
-        <p:nvPr/>
-      </p:nvGrpSpPr>
-      <p:grpSpPr bwMode="auto">
-        <a:xfrm>
-          <a:off x="0" y="0"/>
-          <a:ext cx="0" cy="0"/>
-          <a:chOff x="0" y="0"/>
-          <a:chExt cx="0" cy="0"/>
-        </a:xfrm>
-      </p:grpSpPr>
-      <p:sp>
-        <p:nvSpPr>
-          <p:cNvPr id="91771397" name="Titel 1"/>
-          <p:cNvSpPr>
-            <a:spLocks noGrp="1"/>
-          </p:cNvSpPr>
-          <p:nvPr>
-            <p:ph type="title"/>
-          </p:nvPr>
-        </p:nvSpPr>
-        <p:spPr bwMode="auto"/>
-        <p:txBody>
-          <a:bodyPr/>
-          <a:lstStyle/>
-          <a:p>
-            <a:pPr>
-              <a:defRPr/>
-            </a:pPr>
-            <a:r>
-              <a:rPr lang="de-DE"/>
-              <a:t>Implementierung</a:t>
-            </a:r>
-            <a:endParaRPr/>
-          </a:p>
-        </p:txBody>
-      </p:sp>
-      <p:pic>
-        <p:nvPicPr>
-          <p:cNvPr id="191793389" name="Grafik 8"/>
-          <p:cNvPicPr>
-            <a:picLocks noChangeAspect="1"/>
-          </p:cNvPicPr>
-          <p:nvPr/>
-        </p:nvPicPr>
-        <p:blipFill>
-          <a:blip r:embed="rId3"/>
-          <a:stretch/>
-        </p:blipFill>
-        <p:spPr bwMode="auto">
-          <a:xfrm flipH="0" flipV="0">
-            <a:off x="6203948" y="1647275"/>
-            <a:ext cx="5795960" cy="4697960"/>
-          </a:xfrm>
-          <a:prstGeom prst="rect">
-            <a:avLst/>
-          </a:prstGeom>
-        </p:spPr>
-      </p:pic>
-      <p:sp>
-        <p:nvSpPr>
-          <p:cNvPr id="382270744" name="Textplatzhalter 7"/>
-          <p:cNvSpPr>
-            <a:spLocks noGrp="1"/>
-          </p:cNvSpPr>
-          <p:nvPr>
-            <p:ph type="body" sz="quarter" idx="13" hasCustomPrompt="1"/>
-          </p:nvPr>
-        </p:nvSpPr>
-        <p:spPr bwMode="auto">
-          <a:prstGeom prst="rect">
-            <a:avLst/>
-          </a:prstGeom>
-        </p:spPr>
-        <p:txBody>
-          <a:bodyPr lIns="0" tIns="0" rIns="0" bIns="0">
-            <a:normAutofit/>
-          </a:bodyPr>
-          <a:lstStyle>
-            <a:lvl1pPr marL="0" indent="0">
-              <a:buFont typeface="Arial"/>
-              <a:buNone/>
-              <a:defRPr sz="2400" b="1">
-                <a:solidFill>
-                  <a:schemeClr val="tx1"/>
-                </a:solidFill>
-                <a:latin typeface="Roboto"/>
-                <a:ea typeface="Roboto"/>
-              </a:defRPr>
-            </a:lvl1pPr>
-            <a:lvl2pPr>
-              <a:defRPr sz="2400">
-                <a:latin typeface="Roboto"/>
-                <a:ea typeface="Roboto"/>
-              </a:defRPr>
-            </a:lvl2pPr>
-            <a:lvl3pPr>
-              <a:defRPr sz="2000">
-                <a:latin typeface="Roboto"/>
-                <a:ea typeface="Roboto"/>
-              </a:defRPr>
-            </a:lvl3pPr>
-            <a:lvl4pPr>
-              <a:defRPr sz="2000">
-                <a:latin typeface="Roboto"/>
-                <a:ea typeface="Roboto"/>
-              </a:defRPr>
-            </a:lvl4pPr>
-            <a:lvl5pPr>
-              <a:defRPr sz="2000">
-                <a:latin typeface="Roboto"/>
-                <a:ea typeface="Roboto"/>
-              </a:defRPr>
-            </a:lvl5pPr>
-          </a:lstStyle>
-          <a:p>
-            <a:pPr>
-              <a:defRPr/>
-            </a:pPr>
-            <a:r>
-              <a:rPr lang="de-DE" sz="2400" b="1" i="0" u="none" strike="noStrike" cap="none" spc="0">
-                <a:solidFill>
-                  <a:schemeClr val="tx1"/>
-                </a:solidFill>
-                <a:latin typeface="Roboto"/>
-                <a:ea typeface="Roboto"/>
-                <a:cs typeface="Roboto"/>
-              </a:rPr>
-              <a:t>Gitlab</a:t>
-            </a:r>
-            <a:r>
-              <a:rPr lang="de-DE" sz="2400" b="1" i="0" u="none" strike="noStrike" cap="none" spc="0">
-                <a:solidFill>
-                  <a:schemeClr val="tx1"/>
-                </a:solidFill>
-                <a:latin typeface="Roboto"/>
-                <a:ea typeface="Roboto"/>
-                <a:cs typeface="Roboto"/>
-              </a:rPr>
-              <a:t> CI Pipeline</a:t>
-            </a:r>
-            <a:endParaRPr/>
-          </a:p>
-        </p:txBody>
-      </p:sp>
-      <p:sp>
-        <p:nvSpPr>
-          <p:cNvPr id="826965238" name="Textplatzhalter 7"/>
-          <p:cNvSpPr>
-            <a:spLocks noGrp="1"/>
-          </p:cNvSpPr>
-          <p:nvPr>
-            <p:ph type="body" sz="quarter" idx="11"/>
-          </p:nvPr>
-        </p:nvSpPr>
-        <p:spPr bwMode="auto">
-          <a:xfrm>
-            <a:off x="192087" y="2060573"/>
-            <a:ext cx="5795961" cy="4284661"/>
-          </a:xfrm>
-          <a:prstGeom prst="rect">
-            <a:avLst/>
-          </a:prstGeom>
-        </p:spPr>
-        <p:txBody>
-          <a:bodyPr vertOverflow="overflow" horzOverflow="overflow" vert="horz" wrap="square" lIns="91440" tIns="45720" rIns="91440" bIns="45720" numCol="1" spcCol="0" rtlCol="0" fromWordArt="0" anchor="t" anchorCtr="0" forceAA="0" upright="0" compatLnSpc="0">
-            <a:normAutofit/>
-          </a:bodyPr>
-          <a:lstStyle>
-            <a:lvl1pPr>
-              <a:defRPr sz="2800">
-                <a:latin typeface="Roboto"/>
-                <a:ea typeface="Roboto"/>
-              </a:defRPr>
-            </a:lvl1pPr>
-            <a:lvl2pPr>
-              <a:defRPr sz="2400">
-                <a:latin typeface="Roboto"/>
-                <a:ea typeface="Roboto"/>
-              </a:defRPr>
-            </a:lvl2pPr>
-            <a:lvl3pPr>
-              <a:defRPr sz="2000">
-                <a:latin typeface="Roboto"/>
-                <a:ea typeface="Roboto"/>
-              </a:defRPr>
-            </a:lvl3pPr>
-            <a:lvl4pPr>
-              <a:defRPr sz="2000">
-                <a:latin typeface="Roboto"/>
-                <a:ea typeface="Roboto"/>
-              </a:defRPr>
-            </a:lvl4pPr>
-            <a:lvl5pPr>
-              <a:defRPr sz="2000">
-                <a:latin typeface="Roboto"/>
-                <a:ea typeface="Roboto"/>
-              </a:defRPr>
-            </a:lvl5pPr>
-          </a:lstStyle>
-          <a:p>
-            <a:pPr>
-              <a:defRPr/>
-            </a:pPr>
-            <a:r>
-              <a:rPr lang="de-DE" sz="2000" b="0" i="0" u="none" strike="noStrike" cap="none" spc="0">
-                <a:solidFill>
-                  <a:schemeClr val="tx1"/>
-                </a:solidFill>
-                <a:latin typeface="Roboto"/>
-                <a:ea typeface="Roboto"/>
-                <a:cs typeface="Roboto"/>
-              </a:rPr>
-              <a:t>Konfiguration eines Jobs pro Fahrzeug in der Stage „</a:t>
-            </a:r>
-            <a:r>
-              <a:rPr lang="de-DE" sz="2000" b="0" i="0" u="none" strike="noStrike" cap="none" spc="0">
-                <a:solidFill>
-                  <a:schemeClr val="tx1"/>
-                </a:solidFill>
-                <a:latin typeface="Roboto"/>
-                <a:ea typeface="Roboto"/>
-                <a:cs typeface="Roboto"/>
-              </a:rPr>
-              <a:t>test</a:t>
-            </a:r>
-            <a:r>
-              <a:rPr lang="de-DE" sz="2000" b="0" i="0" u="none" strike="noStrike" cap="none" spc="0">
-                <a:solidFill>
-                  <a:schemeClr val="tx1"/>
-                </a:solidFill>
-                <a:latin typeface="Roboto"/>
-                <a:ea typeface="Roboto"/>
-                <a:cs typeface="Roboto"/>
-              </a:rPr>
-              <a:t>“</a:t>
-            </a:r>
-            <a:endParaRPr sz="2000"/>
-          </a:p>
-          <a:p>
-            <a:pPr>
-              <a:defRPr/>
-            </a:pPr>
-            <a:r>
-              <a:rPr lang="de-DE" sz="2000" b="0" i="0" u="none" strike="noStrike" cap="none" spc="0">
-                <a:solidFill>
-                  <a:schemeClr val="tx1"/>
-                </a:solidFill>
-                <a:latin typeface="Roboto"/>
-                <a:ea typeface="Roboto"/>
-                <a:cs typeface="Roboto"/>
-              </a:rPr>
-              <a:t>Jeder Job erzeugt untergeordnete Jobs, die das jeweilige Szenario definieren</a:t>
-            </a:r>
-            <a:endParaRPr sz="2000"/>
-          </a:p>
-          <a:p>
-            <a:pPr>
-              <a:defRPr/>
-            </a:pPr>
-            <a:r>
-              <a:rPr lang="de-DE" sz="2000" b="0" i="0" u="none" strike="noStrike" cap="none" spc="0">
-                <a:solidFill>
-                  <a:schemeClr val="tx1"/>
-                </a:solidFill>
-                <a:latin typeface="Roboto"/>
-                <a:ea typeface="Roboto"/>
-                <a:cs typeface="Roboto"/>
-              </a:rPr>
-              <a:t>Fahrzeug-Szenario-Kombination wird an </a:t>
-            </a:r>
-            <a:r>
-              <a:rPr lang="de-DE" sz="2000" b="0" i="0" u="none" strike="noStrike" cap="none" spc="0">
-                <a:solidFill>
-                  <a:schemeClr val="tx1"/>
-                </a:solidFill>
-                <a:latin typeface="Roboto"/>
-                <a:ea typeface="Roboto"/>
-                <a:cs typeface="Roboto"/>
-              </a:rPr>
-              <a:t>Matlab</a:t>
-            </a:r>
-            <a:r>
-              <a:rPr lang="de-DE" sz="2000" b="0" i="0" u="none" strike="noStrike" cap="none" spc="0">
-                <a:solidFill>
-                  <a:schemeClr val="tx1"/>
-                </a:solidFill>
-                <a:latin typeface="Roboto"/>
-                <a:ea typeface="Roboto"/>
-                <a:cs typeface="Roboto"/>
-              </a:rPr>
-              <a:t>-Skript übergeben</a:t>
-            </a:r>
-            <a:endParaRPr sz="2000"/>
-          </a:p>
-          <a:p>
-            <a:pPr>
-              <a:defRPr/>
-            </a:pPr>
-            <a:r>
-              <a:rPr lang="de-DE" sz="2000" b="0" i="0" u="none" strike="noStrike" cap="none" spc="0">
-                <a:solidFill>
-                  <a:schemeClr val="tx1"/>
-                </a:solidFill>
-                <a:latin typeface="Roboto"/>
-                <a:ea typeface="Roboto"/>
-                <a:cs typeface="Roboto"/>
-              </a:rPr>
-              <a:t>Testbericht wird als Artefakt bereitgestellt</a:t>
-            </a:r>
-            <a:endParaRPr sz="2000"/>
-          </a:p>
-          <a:p>
-            <a:pPr>
-              <a:defRPr/>
-            </a:pPr>
-            <a:r>
-              <a:rPr lang="de-DE" sz="2000" b="0" i="0" u="none" strike="noStrike" cap="none" spc="0">
-                <a:solidFill>
-                  <a:schemeClr val="tx1"/>
-                </a:solidFill>
-                <a:latin typeface="Roboto"/>
-                <a:ea typeface="Roboto"/>
-                <a:cs typeface="Roboto"/>
-              </a:rPr>
-              <a:t>Bei entsprechender Runner-Konfiguration auch parallele Ausführung möglich</a:t>
-            </a:r>
-            <a:endParaRPr sz="2000"/>
-          </a:p>
-        </p:txBody>
-      </p:sp>
-    </p:spTree>
-  </p:cSld>
-  <p:clrMapOvr>
-    <a:masterClrMapping/>
-  </p:clrMapOvr>
-  <mc:AlternateContent xmlns:mc="http://schemas.openxmlformats.org/markup-compatibility/2006">
-    <mc:Choice xmlns:p159="http://schemas.microsoft.com/office/powerpoint/2015/09/main" xmlns:p14="http://schemas.microsoft.com/office/powerpoint/2010/main" Requires="p159">
-      <p:transition p14:dur="0" advClick="1" advTm="41852"/>
-    </mc:Choice>
-    <mc:Fallback>
-      <p:transition advClick="1" advTm="41852"/>
-    </mc:Fallback>
-  </mc:AlternateContent>
-</p:sld>
-</file>
-
-<file path=ppt/slides/slide15.xml><?xml version="1.0" encoding="utf-8"?>
-<p:sld xmlns:a="http://schemas.openxmlformats.org/drawingml/2006/main" xmlns:r="http://schemas.openxmlformats.org/officeDocument/2006/relationships" xmlns:p="http://schemas.openxmlformats.org/presentationml/2006/main" xmlns:m="http://schemas.openxmlformats.org/officeDocument/2006/math" xmlns:w="http://schemas.openxmlformats.org/wordprocessingml/2006/main" xmlns:mc="http://schemas.openxmlformats.org/markup-compatibility/2006" showMasterPhAnim="0" showMasterSp="1" show="1">
-  <p:cSld name="">
-    <p:spTree>
-      <p:nvGrpSpPr>
-        <p:cNvPr id="1" name=""/>
-        <p:cNvGrpSpPr/>
-        <p:nvPr/>
-      </p:nvGrpSpPr>
-      <p:grpSpPr bwMode="auto">
-        <a:xfrm>
-          <a:off x="0" y="0"/>
-          <a:ext cx="0" cy="0"/>
-          <a:chOff x="0" y="0"/>
-          <a:chExt cx="0" cy="0"/>
-        </a:xfrm>
-      </p:grpSpPr>
-      <p:sp>
-        <p:nvSpPr>
-          <p:cNvPr id="3699815" name="Titel 3"/>
-          <p:cNvSpPr>
-            <a:spLocks noGrp="1"/>
-          </p:cNvSpPr>
-          <p:nvPr>
-            <p:ph type="title" hasCustomPrompt="1"/>
-          </p:nvPr>
-        </p:nvSpPr>
-        <p:spPr bwMode="auto">
-          <a:prstGeom prst="rect">
-            <a:avLst/>
-          </a:prstGeom>
-        </p:spPr>
-        <p:txBody>
-          <a:bodyPr lIns="0" tIns="0" rIns="0" bIns="0">
-            <a:normAutofit/>
-          </a:bodyPr>
-          <a:lstStyle>
-            <a:lvl1pPr>
-              <a:defRPr sz="2800"/>
-            </a:lvl1pPr>
-          </a:lstStyle>
-          <a:p>
-            <a:pPr>
-              <a:defRPr/>
-            </a:pPr>
-            <a:r>
-              <a:rPr lang="de-DE" sz="2800" b="1" i="0" u="none" strike="noStrike" cap="none" spc="0">
-                <a:solidFill>
-                  <a:schemeClr val="bg1"/>
-                </a:solidFill>
-                <a:latin typeface="Roboto"/>
-                <a:ea typeface="Roboto"/>
-                <a:cs typeface="+mj-cs"/>
-              </a:rPr>
-              <a:t>Implementierung</a:t>
-            </a:r>
-            <a:endParaRPr/>
-          </a:p>
-        </p:txBody>
-      </p:sp>
-      <p:pic>
-        <p:nvPicPr>
-          <p:cNvPr id="2057183120" name=""/>
-          <p:cNvPicPr>
-            <a:picLocks noChangeAspect="1"/>
-          </p:cNvPicPr>
-          <p:nvPr/>
-        </p:nvPicPr>
-        <p:blipFill>
-          <a:blip r:embed="rId3"/>
-          <a:stretch/>
-        </p:blipFill>
-        <p:spPr bwMode="auto">
-          <a:xfrm flipH="0" flipV="0">
-            <a:off x="192087" y="1574802"/>
-            <a:ext cx="4469228" cy="4770434"/>
-          </a:xfrm>
-          <a:prstGeom prst="rect">
-            <a:avLst/>
-          </a:prstGeom>
-        </p:spPr>
-      </p:pic>
-      <p:pic>
-        <p:nvPicPr>
-          <p:cNvPr id="1768528" name=""/>
-          <p:cNvPicPr>
-            <a:picLocks noChangeAspect="1"/>
-          </p:cNvPicPr>
-          <p:nvPr/>
-        </p:nvPicPr>
-        <p:blipFill>
-          <a:blip r:embed="rId4"/>
-          <a:stretch/>
-        </p:blipFill>
-        <p:spPr bwMode="auto">
-          <a:xfrm flipH="0" flipV="0">
-            <a:off x="5981507" y="908049"/>
-            <a:ext cx="6018405" cy="5437186"/>
-          </a:xfrm>
-          <a:prstGeom prst="rect">
-            <a:avLst/>
-          </a:prstGeom>
-        </p:spPr>
-      </p:pic>
-      <p:sp>
-        <p:nvSpPr>
-          <p:cNvPr id="1814970496" name="Textplatzhalter 7"/>
-          <p:cNvSpPr>
-            <a:spLocks noGrp="1"/>
-          </p:cNvSpPr>
-          <p:nvPr>
-            <p:ph type="body" sz="quarter" idx="13" hasCustomPrompt="1"/>
-          </p:nvPr>
-        </p:nvSpPr>
-        <p:spPr bwMode="auto">
-          <a:prstGeom prst="rect">
-            <a:avLst/>
-          </a:prstGeom>
-        </p:spPr>
-        <p:txBody>
-          <a:bodyPr lIns="0" tIns="0" rIns="0" bIns="0">
-            <a:normAutofit/>
-          </a:bodyPr>
-          <a:lstStyle>
-            <a:lvl1pPr marL="0" indent="0">
-              <a:buFont typeface="Arial"/>
-              <a:buNone/>
-              <a:defRPr sz="2400" b="1">
-                <a:solidFill>
-                  <a:schemeClr val="tx1"/>
-                </a:solidFill>
-                <a:latin typeface="Roboto"/>
-                <a:ea typeface="Roboto"/>
-              </a:defRPr>
-            </a:lvl1pPr>
-            <a:lvl2pPr>
-              <a:defRPr sz="2400">
-                <a:latin typeface="Roboto"/>
-                <a:ea typeface="Roboto"/>
-              </a:defRPr>
-            </a:lvl2pPr>
-            <a:lvl3pPr>
-              <a:defRPr sz="2000">
-                <a:latin typeface="Roboto"/>
-                <a:ea typeface="Roboto"/>
-              </a:defRPr>
-            </a:lvl3pPr>
-            <a:lvl4pPr>
-              <a:defRPr sz="2000">
-                <a:latin typeface="Roboto"/>
-                <a:ea typeface="Roboto"/>
-              </a:defRPr>
-            </a:lvl4pPr>
-            <a:lvl5pPr>
-              <a:defRPr sz="2000">
-                <a:latin typeface="Roboto"/>
-                <a:ea typeface="Roboto"/>
-              </a:defRPr>
-            </a:lvl5pPr>
-          </a:lstStyle>
-          <a:p>
-            <a:pPr>
-              <a:defRPr/>
-            </a:pPr>
-            <a:r>
-              <a:rPr lang="de-DE" sz="2400" b="1" i="0" u="none" strike="noStrike" cap="none" spc="0">
-                <a:solidFill>
-                  <a:schemeClr val="tx1"/>
-                </a:solidFill>
-                <a:latin typeface="Roboto"/>
-                <a:ea typeface="Roboto"/>
-                <a:cs typeface="Roboto"/>
-              </a:rPr>
-              <a:t>Gitlab</a:t>
-            </a:r>
-            <a:r>
-              <a:rPr lang="de-DE" sz="2400" b="1" i="0" u="none" strike="noStrike" cap="none" spc="0">
-                <a:solidFill>
-                  <a:schemeClr val="tx1"/>
-                </a:solidFill>
-                <a:latin typeface="Roboto"/>
-                <a:ea typeface="Roboto"/>
-                <a:cs typeface="Roboto"/>
-              </a:rPr>
-              <a:t> CI Pipeline</a:t>
-            </a:r>
-            <a:r>
-              <a:rPr/>
-              <a:t>: Testreport</a:t>
-            </a:r>
-            <a:endParaRPr/>
-          </a:p>
-        </p:txBody>
-      </p:sp>
-    </p:spTree>
-  </p:cSld>
-  <p:clrMapOvr>
-    <a:masterClrMapping/>
-  </p:clrMapOvr>
-  <mc:AlternateContent xmlns:mc="http://schemas.openxmlformats.org/markup-compatibility/2006">
-    <mc:Choice xmlns:p159="http://schemas.microsoft.com/office/powerpoint/2015/09/main" xmlns:p14="http://schemas.microsoft.com/office/powerpoint/2010/main" Requires="p159">
-      <p:transition p14:dur="2000" advClick="1"/>
-    </mc:Choice>
-    <mc:Fallback>
-      <p:transition advClick="1"/>
-    </mc:Fallback>
-  </mc:AlternateContent>
-</p:sld>
-</file>
-
 <file path=ppt/slides/slide16.xml><?xml version="1.0" encoding="utf-8"?>
 <p:sld xmlns:a="http://schemas.openxmlformats.org/drawingml/2006/main" xmlns:r="http://schemas.openxmlformats.org/officeDocument/2006/relationships" xmlns:p="http://schemas.openxmlformats.org/presentationml/2006/main" xmlns:m="http://schemas.openxmlformats.org/officeDocument/2006/math" xmlns:w="http://schemas.openxmlformats.org/wordprocessingml/2006/main" xmlns:mc="http://schemas.openxmlformats.org/markup-compatibility/2006" showMasterPhAnim="0" showMasterSp="1" show="1">
   <p:cSld name="">
@@ -11142,336 +11427,33 @@
       </p:grpSpPr>
       <p:sp>
         <p:nvSpPr>
-          <p:cNvPr id="343717221" name="Titel 3"/>
+          <p:cNvPr id="91771397" name="Titel 1"/>
           <p:cNvSpPr>
             <a:spLocks noGrp="1"/>
           </p:cNvSpPr>
           <p:nvPr>
-            <p:ph type="title" hasCustomPrompt="1"/>
+            <p:ph type="title"/>
           </p:nvPr>
         </p:nvSpPr>
-        <p:spPr bwMode="auto">
-          <a:prstGeom prst="rect">
-            <a:avLst/>
-          </a:prstGeom>
-        </p:spPr>
+        <p:spPr bwMode="auto"/>
         <p:txBody>
-          <a:bodyPr vertOverflow="overflow" horzOverflow="overflow" vert="horz" wrap="square" lIns="0" tIns="0" rIns="0" bIns="0" numCol="1" spcCol="0" rtlCol="0" fromWordArt="0" anchor="t" anchorCtr="0" forceAA="0" upright="0" compatLnSpc="0">
-            <a:normAutofit fontScale="90000" lnSpcReduction="2000"/>
-          </a:bodyPr>
-          <a:lstStyle>
-            <a:lvl1pPr>
-              <a:defRPr sz="2800"/>
-            </a:lvl1pPr>
-          </a:lstStyle>
+          <a:bodyPr/>
+          <a:lstStyle/>
           <a:p>
             <a:pPr>
               <a:defRPr/>
             </a:pPr>
             <a:r>
-              <a:rPr lang="de-DE" sz="2800" b="1" i="0" u="none" strike="noStrike" cap="none" spc="0">
-                <a:solidFill>
-                  <a:schemeClr val="bg1"/>
-                </a:solidFill>
-                <a:latin typeface="Roboto"/>
-                <a:ea typeface="Roboto"/>
-                <a:cs typeface="+mj-cs"/>
-              </a:rPr>
-              <a:t>Zusammenfassung &amp; Ausblick</a:t>
-            </a:r>
-            <a:endParaRPr sz="2800"/>
-          </a:p>
-          <a:p>
-            <a:pPr>
-              <a:defRPr/>
-            </a:pPr>
-            <a:endParaRPr/>
-          </a:p>
-        </p:txBody>
-      </p:sp>
-      <p:sp>
-        <p:nvSpPr>
-          <p:cNvPr id="1565728904" name="Textplatzhalter 7"/>
-          <p:cNvSpPr>
-            <a:spLocks noGrp="1"/>
-          </p:cNvSpPr>
-          <p:nvPr>
-            <p:ph type="body" sz="quarter" idx="11" hasCustomPrompt="1"/>
-          </p:nvPr>
-        </p:nvSpPr>
-        <p:spPr bwMode="auto">
-          <a:xfrm flipH="0" flipV="0">
-            <a:off x="192087" y="937984"/>
-            <a:ext cx="6858984" cy="5407251"/>
-          </a:xfrm>
-          <a:prstGeom prst="rect">
-            <a:avLst/>
-          </a:prstGeom>
-        </p:spPr>
-        <p:txBody>
-          <a:bodyPr vertOverflow="overflow" horzOverflow="overflow" vert="horz" wrap="square" lIns="91440" tIns="45720" rIns="91440" bIns="45720" numCol="1" spcCol="0" rtlCol="0" fromWordArt="0" anchor="t" anchorCtr="0" forceAA="0" upright="0" compatLnSpc="0">
-            <a:normAutofit/>
-          </a:bodyPr>
-          <a:lstStyle>
-            <a:lvl1pPr>
-              <a:defRPr sz="2000">
-                <a:latin typeface="Roboto"/>
-                <a:ea typeface="Roboto"/>
-              </a:defRPr>
-            </a:lvl1pPr>
-            <a:lvl2pPr>
-              <a:defRPr sz="2000">
-                <a:latin typeface="Roboto"/>
-                <a:ea typeface="Roboto"/>
-              </a:defRPr>
-            </a:lvl2pPr>
-            <a:lvl3pPr>
-              <a:defRPr sz="2000">
-                <a:latin typeface="Roboto"/>
-                <a:ea typeface="Roboto"/>
-              </a:defRPr>
-            </a:lvl3pPr>
-            <a:lvl4pPr>
-              <a:defRPr sz="2000">
-                <a:latin typeface="Roboto"/>
-                <a:ea typeface="Roboto"/>
-              </a:defRPr>
-            </a:lvl4pPr>
-            <a:lvl5pPr>
-              <a:defRPr sz="2000">
-                <a:latin typeface="Roboto"/>
-                <a:ea typeface="Roboto"/>
-              </a:defRPr>
-            </a:lvl5pPr>
-          </a:lstStyle>
-          <a:p>
-            <a:pPr>
-              <a:defRPr/>
-            </a:pPr>
-            <a:r>
-              <a:rPr lang="de-DE" sz="2000" b="0" i="0" u="none" strike="noStrike" cap="none" spc="0">
-                <a:solidFill>
-                  <a:schemeClr val="tx1"/>
-                </a:solidFill>
-                <a:latin typeface="Roboto"/>
-                <a:ea typeface="Roboto"/>
-                <a:cs typeface="Roboto"/>
-              </a:rPr>
-              <a:t>Konzept für das automatisierte Testen der Pfadfolge MPC wurde implementiert</a:t>
-            </a:r>
-            <a:endParaRPr lang="de-DE" sz="2000" b="0" i="0" u="none" strike="noStrike" cap="none" spc="0">
-              <a:solidFill>
-                <a:schemeClr val="tx1"/>
-              </a:solidFill>
-              <a:latin typeface="Times New Roman"/>
-              <a:cs typeface="Times New Roman"/>
-            </a:endParaRPr>
-          </a:p>
-          <a:p>
-            <a:pPr lvl="1">
-              <a:defRPr/>
-            </a:pPr>
-            <a:r>
-              <a:rPr lang="de-DE" sz="2000" b="0" i="0" u="none" strike="noStrike" cap="none" spc="0">
-                <a:solidFill>
-                  <a:schemeClr val="tx1"/>
-                </a:solidFill>
-                <a:latin typeface="Roboto"/>
-                <a:ea typeface="Roboto"/>
-                <a:cs typeface="Roboto"/>
-              </a:rPr>
-              <a:t>Neue Szenarien können hinzugefügt werden</a:t>
-            </a:r>
-            <a:endParaRPr lang="de-DE" sz="2000" b="0" i="0" u="none" strike="noStrike" cap="none" spc="0">
-              <a:solidFill>
-                <a:schemeClr val="tx1"/>
-              </a:solidFill>
-              <a:latin typeface="Times New Roman"/>
-              <a:cs typeface="Times New Roman"/>
-            </a:endParaRPr>
-          </a:p>
-          <a:p>
-            <a:pPr lvl="1">
-              <a:defRPr/>
-            </a:pPr>
-            <a:r>
-              <a:rPr lang="de-DE" sz="2000" b="0" i="0" u="none" strike="noStrike" cap="none" spc="0">
-                <a:solidFill>
-                  <a:schemeClr val="tx1"/>
-                </a:solidFill>
-                <a:latin typeface="Roboto"/>
-                <a:ea typeface="Roboto"/>
-                <a:cs typeface="Roboto"/>
-              </a:rPr>
-              <a:t>Falls benötigt</a:t>
-            </a:r>
-            <a:r>
-              <a:rPr lang="de-DE" sz="2000" b="0" i="0" u="none" strike="noStrike" cap="none" spc="0">
-                <a:solidFill>
-                  <a:schemeClr val="tx1"/>
-                </a:solidFill>
-                <a:latin typeface="Roboto"/>
-                <a:ea typeface="Roboto"/>
-                <a:cs typeface="Roboto"/>
-              </a:rPr>
-              <a:t> Erweiterung um neue Fahrzeuge möglich</a:t>
-            </a:r>
-            <a:endParaRPr lang="de-DE" sz="2000" b="0" i="0" u="none" strike="noStrike" cap="none" spc="0">
-              <a:solidFill>
-                <a:schemeClr val="tx1"/>
-              </a:solidFill>
-              <a:latin typeface="Times New Roman"/>
-              <a:cs typeface="Times New Roman"/>
-            </a:endParaRPr>
-          </a:p>
-          <a:p>
-            <a:pPr lvl="1">
-              <a:defRPr/>
-            </a:pPr>
-            <a:r>
-              <a:rPr lang="de-DE" sz="2000" b="0" i="0" u="none" strike="noStrike" cap="none" spc="0">
-                <a:solidFill>
-                  <a:schemeClr val="tx1"/>
-                </a:solidFill>
-                <a:latin typeface="Roboto"/>
-                <a:ea typeface="Roboto"/>
-                <a:cs typeface="Roboto"/>
-              </a:rPr>
-              <a:t>KPIs und Parametergrenzen sind veränderbar</a:t>
-            </a:r>
-            <a:endParaRPr lang="de-DE" sz="2000" b="0" i="0" u="none" strike="noStrike" cap="none" spc="0">
-              <a:solidFill>
-                <a:schemeClr val="tx1"/>
-              </a:solidFill>
-              <a:latin typeface="Times New Roman"/>
-              <a:cs typeface="Times New Roman"/>
-            </a:endParaRPr>
-          </a:p>
-          <a:p>
-            <a:pPr lvl="0">
-              <a:defRPr/>
-            </a:pPr>
-            <a:r>
-              <a:rPr lang="de-DE" sz="2000" b="0" i="0" u="none" strike="noStrike" cap="none" spc="0">
-                <a:solidFill>
-                  <a:schemeClr val="tx1"/>
-                </a:solidFill>
-                <a:latin typeface="Roboto"/>
-                <a:ea typeface="Roboto"/>
-                <a:cs typeface="Roboto"/>
-              </a:rPr>
-              <a:t>Automatisierte Ausführung in der GitLab-Pipeline</a:t>
-            </a:r>
-            <a:r>
-              <a:rPr lang="de-DE" sz="2000" b="0" i="0" u="none" strike="noStrike" cap="none" spc="0">
-                <a:solidFill>
-                  <a:schemeClr val="tx1"/>
-                </a:solidFill>
-                <a:latin typeface="Roboto"/>
-                <a:ea typeface="Roboto"/>
-                <a:cs typeface="Roboto"/>
-              </a:rPr>
-              <a:t> und Benachrichtigung des Entwicklers</a:t>
-            </a:r>
-            <a:endParaRPr lang="de-DE" sz="2000" b="0" i="0" u="none" strike="noStrike" cap="none" spc="0">
-              <a:solidFill>
-                <a:schemeClr val="tx1"/>
-              </a:solidFill>
-              <a:latin typeface="Times New Roman"/>
-              <a:cs typeface="Times New Roman"/>
-            </a:endParaRPr>
-          </a:p>
-          <a:p>
-            <a:pPr lvl="1">
-              <a:defRPr/>
-            </a:pPr>
-            <a:endParaRPr lang="de-DE" sz="2000"/>
-          </a:p>
-          <a:p>
-            <a:pPr marL="0" indent="0">
-              <a:buFont typeface="Arial"/>
-              <a:buNone/>
-              <a:defRPr/>
-            </a:pPr>
-            <a:endParaRPr lang="de-DE" sz="2000" b="0" i="0" u="none" strike="noStrike" cap="none" spc="0">
-              <a:solidFill>
-                <a:schemeClr val="tx1"/>
-              </a:solidFill>
-              <a:latin typeface="Times New Roman"/>
-              <a:cs typeface="Times New Roman"/>
-            </a:endParaRPr>
-          </a:p>
-          <a:p>
-            <a:pPr>
-              <a:defRPr/>
-            </a:pPr>
-            <a:r>
-              <a:rPr lang="de-DE" sz="2000" b="0" i="0" u="none" strike="noStrike" cap="none" spc="0">
-                <a:solidFill>
-                  <a:schemeClr val="tx1"/>
-                </a:solidFill>
-                <a:latin typeface="Roboto"/>
-                <a:ea typeface="Roboto"/>
-                <a:cs typeface="Roboto"/>
-              </a:rPr>
-              <a:t>Einbinden in vollständiges over-the-air Updatesystem</a:t>
-            </a:r>
-            <a:endParaRPr lang="de-DE" sz="2000" b="0" i="0" u="none" strike="noStrike" cap="none" spc="0">
-              <a:solidFill>
-                <a:schemeClr val="tx1"/>
-              </a:solidFill>
-              <a:latin typeface="Times New Roman"/>
-              <a:cs typeface="Times New Roman"/>
-            </a:endParaRPr>
-          </a:p>
-          <a:p>
-            <a:pPr>
-              <a:defRPr/>
-            </a:pPr>
-            <a:r>
-              <a:rPr lang="de-DE" sz="2000" b="0" i="0" u="none" strike="noStrike" cap="none" spc="0">
-                <a:solidFill>
-                  <a:schemeClr val="tx1"/>
-                </a:solidFill>
-                <a:latin typeface="Roboto"/>
-                <a:ea typeface="Roboto"/>
-                <a:cs typeface="Roboto"/>
-              </a:rPr>
-              <a:t>Kritikalitätsbewertung der einzelnen Testdurchläufe, finden kritischer Parameterwerte für Test</a:t>
-            </a:r>
-            <a:endParaRPr lang="de-DE" sz="2000" b="0" i="0" u="none" strike="noStrike" cap="none" spc="0">
-              <a:solidFill>
-                <a:schemeClr val="tx1"/>
-              </a:solidFill>
-              <a:latin typeface="Times New Roman"/>
-              <a:cs typeface="Times New Roman"/>
-            </a:endParaRPr>
-          </a:p>
-          <a:p>
-            <a:pPr>
-              <a:defRPr/>
-            </a:pPr>
-            <a:endParaRPr lang="de-DE" sz="2000" b="0" i="0" u="none" strike="noStrike" cap="none" spc="0">
-              <a:solidFill>
-                <a:schemeClr val="tx1"/>
-              </a:solidFill>
-              <a:latin typeface="Times New Roman"/>
-              <a:cs typeface="Times New Roman"/>
-            </a:endParaRPr>
-          </a:p>
-          <a:p>
-            <a:pPr marL="0" indent="0">
-              <a:buFont typeface="Arial"/>
-              <a:buNone/>
-              <a:defRPr/>
-            </a:pPr>
+              <a:rPr lang="de-DE"/>
+              <a:t>Implementierung</a:t>
+            </a:r>
             <a:endParaRPr/>
           </a:p>
         </p:txBody>
       </p:sp>
       <p:pic>
         <p:nvPicPr>
-          <p:cNvPr id="103470865" name=""/>
+          <p:cNvPr id="191793389" name="Grafik 8"/>
           <p:cNvPicPr>
             <a:picLocks noChangeAspect="1"/>
           </p:cNvPicPr>
@@ -11483,8 +11465,8 @@
         </p:blipFill>
         <p:spPr bwMode="auto">
           <a:xfrm flipH="0" flipV="0">
-            <a:off x="7595209" y="2358340"/>
-            <a:ext cx="3683411" cy="3348154"/>
+            <a:off x="6203948" y="1647275"/>
+            <a:ext cx="5795960" cy="4697960"/>
           </a:xfrm>
           <a:prstGeom prst="rect">
             <a:avLst/>
@@ -11493,45 +11475,273 @@
       </p:pic>
       <p:sp>
         <p:nvSpPr>
-          <p:cNvPr id="2139341157" name=""/>
-          <p:cNvSpPr txBox="1"/>
-          <p:nvPr/>
-        </p:nvSpPr>
-        <p:spPr bwMode="auto">
-          <a:xfrm flipH="0" flipV="0">
-            <a:off x="10867847" y="5887495"/>
-            <a:ext cx="411492" cy="305159"/>
+          <p:cNvPr id="382270744" name="Textplatzhalter 7"/>
+          <p:cNvSpPr>
+            <a:spLocks noGrp="1"/>
+          </p:cNvSpPr>
+          <p:nvPr>
+            <p:ph type="body" sz="quarter" idx="13" hasCustomPrompt="1"/>
+          </p:nvPr>
+        </p:nvSpPr>
+        <p:spPr bwMode="auto">
+          <a:prstGeom prst="rect">
+            <a:avLst/>
+          </a:prstGeom>
+        </p:spPr>
+        <p:txBody>
+          <a:bodyPr lIns="0" tIns="0" rIns="0" bIns="0">
+            <a:normAutofit/>
+          </a:bodyPr>
+          <a:lstStyle>
+            <a:lvl1pPr marL="0" indent="0">
+              <a:buFont typeface="Arial"/>
+              <a:buNone/>
+              <a:defRPr sz="2400" b="1">
+                <a:solidFill>
+                  <a:schemeClr val="tx1"/>
+                </a:solidFill>
+                <a:latin typeface="Roboto"/>
+                <a:ea typeface="Roboto"/>
+              </a:defRPr>
+            </a:lvl1pPr>
+            <a:lvl2pPr>
+              <a:defRPr sz="2400">
+                <a:latin typeface="Roboto"/>
+                <a:ea typeface="Roboto"/>
+              </a:defRPr>
+            </a:lvl2pPr>
+            <a:lvl3pPr>
+              <a:defRPr sz="2000">
+                <a:latin typeface="Roboto"/>
+                <a:ea typeface="Roboto"/>
+              </a:defRPr>
+            </a:lvl3pPr>
+            <a:lvl4pPr>
+              <a:defRPr sz="2000">
+                <a:latin typeface="Roboto"/>
+                <a:ea typeface="Roboto"/>
+              </a:defRPr>
+            </a:lvl4pPr>
+            <a:lvl5pPr>
+              <a:defRPr sz="2000">
+                <a:latin typeface="Roboto"/>
+                <a:ea typeface="Roboto"/>
+              </a:defRPr>
+            </a:lvl5pPr>
+          </a:lstStyle>
+          <a:p>
+            <a:pPr>
+              <a:defRPr/>
+            </a:pPr>
+            <a:r>
+              <a:rPr lang="de-DE" sz="2400" b="1" i="0" u="none" strike="noStrike" cap="none" spc="0">
+                <a:solidFill>
+                  <a:schemeClr val="tx1"/>
+                </a:solidFill>
+                <a:latin typeface="Roboto"/>
+                <a:ea typeface="Roboto"/>
+                <a:cs typeface="Roboto"/>
+              </a:rPr>
+              <a:t>Gitlab</a:t>
+            </a:r>
+            <a:r>
+              <a:rPr lang="de-DE" sz="2400" b="1" i="0" u="none" strike="noStrike" cap="none" spc="0">
+                <a:solidFill>
+                  <a:schemeClr val="tx1"/>
+                </a:solidFill>
+                <a:latin typeface="Roboto"/>
+                <a:ea typeface="Roboto"/>
+                <a:cs typeface="Roboto"/>
+              </a:rPr>
+              <a:t> CI Pipeline</a:t>
+            </a:r>
+            <a:endParaRPr/>
+          </a:p>
+        </p:txBody>
+      </p:sp>
+      <p:sp>
+        <p:nvSpPr>
+          <p:cNvPr id="826965238" name="Textplatzhalter 7"/>
+          <p:cNvSpPr>
+            <a:spLocks noGrp="1"/>
+          </p:cNvSpPr>
+          <p:nvPr>
+            <p:ph type="body" sz="quarter" idx="11"/>
+          </p:nvPr>
+        </p:nvSpPr>
+        <p:spPr bwMode="auto">
+          <a:xfrm>
+            <a:off x="192087" y="2060573"/>
+            <a:ext cx="5795961" cy="4284661"/>
           </a:xfrm>
           <a:prstGeom prst="rect">
             <a:avLst/>
           </a:prstGeom>
-          <a:noFill/>
         </p:spPr>
         <p:txBody>
           <a:bodyPr vertOverflow="overflow" horzOverflow="overflow" vert="horz" wrap="square" lIns="91440" tIns="45720" rIns="91440" bIns="45720" numCol="1" spcCol="0" rtlCol="0" fromWordArt="0" anchor="t" anchorCtr="0" forceAA="0" upright="0" compatLnSpc="0">
-            <a:spAutoFit/>
+            <a:normAutofit/>
           </a:bodyPr>
+          <a:lstStyle>
+            <a:lvl1pPr>
+              <a:defRPr sz="2800">
+                <a:latin typeface="Roboto"/>
+                <a:ea typeface="Roboto"/>
+              </a:defRPr>
+            </a:lvl1pPr>
+            <a:lvl2pPr>
+              <a:defRPr sz="2400">
+                <a:latin typeface="Roboto"/>
+                <a:ea typeface="Roboto"/>
+              </a:defRPr>
+            </a:lvl2pPr>
+            <a:lvl3pPr>
+              <a:defRPr sz="2000">
+                <a:latin typeface="Roboto"/>
+                <a:ea typeface="Roboto"/>
+              </a:defRPr>
+            </a:lvl3pPr>
+            <a:lvl4pPr>
+              <a:defRPr sz="2000">
+                <a:latin typeface="Roboto"/>
+                <a:ea typeface="Roboto"/>
+              </a:defRPr>
+            </a:lvl4pPr>
+            <a:lvl5pPr>
+              <a:defRPr sz="2000">
+                <a:latin typeface="Roboto"/>
+                <a:ea typeface="Roboto"/>
+              </a:defRPr>
+            </a:lvl5pPr>
+          </a:lstStyle>
           <a:p>
             <a:pPr>
               <a:defRPr/>
             </a:pPr>
             <a:r>
-              <a:rPr sz="1400">
-                <a:solidFill>
-                  <a:schemeClr val="bg2">
-                    <a:lumMod val="50000"/>
-                  </a:schemeClr>
-                </a:solidFill>
+              <a:rPr lang="de-DE" sz="2000" b="0" i="0" u="none" strike="noStrike" cap="none" spc="0">
+                <a:solidFill>
+                  <a:schemeClr val="tx1"/>
+                </a:solidFill>
+                <a:latin typeface="Roboto"/>
+                <a:ea typeface="Roboto"/>
+                <a:cs typeface="Roboto"/>
               </a:rPr>
-              <a:t>[7]</a:t>
-            </a:r>
-            <a:endParaRPr sz="1400">
-              <a:solidFill>
-                <a:schemeClr val="bg2">
-                  <a:lumMod val="50000"/>
-                </a:schemeClr>
-              </a:solidFill>
-            </a:endParaRPr>
+              <a:t>Konfiguration eines Jobs pro Fahrzeug in der Stage „</a:t>
+            </a:r>
+            <a:r>
+              <a:rPr lang="de-DE" sz="2000" b="0" i="0" u="none" strike="noStrike" cap="none" spc="0">
+                <a:solidFill>
+                  <a:schemeClr val="tx1"/>
+                </a:solidFill>
+                <a:latin typeface="Roboto"/>
+                <a:ea typeface="Roboto"/>
+                <a:cs typeface="Roboto"/>
+              </a:rPr>
+              <a:t>test</a:t>
+            </a:r>
+            <a:r>
+              <a:rPr lang="de-DE" sz="2000" b="0" i="0" u="none" strike="noStrike" cap="none" spc="0">
+                <a:solidFill>
+                  <a:schemeClr val="tx1"/>
+                </a:solidFill>
+                <a:latin typeface="Roboto"/>
+                <a:ea typeface="Roboto"/>
+                <a:cs typeface="Roboto"/>
+              </a:rPr>
+              <a:t>“</a:t>
+            </a:r>
+            <a:endParaRPr sz="2000"/>
+          </a:p>
+          <a:p>
+            <a:pPr>
+              <a:defRPr/>
+            </a:pPr>
+            <a:r>
+              <a:rPr lang="de-DE" sz="2000" b="0" i="0" u="none" strike="noStrike" cap="none" spc="0">
+                <a:solidFill>
+                  <a:schemeClr val="tx1"/>
+                </a:solidFill>
+                <a:latin typeface="Roboto"/>
+                <a:ea typeface="Roboto"/>
+                <a:cs typeface="Roboto"/>
+              </a:rPr>
+              <a:t>Jeder Job erzeugt untergeordnete Jobs, die das jeweilige Szenario definieren</a:t>
+            </a:r>
+            <a:endParaRPr sz="2000"/>
+          </a:p>
+          <a:p>
+            <a:pPr>
+              <a:defRPr/>
+            </a:pPr>
+            <a:r>
+              <a:rPr lang="de-DE" sz="2000" b="0" i="0" u="none" strike="noStrike" cap="none" spc="0">
+                <a:solidFill>
+                  <a:schemeClr val="tx1"/>
+                </a:solidFill>
+                <a:latin typeface="Roboto"/>
+                <a:ea typeface="Roboto"/>
+                <a:cs typeface="Roboto"/>
+              </a:rPr>
+              <a:t>Fahrzeug-Szenario-Kombination wird an </a:t>
+            </a:r>
+            <a:r>
+              <a:rPr lang="de-DE" sz="2000" b="0" i="0" u="none" strike="noStrike" cap="none" spc="0">
+                <a:solidFill>
+                  <a:schemeClr val="tx1"/>
+                </a:solidFill>
+                <a:latin typeface="Roboto"/>
+                <a:ea typeface="Roboto"/>
+                <a:cs typeface="Roboto"/>
+              </a:rPr>
+              <a:t>Matlab</a:t>
+            </a:r>
+            <a:r>
+              <a:rPr lang="de-DE" sz="2000" b="0" i="0" u="none" strike="noStrike" cap="none" spc="0">
+                <a:solidFill>
+                  <a:schemeClr val="tx1"/>
+                </a:solidFill>
+                <a:latin typeface="Roboto"/>
+                <a:ea typeface="Roboto"/>
+                <a:cs typeface="Roboto"/>
+              </a:rPr>
+              <a:t>-Skript übergeben</a:t>
+            </a:r>
+            <a:endParaRPr sz="2000"/>
+          </a:p>
+          <a:p>
+            <a:pPr>
+              <a:defRPr/>
+            </a:pPr>
+            <a:r>
+              <a:rPr lang="de-DE" sz="2000" b="0" i="0" u="none" strike="noStrike" cap="none" spc="0">
+                <a:solidFill>
+                  <a:schemeClr val="tx1"/>
+                </a:solidFill>
+                <a:latin typeface="Roboto"/>
+                <a:ea typeface="Roboto"/>
+                <a:cs typeface="Roboto"/>
+              </a:rPr>
+              <a:t>Testbericht wird als Artefakt bereitgestellt</a:t>
+            </a:r>
+            <a:endParaRPr sz="2000"/>
+          </a:p>
+          <a:p>
+            <a:pPr>
+              <a:defRPr/>
+            </a:pPr>
+            <a:r>
+              <a:rPr lang="de-DE" sz="2000" b="0" i="0" u="none" strike="noStrike" cap="none" spc="0">
+                <a:solidFill>
+                  <a:schemeClr val="tx1"/>
+                </a:solidFill>
+                <a:latin typeface="Roboto"/>
+                <a:ea typeface="Roboto"/>
+                <a:cs typeface="Roboto"/>
+              </a:rPr>
+              <a:t>Bei entsprechender Runner-Konfiguration auch parallele Ausführung möglich</a:t>
+            </a:r>
+            <a:endParaRPr sz="2000"/>
           </a:p>
         </p:txBody>
       </p:sp>
@@ -11542,10 +11752,10 @@
   </p:clrMapOvr>
   <mc:AlternateContent xmlns:mc="http://schemas.openxmlformats.org/markup-compatibility/2006">
     <mc:Choice xmlns:p159="http://schemas.microsoft.com/office/powerpoint/2015/09/main" xmlns:p14="http://schemas.microsoft.com/office/powerpoint/2010/main" Requires="p159">
-      <p:transition p14:dur="2000" advClick="1"/>
+      <p:transition p14:dur="0" advClick="1" advTm="41852"/>
     </mc:Choice>
     <mc:Fallback>
-      <p:transition advClick="1"/>
+      <p:transition advClick="1" advTm="41852"/>
     </mc:Fallback>
   </mc:AlternateContent>
 </p:sld>
@@ -11570,7 +11780,7 @@
       </p:grpSpPr>
       <p:sp>
         <p:nvSpPr>
-          <p:cNvPr id="703869753" name="Titel 3"/>
+          <p:cNvPr id="3699815" name="Titel 3"/>
           <p:cNvSpPr>
             <a:spLocks noGrp="1"/>
           </p:cNvSpPr>
@@ -11579,10 +11789,6 @@
           </p:nvPr>
         </p:nvSpPr>
         <p:spPr bwMode="auto">
-          <a:xfrm>
-            <a:off x="1343025" y="152398"/>
-            <a:ext cx="10656887" cy="468312"/>
-          </a:xfrm>
           <a:prstGeom prst="rect">
             <a:avLst/>
           </a:prstGeom>
@@ -11601,45 +11807,97 @@
               <a:defRPr/>
             </a:pPr>
             <a:r>
-              <a:rPr/>
-              <a:t>Referenzen</a:t>
+              <a:rPr lang="de-DE" sz="2800" b="1" i="0" u="none" strike="noStrike" cap="none" spc="0">
+                <a:solidFill>
+                  <a:schemeClr val="bg1"/>
+                </a:solidFill>
+                <a:latin typeface="Roboto"/>
+                <a:ea typeface="Roboto"/>
+                <a:cs typeface="+mj-cs"/>
+              </a:rPr>
+              <a:t>Implementierung</a:t>
             </a:r>
             <a:endParaRPr/>
           </a:p>
         </p:txBody>
       </p:sp>
-      <p:sp>
-        <p:nvSpPr>
-          <p:cNvPr id="662579795" name="Textplatzhalter 7"/>
+      <p:pic>
+        <p:nvPicPr>
+          <p:cNvPr id="2057183120" name=""/>
+          <p:cNvPicPr>
+            <a:picLocks noChangeAspect="1"/>
+          </p:cNvPicPr>
+          <p:nvPr/>
+        </p:nvPicPr>
+        <p:blipFill>
+          <a:blip r:embed="rId3"/>
+          <a:stretch/>
+        </p:blipFill>
+        <p:spPr bwMode="auto">
+          <a:xfrm flipH="0" flipV="0">
+            <a:off x="192087" y="1574802"/>
+            <a:ext cx="4469228" cy="4770434"/>
+          </a:xfrm>
+          <a:prstGeom prst="rect">
+            <a:avLst/>
+          </a:prstGeom>
+        </p:spPr>
+      </p:pic>
+      <p:pic>
+        <p:nvPicPr>
+          <p:cNvPr id="1768528" name=""/>
+          <p:cNvPicPr>
+            <a:picLocks noChangeAspect="1"/>
+          </p:cNvPicPr>
+          <p:nvPr/>
+        </p:nvPicPr>
+        <p:blipFill>
+          <a:blip r:embed="rId4"/>
+          <a:stretch/>
+        </p:blipFill>
+        <p:spPr bwMode="auto">
+          <a:xfrm flipH="0" flipV="0">
+            <a:off x="5981507" y="908049"/>
+            <a:ext cx="6018405" cy="5437186"/>
+          </a:xfrm>
+          <a:prstGeom prst="rect">
+            <a:avLst/>
+          </a:prstGeom>
+        </p:spPr>
+      </p:pic>
+      <p:sp>
+        <p:nvSpPr>
+          <p:cNvPr id="1814970496" name="Textplatzhalter 7"/>
           <p:cNvSpPr>
             <a:spLocks noGrp="1"/>
           </p:cNvSpPr>
           <p:nvPr>
-            <p:ph type="body" sz="quarter" idx="11" hasCustomPrompt="1"/>
+            <p:ph type="body" sz="quarter" idx="13" hasCustomPrompt="1"/>
           </p:nvPr>
         </p:nvSpPr>
         <p:spPr bwMode="auto">
-          <a:xfrm flipH="0" flipV="0">
-            <a:off x="192087" y="908048"/>
-            <a:ext cx="11807823" cy="5437186"/>
-          </a:xfrm>
           <a:prstGeom prst="rect">
             <a:avLst/>
           </a:prstGeom>
         </p:spPr>
         <p:txBody>
-          <a:bodyPr vertOverflow="overflow" horzOverflow="overflow" vert="horz" wrap="square" lIns="91440" tIns="45720" rIns="91440" bIns="45720" numCol="1" spcCol="0" rtlCol="0" fromWordArt="0" anchor="t" anchorCtr="0" forceAA="0" upright="0" compatLnSpc="0">
+          <a:bodyPr lIns="0" tIns="0" rIns="0" bIns="0">
             <a:normAutofit/>
           </a:bodyPr>
           <a:lstStyle>
-            <a:lvl1pPr>
-              <a:defRPr sz="2000">
+            <a:lvl1pPr marL="0" indent="0">
+              <a:buFont typeface="Arial"/>
+              <a:buNone/>
+              <a:defRPr sz="2400" b="1">
+                <a:solidFill>
+                  <a:schemeClr val="tx1"/>
+                </a:solidFill>
                 <a:latin typeface="Roboto"/>
                 <a:ea typeface="Roboto"/>
               </a:defRPr>
             </a:lvl1pPr>
             <a:lvl2pPr>
-              <a:defRPr sz="2000">
+              <a:defRPr sz="2400">
                 <a:latin typeface="Roboto"/>
                 <a:ea typeface="Roboto"/>
               </a:defRPr>
@@ -11664,17 +11922,11 @@
             </a:lvl5pPr>
           </a:lstStyle>
           <a:p>
-            <a:pPr marL="0" indent="0">
-              <a:buFont typeface="Arial"/>
-              <a:buNone/>
-              <a:defRPr/>
-            </a:pPr>
-            <a:r>
-              <a:rPr sz="1600"/>
-              <a:t>[1] </a:t>
-            </a:r>
-            <a:r>
-              <a:rPr lang="de-DE" sz="1600" b="0" i="0" u="none" strike="noStrike" cap="none" spc="0">
+            <a:pPr>
+              <a:defRPr/>
+            </a:pPr>
+            <a:r>
+              <a:rPr lang="de-DE" sz="2400" b="1" i="0" u="none" strike="noStrike" cap="none" spc="0">
                 <a:solidFill>
                   <a:schemeClr val="tx1"/>
                 </a:solidFill>
@@ -11682,10 +11934,10 @@
                 <a:ea typeface="Roboto"/>
                 <a:cs typeface="Roboto"/>
               </a:rPr>
-              <a:t>	Robert Ritschel, Frank Schrödel, Juliane Hädrich und Jens Jäkel. „Nonlinear Model </a:t>
-            </a:r>
-            <a:r>
-              <a:rPr lang="de-DE" sz="1600" b="0" i="0" u="none" strike="noStrike" cap="none" spc="0">
+              <a:t>Gitlab</a:t>
+            </a:r>
+            <a:r>
+              <a:rPr lang="de-DE" sz="2400" b="1" i="0" u="none" strike="noStrike" cap="none" spc="0">
                 <a:solidFill>
                   <a:schemeClr val="tx1"/>
                 </a:solidFill>
@@ -11693,443 +11945,13 @@
                 <a:ea typeface="Roboto"/>
                 <a:cs typeface="Roboto"/>
               </a:rPr>
-              <a:t>Predictive Path-Following Control 	for Highly Automated Driving“. In: IFACPapersOnLine </a:t>
-            </a:r>
-            <a:r>
-              <a:rPr lang="de-DE" sz="1600" b="0" i="0" u="none" strike="noStrike" cap="none" spc="0">
-                <a:solidFill>
-                  <a:schemeClr val="tx1"/>
-                </a:solidFill>
-                <a:latin typeface="Roboto"/>
-                <a:ea typeface="Roboto"/>
-                <a:cs typeface="Roboto"/>
-              </a:rPr>
-              <a:t>52.8 (2019). 10th 	IFAC Symposium on Intelligent Autonomous 	Vehicles </a:t>
-            </a:r>
-            <a:r>
-              <a:rPr lang="de-DE" sz="1600" b="0" i="0" u="none" strike="noStrike" cap="none" spc="0">
-                <a:solidFill>
-                  <a:schemeClr val="tx1"/>
-                </a:solidFill>
-                <a:latin typeface="Roboto"/>
-                <a:ea typeface="Roboto"/>
-                <a:cs typeface="Roboto"/>
-              </a:rPr>
-              <a:t>IAV 2019, S. 350–355. ISSN: 2405-8963. 	DOI: 10.1016/j.ifacol.2019.08.</a:t>
-            </a:r>
-            <a:r>
-              <a:rPr lang="de-DE" sz="1600" b="0" i="0" u="none" strike="noStrike" cap="none" spc="0">
-                <a:solidFill>
-                  <a:schemeClr val="tx1"/>
-                </a:solidFill>
-                <a:latin typeface="Roboto"/>
-                <a:ea typeface="Roboto"/>
-                <a:cs typeface="Roboto"/>
-              </a:rPr>
-              <a:t>112.</a:t>
-            </a:r>
-            <a:endParaRPr sz="1600" b="0" i="0" u="none" strike="noStrike" cap="none" spc="0">
-              <a:solidFill>
-                <a:schemeClr val="tx1"/>
-              </a:solidFill>
-              <a:latin typeface="Roboto"/>
-              <a:cs typeface="Roboto"/>
-            </a:endParaRPr>
-          </a:p>
-          <a:p>
-            <a:pPr marL="0" indent="0">
-              <a:buFont typeface="Arial"/>
-              <a:buNone/>
-              <a:defRPr/>
-            </a:pPr>
-            <a:r>
-              <a:rPr lang="de-DE" sz="1600" b="0" i="0" u="none" strike="noStrike" cap="none" spc="0">
-                <a:solidFill>
-                  <a:schemeClr val="tx1"/>
-                </a:solidFill>
-                <a:latin typeface="Roboto"/>
-                <a:cs typeface="Roboto"/>
-              </a:rPr>
-              <a:t>[2]</a:t>
-            </a:r>
-            <a:r>
-              <a:rPr lang="de-DE" sz="1600" b="0" i="0" u="none" strike="noStrike" cap="none" spc="0">
-                <a:solidFill>
-                  <a:schemeClr val="tx1"/>
-                </a:solidFill>
-                <a:latin typeface="Roboto"/>
-                <a:cs typeface="Roboto"/>
-              </a:rPr>
-              <a:t>	</a:t>
-            </a:r>
-            <a:r>
-              <a:rPr lang="de-DE" sz="1600" b="0" i="0" u="none" strike="noStrike" cap="none" spc="0">
-                <a:solidFill>
-                  <a:schemeClr val="tx1"/>
-                </a:solidFill>
-                <a:latin typeface="Roboto"/>
-                <a:ea typeface="Roboto"/>
-                <a:cs typeface="Roboto"/>
-              </a:rPr>
-              <a:t>Gerrit Bagschik, Till Menzel und Markus Maurer. „Ontology based Scene Creation </a:t>
-            </a:r>
-            <a:r>
-              <a:rPr lang="de-DE" sz="1600" b="0" i="0" u="none" strike="noStrike" cap="none" spc="0">
-                <a:solidFill>
-                  <a:schemeClr val="tx1"/>
-                </a:solidFill>
-                <a:latin typeface="Roboto"/>
-                <a:ea typeface="Roboto"/>
-                <a:cs typeface="Roboto"/>
-              </a:rPr>
-              <a:t>for the Development of Automated 	Vehicles“. In: 2018 IEEE Intelligent Vehicles </a:t>
-            </a:r>
-            <a:r>
-              <a:rPr lang="de-DE" sz="1600" b="0" i="0" u="none" strike="noStrike" cap="none" spc="0">
-                <a:solidFill>
-                  <a:schemeClr val="tx1"/>
-                </a:solidFill>
-                <a:latin typeface="Roboto"/>
-                <a:ea typeface="Roboto"/>
-                <a:cs typeface="Roboto"/>
-              </a:rPr>
-              <a:t>Symposium (IV). 2018, S. 1813–1820. DOI: 10.1109/IVS.2018.8500632.</a:t>
-            </a:r>
-            <a:endParaRPr sz="1600" b="0" i="0" u="none" strike="noStrike" cap="none" spc="0">
-              <a:solidFill>
-                <a:schemeClr val="tx1"/>
-              </a:solidFill>
-              <a:latin typeface="Roboto"/>
-              <a:cs typeface="Roboto"/>
-            </a:endParaRPr>
-          </a:p>
-          <a:p>
-            <a:pPr marL="0" indent="0">
-              <a:buFont typeface="Arial"/>
-              <a:buNone/>
-              <a:defRPr/>
-            </a:pPr>
-            <a:r>
-              <a:rPr lang="de-DE" sz="1600" b="0" i="0" u="none" strike="noStrike" cap="none" spc="0">
-                <a:solidFill>
-                  <a:schemeClr val="tx1"/>
-                </a:solidFill>
-                <a:latin typeface="Roboto"/>
-                <a:ea typeface="Roboto"/>
-                <a:cs typeface="Roboto"/>
-              </a:rPr>
-              <a:t>[3]</a:t>
-            </a:r>
-            <a:r>
-              <a:rPr lang="de-DE" sz="1600" b="0" i="0" u="none" strike="noStrike" cap="none" spc="0">
-                <a:solidFill>
-                  <a:schemeClr val="tx1"/>
-                </a:solidFill>
-                <a:latin typeface="Roboto"/>
-                <a:cs typeface="Roboto"/>
-              </a:rPr>
-              <a:t> </a:t>
-            </a:r>
-            <a:r>
-              <a:rPr lang="de-DE" sz="1600" b="0" i="0" u="none" strike="noStrike" cap="none" spc="0">
-                <a:solidFill>
-                  <a:schemeClr val="tx1"/>
-                </a:solidFill>
-                <a:latin typeface="Roboto"/>
-                <a:ea typeface="Roboto"/>
-                <a:cs typeface="Roboto"/>
-              </a:rPr>
-              <a:t>	Till Menzel, Gerrit Bagschik und Markus Maurer. „Scenarios for Development, Test </a:t>
-            </a:r>
-            <a:r>
-              <a:rPr lang="de-DE" sz="1600" b="0" i="0" u="none" strike="noStrike" cap="none" spc="0">
-                <a:solidFill>
-                  <a:schemeClr val="tx1"/>
-                </a:solidFill>
-                <a:latin typeface="Roboto"/>
-                <a:ea typeface="Roboto"/>
-                <a:cs typeface="Roboto"/>
-              </a:rPr>
-              <a:t>and Validation of Automated 	Vehicles“. In: 2018 IEEE Intelligent Vehicles Symposium </a:t>
-            </a:r>
-            <a:r>
-              <a:rPr lang="de-DE" sz="1600" b="0" i="0" u="none" strike="noStrike" cap="none" spc="0">
-                <a:solidFill>
-                  <a:schemeClr val="tx1"/>
-                </a:solidFill>
-                <a:latin typeface="Roboto"/>
-                <a:ea typeface="Roboto"/>
-                <a:cs typeface="Roboto"/>
-              </a:rPr>
-              <a:t>(IV). 2018, S. 1821–1827. DOI: 10.1109/IVS.2018.8500406.</a:t>
-            </a:r>
-            <a:endParaRPr sz="1600" b="0" i="0" u="none" strike="noStrike" cap="none" spc="0">
-              <a:solidFill>
-                <a:schemeClr val="tx1"/>
-              </a:solidFill>
-              <a:latin typeface="Roboto"/>
-              <a:cs typeface="Roboto"/>
-            </a:endParaRPr>
-          </a:p>
-          <a:p>
-            <a:pPr marL="0" indent="0">
-              <a:buFont typeface="Arial"/>
-              <a:buNone/>
-              <a:defRPr/>
-            </a:pPr>
-            <a:r>
-              <a:rPr lang="de-DE" sz="1600" b="0" i="0" u="none" strike="noStrike" cap="none" spc="0">
-                <a:solidFill>
-                  <a:schemeClr val="tx1"/>
-                </a:solidFill>
-                <a:latin typeface="Roboto"/>
-                <a:ea typeface="Roboto"/>
-                <a:cs typeface="Roboto"/>
-              </a:rPr>
-              <a:t>[4]</a:t>
-            </a:r>
-            <a:r>
-              <a:rPr lang="de-DE" sz="1600" b="0" i="0" u="none" strike="noStrike" cap="none" spc="0">
-                <a:solidFill>
-                  <a:schemeClr val="tx1"/>
-                </a:solidFill>
-                <a:latin typeface="Roboto"/>
-                <a:cs typeface="Roboto"/>
-              </a:rPr>
-              <a:t> </a:t>
-            </a:r>
-            <a:r>
-              <a:rPr lang="de-DE" sz="1600" b="0" i="0" u="none" strike="noStrike" cap="none" spc="0">
-                <a:solidFill>
-                  <a:schemeClr val="tx1"/>
-                </a:solidFill>
-                <a:latin typeface="Roboto"/>
-                <a:ea typeface="Roboto"/>
-                <a:cs typeface="Roboto"/>
-              </a:rPr>
-              <a:t>	Red Hat. Was ist CI/CD? Konzepte und CI/CD Tools im Überblick. 2024. </a:t>
-            </a:r>
-            <a:r>
-              <a:rPr lang="de-DE" sz="1600" b="0" i="0" u="none" strike="noStrike" cap="none" spc="0">
-                <a:solidFill>
-                  <a:schemeClr val="tx1"/>
-                </a:solidFill>
-                <a:latin typeface="Roboto"/>
-                <a:ea typeface="Roboto"/>
-                <a:cs typeface="Roboto"/>
-              </a:rPr>
-              <a:t>URL: 	https://www.redhat.com/de/topics/devops/what-is-ci-cd (besucht am </a:t>
-            </a:r>
-            <a:r>
-              <a:rPr lang="de-DE" sz="1600" b="0" i="0" u="none" strike="noStrike" cap="none" spc="0">
-                <a:solidFill>
-                  <a:schemeClr val="tx1"/>
-                </a:solidFill>
-                <a:latin typeface="Roboto"/>
-                <a:ea typeface="Roboto"/>
-                <a:cs typeface="Roboto"/>
-              </a:rPr>
-              <a:t>18. 03. 2024).</a:t>
-            </a:r>
-            <a:endParaRPr sz="1600" b="0" i="0" u="none" strike="noStrike" cap="none" spc="0">
-              <a:solidFill>
-                <a:schemeClr val="tx1"/>
-              </a:solidFill>
-              <a:latin typeface="Roboto"/>
-              <a:cs typeface="Roboto"/>
-            </a:endParaRPr>
-          </a:p>
-          <a:p>
-            <a:pPr marL="0" indent="0">
-              <a:buFont typeface="Arial"/>
-              <a:buNone/>
-              <a:defRPr/>
-            </a:pPr>
-            <a:r>
-              <a:rPr lang="de-DE" sz="1600" b="0" i="0" u="none" strike="noStrike" cap="none" spc="0">
-                <a:solidFill>
-                  <a:schemeClr val="tx1"/>
-                </a:solidFill>
-                <a:latin typeface="Roboto"/>
-                <a:ea typeface="Roboto"/>
-                <a:cs typeface="Roboto"/>
-              </a:rPr>
-              <a:t>[5]</a:t>
-            </a:r>
-            <a:r>
-              <a:rPr lang="de-DE" sz="1600" b="0" i="0" u="none" strike="noStrike" cap="none" spc="0">
-                <a:solidFill>
-                  <a:schemeClr val="tx1"/>
-                </a:solidFill>
-                <a:latin typeface="Roboto"/>
-                <a:cs typeface="Roboto"/>
-              </a:rPr>
-              <a:t> </a:t>
-            </a:r>
-            <a:r>
-              <a:rPr lang="de-DE" sz="1600" b="0" i="0" u="none" strike="noStrike" cap="none" spc="0">
-                <a:solidFill>
-                  <a:schemeClr val="tx1"/>
-                </a:solidFill>
-                <a:latin typeface="Roboto"/>
-                <a:ea typeface="Roboto"/>
-                <a:cs typeface="Roboto"/>
-              </a:rPr>
-              <a:t>	Robin Preece und Jovica Milanović. „Efficient Estimation of the Probability of </a:t>
-            </a:r>
-            <a:r>
-              <a:rPr lang="de-DE" sz="1600" b="0" i="0" u="none" strike="noStrike" cap="none" spc="0">
-                <a:solidFill>
-                  <a:schemeClr val="tx1"/>
-                </a:solidFill>
-                <a:latin typeface="Roboto"/>
-                <a:ea typeface="Roboto"/>
-                <a:cs typeface="Roboto"/>
-              </a:rPr>
-              <a:t>Small-Disturbance Instability of Large 	Uncertain Power Systems“. In: IEEE Transactions </a:t>
-            </a:r>
-            <a:r>
-              <a:rPr lang="de-DE" sz="1600" b="0" i="0" u="none" strike="noStrike" cap="none" spc="0">
-                <a:solidFill>
-                  <a:schemeClr val="tx1"/>
-                </a:solidFill>
-                <a:latin typeface="Roboto"/>
-                <a:ea typeface="Roboto"/>
-                <a:cs typeface="Roboto"/>
-              </a:rPr>
-              <a:t>on Power Systems 31 (Apr. 2015), S. 1–10. DOI: 	10.1109/TPWRS.2015. </a:t>
-            </a:r>
-            <a:r>
-              <a:rPr lang="de-DE" sz="1600" b="0" i="0" u="none" strike="noStrike" cap="none" spc="0">
-                <a:solidFill>
-                  <a:schemeClr val="tx1"/>
-                </a:solidFill>
-                <a:latin typeface="Roboto"/>
-                <a:ea typeface="Roboto"/>
-                <a:cs typeface="Roboto"/>
-              </a:rPr>
-              <a:t>2417204.</a:t>
-            </a:r>
-            <a:endParaRPr sz="1600" b="0" i="0" u="none" strike="noStrike" cap="none" spc="0">
-              <a:solidFill>
-                <a:schemeClr val="tx1"/>
-              </a:solidFill>
-              <a:latin typeface="Roboto"/>
-              <a:cs typeface="Roboto"/>
-            </a:endParaRPr>
-          </a:p>
-          <a:p>
-            <a:pPr marL="0" indent="0">
-              <a:buFont typeface="Arial"/>
-              <a:buNone/>
-              <a:defRPr/>
-            </a:pPr>
-            <a:r>
-              <a:rPr lang="de-DE" sz="1600" b="0" i="0" u="none" strike="noStrike" cap="none" spc="0">
-                <a:solidFill>
-                  <a:schemeClr val="tx1"/>
-                </a:solidFill>
-                <a:latin typeface="Roboto"/>
-                <a:ea typeface="Roboto"/>
-                <a:cs typeface="Roboto"/>
-              </a:rPr>
-              <a:t>[6]</a:t>
-            </a:r>
-            <a:r>
-              <a:rPr lang="de-DE" sz="1600" b="0" i="0" u="none" strike="noStrike" cap="none" spc="0">
-                <a:solidFill>
-                  <a:schemeClr val="tx1"/>
-                </a:solidFill>
-                <a:latin typeface="Roboto"/>
-                <a:cs typeface="Roboto"/>
-              </a:rPr>
-              <a:t> 	</a:t>
-            </a:r>
-            <a:r>
-              <a:rPr lang="de-DE" sz="1600" b="0" i="0" u="none" strike="noStrike" cap="none" spc="0">
-                <a:solidFill>
-                  <a:schemeClr val="tx1"/>
-                </a:solidFill>
-                <a:latin typeface="Roboto"/>
-                <a:ea typeface="Roboto"/>
-                <a:cs typeface="Roboto"/>
-              </a:rPr>
-              <a:t>International Organization for Standardization. ISO 15622:2018. Intelligent transport </a:t>
-            </a:r>
-            <a:r>
-              <a:rPr lang="de-DE" sz="1600" b="0" i="0" u="none" strike="noStrike" cap="none" spc="0">
-                <a:solidFill>
-                  <a:schemeClr val="tx1"/>
-                </a:solidFill>
-                <a:latin typeface="Roboto"/>
-                <a:ea typeface="Roboto"/>
-                <a:cs typeface="Roboto"/>
-              </a:rPr>
-              <a:t>systems — Adaptive cruise control 	systems — Performance requirements and </a:t>
-            </a:r>
-            <a:r>
-              <a:rPr lang="de-DE" sz="1600" b="0" i="0" u="none" strike="noStrike" cap="none" spc="0">
-                <a:solidFill>
-                  <a:schemeClr val="tx1"/>
-                </a:solidFill>
-                <a:latin typeface="Roboto"/>
-                <a:ea typeface="Roboto"/>
-                <a:cs typeface="Roboto"/>
-              </a:rPr>
-              <a:t>test procedures. Sep. 2018.</a:t>
-            </a:r>
-            <a:endParaRPr sz="1600" b="0" i="0" u="none" strike="noStrike" cap="none" spc="0">
-              <a:solidFill>
-                <a:schemeClr val="tx1"/>
-              </a:solidFill>
-              <a:latin typeface="Roboto"/>
-              <a:cs typeface="Roboto"/>
-            </a:endParaRPr>
-          </a:p>
-          <a:p>
-            <a:pPr marL="0" indent="0">
-              <a:buFont typeface="Arial"/>
-              <a:buNone/>
-              <a:defRPr/>
-            </a:pPr>
-            <a:r>
-              <a:rPr lang="de-DE" sz="1600" b="0" i="0" u="none" strike="noStrike" cap="none" spc="0">
-                <a:solidFill>
-                  <a:schemeClr val="tx1"/>
-                </a:solidFill>
-                <a:latin typeface="Roboto"/>
-                <a:cs typeface="Roboto"/>
-              </a:rPr>
-              <a:t>[7]</a:t>
-            </a:r>
-            <a:r>
-              <a:rPr lang="de-DE" sz="1600" b="0" i="0" u="none" strike="noStrike" cap="none" spc="0">
-                <a:solidFill>
-                  <a:schemeClr val="tx1"/>
-                </a:solidFill>
-                <a:latin typeface="Roboto"/>
-                <a:cs typeface="Roboto"/>
-              </a:rPr>
-              <a:t>	</a:t>
-            </a:r>
-            <a:r>
-              <a:rPr lang="de-DE" sz="1600" b="0" i="0" u="none" strike="noStrike" cap="none" spc="0">
-                <a:solidFill>
-                  <a:schemeClr val="tx1"/>
-                </a:solidFill>
-                <a:latin typeface="Roboto"/>
-                <a:ea typeface="Roboto"/>
-                <a:cs typeface="Roboto"/>
-              </a:rPr>
-              <a:t>https://quanticor-security.de/ota-updates/</a:t>
-            </a:r>
-            <a:endParaRPr sz="1600" b="0" i="0" u="none" strike="noStrike" cap="none" spc="0">
-              <a:solidFill>
-                <a:schemeClr val="tx1"/>
-              </a:solidFill>
-              <a:latin typeface="Roboto"/>
-              <a:cs typeface="Roboto"/>
-            </a:endParaRPr>
+              <a:t> CI Pipeline</a:t>
+            </a:r>
+            <a:r>
+              <a:rPr/>
+              <a:t>: Testreport</a:t>
+            </a:r>
+            <a:endParaRPr/>
           </a:p>
         </p:txBody>
       </p:sp>
@@ -12168,149 +11990,997 @@
       </p:grpSpPr>
       <p:sp>
         <p:nvSpPr>
-          <p:cNvPr id="35736708" name="Titelplatzhalter 25"/>
+          <p:cNvPr id="343717221" name="Titel 3"/>
           <p:cNvSpPr>
             <a:spLocks noGrp="1"/>
           </p:cNvSpPr>
           <p:nvPr>
-            <p:ph type="title"/>
+            <p:ph type="title" hasCustomPrompt="1"/>
           </p:nvPr>
         </p:nvSpPr>
         <p:spPr bwMode="auto">
-          <a:xfrm>
-            <a:off x="2387598" y="266698"/>
-            <a:ext cx="9504362" cy="893763"/>
+          <a:prstGeom prst="rect">
+            <a:avLst/>
+          </a:prstGeom>
+        </p:spPr>
+        <p:txBody>
+          <a:bodyPr vertOverflow="overflow" horzOverflow="overflow" vert="horz" wrap="square" lIns="0" tIns="0" rIns="0" bIns="0" numCol="1" spcCol="0" rtlCol="0" fromWordArt="0" anchor="t" anchorCtr="0" forceAA="0" upright="0" compatLnSpc="0">
+            <a:normAutofit fontScale="90000" lnSpcReduction="2000"/>
+          </a:bodyPr>
+          <a:lstStyle>
+            <a:lvl1pPr>
+              <a:defRPr sz="2800"/>
+            </a:lvl1pPr>
+          </a:lstStyle>
+          <a:p>
+            <a:pPr>
+              <a:defRPr/>
+            </a:pPr>
+            <a:r>
+              <a:rPr lang="de-DE" sz="2800" b="1" i="0" u="none" strike="noStrike" cap="none" spc="0">
+                <a:solidFill>
+                  <a:schemeClr val="bg1"/>
+                </a:solidFill>
+                <a:latin typeface="Roboto"/>
+                <a:ea typeface="Roboto"/>
+                <a:cs typeface="+mj-cs"/>
+              </a:rPr>
+              <a:t>Zusammenfassung &amp; Ausblick</a:t>
+            </a:r>
+            <a:endParaRPr sz="2800"/>
+          </a:p>
+          <a:p>
+            <a:pPr>
+              <a:defRPr/>
+            </a:pPr>
+            <a:endParaRPr/>
+          </a:p>
+        </p:txBody>
+      </p:sp>
+      <p:sp>
+        <p:nvSpPr>
+          <p:cNvPr id="1565728904" name="Textplatzhalter 7"/>
+          <p:cNvSpPr>
+            <a:spLocks noGrp="1"/>
+          </p:cNvSpPr>
+          <p:nvPr>
+            <p:ph type="body" sz="quarter" idx="11" hasCustomPrompt="1"/>
+          </p:nvPr>
+        </p:nvSpPr>
+        <p:spPr bwMode="auto">
+          <a:xfrm flipH="0" flipV="0">
+            <a:off x="192087" y="937984"/>
+            <a:ext cx="6858984" cy="5407251"/>
           </a:xfrm>
           <a:prstGeom prst="rect">
             <a:avLst/>
           </a:prstGeom>
         </p:spPr>
         <p:txBody>
-          <a:bodyPr vert="horz" lIns="0" tIns="0" rIns="0" bIns="0" rtlCol="0" anchor="t" anchorCtr="0">
+          <a:bodyPr vertOverflow="overflow" horzOverflow="overflow" vert="horz" wrap="square" lIns="91440" tIns="45720" rIns="91440" bIns="45720" numCol="1" spcCol="0" rtlCol="0" fromWordArt="0" anchor="t" anchorCtr="0" forceAA="0" upright="0" compatLnSpc="0">
             <a:normAutofit/>
           </a:bodyPr>
           <a:lstStyle>
             <a:lvl1pPr>
-              <a:defRPr b="1">
-                <a:solidFill>
-                  <a:schemeClr val="bg1"/>
-                </a:solidFill>
+              <a:defRPr sz="2000">
+                <a:latin typeface="Roboto"/>
+                <a:ea typeface="Roboto"/>
               </a:defRPr>
             </a:lvl1pPr>
+            <a:lvl2pPr>
+              <a:defRPr sz="2000">
+                <a:latin typeface="Roboto"/>
+                <a:ea typeface="Roboto"/>
+              </a:defRPr>
+            </a:lvl2pPr>
+            <a:lvl3pPr>
+              <a:defRPr sz="2000">
+                <a:latin typeface="Roboto"/>
+                <a:ea typeface="Roboto"/>
+              </a:defRPr>
+            </a:lvl3pPr>
+            <a:lvl4pPr>
+              <a:defRPr sz="2000">
+                <a:latin typeface="Roboto"/>
+                <a:ea typeface="Roboto"/>
+              </a:defRPr>
+            </a:lvl4pPr>
+            <a:lvl5pPr>
+              <a:defRPr sz="2000">
+                <a:latin typeface="Roboto"/>
+                <a:ea typeface="Roboto"/>
+              </a:defRPr>
+            </a:lvl5pPr>
           </a:lstStyle>
           <a:p>
             <a:pPr>
               <a:defRPr/>
             </a:pPr>
             <a:r>
-              <a:rPr lang="de-DE" sz="2800" b="1" i="0" u="none" strike="noStrike" cap="none" spc="0">
-                <a:solidFill>
-                  <a:schemeClr val="bg1"/>
-                </a:solidFill>
-                <a:latin typeface="Roboto"/>
-                <a:ea typeface="Roboto"/>
-                <a:cs typeface="Arial"/>
+              <a:rPr lang="de-DE" sz="2000" b="0" i="0" u="none" strike="noStrike" cap="none" spc="0">
+                <a:solidFill>
+                  <a:schemeClr val="tx1"/>
+                </a:solidFill>
+                <a:latin typeface="Roboto"/>
+                <a:ea typeface="Roboto"/>
+                <a:cs typeface="Roboto"/>
               </a:rPr>
-              <a:t>Vielen Dank für ihre Aufmerksamkeit!</a:t>
-            </a:r>
+              <a:t>Konzept für das automatisierte Testen der Pfadfolge MPC wurde implementiert</a:t>
+            </a:r>
+            <a:endParaRPr lang="de-DE" sz="2000" b="0" i="0" u="none" strike="noStrike" cap="none" spc="0">
+              <a:solidFill>
+                <a:schemeClr val="tx1"/>
+              </a:solidFill>
+              <a:latin typeface="Times New Roman"/>
+              <a:cs typeface="Times New Roman"/>
+            </a:endParaRPr>
+          </a:p>
+          <a:p>
+            <a:pPr lvl="1">
+              <a:defRPr/>
+            </a:pPr>
+            <a:r>
+              <a:rPr lang="de-DE" sz="2000" b="0" i="0" u="none" strike="noStrike" cap="none" spc="0">
+                <a:solidFill>
+                  <a:schemeClr val="tx1"/>
+                </a:solidFill>
+                <a:latin typeface="Roboto"/>
+                <a:ea typeface="Roboto"/>
+                <a:cs typeface="Roboto"/>
+              </a:rPr>
+              <a:t>Neue Szenarien können hinzugefügt werden</a:t>
+            </a:r>
+            <a:endParaRPr lang="de-DE" sz="2000" b="0" i="0" u="none" strike="noStrike" cap="none" spc="0">
+              <a:solidFill>
+                <a:schemeClr val="tx1"/>
+              </a:solidFill>
+              <a:latin typeface="Times New Roman"/>
+              <a:cs typeface="Times New Roman"/>
+            </a:endParaRPr>
+          </a:p>
+          <a:p>
+            <a:pPr lvl="1">
+              <a:defRPr/>
+            </a:pPr>
+            <a:r>
+              <a:rPr lang="de-DE" sz="2000" b="0" i="0" u="none" strike="noStrike" cap="none" spc="0">
+                <a:solidFill>
+                  <a:schemeClr val="tx1"/>
+                </a:solidFill>
+                <a:latin typeface="Roboto"/>
+                <a:ea typeface="Roboto"/>
+                <a:cs typeface="Roboto"/>
+              </a:rPr>
+              <a:t>Falls benötigt</a:t>
+            </a:r>
+            <a:r>
+              <a:rPr lang="de-DE" sz="2000" b="0" i="0" u="none" strike="noStrike" cap="none" spc="0">
+                <a:solidFill>
+                  <a:schemeClr val="tx1"/>
+                </a:solidFill>
+                <a:latin typeface="Roboto"/>
+                <a:ea typeface="Roboto"/>
+                <a:cs typeface="Roboto"/>
+              </a:rPr>
+              <a:t> Erweiterung um neue Fahrzeuge möglich</a:t>
+            </a:r>
+            <a:endParaRPr lang="de-DE" sz="2000" b="0" i="0" u="none" strike="noStrike" cap="none" spc="0">
+              <a:solidFill>
+                <a:schemeClr val="tx1"/>
+              </a:solidFill>
+              <a:latin typeface="Times New Roman"/>
+              <a:cs typeface="Times New Roman"/>
+            </a:endParaRPr>
+          </a:p>
+          <a:p>
+            <a:pPr lvl="1">
+              <a:defRPr/>
+            </a:pPr>
+            <a:r>
+              <a:rPr lang="de-DE" sz="2000" b="0" i="0" u="none" strike="noStrike" cap="none" spc="0">
+                <a:solidFill>
+                  <a:schemeClr val="tx1"/>
+                </a:solidFill>
+                <a:latin typeface="Roboto"/>
+                <a:ea typeface="Roboto"/>
+                <a:cs typeface="Roboto"/>
+              </a:rPr>
+              <a:t>KPIs und Parametergrenzen sind veränderbar</a:t>
+            </a:r>
+            <a:endParaRPr lang="de-DE" sz="2000" b="0" i="0" u="none" strike="noStrike" cap="none" spc="0">
+              <a:solidFill>
+                <a:schemeClr val="tx1"/>
+              </a:solidFill>
+              <a:latin typeface="Times New Roman"/>
+              <a:cs typeface="Times New Roman"/>
+            </a:endParaRPr>
+          </a:p>
+          <a:p>
+            <a:pPr lvl="0">
+              <a:defRPr/>
+            </a:pPr>
+            <a:r>
+              <a:rPr lang="de-DE" sz="2000" b="0" i="0" u="none" strike="noStrike" cap="none" spc="0">
+                <a:solidFill>
+                  <a:schemeClr val="tx1"/>
+                </a:solidFill>
+                <a:latin typeface="Roboto"/>
+                <a:ea typeface="Roboto"/>
+                <a:cs typeface="Roboto"/>
+              </a:rPr>
+              <a:t>Automatisierte Ausführung in der GitLab-Pipeline</a:t>
+            </a:r>
+            <a:r>
+              <a:rPr lang="de-DE" sz="2000" b="0" i="0" u="none" strike="noStrike" cap="none" spc="0">
+                <a:solidFill>
+                  <a:schemeClr val="tx1"/>
+                </a:solidFill>
+                <a:latin typeface="Roboto"/>
+                <a:ea typeface="Roboto"/>
+                <a:cs typeface="Roboto"/>
+              </a:rPr>
+              <a:t> und Benachrichtigung des Entwicklers</a:t>
+            </a:r>
+            <a:endParaRPr lang="de-DE" sz="2000" b="0" i="0" u="none" strike="noStrike" cap="none" spc="0">
+              <a:solidFill>
+                <a:schemeClr val="tx1"/>
+              </a:solidFill>
+              <a:latin typeface="Times New Roman"/>
+              <a:cs typeface="Times New Roman"/>
+            </a:endParaRPr>
+          </a:p>
+          <a:p>
+            <a:pPr lvl="1">
+              <a:defRPr/>
+            </a:pPr>
+            <a:endParaRPr lang="de-DE" sz="2000"/>
+          </a:p>
+          <a:p>
+            <a:pPr marL="0" indent="0">
+              <a:buFont typeface="Arial"/>
+              <a:buNone/>
+              <a:defRPr/>
+            </a:pPr>
+            <a:endParaRPr lang="de-DE" sz="2000" b="0" i="0" u="none" strike="noStrike" cap="none" spc="0">
+              <a:solidFill>
+                <a:schemeClr val="tx1"/>
+              </a:solidFill>
+              <a:latin typeface="Times New Roman"/>
+              <a:cs typeface="Times New Roman"/>
+            </a:endParaRPr>
+          </a:p>
+          <a:p>
+            <a:pPr>
+              <a:defRPr/>
+            </a:pPr>
+            <a:r>
+              <a:rPr lang="de-DE" sz="2000" b="0" i="0" u="none" strike="noStrike" cap="none" spc="0">
+                <a:solidFill>
+                  <a:schemeClr val="tx1"/>
+                </a:solidFill>
+                <a:latin typeface="Roboto"/>
+                <a:ea typeface="Roboto"/>
+                <a:cs typeface="Roboto"/>
+              </a:rPr>
+              <a:t>Einbinden in vollständiges over-the-air Updatesystem</a:t>
+            </a:r>
+            <a:endParaRPr lang="de-DE" sz="2000" b="0" i="0" u="none" strike="noStrike" cap="none" spc="0">
+              <a:solidFill>
+                <a:schemeClr val="tx1"/>
+              </a:solidFill>
+              <a:latin typeface="Times New Roman"/>
+              <a:cs typeface="Times New Roman"/>
+            </a:endParaRPr>
+          </a:p>
+          <a:p>
+            <a:pPr>
+              <a:defRPr/>
+            </a:pPr>
+            <a:r>
+              <a:rPr lang="de-DE" sz="2000" b="0" i="0" u="none" strike="noStrike" cap="none" spc="0">
+                <a:solidFill>
+                  <a:schemeClr val="tx1"/>
+                </a:solidFill>
+                <a:latin typeface="Roboto"/>
+                <a:ea typeface="Roboto"/>
+                <a:cs typeface="Roboto"/>
+              </a:rPr>
+              <a:t>Kritikalitätsbewertung der einzelnen Testdurchläufe, finden kritischer Parameterwerte für Test</a:t>
+            </a:r>
+            <a:endParaRPr lang="de-DE" sz="2000" b="0" i="0" u="none" strike="noStrike" cap="none" spc="0">
+              <a:solidFill>
+                <a:schemeClr val="tx1"/>
+              </a:solidFill>
+              <a:latin typeface="Times New Roman"/>
+              <a:cs typeface="Times New Roman"/>
+            </a:endParaRPr>
+          </a:p>
+          <a:p>
+            <a:pPr>
+              <a:defRPr/>
+            </a:pPr>
+            <a:endParaRPr lang="de-DE" sz="2000" b="0" i="0" u="none" strike="noStrike" cap="none" spc="0">
+              <a:solidFill>
+                <a:schemeClr val="tx1"/>
+              </a:solidFill>
+              <a:latin typeface="Times New Roman"/>
+              <a:cs typeface="Times New Roman"/>
+            </a:endParaRPr>
+          </a:p>
+          <a:p>
+            <a:pPr marL="0" indent="0">
+              <a:buFont typeface="Arial"/>
+              <a:buNone/>
+              <a:defRPr/>
+            </a:pPr>
             <a:endParaRPr/>
           </a:p>
         </p:txBody>
       </p:sp>
       <p:pic>
         <p:nvPicPr>
-          <p:cNvPr id="2013307992" name=""/>
-          <p:cNvPicPr>
-            <a:picLocks noChangeAspect="1"/>
-          </p:cNvPicPr>
-          <p:nvPr>
-            <p:ph type="pic" sz="quarter" idx="14"/>
-          </p:nvPr>
-        </p:nvPicPr>
-        <p:blipFill>
-          <a:blip r:embed="rId3"/>
-          <a:stretch/>
-        </p:blipFill>
-        <p:spPr bwMode="auto">
-          <a:xfrm rot="0" flipH="0" flipV="0">
-            <a:off x="334962" y="2938089"/>
-            <a:ext cx="3323120" cy="1930721"/>
-          </a:xfrm>
-          <a:prstGeom prst="rect">
-            <a:avLst/>
-          </a:prstGeom>
-        </p:spPr>
-      </p:pic>
-      <p:pic>
-        <p:nvPicPr>
-          <p:cNvPr id="1806249416" name=""/>
-          <p:cNvPicPr>
-            <a:picLocks noChangeAspect="1"/>
-          </p:cNvPicPr>
-          <p:nvPr>
-            <p:ph type="pic" sz="quarter" idx="10"/>
-          </p:nvPr>
-        </p:nvPicPr>
-        <p:blipFill>
-          <a:blip r:embed="rId4"/>
-          <a:stretch/>
-        </p:blipFill>
-        <p:spPr bwMode="auto">
-          <a:xfrm rot="0" flipH="0" flipV="0">
-            <a:off x="4258589" y="2517066"/>
-            <a:ext cx="3240065" cy="2599117"/>
-          </a:xfrm>
-          <a:prstGeom prst="rect">
-            <a:avLst/>
-          </a:prstGeom>
-        </p:spPr>
-      </p:pic>
-      <p:pic>
-        <p:nvPicPr>
-          <p:cNvPr id="2005075965" name=""/>
-          <p:cNvPicPr>
-            <a:picLocks noChangeAspect="1"/>
-          </p:cNvPicPr>
-          <p:nvPr>
-            <p:ph type="pic" sz="quarter" idx="15"/>
-          </p:nvPr>
-        </p:nvPicPr>
-        <p:blipFill>
-          <a:blip r:embed="rId5"/>
-          <a:stretch/>
-        </p:blipFill>
-        <p:spPr bwMode="auto">
-          <a:xfrm rot="0">
-            <a:off x="7815261" y="2830462"/>
-            <a:ext cx="4076699" cy="2038348"/>
-          </a:xfrm>
-          <a:prstGeom prst="rect">
-            <a:avLst/>
-          </a:prstGeom>
-        </p:spPr>
-      </p:pic>
-      <p:pic>
-        <p:nvPicPr>
-          <p:cNvPr id="2127461031" name=""/>
+          <p:cNvPr id="103470865" name=""/>
           <p:cNvPicPr>
             <a:picLocks noChangeAspect="1"/>
           </p:cNvPicPr>
           <p:nvPr/>
         </p:nvPicPr>
         <p:blipFill>
-          <a:blip r:embed="rId6"/>
+          <a:blip r:embed="rId3"/>
           <a:stretch/>
         </p:blipFill>
         <p:spPr bwMode="auto">
           <a:xfrm flipH="0" flipV="0">
-            <a:off x="9160177" y="-793"/>
-            <a:ext cx="2731781" cy="1506496"/>
+            <a:off x="7595209" y="2358340"/>
+            <a:ext cx="3683411" cy="3348154"/>
           </a:xfrm>
           <a:prstGeom prst="rect">
             <a:avLst/>
           </a:prstGeom>
         </p:spPr>
       </p:pic>
+      <p:sp>
+        <p:nvSpPr>
+          <p:cNvPr id="2139341157" name=""/>
+          <p:cNvSpPr txBox="1"/>
+          <p:nvPr/>
+        </p:nvSpPr>
+        <p:spPr bwMode="auto">
+          <a:xfrm flipH="0" flipV="0">
+            <a:off x="10867847" y="5887495"/>
+            <a:ext cx="411492" cy="305159"/>
+          </a:xfrm>
+          <a:prstGeom prst="rect">
+            <a:avLst/>
+          </a:prstGeom>
+          <a:noFill/>
+        </p:spPr>
+        <p:txBody>
+          <a:bodyPr vertOverflow="overflow" horzOverflow="overflow" vert="horz" wrap="square" lIns="91440" tIns="45720" rIns="91440" bIns="45720" numCol="1" spcCol="0" rtlCol="0" fromWordArt="0" anchor="t" anchorCtr="0" forceAA="0" upright="0" compatLnSpc="0">
+            <a:spAutoFit/>
+          </a:bodyPr>
+          <a:p>
+            <a:pPr>
+              <a:defRPr/>
+            </a:pPr>
+            <a:r>
+              <a:rPr sz="1400">
+                <a:solidFill>
+                  <a:schemeClr val="bg2">
+                    <a:lumMod val="50000"/>
+                  </a:schemeClr>
+                </a:solidFill>
+              </a:rPr>
+              <a:t>[7]</a:t>
+            </a:r>
+            <a:endParaRPr sz="1400">
+              <a:solidFill>
+                <a:schemeClr val="bg2">
+                  <a:lumMod val="50000"/>
+                </a:schemeClr>
+              </a:solidFill>
+            </a:endParaRPr>
+          </a:p>
+        </p:txBody>
+      </p:sp>
+    </p:spTree>
+  </p:cSld>
+  <p:clrMapOvr>
+    <a:masterClrMapping/>
+  </p:clrMapOvr>
+  <mc:AlternateContent xmlns:mc="http://schemas.openxmlformats.org/markup-compatibility/2006">
+    <mc:Choice xmlns:p159="http://schemas.microsoft.com/office/powerpoint/2015/09/main" xmlns:p14="http://schemas.microsoft.com/office/powerpoint/2010/main" Requires="p159">
+      <p:transition p14:dur="2000" advClick="1"/>
+    </mc:Choice>
+    <mc:Fallback>
+      <p:transition advClick="1"/>
+    </mc:Fallback>
+  </mc:AlternateContent>
+</p:sld>
+</file>
+
+<file path=ppt/slides/slide19.xml><?xml version="1.0" encoding="utf-8"?>
+<p:sld xmlns:a="http://schemas.openxmlformats.org/drawingml/2006/main" xmlns:r="http://schemas.openxmlformats.org/officeDocument/2006/relationships" xmlns:p="http://schemas.openxmlformats.org/presentationml/2006/main" xmlns:m="http://schemas.openxmlformats.org/officeDocument/2006/math" xmlns:w="http://schemas.openxmlformats.org/wordprocessingml/2006/main" xmlns:mc="http://schemas.openxmlformats.org/markup-compatibility/2006" showMasterPhAnim="0" showMasterSp="1" show="1">
+  <p:cSld name="">
+    <p:spTree>
+      <p:nvGrpSpPr>
+        <p:cNvPr id="1" name=""/>
+        <p:cNvGrpSpPr/>
+        <p:nvPr/>
+      </p:nvGrpSpPr>
+      <p:grpSpPr bwMode="auto">
+        <a:xfrm>
+          <a:off x="0" y="0"/>
+          <a:ext cx="0" cy="0"/>
+          <a:chOff x="0" y="0"/>
+          <a:chExt cx="0" cy="0"/>
+        </a:xfrm>
+      </p:grpSpPr>
+      <p:sp>
+        <p:nvSpPr>
+          <p:cNvPr id="703869753" name="Titel 3"/>
+          <p:cNvSpPr>
+            <a:spLocks noGrp="1"/>
+          </p:cNvSpPr>
+          <p:nvPr>
+            <p:ph type="title" hasCustomPrompt="1"/>
+          </p:nvPr>
+        </p:nvSpPr>
+        <p:spPr bwMode="auto">
+          <a:xfrm>
+            <a:off x="1343025" y="152398"/>
+            <a:ext cx="10656887" cy="468312"/>
+          </a:xfrm>
+          <a:prstGeom prst="rect">
+            <a:avLst/>
+          </a:prstGeom>
+        </p:spPr>
+        <p:txBody>
+          <a:bodyPr lIns="0" tIns="0" rIns="0" bIns="0">
+            <a:normAutofit/>
+          </a:bodyPr>
+          <a:lstStyle>
+            <a:lvl1pPr>
+              <a:defRPr sz="2800"/>
+            </a:lvl1pPr>
+          </a:lstStyle>
+          <a:p>
+            <a:pPr>
+              <a:defRPr/>
+            </a:pPr>
+            <a:r>
+              <a:rPr/>
+              <a:t>Referenzen</a:t>
+            </a:r>
+            <a:endParaRPr/>
+          </a:p>
+        </p:txBody>
+      </p:sp>
+      <p:sp>
+        <p:nvSpPr>
+          <p:cNvPr id="662579795" name="Textplatzhalter 7"/>
+          <p:cNvSpPr>
+            <a:spLocks noGrp="1"/>
+          </p:cNvSpPr>
+          <p:nvPr>
+            <p:ph type="body" sz="quarter" idx="11" hasCustomPrompt="1"/>
+          </p:nvPr>
+        </p:nvSpPr>
+        <p:spPr bwMode="auto">
+          <a:xfrm flipH="0" flipV="0">
+            <a:off x="192087" y="908048"/>
+            <a:ext cx="11807823" cy="5437186"/>
+          </a:xfrm>
+          <a:prstGeom prst="rect">
+            <a:avLst/>
+          </a:prstGeom>
+        </p:spPr>
+        <p:txBody>
+          <a:bodyPr vertOverflow="overflow" horzOverflow="overflow" vert="horz" wrap="square" lIns="91440" tIns="45720" rIns="91440" bIns="45720" numCol="1" spcCol="0" rtlCol="0" fromWordArt="0" anchor="t" anchorCtr="0" forceAA="0" upright="0" compatLnSpc="0">
+            <a:normAutofit/>
+          </a:bodyPr>
+          <a:lstStyle>
+            <a:lvl1pPr>
+              <a:defRPr sz="2000">
+                <a:latin typeface="Roboto"/>
+                <a:ea typeface="Roboto"/>
+              </a:defRPr>
+            </a:lvl1pPr>
+            <a:lvl2pPr>
+              <a:defRPr sz="2000">
+                <a:latin typeface="Roboto"/>
+                <a:ea typeface="Roboto"/>
+              </a:defRPr>
+            </a:lvl2pPr>
+            <a:lvl3pPr>
+              <a:defRPr sz="2000">
+                <a:latin typeface="Roboto"/>
+                <a:ea typeface="Roboto"/>
+              </a:defRPr>
+            </a:lvl3pPr>
+            <a:lvl4pPr>
+              <a:defRPr sz="2000">
+                <a:latin typeface="Roboto"/>
+                <a:ea typeface="Roboto"/>
+              </a:defRPr>
+            </a:lvl4pPr>
+            <a:lvl5pPr>
+              <a:defRPr sz="2000">
+                <a:latin typeface="Roboto"/>
+                <a:ea typeface="Roboto"/>
+              </a:defRPr>
+            </a:lvl5pPr>
+          </a:lstStyle>
+          <a:p>
+            <a:pPr marL="0" indent="0">
+              <a:buFont typeface="Arial"/>
+              <a:buNone/>
+              <a:defRPr/>
+            </a:pPr>
+            <a:r>
+              <a:rPr sz="1600"/>
+              <a:t>[1] </a:t>
+            </a:r>
+            <a:r>
+              <a:rPr lang="de-DE" sz="1600" b="0" i="0" u="none" strike="noStrike" cap="none" spc="0">
+                <a:solidFill>
+                  <a:schemeClr val="tx1"/>
+                </a:solidFill>
+                <a:latin typeface="Roboto"/>
+                <a:ea typeface="Roboto"/>
+                <a:cs typeface="Roboto"/>
+              </a:rPr>
+              <a:t>	Robert Ritschel, Frank Schrödel, Juliane Hädrich und Jens Jäkel. „Nonlinear Model </a:t>
+            </a:r>
+            <a:r>
+              <a:rPr lang="de-DE" sz="1600" b="0" i="0" u="none" strike="noStrike" cap="none" spc="0">
+                <a:solidFill>
+                  <a:schemeClr val="tx1"/>
+                </a:solidFill>
+                <a:latin typeface="Roboto"/>
+                <a:ea typeface="Roboto"/>
+                <a:cs typeface="Roboto"/>
+              </a:rPr>
+              <a:t>Predictive Path-Following Control 	for Highly Automated Driving“. In: IFACPapersOnLine </a:t>
+            </a:r>
+            <a:r>
+              <a:rPr lang="de-DE" sz="1600" b="0" i="0" u="none" strike="noStrike" cap="none" spc="0">
+                <a:solidFill>
+                  <a:schemeClr val="tx1"/>
+                </a:solidFill>
+                <a:latin typeface="Roboto"/>
+                <a:ea typeface="Roboto"/>
+                <a:cs typeface="Roboto"/>
+              </a:rPr>
+              <a:t>52.8 (2019). 10th 	IFAC Symposium on Intelligent Autonomous 	Vehicles </a:t>
+            </a:r>
+            <a:r>
+              <a:rPr lang="de-DE" sz="1600" b="0" i="0" u="none" strike="noStrike" cap="none" spc="0">
+                <a:solidFill>
+                  <a:schemeClr val="tx1"/>
+                </a:solidFill>
+                <a:latin typeface="Roboto"/>
+                <a:ea typeface="Roboto"/>
+                <a:cs typeface="Roboto"/>
+              </a:rPr>
+              <a:t>IAV 2019, S. 350–355. ISSN: 2405-8963. 	DOI: 10.1016/j.ifacol.2019.08.</a:t>
+            </a:r>
+            <a:r>
+              <a:rPr lang="de-DE" sz="1600" b="0" i="0" u="none" strike="noStrike" cap="none" spc="0">
+                <a:solidFill>
+                  <a:schemeClr val="tx1"/>
+                </a:solidFill>
+                <a:latin typeface="Roboto"/>
+                <a:ea typeface="Roboto"/>
+                <a:cs typeface="Roboto"/>
+              </a:rPr>
+              <a:t>112.</a:t>
+            </a:r>
+            <a:endParaRPr sz="1600" b="0" i="0" u="none" strike="noStrike" cap="none" spc="0">
+              <a:solidFill>
+                <a:schemeClr val="tx1"/>
+              </a:solidFill>
+              <a:latin typeface="Roboto"/>
+              <a:cs typeface="Roboto"/>
+            </a:endParaRPr>
+          </a:p>
+          <a:p>
+            <a:pPr marL="0" indent="0">
+              <a:buFont typeface="Arial"/>
+              <a:buNone/>
+              <a:defRPr/>
+            </a:pPr>
+            <a:r>
+              <a:rPr lang="de-DE" sz="1600" b="0" i="0" u="none" strike="noStrike" cap="none" spc="0">
+                <a:solidFill>
+                  <a:schemeClr val="tx1"/>
+                </a:solidFill>
+                <a:latin typeface="Roboto"/>
+                <a:cs typeface="Roboto"/>
+              </a:rPr>
+              <a:t>[2]</a:t>
+            </a:r>
+            <a:r>
+              <a:rPr lang="de-DE" sz="1600" b="0" i="0" u="none" strike="noStrike" cap="none" spc="0">
+                <a:solidFill>
+                  <a:schemeClr val="tx1"/>
+                </a:solidFill>
+                <a:latin typeface="Roboto"/>
+                <a:cs typeface="Roboto"/>
+              </a:rPr>
+              <a:t>	</a:t>
+            </a:r>
+            <a:r>
+              <a:rPr lang="de-DE" sz="1600" b="0" i="0" u="none" strike="noStrike" cap="none" spc="0">
+                <a:solidFill>
+                  <a:schemeClr val="tx1"/>
+                </a:solidFill>
+                <a:latin typeface="Roboto"/>
+                <a:ea typeface="Roboto"/>
+                <a:cs typeface="Roboto"/>
+              </a:rPr>
+              <a:t>Gerrit Bagschik, Till Menzel und Markus Maurer. „Ontology based Scene Creation </a:t>
+            </a:r>
+            <a:r>
+              <a:rPr lang="de-DE" sz="1600" b="0" i="0" u="none" strike="noStrike" cap="none" spc="0">
+                <a:solidFill>
+                  <a:schemeClr val="tx1"/>
+                </a:solidFill>
+                <a:latin typeface="Roboto"/>
+                <a:ea typeface="Roboto"/>
+                <a:cs typeface="Roboto"/>
+              </a:rPr>
+              <a:t>for the Development of Automated 	Vehicles“. In: 2018 IEEE Intelligent Vehicles </a:t>
+            </a:r>
+            <a:r>
+              <a:rPr lang="de-DE" sz="1600" b="0" i="0" u="none" strike="noStrike" cap="none" spc="0">
+                <a:solidFill>
+                  <a:schemeClr val="tx1"/>
+                </a:solidFill>
+                <a:latin typeface="Roboto"/>
+                <a:ea typeface="Roboto"/>
+                <a:cs typeface="Roboto"/>
+              </a:rPr>
+              <a:t>Symposium (IV). 2018, S. 1813–1820. DOI: 10.1109/IVS.2018.8500632.</a:t>
+            </a:r>
+            <a:endParaRPr sz="1600" b="0" i="0" u="none" strike="noStrike" cap="none" spc="0">
+              <a:solidFill>
+                <a:schemeClr val="tx1"/>
+              </a:solidFill>
+              <a:latin typeface="Roboto"/>
+              <a:cs typeface="Roboto"/>
+            </a:endParaRPr>
+          </a:p>
+          <a:p>
+            <a:pPr marL="0" indent="0">
+              <a:buFont typeface="Arial"/>
+              <a:buNone/>
+              <a:defRPr/>
+            </a:pPr>
+            <a:r>
+              <a:rPr lang="de-DE" sz="1600" b="0" i="0" u="none" strike="noStrike" cap="none" spc="0">
+                <a:solidFill>
+                  <a:schemeClr val="tx1"/>
+                </a:solidFill>
+                <a:latin typeface="Roboto"/>
+                <a:ea typeface="Roboto"/>
+                <a:cs typeface="Roboto"/>
+              </a:rPr>
+              <a:t>[3]</a:t>
+            </a:r>
+            <a:r>
+              <a:rPr lang="de-DE" sz="1600" b="0" i="0" u="none" strike="noStrike" cap="none" spc="0">
+                <a:solidFill>
+                  <a:schemeClr val="tx1"/>
+                </a:solidFill>
+                <a:latin typeface="Roboto"/>
+                <a:cs typeface="Roboto"/>
+              </a:rPr>
+              <a:t> </a:t>
+            </a:r>
+            <a:r>
+              <a:rPr lang="de-DE" sz="1600" b="0" i="0" u="none" strike="noStrike" cap="none" spc="0">
+                <a:solidFill>
+                  <a:schemeClr val="tx1"/>
+                </a:solidFill>
+                <a:latin typeface="Roboto"/>
+                <a:ea typeface="Roboto"/>
+                <a:cs typeface="Roboto"/>
+              </a:rPr>
+              <a:t>	Till Menzel, Gerrit Bagschik und Markus Maurer. „Scenarios for Development, Test </a:t>
+            </a:r>
+            <a:r>
+              <a:rPr lang="de-DE" sz="1600" b="0" i="0" u="none" strike="noStrike" cap="none" spc="0">
+                <a:solidFill>
+                  <a:schemeClr val="tx1"/>
+                </a:solidFill>
+                <a:latin typeface="Roboto"/>
+                <a:ea typeface="Roboto"/>
+                <a:cs typeface="Roboto"/>
+              </a:rPr>
+              <a:t>and Validation of Automated 	Vehicles“. In: 2018 IEEE Intelligent Vehicles Symposium </a:t>
+            </a:r>
+            <a:r>
+              <a:rPr lang="de-DE" sz="1600" b="0" i="0" u="none" strike="noStrike" cap="none" spc="0">
+                <a:solidFill>
+                  <a:schemeClr val="tx1"/>
+                </a:solidFill>
+                <a:latin typeface="Roboto"/>
+                <a:ea typeface="Roboto"/>
+                <a:cs typeface="Roboto"/>
+              </a:rPr>
+              <a:t>(IV). 2018, S. 1821–1827. DOI: 10.1109/IVS.2018.8500406.</a:t>
+            </a:r>
+            <a:endParaRPr sz="1600" b="0" i="0" u="none" strike="noStrike" cap="none" spc="0">
+              <a:solidFill>
+                <a:schemeClr val="tx1"/>
+              </a:solidFill>
+              <a:latin typeface="Roboto"/>
+              <a:cs typeface="Roboto"/>
+            </a:endParaRPr>
+          </a:p>
+          <a:p>
+            <a:pPr marL="0" indent="0">
+              <a:buFont typeface="Arial"/>
+              <a:buNone/>
+              <a:defRPr/>
+            </a:pPr>
+            <a:r>
+              <a:rPr lang="de-DE" sz="1600" b="0" i="0" u="none" strike="noStrike" cap="none" spc="0">
+                <a:solidFill>
+                  <a:schemeClr val="tx1"/>
+                </a:solidFill>
+                <a:latin typeface="Roboto"/>
+                <a:ea typeface="Roboto"/>
+                <a:cs typeface="Roboto"/>
+              </a:rPr>
+              <a:t>[4]</a:t>
+            </a:r>
+            <a:r>
+              <a:rPr lang="de-DE" sz="1600" b="0" i="0" u="none" strike="noStrike" cap="none" spc="0">
+                <a:solidFill>
+                  <a:schemeClr val="tx1"/>
+                </a:solidFill>
+                <a:latin typeface="Roboto"/>
+                <a:cs typeface="Roboto"/>
+              </a:rPr>
+              <a:t> </a:t>
+            </a:r>
+            <a:r>
+              <a:rPr lang="de-DE" sz="1600" b="0" i="0" u="none" strike="noStrike" cap="none" spc="0">
+                <a:solidFill>
+                  <a:schemeClr val="tx1"/>
+                </a:solidFill>
+                <a:latin typeface="Roboto"/>
+                <a:ea typeface="Roboto"/>
+                <a:cs typeface="Roboto"/>
+              </a:rPr>
+              <a:t>	Red Hat. Was ist CI/CD? Konzepte und CI/CD Tools im Überblick. 2024. </a:t>
+            </a:r>
+            <a:r>
+              <a:rPr lang="de-DE" sz="1600" b="0" i="0" u="none" strike="noStrike" cap="none" spc="0">
+                <a:solidFill>
+                  <a:schemeClr val="tx1"/>
+                </a:solidFill>
+                <a:latin typeface="Roboto"/>
+                <a:ea typeface="Roboto"/>
+                <a:cs typeface="Roboto"/>
+              </a:rPr>
+              <a:t>URL: 	https://www.redhat.com/de/topics/devops/what-is-ci-cd (besucht am </a:t>
+            </a:r>
+            <a:r>
+              <a:rPr lang="de-DE" sz="1600" b="0" i="0" u="none" strike="noStrike" cap="none" spc="0">
+                <a:solidFill>
+                  <a:schemeClr val="tx1"/>
+                </a:solidFill>
+                <a:latin typeface="Roboto"/>
+                <a:ea typeface="Roboto"/>
+                <a:cs typeface="Roboto"/>
+              </a:rPr>
+              <a:t>18. 03. 2024).</a:t>
+            </a:r>
+            <a:endParaRPr sz="1600" b="0" i="0" u="none" strike="noStrike" cap="none" spc="0">
+              <a:solidFill>
+                <a:schemeClr val="tx1"/>
+              </a:solidFill>
+              <a:latin typeface="Roboto"/>
+              <a:cs typeface="Roboto"/>
+            </a:endParaRPr>
+          </a:p>
+          <a:p>
+            <a:pPr marL="0" indent="0">
+              <a:buFont typeface="Arial"/>
+              <a:buNone/>
+              <a:defRPr/>
+            </a:pPr>
+            <a:r>
+              <a:rPr lang="de-DE" sz="1600" b="0" i="0" u="none" strike="noStrike" cap="none" spc="0">
+                <a:solidFill>
+                  <a:schemeClr val="tx1"/>
+                </a:solidFill>
+                <a:latin typeface="Roboto"/>
+                <a:ea typeface="Roboto"/>
+                <a:cs typeface="Roboto"/>
+              </a:rPr>
+              <a:t>[5]</a:t>
+            </a:r>
+            <a:r>
+              <a:rPr lang="de-DE" sz="1600" b="0" i="0" u="none" strike="noStrike" cap="none" spc="0">
+                <a:solidFill>
+                  <a:schemeClr val="tx1"/>
+                </a:solidFill>
+                <a:latin typeface="Roboto"/>
+                <a:cs typeface="Roboto"/>
+              </a:rPr>
+              <a:t> </a:t>
+            </a:r>
+            <a:r>
+              <a:rPr lang="de-DE" sz="1600" b="0" i="0" u="none" strike="noStrike" cap="none" spc="0">
+                <a:solidFill>
+                  <a:schemeClr val="tx1"/>
+                </a:solidFill>
+                <a:latin typeface="Roboto"/>
+                <a:ea typeface="Roboto"/>
+                <a:cs typeface="Roboto"/>
+              </a:rPr>
+              <a:t>	Robin Preece und Jovica Milanović. „Efficient Estimation of the Probability of </a:t>
+            </a:r>
+            <a:r>
+              <a:rPr lang="de-DE" sz="1600" b="0" i="0" u="none" strike="noStrike" cap="none" spc="0">
+                <a:solidFill>
+                  <a:schemeClr val="tx1"/>
+                </a:solidFill>
+                <a:latin typeface="Roboto"/>
+                <a:ea typeface="Roboto"/>
+                <a:cs typeface="Roboto"/>
+              </a:rPr>
+              <a:t>Small-Disturbance Instability of Large 	Uncertain Power Systems“. In: IEEE Transactions </a:t>
+            </a:r>
+            <a:r>
+              <a:rPr lang="de-DE" sz="1600" b="0" i="0" u="none" strike="noStrike" cap="none" spc="0">
+                <a:solidFill>
+                  <a:schemeClr val="tx1"/>
+                </a:solidFill>
+                <a:latin typeface="Roboto"/>
+                <a:ea typeface="Roboto"/>
+                <a:cs typeface="Roboto"/>
+              </a:rPr>
+              <a:t>on Power Systems 31 (Apr. 2015), S. 1–10. DOI: 	10.1109/TPWRS.2015. </a:t>
+            </a:r>
+            <a:r>
+              <a:rPr lang="de-DE" sz="1600" b="0" i="0" u="none" strike="noStrike" cap="none" spc="0">
+                <a:solidFill>
+                  <a:schemeClr val="tx1"/>
+                </a:solidFill>
+                <a:latin typeface="Roboto"/>
+                <a:ea typeface="Roboto"/>
+                <a:cs typeface="Roboto"/>
+              </a:rPr>
+              <a:t>2417204.</a:t>
+            </a:r>
+            <a:endParaRPr sz="1600" b="0" i="0" u="none" strike="noStrike" cap="none" spc="0">
+              <a:solidFill>
+                <a:schemeClr val="tx1"/>
+              </a:solidFill>
+              <a:latin typeface="Roboto"/>
+              <a:cs typeface="Roboto"/>
+            </a:endParaRPr>
+          </a:p>
+          <a:p>
+            <a:pPr marL="0" indent="0">
+              <a:buFont typeface="Arial"/>
+              <a:buNone/>
+              <a:defRPr/>
+            </a:pPr>
+            <a:r>
+              <a:rPr lang="de-DE" sz="1600" b="0" i="0" u="none" strike="noStrike" cap="none" spc="0">
+                <a:solidFill>
+                  <a:schemeClr val="tx1"/>
+                </a:solidFill>
+                <a:latin typeface="Roboto"/>
+                <a:ea typeface="Roboto"/>
+                <a:cs typeface="Roboto"/>
+              </a:rPr>
+              <a:t>[6]</a:t>
+            </a:r>
+            <a:r>
+              <a:rPr lang="de-DE" sz="1600" b="0" i="0" u="none" strike="noStrike" cap="none" spc="0">
+                <a:solidFill>
+                  <a:schemeClr val="tx1"/>
+                </a:solidFill>
+                <a:latin typeface="Roboto"/>
+                <a:cs typeface="Roboto"/>
+              </a:rPr>
+              <a:t> 	</a:t>
+            </a:r>
+            <a:r>
+              <a:rPr lang="de-DE" sz="1600" b="0" i="0" u="none" strike="noStrike" cap="none" spc="0">
+                <a:solidFill>
+                  <a:schemeClr val="tx1"/>
+                </a:solidFill>
+                <a:latin typeface="Roboto"/>
+                <a:ea typeface="Roboto"/>
+                <a:cs typeface="Roboto"/>
+              </a:rPr>
+              <a:t>International Organization for Standardization. ISO 15622:2018. Intelligent transport </a:t>
+            </a:r>
+            <a:r>
+              <a:rPr lang="de-DE" sz="1600" b="0" i="0" u="none" strike="noStrike" cap="none" spc="0">
+                <a:solidFill>
+                  <a:schemeClr val="tx1"/>
+                </a:solidFill>
+                <a:latin typeface="Roboto"/>
+                <a:ea typeface="Roboto"/>
+                <a:cs typeface="Roboto"/>
+              </a:rPr>
+              <a:t>systems — Adaptive cruise control 	systems — Performance requirements and </a:t>
+            </a:r>
+            <a:r>
+              <a:rPr lang="de-DE" sz="1600" b="0" i="0" u="none" strike="noStrike" cap="none" spc="0">
+                <a:solidFill>
+                  <a:schemeClr val="tx1"/>
+                </a:solidFill>
+                <a:latin typeface="Roboto"/>
+                <a:ea typeface="Roboto"/>
+                <a:cs typeface="Roboto"/>
+              </a:rPr>
+              <a:t>test procedures. Sep. 2018.</a:t>
+            </a:r>
+            <a:endParaRPr sz="1600" b="0" i="0" u="none" strike="noStrike" cap="none" spc="0">
+              <a:solidFill>
+                <a:schemeClr val="tx1"/>
+              </a:solidFill>
+              <a:latin typeface="Roboto"/>
+              <a:cs typeface="Roboto"/>
+            </a:endParaRPr>
+          </a:p>
+          <a:p>
+            <a:pPr marL="0" indent="0">
+              <a:buFont typeface="Arial"/>
+              <a:buNone/>
+              <a:defRPr/>
+            </a:pPr>
+            <a:r>
+              <a:rPr lang="de-DE" sz="1600" b="0" i="0" u="none" strike="noStrike" cap="none" spc="0">
+                <a:solidFill>
+                  <a:schemeClr val="tx1"/>
+                </a:solidFill>
+                <a:latin typeface="Roboto"/>
+                <a:cs typeface="Roboto"/>
+              </a:rPr>
+              <a:t>[7]</a:t>
+            </a:r>
+            <a:r>
+              <a:rPr lang="de-DE" sz="1600" b="0" i="0" u="none" strike="noStrike" cap="none" spc="0">
+                <a:solidFill>
+                  <a:schemeClr val="tx1"/>
+                </a:solidFill>
+                <a:latin typeface="Roboto"/>
+                <a:cs typeface="Roboto"/>
+              </a:rPr>
+              <a:t>	</a:t>
+            </a:r>
+            <a:r>
+              <a:rPr lang="de-DE" sz="1600" b="0" i="0" u="none" strike="noStrike" cap="none" spc="0">
+                <a:solidFill>
+                  <a:schemeClr val="tx1"/>
+                </a:solidFill>
+                <a:latin typeface="Roboto"/>
+                <a:ea typeface="Roboto"/>
+                <a:cs typeface="Roboto"/>
+              </a:rPr>
+              <a:t>https://quanticor-security.de/ota-updates/</a:t>
+            </a:r>
+            <a:endParaRPr sz="1600" b="0" i="0" u="none" strike="noStrike" cap="none" spc="0">
+              <a:solidFill>
+                <a:schemeClr val="tx1"/>
+              </a:solidFill>
+              <a:latin typeface="Roboto"/>
+              <a:cs typeface="Roboto"/>
+            </a:endParaRPr>
+          </a:p>
+        </p:txBody>
+      </p:sp>
     </p:spTree>
   </p:cSld>
   <p:clrMapOvr>
@@ -12621,6 +13291,184 @@
           </a:p>
         </p:txBody>
       </p:sp>
+    </p:spTree>
+  </p:cSld>
+  <p:clrMapOvr>
+    <a:masterClrMapping/>
+  </p:clrMapOvr>
+  <mc:AlternateContent xmlns:mc="http://schemas.openxmlformats.org/markup-compatibility/2006">
+    <mc:Choice xmlns:p159="http://schemas.microsoft.com/office/powerpoint/2015/09/main" xmlns:p14="http://schemas.microsoft.com/office/powerpoint/2010/main" Requires="p159">
+      <p:transition p14:dur="2000" advClick="1"/>
+    </mc:Choice>
+    <mc:Fallback>
+      <p:transition advClick="1"/>
+    </mc:Fallback>
+  </mc:AlternateContent>
+</p:sld>
+</file>
+
+<file path=ppt/slides/slide20.xml><?xml version="1.0" encoding="utf-8"?>
+<p:sld xmlns:a="http://schemas.openxmlformats.org/drawingml/2006/main" xmlns:r="http://schemas.openxmlformats.org/officeDocument/2006/relationships" xmlns:p="http://schemas.openxmlformats.org/presentationml/2006/main" xmlns:m="http://schemas.openxmlformats.org/officeDocument/2006/math" xmlns:w="http://schemas.openxmlformats.org/wordprocessingml/2006/main" xmlns:mc="http://schemas.openxmlformats.org/markup-compatibility/2006" showMasterPhAnim="0" showMasterSp="1" show="1">
+  <p:cSld name="">
+    <p:spTree>
+      <p:nvGrpSpPr>
+        <p:cNvPr id="1" name=""/>
+        <p:cNvGrpSpPr/>
+        <p:nvPr/>
+      </p:nvGrpSpPr>
+      <p:grpSpPr bwMode="auto">
+        <a:xfrm>
+          <a:off x="0" y="0"/>
+          <a:ext cx="0" cy="0"/>
+          <a:chOff x="0" y="0"/>
+          <a:chExt cx="0" cy="0"/>
+        </a:xfrm>
+      </p:grpSpPr>
+      <p:sp>
+        <p:nvSpPr>
+          <p:cNvPr id="35736708" name="Titelplatzhalter 25"/>
+          <p:cNvSpPr>
+            <a:spLocks noGrp="1"/>
+          </p:cNvSpPr>
+          <p:nvPr>
+            <p:ph type="title"/>
+          </p:nvPr>
+        </p:nvSpPr>
+        <p:spPr bwMode="auto">
+          <a:xfrm>
+            <a:off x="2387598" y="266698"/>
+            <a:ext cx="9504362" cy="893763"/>
+          </a:xfrm>
+          <a:prstGeom prst="rect">
+            <a:avLst/>
+          </a:prstGeom>
+        </p:spPr>
+        <p:txBody>
+          <a:bodyPr vert="horz" lIns="0" tIns="0" rIns="0" bIns="0" rtlCol="0" anchor="t" anchorCtr="0">
+            <a:normAutofit/>
+          </a:bodyPr>
+          <a:lstStyle>
+            <a:lvl1pPr>
+              <a:defRPr b="1">
+                <a:solidFill>
+                  <a:schemeClr val="bg1"/>
+                </a:solidFill>
+              </a:defRPr>
+            </a:lvl1pPr>
+          </a:lstStyle>
+          <a:p>
+            <a:pPr>
+              <a:defRPr/>
+            </a:pPr>
+            <a:r>
+              <a:rPr lang="de-DE" sz="2800" b="1" i="0" u="none" strike="noStrike" cap="none" spc="0">
+                <a:solidFill>
+                  <a:schemeClr val="bg1"/>
+                </a:solidFill>
+                <a:latin typeface="Roboto"/>
+                <a:ea typeface="Roboto"/>
+                <a:cs typeface="Arial"/>
+              </a:rPr>
+              <a:t>Vielen Dank für ihre Aufmerksamkeit!</a:t>
+            </a:r>
+            <a:endParaRPr/>
+          </a:p>
+        </p:txBody>
+      </p:sp>
+      <p:pic>
+        <p:nvPicPr>
+          <p:cNvPr id="2013307992" name=""/>
+          <p:cNvPicPr>
+            <a:picLocks noChangeAspect="1"/>
+          </p:cNvPicPr>
+          <p:nvPr>
+            <p:ph type="pic" sz="quarter" idx="14"/>
+          </p:nvPr>
+        </p:nvPicPr>
+        <p:blipFill>
+          <a:blip r:embed="rId3"/>
+          <a:stretch/>
+        </p:blipFill>
+        <p:spPr bwMode="auto">
+          <a:xfrm rot="0" flipH="0" flipV="0">
+            <a:off x="334962" y="2938089"/>
+            <a:ext cx="3323120" cy="1930721"/>
+          </a:xfrm>
+          <a:prstGeom prst="rect">
+            <a:avLst/>
+          </a:prstGeom>
+        </p:spPr>
+      </p:pic>
+      <p:pic>
+        <p:nvPicPr>
+          <p:cNvPr id="1806249416" name=""/>
+          <p:cNvPicPr>
+            <a:picLocks noChangeAspect="1"/>
+          </p:cNvPicPr>
+          <p:nvPr>
+            <p:ph type="pic" sz="quarter" idx="10"/>
+          </p:nvPr>
+        </p:nvPicPr>
+        <p:blipFill>
+          <a:blip r:embed="rId4"/>
+          <a:stretch/>
+        </p:blipFill>
+        <p:spPr bwMode="auto">
+          <a:xfrm rot="0" flipH="0" flipV="0">
+            <a:off x="4258589" y="2517066"/>
+            <a:ext cx="3240065" cy="2599117"/>
+          </a:xfrm>
+          <a:prstGeom prst="rect">
+            <a:avLst/>
+          </a:prstGeom>
+        </p:spPr>
+      </p:pic>
+      <p:pic>
+        <p:nvPicPr>
+          <p:cNvPr id="2005075965" name=""/>
+          <p:cNvPicPr>
+            <a:picLocks noChangeAspect="1"/>
+          </p:cNvPicPr>
+          <p:nvPr>
+            <p:ph type="pic" sz="quarter" idx="15"/>
+          </p:nvPr>
+        </p:nvPicPr>
+        <p:blipFill>
+          <a:blip r:embed="rId5"/>
+          <a:stretch/>
+        </p:blipFill>
+        <p:spPr bwMode="auto">
+          <a:xfrm rot="0">
+            <a:off x="7815261" y="2830462"/>
+            <a:ext cx="4076699" cy="2038348"/>
+          </a:xfrm>
+          <a:prstGeom prst="rect">
+            <a:avLst/>
+          </a:prstGeom>
+        </p:spPr>
+      </p:pic>
+      <p:pic>
+        <p:nvPicPr>
+          <p:cNvPr id="2127461031" name=""/>
+          <p:cNvPicPr>
+            <a:picLocks noChangeAspect="1"/>
+          </p:cNvPicPr>
+          <p:nvPr/>
+        </p:nvPicPr>
+        <p:blipFill>
+          <a:blip r:embed="rId6"/>
+          <a:stretch/>
+        </p:blipFill>
+        <p:spPr bwMode="auto">
+          <a:xfrm flipH="0" flipV="0">
+            <a:off x="9160177" y="-793"/>
+            <a:ext cx="2731781" cy="1506496"/>
+          </a:xfrm>
+          <a:prstGeom prst="rect">
+            <a:avLst/>
+          </a:prstGeom>
+        </p:spPr>
+      </p:pic>
     </p:spTree>
   </p:cSld>
   <p:clrMapOvr>
@@ -16601,6 +17449,2527 @@
 </file>
 
 <file path=ppt/slides/slide7.xml><?xml version="1.0" encoding="utf-8"?>
+<p:sld xmlns:a="http://schemas.openxmlformats.org/drawingml/2006/main" xmlns:r="http://schemas.openxmlformats.org/officeDocument/2006/relationships" xmlns:p="http://schemas.openxmlformats.org/presentationml/2006/main" xmlns:m="http://schemas.openxmlformats.org/officeDocument/2006/math" xmlns:w="http://schemas.openxmlformats.org/wordprocessingml/2006/main" xmlns:mc="http://schemas.openxmlformats.org/markup-compatibility/2006" showMasterPhAnim="0" showMasterSp="1" show="0">
+  <p:cSld name="">
+    <p:spTree>
+      <p:nvGrpSpPr>
+        <p:cNvPr id="1" name=""/>
+        <p:cNvGrpSpPr/>
+        <p:nvPr/>
+      </p:nvGrpSpPr>
+      <p:grpSpPr bwMode="auto">
+        <a:xfrm>
+          <a:off x="0" y="0"/>
+          <a:ext cx="0" cy="0"/>
+          <a:chOff x="0" y="0"/>
+          <a:chExt cx="0" cy="0"/>
+        </a:xfrm>
+      </p:grpSpPr>
+      <p:sp>
+        <p:nvSpPr>
+          <p:cNvPr id="1397643861" name="Titel 3"/>
+          <p:cNvSpPr>
+            <a:spLocks noGrp="1"/>
+          </p:cNvSpPr>
+          <p:nvPr>
+            <p:ph type="title" hasCustomPrompt="1"/>
+          </p:nvPr>
+        </p:nvSpPr>
+        <p:spPr bwMode="auto">
+          <a:prstGeom prst="rect">
+            <a:avLst/>
+          </a:prstGeom>
+        </p:spPr>
+        <p:txBody>
+          <a:bodyPr vertOverflow="overflow" horzOverflow="overflow" vert="horz" wrap="square" lIns="0" tIns="0" rIns="0" bIns="0" numCol="1" spcCol="0" rtlCol="0" fromWordArt="0" anchor="t" anchorCtr="0" forceAA="0" upright="0" compatLnSpc="0">
+            <a:normAutofit/>
+          </a:bodyPr>
+          <a:lstStyle>
+            <a:lvl1pPr>
+              <a:defRPr sz="2800"/>
+            </a:lvl1pPr>
+          </a:lstStyle>
+          <a:p>
+            <a:pPr>
+              <a:defRPr/>
+            </a:pPr>
+            <a:r>
+              <a:rPr lang="de-DE" sz="2800" b="1" i="0" u="none" strike="noStrike" cap="none" spc="0">
+                <a:solidFill>
+                  <a:schemeClr val="bg1"/>
+                </a:solidFill>
+                <a:latin typeface="Roboto"/>
+                <a:ea typeface="Roboto"/>
+                <a:cs typeface="Arial"/>
+              </a:rPr>
+              <a:t>Systemüberblick</a:t>
+            </a:r>
+            <a:endParaRPr sz="2800"/>
+          </a:p>
+        </p:txBody>
+      </p:sp>
+      <p:sp>
+        <p:nvSpPr>
+          <p:cNvPr id="1627736936" name="Textplatzhalter 7"/>
+          <p:cNvSpPr>
+            <a:spLocks noGrp="1"/>
+          </p:cNvSpPr>
+          <p:nvPr>
+            <p:ph type="body" sz="quarter" idx="13" hasCustomPrompt="1"/>
+          </p:nvPr>
+        </p:nvSpPr>
+        <p:spPr bwMode="auto">
+          <a:prstGeom prst="rect">
+            <a:avLst/>
+          </a:prstGeom>
+        </p:spPr>
+        <p:txBody>
+          <a:bodyPr lIns="0" tIns="0" rIns="0" bIns="0">
+            <a:normAutofit/>
+          </a:bodyPr>
+          <a:lstStyle>
+            <a:lvl1pPr marL="0" indent="0">
+              <a:buFont typeface="Arial"/>
+              <a:buNone/>
+              <a:defRPr sz="2400" b="1">
+                <a:solidFill>
+                  <a:schemeClr val="tx1"/>
+                </a:solidFill>
+                <a:latin typeface="Roboto"/>
+                <a:ea typeface="Roboto"/>
+              </a:defRPr>
+            </a:lvl1pPr>
+            <a:lvl2pPr>
+              <a:defRPr sz="2400">
+                <a:latin typeface="Roboto"/>
+                <a:ea typeface="Roboto"/>
+              </a:defRPr>
+            </a:lvl2pPr>
+            <a:lvl3pPr>
+              <a:defRPr sz="2000">
+                <a:latin typeface="Roboto"/>
+                <a:ea typeface="Roboto"/>
+              </a:defRPr>
+            </a:lvl3pPr>
+            <a:lvl4pPr>
+              <a:defRPr sz="2000">
+                <a:latin typeface="Roboto"/>
+                <a:ea typeface="Roboto"/>
+              </a:defRPr>
+            </a:lvl4pPr>
+            <a:lvl5pPr>
+              <a:defRPr sz="2000">
+                <a:latin typeface="Roboto"/>
+                <a:ea typeface="Roboto"/>
+              </a:defRPr>
+            </a:lvl5pPr>
+          </a:lstStyle>
+          <a:p>
+            <a:pPr>
+              <a:defRPr/>
+            </a:pPr>
+            <a:r>
+              <a:rPr lang="de-DE" sz="2400" b="1" i="0" u="none" strike="noStrike" cap="none" spc="0">
+                <a:solidFill>
+                  <a:schemeClr val="tx1"/>
+                </a:solidFill>
+                <a:latin typeface="Roboto"/>
+                <a:ea typeface="Roboto"/>
+                <a:cs typeface="Roboto"/>
+              </a:rPr>
+              <a:t>Konzeptvorstellung</a:t>
+            </a:r>
+            <a:endParaRPr/>
+          </a:p>
+        </p:txBody>
+      </p:sp>
+      <p:sp>
+        <p:nvSpPr>
+          <p:cNvPr id="1158345915" name="Textfeld 12"/>
+          <p:cNvSpPr txBox="1"/>
+          <p:nvPr/>
+        </p:nvSpPr>
+        <p:spPr bwMode="auto">
+          <a:xfrm flipH="0" flipV="0">
+            <a:off x="2297508" y="4007179"/>
+            <a:ext cx="970626" cy="292966"/>
+          </a:xfrm>
+          <a:prstGeom prst="rect">
+            <a:avLst/>
+          </a:prstGeom>
+          <a:noFill/>
+        </p:spPr>
+        <p:txBody>
+          <a:bodyPr wrap="square" lIns="0" tIns="0" rIns="0" bIns="0" rtlCol="0">
+            <a:spAutoFit/>
+          </a:bodyPr>
+          <a:lstStyle/>
+          <a:p>
+            <a:pPr marL="0" marR="0" lvl="0" indent="0" algn="l" defTabSz="863993">
+              <a:lnSpc>
+                <a:spcPct val="120000"/>
+              </a:lnSpc>
+              <a:spcBef>
+                <a:spcPts val="798"/>
+              </a:spcBef>
+              <a:spcAft>
+                <a:spcPts val="0"/>
+              </a:spcAft>
+              <a:defRPr lang="de-DE" sz="1700" b="0" i="0" u="none" strike="noStrike" cap="none" spc="0">
+                <a:solidFill>
+                  <a:srgbClr val="001A54"/>
+                </a:solidFill>
+                <a:latin typeface="Arial"/>
+                <a:ea typeface="Arial"/>
+                <a:cs typeface="Arial"/>
+              </a:defRPr>
+            </a:pPr>
+            <a:r>
+              <a:rPr lang="en-US" sz="1600">
+                <a:solidFill>
+                  <a:srgbClr val="010E49"/>
+                </a:solidFill>
+              </a:rPr>
+              <a:t>Parameter</a:t>
+            </a:r>
+            <a:endParaRPr sz="2000">
+              <a:solidFill>
+                <a:srgbClr val="010E49"/>
+              </a:solidFill>
+            </a:endParaRPr>
+          </a:p>
+        </p:txBody>
+      </p:sp>
+      <p:sp>
+        <p:nvSpPr>
+          <p:cNvPr id="326078000" name="Rechteck 18"/>
+          <p:cNvSpPr/>
+          <p:nvPr/>
+        </p:nvSpPr>
+        <p:spPr bwMode="auto">
+          <a:xfrm rot="0" flipH="0" flipV="0">
+            <a:off x="844012" y="2692390"/>
+            <a:ext cx="1728190" cy="752189"/>
+          </a:xfrm>
+          <a:prstGeom prst="rect">
+            <a:avLst/>
+          </a:prstGeom>
+          <a:solidFill>
+            <a:srgbClr val="009900"/>
+          </a:solidFill>
+          <a:ln w="0" cap="flat" cmpd="sng" algn="ctr">
+            <a:noFill/>
+            <a:prstDash val="solid"/>
+            <a:miter lim="800000"/>
+          </a:ln>
+        </p:spPr>
+        <p:style>
+          <a:lnRef idx="2">
+            <a:schemeClr val="accent1">
+              <a:shade val="50000"/>
+            </a:schemeClr>
+          </a:lnRef>
+          <a:fillRef idx="1">
+            <a:schemeClr val="accent1"/>
+          </a:fillRef>
+          <a:effectRef idx="0">
+            <a:schemeClr val="accent1"/>
+          </a:effectRef>
+          <a:fontRef idx="minor">
+            <a:schemeClr val="lt1"/>
+          </a:fontRef>
+        </p:style>
+        <p:txBody>
+          <a:bodyPr rot="0" spcFirstLastPara="0" vert="horz" wrap="square" lIns="108000" tIns="72000" rIns="108000" bIns="108000" numCol="1" spcCol="0" rtlCol="0" fromWordArt="0" anchor="ctr" anchorCtr="0" forceAA="0" compatLnSpc="1">
+            <a:prstTxWarp prst="textNoShape"/>
+            <a:noAutofit/>
+          </a:bodyPr>
+          <a:lstStyle/>
+          <a:p>
+            <a:pPr marL="0" marR="0" lvl="0" indent="0" algn="ctr" defTabSz="863993">
+              <a:lnSpc>
+                <a:spcPct val="100000"/>
+              </a:lnSpc>
+              <a:spcBef>
+                <a:spcPts val="0"/>
+              </a:spcBef>
+              <a:spcAft>
+                <a:spcPts val="498"/>
+              </a:spcAft>
+              <a:defRPr lang="de-DE" sz="1700" b="0" i="0" u="none" strike="noStrike" cap="none" spc="0">
+                <a:solidFill>
+                  <a:srgbClr val="FFFFFF"/>
+                </a:solidFill>
+                <a:latin typeface="Arial"/>
+                <a:ea typeface="Arial"/>
+                <a:cs typeface="Arial"/>
+              </a:defRPr>
+            </a:pPr>
+            <a:r>
+              <a:rPr lang="de-DE" sz="1600">
+                <a:latin typeface="Roboto"/>
+                <a:ea typeface="Roboto"/>
+                <a:cs typeface="Roboto"/>
+              </a:rPr>
+              <a:t>Pfadfolge</a:t>
+            </a:r>
+            <a:r>
+              <a:rPr lang="en-US" sz="1600">
+                <a:latin typeface="Roboto"/>
+                <a:ea typeface="Roboto"/>
+                <a:cs typeface="Roboto"/>
+              </a:rPr>
+              <a:t> MPC</a:t>
+            </a:r>
+            <a:endParaRPr sz="1800">
+              <a:latin typeface="Roboto"/>
+              <a:cs typeface="Roboto"/>
+            </a:endParaRPr>
+          </a:p>
+        </p:txBody>
+      </p:sp>
+      <p:sp>
+        <p:nvSpPr>
+          <p:cNvPr id="957805993" name="Rechteck 24"/>
+          <p:cNvSpPr/>
+          <p:nvPr/>
+        </p:nvSpPr>
+        <p:spPr bwMode="auto">
+          <a:xfrm rot="0" flipH="0" flipV="0">
+            <a:off x="357930" y="2221184"/>
+            <a:ext cx="6228604" cy="1711398"/>
+          </a:xfrm>
+          <a:prstGeom prst="rect">
+            <a:avLst/>
+          </a:prstGeom>
+          <a:noFill/>
+          <a:ln w="28575" cap="flat" cmpd="sng" algn="ctr">
+            <a:solidFill>
+              <a:srgbClr val="009900"/>
+            </a:solidFill>
+            <a:prstDash val="sysDash"/>
+            <a:miter lim="800000"/>
+          </a:ln>
+        </p:spPr>
+        <p:style>
+          <a:lnRef idx="2">
+            <a:schemeClr val="accent1">
+              <a:shade val="50000"/>
+            </a:schemeClr>
+          </a:lnRef>
+          <a:fillRef idx="1">
+            <a:schemeClr val="accent1"/>
+          </a:fillRef>
+          <a:effectRef idx="0">
+            <a:schemeClr val="accent1"/>
+          </a:effectRef>
+          <a:fontRef idx="minor">
+            <a:schemeClr val="lt1"/>
+          </a:fontRef>
+        </p:style>
+        <p:txBody>
+          <a:bodyPr lIns="144000" tIns="108000" rIns="144000" bIns="144000" rtlCol="0" anchor="t"/>
+          <a:lstStyle/>
+          <a:p>
+            <a:pPr marL="0" marR="0" lvl="0" indent="0" algn="l" defTabSz="863993">
+              <a:lnSpc>
+                <a:spcPct val="100000"/>
+              </a:lnSpc>
+              <a:spcBef>
+                <a:spcPts val="798"/>
+              </a:spcBef>
+              <a:spcAft>
+                <a:spcPts val="0"/>
+              </a:spcAft>
+              <a:defRPr lang="de-DE" sz="1700" b="0" i="0" u="none" strike="noStrike" cap="none" spc="0">
+                <a:solidFill>
+                  <a:srgbClr val="FFFFFF"/>
+                </a:solidFill>
+                <a:latin typeface="Arial"/>
+                <a:ea typeface="Arial"/>
+                <a:cs typeface="Arial"/>
+              </a:defRPr>
+            </a:pPr>
+            <a:r>
+              <a:rPr lang="de-DE" sz="1600">
+                <a:solidFill>
+                  <a:srgbClr val="009900"/>
+                </a:solidFill>
+                <a:latin typeface="Roboto"/>
+                <a:ea typeface="Roboto"/>
+                <a:cs typeface="Roboto"/>
+              </a:rPr>
+              <a:t>Simulationsmodel</a:t>
+            </a:r>
+            <a:endParaRPr>
+              <a:solidFill>
+                <a:srgbClr val="009900"/>
+              </a:solidFill>
+              <a:latin typeface="Roboto"/>
+              <a:cs typeface="Roboto"/>
+            </a:endParaRPr>
+          </a:p>
+        </p:txBody>
+      </p:sp>
+      <p:cxnSp>
+        <p:nvCxnSpPr>
+          <p:cNvPr id="1087395808" name="Gerade Verbindung mit Pfeil 14"/>
+          <p:cNvCxnSpPr>
+            <a:cxnSpLocks/>
+            <a:stCxn id="725681263" idx="0"/>
+          </p:cNvCxnSpPr>
+          <p:nvPr/>
+        </p:nvCxnSpPr>
+        <p:spPr bwMode="auto">
+          <a:xfrm rot="16199934" flipH="0" flipV="1">
+            <a:off x="3189123" y="4156663"/>
+            <a:ext cx="357186" cy="0"/>
+          </a:xfrm>
+          <a:prstGeom prst="straightConnector1">
+            <a:avLst/>
+          </a:prstGeom>
+          <a:noFill/>
+          <a:ln w="19049" cap="flat" cmpd="sng" algn="ctr">
+            <a:solidFill>
+              <a:schemeClr val="tx1"/>
+            </a:solidFill>
+            <a:prstDash val="solid"/>
+            <a:miter lim="800000"/>
+            <a:tailEnd type="triangle"/>
+          </a:ln>
+        </p:spPr>
+        <p:style>
+          <a:lnRef idx="1">
+            <a:schemeClr val="accent1"/>
+          </a:lnRef>
+          <a:fillRef idx="0">
+            <a:schemeClr val="accent1"/>
+          </a:fillRef>
+          <a:effectRef idx="0">
+            <a:schemeClr val="accent1"/>
+          </a:effectRef>
+          <a:fontRef idx="minor">
+            <a:schemeClr val="tx1"/>
+          </a:fontRef>
+        </p:style>
+      </p:cxnSp>
+      <p:cxnSp>
+        <p:nvCxnSpPr>
+          <p:cNvPr id="1288098159" name="Gerade Verbindung mit Pfeil 15"/>
+          <p:cNvCxnSpPr>
+            <a:cxnSpLocks/>
+            <a:endCxn id="1728109035" idx="0"/>
+          </p:cNvCxnSpPr>
+          <p:nvPr/>
+        </p:nvCxnSpPr>
+        <p:spPr bwMode="auto">
+          <a:xfrm rot="5399943" flipH="0" flipV="1">
+            <a:off x="5455896" y="4124821"/>
+            <a:ext cx="350652" cy="0"/>
+          </a:xfrm>
+          <a:prstGeom prst="straightConnector1">
+            <a:avLst/>
+          </a:prstGeom>
+          <a:noFill/>
+          <a:ln w="19049" cap="flat" cmpd="sng" algn="ctr">
+            <a:solidFill>
+              <a:schemeClr val="tx1"/>
+            </a:solidFill>
+            <a:prstDash val="solid"/>
+            <a:miter lim="800000"/>
+            <a:tailEnd type="triangle"/>
+          </a:ln>
+        </p:spPr>
+        <p:style>
+          <a:lnRef idx="1">
+            <a:schemeClr val="accent1"/>
+          </a:lnRef>
+          <a:fillRef idx="0">
+            <a:schemeClr val="accent1"/>
+          </a:fillRef>
+          <a:effectRef idx="0">
+            <a:schemeClr val="accent1"/>
+          </a:effectRef>
+          <a:fontRef idx="minor">
+            <a:schemeClr val="tx1"/>
+          </a:fontRef>
+        </p:style>
+      </p:cxnSp>
+      <p:sp>
+        <p:nvSpPr>
+          <p:cNvPr id="980682807" name="Textfeld 16"/>
+          <p:cNvSpPr txBox="1"/>
+          <p:nvPr/>
+        </p:nvSpPr>
+        <p:spPr bwMode="auto">
+          <a:xfrm flipH="0" flipV="0">
+            <a:off x="3955087" y="3978070"/>
+            <a:ext cx="1615514" cy="292966"/>
+          </a:xfrm>
+          <a:prstGeom prst="rect">
+            <a:avLst/>
+          </a:prstGeom>
+          <a:noFill/>
+        </p:spPr>
+        <p:txBody>
+          <a:bodyPr wrap="square" lIns="0" tIns="0" rIns="0" bIns="0" rtlCol="0">
+            <a:spAutoFit/>
+          </a:bodyPr>
+          <a:lstStyle/>
+          <a:p>
+            <a:pPr marL="0" marR="0" lvl="0" indent="0" algn="l" defTabSz="863993">
+              <a:lnSpc>
+                <a:spcPct val="120000"/>
+              </a:lnSpc>
+              <a:spcBef>
+                <a:spcPts val="798"/>
+              </a:spcBef>
+              <a:spcAft>
+                <a:spcPts val="0"/>
+              </a:spcAft>
+              <a:defRPr lang="de-DE" sz="1700" b="0" i="0" u="none" strike="noStrike" cap="none" spc="0">
+                <a:solidFill>
+                  <a:srgbClr val="001A54"/>
+                </a:solidFill>
+                <a:latin typeface="Arial"/>
+                <a:ea typeface="Arial"/>
+                <a:cs typeface="Arial"/>
+              </a:defRPr>
+            </a:pPr>
+            <a:r>
+              <a:rPr lang="de-DE" sz="1600">
+                <a:solidFill>
+                  <a:srgbClr val="002060"/>
+                </a:solidFill>
+              </a:rPr>
+              <a:t>Simulationsdaten</a:t>
+            </a:r>
+            <a:endParaRPr sz="2000">
+              <a:solidFill>
+                <a:srgbClr val="002060"/>
+              </a:solidFill>
+            </a:endParaRPr>
+          </a:p>
+        </p:txBody>
+      </p:sp>
+      <p:sp>
+        <p:nvSpPr>
+          <p:cNvPr id="425380005" name="Rechteck 17"/>
+          <p:cNvSpPr/>
+          <p:nvPr/>
+        </p:nvSpPr>
+        <p:spPr bwMode="auto">
+          <a:xfrm>
+            <a:off x="205767" y="1792882"/>
+            <a:ext cx="6552726" cy="3110070"/>
+          </a:xfrm>
+          <a:prstGeom prst="rect">
+            <a:avLst/>
+          </a:prstGeom>
+          <a:noFill/>
+          <a:ln w="28575" cap="flat" cmpd="sng" algn="ctr">
+            <a:solidFill>
+              <a:srgbClr val="032DE4"/>
+            </a:solidFill>
+            <a:prstDash val="sysDash"/>
+            <a:miter lim="800000"/>
+          </a:ln>
+        </p:spPr>
+        <p:style>
+          <a:lnRef idx="2">
+            <a:schemeClr val="accent1">
+              <a:shade val="50000"/>
+            </a:schemeClr>
+          </a:lnRef>
+          <a:fillRef idx="1">
+            <a:schemeClr val="accent1"/>
+          </a:fillRef>
+          <a:effectRef idx="0">
+            <a:schemeClr val="accent1"/>
+          </a:effectRef>
+          <a:fontRef idx="minor">
+            <a:schemeClr val="lt1"/>
+          </a:fontRef>
+        </p:style>
+        <p:txBody>
+          <a:bodyPr lIns="144000" tIns="108000" rIns="144000" bIns="144000" rtlCol="0" anchor="t"/>
+          <a:lstStyle/>
+          <a:p>
+            <a:pPr marL="0" marR="0" lvl="0" indent="0" algn="l" defTabSz="863993">
+              <a:lnSpc>
+                <a:spcPct val="100000"/>
+              </a:lnSpc>
+              <a:spcBef>
+                <a:spcPts val="798"/>
+              </a:spcBef>
+              <a:spcAft>
+                <a:spcPts val="0"/>
+              </a:spcAft>
+              <a:defRPr lang="de-DE" sz="1700" b="0" i="0" u="none" strike="noStrike" cap="none" spc="0">
+                <a:solidFill>
+                  <a:srgbClr val="FFFFFF"/>
+                </a:solidFill>
+                <a:latin typeface="Arial"/>
+                <a:ea typeface="Arial"/>
+                <a:cs typeface="Arial"/>
+              </a:defRPr>
+            </a:pPr>
+            <a:r>
+              <a:rPr lang="de-DE" sz="1600">
+                <a:solidFill>
+                  <a:srgbClr val="032DE4"/>
+                </a:solidFill>
+                <a:latin typeface="Roboto"/>
+                <a:ea typeface="Roboto"/>
+                <a:cs typeface="Roboto"/>
+              </a:rPr>
+              <a:t>Simulations Framework (MATLAB/Simulink)</a:t>
+            </a:r>
+            <a:endParaRPr sz="2000">
+              <a:solidFill>
+                <a:srgbClr val="032DE4"/>
+              </a:solidFill>
+              <a:latin typeface="Roboto"/>
+              <a:cs typeface="Roboto"/>
+            </a:endParaRPr>
+          </a:p>
+        </p:txBody>
+      </p:sp>
+      <p:sp>
+        <p:nvSpPr>
+          <p:cNvPr id="572561707" name="Rechteck 40"/>
+          <p:cNvSpPr/>
+          <p:nvPr/>
+        </p:nvSpPr>
+        <p:spPr bwMode="auto">
+          <a:xfrm flipH="0" flipV="0">
+            <a:off x="3090069" y="2820836"/>
+            <a:ext cx="1212458" cy="495297"/>
+          </a:xfrm>
+          <a:prstGeom prst="rect">
+            <a:avLst/>
+          </a:prstGeom>
+          <a:solidFill>
+            <a:srgbClr val="032DE4"/>
+          </a:solidFill>
+          <a:ln w="0" cap="flat" cmpd="sng" algn="ctr">
+            <a:noFill/>
+            <a:prstDash val="solid"/>
+            <a:miter lim="800000"/>
+          </a:ln>
+        </p:spPr>
+        <p:style>
+          <a:lnRef idx="2">
+            <a:schemeClr val="accent1">
+              <a:shade val="50000"/>
+            </a:schemeClr>
+          </a:lnRef>
+          <a:fillRef idx="1">
+            <a:schemeClr val="accent1"/>
+          </a:fillRef>
+          <a:effectRef idx="0">
+            <a:schemeClr val="accent1"/>
+          </a:effectRef>
+          <a:fontRef idx="minor">
+            <a:schemeClr val="lt1"/>
+          </a:fontRef>
+        </p:style>
+        <p:txBody>
+          <a:bodyPr rot="0" spcFirstLastPara="0" vert="horz" wrap="square" lIns="108000" tIns="72000" rIns="108000" bIns="108000" numCol="1" spcCol="0" rtlCol="0" fromWordArt="0" anchor="ctr" anchorCtr="0" forceAA="0" compatLnSpc="1">
+            <a:prstTxWarp prst="textNoShape"/>
+            <a:noAutofit/>
+          </a:bodyPr>
+          <a:lstStyle/>
+          <a:p>
+            <a:pPr marL="0" marR="0" lvl="0" indent="0" algn="ctr" defTabSz="863991">
+              <a:lnSpc>
+                <a:spcPct val="100000"/>
+              </a:lnSpc>
+              <a:spcBef>
+                <a:spcPts val="0"/>
+              </a:spcBef>
+              <a:spcAft>
+                <a:spcPts val="497"/>
+              </a:spcAft>
+              <a:defRPr lang="de-DE" sz="1700" b="0" i="0" u="none" strike="noStrike" cap="none" spc="0">
+                <a:solidFill>
+                  <a:srgbClr val="FFFFFF"/>
+                </a:solidFill>
+                <a:latin typeface="Arial"/>
+                <a:ea typeface="Arial"/>
+                <a:cs typeface="Arial"/>
+              </a:defRPr>
+            </a:pPr>
+            <a:r>
+              <a:rPr lang="de-DE" sz="1600">
+                <a:ea typeface="Times New Roman"/>
+                <a:cs typeface="Times New Roman"/>
+              </a:rPr>
+              <a:t>Fahrzeug-modell</a:t>
+            </a:r>
+            <a:endParaRPr sz="2400"/>
+          </a:p>
+        </p:txBody>
+      </p:sp>
+      <p:sp>
+        <p:nvSpPr>
+          <p:cNvPr id="1082445883" name="Rechteck 40"/>
+          <p:cNvSpPr/>
+          <p:nvPr/>
+        </p:nvSpPr>
+        <p:spPr bwMode="auto">
+          <a:xfrm flipH="0" flipV="0">
+            <a:off x="4762845" y="2820836"/>
+            <a:ext cx="1392971" cy="495297"/>
+          </a:xfrm>
+          <a:prstGeom prst="rect">
+            <a:avLst/>
+          </a:prstGeom>
+          <a:solidFill>
+            <a:srgbClr val="032DE4"/>
+          </a:solidFill>
+          <a:ln w="0" cap="flat" cmpd="sng" algn="ctr">
+            <a:noFill/>
+            <a:prstDash val="solid"/>
+            <a:miter lim="800000"/>
+          </a:ln>
+        </p:spPr>
+        <p:style>
+          <a:lnRef idx="2">
+            <a:schemeClr val="accent1">
+              <a:shade val="50000"/>
+            </a:schemeClr>
+          </a:lnRef>
+          <a:fillRef idx="1">
+            <a:schemeClr val="accent1"/>
+          </a:fillRef>
+          <a:effectRef idx="0">
+            <a:schemeClr val="accent1"/>
+          </a:effectRef>
+          <a:fontRef idx="minor">
+            <a:schemeClr val="lt1"/>
+          </a:fontRef>
+        </p:style>
+        <p:txBody>
+          <a:bodyPr rot="0" spcFirstLastPara="0" vert="horz" wrap="square" lIns="108000" tIns="72000" rIns="108000" bIns="108000" numCol="1" spcCol="0" rtlCol="0" fromWordArt="0" anchor="ctr" anchorCtr="0" forceAA="0" compatLnSpc="1">
+            <a:prstTxWarp prst="textNoShape"/>
+            <a:noAutofit/>
+          </a:bodyPr>
+          <a:lstStyle/>
+          <a:p>
+            <a:pPr marL="0" marR="0" lvl="0" indent="0" algn="ctr" defTabSz="863991">
+              <a:lnSpc>
+                <a:spcPct val="100000"/>
+              </a:lnSpc>
+              <a:spcBef>
+                <a:spcPts val="0"/>
+              </a:spcBef>
+              <a:spcAft>
+                <a:spcPts val="497"/>
+              </a:spcAft>
+              <a:defRPr lang="de-DE" sz="1700" b="0" i="0" u="none" strike="noStrike" cap="none" spc="0">
+                <a:solidFill>
+                  <a:srgbClr val="FFFFFF"/>
+                </a:solidFill>
+                <a:latin typeface="Arial"/>
+                <a:ea typeface="Arial"/>
+                <a:cs typeface="Arial"/>
+              </a:defRPr>
+            </a:pPr>
+            <a:r>
+              <a:rPr lang="de-DE" sz="1600">
+                <a:ea typeface="Times New Roman"/>
+                <a:cs typeface="Times New Roman"/>
+              </a:rPr>
+              <a:t>Umgebungs-modell</a:t>
+            </a:r>
+            <a:endParaRPr sz="2400"/>
+          </a:p>
+        </p:txBody>
+      </p:sp>
+      <p:sp>
+        <p:nvSpPr>
+          <p:cNvPr id="1728109035" name="Rechteck 40"/>
+          <p:cNvSpPr/>
+          <p:nvPr/>
+        </p:nvSpPr>
+        <p:spPr bwMode="auto">
+          <a:xfrm flipH="0" flipV="0">
+            <a:off x="4978125" y="4300148"/>
+            <a:ext cx="1312539" cy="495297"/>
+          </a:xfrm>
+          <a:prstGeom prst="rect">
+            <a:avLst/>
+          </a:prstGeom>
+          <a:solidFill>
+            <a:srgbClr val="032DE4"/>
+          </a:solidFill>
+          <a:ln w="0" cap="flat" cmpd="sng" algn="ctr">
+            <a:noFill/>
+            <a:prstDash val="solid"/>
+            <a:miter lim="800000"/>
+          </a:ln>
+        </p:spPr>
+        <p:style>
+          <a:lnRef idx="2">
+            <a:schemeClr val="accent1">
+              <a:shade val="50000"/>
+            </a:schemeClr>
+          </a:lnRef>
+          <a:fillRef idx="1">
+            <a:schemeClr val="accent1"/>
+          </a:fillRef>
+          <a:effectRef idx="0">
+            <a:schemeClr val="accent1"/>
+          </a:effectRef>
+          <a:fontRef idx="minor">
+            <a:schemeClr val="lt1"/>
+          </a:fontRef>
+        </p:style>
+        <p:txBody>
+          <a:bodyPr rot="0" spcFirstLastPara="0" vert="horz" wrap="square" lIns="108000" tIns="72000" rIns="108000" bIns="108000" numCol="1" spcCol="0" rtlCol="0" fromWordArt="0" anchor="ctr" anchorCtr="0" forceAA="0" compatLnSpc="1">
+            <a:prstTxWarp prst="textNoShape"/>
+            <a:noAutofit/>
+          </a:bodyPr>
+          <a:lstStyle/>
+          <a:p>
+            <a:pPr marL="0" marR="0" lvl="0" indent="0" algn="ctr" defTabSz="863991">
+              <a:lnSpc>
+                <a:spcPct val="100000"/>
+              </a:lnSpc>
+              <a:spcBef>
+                <a:spcPts val="0"/>
+              </a:spcBef>
+              <a:spcAft>
+                <a:spcPts val="497"/>
+              </a:spcAft>
+              <a:defRPr lang="de-DE" sz="1700" b="0" i="0" u="none" strike="noStrike" cap="none" spc="0">
+                <a:solidFill>
+                  <a:srgbClr val="FFFFFF"/>
+                </a:solidFill>
+                <a:latin typeface="Arial"/>
+                <a:ea typeface="Arial"/>
+                <a:cs typeface="Arial"/>
+              </a:defRPr>
+            </a:pPr>
+            <a:r>
+              <a:rPr lang="de-DE" sz="1600">
+                <a:ea typeface="Times New Roman"/>
+                <a:cs typeface="Times New Roman"/>
+              </a:rPr>
+              <a:t>Auswertung</a:t>
+            </a:r>
+            <a:endParaRPr sz="2400"/>
+          </a:p>
+        </p:txBody>
+      </p:sp>
+      <p:sp>
+        <p:nvSpPr>
+          <p:cNvPr id="725681263" name="Rechteck 40"/>
+          <p:cNvSpPr/>
+          <p:nvPr/>
+        </p:nvSpPr>
+        <p:spPr bwMode="auto">
+          <a:xfrm flipH="0" flipV="0">
+            <a:off x="2653915" y="4335256"/>
+            <a:ext cx="1440829" cy="495297"/>
+          </a:xfrm>
+          <a:prstGeom prst="rect">
+            <a:avLst/>
+          </a:prstGeom>
+          <a:solidFill>
+            <a:srgbClr val="032DE4"/>
+          </a:solidFill>
+          <a:ln w="0" cap="flat" cmpd="sng" algn="ctr">
+            <a:noFill/>
+            <a:prstDash val="solid"/>
+            <a:miter lim="800000"/>
+          </a:ln>
+        </p:spPr>
+        <p:style>
+          <a:lnRef idx="2">
+            <a:schemeClr val="accent1">
+              <a:shade val="50000"/>
+            </a:schemeClr>
+          </a:lnRef>
+          <a:fillRef idx="1">
+            <a:schemeClr val="accent1"/>
+          </a:fillRef>
+          <a:effectRef idx="0">
+            <a:schemeClr val="accent1"/>
+          </a:effectRef>
+          <a:fontRef idx="minor">
+            <a:schemeClr val="lt1"/>
+          </a:fontRef>
+        </p:style>
+        <p:txBody>
+          <a:bodyPr rot="0" spcFirstLastPara="0" vert="horz" wrap="square" lIns="108000" tIns="72000" rIns="108000" bIns="108000" numCol="1" spcCol="0" rtlCol="0" fromWordArt="0" anchor="ctr" anchorCtr="0" forceAA="0" compatLnSpc="1">
+            <a:prstTxWarp prst="textNoShape"/>
+            <a:noAutofit/>
+          </a:bodyPr>
+          <a:lstStyle/>
+          <a:p>
+            <a:pPr marL="0" marR="0" lvl="0" indent="0" algn="ctr" defTabSz="863991">
+              <a:lnSpc>
+                <a:spcPct val="100000"/>
+              </a:lnSpc>
+              <a:spcBef>
+                <a:spcPts val="0"/>
+              </a:spcBef>
+              <a:spcAft>
+                <a:spcPts val="497"/>
+              </a:spcAft>
+              <a:defRPr lang="de-DE" sz="1700" b="0" i="0" u="none" strike="noStrike" cap="none" spc="0">
+                <a:solidFill>
+                  <a:srgbClr val="FFFFFF"/>
+                </a:solidFill>
+                <a:latin typeface="Arial"/>
+                <a:ea typeface="Arial"/>
+                <a:cs typeface="Arial"/>
+              </a:defRPr>
+            </a:pPr>
+            <a:r>
+              <a:rPr lang="de-DE" sz="1600">
+                <a:ea typeface="Times New Roman"/>
+                <a:cs typeface="Times New Roman"/>
+              </a:rPr>
+              <a:t>Initialisierung</a:t>
+            </a:r>
+            <a:endParaRPr sz="2400"/>
+          </a:p>
+        </p:txBody>
+      </p:sp>
+      <p:cxnSp>
+        <p:nvCxnSpPr>
+          <p:cNvPr id="2141194631" name="Gerade Verbindung mit Pfeil 14"/>
+          <p:cNvCxnSpPr>
+            <a:cxnSpLocks/>
+          </p:cNvCxnSpPr>
+          <p:nvPr/>
+        </p:nvCxnSpPr>
+        <p:spPr bwMode="auto">
+          <a:xfrm rot="0" flipH="0" flipV="0">
+            <a:off x="2581278" y="3068485"/>
+            <a:ext cx="517862" cy="0"/>
+          </a:xfrm>
+          <a:prstGeom prst="straightConnector1">
+            <a:avLst/>
+          </a:prstGeom>
+          <a:noFill/>
+          <a:ln w="19049" cap="flat" cmpd="sng" algn="ctr">
+            <a:solidFill>
+              <a:schemeClr val="tx1"/>
+            </a:solidFill>
+            <a:prstDash val="solid"/>
+            <a:miter lim="800000"/>
+            <a:tailEnd type="triangle"/>
+          </a:ln>
+        </p:spPr>
+        <p:style>
+          <a:lnRef idx="1">
+            <a:schemeClr val="accent1"/>
+          </a:lnRef>
+          <a:fillRef idx="0">
+            <a:schemeClr val="accent1"/>
+          </a:fillRef>
+          <a:effectRef idx="0">
+            <a:schemeClr val="accent1"/>
+          </a:effectRef>
+          <a:fontRef idx="minor">
+            <a:schemeClr val="tx1"/>
+          </a:fontRef>
+        </p:style>
+      </p:cxnSp>
+      <p:cxnSp>
+        <p:nvCxnSpPr>
+          <p:cNvPr id="2086306346" name="Gerade Verbindung mit Pfeil 14"/>
+          <p:cNvCxnSpPr>
+            <a:cxnSpLocks/>
+          </p:cNvCxnSpPr>
+          <p:nvPr/>
+        </p:nvCxnSpPr>
+        <p:spPr bwMode="auto">
+          <a:xfrm rot="0" flipH="0" flipV="0">
+            <a:off x="4302528" y="3076884"/>
+            <a:ext cx="460315" cy="0"/>
+          </a:xfrm>
+          <a:prstGeom prst="straightConnector1">
+            <a:avLst/>
+          </a:prstGeom>
+          <a:noFill/>
+          <a:ln w="19049" cap="flat" cmpd="sng" algn="ctr">
+            <a:solidFill>
+              <a:schemeClr val="tx1"/>
+            </a:solidFill>
+            <a:prstDash val="solid"/>
+            <a:miter lim="800000"/>
+            <a:tailEnd type="triangle"/>
+          </a:ln>
+        </p:spPr>
+        <p:style>
+          <a:lnRef idx="1">
+            <a:schemeClr val="accent1"/>
+          </a:lnRef>
+          <a:fillRef idx="0">
+            <a:schemeClr val="accent1"/>
+          </a:fillRef>
+          <a:effectRef idx="0">
+            <a:schemeClr val="accent1"/>
+          </a:effectRef>
+          <a:fontRef idx="minor">
+            <a:schemeClr val="tx1"/>
+          </a:fontRef>
+        </p:style>
+      </p:cxnSp>
+      <p:cxnSp>
+        <p:nvCxnSpPr>
+          <p:cNvPr id="863569731" name=""/>
+          <p:cNvCxnSpPr>
+            <a:cxnSpLocks/>
+            <a:stCxn id="572561707" idx="2"/>
+            <a:endCxn id="326078000" idx="2"/>
+          </p:cNvCxnSpPr>
+          <p:nvPr/>
+        </p:nvCxnSpPr>
+        <p:spPr bwMode="auto">
+          <a:xfrm rot="5399943" flipH="0" flipV="0">
+            <a:off x="2639002" y="2387769"/>
+            <a:ext cx="128444" cy="1988188"/>
+          </a:xfrm>
+          <a:prstGeom prst="bentConnector3">
+            <a:avLst>
+              <a:gd name="adj1" fmla="val 217339"/>
+            </a:avLst>
+          </a:prstGeom>
+          <a:ln w="19049" cap="flat" cmpd="sng" algn="ctr">
+            <a:solidFill>
+              <a:schemeClr val="tx1"/>
+            </a:solidFill>
+            <a:prstDash val="solid"/>
+            <a:miter lim="800000"/>
+            <a:tailEnd type="triangle" len="med"/>
+          </a:ln>
+        </p:spPr>
+        <p:style>
+          <a:lnRef idx="1">
+            <a:schemeClr val="accent1">
+              <a:shade val="50000"/>
+            </a:schemeClr>
+          </a:lnRef>
+          <a:fillRef idx="0">
+            <a:schemeClr val="accent1"/>
+          </a:fillRef>
+          <a:effectRef idx="0">
+            <a:schemeClr val="accent1"/>
+          </a:effectRef>
+          <a:fontRef idx="minor">
+            <a:schemeClr val="tx1"/>
+          </a:fontRef>
+        </p:style>
+      </p:cxnSp>
+      <p:cxnSp>
+        <p:nvCxnSpPr>
+          <p:cNvPr id="355591171" name="Verbinder: gewinkelt 27"/>
+          <p:cNvCxnSpPr>
+            <a:cxnSpLocks/>
+            <a:stCxn id="1082445883" idx="2"/>
+            <a:endCxn id="326078000" idx="1"/>
+          </p:cNvCxnSpPr>
+          <p:nvPr/>
+        </p:nvCxnSpPr>
+        <p:spPr bwMode="auto">
+          <a:xfrm rot="5399943" flipH="1" flipV="0">
+            <a:off x="3027848" y="884651"/>
+            <a:ext cx="247648" cy="4615317"/>
+          </a:xfrm>
+          <a:prstGeom prst="bentConnector4">
+            <a:avLst>
+              <a:gd name="adj1" fmla="val -182671"/>
+              <a:gd name="adj2" fmla="val 104953"/>
+            </a:avLst>
+          </a:prstGeom>
+          <a:ln w="19049" cap="flat" cmpd="sng" algn="ctr">
+            <a:solidFill>
+              <a:schemeClr val="tx1"/>
+            </a:solidFill>
+            <a:prstDash val="solid"/>
+            <a:tailEnd type="triangle"/>
+          </a:ln>
+        </p:spPr>
+        <p:style>
+          <a:lnRef idx="1">
+            <a:schemeClr val="accent1"/>
+          </a:lnRef>
+          <a:fillRef idx="0">
+            <a:schemeClr val="accent1"/>
+          </a:fillRef>
+          <a:effectRef idx="0">
+            <a:schemeClr val="accent1"/>
+          </a:effectRef>
+          <a:fontRef idx="minor">
+            <a:schemeClr val="tx1"/>
+          </a:fontRef>
+        </p:style>
+      </p:cxnSp>
+      <p:pic>
+        <p:nvPicPr>
+          <p:cNvPr id="1933510058" name=""/>
+          <p:cNvPicPr>
+            <a:picLocks noChangeAspect="1"/>
+          </p:cNvPicPr>
+          <p:nvPr/>
+        </p:nvPicPr>
+        <p:blipFill>
+          <a:blip r:embed="rId3"/>
+          <a:stretch/>
+        </p:blipFill>
+        <p:spPr bwMode="auto">
+          <a:xfrm flipH="0" flipV="0">
+            <a:off x="6914998" y="1321011"/>
+            <a:ext cx="5084911" cy="4002174"/>
+          </a:xfrm>
+          <a:prstGeom prst="rect">
+            <a:avLst/>
+          </a:prstGeom>
+        </p:spPr>
+      </p:pic>
+      <p:sp>
+        <p:nvSpPr>
+          <p:cNvPr id="1408177662" name=""/>
+          <p:cNvSpPr txBox="1"/>
+          <p:nvPr/>
+        </p:nvSpPr>
+        <p:spPr bwMode="auto">
+          <a:xfrm flipH="0" flipV="0">
+            <a:off x="6914998" y="5323185"/>
+            <a:ext cx="5087071" cy="1006198"/>
+          </a:xfrm>
+          <a:prstGeom prst="rect">
+            <a:avLst/>
+          </a:prstGeom>
+          <a:noFill/>
+        </p:spPr>
+        <p:txBody>
+          <a:bodyPr vertOverflow="overflow" horzOverflow="overflow" vert="horz" wrap="square" lIns="91440" tIns="45720" rIns="91440" bIns="45720" numCol="1" spcCol="0" rtlCol="0" fromWordArt="0" anchor="t" anchorCtr="0" forceAA="0" upright="0" compatLnSpc="0">
+            <a:spAutoFit/>
+          </a:bodyPr>
+          <a:p>
+            <a:pPr marL="283878" indent="-283878" algn="l">
+              <a:buFont typeface="Arial"/>
+              <a:buChar char="•"/>
+              <a:defRPr/>
+            </a:pPr>
+            <a:r>
+              <a:rPr lang="de-DE" sz="2000" b="0" i="0" u="none" strike="noStrike" cap="none" spc="0">
+                <a:solidFill>
+                  <a:schemeClr val="tx1"/>
+                </a:solidFill>
+                <a:latin typeface="Roboto"/>
+                <a:ea typeface="Roboto"/>
+                <a:cs typeface="Roboto"/>
+              </a:rPr>
+              <a:t>Automatisierte Initialisierung, Ausführung und Auswertung</a:t>
+            </a:r>
+            <a:endParaRPr lang="de-DE" sz="2000" b="0" i="0" u="none" strike="noStrike" cap="none" spc="0">
+              <a:solidFill>
+                <a:schemeClr val="tx1"/>
+              </a:solidFill>
+              <a:latin typeface="Roboto"/>
+              <a:ea typeface="Roboto"/>
+              <a:cs typeface="Roboto"/>
+            </a:endParaRPr>
+          </a:p>
+          <a:p>
+            <a:pPr marL="283878" indent="-283878" algn="l">
+              <a:buFont typeface="Arial"/>
+              <a:buChar char="•"/>
+              <a:defRPr/>
+            </a:pPr>
+            <a:r>
+              <a:rPr lang="de-DE" sz="2000" b="0" i="0" u="none" strike="noStrike" cap="none" spc="0">
+                <a:solidFill>
+                  <a:schemeClr val="tx1"/>
+                </a:solidFill>
+                <a:latin typeface="Roboto"/>
+                <a:ea typeface="Roboto"/>
+                <a:cs typeface="Roboto"/>
+              </a:rPr>
+              <a:t>Entwickler über Probleme informieren</a:t>
+            </a:r>
+            <a:endParaRPr lang="de-DE" sz="2200" b="0" i="0" u="none" strike="noStrike" cap="none" spc="0">
+              <a:solidFill>
+                <a:schemeClr val="tx1"/>
+              </a:solidFill>
+              <a:latin typeface="Roboto"/>
+              <a:ea typeface="Roboto"/>
+              <a:cs typeface="Roboto"/>
+            </a:endParaRPr>
+          </a:p>
+        </p:txBody>
+      </p:sp>
+      <p:sp>
+        <p:nvSpPr>
+          <p:cNvPr id="1353332287" name=""/>
+          <p:cNvSpPr/>
+          <p:nvPr/>
+        </p:nvSpPr>
+        <p:spPr bwMode="auto">
+          <a:xfrm flipH="0" flipV="0">
+            <a:off x="10793034" y="1372233"/>
+            <a:ext cx="1105579" cy="566781"/>
+          </a:xfrm>
+          <a:prstGeom prst="rect">
+            <a:avLst/>
+          </a:prstGeom>
+          <a:solidFill>
+            <a:schemeClr val="bg1"/>
+          </a:solidFill>
+          <a:ln w="12700" cap="flat" cmpd="sng" algn="ctr">
+            <a:solidFill>
+              <a:schemeClr val="bg1"/>
+            </a:solidFill>
+            <a:prstDash val="solid"/>
+            <a:miter lim="800000"/>
+          </a:ln>
+        </p:spPr>
+        <p:style>
+          <a:lnRef idx="2">
+            <a:schemeClr val="accent1">
+              <a:shade val="50000"/>
+            </a:schemeClr>
+          </a:lnRef>
+          <a:fillRef idx="1">
+            <a:schemeClr val="accent1"/>
+          </a:fillRef>
+          <a:effectRef idx="0">
+            <a:schemeClr val="accent1"/>
+          </a:effectRef>
+          <a:fontRef idx="minor">
+            <a:schemeClr val="lt1"/>
+          </a:fontRef>
+        </p:style>
+      </p:sp>
+    </p:spTree>
+  </p:cSld>
+  <p:clrMapOvr>
+    <a:masterClrMapping/>
+  </p:clrMapOvr>
+  <mc:AlternateContent xmlns:mc="http://schemas.openxmlformats.org/markup-compatibility/2006">
+    <mc:Choice xmlns:p159="http://schemas.microsoft.com/office/powerpoint/2015/09/main" xmlns:p14="http://schemas.microsoft.com/office/powerpoint/2010/main" Requires="p159">
+      <p:transition p14:dur="2000" advClick="1"/>
+    </mc:Choice>
+    <mc:Fallback>
+      <p:transition advClick="1"/>
+    </mc:Fallback>
+  </mc:AlternateContent>
+  <p:timing/>
+</p:sld>
+</file>
+
+<file path=ppt/slides/slide8.xml><?xml version="1.0" encoding="utf-8"?>
+<p:sld xmlns:a="http://schemas.openxmlformats.org/drawingml/2006/main" xmlns:r="http://schemas.openxmlformats.org/officeDocument/2006/relationships" xmlns:p="http://schemas.openxmlformats.org/presentationml/2006/main" xmlns:m="http://schemas.openxmlformats.org/officeDocument/2006/math" xmlns:w="http://schemas.openxmlformats.org/wordprocessingml/2006/main" xmlns:mc="http://schemas.openxmlformats.org/markup-compatibility/2006" showMasterPhAnim="0" showMasterSp="1" show="0">
+  <p:cSld name="">
+    <p:spTree>
+      <p:nvGrpSpPr>
+        <p:cNvPr id="1" name=""/>
+        <p:cNvGrpSpPr/>
+        <p:nvPr/>
+      </p:nvGrpSpPr>
+      <p:grpSpPr bwMode="auto">
+        <a:xfrm>
+          <a:off x="0" y="0"/>
+          <a:ext cx="0" cy="0"/>
+          <a:chOff x="0" y="0"/>
+          <a:chExt cx="0" cy="0"/>
+        </a:xfrm>
+      </p:grpSpPr>
+      <p:sp>
+        <p:nvSpPr>
+          <p:cNvPr id="487882696" name="Titel 3"/>
+          <p:cNvSpPr>
+            <a:spLocks noGrp="1"/>
+          </p:cNvSpPr>
+          <p:nvPr>
+            <p:ph type="title" hasCustomPrompt="1"/>
+          </p:nvPr>
+        </p:nvSpPr>
+        <p:spPr bwMode="auto">
+          <a:prstGeom prst="rect">
+            <a:avLst/>
+          </a:prstGeom>
+        </p:spPr>
+        <p:txBody>
+          <a:bodyPr vertOverflow="overflow" horzOverflow="overflow" vert="horz" wrap="square" lIns="0" tIns="0" rIns="0" bIns="0" numCol="1" spcCol="0" rtlCol="0" fromWordArt="0" anchor="t" anchorCtr="0" forceAA="0" upright="0" compatLnSpc="0">
+            <a:normAutofit/>
+          </a:bodyPr>
+          <a:lstStyle>
+            <a:lvl1pPr>
+              <a:defRPr sz="2800"/>
+            </a:lvl1pPr>
+          </a:lstStyle>
+          <a:p>
+            <a:pPr>
+              <a:defRPr/>
+            </a:pPr>
+            <a:r>
+              <a:rPr lang="de-DE" sz="2800" b="1" i="0" u="none" strike="noStrike" cap="none" spc="0">
+                <a:solidFill>
+                  <a:schemeClr val="bg1"/>
+                </a:solidFill>
+                <a:latin typeface="Roboto"/>
+                <a:ea typeface="Roboto"/>
+                <a:cs typeface="Arial"/>
+              </a:rPr>
+              <a:t>Systemüberblick</a:t>
+            </a:r>
+            <a:endParaRPr sz="2800"/>
+          </a:p>
+        </p:txBody>
+      </p:sp>
+      <p:sp>
+        <p:nvSpPr>
+          <p:cNvPr id="1084976556" name="Textplatzhalter 7"/>
+          <p:cNvSpPr>
+            <a:spLocks noGrp="1"/>
+          </p:cNvSpPr>
+          <p:nvPr>
+            <p:ph type="body" sz="quarter" idx="13" hasCustomPrompt="1"/>
+          </p:nvPr>
+        </p:nvSpPr>
+        <p:spPr bwMode="auto">
+          <a:prstGeom prst="rect">
+            <a:avLst/>
+          </a:prstGeom>
+        </p:spPr>
+        <p:txBody>
+          <a:bodyPr lIns="0" tIns="0" rIns="0" bIns="0">
+            <a:normAutofit/>
+          </a:bodyPr>
+          <a:lstStyle>
+            <a:lvl1pPr marL="0" indent="0">
+              <a:buFont typeface="Arial"/>
+              <a:buNone/>
+              <a:defRPr sz="2400" b="1">
+                <a:solidFill>
+                  <a:schemeClr val="tx1"/>
+                </a:solidFill>
+                <a:latin typeface="Roboto"/>
+                <a:ea typeface="Roboto"/>
+              </a:defRPr>
+            </a:lvl1pPr>
+            <a:lvl2pPr>
+              <a:defRPr sz="2400">
+                <a:latin typeface="Roboto"/>
+                <a:ea typeface="Roboto"/>
+              </a:defRPr>
+            </a:lvl2pPr>
+            <a:lvl3pPr>
+              <a:defRPr sz="2000">
+                <a:latin typeface="Roboto"/>
+                <a:ea typeface="Roboto"/>
+              </a:defRPr>
+            </a:lvl3pPr>
+            <a:lvl4pPr>
+              <a:defRPr sz="2000">
+                <a:latin typeface="Roboto"/>
+                <a:ea typeface="Roboto"/>
+              </a:defRPr>
+            </a:lvl4pPr>
+            <a:lvl5pPr>
+              <a:defRPr sz="2000">
+                <a:latin typeface="Roboto"/>
+                <a:ea typeface="Roboto"/>
+              </a:defRPr>
+            </a:lvl5pPr>
+          </a:lstStyle>
+          <a:p>
+            <a:pPr>
+              <a:defRPr/>
+            </a:pPr>
+            <a:r>
+              <a:rPr lang="de-DE" sz="2400" b="1" i="0" u="none" strike="noStrike" cap="none" spc="0">
+                <a:solidFill>
+                  <a:schemeClr val="tx1"/>
+                </a:solidFill>
+                <a:latin typeface="Roboto"/>
+                <a:ea typeface="Roboto"/>
+                <a:cs typeface="Roboto"/>
+              </a:rPr>
+              <a:t>Konzeptvorstellung</a:t>
+            </a:r>
+            <a:endParaRPr/>
+          </a:p>
+        </p:txBody>
+      </p:sp>
+      <p:sp>
+        <p:nvSpPr>
+          <p:cNvPr id="926540138" name="Rechteck 18"/>
+          <p:cNvSpPr/>
+          <p:nvPr/>
+        </p:nvSpPr>
+        <p:spPr bwMode="auto">
+          <a:xfrm rot="0" flipH="0" flipV="0">
+            <a:off x="844012" y="2692390"/>
+            <a:ext cx="1728190" cy="752189"/>
+          </a:xfrm>
+          <a:prstGeom prst="rect">
+            <a:avLst/>
+          </a:prstGeom>
+          <a:solidFill>
+            <a:srgbClr val="009900"/>
+          </a:solidFill>
+          <a:ln w="0" cap="flat" cmpd="sng" algn="ctr">
+            <a:noFill/>
+            <a:prstDash val="solid"/>
+            <a:miter lim="800000"/>
+          </a:ln>
+        </p:spPr>
+        <p:style>
+          <a:lnRef idx="2">
+            <a:schemeClr val="accent1">
+              <a:shade val="50000"/>
+            </a:schemeClr>
+          </a:lnRef>
+          <a:fillRef idx="1">
+            <a:schemeClr val="accent1"/>
+          </a:fillRef>
+          <a:effectRef idx="0">
+            <a:schemeClr val="accent1"/>
+          </a:effectRef>
+          <a:fontRef idx="minor">
+            <a:schemeClr val="lt1"/>
+          </a:fontRef>
+        </p:style>
+        <p:txBody>
+          <a:bodyPr rot="0" spcFirstLastPara="0" vert="horz" wrap="square" lIns="108000" tIns="72000" rIns="108000" bIns="108000" numCol="1" spcCol="0" rtlCol="0" fromWordArt="0" anchor="ctr" anchorCtr="0" forceAA="0" compatLnSpc="1">
+            <a:prstTxWarp prst="textNoShape"/>
+            <a:noAutofit/>
+          </a:bodyPr>
+          <a:lstStyle/>
+          <a:p>
+            <a:pPr marL="0" marR="0" lvl="0" indent="0" algn="ctr" defTabSz="863993">
+              <a:lnSpc>
+                <a:spcPct val="100000"/>
+              </a:lnSpc>
+              <a:spcBef>
+                <a:spcPts val="0"/>
+              </a:spcBef>
+              <a:spcAft>
+                <a:spcPts val="498"/>
+              </a:spcAft>
+              <a:defRPr lang="de-DE" sz="1700" b="0" i="0" u="none" strike="noStrike" cap="none" spc="0">
+                <a:solidFill>
+                  <a:srgbClr val="FFFFFF"/>
+                </a:solidFill>
+                <a:latin typeface="Arial"/>
+                <a:ea typeface="Arial"/>
+                <a:cs typeface="Arial"/>
+              </a:defRPr>
+            </a:pPr>
+            <a:r>
+              <a:rPr lang="de-DE" sz="1600">
+                <a:latin typeface="Roboto"/>
+                <a:ea typeface="Roboto"/>
+                <a:cs typeface="Roboto"/>
+              </a:rPr>
+              <a:t>Pfadfolge</a:t>
+            </a:r>
+            <a:r>
+              <a:rPr lang="en-US" sz="1600">
+                <a:latin typeface="Roboto"/>
+                <a:ea typeface="Roboto"/>
+                <a:cs typeface="Roboto"/>
+              </a:rPr>
+              <a:t> MPC</a:t>
+            </a:r>
+            <a:endParaRPr sz="1800">
+              <a:latin typeface="Roboto"/>
+              <a:cs typeface="Roboto"/>
+            </a:endParaRPr>
+          </a:p>
+        </p:txBody>
+      </p:sp>
+      <p:sp>
+        <p:nvSpPr>
+          <p:cNvPr id="1334590356" name="Rechteck 24"/>
+          <p:cNvSpPr/>
+          <p:nvPr/>
+        </p:nvSpPr>
+        <p:spPr bwMode="auto">
+          <a:xfrm rot="0" flipH="0" flipV="0">
+            <a:off x="357930" y="2221184"/>
+            <a:ext cx="6228604" cy="1711398"/>
+          </a:xfrm>
+          <a:prstGeom prst="rect">
+            <a:avLst/>
+          </a:prstGeom>
+          <a:noFill/>
+          <a:ln w="28575" cap="flat" cmpd="sng" algn="ctr">
+            <a:solidFill>
+              <a:srgbClr val="009900"/>
+            </a:solidFill>
+            <a:prstDash val="sysDash"/>
+            <a:miter lim="800000"/>
+          </a:ln>
+        </p:spPr>
+        <p:style>
+          <a:lnRef idx="2">
+            <a:schemeClr val="accent1">
+              <a:shade val="50000"/>
+            </a:schemeClr>
+          </a:lnRef>
+          <a:fillRef idx="1">
+            <a:schemeClr val="accent1"/>
+          </a:fillRef>
+          <a:effectRef idx="0">
+            <a:schemeClr val="accent1"/>
+          </a:effectRef>
+          <a:fontRef idx="minor">
+            <a:schemeClr val="lt1"/>
+          </a:fontRef>
+        </p:style>
+        <p:txBody>
+          <a:bodyPr lIns="144000" tIns="108000" rIns="144000" bIns="144000" rtlCol="0" anchor="t"/>
+          <a:lstStyle/>
+          <a:p>
+            <a:pPr marL="0" marR="0" lvl="0" indent="0" algn="l" defTabSz="863993">
+              <a:lnSpc>
+                <a:spcPct val="100000"/>
+              </a:lnSpc>
+              <a:spcBef>
+                <a:spcPts val="798"/>
+              </a:spcBef>
+              <a:spcAft>
+                <a:spcPts val="0"/>
+              </a:spcAft>
+              <a:defRPr lang="de-DE" sz="1700" b="0" i="0" u="none" strike="noStrike" cap="none" spc="0">
+                <a:solidFill>
+                  <a:srgbClr val="FFFFFF"/>
+                </a:solidFill>
+                <a:latin typeface="Arial"/>
+                <a:ea typeface="Arial"/>
+                <a:cs typeface="Arial"/>
+              </a:defRPr>
+            </a:pPr>
+            <a:r>
+              <a:rPr lang="de-DE" sz="1600">
+                <a:solidFill>
+                  <a:srgbClr val="009900"/>
+                </a:solidFill>
+                <a:latin typeface="Roboto"/>
+                <a:ea typeface="Roboto"/>
+                <a:cs typeface="Roboto"/>
+              </a:rPr>
+              <a:t>Simulationsmodel</a:t>
+            </a:r>
+            <a:endParaRPr>
+              <a:solidFill>
+                <a:srgbClr val="009900"/>
+              </a:solidFill>
+              <a:latin typeface="Roboto"/>
+              <a:cs typeface="Roboto"/>
+            </a:endParaRPr>
+          </a:p>
+        </p:txBody>
+      </p:sp>
+      <p:sp>
+        <p:nvSpPr>
+          <p:cNvPr id="390113020" name="Rechteck 17"/>
+          <p:cNvSpPr/>
+          <p:nvPr/>
+        </p:nvSpPr>
+        <p:spPr bwMode="auto">
+          <a:xfrm>
+            <a:off x="205767" y="1792882"/>
+            <a:ext cx="6552726" cy="3110070"/>
+          </a:xfrm>
+          <a:prstGeom prst="rect">
+            <a:avLst/>
+          </a:prstGeom>
+          <a:noFill/>
+          <a:ln w="28575" cap="flat" cmpd="sng" algn="ctr">
+            <a:solidFill>
+              <a:srgbClr val="032DE4"/>
+            </a:solidFill>
+            <a:prstDash val="sysDash"/>
+            <a:miter lim="800000"/>
+          </a:ln>
+        </p:spPr>
+        <p:style>
+          <a:lnRef idx="2">
+            <a:schemeClr val="accent1">
+              <a:shade val="50000"/>
+            </a:schemeClr>
+          </a:lnRef>
+          <a:fillRef idx="1">
+            <a:schemeClr val="accent1"/>
+          </a:fillRef>
+          <a:effectRef idx="0">
+            <a:schemeClr val="accent1"/>
+          </a:effectRef>
+          <a:fontRef idx="minor">
+            <a:schemeClr val="lt1"/>
+          </a:fontRef>
+        </p:style>
+        <p:txBody>
+          <a:bodyPr lIns="144000" tIns="108000" rIns="144000" bIns="144000" rtlCol="0" anchor="t"/>
+          <a:lstStyle/>
+          <a:p>
+            <a:pPr marL="0" marR="0" lvl="0" indent="0" algn="l" defTabSz="863993">
+              <a:lnSpc>
+                <a:spcPct val="100000"/>
+              </a:lnSpc>
+              <a:spcBef>
+                <a:spcPts val="798"/>
+              </a:spcBef>
+              <a:spcAft>
+                <a:spcPts val="0"/>
+              </a:spcAft>
+              <a:defRPr lang="de-DE" sz="1700" b="0" i="0" u="none" strike="noStrike" cap="none" spc="0">
+                <a:solidFill>
+                  <a:srgbClr val="FFFFFF"/>
+                </a:solidFill>
+                <a:latin typeface="Arial"/>
+                <a:ea typeface="Arial"/>
+                <a:cs typeface="Arial"/>
+              </a:defRPr>
+            </a:pPr>
+            <a:r>
+              <a:rPr lang="de-DE" sz="1600">
+                <a:solidFill>
+                  <a:srgbClr val="032DE4"/>
+                </a:solidFill>
+                <a:latin typeface="Roboto"/>
+                <a:ea typeface="Roboto"/>
+                <a:cs typeface="Roboto"/>
+              </a:rPr>
+              <a:t>Simulations Framework (MATLAB/Simulink)</a:t>
+            </a:r>
+            <a:endParaRPr sz="2000">
+              <a:solidFill>
+                <a:srgbClr val="032DE4"/>
+              </a:solidFill>
+              <a:latin typeface="Roboto"/>
+              <a:cs typeface="Roboto"/>
+            </a:endParaRPr>
+          </a:p>
+        </p:txBody>
+      </p:sp>
+      <p:sp>
+        <p:nvSpPr>
+          <p:cNvPr id="2092541906" name="Rechteck 35"/>
+          <p:cNvSpPr/>
+          <p:nvPr/>
+        </p:nvSpPr>
+        <p:spPr bwMode="auto">
+          <a:xfrm>
+            <a:off x="205767" y="5257499"/>
+            <a:ext cx="6552726" cy="1071884"/>
+          </a:xfrm>
+          <a:prstGeom prst="rect">
+            <a:avLst/>
+          </a:prstGeom>
+          <a:noFill/>
+          <a:ln w="28575" cap="flat" cmpd="sng" algn="ctr">
+            <a:solidFill>
+              <a:srgbClr val="032DE4"/>
+            </a:solidFill>
+            <a:prstDash val="sysDash"/>
+            <a:miter lim="800000"/>
+          </a:ln>
+        </p:spPr>
+        <p:style>
+          <a:lnRef idx="2">
+            <a:schemeClr val="accent1">
+              <a:shade val="50000"/>
+            </a:schemeClr>
+          </a:lnRef>
+          <a:fillRef idx="1">
+            <a:schemeClr val="accent1"/>
+          </a:fillRef>
+          <a:effectRef idx="0">
+            <a:schemeClr val="accent1"/>
+          </a:effectRef>
+          <a:fontRef idx="minor">
+            <a:schemeClr val="lt1"/>
+          </a:fontRef>
+        </p:style>
+        <p:txBody>
+          <a:bodyPr lIns="144000" tIns="108000" rIns="144000" bIns="144000" rtlCol="0" anchor="t"/>
+          <a:lstStyle/>
+          <a:p>
+            <a:pPr marL="0" marR="0" lvl="0" indent="0" algn="l" defTabSz="863993">
+              <a:lnSpc>
+                <a:spcPct val="100000"/>
+              </a:lnSpc>
+              <a:spcBef>
+                <a:spcPts val="798"/>
+              </a:spcBef>
+              <a:spcAft>
+                <a:spcPts val="0"/>
+              </a:spcAft>
+              <a:defRPr lang="de-DE" sz="1700" b="0" i="0" u="none" strike="noStrike" cap="none" spc="0">
+                <a:solidFill>
+                  <a:srgbClr val="FFFFFF"/>
+                </a:solidFill>
+                <a:latin typeface="Arial"/>
+                <a:ea typeface="Arial"/>
+                <a:cs typeface="Arial"/>
+              </a:defRPr>
+            </a:pPr>
+            <a:r>
+              <a:rPr lang="de-DE" sz="1600">
+                <a:solidFill>
+                  <a:srgbClr val="032DE4"/>
+                </a:solidFill>
+              </a:rPr>
+              <a:t>Test Framework</a:t>
+            </a:r>
+            <a:endParaRPr sz="2000">
+              <a:solidFill>
+                <a:srgbClr val="032DE4"/>
+              </a:solidFill>
+            </a:endParaRPr>
+          </a:p>
+        </p:txBody>
+      </p:sp>
+      <p:sp>
+        <p:nvSpPr>
+          <p:cNvPr id="1036654009" name="Rechteck 40"/>
+          <p:cNvSpPr/>
+          <p:nvPr/>
+        </p:nvSpPr>
+        <p:spPr bwMode="auto">
+          <a:xfrm flipH="0" flipV="0">
+            <a:off x="2313695" y="5665915"/>
+            <a:ext cx="2283420" cy="495298"/>
+          </a:xfrm>
+          <a:prstGeom prst="rect">
+            <a:avLst/>
+          </a:prstGeom>
+          <a:solidFill>
+            <a:srgbClr val="032DE4"/>
+          </a:solidFill>
+          <a:ln w="0" cap="flat" cmpd="sng" algn="ctr">
+            <a:noFill/>
+            <a:prstDash val="solid"/>
+            <a:miter lim="800000"/>
+          </a:ln>
+        </p:spPr>
+        <p:style>
+          <a:lnRef idx="2">
+            <a:schemeClr val="accent1">
+              <a:shade val="50000"/>
+            </a:schemeClr>
+          </a:lnRef>
+          <a:fillRef idx="1">
+            <a:schemeClr val="accent1"/>
+          </a:fillRef>
+          <a:effectRef idx="0">
+            <a:schemeClr val="accent1"/>
+          </a:effectRef>
+          <a:fontRef idx="minor">
+            <a:schemeClr val="lt1"/>
+          </a:fontRef>
+        </p:style>
+        <p:txBody>
+          <a:bodyPr rot="0" spcFirstLastPara="0" vert="horz" wrap="square" lIns="108000" tIns="72000" rIns="108000" bIns="108000" numCol="1" spcCol="0" rtlCol="0" fromWordArt="0" anchor="ctr" anchorCtr="0" forceAA="0" compatLnSpc="1">
+            <a:prstTxWarp prst="textNoShape"/>
+            <a:noAutofit/>
+          </a:bodyPr>
+          <a:lstStyle/>
+          <a:p>
+            <a:pPr marL="0" marR="0" lvl="0" indent="0" algn="ctr" defTabSz="863993">
+              <a:lnSpc>
+                <a:spcPct val="100000"/>
+              </a:lnSpc>
+              <a:spcBef>
+                <a:spcPts val="0"/>
+              </a:spcBef>
+              <a:spcAft>
+                <a:spcPts val="498"/>
+              </a:spcAft>
+              <a:defRPr lang="de-DE" sz="1700" b="0" i="0" u="none" strike="noStrike" cap="none" spc="0">
+                <a:solidFill>
+                  <a:srgbClr val="FFFFFF"/>
+                </a:solidFill>
+                <a:latin typeface="Arial"/>
+                <a:ea typeface="Arial"/>
+                <a:cs typeface="Arial"/>
+              </a:defRPr>
+            </a:pPr>
+            <a:r>
+              <a:rPr lang="de-DE" sz="1600">
+                <a:ea typeface="Times New Roman"/>
+                <a:cs typeface="Times New Roman"/>
+              </a:rPr>
+              <a:t>automatische Parametergenerierung</a:t>
+            </a:r>
+            <a:endParaRPr sz="2400"/>
+          </a:p>
+        </p:txBody>
+      </p:sp>
+      <p:sp>
+        <p:nvSpPr>
+          <p:cNvPr id="1266540728" name="Rechteck 40"/>
+          <p:cNvSpPr/>
+          <p:nvPr/>
+        </p:nvSpPr>
+        <p:spPr bwMode="auto">
+          <a:xfrm flipH="0" flipV="0">
+            <a:off x="4963710" y="5683043"/>
+            <a:ext cx="1449325" cy="495298"/>
+          </a:xfrm>
+          <a:prstGeom prst="rect">
+            <a:avLst/>
+          </a:prstGeom>
+          <a:solidFill>
+            <a:srgbClr val="032DE4"/>
+          </a:solidFill>
+          <a:ln w="0" cap="flat" cmpd="sng" algn="ctr">
+            <a:noFill/>
+            <a:prstDash val="solid"/>
+            <a:miter lim="800000"/>
+          </a:ln>
+        </p:spPr>
+        <p:style>
+          <a:lnRef idx="2">
+            <a:schemeClr val="accent1">
+              <a:shade val="50000"/>
+            </a:schemeClr>
+          </a:lnRef>
+          <a:fillRef idx="1">
+            <a:schemeClr val="accent1"/>
+          </a:fillRef>
+          <a:effectRef idx="0">
+            <a:schemeClr val="accent1"/>
+          </a:effectRef>
+          <a:fontRef idx="minor">
+            <a:schemeClr val="lt1"/>
+          </a:fontRef>
+        </p:style>
+        <p:txBody>
+          <a:bodyPr rot="0" spcFirstLastPara="0" vert="horz" wrap="square" lIns="108000" tIns="72000" rIns="108000" bIns="108000" numCol="1" spcCol="0" rtlCol="0" fromWordArt="0" anchor="ctr" anchorCtr="0" forceAA="0" compatLnSpc="1">
+            <a:prstTxWarp prst="textNoShape"/>
+            <a:noAutofit/>
+          </a:bodyPr>
+          <a:lstStyle/>
+          <a:p>
+            <a:pPr marL="0" marR="0" lvl="0" indent="0" algn="ctr" defTabSz="863993">
+              <a:lnSpc>
+                <a:spcPct val="100000"/>
+              </a:lnSpc>
+              <a:spcBef>
+                <a:spcPts val="0"/>
+              </a:spcBef>
+              <a:spcAft>
+                <a:spcPts val="498"/>
+              </a:spcAft>
+              <a:defRPr lang="de-DE" sz="1700" b="0" i="0" u="none" strike="noStrike" cap="none" spc="0">
+                <a:solidFill>
+                  <a:srgbClr val="FFFFFF"/>
+                </a:solidFill>
+                <a:latin typeface="Arial"/>
+                <a:ea typeface="Arial"/>
+                <a:cs typeface="Arial"/>
+              </a:defRPr>
+            </a:pPr>
+            <a:r>
+              <a:rPr lang="de-DE" sz="1600">
+                <a:ea typeface="Times New Roman"/>
+                <a:cs typeface="Times New Roman"/>
+              </a:rPr>
+              <a:t>automatische Auswertung</a:t>
+            </a:r>
+            <a:endParaRPr sz="2400"/>
+          </a:p>
+        </p:txBody>
+      </p:sp>
+      <p:sp>
+        <p:nvSpPr>
+          <p:cNvPr id="989005575" name="Rechteck 40"/>
+          <p:cNvSpPr/>
+          <p:nvPr/>
+        </p:nvSpPr>
+        <p:spPr bwMode="auto">
+          <a:xfrm flipH="0" flipV="0">
+            <a:off x="357930" y="5683044"/>
+            <a:ext cx="1421708" cy="495298"/>
+          </a:xfrm>
+          <a:prstGeom prst="rect">
+            <a:avLst/>
+          </a:prstGeom>
+          <a:solidFill>
+            <a:srgbClr val="032DE4"/>
+          </a:solidFill>
+          <a:ln w="0" cap="flat" cmpd="sng" algn="ctr">
+            <a:noFill/>
+            <a:prstDash val="solid"/>
+            <a:miter lim="800000"/>
+          </a:ln>
+        </p:spPr>
+        <p:style>
+          <a:lnRef idx="2">
+            <a:schemeClr val="accent1">
+              <a:shade val="50000"/>
+            </a:schemeClr>
+          </a:lnRef>
+          <a:fillRef idx="1">
+            <a:schemeClr val="accent1"/>
+          </a:fillRef>
+          <a:effectRef idx="0">
+            <a:schemeClr val="accent1"/>
+          </a:effectRef>
+          <a:fontRef idx="minor">
+            <a:schemeClr val="lt1"/>
+          </a:fontRef>
+        </p:style>
+        <p:txBody>
+          <a:bodyPr rot="0" spcFirstLastPara="0" vert="horz" wrap="square" lIns="108000" tIns="72000" rIns="108000" bIns="108000" numCol="1" spcCol="0" rtlCol="0" fromWordArt="0" anchor="ctr" anchorCtr="0" forceAA="0" compatLnSpc="1">
+            <a:prstTxWarp prst="textNoShape"/>
+            <a:noAutofit/>
+          </a:bodyPr>
+          <a:lstStyle/>
+          <a:p>
+            <a:pPr marL="0" marR="0" lvl="0" indent="0" algn="ctr" defTabSz="863993">
+              <a:lnSpc>
+                <a:spcPct val="100000"/>
+              </a:lnSpc>
+              <a:spcBef>
+                <a:spcPts val="0"/>
+              </a:spcBef>
+              <a:spcAft>
+                <a:spcPts val="498"/>
+              </a:spcAft>
+              <a:defRPr lang="de-DE" sz="1700" b="0" i="0" u="none" strike="noStrike" cap="none" spc="0">
+                <a:solidFill>
+                  <a:srgbClr val="FFFFFF"/>
+                </a:solidFill>
+                <a:latin typeface="Arial"/>
+                <a:ea typeface="Arial"/>
+                <a:cs typeface="Arial"/>
+              </a:defRPr>
+            </a:pPr>
+            <a:r>
+              <a:rPr lang="de-DE" sz="1600">
+                <a:ea typeface="Times New Roman"/>
+                <a:cs typeface="Times New Roman"/>
+              </a:rPr>
+              <a:t>Initialisierung</a:t>
+            </a:r>
+            <a:endParaRPr sz="2400"/>
+          </a:p>
+        </p:txBody>
+      </p:sp>
+      <p:sp>
+        <p:nvSpPr>
+          <p:cNvPr id="1982072105" name="Rechteck 40"/>
+          <p:cNvSpPr/>
+          <p:nvPr/>
+        </p:nvSpPr>
+        <p:spPr bwMode="auto">
+          <a:xfrm flipH="0" flipV="0">
+            <a:off x="3090069" y="2820836"/>
+            <a:ext cx="1212458" cy="495297"/>
+          </a:xfrm>
+          <a:prstGeom prst="rect">
+            <a:avLst/>
+          </a:prstGeom>
+          <a:solidFill>
+            <a:srgbClr val="032DE4"/>
+          </a:solidFill>
+          <a:ln w="0" cap="flat" cmpd="sng" algn="ctr">
+            <a:noFill/>
+            <a:prstDash val="solid"/>
+            <a:miter lim="800000"/>
+          </a:ln>
+        </p:spPr>
+        <p:style>
+          <a:lnRef idx="2">
+            <a:schemeClr val="accent1">
+              <a:shade val="50000"/>
+            </a:schemeClr>
+          </a:lnRef>
+          <a:fillRef idx="1">
+            <a:schemeClr val="accent1"/>
+          </a:fillRef>
+          <a:effectRef idx="0">
+            <a:schemeClr val="accent1"/>
+          </a:effectRef>
+          <a:fontRef idx="minor">
+            <a:schemeClr val="lt1"/>
+          </a:fontRef>
+        </p:style>
+        <p:txBody>
+          <a:bodyPr rot="0" spcFirstLastPara="0" vert="horz" wrap="square" lIns="108000" tIns="72000" rIns="108000" bIns="108000" numCol="1" spcCol="0" rtlCol="0" fromWordArt="0" anchor="ctr" anchorCtr="0" forceAA="0" compatLnSpc="1">
+            <a:prstTxWarp prst="textNoShape"/>
+            <a:noAutofit/>
+          </a:bodyPr>
+          <a:lstStyle/>
+          <a:p>
+            <a:pPr marL="0" marR="0" lvl="0" indent="0" algn="ctr" defTabSz="863991">
+              <a:lnSpc>
+                <a:spcPct val="100000"/>
+              </a:lnSpc>
+              <a:spcBef>
+                <a:spcPts val="0"/>
+              </a:spcBef>
+              <a:spcAft>
+                <a:spcPts val="497"/>
+              </a:spcAft>
+              <a:defRPr lang="de-DE" sz="1700" b="0" i="0" u="none" strike="noStrike" cap="none" spc="0">
+                <a:solidFill>
+                  <a:srgbClr val="FFFFFF"/>
+                </a:solidFill>
+                <a:latin typeface="Arial"/>
+                <a:ea typeface="Arial"/>
+                <a:cs typeface="Arial"/>
+              </a:defRPr>
+            </a:pPr>
+            <a:r>
+              <a:rPr lang="de-DE" sz="1600">
+                <a:ea typeface="Times New Roman"/>
+                <a:cs typeface="Times New Roman"/>
+              </a:rPr>
+              <a:t>Fahrzeug-modell</a:t>
+            </a:r>
+            <a:endParaRPr sz="2400"/>
+          </a:p>
+        </p:txBody>
+      </p:sp>
+      <p:sp>
+        <p:nvSpPr>
+          <p:cNvPr id="63716142" name="Rechteck 40"/>
+          <p:cNvSpPr/>
+          <p:nvPr/>
+        </p:nvSpPr>
+        <p:spPr bwMode="auto">
+          <a:xfrm flipH="0" flipV="0">
+            <a:off x="4762845" y="2820836"/>
+            <a:ext cx="1392971" cy="495297"/>
+          </a:xfrm>
+          <a:prstGeom prst="rect">
+            <a:avLst/>
+          </a:prstGeom>
+          <a:solidFill>
+            <a:srgbClr val="032DE4"/>
+          </a:solidFill>
+          <a:ln w="0" cap="flat" cmpd="sng" algn="ctr">
+            <a:noFill/>
+            <a:prstDash val="solid"/>
+            <a:miter lim="800000"/>
+          </a:ln>
+        </p:spPr>
+        <p:style>
+          <a:lnRef idx="2">
+            <a:schemeClr val="accent1">
+              <a:shade val="50000"/>
+            </a:schemeClr>
+          </a:lnRef>
+          <a:fillRef idx="1">
+            <a:schemeClr val="accent1"/>
+          </a:fillRef>
+          <a:effectRef idx="0">
+            <a:schemeClr val="accent1"/>
+          </a:effectRef>
+          <a:fontRef idx="minor">
+            <a:schemeClr val="lt1"/>
+          </a:fontRef>
+        </p:style>
+        <p:txBody>
+          <a:bodyPr rot="0" spcFirstLastPara="0" vert="horz" wrap="square" lIns="108000" tIns="72000" rIns="108000" bIns="108000" numCol="1" spcCol="0" rtlCol="0" fromWordArt="0" anchor="ctr" anchorCtr="0" forceAA="0" compatLnSpc="1">
+            <a:prstTxWarp prst="textNoShape"/>
+            <a:noAutofit/>
+          </a:bodyPr>
+          <a:lstStyle/>
+          <a:p>
+            <a:pPr marL="0" marR="0" lvl="0" indent="0" algn="ctr" defTabSz="863991">
+              <a:lnSpc>
+                <a:spcPct val="100000"/>
+              </a:lnSpc>
+              <a:spcBef>
+                <a:spcPts val="0"/>
+              </a:spcBef>
+              <a:spcAft>
+                <a:spcPts val="497"/>
+              </a:spcAft>
+              <a:defRPr lang="de-DE" sz="1700" b="0" i="0" u="none" strike="noStrike" cap="none" spc="0">
+                <a:solidFill>
+                  <a:srgbClr val="FFFFFF"/>
+                </a:solidFill>
+                <a:latin typeface="Arial"/>
+                <a:ea typeface="Arial"/>
+                <a:cs typeface="Arial"/>
+              </a:defRPr>
+            </a:pPr>
+            <a:r>
+              <a:rPr lang="de-DE" sz="1600">
+                <a:ea typeface="Times New Roman"/>
+                <a:cs typeface="Times New Roman"/>
+              </a:rPr>
+              <a:t>Umgebungs-modell</a:t>
+            </a:r>
+            <a:endParaRPr sz="2400"/>
+          </a:p>
+        </p:txBody>
+      </p:sp>
+      <p:cxnSp>
+        <p:nvCxnSpPr>
+          <p:cNvPr id="1179968888" name="Gerade Verbindung mit Pfeil 14"/>
+          <p:cNvCxnSpPr>
+            <a:cxnSpLocks/>
+          </p:cNvCxnSpPr>
+          <p:nvPr/>
+        </p:nvCxnSpPr>
+        <p:spPr bwMode="auto">
+          <a:xfrm rot="0" flipH="0" flipV="0">
+            <a:off x="2581278" y="3068485"/>
+            <a:ext cx="517862" cy="0"/>
+          </a:xfrm>
+          <a:prstGeom prst="straightConnector1">
+            <a:avLst/>
+          </a:prstGeom>
+          <a:noFill/>
+          <a:ln w="19049" cap="flat" cmpd="sng" algn="ctr">
+            <a:solidFill>
+              <a:schemeClr val="tx1"/>
+            </a:solidFill>
+            <a:prstDash val="solid"/>
+            <a:miter lim="800000"/>
+            <a:tailEnd type="triangle"/>
+          </a:ln>
+        </p:spPr>
+        <p:style>
+          <a:lnRef idx="1">
+            <a:schemeClr val="accent1"/>
+          </a:lnRef>
+          <a:fillRef idx="0">
+            <a:schemeClr val="accent1"/>
+          </a:fillRef>
+          <a:effectRef idx="0">
+            <a:schemeClr val="accent1"/>
+          </a:effectRef>
+          <a:fontRef idx="minor">
+            <a:schemeClr val="tx1"/>
+          </a:fontRef>
+        </p:style>
+      </p:cxnSp>
+      <p:cxnSp>
+        <p:nvCxnSpPr>
+          <p:cNvPr id="491109479" name="Gerade Verbindung mit Pfeil 14"/>
+          <p:cNvCxnSpPr>
+            <a:cxnSpLocks/>
+          </p:cNvCxnSpPr>
+          <p:nvPr/>
+        </p:nvCxnSpPr>
+        <p:spPr bwMode="auto">
+          <a:xfrm rot="0" flipH="0" flipV="0">
+            <a:off x="4302528" y="3076884"/>
+            <a:ext cx="460315" cy="0"/>
+          </a:xfrm>
+          <a:prstGeom prst="straightConnector1">
+            <a:avLst/>
+          </a:prstGeom>
+          <a:noFill/>
+          <a:ln w="19049" cap="flat" cmpd="sng" algn="ctr">
+            <a:solidFill>
+              <a:schemeClr val="tx1"/>
+            </a:solidFill>
+            <a:prstDash val="solid"/>
+            <a:miter lim="800000"/>
+            <a:tailEnd type="triangle"/>
+          </a:ln>
+        </p:spPr>
+        <p:style>
+          <a:lnRef idx="1">
+            <a:schemeClr val="accent1"/>
+          </a:lnRef>
+          <a:fillRef idx="0">
+            <a:schemeClr val="accent1"/>
+          </a:fillRef>
+          <a:effectRef idx="0">
+            <a:schemeClr val="accent1"/>
+          </a:effectRef>
+          <a:fontRef idx="minor">
+            <a:schemeClr val="tx1"/>
+          </a:fontRef>
+        </p:style>
+      </p:cxnSp>
+      <p:cxnSp>
+        <p:nvCxnSpPr>
+          <p:cNvPr id="1972922408" name=""/>
+          <p:cNvCxnSpPr>
+            <a:cxnSpLocks/>
+            <a:stCxn id="1982072105" idx="2"/>
+            <a:endCxn id="926540138" idx="2"/>
+          </p:cNvCxnSpPr>
+          <p:nvPr/>
+        </p:nvCxnSpPr>
+        <p:spPr bwMode="auto">
+          <a:xfrm rot="5399943" flipH="0" flipV="0">
+            <a:off x="2639002" y="2387769"/>
+            <a:ext cx="128444" cy="1988188"/>
+          </a:xfrm>
+          <a:prstGeom prst="bentConnector3">
+            <a:avLst>
+              <a:gd name="adj1" fmla="val 217339"/>
+            </a:avLst>
+          </a:prstGeom>
+          <a:ln w="19049" cap="flat" cmpd="sng" algn="ctr">
+            <a:solidFill>
+              <a:schemeClr val="tx1"/>
+            </a:solidFill>
+            <a:prstDash val="solid"/>
+            <a:miter lim="800000"/>
+            <a:tailEnd type="triangle" len="med"/>
+          </a:ln>
+        </p:spPr>
+        <p:style>
+          <a:lnRef idx="1">
+            <a:schemeClr val="accent1">
+              <a:shade val="50000"/>
+            </a:schemeClr>
+          </a:lnRef>
+          <a:fillRef idx="0">
+            <a:schemeClr val="accent1"/>
+          </a:fillRef>
+          <a:effectRef idx="0">
+            <a:schemeClr val="accent1"/>
+          </a:effectRef>
+          <a:fontRef idx="minor">
+            <a:schemeClr val="tx1"/>
+          </a:fontRef>
+        </p:style>
+      </p:cxnSp>
+      <p:cxnSp>
+        <p:nvCxnSpPr>
+          <p:cNvPr id="826731301" name="Verbinder: gewinkelt 27"/>
+          <p:cNvCxnSpPr>
+            <a:cxnSpLocks/>
+            <a:stCxn id="63716142" idx="2"/>
+            <a:endCxn id="926540138" idx="1"/>
+          </p:cNvCxnSpPr>
+          <p:nvPr/>
+        </p:nvCxnSpPr>
+        <p:spPr bwMode="auto">
+          <a:xfrm rot="5399943" flipH="1" flipV="0">
+            <a:off x="3027848" y="884651"/>
+            <a:ext cx="247648" cy="4615317"/>
+          </a:xfrm>
+          <a:prstGeom prst="bentConnector4">
+            <a:avLst>
+              <a:gd name="adj1" fmla="val -182671"/>
+              <a:gd name="adj2" fmla="val 104953"/>
+            </a:avLst>
+          </a:prstGeom>
+          <a:ln w="19049" cap="flat" cmpd="sng" algn="ctr">
+            <a:solidFill>
+              <a:schemeClr val="tx1"/>
+            </a:solidFill>
+            <a:prstDash val="solid"/>
+            <a:tailEnd type="triangle"/>
+          </a:ln>
+        </p:spPr>
+        <p:style>
+          <a:lnRef idx="1">
+            <a:schemeClr val="accent1"/>
+          </a:lnRef>
+          <a:fillRef idx="0">
+            <a:schemeClr val="accent1"/>
+          </a:fillRef>
+          <a:effectRef idx="0">
+            <a:schemeClr val="accent1"/>
+          </a:effectRef>
+          <a:fontRef idx="minor">
+            <a:schemeClr val="tx1"/>
+          </a:fontRef>
+        </p:style>
+      </p:cxnSp>
+      <p:cxnSp>
+        <p:nvCxnSpPr>
+          <p:cNvPr id="1242319634" name="Gerade Verbindung mit Pfeil 14"/>
+          <p:cNvCxnSpPr>
+            <a:cxnSpLocks/>
+            <a:stCxn id="1036654009" idx="0"/>
+            <a:endCxn id="1334590356" idx="2"/>
+          </p:cNvCxnSpPr>
+          <p:nvPr/>
+        </p:nvCxnSpPr>
+        <p:spPr bwMode="auto">
+          <a:xfrm rot="16199934" flipH="0" flipV="0">
+            <a:off x="2597153" y="4799250"/>
+            <a:ext cx="1733330" cy="0"/>
+          </a:xfrm>
+          <a:prstGeom prst="straightConnector1">
+            <a:avLst/>
+          </a:prstGeom>
+          <a:noFill/>
+          <a:ln w="19049" cap="flat" cmpd="sng" algn="ctr">
+            <a:solidFill>
+              <a:schemeClr val="tx1"/>
+            </a:solidFill>
+            <a:prstDash val="solid"/>
+            <a:miter lim="800000"/>
+            <a:tailEnd type="triangle"/>
+          </a:ln>
+        </p:spPr>
+        <p:style>
+          <a:lnRef idx="1">
+            <a:schemeClr val="accent1"/>
+          </a:lnRef>
+          <a:fillRef idx="0">
+            <a:schemeClr val="accent1"/>
+          </a:fillRef>
+          <a:effectRef idx="0">
+            <a:schemeClr val="accent1"/>
+          </a:effectRef>
+          <a:fontRef idx="minor">
+            <a:schemeClr val="tx1"/>
+          </a:fontRef>
+        </p:style>
+      </p:cxnSp>
+      <p:cxnSp>
+        <p:nvCxnSpPr>
+          <p:cNvPr id="1939571860" name="Gerade Verbindung mit Pfeil 14"/>
+          <p:cNvCxnSpPr>
+            <a:cxnSpLocks/>
+            <a:stCxn id="1266540728" idx="0"/>
+          </p:cNvCxnSpPr>
+          <p:nvPr/>
+        </p:nvCxnSpPr>
+        <p:spPr bwMode="auto">
+          <a:xfrm rot="5399978" flipH="0" flipV="0">
+            <a:off x="4824776" y="4811506"/>
+            <a:ext cx="1743072" cy="0"/>
+          </a:xfrm>
+          <a:prstGeom prst="straightConnector1">
+            <a:avLst/>
+          </a:prstGeom>
+          <a:noFill/>
+          <a:ln w="19049" cap="flat" cmpd="sng" algn="ctr">
+            <a:solidFill>
+              <a:schemeClr val="tx1"/>
+            </a:solidFill>
+            <a:prstDash val="solid"/>
+            <a:miter lim="800000"/>
+            <a:tailEnd type="triangle"/>
+          </a:ln>
+        </p:spPr>
+        <p:style>
+          <a:lnRef idx="1">
+            <a:schemeClr val="accent1"/>
+          </a:lnRef>
+          <a:fillRef idx="0">
+            <a:schemeClr val="accent1"/>
+          </a:fillRef>
+          <a:effectRef idx="0">
+            <a:schemeClr val="accent1"/>
+          </a:effectRef>
+          <a:fontRef idx="minor">
+            <a:schemeClr val="tx1"/>
+          </a:fontRef>
+        </p:style>
+      </p:cxnSp>
+      <p:cxnSp>
+        <p:nvCxnSpPr>
+          <p:cNvPr id="1192437957" name="Linie 0"/>
+          <p:cNvCxnSpPr>
+            <a:cxnSpLocks/>
+            <a:stCxn id="989005575" idx="3"/>
+            <a:endCxn id="1036654009" idx="1"/>
+          </p:cNvCxnSpPr>
+          <p:nvPr/>
+        </p:nvCxnSpPr>
+        <p:spPr bwMode="auto">
+          <a:xfrm rot="0" flipH="0" flipV="1">
+            <a:off x="1779638" y="5922129"/>
+            <a:ext cx="534056" cy="0"/>
+          </a:xfrm>
+          <a:prstGeom prst="line">
+            <a:avLst/>
+          </a:prstGeom>
+          <a:ln w="19049" cap="flat" cmpd="sng" algn="ctr">
+            <a:solidFill>
+              <a:schemeClr val="tx1"/>
+            </a:solidFill>
+            <a:prstDash val="solid"/>
+            <a:miter lim="800000"/>
+            <a:tailEnd type="triangle" len="med"/>
+          </a:ln>
+        </p:spPr>
+        <p:style>
+          <a:lnRef idx="1">
+            <a:schemeClr val="accent1">
+              <a:shade val="50000"/>
+            </a:schemeClr>
+          </a:lnRef>
+          <a:fillRef idx="0">
+            <a:schemeClr val="accent1"/>
+          </a:fillRef>
+          <a:effectRef idx="0">
+            <a:schemeClr val="accent1"/>
+          </a:effectRef>
+          <a:fontRef idx="minor">
+            <a:schemeClr val="tx1"/>
+          </a:fontRef>
+        </p:style>
+      </p:cxnSp>
+      <p:pic>
+        <p:nvPicPr>
+          <p:cNvPr id="574274017" name=""/>
+          <p:cNvPicPr>
+            <a:picLocks noChangeAspect="1"/>
+          </p:cNvPicPr>
+          <p:nvPr/>
+        </p:nvPicPr>
+        <p:blipFill>
+          <a:blip r:embed="rId3"/>
+          <a:stretch/>
+        </p:blipFill>
+        <p:spPr bwMode="auto">
+          <a:xfrm flipH="0" flipV="0">
+            <a:off x="6914998" y="1321011"/>
+            <a:ext cx="5084911" cy="4002174"/>
+          </a:xfrm>
+          <a:prstGeom prst="rect">
+            <a:avLst/>
+          </a:prstGeom>
+        </p:spPr>
+      </p:pic>
+      <p:sp>
+        <p:nvSpPr>
+          <p:cNvPr id="1344381719" name=""/>
+          <p:cNvSpPr txBox="1"/>
+          <p:nvPr/>
+        </p:nvSpPr>
+        <p:spPr bwMode="auto">
+          <a:xfrm flipH="0" flipV="0">
+            <a:off x="6914998" y="5323185"/>
+            <a:ext cx="5087071" cy="1006198"/>
+          </a:xfrm>
+          <a:prstGeom prst="rect">
+            <a:avLst/>
+          </a:prstGeom>
+          <a:noFill/>
+        </p:spPr>
+        <p:txBody>
+          <a:bodyPr vertOverflow="overflow" horzOverflow="overflow" vert="horz" wrap="square" lIns="91440" tIns="45720" rIns="91440" bIns="45720" numCol="1" spcCol="0" rtlCol="0" fromWordArt="0" anchor="t" anchorCtr="0" forceAA="0" upright="0" compatLnSpc="0">
+            <a:spAutoFit/>
+          </a:bodyPr>
+          <a:p>
+            <a:pPr marL="283878" indent="-283878" algn="l">
+              <a:buFont typeface="Arial"/>
+              <a:buChar char="•"/>
+              <a:defRPr/>
+            </a:pPr>
+            <a:r>
+              <a:rPr lang="de-DE" sz="2000" b="0" i="0" u="none" strike="noStrike" cap="none" spc="0">
+                <a:solidFill>
+                  <a:schemeClr val="tx1"/>
+                </a:solidFill>
+                <a:latin typeface="Roboto"/>
+                <a:ea typeface="Roboto"/>
+                <a:cs typeface="Roboto"/>
+              </a:rPr>
+              <a:t>Automatisierte Initialisierung, Ausführung und Auswertung</a:t>
+            </a:r>
+            <a:endParaRPr lang="de-DE" sz="2000" b="0" i="0" u="none" strike="noStrike" cap="none" spc="0">
+              <a:solidFill>
+                <a:schemeClr val="tx1"/>
+              </a:solidFill>
+              <a:latin typeface="Roboto"/>
+              <a:ea typeface="Roboto"/>
+              <a:cs typeface="Roboto"/>
+            </a:endParaRPr>
+          </a:p>
+          <a:p>
+            <a:pPr marL="283878" indent="-283878" algn="l">
+              <a:buFont typeface="Arial"/>
+              <a:buChar char="•"/>
+              <a:defRPr/>
+            </a:pPr>
+            <a:r>
+              <a:rPr lang="de-DE" sz="2000" b="0" i="0" u="none" strike="noStrike" cap="none" spc="0">
+                <a:solidFill>
+                  <a:schemeClr val="tx1"/>
+                </a:solidFill>
+                <a:latin typeface="Roboto"/>
+                <a:ea typeface="Roboto"/>
+                <a:cs typeface="Roboto"/>
+              </a:rPr>
+              <a:t>Entwickler über Probleme informieren</a:t>
+            </a:r>
+            <a:endParaRPr lang="de-DE" sz="2200" b="0" i="0" u="none" strike="noStrike" cap="none" spc="0">
+              <a:solidFill>
+                <a:schemeClr val="tx1"/>
+              </a:solidFill>
+              <a:latin typeface="Roboto"/>
+              <a:ea typeface="Roboto"/>
+              <a:cs typeface="Roboto"/>
+            </a:endParaRPr>
+          </a:p>
+        </p:txBody>
+      </p:sp>
+      <p:sp>
+        <p:nvSpPr>
+          <p:cNvPr id="1566622354" name=""/>
+          <p:cNvSpPr/>
+          <p:nvPr/>
+        </p:nvSpPr>
+        <p:spPr bwMode="auto">
+          <a:xfrm flipH="0" flipV="0">
+            <a:off x="10793034" y="1372233"/>
+            <a:ext cx="1105579" cy="566781"/>
+          </a:xfrm>
+          <a:prstGeom prst="rect">
+            <a:avLst/>
+          </a:prstGeom>
+          <a:solidFill>
+            <a:schemeClr val="bg1"/>
+          </a:solidFill>
+          <a:ln w="12700" cap="flat" cmpd="sng" algn="ctr">
+            <a:solidFill>
+              <a:schemeClr val="bg1"/>
+            </a:solidFill>
+            <a:prstDash val="solid"/>
+            <a:miter lim="800000"/>
+          </a:ln>
+        </p:spPr>
+        <p:style>
+          <a:lnRef idx="2">
+            <a:schemeClr val="accent1">
+              <a:shade val="50000"/>
+            </a:schemeClr>
+          </a:lnRef>
+          <a:fillRef idx="1">
+            <a:schemeClr val="accent1"/>
+          </a:fillRef>
+          <a:effectRef idx="0">
+            <a:schemeClr val="accent1"/>
+          </a:effectRef>
+          <a:fontRef idx="minor">
+            <a:schemeClr val="lt1"/>
+          </a:fontRef>
+        </p:style>
+      </p:sp>
+    </p:spTree>
+  </p:cSld>
+  <p:clrMapOvr>
+    <a:masterClrMapping/>
+  </p:clrMapOvr>
+  <mc:AlternateContent xmlns:mc="http://schemas.openxmlformats.org/markup-compatibility/2006">
+    <mc:Choice xmlns:p159="http://schemas.microsoft.com/office/powerpoint/2015/09/main" xmlns:p14="http://schemas.microsoft.com/office/powerpoint/2010/main" Requires="p159">
+      <p:transition p14:dur="2000" advClick="1"/>
+    </mc:Choice>
+    <mc:Fallback>
+      <p:transition advClick="1"/>
+    </mc:Fallback>
+  </mc:AlternateContent>
+  <p:timing/>
+</p:sld>
+</file>
+
+<file path=ppt/slides/slide9.xml><?xml version="1.0" encoding="utf-8"?>
 <p:sld xmlns:a="http://schemas.openxmlformats.org/drawingml/2006/main" xmlns:r="http://schemas.openxmlformats.org/officeDocument/2006/relationships" xmlns:p="http://schemas.openxmlformats.org/presentationml/2006/main" xmlns:m="http://schemas.openxmlformats.org/officeDocument/2006/math" xmlns:w="http://schemas.openxmlformats.org/wordprocessingml/2006/main" xmlns:mc="http://schemas.openxmlformats.org/markup-compatibility/2006" showMasterPhAnim="0" showMasterSp="1" show="1">
   <p:cSld name="">
     <p:spTree>
@@ -17266,10 +20635,10 @@
         </p:nvGrpSpPr>
         <p:grpSpPr bwMode="auto">
           <a:xfrm>
-            <a:off x="455725" y="1550827"/>
-            <a:ext cx="4599894" cy="4155668"/>
+            <a:off x="455724" y="1550826"/>
+            <a:ext cx="4599893" cy="4155667"/>
             <a:chOff x="0" y="0"/>
-            <a:chExt cx="4599894" cy="4155668"/>
+            <a:chExt cx="4599893" cy="4155667"/>
           </a:xfrm>
         </p:grpSpPr>
         <p:pic>
@@ -17302,7 +20671,7 @@
           </p:nvSpPr>
           <p:spPr bwMode="auto">
             <a:xfrm flipH="0" flipV="0">
-              <a:off x="946535" y="121104"/>
+              <a:off x="946534" y="121104"/>
               <a:ext cx="2732443" cy="686160"/>
             </a:xfrm>
             <a:prstGeom prst="rect">
@@ -17364,7 +20733,7 @@
           </p:nvSpPr>
           <p:spPr bwMode="auto">
             <a:xfrm flipH="0" flipV="0">
-              <a:off x="890864" y="2560229"/>
+              <a:off x="890863" y="2560228"/>
               <a:ext cx="2741802" cy="686160"/>
             </a:xfrm>
             <a:prstGeom prst="rect">
@@ -17426,7 +20795,7 @@
           </p:nvSpPr>
           <p:spPr bwMode="auto">
             <a:xfrm flipH="0" flipV="0">
-              <a:off x="946535" y="3340453"/>
+              <a:off x="946534" y="3340452"/>
               <a:ext cx="2744682" cy="686160"/>
             </a:xfrm>
             <a:prstGeom prst="rect">
@@ -17488,8 +20857,8 @@
           </p:nvSpPr>
           <p:spPr bwMode="auto">
             <a:xfrm flipH="0" flipV="0">
-              <a:off x="956255" y="958438"/>
-              <a:ext cx="2738202" cy="686160"/>
+              <a:off x="953014" y="935197"/>
+              <a:ext cx="2739641" cy="686160"/>
             </a:xfrm>
             <a:prstGeom prst="rect">
               <a:avLst/>
@@ -17550,8 +20919,8 @@
           </p:nvSpPr>
           <p:spPr bwMode="auto">
             <a:xfrm flipH="0" flipV="0">
-              <a:off x="961655" y="1786074"/>
-              <a:ext cx="2744682" cy="686160"/>
+              <a:off x="961654" y="1735297"/>
+              <a:ext cx="2745401" cy="686160"/>
             </a:xfrm>
             <a:prstGeom prst="rect">
               <a:avLst/>
@@ -17722,688 +21091,6 @@
                 </a:schemeClr>
               </a:solidFill>
             </a:endParaRPr>
-          </a:p>
-        </p:txBody>
-      </p:sp>
-    </p:spTree>
-  </p:cSld>
-  <p:clrMapOvr>
-    <a:masterClrMapping/>
-  </p:clrMapOvr>
-  <mc:AlternateContent xmlns:mc="http://schemas.openxmlformats.org/markup-compatibility/2006">
-    <mc:Choice xmlns:p159="http://schemas.microsoft.com/office/powerpoint/2015/09/main" xmlns:p14="http://schemas.microsoft.com/office/powerpoint/2010/main" Requires="p159">
-      <p:transition p14:dur="2000" advClick="1"/>
-    </mc:Choice>
-    <mc:Fallback>
-      <p:transition advClick="1"/>
-    </mc:Fallback>
-  </mc:AlternateContent>
-</p:sld>
-</file>
-
-<file path=ppt/slides/slide8.xml><?xml version="1.0" encoding="utf-8"?>
-<p:sld xmlns:a="http://schemas.openxmlformats.org/drawingml/2006/main" xmlns:r="http://schemas.openxmlformats.org/officeDocument/2006/relationships" xmlns:p="http://schemas.openxmlformats.org/presentationml/2006/main" xmlns:m="http://schemas.openxmlformats.org/officeDocument/2006/math" xmlns:w="http://schemas.openxmlformats.org/wordprocessingml/2006/main" xmlns:mc="http://schemas.openxmlformats.org/markup-compatibility/2006" showMasterPhAnim="0" showMasterSp="1" show="1">
-  <p:cSld name="">
-    <p:spTree>
-      <p:nvGrpSpPr>
-        <p:cNvPr id="1" name=""/>
-        <p:cNvGrpSpPr/>
-        <p:nvPr/>
-      </p:nvGrpSpPr>
-      <p:grpSpPr bwMode="auto">
-        <a:xfrm>
-          <a:off x="0" y="0"/>
-          <a:ext cx="0" cy="0"/>
-          <a:chOff x="0" y="0"/>
-          <a:chExt cx="0" cy="0"/>
-        </a:xfrm>
-      </p:grpSpPr>
-      <p:sp>
-        <p:nvSpPr>
-          <p:cNvPr id="1444673812" name="Titel 3"/>
-          <p:cNvSpPr>
-            <a:spLocks noGrp="1"/>
-          </p:cNvSpPr>
-          <p:nvPr>
-            <p:ph type="title" hasCustomPrompt="1"/>
-          </p:nvPr>
-        </p:nvSpPr>
-        <p:spPr bwMode="auto">
-          <a:xfrm>
-            <a:off x="1343025" y="152399"/>
-            <a:ext cx="10656887" cy="468313"/>
-          </a:xfrm>
-          <a:prstGeom prst="rect">
-            <a:avLst/>
-          </a:prstGeom>
-        </p:spPr>
-        <p:txBody>
-          <a:bodyPr vertOverflow="overflow" horzOverflow="overflow" vert="horz" wrap="square" lIns="0" tIns="0" rIns="0" bIns="0" numCol="1" spcCol="0" rtlCol="0" fromWordArt="0" anchor="t" anchorCtr="0" forceAA="0" upright="0" compatLnSpc="0">
-            <a:normAutofit/>
-          </a:bodyPr>
-          <a:lstStyle>
-            <a:lvl1pPr>
-              <a:defRPr sz="2800"/>
-            </a:lvl1pPr>
-          </a:lstStyle>
-          <a:p>
-            <a:pPr>
-              <a:defRPr/>
-            </a:pPr>
-            <a:r>
-              <a:rPr lang="de-DE" sz="2800" b="1" i="0" u="none" strike="noStrike" cap="none" spc="0">
-                <a:solidFill>
-                  <a:schemeClr val="bg1"/>
-                </a:solidFill>
-                <a:latin typeface="Roboto"/>
-                <a:ea typeface="Roboto"/>
-                <a:cs typeface="Arial"/>
-              </a:rPr>
-              <a:t>Systemüberblick</a:t>
-            </a:r>
-            <a:endParaRPr sz="2800"/>
-          </a:p>
-        </p:txBody>
-      </p:sp>
-      <p:sp>
-        <p:nvSpPr>
-          <p:cNvPr id="1174398052" name="Textplatzhalter 7"/>
-          <p:cNvSpPr>
-            <a:spLocks noGrp="1"/>
-          </p:cNvSpPr>
-          <p:nvPr>
-            <p:ph type="body" sz="quarter" idx="13" hasCustomPrompt="1"/>
-          </p:nvPr>
-        </p:nvSpPr>
-        <p:spPr bwMode="auto">
-          <a:xfrm>
-            <a:off x="192087" y="908049"/>
-            <a:ext cx="11807824" cy="928369"/>
-          </a:xfrm>
-          <a:prstGeom prst="rect">
-            <a:avLst/>
-          </a:prstGeom>
-        </p:spPr>
-        <p:txBody>
-          <a:bodyPr lIns="0" tIns="0" rIns="0" bIns="0">
-            <a:normAutofit/>
-          </a:bodyPr>
-          <a:lstStyle>
-            <a:lvl1pPr marL="0" indent="0">
-              <a:buFont typeface="Arial"/>
-              <a:buNone/>
-              <a:defRPr sz="2400" b="1">
-                <a:solidFill>
-                  <a:schemeClr val="tx1"/>
-                </a:solidFill>
-                <a:latin typeface="Roboto"/>
-                <a:ea typeface="Roboto"/>
-              </a:defRPr>
-            </a:lvl1pPr>
-            <a:lvl2pPr>
-              <a:defRPr sz="2400">
-                <a:latin typeface="Roboto"/>
-                <a:ea typeface="Roboto"/>
-              </a:defRPr>
-            </a:lvl2pPr>
-            <a:lvl3pPr>
-              <a:defRPr sz="2000">
-                <a:latin typeface="Roboto"/>
-                <a:ea typeface="Roboto"/>
-              </a:defRPr>
-            </a:lvl3pPr>
-            <a:lvl4pPr>
-              <a:defRPr sz="2000">
-                <a:latin typeface="Roboto"/>
-                <a:ea typeface="Roboto"/>
-              </a:defRPr>
-            </a:lvl4pPr>
-            <a:lvl5pPr>
-              <a:defRPr sz="2000">
-                <a:latin typeface="Roboto"/>
-                <a:ea typeface="Roboto"/>
-              </a:defRPr>
-            </a:lvl5pPr>
-          </a:lstStyle>
-          <a:p>
-            <a:pPr>
-              <a:defRPr/>
-            </a:pPr>
-            <a:r>
-              <a:rPr lang="de-DE" sz="2400" b="1" i="0" u="none" strike="noStrike" cap="none" spc="0">
-                <a:solidFill>
-                  <a:schemeClr val="tx1"/>
-                </a:solidFill>
-                <a:latin typeface="Roboto"/>
-                <a:ea typeface="Roboto"/>
-                <a:cs typeface="Roboto"/>
-              </a:rPr>
-              <a:t>Softwareentwicklungsprozess</a:t>
-            </a:r>
-            <a:endParaRPr/>
-          </a:p>
-        </p:txBody>
-      </p:sp>
-      <p:sp>
-        <p:nvSpPr>
-          <p:cNvPr id="1561859396" name="Textplatzhalter 7"/>
-          <p:cNvSpPr>
-            <a:spLocks noGrp="1"/>
-          </p:cNvSpPr>
-          <p:nvPr>
-            <p:ph type="body" sz="quarter" idx="11" hasCustomPrompt="1"/>
-          </p:nvPr>
-        </p:nvSpPr>
-        <p:spPr bwMode="auto">
-          <a:xfrm flipH="0" flipV="0">
-            <a:off x="492425" y="3867115"/>
-            <a:ext cx="11807824" cy="2268357"/>
-          </a:xfrm>
-          <a:prstGeom prst="rect">
-            <a:avLst/>
-          </a:prstGeom>
-        </p:spPr>
-        <p:txBody>
-          <a:bodyPr>
-            <a:normAutofit/>
-          </a:bodyPr>
-          <a:lstStyle>
-            <a:lvl1pPr>
-              <a:defRPr sz="2000">
-                <a:latin typeface="Roboto"/>
-                <a:ea typeface="Roboto"/>
-              </a:defRPr>
-            </a:lvl1pPr>
-            <a:lvl2pPr>
-              <a:defRPr sz="2000">
-                <a:latin typeface="Roboto"/>
-                <a:ea typeface="Roboto"/>
-              </a:defRPr>
-            </a:lvl2pPr>
-            <a:lvl3pPr>
-              <a:defRPr sz="2000">
-                <a:latin typeface="Roboto"/>
-                <a:ea typeface="Roboto"/>
-              </a:defRPr>
-            </a:lvl3pPr>
-            <a:lvl4pPr>
-              <a:defRPr sz="2000">
-                <a:latin typeface="Roboto"/>
-                <a:ea typeface="Roboto"/>
-              </a:defRPr>
-            </a:lvl4pPr>
-            <a:lvl5pPr>
-              <a:defRPr sz="2000">
-                <a:latin typeface="Roboto"/>
-                <a:ea typeface="Roboto"/>
-              </a:defRPr>
-            </a:lvl5pPr>
-          </a:lstStyle>
-          <a:p>
-            <a:pPr marL="0" indent="0">
-              <a:buFont typeface="Arial"/>
-              <a:buNone/>
-              <a:defRPr/>
-            </a:pPr>
-            <a:endParaRPr/>
-          </a:p>
-          <a:p>
-            <a:pPr>
-              <a:defRPr/>
-            </a:pPr>
-            <a:r>
-              <a:rPr/>
-              <a:t>Unit-Test: kleinster Baustein im Testprozess, deckt üblicherweise eine einzelne Funktion/Klasse ab</a:t>
-            </a:r>
-            <a:endParaRPr/>
-          </a:p>
-          <a:p>
-            <a:pPr>
-              <a:defRPr/>
-            </a:pPr>
-            <a:r>
-              <a:rPr/>
-              <a:t>Pipeline: fasst alle notwendigen Testschritte zusammen</a:t>
-            </a:r>
-            <a:endParaRPr/>
-          </a:p>
-          <a:p>
-            <a:pPr>
-              <a:defRPr/>
-            </a:pPr>
-            <a:r>
-              <a:rPr/>
-              <a:t>Continuous Integration: </a:t>
-            </a:r>
-            <a:r>
-              <a:rPr lang="de-DE" sz="2000" b="0" i="0" u="none" strike="noStrike" cap="none" spc="0">
-                <a:solidFill>
-                  <a:schemeClr val="tx1"/>
-                </a:solidFill>
-                <a:latin typeface="Roboto"/>
-                <a:ea typeface="Roboto"/>
-                <a:cs typeface="Roboto"/>
-              </a:rPr>
-              <a:t>fortlaufendes Zusammenfügen von Teilkomponenten einer zu einer vollständigen Software</a:t>
-            </a:r>
-            <a:endParaRPr lang="de-DE" sz="2000" b="0" i="0" u="none" strike="noStrike" cap="none" spc="0">
-              <a:solidFill>
-                <a:schemeClr val="tx1"/>
-              </a:solidFill>
-              <a:latin typeface="Roboto"/>
-              <a:ea typeface="Roboto"/>
-              <a:cs typeface="Roboto"/>
-            </a:endParaRPr>
-          </a:p>
-        </p:txBody>
-      </p:sp>
-      <p:pic>
-        <p:nvPicPr>
-          <p:cNvPr id="818108302" name=""/>
-          <p:cNvPicPr>
-            <a:picLocks noChangeAspect="1"/>
-          </p:cNvPicPr>
-          <p:nvPr/>
-        </p:nvPicPr>
-        <p:blipFill>
-          <a:blip r:embed="rId3"/>
-          <a:stretch/>
-        </p:blipFill>
-        <p:spPr bwMode="auto">
-          <a:xfrm flipH="0" flipV="0">
-            <a:off x="883851" y="1716284"/>
-            <a:ext cx="9663175" cy="1825006"/>
-          </a:xfrm>
-          <a:prstGeom prst="rect">
-            <a:avLst/>
-          </a:prstGeom>
-        </p:spPr>
-      </p:pic>
-      <p:sp>
-        <p:nvSpPr>
-          <p:cNvPr id="1406455942" name=""/>
-          <p:cNvSpPr txBox="1"/>
-          <p:nvPr/>
-        </p:nvSpPr>
-        <p:spPr bwMode="auto">
-          <a:xfrm flipH="0" flipV="0">
-            <a:off x="10059274" y="3561954"/>
-            <a:ext cx="411852" cy="305159"/>
-          </a:xfrm>
-          <a:prstGeom prst="rect">
-            <a:avLst/>
-          </a:prstGeom>
-          <a:noFill/>
-        </p:spPr>
-        <p:txBody>
-          <a:bodyPr vertOverflow="overflow" horzOverflow="overflow" vert="horz" wrap="square" lIns="91440" tIns="45720" rIns="91440" bIns="45720" numCol="1" spcCol="0" rtlCol="0" fromWordArt="0" anchor="t" anchorCtr="0" forceAA="0" upright="0" compatLnSpc="0">
-            <a:spAutoFit/>
-          </a:bodyPr>
-          <a:p>
-            <a:pPr>
-              <a:defRPr/>
-            </a:pPr>
-            <a:r>
-              <a:rPr sz="1400">
-                <a:solidFill>
-                  <a:schemeClr val="bg2">
-                    <a:lumMod val="50000"/>
-                  </a:schemeClr>
-                </a:solidFill>
-              </a:rPr>
-              <a:t>[4]</a:t>
-            </a:r>
-            <a:endParaRPr sz="1400">
-              <a:solidFill>
-                <a:schemeClr val="bg2">
-                  <a:lumMod val="50000"/>
-                </a:schemeClr>
-              </a:solidFill>
-            </a:endParaRPr>
-          </a:p>
-        </p:txBody>
-      </p:sp>
-    </p:spTree>
-  </p:cSld>
-  <p:clrMapOvr>
-    <a:masterClrMapping/>
-  </p:clrMapOvr>
-  <mc:AlternateContent xmlns:mc="http://schemas.openxmlformats.org/markup-compatibility/2006">
-    <mc:Choice xmlns:p159="http://schemas.microsoft.com/office/powerpoint/2015/09/main" xmlns:p14="http://schemas.microsoft.com/office/powerpoint/2010/main" Requires="p159">
-      <p:transition p14:dur="2000" advClick="1"/>
-    </mc:Choice>
-    <mc:Fallback>
-      <p:transition advClick="1"/>
-    </mc:Fallback>
-  </mc:AlternateContent>
-</p:sld>
-</file>
-
-<file path=ppt/slides/slide9.xml><?xml version="1.0" encoding="utf-8"?>
-<p:sld xmlns:a="http://schemas.openxmlformats.org/drawingml/2006/main" xmlns:r="http://schemas.openxmlformats.org/officeDocument/2006/relationships" xmlns:p="http://schemas.openxmlformats.org/presentationml/2006/main" xmlns:m="http://schemas.openxmlformats.org/officeDocument/2006/math" xmlns:w="http://schemas.openxmlformats.org/wordprocessingml/2006/main" xmlns:mc="http://schemas.openxmlformats.org/markup-compatibility/2006" showMasterPhAnim="0" showMasterSp="1" show="1">
-  <p:cSld name="">
-    <p:spTree>
-      <p:nvGrpSpPr>
-        <p:cNvPr id="1" name=""/>
-        <p:cNvGrpSpPr/>
-        <p:nvPr/>
-      </p:nvGrpSpPr>
-      <p:grpSpPr bwMode="auto">
-        <a:xfrm>
-          <a:off x="0" y="0"/>
-          <a:ext cx="0" cy="0"/>
-          <a:chOff x="0" y="0"/>
-          <a:chExt cx="0" cy="0"/>
-        </a:xfrm>
-      </p:grpSpPr>
-      <p:sp>
-        <p:nvSpPr>
-          <p:cNvPr id="1608485032" name="Titel 1"/>
-          <p:cNvSpPr>
-            <a:spLocks noGrp="1"/>
-          </p:cNvSpPr>
-          <p:nvPr>
-            <p:ph type="title"/>
-          </p:nvPr>
-        </p:nvSpPr>
-        <p:spPr bwMode="auto"/>
-        <p:txBody>
-          <a:bodyPr/>
-          <a:lstStyle/>
-          <a:p>
-            <a:pPr>
-              <a:defRPr/>
-            </a:pPr>
-            <a:r>
-              <a:rPr lang="de-DE" sz="2800" b="1" i="0" u="none" strike="noStrike" cap="none" spc="0">
-                <a:solidFill>
-                  <a:schemeClr val="bg1"/>
-                </a:solidFill>
-                <a:latin typeface="Roboto"/>
-                <a:ea typeface="Roboto"/>
-                <a:cs typeface="Roboto"/>
-              </a:rPr>
-              <a:t>Implementierung</a:t>
-            </a:r>
-            <a:endParaRPr/>
-          </a:p>
-        </p:txBody>
-      </p:sp>
-      <p:pic>
-        <p:nvPicPr>
-          <p:cNvPr id="1611135471" name="Grafik 9"/>
-          <p:cNvPicPr>
-            <a:picLocks noChangeAspect="1"/>
-          </p:cNvPicPr>
-          <p:nvPr/>
-        </p:nvPicPr>
-        <p:blipFill>
-          <a:blip r:embed="rId3">
-            <a:extLst>
-              <a:ext uri="{96DAC541-7B7A-43D3-8B79-37D633B846F1}">
-                <asvg:svgBlip xmlns:asvg="http://schemas.microsoft.com/office/drawing/2016/SVG/main" r:embed="rId4"/>
-              </a:ext>
-            </a:extLst>
-          </a:blip>
-          <a:stretch/>
-        </p:blipFill>
-        <p:spPr bwMode="auto">
-          <a:xfrm flipH="0" flipV="0">
-            <a:off x="5813140" y="2185647"/>
-            <a:ext cx="6186769" cy="4159588"/>
-          </a:xfrm>
-          <a:prstGeom prst="rect">
-            <a:avLst/>
-          </a:prstGeom>
-        </p:spPr>
-      </p:pic>
-      <p:sp>
-        <p:nvSpPr>
-          <p:cNvPr id="43565046" name="Textplatzhalter 7"/>
-          <p:cNvSpPr>
-            <a:spLocks noGrp="1"/>
-          </p:cNvSpPr>
-          <p:nvPr>
-            <p:ph type="body" sz="quarter" idx="13" hasCustomPrompt="1"/>
-          </p:nvPr>
-        </p:nvSpPr>
-        <p:spPr bwMode="auto">
-          <a:prstGeom prst="rect">
-            <a:avLst/>
-          </a:prstGeom>
-        </p:spPr>
-        <p:txBody>
-          <a:bodyPr lIns="0" tIns="0" rIns="0" bIns="0">
-            <a:normAutofit/>
-          </a:bodyPr>
-          <a:lstStyle>
-            <a:lvl1pPr marL="0" indent="0">
-              <a:buFont typeface="Arial"/>
-              <a:buNone/>
-              <a:defRPr sz="2400" b="1">
-                <a:solidFill>
-                  <a:schemeClr val="tx1"/>
-                </a:solidFill>
-                <a:latin typeface="Roboto"/>
-                <a:ea typeface="Roboto"/>
-              </a:defRPr>
-            </a:lvl1pPr>
-            <a:lvl2pPr>
-              <a:defRPr sz="2400">
-                <a:latin typeface="Roboto"/>
-                <a:ea typeface="Roboto"/>
-              </a:defRPr>
-            </a:lvl2pPr>
-            <a:lvl3pPr>
-              <a:defRPr sz="2000">
-                <a:latin typeface="Roboto"/>
-                <a:ea typeface="Roboto"/>
-              </a:defRPr>
-            </a:lvl3pPr>
-            <a:lvl4pPr>
-              <a:defRPr sz="2000">
-                <a:latin typeface="Roboto"/>
-                <a:ea typeface="Roboto"/>
-              </a:defRPr>
-            </a:lvl4pPr>
-            <a:lvl5pPr>
-              <a:defRPr sz="2000">
-                <a:latin typeface="Roboto"/>
-                <a:ea typeface="Roboto"/>
-              </a:defRPr>
-            </a:lvl5pPr>
-          </a:lstStyle>
-          <a:p>
-            <a:pPr>
-              <a:defRPr/>
-            </a:pPr>
-            <a:r>
-              <a:rPr lang="de-DE" sz="2400" b="1" i="0" u="none" strike="noStrike" cap="none" spc="0">
-                <a:solidFill>
-                  <a:schemeClr val="tx1"/>
-                </a:solidFill>
-                <a:latin typeface="Roboto"/>
-                <a:ea typeface="Roboto"/>
-                <a:cs typeface="Roboto"/>
-              </a:rPr>
-              <a:t>Ablauf eines Testskriptes</a:t>
-            </a:r>
-            <a:endParaRPr/>
-          </a:p>
-        </p:txBody>
-      </p:sp>
-      <p:sp>
-        <p:nvSpPr>
-          <p:cNvPr id="1440222583" name="Textplatzhalter 7"/>
-          <p:cNvSpPr>
-            <a:spLocks noGrp="1"/>
-          </p:cNvSpPr>
-          <p:nvPr>
-            <p:ph type="body" sz="quarter" idx="11"/>
-          </p:nvPr>
-        </p:nvSpPr>
-        <p:spPr bwMode="auto">
-          <a:xfrm>
-            <a:off x="192087" y="2060573"/>
-            <a:ext cx="5795961" cy="4284661"/>
-          </a:xfrm>
-          <a:prstGeom prst="rect">
-            <a:avLst/>
-          </a:prstGeom>
-        </p:spPr>
-        <p:txBody>
-          <a:bodyPr>
-            <a:normAutofit/>
-          </a:bodyPr>
-          <a:lstStyle>
-            <a:lvl1pPr>
-              <a:defRPr sz="2800">
-                <a:latin typeface="Roboto"/>
-                <a:ea typeface="Roboto"/>
-              </a:defRPr>
-            </a:lvl1pPr>
-            <a:lvl2pPr>
-              <a:defRPr sz="2400">
-                <a:latin typeface="Roboto"/>
-                <a:ea typeface="Roboto"/>
-              </a:defRPr>
-            </a:lvl2pPr>
-            <a:lvl3pPr>
-              <a:defRPr sz="2000">
-                <a:latin typeface="Roboto"/>
-                <a:ea typeface="Roboto"/>
-              </a:defRPr>
-            </a:lvl3pPr>
-            <a:lvl4pPr>
-              <a:defRPr sz="2000">
-                <a:latin typeface="Roboto"/>
-                <a:ea typeface="Roboto"/>
-              </a:defRPr>
-            </a:lvl4pPr>
-            <a:lvl5pPr>
-              <a:defRPr sz="2000">
-                <a:latin typeface="Roboto"/>
-                <a:ea typeface="Roboto"/>
-              </a:defRPr>
-            </a:lvl5pPr>
-          </a:lstStyle>
-          <a:p>
-            <a:pPr>
-              <a:defRPr/>
-            </a:pPr>
-            <a:r>
-              <a:rPr lang="de-DE" sz="2000" b="0" i="0" u="none" strike="noStrike" cap="none" spc="0">
-                <a:solidFill>
-                  <a:schemeClr val="tx1"/>
-                </a:solidFill>
-                <a:latin typeface="Roboto"/>
-                <a:ea typeface="Roboto"/>
-                <a:cs typeface="Roboto"/>
-              </a:rPr>
-              <a:t>Laden von Parametersätzen, abhängig von Szenario und Fahrzeug</a:t>
-            </a:r>
-            <a:endParaRPr sz="2000"/>
-          </a:p>
-          <a:p>
-            <a:pPr>
-              <a:defRPr/>
-            </a:pPr>
-            <a:r>
-              <a:rPr lang="de-DE" sz="2000" b="0" i="0" u="none" strike="noStrike" cap="none" spc="0">
-                <a:solidFill>
-                  <a:schemeClr val="tx1"/>
-                </a:solidFill>
-                <a:latin typeface="Roboto"/>
-                <a:ea typeface="Roboto"/>
-                <a:cs typeface="Roboto"/>
-              </a:rPr>
-              <a:t>Umgebungsklasse stellt definierte Anfangszustände durch Laden von Fahrzeugparametern und Initialisierung der Simulation her</a:t>
-            </a:r>
-            <a:endParaRPr sz="2000"/>
-          </a:p>
-          <a:p>
-            <a:pPr>
-              <a:defRPr/>
-            </a:pPr>
-            <a:r>
-              <a:rPr lang="de-DE" sz="2000" b="0" i="0" u="none" strike="noStrike" cap="none" spc="0">
-                <a:solidFill>
-                  <a:schemeClr val="tx1"/>
-                </a:solidFill>
-                <a:latin typeface="Roboto"/>
-                <a:ea typeface="Roboto"/>
-                <a:cs typeface="Roboto"/>
-              </a:rPr>
-              <a:t>Jedes Szenario existiert als eigene Testklasse</a:t>
-            </a:r>
-            <a:endParaRPr sz="2000"/>
-          </a:p>
-          <a:p>
-            <a:pPr>
-              <a:defRPr/>
-            </a:pPr>
-            <a:r>
-              <a:rPr lang="de-DE" sz="2000" b="0" i="0" u="none" strike="noStrike" cap="none" spc="0">
-                <a:solidFill>
-                  <a:schemeClr val="tx1"/>
-                </a:solidFill>
-                <a:latin typeface="Roboto"/>
-                <a:ea typeface="Roboto"/>
-                <a:cs typeface="Roboto"/>
-              </a:rPr>
-              <a:t>Testrunner</a:t>
-            </a:r>
-            <a:r>
-              <a:rPr lang="de-DE" sz="2000" b="0" i="0" u="none" strike="noStrike" cap="none" spc="0">
-                <a:solidFill>
-                  <a:schemeClr val="tx1"/>
-                </a:solidFill>
-                <a:latin typeface="Roboto"/>
-                <a:ea typeface="Roboto"/>
-                <a:cs typeface="Roboto"/>
-              </a:rPr>
-              <a:t> führt Test Suite aus, sorgt für korrekten Ablauf von Setup- und </a:t>
-            </a:r>
-            <a:r>
-              <a:rPr lang="de-DE" sz="2000" b="0" i="0" u="none" strike="noStrike" cap="none" spc="0">
-                <a:solidFill>
-                  <a:schemeClr val="tx1"/>
-                </a:solidFill>
-                <a:latin typeface="Roboto"/>
-                <a:ea typeface="Roboto"/>
-                <a:cs typeface="Roboto"/>
-              </a:rPr>
-              <a:t>Teardown</a:t>
-            </a:r>
-            <a:r>
-              <a:rPr lang="de-DE" sz="2000" b="0" i="0" u="none" strike="noStrike" cap="none" spc="0">
-                <a:solidFill>
-                  <a:schemeClr val="tx1"/>
-                </a:solidFill>
-                <a:latin typeface="Roboto"/>
-                <a:ea typeface="Roboto"/>
-                <a:cs typeface="Roboto"/>
-              </a:rPr>
-              <a:t>-Funktionen und erstellt Testbericht</a:t>
-            </a:r>
-            <a:endParaRPr sz="2000"/>
-          </a:p>
-          <a:p>
-            <a:pPr>
-              <a:defRPr/>
-            </a:pPr>
-            <a:r>
-              <a:rPr lang="de-DE" sz="2000" b="0" i="0" u="none" strike="noStrike" cap="none" spc="0">
-                <a:solidFill>
-                  <a:schemeClr val="tx1"/>
-                </a:solidFill>
-                <a:latin typeface="Roboto"/>
-                <a:ea typeface="Roboto"/>
-                <a:cs typeface="Roboto"/>
-              </a:rPr>
-              <a:t>KPIs werden dynamisch vor Ausführung einer Simulation geladen</a:t>
-            </a:r>
-            <a:endParaRPr sz="2000"/>
           </a:p>
         </p:txBody>
       </p:sp>
